--- a/itl/libs/validate/doc/boostcon2010/BoostAlabaster.pptx
+++ b/itl/libs/validate/doc/boostcon2010/BoostAlabaster.pptx
@@ -6464,9 +6464,584 @@
   <p:timing>
     <p:tnLst>
       <p:par>
-        <p:cTn id="1" dur="indefinite" restart="never" nodeType="tmRoot"/>
+        <p:cTn id="1" dur="indefinite" restart="never" nodeType="tmRoot">
+          <p:childTnLst>
+            <p:seq concurrent="1" nextAc="seek">
+              <p:cTn id="2" dur="indefinite" nodeType="mainSeq">
+                <p:childTnLst>
+                  <p:par>
+                    <p:cTn id="3" fill="hold">
+                      <p:stCondLst>
+                        <p:cond delay="indefinite"/>
+                      </p:stCondLst>
+                      <p:childTnLst>
+                        <p:par>
+                          <p:cTn id="4" fill="hold">
+                            <p:stCondLst>
+                              <p:cond delay="0"/>
+                            </p:stCondLst>
+                            <p:childTnLst>
+                              <p:par>
+                                <p:cTn id="5" presetID="4" presetClass="entr" presetSubtype="16" fill="hold" grpId="0" nodeType="clickEffect">
+                                  <p:stCondLst>
+                                    <p:cond delay="0"/>
+                                  </p:stCondLst>
+                                  <p:childTnLst>
+                                    <p:set>
+                                      <p:cBhvr>
+                                        <p:cTn id="6" dur="1" fill="hold">
+                                          <p:stCondLst>
+                                            <p:cond delay="0"/>
+                                          </p:stCondLst>
+                                        </p:cTn>
+                                        <p:tgtEl>
+                                          <p:spTgt spid="3">
+                                            <p:txEl>
+                                              <p:pRg st="0" end="0"/>
+                                            </p:txEl>
+                                          </p:spTgt>
+                                        </p:tgtEl>
+                                        <p:attrNameLst>
+                                          <p:attrName>style.visibility</p:attrName>
+                                        </p:attrNameLst>
+                                      </p:cBhvr>
+                                      <p:to>
+                                        <p:strVal val="visible"/>
+                                      </p:to>
+                                    </p:set>
+                                    <p:animEffect transition="in" filter="box(in)">
+                                      <p:cBhvr>
+                                        <p:cTn id="7" dur="500"/>
+                                        <p:tgtEl>
+                                          <p:spTgt spid="3">
+                                            <p:txEl>
+                                              <p:pRg st="0" end="0"/>
+                                            </p:txEl>
+                                          </p:spTgt>
+                                        </p:tgtEl>
+                                      </p:cBhvr>
+                                    </p:animEffect>
+                                  </p:childTnLst>
+                                </p:cTn>
+                              </p:par>
+                            </p:childTnLst>
+                          </p:cTn>
+                        </p:par>
+                      </p:childTnLst>
+                    </p:cTn>
+                  </p:par>
+                  <p:par>
+                    <p:cTn id="8" fill="hold">
+                      <p:stCondLst>
+                        <p:cond delay="indefinite"/>
+                      </p:stCondLst>
+                      <p:childTnLst>
+                        <p:par>
+                          <p:cTn id="9" fill="hold">
+                            <p:stCondLst>
+                              <p:cond delay="0"/>
+                            </p:stCondLst>
+                            <p:childTnLst>
+                              <p:par>
+                                <p:cTn id="10" presetID="4" presetClass="entr" presetSubtype="16" fill="hold" grpId="0" nodeType="clickEffect">
+                                  <p:stCondLst>
+                                    <p:cond delay="0"/>
+                                  </p:stCondLst>
+                                  <p:childTnLst>
+                                    <p:set>
+                                      <p:cBhvr>
+                                        <p:cTn id="11" dur="1" fill="hold">
+                                          <p:stCondLst>
+                                            <p:cond delay="0"/>
+                                          </p:stCondLst>
+                                        </p:cTn>
+                                        <p:tgtEl>
+                                          <p:spTgt spid="3">
+                                            <p:txEl>
+                                              <p:pRg st="1" end="1"/>
+                                            </p:txEl>
+                                          </p:spTgt>
+                                        </p:tgtEl>
+                                        <p:attrNameLst>
+                                          <p:attrName>style.visibility</p:attrName>
+                                        </p:attrNameLst>
+                                      </p:cBhvr>
+                                      <p:to>
+                                        <p:strVal val="visible"/>
+                                      </p:to>
+                                    </p:set>
+                                    <p:animEffect transition="in" filter="box(in)">
+                                      <p:cBhvr>
+                                        <p:cTn id="12" dur="500"/>
+                                        <p:tgtEl>
+                                          <p:spTgt spid="3">
+                                            <p:txEl>
+                                              <p:pRg st="1" end="1"/>
+                                            </p:txEl>
+                                          </p:spTgt>
+                                        </p:tgtEl>
+                                      </p:cBhvr>
+                                    </p:animEffect>
+                                  </p:childTnLst>
+                                </p:cTn>
+                              </p:par>
+                            </p:childTnLst>
+                          </p:cTn>
+                        </p:par>
+                      </p:childTnLst>
+                    </p:cTn>
+                  </p:par>
+                  <p:par>
+                    <p:cTn id="13" fill="hold">
+                      <p:stCondLst>
+                        <p:cond delay="indefinite"/>
+                      </p:stCondLst>
+                      <p:childTnLst>
+                        <p:par>
+                          <p:cTn id="14" fill="hold">
+                            <p:stCondLst>
+                              <p:cond delay="0"/>
+                            </p:stCondLst>
+                            <p:childTnLst>
+                              <p:par>
+                                <p:cTn id="15" presetID="4" presetClass="entr" presetSubtype="16" fill="hold" grpId="0" nodeType="clickEffect">
+                                  <p:stCondLst>
+                                    <p:cond delay="0"/>
+                                  </p:stCondLst>
+                                  <p:childTnLst>
+                                    <p:set>
+                                      <p:cBhvr>
+                                        <p:cTn id="16" dur="1" fill="hold">
+                                          <p:stCondLst>
+                                            <p:cond delay="0"/>
+                                          </p:stCondLst>
+                                        </p:cTn>
+                                        <p:tgtEl>
+                                          <p:spTgt spid="3">
+                                            <p:txEl>
+                                              <p:pRg st="2" end="2"/>
+                                            </p:txEl>
+                                          </p:spTgt>
+                                        </p:tgtEl>
+                                        <p:attrNameLst>
+                                          <p:attrName>style.visibility</p:attrName>
+                                        </p:attrNameLst>
+                                      </p:cBhvr>
+                                      <p:to>
+                                        <p:strVal val="visible"/>
+                                      </p:to>
+                                    </p:set>
+                                    <p:animEffect transition="in" filter="box(in)">
+                                      <p:cBhvr>
+                                        <p:cTn id="17" dur="500"/>
+                                        <p:tgtEl>
+                                          <p:spTgt spid="3">
+                                            <p:txEl>
+                                              <p:pRg st="2" end="2"/>
+                                            </p:txEl>
+                                          </p:spTgt>
+                                        </p:tgtEl>
+                                      </p:cBhvr>
+                                    </p:animEffect>
+                                  </p:childTnLst>
+                                </p:cTn>
+                              </p:par>
+                            </p:childTnLst>
+                          </p:cTn>
+                        </p:par>
+                      </p:childTnLst>
+                    </p:cTn>
+                  </p:par>
+                  <p:par>
+                    <p:cTn id="18" fill="hold">
+                      <p:stCondLst>
+                        <p:cond delay="indefinite"/>
+                      </p:stCondLst>
+                      <p:childTnLst>
+                        <p:par>
+                          <p:cTn id="19" fill="hold">
+                            <p:stCondLst>
+                              <p:cond delay="0"/>
+                            </p:stCondLst>
+                            <p:childTnLst>
+                              <p:par>
+                                <p:cTn id="20" presetID="4" presetClass="entr" presetSubtype="16" fill="hold" grpId="0" nodeType="clickEffect">
+                                  <p:stCondLst>
+                                    <p:cond delay="0"/>
+                                  </p:stCondLst>
+                                  <p:childTnLst>
+                                    <p:set>
+                                      <p:cBhvr>
+                                        <p:cTn id="21" dur="1" fill="hold">
+                                          <p:stCondLst>
+                                            <p:cond delay="0"/>
+                                          </p:stCondLst>
+                                        </p:cTn>
+                                        <p:tgtEl>
+                                          <p:spTgt spid="3">
+                                            <p:txEl>
+                                              <p:pRg st="3" end="3"/>
+                                            </p:txEl>
+                                          </p:spTgt>
+                                        </p:tgtEl>
+                                        <p:attrNameLst>
+                                          <p:attrName>style.visibility</p:attrName>
+                                        </p:attrNameLst>
+                                      </p:cBhvr>
+                                      <p:to>
+                                        <p:strVal val="visible"/>
+                                      </p:to>
+                                    </p:set>
+                                    <p:animEffect transition="in" filter="box(in)">
+                                      <p:cBhvr>
+                                        <p:cTn id="22" dur="500"/>
+                                        <p:tgtEl>
+                                          <p:spTgt spid="3">
+                                            <p:txEl>
+                                              <p:pRg st="3" end="3"/>
+                                            </p:txEl>
+                                          </p:spTgt>
+                                        </p:tgtEl>
+                                      </p:cBhvr>
+                                    </p:animEffect>
+                                  </p:childTnLst>
+                                </p:cTn>
+                              </p:par>
+                            </p:childTnLst>
+                          </p:cTn>
+                        </p:par>
+                      </p:childTnLst>
+                    </p:cTn>
+                  </p:par>
+                  <p:par>
+                    <p:cTn id="23" fill="hold">
+                      <p:stCondLst>
+                        <p:cond delay="indefinite"/>
+                      </p:stCondLst>
+                      <p:childTnLst>
+                        <p:par>
+                          <p:cTn id="24" fill="hold">
+                            <p:stCondLst>
+                              <p:cond delay="0"/>
+                            </p:stCondLst>
+                            <p:childTnLst>
+                              <p:par>
+                                <p:cTn id="25" presetID="4" presetClass="entr" presetSubtype="16" fill="hold" grpId="0" nodeType="clickEffect">
+                                  <p:stCondLst>
+                                    <p:cond delay="0"/>
+                                  </p:stCondLst>
+                                  <p:childTnLst>
+                                    <p:set>
+                                      <p:cBhvr>
+                                        <p:cTn id="26" dur="1" fill="hold">
+                                          <p:stCondLst>
+                                            <p:cond delay="0"/>
+                                          </p:stCondLst>
+                                        </p:cTn>
+                                        <p:tgtEl>
+                                          <p:spTgt spid="3">
+                                            <p:txEl>
+                                              <p:pRg st="4" end="4"/>
+                                            </p:txEl>
+                                          </p:spTgt>
+                                        </p:tgtEl>
+                                        <p:attrNameLst>
+                                          <p:attrName>style.visibility</p:attrName>
+                                        </p:attrNameLst>
+                                      </p:cBhvr>
+                                      <p:to>
+                                        <p:strVal val="visible"/>
+                                      </p:to>
+                                    </p:set>
+                                    <p:animEffect transition="in" filter="box(in)">
+                                      <p:cBhvr>
+                                        <p:cTn id="27" dur="500"/>
+                                        <p:tgtEl>
+                                          <p:spTgt spid="3">
+                                            <p:txEl>
+                                              <p:pRg st="4" end="4"/>
+                                            </p:txEl>
+                                          </p:spTgt>
+                                        </p:tgtEl>
+                                      </p:cBhvr>
+                                    </p:animEffect>
+                                  </p:childTnLst>
+                                </p:cTn>
+                              </p:par>
+                            </p:childTnLst>
+                          </p:cTn>
+                        </p:par>
+                      </p:childTnLst>
+                    </p:cTn>
+                  </p:par>
+                  <p:par>
+                    <p:cTn id="28" fill="hold">
+                      <p:stCondLst>
+                        <p:cond delay="indefinite"/>
+                      </p:stCondLst>
+                      <p:childTnLst>
+                        <p:par>
+                          <p:cTn id="29" fill="hold">
+                            <p:stCondLst>
+                              <p:cond delay="0"/>
+                            </p:stCondLst>
+                            <p:childTnLst>
+                              <p:par>
+                                <p:cTn id="30" presetID="4" presetClass="entr" presetSubtype="16" fill="hold" grpId="0" nodeType="clickEffect">
+                                  <p:stCondLst>
+                                    <p:cond delay="0"/>
+                                  </p:stCondLst>
+                                  <p:childTnLst>
+                                    <p:set>
+                                      <p:cBhvr>
+                                        <p:cTn id="31" dur="1" fill="hold">
+                                          <p:stCondLst>
+                                            <p:cond delay="0"/>
+                                          </p:stCondLst>
+                                        </p:cTn>
+                                        <p:tgtEl>
+                                          <p:spTgt spid="3">
+                                            <p:txEl>
+                                              <p:pRg st="5" end="5"/>
+                                            </p:txEl>
+                                          </p:spTgt>
+                                        </p:tgtEl>
+                                        <p:attrNameLst>
+                                          <p:attrName>style.visibility</p:attrName>
+                                        </p:attrNameLst>
+                                      </p:cBhvr>
+                                      <p:to>
+                                        <p:strVal val="visible"/>
+                                      </p:to>
+                                    </p:set>
+                                    <p:animEffect transition="in" filter="box(in)">
+                                      <p:cBhvr>
+                                        <p:cTn id="32" dur="500"/>
+                                        <p:tgtEl>
+                                          <p:spTgt spid="3">
+                                            <p:txEl>
+                                              <p:pRg st="5" end="5"/>
+                                            </p:txEl>
+                                          </p:spTgt>
+                                        </p:tgtEl>
+                                      </p:cBhvr>
+                                    </p:animEffect>
+                                  </p:childTnLst>
+                                </p:cTn>
+                              </p:par>
+                            </p:childTnLst>
+                          </p:cTn>
+                        </p:par>
+                      </p:childTnLst>
+                    </p:cTn>
+                  </p:par>
+                  <p:par>
+                    <p:cTn id="33" fill="hold">
+                      <p:stCondLst>
+                        <p:cond delay="indefinite"/>
+                      </p:stCondLst>
+                      <p:childTnLst>
+                        <p:par>
+                          <p:cTn id="34" fill="hold">
+                            <p:stCondLst>
+                              <p:cond delay="0"/>
+                            </p:stCondLst>
+                            <p:childTnLst>
+                              <p:par>
+                                <p:cTn id="35" presetID="4" presetClass="entr" presetSubtype="16" fill="hold" grpId="0" nodeType="clickEffect">
+                                  <p:stCondLst>
+                                    <p:cond delay="0"/>
+                                  </p:stCondLst>
+                                  <p:childTnLst>
+                                    <p:set>
+                                      <p:cBhvr>
+                                        <p:cTn id="36" dur="1" fill="hold">
+                                          <p:stCondLst>
+                                            <p:cond delay="0"/>
+                                          </p:stCondLst>
+                                        </p:cTn>
+                                        <p:tgtEl>
+                                          <p:spTgt spid="3">
+                                            <p:txEl>
+                                              <p:pRg st="6" end="6"/>
+                                            </p:txEl>
+                                          </p:spTgt>
+                                        </p:tgtEl>
+                                        <p:attrNameLst>
+                                          <p:attrName>style.visibility</p:attrName>
+                                        </p:attrNameLst>
+                                      </p:cBhvr>
+                                      <p:to>
+                                        <p:strVal val="visible"/>
+                                      </p:to>
+                                    </p:set>
+                                    <p:animEffect transition="in" filter="box(in)">
+                                      <p:cBhvr>
+                                        <p:cTn id="37" dur="500"/>
+                                        <p:tgtEl>
+                                          <p:spTgt spid="3">
+                                            <p:txEl>
+                                              <p:pRg st="6" end="6"/>
+                                            </p:txEl>
+                                          </p:spTgt>
+                                        </p:tgtEl>
+                                      </p:cBhvr>
+                                    </p:animEffect>
+                                  </p:childTnLst>
+                                </p:cTn>
+                              </p:par>
+                            </p:childTnLst>
+                          </p:cTn>
+                        </p:par>
+                      </p:childTnLst>
+                    </p:cTn>
+                  </p:par>
+                  <p:par>
+                    <p:cTn id="38" fill="hold">
+                      <p:stCondLst>
+                        <p:cond delay="indefinite"/>
+                      </p:stCondLst>
+                      <p:childTnLst>
+                        <p:par>
+                          <p:cTn id="39" fill="hold">
+                            <p:stCondLst>
+                              <p:cond delay="0"/>
+                            </p:stCondLst>
+                            <p:childTnLst>
+                              <p:par>
+                                <p:cTn id="40" presetID="4" presetClass="entr" presetSubtype="16" fill="hold" grpId="0" nodeType="clickEffect">
+                                  <p:stCondLst>
+                                    <p:cond delay="0"/>
+                                  </p:stCondLst>
+                                  <p:childTnLst>
+                                    <p:set>
+                                      <p:cBhvr>
+                                        <p:cTn id="41" dur="1" fill="hold">
+                                          <p:stCondLst>
+                                            <p:cond delay="0"/>
+                                          </p:stCondLst>
+                                        </p:cTn>
+                                        <p:tgtEl>
+                                          <p:spTgt spid="3">
+                                            <p:txEl>
+                                              <p:pRg st="7" end="7"/>
+                                            </p:txEl>
+                                          </p:spTgt>
+                                        </p:tgtEl>
+                                        <p:attrNameLst>
+                                          <p:attrName>style.visibility</p:attrName>
+                                        </p:attrNameLst>
+                                      </p:cBhvr>
+                                      <p:to>
+                                        <p:strVal val="visible"/>
+                                      </p:to>
+                                    </p:set>
+                                    <p:animEffect transition="in" filter="box(in)">
+                                      <p:cBhvr>
+                                        <p:cTn id="42" dur="500"/>
+                                        <p:tgtEl>
+                                          <p:spTgt spid="3">
+                                            <p:txEl>
+                                              <p:pRg st="7" end="7"/>
+                                            </p:txEl>
+                                          </p:spTgt>
+                                        </p:tgtEl>
+                                      </p:cBhvr>
+                                    </p:animEffect>
+                                  </p:childTnLst>
+                                </p:cTn>
+                              </p:par>
+                            </p:childTnLst>
+                          </p:cTn>
+                        </p:par>
+                      </p:childTnLst>
+                    </p:cTn>
+                  </p:par>
+                  <p:par>
+                    <p:cTn id="43" fill="hold">
+                      <p:stCondLst>
+                        <p:cond delay="indefinite"/>
+                      </p:stCondLst>
+                      <p:childTnLst>
+                        <p:par>
+                          <p:cTn id="44" fill="hold">
+                            <p:stCondLst>
+                              <p:cond delay="0"/>
+                            </p:stCondLst>
+                            <p:childTnLst>
+                              <p:par>
+                                <p:cTn id="45" presetID="4" presetClass="entr" presetSubtype="16" fill="hold" grpId="0" nodeType="clickEffect">
+                                  <p:stCondLst>
+                                    <p:cond delay="0"/>
+                                  </p:stCondLst>
+                                  <p:childTnLst>
+                                    <p:set>
+                                      <p:cBhvr>
+                                        <p:cTn id="46" dur="1" fill="hold">
+                                          <p:stCondLst>
+                                            <p:cond delay="0"/>
+                                          </p:stCondLst>
+                                        </p:cTn>
+                                        <p:tgtEl>
+                                          <p:spTgt spid="3">
+                                            <p:txEl>
+                                              <p:pRg st="8" end="8"/>
+                                            </p:txEl>
+                                          </p:spTgt>
+                                        </p:tgtEl>
+                                        <p:attrNameLst>
+                                          <p:attrName>style.visibility</p:attrName>
+                                        </p:attrNameLst>
+                                      </p:cBhvr>
+                                      <p:to>
+                                        <p:strVal val="visible"/>
+                                      </p:to>
+                                    </p:set>
+                                    <p:animEffect transition="in" filter="box(in)">
+                                      <p:cBhvr>
+                                        <p:cTn id="47" dur="500"/>
+                                        <p:tgtEl>
+                                          <p:spTgt spid="3">
+                                            <p:txEl>
+                                              <p:pRg st="8" end="8"/>
+                                            </p:txEl>
+                                          </p:spTgt>
+                                        </p:tgtEl>
+                                      </p:cBhvr>
+                                    </p:animEffect>
+                                  </p:childTnLst>
+                                </p:cTn>
+                              </p:par>
+                            </p:childTnLst>
+                          </p:cTn>
+                        </p:par>
+                      </p:childTnLst>
+                    </p:cTn>
+                  </p:par>
+                </p:childTnLst>
+              </p:cTn>
+              <p:prevCondLst>
+                <p:cond evt="onPrev" delay="0">
+                  <p:tgtEl>
+                    <p:sldTgt/>
+                  </p:tgtEl>
+                </p:cond>
+              </p:prevCondLst>
+              <p:nextCondLst>
+                <p:cond evt="onNext" delay="0">
+                  <p:tgtEl>
+                    <p:sldTgt/>
+                  </p:tgtEl>
+                </p:cond>
+              </p:nextCondLst>
+            </p:seq>
+          </p:childTnLst>
+        </p:cTn>
       </p:par>
     </p:tnLst>
+    <p:bldLst>
+      <p:bldP spid="3" grpId="0" uiExpand="1" build="p"/>
+    </p:bldLst>
   </p:timing>
 </p:sld>
 </file>
@@ -17160,43 +17735,137 @@
           <a:p>
             <a:r>
               <a:rPr lang="en-US" dirty="0" smtClean="0"/>
-              <a:t>As a test tool for the ITL-library, it turned out that</a:t>
-            </a:r>
-          </a:p>
-          <a:p>
+              <a:t>As a test tool for the ITL-library, it turned out that l</a:t>
+            </a:r>
             <a:r>
               <a:rPr lang="en-US" dirty="0" smtClean="0"/>
-              <a:t>Law based testing </a:t>
+              <a:t>aw based testing …</a:t>
             </a:r>
           </a:p>
           <a:p>
             <a:r>
               <a:rPr lang="en-US" dirty="0" smtClean="0"/>
-              <a:t>Was very effective for refactoring and unit tests</a:t>
-            </a:r>
-          </a:p>
-          <a:p>
+              <a:t>… was very </a:t>
+            </a:r>
+            <a:r>
+              <a:rPr lang="en-US" dirty="0" smtClean="0">
+                <a:solidFill>
+                  <a:srgbClr val="0070C0"/>
+                </a:solidFill>
+              </a:rPr>
+              <a:t>effective</a:t>
+            </a:r>
             <a:r>
               <a:rPr lang="en-US" dirty="0" smtClean="0"/>
-              <a:t>Turned out to foster abstraction and quality in the development process</a:t>
-            </a:r>
-          </a:p>
-          <a:p>
+              <a:t> for </a:t>
+            </a:r>
+            <a:r>
+              <a:rPr lang="en-US" dirty="0" smtClean="0">
+                <a:solidFill>
+                  <a:srgbClr val="0070C0"/>
+                </a:solidFill>
+              </a:rPr>
+              <a:t>refactoring</a:t>
+            </a:r>
             <a:r>
               <a:rPr lang="en-US" dirty="0" smtClean="0"/>
-              <a:t>Contains challenging abstraction tasks as a library</a:t>
+              <a:t> and </a:t>
+            </a:r>
+            <a:r>
+              <a:rPr lang="en-US" dirty="0" smtClean="0">
+                <a:solidFill>
+                  <a:srgbClr val="0070C0"/>
+                </a:solidFill>
+              </a:rPr>
+              <a:t>unit tests</a:t>
             </a:r>
           </a:p>
           <a:p>
             <a:r>
               <a:rPr lang="en-US" dirty="0" smtClean="0"/>
-              <a:t>Attracted interest in the boost community</a:t>
-            </a:r>
-          </a:p>
-          <a:p>
+              <a:t>... fosters </a:t>
+            </a:r>
+            <a:r>
+              <a:rPr lang="en-US" dirty="0" smtClean="0">
+                <a:solidFill>
+                  <a:srgbClr val="0070C0"/>
+                </a:solidFill>
+              </a:rPr>
+              <a:t>abstraction</a:t>
+            </a:r>
             <a:r>
               <a:rPr lang="en-US" dirty="0" smtClean="0"/>
-              <a:t>… has the potential for future boost library in a currently underdeveloped field.</a:t>
+              <a:t> and </a:t>
+            </a:r>
+            <a:r>
+              <a:rPr lang="en-US" dirty="0" smtClean="0">
+                <a:solidFill>
+                  <a:srgbClr val="0070C0"/>
+                </a:solidFill>
+              </a:rPr>
+              <a:t>quality</a:t>
+            </a:r>
+            <a:r>
+              <a:rPr lang="en-US" dirty="0" smtClean="0"/>
+              <a:t> in the development process</a:t>
+            </a:r>
+          </a:p>
+          <a:p>
+            <a:r>
+              <a:rPr lang="en-US" dirty="0" smtClean="0"/>
+              <a:t>… c</a:t>
+            </a:r>
+            <a:r>
+              <a:rPr lang="en-US" dirty="0" smtClean="0"/>
+              <a:t>ontains challenging </a:t>
+            </a:r>
+            <a:r>
+              <a:rPr lang="en-US" dirty="0" smtClean="0">
+                <a:solidFill>
+                  <a:srgbClr val="0070C0"/>
+                </a:solidFill>
+              </a:rPr>
+              <a:t>abstraction tasks</a:t>
+            </a:r>
+            <a:r>
+              <a:rPr lang="en-US" dirty="0" smtClean="0"/>
+              <a:t> as a library</a:t>
+            </a:r>
+          </a:p>
+          <a:p>
+            <a:r>
+              <a:rPr lang="en-US" dirty="0" smtClean="0"/>
+              <a:t>… attracted </a:t>
+            </a:r>
+            <a:r>
+              <a:rPr lang="en-US" dirty="0" smtClean="0">
+                <a:solidFill>
+                  <a:srgbClr val="0070C0"/>
+                </a:solidFill>
+              </a:rPr>
+              <a:t>interest</a:t>
+            </a:r>
+            <a:r>
+              <a:rPr lang="en-US" dirty="0" smtClean="0"/>
+              <a:t> in the boost community</a:t>
+            </a:r>
+          </a:p>
+          <a:p>
+            <a:r>
+              <a:rPr lang="en-US" dirty="0" smtClean="0"/>
+              <a:t>… has the potential for </a:t>
+            </a:r>
+            <a:r>
+              <a:rPr lang="en-US" dirty="0" smtClean="0">
+                <a:solidFill>
+                  <a:srgbClr val="0070C0"/>
+                </a:solidFill>
+              </a:rPr>
+              <a:t>future boost library</a:t>
+            </a:r>
+            <a:r>
+              <a:rPr lang="en-US" dirty="0" smtClean="0"/>
+              <a:t> in a currently underdeveloped field.</a:t>
             </a:r>
           </a:p>
           <a:p>
@@ -17205,7 +17874,13 @@
               <a:t>The name </a:t>
             </a:r>
             <a:r>
-              <a:rPr lang="en-US" dirty="0" err="1" smtClean="0"/>
+              <a:rPr lang="en-US" dirty="0" err="1" smtClean="0">
+                <a:solidFill>
+                  <a:schemeClr val="accent1">
+                    <a:lumMod val="75000"/>
+                  </a:schemeClr>
+                </a:solidFill>
+              </a:rPr>
               <a:t>Boost.Alabaster</a:t>
             </a:r>
             <a:r>
@@ -17656,67 +18331,6 @@
                       </p:childTnLst>
                     </p:cTn>
                   </p:par>
-                  <p:par>
-                    <p:cTn id="38" fill="hold">
-                      <p:stCondLst>
-                        <p:cond delay="indefinite"/>
-                      </p:stCondLst>
-                      <p:childTnLst>
-                        <p:par>
-                          <p:cTn id="39" fill="hold">
-                            <p:stCondLst>
-                              <p:cond delay="0"/>
-                            </p:stCondLst>
-                            <p:childTnLst>
-                              <p:par>
-                                <p:cTn id="40" presetID="4" presetClass="entr" presetSubtype="16" fill="hold" nodeType="clickEffect">
-                                  <p:stCondLst>
-                                    <p:cond delay="0"/>
-                                  </p:stCondLst>
-                                  <p:childTnLst>
-                                    <p:set>
-                                      <p:cBhvr>
-                                        <p:cTn id="41" dur="1" fill="hold">
-                                          <p:stCondLst>
-                                            <p:cond delay="0"/>
-                                          </p:stCondLst>
-                                        </p:cTn>
-                                        <p:tgtEl>
-                                          <p:spTgt spid="3">
-                                            <p:txEl>
-                                              <p:pRg st="7" end="7"/>
-                                            </p:txEl>
-                                          </p:spTgt>
-                                        </p:tgtEl>
-                                        <p:attrNameLst>
-                                          <p:attrName>style.visibility</p:attrName>
-                                        </p:attrNameLst>
-                                      </p:cBhvr>
-                                      <p:to>
-                                        <p:strVal val="visible"/>
-                                      </p:to>
-                                    </p:set>
-                                    <p:animEffect transition="in" filter="box(in)">
-                                      <p:cBhvr>
-                                        <p:cTn id="42" dur="500"/>
-                                        <p:tgtEl>
-                                          <p:spTgt spid="3">
-                                            <p:txEl>
-                                              <p:pRg st="7" end="7"/>
-                                            </p:txEl>
-                                          </p:spTgt>
-                                        </p:tgtEl>
-                                      </p:cBhvr>
-                                    </p:animEffect>
-                                  </p:childTnLst>
-                                </p:cTn>
-                              </p:par>
-                            </p:childTnLst>
-                          </p:cTn>
-                        </p:par>
-                      </p:childTnLst>
-                    </p:cTn>
-                  </p:par>
                 </p:childTnLst>
               </p:cTn>
               <p:prevCondLst>
@@ -17830,26 +18444,96 @@
           <a:p>
             <a:r>
               <a:rPr lang="en-US" dirty="0" smtClean="0"/>
-              <a:t>Today I will introduce the current prototype</a:t>
-            </a:r>
-            <a:endParaRPr lang="en-US" dirty="0" smtClean="0"/>
+              <a:t>Today I will introduce the current </a:t>
+            </a:r>
+            <a:r>
+              <a:rPr lang="en-US" dirty="0" smtClean="0">
+                <a:solidFill>
+                  <a:srgbClr val="0070C0"/>
+                </a:solidFill>
+              </a:rPr>
+              <a:t>prototype</a:t>
+            </a:r>
+            <a:endParaRPr lang="en-US" dirty="0" smtClean="0">
+              <a:solidFill>
+                <a:srgbClr val="0070C0"/>
+              </a:solidFill>
+            </a:endParaRPr>
           </a:p>
           <a:p>
             <a:r>
               <a:rPr lang="en-US" dirty="0" smtClean="0"/>
-              <a:t>That is non-boost quality and Loki biased</a:t>
-            </a:r>
-          </a:p>
-          <a:p>
+              <a:t>t</a:t>
+            </a:r>
             <a:r>
               <a:rPr lang="en-US" dirty="0" smtClean="0"/>
-              <a:t>For the most part I will show what I have</a:t>
-            </a:r>
-          </a:p>
-          <a:p>
+              <a:t>hat is </a:t>
+            </a:r>
+            <a:r>
+              <a:rPr lang="en-US" dirty="0" smtClean="0">
+                <a:solidFill>
+                  <a:srgbClr val="0070C0"/>
+                </a:solidFill>
+              </a:rPr>
+              <a:t>non-boost</a:t>
+            </a:r>
             <a:r>
               <a:rPr lang="en-US" dirty="0" smtClean="0"/>
-              <a:t>… in order to make the ideas of properties of law based testing clear</a:t>
+              <a:t> quality and </a:t>
+            </a:r>
+            <a:r>
+              <a:rPr lang="en-US" dirty="0" smtClean="0">
+                <a:solidFill>
+                  <a:srgbClr val="0070C0"/>
+                </a:solidFill>
+              </a:rPr>
+              <a:t>Loki biased</a:t>
+            </a:r>
+          </a:p>
+          <a:p>
+            <a:r>
+              <a:rPr lang="en-US" dirty="0" smtClean="0"/>
+              <a:t>For the most part I will show </a:t>
+            </a:r>
+            <a:r>
+              <a:rPr lang="en-US" i="1" dirty="0" smtClean="0">
+                <a:solidFill>
+                  <a:schemeClr val="accent1">
+                    <a:lumMod val="75000"/>
+                  </a:schemeClr>
+                </a:solidFill>
+              </a:rPr>
+              <a:t>what I have</a:t>
+            </a:r>
+          </a:p>
+          <a:p>
+            <a:r>
+              <a:rPr lang="en-US" dirty="0" smtClean="0"/>
+              <a:t>… in order to </a:t>
+            </a:r>
+            <a:r>
+              <a:rPr lang="en-US" dirty="0" smtClean="0">
+                <a:solidFill>
+                  <a:srgbClr val="0070C0"/>
+                </a:solidFill>
+              </a:rPr>
+              <a:t>make the ideas </a:t>
+            </a:r>
+            <a:r>
+              <a:rPr lang="en-US" dirty="0" smtClean="0"/>
+              <a:t>of properties of law based testing </a:t>
+            </a:r>
+            <a:r>
+              <a:rPr lang="en-US" dirty="0" smtClean="0">
+                <a:solidFill>
+                  <a:srgbClr val="0070C0"/>
+                </a:solidFill>
+              </a:rPr>
+              <a:t>clear</a:t>
+            </a:r>
+            <a:r>
+              <a:rPr lang="en-US" dirty="0" smtClean="0"/>
+              <a:t/>
             </a:r>
             <a:br>
               <a:rPr lang="en-US" dirty="0" smtClean="0"/>
@@ -17859,10 +18543,28 @@
           <a:p>
             <a:r>
               <a:rPr lang="en-US" dirty="0" smtClean="0"/>
-              <a:t>Then I will outline the some aspects of a redesigned and boost-quality library </a:t>
-            </a:r>
-            <a:r>
-              <a:rPr lang="en-US" dirty="0" err="1" smtClean="0"/>
+              <a:t>Then I will outline the some aspects of a redesigned and </a:t>
+            </a:r>
+            <a:r>
+              <a:rPr lang="en-US" dirty="0" smtClean="0">
+                <a:solidFill>
+                  <a:srgbClr val="0070C0"/>
+                </a:solidFill>
+              </a:rPr>
+              <a:t>boost-quality</a:t>
+            </a:r>
+            <a:r>
+              <a:rPr lang="en-US" dirty="0" smtClean="0"/>
+              <a:t> library </a:t>
+            </a:r>
+            <a:r>
+              <a:rPr lang="en-US" dirty="0" err="1" smtClean="0">
+                <a:solidFill>
+                  <a:schemeClr val="accent1">
+                    <a:lumMod val="75000"/>
+                  </a:schemeClr>
+                </a:solidFill>
+              </a:rPr>
               <a:t>Boost.Alabaster</a:t>
             </a:r>
             <a:r>
@@ -20167,31 +20869,104 @@
             </a:pPr>
             <a:r>
               <a:rPr lang="en-US" dirty="0" smtClean="0"/>
-              <a:t>Law based testing provides direct access to the unknown unknowns</a:t>
-            </a:r>
-          </a:p>
-          <a:p>
+              <a:t>Law based testing provides </a:t>
+            </a:r>
+            <a:r>
+              <a:rPr lang="en-US" dirty="0" smtClean="0">
+                <a:solidFill>
+                  <a:srgbClr val="0070C0"/>
+                </a:solidFill>
+              </a:rPr>
+              <a:t>direct access </a:t>
+            </a:r>
             <a:r>
               <a:rPr lang="en-US" dirty="0" smtClean="0"/>
-              <a:t>… an aha experience about the program or it’s properties</a:t>
-            </a:r>
+              <a:t>to the </a:t>
+            </a:r>
+            <a:r>
+              <a:rPr lang="en-US" i="1" dirty="0" smtClean="0">
+                <a:solidFill>
+                  <a:srgbClr val="0070C0"/>
+                </a:solidFill>
+              </a:rPr>
+              <a:t>unknown-unknowns</a:t>
+            </a:r>
+            <a:endParaRPr lang="en-US" i="1" dirty="0" smtClean="0">
+              <a:solidFill>
+                <a:srgbClr val="0070C0"/>
+              </a:solidFill>
+            </a:endParaRPr>
           </a:p>
           <a:p>
             <a:r>
               <a:rPr lang="en-US" dirty="0" smtClean="0"/>
-              <a:t>… providing a minimal counter example</a:t>
-            </a:r>
-          </a:p>
-          <a:p>
+              <a:t>… an </a:t>
+            </a:r>
+            <a:r>
+              <a:rPr lang="en-US" dirty="0" smtClean="0">
+                <a:solidFill>
+                  <a:srgbClr val="0070C0"/>
+                </a:solidFill>
+              </a:rPr>
+              <a:t>aha experience</a:t>
+            </a:r>
             <a:r>
               <a:rPr lang="en-US" dirty="0" smtClean="0"/>
-              <a:t>… which makes testing extremely efficient</a:t>
+              <a:t> about the program or it’s properties</a:t>
             </a:r>
           </a:p>
           <a:p>
             <a:r>
               <a:rPr lang="en-US" dirty="0" smtClean="0"/>
-              <a:t>… and also fun</a:t>
+              <a:t>… providing a </a:t>
+            </a:r>
+            <a:r>
+              <a:rPr lang="en-US" dirty="0" smtClean="0">
+                <a:solidFill>
+                  <a:srgbClr val="0070C0"/>
+                </a:solidFill>
+              </a:rPr>
+              <a:t>minimal counter example</a:t>
+            </a:r>
+          </a:p>
+          <a:p>
+            <a:r>
+              <a:rPr lang="en-US" dirty="0" smtClean="0"/>
+              <a:t>… which makes </a:t>
+            </a:r>
+            <a:r>
+              <a:rPr lang="en-US" dirty="0" smtClean="0">
+                <a:solidFill>
+                  <a:srgbClr val="0070C0"/>
+                </a:solidFill>
+              </a:rPr>
+              <a:t>testing</a:t>
+            </a:r>
+            <a:r>
+              <a:rPr lang="en-US" dirty="0" smtClean="0"/>
+              <a:t> extremely </a:t>
+            </a:r>
+            <a:r>
+              <a:rPr lang="en-US" dirty="0" smtClean="0">
+                <a:solidFill>
+                  <a:srgbClr val="0070C0"/>
+                </a:solidFill>
+              </a:rPr>
+              <a:t>efficient</a:t>
+            </a:r>
+          </a:p>
+          <a:p>
+            <a:r>
+              <a:rPr lang="en-US" dirty="0" smtClean="0"/>
+              <a:t>… and also </a:t>
+            </a:r>
+            <a:r>
+              <a:rPr lang="en-US" dirty="0" smtClean="0">
+                <a:solidFill>
+                  <a:srgbClr val="0070C0"/>
+                </a:solidFill>
+              </a:rPr>
+              <a:t>fun</a:t>
             </a:r>
           </a:p>
           <a:p>
@@ -20216,9 +20991,340 @@
   <p:timing>
     <p:tnLst>
       <p:par>
-        <p:cTn id="1" dur="indefinite" restart="never" nodeType="tmRoot"/>
+        <p:cTn id="1" dur="indefinite" restart="never" nodeType="tmRoot">
+          <p:childTnLst>
+            <p:seq concurrent="1" nextAc="seek">
+              <p:cTn id="2" dur="indefinite" nodeType="mainSeq">
+                <p:childTnLst>
+                  <p:par>
+                    <p:cTn id="3" fill="hold">
+                      <p:stCondLst>
+                        <p:cond delay="indefinite"/>
+                      </p:stCondLst>
+                      <p:childTnLst>
+                        <p:par>
+                          <p:cTn id="4" fill="hold">
+                            <p:stCondLst>
+                              <p:cond delay="0"/>
+                            </p:stCondLst>
+                            <p:childTnLst>
+                              <p:par>
+                                <p:cTn id="5" presetID="4" presetClass="entr" presetSubtype="16" fill="hold" grpId="0" nodeType="clickEffect">
+                                  <p:stCondLst>
+                                    <p:cond delay="0"/>
+                                  </p:stCondLst>
+                                  <p:childTnLst>
+                                    <p:set>
+                                      <p:cBhvr>
+                                        <p:cTn id="6" dur="1" fill="hold">
+                                          <p:stCondLst>
+                                            <p:cond delay="0"/>
+                                          </p:stCondLst>
+                                        </p:cTn>
+                                        <p:tgtEl>
+                                          <p:spTgt spid="3">
+                                            <p:txEl>
+                                              <p:pRg st="0" end="0"/>
+                                            </p:txEl>
+                                          </p:spTgt>
+                                        </p:tgtEl>
+                                        <p:attrNameLst>
+                                          <p:attrName>style.visibility</p:attrName>
+                                        </p:attrNameLst>
+                                      </p:cBhvr>
+                                      <p:to>
+                                        <p:strVal val="visible"/>
+                                      </p:to>
+                                    </p:set>
+                                    <p:animEffect transition="in" filter="box(in)">
+                                      <p:cBhvr>
+                                        <p:cTn id="7" dur="500"/>
+                                        <p:tgtEl>
+                                          <p:spTgt spid="3">
+                                            <p:txEl>
+                                              <p:pRg st="0" end="0"/>
+                                            </p:txEl>
+                                          </p:spTgt>
+                                        </p:tgtEl>
+                                      </p:cBhvr>
+                                    </p:animEffect>
+                                  </p:childTnLst>
+                                </p:cTn>
+                              </p:par>
+                            </p:childTnLst>
+                          </p:cTn>
+                        </p:par>
+                      </p:childTnLst>
+                    </p:cTn>
+                  </p:par>
+                  <p:par>
+                    <p:cTn id="8" fill="hold">
+                      <p:stCondLst>
+                        <p:cond delay="indefinite"/>
+                      </p:stCondLst>
+                      <p:childTnLst>
+                        <p:par>
+                          <p:cTn id="9" fill="hold">
+                            <p:stCondLst>
+                              <p:cond delay="0"/>
+                            </p:stCondLst>
+                            <p:childTnLst>
+                              <p:par>
+                                <p:cTn id="10" presetID="4" presetClass="entr" presetSubtype="16" fill="hold" grpId="0" nodeType="clickEffect">
+                                  <p:stCondLst>
+                                    <p:cond delay="0"/>
+                                  </p:stCondLst>
+                                  <p:childTnLst>
+                                    <p:set>
+                                      <p:cBhvr>
+                                        <p:cTn id="11" dur="1" fill="hold">
+                                          <p:stCondLst>
+                                            <p:cond delay="0"/>
+                                          </p:stCondLst>
+                                        </p:cTn>
+                                        <p:tgtEl>
+                                          <p:spTgt spid="3">
+                                            <p:txEl>
+                                              <p:pRg st="1" end="1"/>
+                                            </p:txEl>
+                                          </p:spTgt>
+                                        </p:tgtEl>
+                                        <p:attrNameLst>
+                                          <p:attrName>style.visibility</p:attrName>
+                                        </p:attrNameLst>
+                                      </p:cBhvr>
+                                      <p:to>
+                                        <p:strVal val="visible"/>
+                                      </p:to>
+                                    </p:set>
+                                    <p:animEffect transition="in" filter="box(in)">
+                                      <p:cBhvr>
+                                        <p:cTn id="12" dur="500"/>
+                                        <p:tgtEl>
+                                          <p:spTgt spid="3">
+                                            <p:txEl>
+                                              <p:pRg st="1" end="1"/>
+                                            </p:txEl>
+                                          </p:spTgt>
+                                        </p:tgtEl>
+                                      </p:cBhvr>
+                                    </p:animEffect>
+                                  </p:childTnLst>
+                                </p:cTn>
+                              </p:par>
+                            </p:childTnLst>
+                          </p:cTn>
+                        </p:par>
+                      </p:childTnLst>
+                    </p:cTn>
+                  </p:par>
+                  <p:par>
+                    <p:cTn id="13" fill="hold">
+                      <p:stCondLst>
+                        <p:cond delay="indefinite"/>
+                      </p:stCondLst>
+                      <p:childTnLst>
+                        <p:par>
+                          <p:cTn id="14" fill="hold">
+                            <p:stCondLst>
+                              <p:cond delay="0"/>
+                            </p:stCondLst>
+                            <p:childTnLst>
+                              <p:par>
+                                <p:cTn id="15" presetID="4" presetClass="entr" presetSubtype="16" fill="hold" grpId="0" nodeType="clickEffect">
+                                  <p:stCondLst>
+                                    <p:cond delay="0"/>
+                                  </p:stCondLst>
+                                  <p:childTnLst>
+                                    <p:set>
+                                      <p:cBhvr>
+                                        <p:cTn id="16" dur="1" fill="hold">
+                                          <p:stCondLst>
+                                            <p:cond delay="0"/>
+                                          </p:stCondLst>
+                                        </p:cTn>
+                                        <p:tgtEl>
+                                          <p:spTgt spid="3">
+                                            <p:txEl>
+                                              <p:pRg st="2" end="2"/>
+                                            </p:txEl>
+                                          </p:spTgt>
+                                        </p:tgtEl>
+                                        <p:attrNameLst>
+                                          <p:attrName>style.visibility</p:attrName>
+                                        </p:attrNameLst>
+                                      </p:cBhvr>
+                                      <p:to>
+                                        <p:strVal val="visible"/>
+                                      </p:to>
+                                    </p:set>
+                                    <p:animEffect transition="in" filter="box(in)">
+                                      <p:cBhvr>
+                                        <p:cTn id="17" dur="500"/>
+                                        <p:tgtEl>
+                                          <p:spTgt spid="3">
+                                            <p:txEl>
+                                              <p:pRg st="2" end="2"/>
+                                            </p:txEl>
+                                          </p:spTgt>
+                                        </p:tgtEl>
+                                      </p:cBhvr>
+                                    </p:animEffect>
+                                  </p:childTnLst>
+                                </p:cTn>
+                              </p:par>
+                            </p:childTnLst>
+                          </p:cTn>
+                        </p:par>
+                      </p:childTnLst>
+                    </p:cTn>
+                  </p:par>
+                  <p:par>
+                    <p:cTn id="18" fill="hold">
+                      <p:stCondLst>
+                        <p:cond delay="indefinite"/>
+                      </p:stCondLst>
+                      <p:childTnLst>
+                        <p:par>
+                          <p:cTn id="19" fill="hold">
+                            <p:stCondLst>
+                              <p:cond delay="0"/>
+                            </p:stCondLst>
+                            <p:childTnLst>
+                              <p:par>
+                                <p:cTn id="20" presetID="4" presetClass="entr" presetSubtype="16" fill="hold" grpId="0" nodeType="clickEffect">
+                                  <p:stCondLst>
+                                    <p:cond delay="0"/>
+                                  </p:stCondLst>
+                                  <p:childTnLst>
+                                    <p:set>
+                                      <p:cBhvr>
+                                        <p:cTn id="21" dur="1" fill="hold">
+                                          <p:stCondLst>
+                                            <p:cond delay="0"/>
+                                          </p:stCondLst>
+                                        </p:cTn>
+                                        <p:tgtEl>
+                                          <p:spTgt spid="3">
+                                            <p:txEl>
+                                              <p:pRg st="3" end="3"/>
+                                            </p:txEl>
+                                          </p:spTgt>
+                                        </p:tgtEl>
+                                        <p:attrNameLst>
+                                          <p:attrName>style.visibility</p:attrName>
+                                        </p:attrNameLst>
+                                      </p:cBhvr>
+                                      <p:to>
+                                        <p:strVal val="visible"/>
+                                      </p:to>
+                                    </p:set>
+                                    <p:animEffect transition="in" filter="box(in)">
+                                      <p:cBhvr>
+                                        <p:cTn id="22" dur="500"/>
+                                        <p:tgtEl>
+                                          <p:spTgt spid="3">
+                                            <p:txEl>
+                                              <p:pRg st="3" end="3"/>
+                                            </p:txEl>
+                                          </p:spTgt>
+                                        </p:tgtEl>
+                                      </p:cBhvr>
+                                    </p:animEffect>
+                                  </p:childTnLst>
+                                </p:cTn>
+                              </p:par>
+                            </p:childTnLst>
+                          </p:cTn>
+                        </p:par>
+                      </p:childTnLst>
+                    </p:cTn>
+                  </p:par>
+                  <p:par>
+                    <p:cTn id="23" fill="hold">
+                      <p:stCondLst>
+                        <p:cond delay="indefinite"/>
+                      </p:stCondLst>
+                      <p:childTnLst>
+                        <p:par>
+                          <p:cTn id="24" fill="hold">
+                            <p:stCondLst>
+                              <p:cond delay="0"/>
+                            </p:stCondLst>
+                            <p:childTnLst>
+                              <p:par>
+                                <p:cTn id="25" presetID="4" presetClass="entr" presetSubtype="16" fill="hold" grpId="0" nodeType="clickEffect">
+                                  <p:stCondLst>
+                                    <p:cond delay="0"/>
+                                  </p:stCondLst>
+                                  <p:childTnLst>
+                                    <p:set>
+                                      <p:cBhvr>
+                                        <p:cTn id="26" dur="1" fill="hold">
+                                          <p:stCondLst>
+                                            <p:cond delay="0"/>
+                                          </p:stCondLst>
+                                        </p:cTn>
+                                        <p:tgtEl>
+                                          <p:spTgt spid="3">
+                                            <p:txEl>
+                                              <p:pRg st="4" end="4"/>
+                                            </p:txEl>
+                                          </p:spTgt>
+                                        </p:tgtEl>
+                                        <p:attrNameLst>
+                                          <p:attrName>style.visibility</p:attrName>
+                                        </p:attrNameLst>
+                                      </p:cBhvr>
+                                      <p:to>
+                                        <p:strVal val="visible"/>
+                                      </p:to>
+                                    </p:set>
+                                    <p:animEffect transition="in" filter="box(in)">
+                                      <p:cBhvr>
+                                        <p:cTn id="27" dur="500"/>
+                                        <p:tgtEl>
+                                          <p:spTgt spid="3">
+                                            <p:txEl>
+                                              <p:pRg st="4" end="4"/>
+                                            </p:txEl>
+                                          </p:spTgt>
+                                        </p:tgtEl>
+                                      </p:cBhvr>
+                                    </p:animEffect>
+                                  </p:childTnLst>
+                                </p:cTn>
+                              </p:par>
+                            </p:childTnLst>
+                          </p:cTn>
+                        </p:par>
+                      </p:childTnLst>
+                    </p:cTn>
+                  </p:par>
+                </p:childTnLst>
+              </p:cTn>
+              <p:prevCondLst>
+                <p:cond evt="onPrev" delay="0">
+                  <p:tgtEl>
+                    <p:sldTgt/>
+                  </p:tgtEl>
+                </p:cond>
+              </p:prevCondLst>
+              <p:nextCondLst>
+                <p:cond evt="onNext" delay="0">
+                  <p:tgtEl>
+                    <p:sldTgt/>
+                  </p:tgtEl>
+                </p:cond>
+              </p:nextCondLst>
+            </p:seq>
+          </p:childTnLst>
+        </p:cTn>
       </p:par>
     </p:tnLst>
+    <p:bldLst>
+      <p:bldP spid="3" grpId="0" build="p"/>
+    </p:bldLst>
   </p:timing>
 </p:sld>
 </file>

--- a/itl/libs/validate/doc/boostcon2010/BoostAlabaster.pptx
+++ b/itl/libs/validate/doc/boostcon2010/BoostAlabaster.pptx
@@ -187,7 +187,7 @@
         <c:manualLayout>
           <c:xMode val="edge"/>
           <c:yMode val="edge"/>
-          <c:x val="0.37602229865024023"/>
+          <c:x val="0.37602229865024039"/>
           <c:y val="2.9411764705882356E-2"/>
         </c:manualLayout>
       </c:layout>
@@ -204,10 +204,10 @@
           <c:layoutTarget val="inner"/>
           <c:xMode val="edge"/>
           <c:yMode val="edge"/>
-          <c:x val="0.19618554712186437"/>
-          <c:y val="0.14075630252100854"/>
-          <c:w val="0.73569580170699145"/>
-          <c:h val="0.67016806722689126"/>
+          <c:x val="0.19618554712186442"/>
+          <c:y val="0.14075630252100857"/>
+          <c:w val="0.73569580170699156"/>
+          <c:h val="0.67016806722689148"/>
         </c:manualLayout>
       </c:layout>
       <c:scatterChart>
@@ -420,11 +420,11 @@
             </c:numRef>
           </c:yVal>
         </c:ser>
-        <c:axId val="61616512"/>
-        <c:axId val="61618816"/>
+        <c:axId val="84382080"/>
+        <c:axId val="84384384"/>
       </c:scatterChart>
       <c:valAx>
-        <c:axId val="61616512"/>
+        <c:axId val="84382080"/>
         <c:scaling>
           <c:orientation val="minMax"/>
           <c:max val="212"/>
@@ -459,7 +459,7 @@
               <c:xMode val="edge"/>
               <c:yMode val="edge"/>
               <c:x val="0.45504147735210182"/>
-              <c:y val="0.86764705882353055"/>
+              <c:y val="0.86764705882353077"/>
             </c:manualLayout>
           </c:layout>
           <c:spPr>
@@ -496,12 +496,12 @@
             <a:endParaRPr lang="de-DE"/>
           </a:p>
         </c:txPr>
-        <c:crossAx val="61618816"/>
+        <c:crossAx val="84384384"/>
         <c:crosses val="autoZero"/>
         <c:crossBetween val="midCat"/>
       </c:valAx>
       <c:valAx>
-        <c:axId val="61618816"/>
+        <c:axId val="84384384"/>
         <c:scaling>
           <c:orientation val="minMax"/>
           <c:max val="1000"/>
@@ -544,8 +544,8 @@
             <c:manualLayout>
               <c:xMode val="edge"/>
               <c:yMode val="edge"/>
-              <c:x val="4.3596788249303235E-2"/>
-              <c:y val="0.36344537815126077"/>
+              <c:x val="4.3596788249303256E-2"/>
+              <c:y val="0.36344537815126082"/>
             </c:manualLayout>
           </c:layout>
           <c:spPr>
@@ -582,7 +582,7 @@
             <a:endParaRPr lang="de-DE"/>
           </a:p>
         </c:txPr>
-        <c:crossAx val="61616512"/>
+        <c:crossAx val="84382080"/>
         <c:crosses val="autoZero"/>
         <c:crossBetween val="midCat"/>
       </c:valAx>
@@ -604,9 +604,9 @@
         <c:manualLayout>
           <c:xMode val="edge"/>
           <c:yMode val="edge"/>
-          <c:x val="0.34059990819768143"/>
-          <c:y val="0.93907563025210172"/>
-          <c:w val="0.44414228028977643"/>
+          <c:x val="0.34059990819768154"/>
+          <c:y val="0.93907563025210183"/>
+          <c:w val="0.44414228028977654"/>
           <c:h val="4.6218487394957986E-2"/>
         </c:manualLayout>
       </c:layout>
@@ -6962,7 +6962,7 @@
     <p:bg>
       <p:bgPr>
         <a:blipFill dpi="0" rotWithShape="1">
-          <a:blip r:embed="rId2">
+          <a:blip r:embed="rId2" cstate="print">
             <a:lum/>
           </a:blip>
           <a:srcRect/>
@@ -18607,7 +18607,7 @@
     <p:bg>
       <p:bgPr>
         <a:blipFill dpi="0" rotWithShape="1">
-          <a:blip r:embed="rId2">
+          <a:blip r:embed="rId2" cstate="print">
             <a:alphaModFix amt="50000"/>
             <a:lum/>
           </a:blip>
@@ -28398,7 +28398,7 @@
     <p:bg>
       <p:bgPr>
         <a:blipFill dpi="0" rotWithShape="1">
-          <a:blip r:embed="rId2">
+          <a:blip r:embed="rId2" cstate="print">
             <a:alphaModFix amt="50000"/>
             <a:lum/>
           </a:blip>
@@ -31827,15 +31827,19 @@
               <a:rPr lang="en-US" dirty="0" smtClean="0"/>
               <a:t>Comparing two implementations of a function</a:t>
             </a:r>
+            <a:r>
+              <a:rPr lang="en-US" smtClean="0"/>
+              <a:t/>
+            </a:r>
             <a:br>
-              <a:rPr lang="en-US" dirty="0" smtClean="0"/>
+              <a:rPr lang="en-US" smtClean="0"/>
             </a:br>
             <a:r>
-              <a:rPr lang="en-US" dirty="0" smtClean="0">
+              <a:rPr lang="en-US" smtClean="0">
                 <a:latin typeface="Cambria Math" pitchFamily="18" charset="0"/>
                 <a:ea typeface="Cambria Math" pitchFamily="18" charset="0"/>
               </a:rPr>
-              <a:t>⩝ </a:t>
+              <a:t>∀ </a:t>
             </a:r>
             <a:r>
               <a:rPr lang="en-US" i="1" dirty="0" smtClean="0">
@@ -33084,11 +33088,7 @@
             </a:r>
             <a:r>
               <a:rPr lang="en-US" sz="2300" dirty="0" smtClean="0"/>
-              <a:t> </a:t>
-            </a:r>
-            <a:r>
-              <a:rPr lang="en-US" sz="2300" dirty="0" smtClean="0"/>
-              <a:t>that transforms </a:t>
+              <a:t> that transforms </a:t>
             </a:r>
             <a:r>
               <a:rPr lang="en-US" sz="2300" i="1" dirty="0" smtClean="0">
@@ -37434,7 +37434,7 @@
     <p:bg>
       <p:bgPr>
         <a:blipFill dpi="0" rotWithShape="1">
-          <a:blip r:embed="rId2">
+          <a:blip r:embed="rId2" cstate="print">
             <a:alphaModFix amt="50000"/>
             <a:lum/>
           </a:blip>
@@ -38369,15 +38369,7 @@
             <a:pPr lvl="1"/>
             <a:r>
               <a:rPr lang="en-US" dirty="0" smtClean="0"/>
-              <a:t>Could </a:t>
-            </a:r>
-            <a:r>
-              <a:rPr lang="en-US" dirty="0" smtClean="0"/>
-              <a:t>be of </a:t>
-            </a:r>
-            <a:r>
-              <a:rPr lang="en-US" dirty="0" smtClean="0"/>
-              <a:t>value for all kinds of mocking tools and Monte Carlo studies.</a:t>
+              <a:t>Could be of value for all kinds of mocking tools and Monte Carlo studies.</a:t>
             </a:r>
           </a:p>
           <a:p>
@@ -38412,13 +38404,8 @@
             </a:r>
             <a:r>
               <a:rPr lang="en-US" dirty="0" smtClean="0"/>
-              <a:t> formulae, commuting diagrams </a:t>
-            </a:r>
-            <a:r>
-              <a:rPr lang="en-US" dirty="0" smtClean="0"/>
-              <a:t>. . .  </a:t>
-            </a:r>
-            <a:endParaRPr lang="en-US" dirty="0" smtClean="0"/>
+              <a:t> formulae, commuting diagrams . . .  </a:t>
+            </a:r>
           </a:p>
           <a:p>
             <a:r>
@@ -38529,11 +38516,7 @@
           <a:p>
             <a:r>
               <a:rPr lang="en-US" dirty="0" smtClean="0"/>
-              <a:t>Transforms testing into </a:t>
-            </a:r>
-            <a:r>
-              <a:rPr lang="en-US" dirty="0" smtClean="0"/>
-              <a:t>development</a:t>
+              <a:t>Transforms testing into development</a:t>
             </a:r>
           </a:p>
           <a:p>
@@ -38589,7 +38572,7 @@
     <p:bg>
       <p:bgPr>
         <a:blipFill dpi="0" rotWithShape="1">
-          <a:blip r:embed="rId2">
+          <a:blip r:embed="rId2" cstate="print">
             <a:lum/>
           </a:blip>
           <a:srcRect/>
@@ -39019,7 +39002,7 @@
     <p:bg>
       <p:bgPr>
         <a:blipFill dpi="0" rotWithShape="1">
-          <a:blip r:embed="rId2">
+          <a:blip r:embed="rId2" cstate="print">
             <a:alphaModFix amt="50000"/>
             <a:lum/>
           </a:blip>
@@ -39717,7 +39700,7 @@
           <p:nvPr/>
         </p:nvPicPr>
         <p:blipFill>
-          <a:blip r:embed="rId2"/>
+          <a:blip r:embed="rId2" cstate="print"/>
           <a:stretch>
             <a:fillRect/>
           </a:stretch>
@@ -40407,7 +40390,7 @@
           <p:nvPr/>
         </p:nvPicPr>
         <p:blipFill>
-          <a:blip r:embed="rId2"/>
+          <a:blip r:embed="rId2" cstate="print"/>
           <a:stretch>
             <a:fillRect/>
           </a:stretch>

--- a/itl/libs/validate/doc/boostcon2010/BoostAlabaster.pptx
+++ b/itl/libs/validate/doc/boostcon2010/BoostAlabaster.pptx
@@ -185,7 +185,7 @@
         <c:manualLayout>
           <c:xMode val="edge"/>
           <c:yMode val="edge"/>
-          <c:x val="0.37602229865024062"/>
+          <c:x val="0.37602229865024073"/>
           <c:y val="2.9411764705882356E-2"/>
         </c:manualLayout>
       </c:layout>
@@ -202,10 +202,10 @@
           <c:layoutTarget val="inner"/>
           <c:xMode val="edge"/>
           <c:yMode val="edge"/>
-          <c:x val="0.19618554712186448"/>
-          <c:y val="0.14075630252100868"/>
-          <c:w val="0.73569580170699189"/>
-          <c:h val="0.67016806722689182"/>
+          <c:x val="0.19618554712186451"/>
+          <c:y val="0.14075630252100874"/>
+          <c:w val="0.735695801706992"/>
+          <c:h val="0.67016806722689193"/>
         </c:manualLayout>
       </c:layout>
       <c:scatterChart>
@@ -418,11 +418,11 @@
             </c:numRef>
           </c:yVal>
         </c:ser>
-        <c:axId val="10776960"/>
-        <c:axId val="10779264"/>
+        <c:axId val="71307648"/>
+        <c:axId val="71309952"/>
       </c:scatterChart>
       <c:valAx>
-        <c:axId val="10776960"/>
+        <c:axId val="71307648"/>
         <c:scaling>
           <c:orientation val="minMax"/>
           <c:max val="212"/>
@@ -457,7 +457,7 @@
               <c:xMode val="edge"/>
               <c:yMode val="edge"/>
               <c:x val="0.45504147735210182"/>
-              <c:y val="0.86764705882353121"/>
+              <c:y val="0.86764705882353144"/>
             </c:manualLayout>
           </c:layout>
           <c:spPr>
@@ -494,12 +494,12 @@
             <a:endParaRPr lang="de-DE"/>
           </a:p>
         </c:txPr>
-        <c:crossAx val="10779264"/>
+        <c:crossAx val="71309952"/>
         <c:crosses val="autoZero"/>
         <c:crossBetween val="midCat"/>
       </c:valAx>
       <c:valAx>
-        <c:axId val="10779264"/>
+        <c:axId val="71309952"/>
         <c:scaling>
           <c:orientation val="minMax"/>
           <c:max val="1000"/>
@@ -542,7 +542,7 @@
             <c:manualLayout>
               <c:xMode val="edge"/>
               <c:yMode val="edge"/>
-              <c:x val="4.3596788249303298E-2"/>
+              <c:x val="4.3596788249303318E-2"/>
               <c:y val="0.36344537815126082"/>
             </c:manualLayout>
           </c:layout>
@@ -580,7 +580,7 @@
             <a:endParaRPr lang="de-DE"/>
           </a:p>
         </c:txPr>
-        <c:crossAx val="10776960"/>
+        <c:crossAx val="71307648"/>
         <c:crosses val="autoZero"/>
         <c:crossBetween val="midCat"/>
       </c:valAx>
@@ -602,9 +602,9 @@
         <c:manualLayout>
           <c:xMode val="edge"/>
           <c:yMode val="edge"/>
-          <c:x val="0.34059990819768177"/>
-          <c:y val="0.93907563025210206"/>
-          <c:w val="0.44414228028977676"/>
+          <c:x val="0.34059990819768188"/>
+          <c:y val="0.93907563025210228"/>
+          <c:w val="0.44414228028977687"/>
           <c:h val="4.6218487394957986E-2"/>
         </c:manualLayout>
       </c:layout>
@@ -1019,6 +1019,128 @@
     </a:lvl9pPr>
   </p:notesStyle>
 </p:notesMaster>
+</file>
+
+<file path=ppt/notesSlides/notesSlide1.xml><?xml version="1.0" encoding="utf-8"?>
+<p:notes xmlns:a="http://schemas.openxmlformats.org/drawingml/2006/main" xmlns:r="http://schemas.openxmlformats.org/officeDocument/2006/relationships" xmlns:p="http://schemas.openxmlformats.org/presentationml/2006/main">
+  <p:cSld>
+    <p:spTree>
+      <p:nvGrpSpPr>
+        <p:cNvPr id="1" name=""/>
+        <p:cNvGrpSpPr/>
+        <p:nvPr/>
+      </p:nvGrpSpPr>
+      <p:grpSpPr>
+        <a:xfrm>
+          <a:off x="0" y="0"/>
+          <a:ext cx="0" cy="0"/>
+          <a:chOff x="0" y="0"/>
+          <a:chExt cx="0" cy="0"/>
+        </a:xfrm>
+      </p:grpSpPr>
+      <p:sp>
+        <p:nvSpPr>
+          <p:cNvPr id="2" name="Folienbildplatzhalter 1"/>
+          <p:cNvSpPr>
+            <a:spLocks noGrp="1" noRot="1" noChangeAspect="1"/>
+          </p:cNvSpPr>
+          <p:nvPr>
+            <p:ph type="sldImg"/>
+          </p:nvPr>
+        </p:nvSpPr>
+        <p:spPr/>
+      </p:sp>
+      <p:sp>
+        <p:nvSpPr>
+          <p:cNvPr id="3" name="Notizenplatzhalter 2"/>
+          <p:cNvSpPr>
+            <a:spLocks noGrp="1"/>
+          </p:cNvSpPr>
+          <p:nvPr>
+            <p:ph type="body" idx="1"/>
+          </p:nvPr>
+        </p:nvSpPr>
+        <p:spPr/>
+        <p:txBody>
+          <a:bodyPr>
+            <a:normAutofit/>
+          </a:bodyPr>
+          <a:lstStyle/>
+          <a:p>
+            <a:r>
+              <a:rPr lang="en-US" dirty="0" smtClean="0"/>
+              <a:t>Copy, </a:t>
+            </a:r>
+            <a:r>
+              <a:rPr lang="en-US" dirty="0" err="1" smtClean="0"/>
+              <a:t>copy_backward</a:t>
+            </a:r>
+            <a:r>
+              <a:rPr lang="en-US" dirty="0" smtClean="0"/>
+              <a:t>, </a:t>
+            </a:r>
+            <a:r>
+              <a:rPr lang="en-US" dirty="0" err="1" smtClean="0"/>
+              <a:t>reverse_copy</a:t>
+            </a:r>
+            <a:r>
+              <a:rPr lang="en-US" dirty="0" smtClean="0"/>
+              <a:t>, S-&gt;container.</a:t>
+            </a:r>
+            <a:r>
+              <a:rPr lang="en-US" baseline="0" dirty="0" smtClean="0"/>
+              <a:t>  Find, </a:t>
+            </a:r>
+            <a:r>
+              <a:rPr lang="en-US" baseline="0" dirty="0" err="1" smtClean="0"/>
+              <a:t>lower_bound</a:t>
+            </a:r>
+            <a:r>
+              <a:rPr lang="en-US" baseline="0" dirty="0" smtClean="0"/>
+              <a:t>, </a:t>
+            </a:r>
+            <a:r>
+              <a:rPr lang="en-US" baseline="0" dirty="0" err="1" smtClean="0"/>
+              <a:t>upper_bound</a:t>
+            </a:r>
+            <a:r>
+              <a:rPr lang="en-US" baseline="0" dirty="0" smtClean="0"/>
+              <a:t>: k-&gt;(S-&gt;element)</a:t>
+            </a:r>
+            <a:endParaRPr lang="en-US" dirty="0"/>
+          </a:p>
+        </p:txBody>
+      </p:sp>
+      <p:sp>
+        <p:nvSpPr>
+          <p:cNvPr id="4" name="Foliennummernplatzhalter 3"/>
+          <p:cNvSpPr>
+            <a:spLocks noGrp="1"/>
+          </p:cNvSpPr>
+          <p:nvPr>
+            <p:ph type="sldNum" sz="quarter" idx="10"/>
+          </p:nvPr>
+        </p:nvSpPr>
+        <p:spPr/>
+        <p:txBody>
+          <a:bodyPr/>
+          <a:lstStyle/>
+          <a:p>
+            <a:fld id="{EB021B18-7BE4-4465-9769-E645F0243CCE}" type="slidenum">
+              <a:rPr lang="en-US" smtClean="0"/>
+              <a:pPr/>
+              <a:t>36</a:t>
+            </a:fld>
+            <a:endParaRPr lang="en-US"/>
+          </a:p>
+        </p:txBody>
+      </p:sp>
+    </p:spTree>
+  </p:cSld>
+  <p:clrMapOvr>
+    <a:masterClrMapping/>
+  </p:clrMapOvr>
+</p:notes>
 </file>
 
 <file path=ppt/slideLayouts/slideLayout1.xml><?xml version="1.0" encoding="utf-8"?>
@@ -8168,24 +8290,15 @@
             <a:pPr lvl="1"/>
             <a:r>
               <a:rPr lang="en-US" sz="2400" dirty="0" smtClean="0"/>
-              <a:t>refine </a:t>
-            </a:r>
+              <a:t>refine a law</a:t>
+            </a:r>
+          </a:p>
+          <a:p>
+            <a:pPr lvl="1"/>
             <a:r>
               <a:rPr lang="en-US" sz="2400" dirty="0" smtClean="0"/>
-              <a:t>a law</a:t>
-            </a:r>
-          </a:p>
-          <a:p>
-            <a:pPr lvl="1"/>
-            <a:r>
-              <a:rPr lang="en-US" sz="2400" dirty="0" smtClean="0"/>
-              <a:t>abandon a law, because it is not </a:t>
-            </a:r>
-            <a:r>
-              <a:rPr lang="en-US" sz="2400" dirty="0" smtClean="0"/>
-              <a:t>valid</a:t>
-            </a:r>
-            <a:endParaRPr lang="en-US" sz="2400" dirty="0" smtClean="0"/>
+              <a:t>abandon a law, because it is not valid</a:t>
+            </a:r>
           </a:p>
         </p:txBody>
       </p:sp>
@@ -11907,7 +12020,7 @@
         </p:nvSpPr>
         <p:spPr/>
         <p:txBody>
-          <a:bodyPr/>
+          <a:bodyPr anchor="ctr"/>
           <a:lstStyle/>
           <a:p>
             <a:r>
@@ -12200,76 +12313,6 @@
                 </a:solidFill>
               </a:rPr>
               <a:t> </a:t>
-            </a:r>
-          </a:p>
-          <a:p>
-            <a:r>
-              <a:rPr lang="en-US" dirty="0" smtClean="0"/>
-              <a:t>It is assumed, that types </a:t>
-            </a:r>
-            <a:r>
-              <a:rPr lang="en-US" i="1" dirty="0" smtClean="0">
-                <a:solidFill>
-                  <a:srgbClr val="0070C0"/>
-                </a:solidFill>
-              </a:rPr>
-              <a:t>(T</a:t>
-            </a:r>
-            <a:r>
-              <a:rPr lang="en-US" i="1" baseline="-25000" dirty="0" smtClean="0">
-                <a:solidFill>
-                  <a:srgbClr val="0070C0"/>
-                </a:solidFill>
-              </a:rPr>
-              <a:t>1</a:t>
-            </a:r>
-            <a:r>
-              <a:rPr lang="en-US" i="1" dirty="0" smtClean="0">
-                <a:solidFill>
-                  <a:srgbClr val="0070C0"/>
-                </a:solidFill>
-              </a:rPr>
-              <a:t>, …, </a:t>
-            </a:r>
-            <a:r>
-              <a:rPr lang="en-US" i="1" dirty="0" err="1" smtClean="0">
-                <a:solidFill>
-                  <a:srgbClr val="0070C0"/>
-                </a:solidFill>
-              </a:rPr>
-              <a:t>T</a:t>
-            </a:r>
-            <a:r>
-              <a:rPr lang="en-US" i="1" baseline="-25000" dirty="0" err="1" smtClean="0">
-                <a:solidFill>
-                  <a:srgbClr val="0070C0"/>
-                </a:solidFill>
-              </a:rPr>
-              <a:t>n</a:t>
-            </a:r>
-            <a:r>
-              <a:rPr lang="en-US" i="1" dirty="0" smtClean="0">
-                <a:solidFill>
-                  <a:srgbClr val="0070C0"/>
-                </a:solidFill>
-              </a:rPr>
-              <a:t>)</a:t>
-            </a:r>
-            <a:r>
-              <a:rPr lang="en-US" dirty="0" smtClean="0"/>
-              <a:t> provide the functions and operations that are used to implement function </a:t>
-            </a:r>
-            <a:r>
-              <a:rPr lang="en-US" i="1" dirty="0" smtClean="0">
-                <a:solidFill>
-                  <a:srgbClr val="0070C0"/>
-                </a:solidFill>
-              </a:rPr>
-              <a:t>h</a:t>
-            </a:r>
-            <a:r>
-              <a:rPr lang="en-US" dirty="0" smtClean="0"/>
-              <a:t>.</a:t>
             </a:r>
           </a:p>
         </p:txBody>
@@ -12526,67 +12569,6 @@
                                           <p:spTgt spid="3">
                                             <p:txEl>
                                               <p:pRg st="2" end="2"/>
-                                            </p:txEl>
-                                          </p:spTgt>
-                                        </p:tgtEl>
-                                      </p:cBhvr>
-                                    </p:animEffect>
-                                  </p:childTnLst>
-                                </p:cTn>
-                              </p:par>
-                            </p:childTnLst>
-                          </p:cTn>
-                        </p:par>
-                      </p:childTnLst>
-                    </p:cTn>
-                  </p:par>
-                  <p:par>
-                    <p:cTn id="18" fill="hold">
-                      <p:stCondLst>
-                        <p:cond delay="indefinite"/>
-                      </p:stCondLst>
-                      <p:childTnLst>
-                        <p:par>
-                          <p:cTn id="19" fill="hold">
-                            <p:stCondLst>
-                              <p:cond delay="0"/>
-                            </p:stCondLst>
-                            <p:childTnLst>
-                              <p:par>
-                                <p:cTn id="20" presetID="4" presetClass="entr" presetSubtype="16" fill="hold" grpId="0" nodeType="clickEffect">
-                                  <p:stCondLst>
-                                    <p:cond delay="0"/>
-                                  </p:stCondLst>
-                                  <p:childTnLst>
-                                    <p:set>
-                                      <p:cBhvr>
-                                        <p:cTn id="21" dur="1" fill="hold">
-                                          <p:stCondLst>
-                                            <p:cond delay="0"/>
-                                          </p:stCondLst>
-                                        </p:cTn>
-                                        <p:tgtEl>
-                                          <p:spTgt spid="3">
-                                            <p:txEl>
-                                              <p:pRg st="3" end="3"/>
-                                            </p:txEl>
-                                          </p:spTgt>
-                                        </p:tgtEl>
-                                        <p:attrNameLst>
-                                          <p:attrName>style.visibility</p:attrName>
-                                        </p:attrNameLst>
-                                      </p:cBhvr>
-                                      <p:to>
-                                        <p:strVal val="visible"/>
-                                      </p:to>
-                                    </p:set>
-                                    <p:animEffect transition="in" filter="box(in)">
-                                      <p:cBhvr>
-                                        <p:cTn id="22" dur="500"/>
-                                        <p:tgtEl>
-                                          <p:spTgt spid="3">
-                                            <p:txEl>
-                                              <p:pRg st="3" end="3"/>
                                             </p:txEl>
                                           </p:spTgt>
                                         </p:tgtEl>
@@ -12693,8 +12675,8 @@
                 <a:solidFill>
                   <a:srgbClr val="0070C0"/>
                 </a:solidFill>
-                <a:latin typeface="Courier New" pitchFamily="49" charset="0"/>
-                <a:cs typeface="Courier New" pitchFamily="49" charset="0"/>
+                <a:latin typeface="Consolas" pitchFamily="49" charset="0"/>
+                <a:cs typeface="Consolas" pitchFamily="49" charset="0"/>
               </a:rPr>
               <a:t>Law</a:t>
             </a:r>
@@ -28293,11 +28275,7 @@
             </a:r>
             <a:r>
               <a:rPr lang="en-US" sz="2400" dirty="0" smtClean="0"/>
-              <a:t> </a:t>
-            </a:r>
-            <a:r>
-              <a:rPr lang="en-US" sz="2400" dirty="0" smtClean="0"/>
-              <a:t>called </a:t>
+              <a:t> called </a:t>
             </a:r>
             <a:r>
               <a:rPr lang="en-US" sz="2400" dirty="0" err="1" smtClean="0">
@@ -29255,10 +29233,6 @@
               </a:rPr>
               <a:t>};</a:t>
             </a:r>
-            <a:endParaRPr lang="de-DE" sz="1300" dirty="0" smtClean="0">
-              <a:latin typeface="Consolas" pitchFamily="49" charset="0"/>
-              <a:cs typeface="Consolas" pitchFamily="49" charset="0"/>
-            </a:endParaRPr>
           </a:p>
           <a:p>
             <a:endParaRPr lang="de-DE" sz="1300" dirty="0" smtClean="0">
@@ -29606,14 +29580,7 @@
                 <a:latin typeface="Consolas" pitchFamily="49" charset="0"/>
                 <a:cs typeface="Consolas" pitchFamily="49" charset="0"/>
               </a:rPr>
-              <a:t>    </a:t>
-            </a:r>
-            <a:r>
-              <a:rPr lang="de-DE" sz="1300" dirty="0" smtClean="0">
-                <a:latin typeface="Consolas" pitchFamily="49" charset="0"/>
-                <a:cs typeface="Consolas" pitchFamily="49" charset="0"/>
-              </a:rPr>
-              <a:t>_</a:t>
+              <a:t>    _</a:t>
             </a:r>
             <a:r>
               <a:rPr lang="de-DE" sz="1300" dirty="0" err="1" smtClean="0">
@@ -31352,10 +31319,6 @@
               </a:rPr>
               <a:t>};</a:t>
             </a:r>
-            <a:endParaRPr lang="de-DE" sz="1200" dirty="0" smtClean="0">
-              <a:latin typeface="Consolas" pitchFamily="49" charset="0"/>
-              <a:cs typeface="Consolas" pitchFamily="49" charset="0"/>
-            </a:endParaRPr>
           </a:p>
           <a:p>
             <a:endParaRPr lang="de-DE" sz="1200" dirty="0" smtClean="0">
@@ -34057,9 +34020,218 @@
   <p:timing>
     <p:tnLst>
       <p:par>
-        <p:cTn id="1" dur="indefinite" restart="never" nodeType="tmRoot"/>
+        <p:cTn id="1" dur="indefinite" restart="never" nodeType="tmRoot">
+          <p:childTnLst>
+            <p:seq concurrent="1" nextAc="seek">
+              <p:cTn id="2" dur="indefinite" nodeType="mainSeq">
+                <p:childTnLst>
+                  <p:par>
+                    <p:cTn id="3" fill="hold">
+                      <p:stCondLst>
+                        <p:cond delay="indefinite"/>
+                      </p:stCondLst>
+                      <p:childTnLst>
+                        <p:par>
+                          <p:cTn id="4" fill="hold">
+                            <p:stCondLst>
+                              <p:cond delay="0"/>
+                            </p:stCondLst>
+                            <p:childTnLst>
+                              <p:par>
+                                <p:cTn id="5" presetID="4" presetClass="entr" presetSubtype="16" fill="hold" grpId="0" nodeType="clickEffect">
+                                  <p:stCondLst>
+                                    <p:cond delay="0"/>
+                                  </p:stCondLst>
+                                  <p:childTnLst>
+                                    <p:set>
+                                      <p:cBhvr>
+                                        <p:cTn id="6" dur="1" fill="hold">
+                                          <p:stCondLst>
+                                            <p:cond delay="0"/>
+                                          </p:stCondLst>
+                                        </p:cTn>
+                                        <p:tgtEl>
+                                          <p:spTgt spid="3">
+                                            <p:txEl>
+                                              <p:pRg st="0" end="0"/>
+                                            </p:txEl>
+                                          </p:spTgt>
+                                        </p:tgtEl>
+                                        <p:attrNameLst>
+                                          <p:attrName>style.visibility</p:attrName>
+                                        </p:attrNameLst>
+                                      </p:cBhvr>
+                                      <p:to>
+                                        <p:strVal val="visible"/>
+                                      </p:to>
+                                    </p:set>
+                                    <p:animEffect transition="in" filter="box(in)">
+                                      <p:cBhvr>
+                                        <p:cTn id="7" dur="500"/>
+                                        <p:tgtEl>
+                                          <p:spTgt spid="3">
+                                            <p:txEl>
+                                              <p:pRg st="0" end="0"/>
+                                            </p:txEl>
+                                          </p:spTgt>
+                                        </p:tgtEl>
+                                      </p:cBhvr>
+                                    </p:animEffect>
+                                  </p:childTnLst>
+                                </p:cTn>
+                              </p:par>
+                            </p:childTnLst>
+                          </p:cTn>
+                        </p:par>
+                      </p:childTnLst>
+                    </p:cTn>
+                  </p:par>
+                  <p:par>
+                    <p:cTn id="8" fill="hold">
+                      <p:stCondLst>
+                        <p:cond delay="indefinite"/>
+                      </p:stCondLst>
+                      <p:childTnLst>
+                        <p:par>
+                          <p:cTn id="9" fill="hold">
+                            <p:stCondLst>
+                              <p:cond delay="0"/>
+                            </p:stCondLst>
+                            <p:childTnLst>
+                              <p:par>
+                                <p:cTn id="10" presetID="4" presetClass="entr" presetSubtype="16" fill="hold" grpId="0" nodeType="clickEffect">
+                                  <p:stCondLst>
+                                    <p:cond delay="0"/>
+                                  </p:stCondLst>
+                                  <p:childTnLst>
+                                    <p:set>
+                                      <p:cBhvr>
+                                        <p:cTn id="11" dur="1" fill="hold">
+                                          <p:stCondLst>
+                                            <p:cond delay="0"/>
+                                          </p:stCondLst>
+                                        </p:cTn>
+                                        <p:tgtEl>
+                                          <p:spTgt spid="3">
+                                            <p:txEl>
+                                              <p:pRg st="1" end="1"/>
+                                            </p:txEl>
+                                          </p:spTgt>
+                                        </p:tgtEl>
+                                        <p:attrNameLst>
+                                          <p:attrName>style.visibility</p:attrName>
+                                        </p:attrNameLst>
+                                      </p:cBhvr>
+                                      <p:to>
+                                        <p:strVal val="visible"/>
+                                      </p:to>
+                                    </p:set>
+                                    <p:animEffect transition="in" filter="box(in)">
+                                      <p:cBhvr>
+                                        <p:cTn id="12" dur="500"/>
+                                        <p:tgtEl>
+                                          <p:spTgt spid="3">
+                                            <p:txEl>
+                                              <p:pRg st="1" end="1"/>
+                                            </p:txEl>
+                                          </p:spTgt>
+                                        </p:tgtEl>
+                                      </p:cBhvr>
+                                    </p:animEffect>
+                                  </p:childTnLst>
+                                </p:cTn>
+                              </p:par>
+                            </p:childTnLst>
+                          </p:cTn>
+                        </p:par>
+                      </p:childTnLst>
+                    </p:cTn>
+                  </p:par>
+                  <p:par>
+                    <p:cTn id="13" fill="hold">
+                      <p:stCondLst>
+                        <p:cond delay="indefinite"/>
+                      </p:stCondLst>
+                      <p:childTnLst>
+                        <p:par>
+                          <p:cTn id="14" fill="hold">
+                            <p:stCondLst>
+                              <p:cond delay="0"/>
+                            </p:stCondLst>
+                            <p:childTnLst>
+                              <p:par>
+                                <p:cTn id="15" presetID="4" presetClass="entr" presetSubtype="16" fill="hold" grpId="0" nodeType="clickEffect">
+                                  <p:stCondLst>
+                                    <p:cond delay="0"/>
+                                  </p:stCondLst>
+                                  <p:childTnLst>
+                                    <p:set>
+                                      <p:cBhvr>
+                                        <p:cTn id="16" dur="1" fill="hold">
+                                          <p:stCondLst>
+                                            <p:cond delay="0"/>
+                                          </p:stCondLst>
+                                        </p:cTn>
+                                        <p:tgtEl>
+                                          <p:spTgt spid="3">
+                                            <p:txEl>
+                                              <p:pRg st="2" end="2"/>
+                                            </p:txEl>
+                                          </p:spTgt>
+                                        </p:tgtEl>
+                                        <p:attrNameLst>
+                                          <p:attrName>style.visibility</p:attrName>
+                                        </p:attrNameLst>
+                                      </p:cBhvr>
+                                      <p:to>
+                                        <p:strVal val="visible"/>
+                                      </p:to>
+                                    </p:set>
+                                    <p:animEffect transition="in" filter="box(in)">
+                                      <p:cBhvr>
+                                        <p:cTn id="17" dur="500"/>
+                                        <p:tgtEl>
+                                          <p:spTgt spid="3">
+                                            <p:txEl>
+                                              <p:pRg st="2" end="2"/>
+                                            </p:txEl>
+                                          </p:spTgt>
+                                        </p:tgtEl>
+                                      </p:cBhvr>
+                                    </p:animEffect>
+                                  </p:childTnLst>
+                                </p:cTn>
+                              </p:par>
+                            </p:childTnLst>
+                          </p:cTn>
+                        </p:par>
+                      </p:childTnLst>
+                    </p:cTn>
+                  </p:par>
+                </p:childTnLst>
+              </p:cTn>
+              <p:prevCondLst>
+                <p:cond evt="onPrev" delay="0">
+                  <p:tgtEl>
+                    <p:sldTgt/>
+                  </p:tgtEl>
+                </p:cond>
+              </p:prevCondLst>
+              <p:nextCondLst>
+                <p:cond evt="onNext" delay="0">
+                  <p:tgtEl>
+                    <p:sldTgt/>
+                  </p:tgtEl>
+                </p:cond>
+              </p:nextCondLst>
+            </p:seq>
+          </p:childTnLst>
+        </p:cTn>
       </p:par>
     </p:tnLst>
+    <p:bldLst>
+      <p:bldP spid="3" grpId="0" build="p"/>
+    </p:bldLst>
   </p:timing>
 </p:sld>
 </file>
@@ -35306,16 +35478,6 @@
               <a:t> </a:t>
             </a:r>
             <a:r>
-              <a:rPr lang="en-US" sz="2300" i="1" dirty="0" smtClean="0">
-                <a:solidFill>
-                  <a:schemeClr val="accent1">
-                    <a:lumMod val="75000"/>
-                  </a:schemeClr>
-                </a:solidFill>
-              </a:rPr>
-              <a:t>M(</a:t>
-            </a:r>
-            <a:r>
               <a:rPr lang="en-US" sz="2300" dirty="0" smtClean="0">
                 <a:solidFill>
                   <a:srgbClr val="0070C0"/>
@@ -35324,16 +35486,6 @@
                 <a:ea typeface="Cambria Math" pitchFamily="18" charset="0"/>
               </a:rPr>
               <a:t>𝒞</a:t>
-            </a:r>
-            <a:r>
-              <a:rPr lang="en-US" sz="2300" i="1" dirty="0" smtClean="0">
-                <a:solidFill>
-                  <a:schemeClr val="accent1">
-                    <a:lumMod val="75000"/>
-                  </a:schemeClr>
-                </a:solidFill>
-              </a:rPr>
-              <a:t>)</a:t>
             </a:r>
             <a:r>
               <a:rPr lang="en-US" sz="2300" dirty="0" smtClean="0">
@@ -35703,7 +35855,7 @@
         </p:nvSpPr>
         <p:spPr>
           <a:xfrm>
-            <a:off x="1857356" y="3071810"/>
+            <a:off x="1357290" y="3776307"/>
             <a:ext cx="428628" cy="461665"/>
           </a:xfrm>
           <a:prstGeom prst="rect">
@@ -35739,13 +35891,13 @@
       </p:sp>
       <p:sp>
         <p:nvSpPr>
-          <p:cNvPr id="15" name="Textfeld 14"/>
+          <p:cNvPr id="18" name="Textfeld 17"/>
           <p:cNvSpPr txBox="1"/>
           <p:nvPr/>
         </p:nvSpPr>
         <p:spPr>
           <a:xfrm>
-            <a:off x="2571736" y="4714884"/>
+            <a:off x="428596" y="5419381"/>
             <a:ext cx="428628" cy="461665"/>
           </a:xfrm>
           <a:prstGeom prst="rect">
@@ -35767,7 +35919,7 @@
                   </a:schemeClr>
                 </a:solidFill>
               </a:rPr>
-              <a:t>T</a:t>
+              <a:t>E</a:t>
             </a:r>
             <a:endParaRPr lang="en-US" sz="2400" i="1" dirty="0">
               <a:solidFill>
@@ -35779,16 +35931,104 @@
           </a:p>
         </p:txBody>
       </p:sp>
+      <p:grpSp>
+        <p:nvGrpSpPr>
+          <p:cNvPr id="63" name="Gruppieren 62"/>
+          <p:cNvGrpSpPr/>
+          <p:nvPr/>
+        </p:nvGrpSpPr>
+        <p:grpSpPr>
+          <a:xfrm>
+            <a:off x="642910" y="4276373"/>
+            <a:ext cx="785818" cy="1143008"/>
+            <a:chOff x="642910" y="4276373"/>
+            <a:chExt cx="785818" cy="1143008"/>
+          </a:xfrm>
+        </p:grpSpPr>
+        <p:cxnSp>
+          <p:nvCxnSpPr>
+            <p:cNvPr id="30" name="Gerade Verbindung mit Pfeil 29"/>
+            <p:cNvCxnSpPr>
+              <a:endCxn id="18" idx="0"/>
+            </p:cNvCxnSpPr>
+            <p:nvPr/>
+          </p:nvCxnSpPr>
+          <p:spPr>
+            <a:xfrm rot="5400000">
+              <a:off x="464315" y="4454968"/>
+              <a:ext cx="1143008" cy="785818"/>
+            </a:xfrm>
+            <a:prstGeom prst="straightConnector1">
+              <a:avLst/>
+            </a:prstGeom>
+            <a:ln w="12700">
+              <a:tailEnd type="arrow"/>
+            </a:ln>
+          </p:spPr>
+          <p:style>
+            <a:lnRef idx="1">
+              <a:schemeClr val="accent1"/>
+            </a:lnRef>
+            <a:fillRef idx="0">
+              <a:schemeClr val="accent1"/>
+            </a:fillRef>
+            <a:effectRef idx="0">
+              <a:schemeClr val="accent1"/>
+            </a:effectRef>
+            <a:fontRef idx="minor">
+              <a:schemeClr val="tx1"/>
+            </a:fontRef>
+          </p:style>
+        </p:cxnSp>
+        <p:sp>
+          <p:nvSpPr>
+            <p:cNvPr id="35" name="Textfeld 34"/>
+            <p:cNvSpPr txBox="1"/>
+            <p:nvPr/>
+          </p:nvSpPr>
+          <p:spPr>
+            <a:xfrm>
+              <a:off x="785786" y="4347811"/>
+              <a:ext cx="428628" cy="461665"/>
+            </a:xfrm>
+            <a:prstGeom prst="rect">
+              <a:avLst/>
+            </a:prstGeom>
+            <a:noFill/>
+          </p:spPr>
+          <p:txBody>
+            <a:bodyPr wrap="square" rtlCol="0">
+              <a:spAutoFit/>
+            </a:bodyPr>
+            <a:lstStyle/>
+            <a:p>
+              <a:r>
+                <a:rPr lang="en-US" sz="2400" i="1" dirty="0" smtClean="0">
+                  <a:solidFill>
+                    <a:srgbClr val="0070C0"/>
+                  </a:solidFill>
+                </a:rPr>
+                <a:t>f</a:t>
+              </a:r>
+              <a:endParaRPr lang="en-US" sz="2400" i="1" dirty="0">
+                <a:solidFill>
+                  <a:srgbClr val="0070C0"/>
+                </a:solidFill>
+              </a:endParaRPr>
+            </a:p>
+          </p:txBody>
+        </p:sp>
+      </p:grpSp>
       <p:sp>
         <p:nvSpPr>
-          <p:cNvPr id="18" name="Textfeld 17"/>
+          <p:cNvPr id="38" name="Textfeld 37"/>
           <p:cNvSpPr txBox="1"/>
           <p:nvPr/>
         </p:nvSpPr>
         <p:spPr>
           <a:xfrm>
-            <a:off x="928662" y="4714884"/>
-            <a:ext cx="428628" cy="461665"/>
+            <a:off x="4357686" y="3786190"/>
+            <a:ext cx="1714512" cy="369332"/>
           </a:xfrm>
           <a:prstGeom prst="rect">
             <a:avLst/>
@@ -35802,141 +36042,39 @@
           <a:lstStyle/>
           <a:p>
             <a:r>
-              <a:rPr lang="en-US" sz="2400" i="1" dirty="0" smtClean="0">
+              <a:rPr lang="en-US" i="1" dirty="0" err="1" smtClean="0">
                 <a:solidFill>
                   <a:schemeClr val="accent1">
                     <a:lumMod val="75000"/>
                   </a:schemeClr>
                 </a:solidFill>
-              </a:rPr>
-              <a:t>E</a:t>
-            </a:r>
-            <a:endParaRPr lang="en-US" sz="2400" i="1" dirty="0">
+                <a:latin typeface="Consolas" pitchFamily="49" charset="0"/>
+                <a:cs typeface="Consolas" pitchFamily="49" charset="0"/>
+              </a:rPr>
+              <a:t>interval_set</a:t>
+            </a:r>
+            <a:endParaRPr lang="en-US" i="1" dirty="0">
               <a:solidFill>
                 <a:schemeClr val="accent1">
                   <a:lumMod val="75000"/>
                 </a:schemeClr>
               </a:solidFill>
+              <a:latin typeface="Consolas" pitchFamily="49" charset="0"/>
+              <a:cs typeface="Consolas" pitchFamily="49" charset="0"/>
             </a:endParaRPr>
           </a:p>
         </p:txBody>
       </p:sp>
-      <p:cxnSp>
-        <p:nvCxnSpPr>
-          <p:cNvPr id="24" name="Gerade Verbindung mit Pfeil 23"/>
-          <p:cNvCxnSpPr>
-            <a:stCxn id="18" idx="3"/>
-            <a:endCxn id="15" idx="1"/>
-          </p:cNvCxnSpPr>
-          <p:nvPr/>
-        </p:nvCxnSpPr>
-        <p:spPr>
-          <a:xfrm>
-            <a:off x="1357290" y="4945717"/>
-            <a:ext cx="1214446" cy="1588"/>
-          </a:xfrm>
-          <a:prstGeom prst="straightConnector1">
-            <a:avLst/>
-          </a:prstGeom>
-          <a:ln w="12700">
-            <a:tailEnd type="arrow"/>
-          </a:ln>
-        </p:spPr>
-        <p:style>
-          <a:lnRef idx="1">
-            <a:schemeClr val="accent1"/>
-          </a:lnRef>
-          <a:fillRef idx="0">
-            <a:schemeClr val="accent1"/>
-          </a:fillRef>
-          <a:effectRef idx="0">
-            <a:schemeClr val="accent1"/>
-          </a:effectRef>
-          <a:fontRef idx="minor">
-            <a:schemeClr val="tx1"/>
-          </a:fontRef>
-        </p:style>
-      </p:cxnSp>
-      <p:cxnSp>
-        <p:nvCxnSpPr>
-          <p:cNvPr id="30" name="Gerade Verbindung mit Pfeil 29"/>
-          <p:cNvCxnSpPr>
-            <a:endCxn id="18" idx="0"/>
-          </p:cNvCxnSpPr>
-          <p:nvPr/>
-        </p:nvCxnSpPr>
-        <p:spPr>
-          <a:xfrm rot="5400000">
-            <a:off x="964381" y="3750471"/>
-            <a:ext cx="1143008" cy="785818"/>
-          </a:xfrm>
-          <a:prstGeom prst="straightConnector1">
-            <a:avLst/>
-          </a:prstGeom>
-          <a:ln w="12700">
-            <a:tailEnd type="arrow"/>
-          </a:ln>
-        </p:spPr>
-        <p:style>
-          <a:lnRef idx="1">
-            <a:schemeClr val="accent1"/>
-          </a:lnRef>
-          <a:fillRef idx="0">
-            <a:schemeClr val="accent1"/>
-          </a:fillRef>
-          <a:effectRef idx="0">
-            <a:schemeClr val="accent1"/>
-          </a:effectRef>
-          <a:fontRef idx="minor">
-            <a:schemeClr val="tx1"/>
-          </a:fontRef>
-        </p:style>
-      </p:cxnSp>
-      <p:cxnSp>
-        <p:nvCxnSpPr>
-          <p:cNvPr id="32" name="Gerade Verbindung mit Pfeil 31"/>
-          <p:cNvCxnSpPr>
-            <a:endCxn id="15" idx="0"/>
-          </p:cNvCxnSpPr>
-          <p:nvPr/>
-        </p:nvCxnSpPr>
-        <p:spPr>
-          <a:xfrm rot="16200000" flipH="1">
-            <a:off x="1928794" y="3857628"/>
-            <a:ext cx="1143008" cy="571504"/>
-          </a:xfrm>
-          <a:prstGeom prst="straightConnector1">
-            <a:avLst/>
-          </a:prstGeom>
-          <a:ln w="12700">
-            <a:tailEnd type="arrow"/>
-          </a:ln>
-        </p:spPr>
-        <p:style>
-          <a:lnRef idx="1">
-            <a:schemeClr val="accent1"/>
-          </a:lnRef>
-          <a:fillRef idx="0">
-            <a:schemeClr val="accent1"/>
-          </a:fillRef>
-          <a:effectRef idx="0">
-            <a:schemeClr val="accent1"/>
-          </a:effectRef>
-          <a:fontRef idx="minor">
-            <a:schemeClr val="tx1"/>
-          </a:fontRef>
-        </p:style>
-      </p:cxnSp>
       <p:sp>
         <p:nvSpPr>
-          <p:cNvPr id="35" name="Textfeld 34"/>
+          <p:cNvPr id="40" name="Textfeld 39"/>
           <p:cNvSpPr txBox="1"/>
           <p:nvPr/>
         </p:nvSpPr>
         <p:spPr>
           <a:xfrm>
-            <a:off x="1285852" y="3643314"/>
-            <a:ext cx="428628" cy="461665"/>
+            <a:off x="3357554" y="5417122"/>
+            <a:ext cx="1285884" cy="369332"/>
           </a:xfrm>
           <a:prstGeom prst="rect">
             <a:avLst/>
@@ -35950,120 +36088,6 @@
           <a:lstStyle/>
           <a:p>
             <a:r>
-              <a:rPr lang="en-US" sz="2400" i="1" dirty="0" smtClean="0">
-                <a:solidFill>
-                  <a:srgbClr val="0070C0"/>
-                </a:solidFill>
-              </a:rPr>
-              <a:t>f</a:t>
-            </a:r>
-            <a:endParaRPr lang="en-US" sz="2400" i="1" dirty="0">
-              <a:solidFill>
-                <a:srgbClr val="0070C0"/>
-              </a:solidFill>
-            </a:endParaRPr>
-          </a:p>
-        </p:txBody>
-      </p:sp>
-      <p:sp>
-        <p:nvSpPr>
-          <p:cNvPr id="36" name="Textfeld 35"/>
-          <p:cNvSpPr txBox="1"/>
-          <p:nvPr/>
-        </p:nvSpPr>
-        <p:spPr>
-          <a:xfrm>
-            <a:off x="2500298" y="3643314"/>
-            <a:ext cx="428628" cy="461665"/>
-          </a:xfrm>
-          <a:prstGeom prst="rect">
-            <a:avLst/>
-          </a:prstGeom>
-          <a:noFill/>
-        </p:spPr>
-        <p:txBody>
-          <a:bodyPr wrap="square" rtlCol="0">
-            <a:spAutoFit/>
-          </a:bodyPr>
-          <a:lstStyle/>
-          <a:p>
-            <a:r>
-              <a:rPr lang="en-US" sz="2400" i="1" dirty="0" smtClean="0">
-                <a:solidFill>
-                  <a:srgbClr val="0070C0"/>
-                </a:solidFill>
-              </a:rPr>
-              <a:t>g</a:t>
-            </a:r>
-            <a:endParaRPr lang="en-US" sz="2400" i="1" dirty="0">
-              <a:solidFill>
-                <a:srgbClr val="0070C0"/>
-              </a:solidFill>
-            </a:endParaRPr>
-          </a:p>
-        </p:txBody>
-      </p:sp>
-      <p:sp>
-        <p:nvSpPr>
-          <p:cNvPr id="37" name="Textfeld 36"/>
-          <p:cNvSpPr txBox="1"/>
-          <p:nvPr/>
-        </p:nvSpPr>
-        <p:spPr>
-          <a:xfrm>
-            <a:off x="1714480" y="4906044"/>
-            <a:ext cx="428628" cy="461665"/>
-          </a:xfrm>
-          <a:prstGeom prst="rect">
-            <a:avLst/>
-          </a:prstGeom>
-          <a:noFill/>
-        </p:spPr>
-        <p:txBody>
-          <a:bodyPr wrap="square" rtlCol="0">
-            <a:spAutoFit/>
-          </a:bodyPr>
-          <a:lstStyle/>
-          <a:p>
-            <a:r>
-              <a:rPr lang="en-US" sz="2400" i="1" dirty="0" smtClean="0">
-                <a:solidFill>
-                  <a:srgbClr val="0070C0"/>
-                </a:solidFill>
-              </a:rPr>
-              <a:t>g</a:t>
-            </a:r>
-            <a:endParaRPr lang="en-US" sz="2400" i="1" dirty="0">
-              <a:solidFill>
-                <a:srgbClr val="0070C0"/>
-              </a:solidFill>
-            </a:endParaRPr>
-          </a:p>
-        </p:txBody>
-      </p:sp>
-      <p:sp>
-        <p:nvSpPr>
-          <p:cNvPr id="38" name="Textfeld 37"/>
-          <p:cNvSpPr txBox="1"/>
-          <p:nvPr/>
-        </p:nvSpPr>
-        <p:spPr>
-          <a:xfrm>
-            <a:off x="5214942" y="3081693"/>
-            <a:ext cx="2571768" cy="369332"/>
-          </a:xfrm>
-          <a:prstGeom prst="rect">
-            <a:avLst/>
-          </a:prstGeom>
-          <a:noFill/>
-        </p:spPr>
-        <p:txBody>
-          <a:bodyPr wrap="square" rtlCol="0">
-            <a:spAutoFit/>
-          </a:bodyPr>
-          <a:lstStyle/>
-          <a:p>
-            <a:r>
               <a:rPr lang="en-US" i="1" dirty="0" err="1" smtClean="0">
                 <a:solidFill>
                   <a:schemeClr val="accent1">
@@ -36073,7 +36097,31 @@
                 <a:latin typeface="Consolas" pitchFamily="49" charset="0"/>
                 <a:cs typeface="Consolas" pitchFamily="49" charset="0"/>
               </a:rPr>
-              <a:t>interval_container</a:t>
+              <a:t>i</a:t>
+            </a:r>
+            <a:r>
+              <a:rPr lang="en-US" i="1" dirty="0" err="1" smtClean="0">
+                <a:solidFill>
+                  <a:schemeClr val="accent1">
+                    <a:lumMod val="75000"/>
+                  </a:schemeClr>
+                </a:solidFill>
+                <a:latin typeface="Consolas" pitchFamily="49" charset="0"/>
+                <a:cs typeface="Consolas" pitchFamily="49" charset="0"/>
+              </a:rPr>
+              <a:t>tl</a:t>
+            </a:r>
+            <a:r>
+              <a:rPr lang="en-US" i="1" dirty="0" smtClean="0">
+                <a:solidFill>
+                  <a:schemeClr val="accent1">
+                    <a:lumMod val="75000"/>
+                  </a:schemeClr>
+                </a:solidFill>
+                <a:latin typeface="Consolas" pitchFamily="49" charset="0"/>
+                <a:cs typeface="Consolas" pitchFamily="49" charset="0"/>
+              </a:rPr>
+              <a:t>::set</a:t>
             </a:r>
             <a:endParaRPr lang="en-US" i="1" dirty="0">
               <a:solidFill>
@@ -36087,372 +36135,326 @@
           </a:p>
         </p:txBody>
       </p:sp>
-      <p:sp>
-        <p:nvSpPr>
-          <p:cNvPr id="39" name="Textfeld 38"/>
-          <p:cNvSpPr txBox="1"/>
+      <p:grpSp>
+        <p:nvGrpSpPr>
+          <p:cNvPr id="70" name="Gruppieren 69"/>
+          <p:cNvGrpSpPr/>
           <p:nvPr/>
-        </p:nvSpPr>
-        <p:spPr>
+        </p:nvGrpSpPr>
+        <p:grpSpPr>
           <a:xfrm>
-            <a:off x="7000892" y="4653329"/>
-            <a:ext cx="428628" cy="523220"/>
+            <a:off x="3357554" y="4143382"/>
+            <a:ext cx="1714520" cy="1273740"/>
+            <a:chOff x="3357554" y="4143382"/>
+            <a:chExt cx="1714520" cy="1273740"/>
           </a:xfrm>
-          <a:prstGeom prst="rect">
-            <a:avLst/>
-          </a:prstGeom>
-          <a:noFill/>
-        </p:spPr>
-        <p:txBody>
-          <a:bodyPr wrap="square" rtlCol="0">
-            <a:spAutoFit/>
-          </a:bodyPr>
-          <a:lstStyle/>
-          <a:p>
-            <a:r>
-              <a:rPr lang="en-US" sz="2800" i="1" dirty="0" smtClean="0">
+        </p:grpSpPr>
+        <p:cxnSp>
+          <p:nvCxnSpPr>
+            <p:cNvPr id="42" name="Gerade Verbindung mit Pfeil 41"/>
+            <p:cNvCxnSpPr>
+              <a:endCxn id="40" idx="0"/>
+            </p:cNvCxnSpPr>
+            <p:nvPr/>
+          </p:nvCxnSpPr>
+          <p:spPr>
+            <a:xfrm rot="5400000">
+              <a:off x="3899415" y="4244463"/>
+              <a:ext cx="1273740" cy="1071578"/>
+            </a:xfrm>
+            <a:prstGeom prst="straightConnector1">
+              <a:avLst/>
+            </a:prstGeom>
+            <a:ln w="12700">
+              <a:tailEnd type="arrow"/>
+            </a:ln>
+          </p:spPr>
+          <p:style>
+            <a:lnRef idx="1">
+              <a:schemeClr val="accent1"/>
+            </a:lnRef>
+            <a:fillRef idx="0">
+              <a:schemeClr val="accent1"/>
+            </a:fillRef>
+            <a:effectRef idx="0">
+              <a:schemeClr val="accent1"/>
+            </a:effectRef>
+            <a:fontRef idx="minor">
+              <a:schemeClr val="tx1"/>
+            </a:fontRef>
+          </p:style>
+        </p:cxnSp>
+        <p:sp>
+          <p:nvSpPr>
+            <p:cNvPr id="44" name="Textfeld 43"/>
+            <p:cNvSpPr txBox="1"/>
+            <p:nvPr/>
+          </p:nvSpPr>
+          <p:spPr>
+            <a:xfrm>
+              <a:off x="3357554" y="4488428"/>
+              <a:ext cx="1214446" cy="369332"/>
+            </a:xfrm>
+            <a:prstGeom prst="rect">
+              <a:avLst/>
+            </a:prstGeom>
+            <a:noFill/>
+          </p:spPr>
+          <p:txBody>
+            <a:bodyPr wrap="square" rtlCol="0">
+              <a:spAutoFit/>
+            </a:bodyPr>
+            <a:lstStyle/>
+            <a:p>
+              <a:r>
+                <a:rPr lang="en-US" i="1" dirty="0" smtClean="0">
+                  <a:latin typeface="Consolas" pitchFamily="49" charset="0"/>
+                  <a:cs typeface="Consolas" pitchFamily="49" charset="0"/>
+                </a:rPr>
+                <a:t>atomize</a:t>
+              </a:r>
+              <a:endParaRPr lang="en-US" i="1" dirty="0">
+                <a:latin typeface="Consolas" pitchFamily="49" charset="0"/>
+                <a:cs typeface="Consolas" pitchFamily="49" charset="0"/>
+              </a:endParaRPr>
+            </a:p>
+          </p:txBody>
+        </p:sp>
+      </p:grpSp>
+      <p:grpSp>
+        <p:nvGrpSpPr>
+          <p:cNvPr id="73" name="Gruppieren 72"/>
+          <p:cNvGrpSpPr/>
+          <p:nvPr/>
+        </p:nvGrpSpPr>
+        <p:grpSpPr>
+          <a:xfrm>
+            <a:off x="857224" y="4276373"/>
+            <a:ext cx="1643074" cy="1795833"/>
+            <a:chOff x="857224" y="4276373"/>
+            <a:chExt cx="1643074" cy="1795833"/>
+          </a:xfrm>
+        </p:grpSpPr>
+        <p:sp>
+          <p:nvSpPr>
+            <p:cNvPr id="15" name="Textfeld 14"/>
+            <p:cNvSpPr txBox="1"/>
+            <p:nvPr/>
+          </p:nvSpPr>
+          <p:spPr>
+            <a:xfrm>
+              <a:off x="2071670" y="5419381"/>
+              <a:ext cx="428628" cy="461665"/>
+            </a:xfrm>
+            <a:prstGeom prst="rect">
+              <a:avLst/>
+            </a:prstGeom>
+            <a:noFill/>
+          </p:spPr>
+          <p:txBody>
+            <a:bodyPr wrap="square" rtlCol="0">
+              <a:spAutoFit/>
+            </a:bodyPr>
+            <a:lstStyle/>
+            <a:p>
+              <a:r>
+                <a:rPr lang="en-US" sz="2400" i="1" dirty="0" smtClean="0">
+                  <a:solidFill>
+                    <a:schemeClr val="accent1">
+                      <a:lumMod val="75000"/>
+                    </a:schemeClr>
+                  </a:solidFill>
+                </a:rPr>
+                <a:t>T</a:t>
+              </a:r>
+              <a:endParaRPr lang="en-US" sz="2400" i="1" dirty="0">
                 <a:solidFill>
                   <a:schemeClr val="accent1">
                     <a:lumMod val="75000"/>
                   </a:schemeClr>
                 </a:solidFill>
-              </a:rPr>
-              <a:t>T</a:t>
-            </a:r>
-            <a:endParaRPr lang="en-US" sz="2800" i="1" dirty="0">
-              <a:solidFill>
-                <a:schemeClr val="accent1">
-                  <a:lumMod val="75000"/>
-                </a:schemeClr>
-              </a:solidFill>
-            </a:endParaRPr>
-          </a:p>
-        </p:txBody>
-      </p:sp>
-      <p:sp>
-        <p:nvSpPr>
-          <p:cNvPr id="40" name="Textfeld 39"/>
-          <p:cNvSpPr txBox="1"/>
-          <p:nvPr/>
-        </p:nvSpPr>
-        <p:spPr>
-          <a:xfrm>
-            <a:off x="4500562" y="4712625"/>
-            <a:ext cx="1357322" cy="369332"/>
-          </a:xfrm>
-          <a:prstGeom prst="rect">
-            <a:avLst/>
-          </a:prstGeom>
-          <a:noFill/>
-        </p:spPr>
-        <p:txBody>
-          <a:bodyPr wrap="square" rtlCol="0">
-            <a:spAutoFit/>
-          </a:bodyPr>
-          <a:lstStyle/>
-          <a:p>
-            <a:r>
-              <a:rPr lang="en-US" i="1" dirty="0" smtClean="0">
-                <a:solidFill>
-                  <a:schemeClr val="accent1">
-                    <a:lumMod val="75000"/>
-                  </a:schemeClr>
-                </a:solidFill>
-                <a:latin typeface="Consolas" pitchFamily="49" charset="0"/>
-                <a:cs typeface="Consolas" pitchFamily="49" charset="0"/>
-              </a:rPr>
-              <a:t>container</a:t>
-            </a:r>
-            <a:endParaRPr lang="en-US" i="1" dirty="0">
-              <a:solidFill>
-                <a:schemeClr val="accent1">
-                  <a:lumMod val="75000"/>
-                </a:schemeClr>
-              </a:solidFill>
-              <a:latin typeface="Consolas" pitchFamily="49" charset="0"/>
-              <a:cs typeface="Consolas" pitchFamily="49" charset="0"/>
-            </a:endParaRPr>
-          </a:p>
-        </p:txBody>
-      </p:sp>
-      <p:cxnSp>
-        <p:nvCxnSpPr>
-          <p:cNvPr id="41" name="Gerade Verbindung mit Pfeil 40"/>
-          <p:cNvCxnSpPr>
-            <a:stCxn id="40" idx="3"/>
-            <a:endCxn id="39" idx="1"/>
-          </p:cNvCxnSpPr>
-          <p:nvPr/>
-        </p:nvCxnSpPr>
-        <p:spPr>
-          <a:xfrm>
-            <a:off x="5857884" y="4897291"/>
-            <a:ext cx="1143008" cy="17648"/>
-          </a:xfrm>
-          <a:prstGeom prst="straightConnector1">
-            <a:avLst/>
-          </a:prstGeom>
-          <a:ln w="12700">
-            <a:tailEnd type="arrow"/>
-          </a:ln>
-        </p:spPr>
-        <p:style>
-          <a:lnRef idx="1">
-            <a:schemeClr val="accent1"/>
-          </a:lnRef>
-          <a:fillRef idx="0">
-            <a:schemeClr val="accent1"/>
-          </a:fillRef>
-          <a:effectRef idx="0">
-            <a:schemeClr val="accent1"/>
-          </a:effectRef>
-          <a:fontRef idx="minor">
-            <a:schemeClr val="tx1"/>
-          </a:fontRef>
-        </p:style>
-      </p:cxnSp>
-      <p:cxnSp>
-        <p:nvCxnSpPr>
-          <p:cNvPr id="42" name="Gerade Verbindung mit Pfeil 41"/>
-          <p:cNvCxnSpPr>
-            <a:endCxn id="40" idx="0"/>
-          </p:cNvCxnSpPr>
-          <p:nvPr/>
-        </p:nvCxnSpPr>
-        <p:spPr>
-          <a:xfrm rot="5400000">
-            <a:off x="5095998" y="3522111"/>
-            <a:ext cx="1273740" cy="1107289"/>
-          </a:xfrm>
-          <a:prstGeom prst="straightConnector1">
-            <a:avLst/>
-          </a:prstGeom>
-          <a:ln w="12700">
-            <a:tailEnd type="arrow"/>
-          </a:ln>
-        </p:spPr>
-        <p:style>
-          <a:lnRef idx="1">
-            <a:schemeClr val="accent1"/>
-          </a:lnRef>
-          <a:fillRef idx="0">
-            <a:schemeClr val="accent1"/>
-          </a:fillRef>
-          <a:effectRef idx="0">
-            <a:schemeClr val="accent1"/>
-          </a:effectRef>
-          <a:fontRef idx="minor">
-            <a:schemeClr val="tx1"/>
-          </a:fontRef>
-        </p:style>
-      </p:cxnSp>
-      <p:cxnSp>
-        <p:nvCxnSpPr>
-          <p:cNvPr id="43" name="Gerade Verbindung mit Pfeil 42"/>
-          <p:cNvCxnSpPr>
-            <a:endCxn id="39" idx="0"/>
-          </p:cNvCxnSpPr>
-          <p:nvPr/>
-        </p:nvCxnSpPr>
-        <p:spPr>
-          <a:xfrm rot="16200000" flipH="1">
-            <a:off x="6357950" y="3796073"/>
-            <a:ext cx="1214446" cy="500066"/>
-          </a:xfrm>
-          <a:prstGeom prst="straightConnector1">
-            <a:avLst/>
-          </a:prstGeom>
-          <a:ln w="12700">
-            <a:tailEnd type="arrow"/>
-          </a:ln>
-        </p:spPr>
-        <p:style>
-          <a:lnRef idx="1">
-            <a:schemeClr val="accent1"/>
-          </a:lnRef>
-          <a:fillRef idx="0">
-            <a:schemeClr val="accent1"/>
-          </a:fillRef>
-          <a:effectRef idx="0">
-            <a:schemeClr val="accent1"/>
-          </a:effectRef>
-          <a:fontRef idx="minor">
-            <a:schemeClr val="tx1"/>
-          </a:fontRef>
-        </p:style>
-      </p:cxnSp>
-      <p:sp>
-        <p:nvSpPr>
-          <p:cNvPr id="44" name="Textfeld 43"/>
-          <p:cNvSpPr txBox="1"/>
-          <p:nvPr/>
-        </p:nvSpPr>
-        <p:spPr>
-          <a:xfrm>
-            <a:off x="4714876" y="3783931"/>
-            <a:ext cx="1214446" cy="369332"/>
-          </a:xfrm>
-          <a:prstGeom prst="rect">
-            <a:avLst/>
-          </a:prstGeom>
-          <a:noFill/>
-        </p:spPr>
-        <p:txBody>
-          <a:bodyPr wrap="square" rtlCol="0">
-            <a:spAutoFit/>
-          </a:bodyPr>
-          <a:lstStyle/>
-          <a:p>
-            <a:r>
-              <a:rPr lang="en-US" i="1" dirty="0" smtClean="0">
-                <a:latin typeface="Consolas" pitchFamily="49" charset="0"/>
-                <a:cs typeface="Consolas" pitchFamily="49" charset="0"/>
-              </a:rPr>
-              <a:t>atomize</a:t>
-            </a:r>
-            <a:endParaRPr lang="en-US" i="1" dirty="0">
-              <a:latin typeface="Consolas" pitchFamily="49" charset="0"/>
-              <a:cs typeface="Consolas" pitchFamily="49" charset="0"/>
-            </a:endParaRPr>
-          </a:p>
-        </p:txBody>
-      </p:sp>
-      <p:sp>
-        <p:nvSpPr>
-          <p:cNvPr id="45" name="Textfeld 44"/>
-          <p:cNvSpPr txBox="1"/>
-          <p:nvPr/>
-        </p:nvSpPr>
-        <p:spPr>
-          <a:xfrm>
-            <a:off x="7000892" y="3796073"/>
-            <a:ext cx="1500198" cy="369332"/>
-          </a:xfrm>
-          <a:prstGeom prst="rect">
-            <a:avLst/>
-          </a:prstGeom>
-          <a:noFill/>
-        </p:spPr>
-        <p:txBody>
-          <a:bodyPr wrap="square" rtlCol="0">
-            <a:spAutoFit/>
-          </a:bodyPr>
-          <a:lstStyle/>
-          <a:p>
-            <a:r>
-              <a:rPr lang="en-US" i="1" dirty="0" smtClean="0">
+              </a:endParaRPr>
+            </a:p>
+          </p:txBody>
+        </p:sp>
+        <p:cxnSp>
+          <p:nvCxnSpPr>
+            <p:cNvPr id="24" name="Gerade Verbindung mit Pfeil 23"/>
+            <p:cNvCxnSpPr>
+              <a:stCxn id="18" idx="3"/>
+              <a:endCxn id="15" idx="1"/>
+            </p:cNvCxnSpPr>
+            <p:nvPr/>
+          </p:nvCxnSpPr>
+          <p:spPr>
+            <a:xfrm>
+              <a:off x="857224" y="5650214"/>
+              <a:ext cx="1214446" cy="1588"/>
+            </a:xfrm>
+            <a:prstGeom prst="straightConnector1">
+              <a:avLst/>
+            </a:prstGeom>
+            <a:ln w="12700">
+              <a:tailEnd type="arrow"/>
+            </a:ln>
+          </p:spPr>
+          <p:style>
+            <a:lnRef idx="1">
+              <a:schemeClr val="accent1"/>
+            </a:lnRef>
+            <a:fillRef idx="0">
+              <a:schemeClr val="accent1"/>
+            </a:fillRef>
+            <a:effectRef idx="0">
+              <a:schemeClr val="accent1"/>
+            </a:effectRef>
+            <a:fontRef idx="minor">
+              <a:schemeClr val="tx1"/>
+            </a:fontRef>
+          </p:style>
+        </p:cxnSp>
+        <p:cxnSp>
+          <p:nvCxnSpPr>
+            <p:cNvPr id="32" name="Gerade Verbindung mit Pfeil 31"/>
+            <p:cNvCxnSpPr>
+              <a:endCxn id="15" idx="0"/>
+            </p:cNvCxnSpPr>
+            <p:nvPr/>
+          </p:nvCxnSpPr>
+          <p:spPr>
+            <a:xfrm rot="16200000" flipH="1">
+              <a:off x="1428728" y="4562125"/>
+              <a:ext cx="1143008" cy="571504"/>
+            </a:xfrm>
+            <a:prstGeom prst="straightConnector1">
+              <a:avLst/>
+            </a:prstGeom>
+            <a:ln w="12700">
+              <a:tailEnd type="arrow"/>
+            </a:ln>
+          </p:spPr>
+          <p:style>
+            <a:lnRef idx="1">
+              <a:schemeClr val="accent1"/>
+            </a:lnRef>
+            <a:fillRef idx="0">
+              <a:schemeClr val="accent1"/>
+            </a:fillRef>
+            <a:effectRef idx="0">
+              <a:schemeClr val="accent1"/>
+            </a:effectRef>
+            <a:fontRef idx="minor">
+              <a:schemeClr val="tx1"/>
+            </a:fontRef>
+          </p:style>
+        </p:cxnSp>
+        <p:sp>
+          <p:nvSpPr>
+            <p:cNvPr id="36" name="Textfeld 35"/>
+            <p:cNvSpPr txBox="1"/>
+            <p:nvPr/>
+          </p:nvSpPr>
+          <p:spPr>
+            <a:xfrm>
+              <a:off x="2000232" y="4347811"/>
+              <a:ext cx="428628" cy="461665"/>
+            </a:xfrm>
+            <a:prstGeom prst="rect">
+              <a:avLst/>
+            </a:prstGeom>
+            <a:noFill/>
+          </p:spPr>
+          <p:txBody>
+            <a:bodyPr wrap="square" rtlCol="0">
+              <a:spAutoFit/>
+            </a:bodyPr>
+            <a:lstStyle/>
+            <a:p>
+              <a:r>
+                <a:rPr lang="en-US" sz="2400" i="1" dirty="0" smtClean="0">
+                  <a:solidFill>
+                    <a:srgbClr val="0070C0"/>
+                  </a:solidFill>
+                </a:rPr>
+                <a:t>g</a:t>
+              </a:r>
+              <a:endParaRPr lang="en-US" sz="2400" i="1" dirty="0">
                 <a:solidFill>
                   <a:srgbClr val="0070C0"/>
                 </a:solidFill>
-              </a:rPr>
-              <a:t>algorithm</a:t>
-            </a:r>
-            <a:endParaRPr lang="en-US" i="1" dirty="0">
-              <a:solidFill>
-                <a:srgbClr val="0070C0"/>
-              </a:solidFill>
-            </a:endParaRPr>
-          </a:p>
-        </p:txBody>
-      </p:sp>
-      <p:sp>
-        <p:nvSpPr>
-          <p:cNvPr id="54" name="Textfeld 53"/>
-          <p:cNvSpPr txBox="1"/>
-          <p:nvPr/>
-        </p:nvSpPr>
-        <p:spPr>
-          <a:xfrm>
-            <a:off x="5715008" y="4998377"/>
-            <a:ext cx="1500198" cy="369332"/>
-          </a:xfrm>
-          <a:prstGeom prst="rect">
-            <a:avLst/>
-          </a:prstGeom>
-          <a:noFill/>
-        </p:spPr>
-        <p:txBody>
-          <a:bodyPr wrap="square" rtlCol="0">
-            <a:spAutoFit/>
-          </a:bodyPr>
-          <a:lstStyle/>
-          <a:p>
-            <a:r>
-              <a:rPr lang="en-US" i="1" dirty="0" smtClean="0">
+              </a:endParaRPr>
+            </a:p>
+          </p:txBody>
+        </p:sp>
+        <p:sp>
+          <p:nvSpPr>
+            <p:cNvPr id="37" name="Textfeld 36"/>
+            <p:cNvSpPr txBox="1"/>
+            <p:nvPr/>
+          </p:nvSpPr>
+          <p:spPr>
+            <a:xfrm>
+              <a:off x="1214414" y="5610541"/>
+              <a:ext cx="428628" cy="461665"/>
+            </a:xfrm>
+            <a:prstGeom prst="rect">
+              <a:avLst/>
+            </a:prstGeom>
+            <a:noFill/>
+          </p:spPr>
+          <p:txBody>
+            <a:bodyPr wrap="square" rtlCol="0">
+              <a:spAutoFit/>
+            </a:bodyPr>
+            <a:lstStyle/>
+            <a:p>
+              <a:r>
+                <a:rPr lang="en-US" sz="2400" i="1" dirty="0" smtClean="0">
+                  <a:solidFill>
+                    <a:srgbClr val="0070C0"/>
+                  </a:solidFill>
+                </a:rPr>
+                <a:t>g</a:t>
+              </a:r>
+              <a:endParaRPr lang="en-US" sz="2400" i="1" dirty="0">
                 <a:solidFill>
                   <a:srgbClr val="0070C0"/>
                 </a:solidFill>
-              </a:rPr>
-              <a:t>algorithm</a:t>
-            </a:r>
-            <a:endParaRPr lang="en-US" i="1" dirty="0">
-              <a:solidFill>
-                <a:srgbClr val="0070C0"/>
-              </a:solidFill>
-            </a:endParaRPr>
-          </a:p>
-        </p:txBody>
-      </p:sp>
-      <p:sp>
-        <p:nvSpPr>
-          <p:cNvPr id="57" name="Textfeld 56"/>
-          <p:cNvSpPr txBox="1"/>
-          <p:nvPr/>
-        </p:nvSpPr>
-        <p:spPr>
-          <a:xfrm>
-            <a:off x="1857356" y="4110343"/>
-            <a:ext cx="428628" cy="461665"/>
-          </a:xfrm>
-          <a:prstGeom prst="rect">
-            <a:avLst/>
-          </a:prstGeom>
-          <a:noFill/>
-        </p:spPr>
-        <p:txBody>
-          <a:bodyPr wrap="square" rtlCol="0">
-            <a:spAutoFit/>
-          </a:bodyPr>
-          <a:lstStyle/>
-          <a:p>
-            <a:r>
-              <a:rPr lang="en-US" sz="2400" dirty="0" smtClean="0"/>
-              <a:t>=</a:t>
-            </a:r>
-            <a:endParaRPr lang="en-US" sz="2400" dirty="0"/>
-          </a:p>
-        </p:txBody>
-      </p:sp>
-      <p:sp>
-        <p:nvSpPr>
-          <p:cNvPr id="58" name="Textfeld 57"/>
-          <p:cNvSpPr txBox="1"/>
-          <p:nvPr/>
-        </p:nvSpPr>
-        <p:spPr>
-          <a:xfrm>
-            <a:off x="6215074" y="4048788"/>
-            <a:ext cx="428628" cy="461665"/>
-          </a:xfrm>
-          <a:prstGeom prst="rect">
-            <a:avLst/>
-          </a:prstGeom>
-          <a:noFill/>
-        </p:spPr>
-        <p:txBody>
-          <a:bodyPr wrap="square" rtlCol="0">
-            <a:spAutoFit/>
-          </a:bodyPr>
-          <a:lstStyle/>
-          <a:p>
-            <a:r>
-              <a:rPr lang="en-US" sz="2400" dirty="0" smtClean="0"/>
-              <a:t>=</a:t>
-            </a:r>
-            <a:endParaRPr lang="en-US" sz="2400" dirty="0"/>
-          </a:p>
-        </p:txBody>
-      </p:sp>
+              </a:endParaRPr>
+            </a:p>
+          </p:txBody>
+        </p:sp>
+        <p:sp>
+          <p:nvSpPr>
+            <p:cNvPr id="57" name="Textfeld 56"/>
+            <p:cNvSpPr txBox="1"/>
+            <p:nvPr/>
+          </p:nvSpPr>
+          <p:spPr>
+            <a:xfrm>
+              <a:off x="1357290" y="4814840"/>
+              <a:ext cx="428628" cy="461665"/>
+            </a:xfrm>
+            <a:prstGeom prst="rect">
+              <a:avLst/>
+            </a:prstGeom>
+            <a:noFill/>
+          </p:spPr>
+          <p:txBody>
+            <a:bodyPr wrap="square" rtlCol="0">
+              <a:spAutoFit/>
+            </a:bodyPr>
+            <a:lstStyle/>
+            <a:p>
+              <a:r>
+                <a:rPr lang="en-US" sz="2400" dirty="0" smtClean="0"/>
+                <a:t>=</a:t>
+              </a:r>
+              <a:endParaRPr lang="en-US" sz="2400" dirty="0"/>
+            </a:p>
+          </p:txBody>
+        </p:sp>
+      </p:grpSp>
       <p:sp>
         <p:nvSpPr>
           <p:cNvPr id="27" name="Fußzeilenplatzhalter 26"/>
@@ -36523,6 +36525,649 @@
           </a:p>
         </p:txBody>
       </p:sp>
+      <p:sp>
+        <p:nvSpPr>
+          <p:cNvPr id="51" name="Textfeld 50"/>
+          <p:cNvSpPr txBox="1"/>
+          <p:nvPr/>
+        </p:nvSpPr>
+        <p:spPr>
+          <a:xfrm>
+            <a:off x="1357290" y="3214686"/>
+            <a:ext cx="428628" cy="461665"/>
+          </a:xfrm>
+          <a:prstGeom prst="rect">
+            <a:avLst/>
+          </a:prstGeom>
+          <a:noFill/>
+        </p:spPr>
+        <p:txBody>
+          <a:bodyPr wrap="square" rtlCol="0">
+            <a:spAutoFit/>
+          </a:bodyPr>
+          <a:lstStyle/>
+          <a:p>
+            <a:r>
+              <a:rPr lang="en-US" sz="2400" dirty="0" smtClean="0">
+                <a:solidFill>
+                  <a:srgbClr val="0070C0"/>
+                </a:solidFill>
+                <a:latin typeface="Cambria Math" pitchFamily="18" charset="0"/>
+                <a:ea typeface="Cambria Math" pitchFamily="18" charset="0"/>
+              </a:rPr>
+              <a:t>𝒞</a:t>
+            </a:r>
+            <a:endParaRPr lang="en-US" sz="2400" i="1" dirty="0">
+              <a:solidFill>
+                <a:schemeClr val="accent1">
+                  <a:lumMod val="75000"/>
+                </a:schemeClr>
+              </a:solidFill>
+            </a:endParaRPr>
+          </a:p>
+        </p:txBody>
+      </p:sp>
+      <p:grpSp>
+        <p:nvGrpSpPr>
+          <p:cNvPr id="61" name="Gruppieren 60"/>
+          <p:cNvGrpSpPr/>
+          <p:nvPr/>
+        </p:nvGrpSpPr>
+        <p:grpSpPr>
+          <a:xfrm>
+            <a:off x="2428860" y="3214686"/>
+            <a:ext cx="2857520" cy="461665"/>
+            <a:chOff x="2643174" y="3214686"/>
+            <a:chExt cx="2857520" cy="461665"/>
+          </a:xfrm>
+        </p:grpSpPr>
+        <p:sp>
+          <p:nvSpPr>
+            <p:cNvPr id="52" name="Textfeld 51"/>
+            <p:cNvSpPr txBox="1"/>
+            <p:nvPr/>
+          </p:nvSpPr>
+          <p:spPr>
+            <a:xfrm>
+              <a:off x="4857752" y="3214686"/>
+              <a:ext cx="642942" cy="461665"/>
+            </a:xfrm>
+            <a:prstGeom prst="rect">
+              <a:avLst/>
+            </a:prstGeom>
+            <a:noFill/>
+          </p:spPr>
+          <p:txBody>
+            <a:bodyPr wrap="square" rtlCol="0">
+              <a:spAutoFit/>
+            </a:bodyPr>
+            <a:lstStyle/>
+            <a:p>
+              <a:r>
+                <a:rPr lang="en-US" sz="2400" i="1" dirty="0" smtClean="0">
+                  <a:solidFill>
+                    <a:srgbClr val="0070C0"/>
+                  </a:solidFill>
+                </a:rPr>
+                <a:t>Set</a:t>
+              </a:r>
+              <a:endParaRPr lang="en-US" sz="2400" i="1" dirty="0">
+                <a:solidFill>
+                  <a:srgbClr val="0070C0"/>
+                </a:solidFill>
+              </a:endParaRPr>
+            </a:p>
+          </p:txBody>
+        </p:sp>
+        <p:sp>
+          <p:nvSpPr>
+            <p:cNvPr id="53" name="Pfeil nach rechts 52"/>
+            <p:cNvSpPr/>
+            <p:nvPr/>
+          </p:nvSpPr>
+          <p:spPr bwMode="auto">
+            <a:xfrm>
+              <a:off x="2643174" y="3286124"/>
+              <a:ext cx="857256" cy="285752"/>
+            </a:xfrm>
+            <a:prstGeom prst="rightArrow">
+              <a:avLst/>
+            </a:prstGeom>
+            <a:solidFill>
+              <a:schemeClr val="accent3"/>
+            </a:solidFill>
+            <a:ln w="9525" cap="flat" cmpd="sng" algn="ctr">
+              <a:noFill/>
+              <a:prstDash val="solid"/>
+              <a:miter lim="800000"/>
+              <a:headEnd type="none" w="med" len="med"/>
+              <a:tailEnd type="none" w="med" len="med"/>
+            </a:ln>
+            <a:effectLst/>
+          </p:spPr>
+          <p:txBody>
+            <a:bodyPr vert="horz" wrap="none" lIns="91440" tIns="45720" rIns="91440" bIns="45720" rtlCol="0" anchor="ctr" compatLnSpc="1"/>
+            <a:lstStyle/>
+            <a:p>
+              <a:pPr algn="ctr"/>
+              <a:endParaRPr kumimoji="0" lang="en-US"/>
+            </a:p>
+          </p:txBody>
+        </p:sp>
+      </p:grpSp>
+      <p:grpSp>
+        <p:nvGrpSpPr>
+          <p:cNvPr id="62" name="Gruppieren 61"/>
+          <p:cNvGrpSpPr/>
+          <p:nvPr/>
+        </p:nvGrpSpPr>
+        <p:grpSpPr>
+          <a:xfrm>
+            <a:off x="6715140" y="3643314"/>
+            <a:ext cx="2143140" cy="2357454"/>
+            <a:chOff x="6715140" y="3643314"/>
+            <a:chExt cx="2143140" cy="2357454"/>
+          </a:xfrm>
+        </p:grpSpPr>
+        <p:sp>
+          <p:nvSpPr>
+            <p:cNvPr id="56" name="Textfeld 55"/>
+            <p:cNvSpPr txBox="1"/>
+            <p:nvPr/>
+          </p:nvSpPr>
+          <p:spPr>
+            <a:xfrm>
+              <a:off x="7643834" y="3643314"/>
+              <a:ext cx="1214446" cy="646331"/>
+            </a:xfrm>
+            <a:prstGeom prst="rect">
+              <a:avLst/>
+            </a:prstGeom>
+            <a:noFill/>
+          </p:spPr>
+          <p:txBody>
+            <a:bodyPr wrap="square" rtlCol="0">
+              <a:spAutoFit/>
+            </a:bodyPr>
+            <a:lstStyle/>
+            <a:p>
+              <a:pPr algn="ctr"/>
+              <a:r>
+                <a:rPr lang="en-US" i="1" dirty="0" smtClean="0">
+                  <a:solidFill>
+                    <a:schemeClr val="accent1">
+                      <a:lumMod val="75000"/>
+                    </a:schemeClr>
+                  </a:solidFill>
+                  <a:latin typeface="Consolas" pitchFamily="49" charset="0"/>
+                  <a:cs typeface="Consolas" pitchFamily="49" charset="0"/>
+                </a:rPr>
+                <a:t>i</a:t>
+              </a:r>
+              <a:r>
+                <a:rPr lang="en-US" i="1" dirty="0" smtClean="0">
+                  <a:solidFill>
+                    <a:schemeClr val="accent1">
+                      <a:lumMod val="75000"/>
+                    </a:schemeClr>
+                  </a:solidFill>
+                  <a:latin typeface="Consolas" pitchFamily="49" charset="0"/>
+                  <a:cs typeface="Consolas" pitchFamily="49" charset="0"/>
+                </a:rPr>
+                <a:t>nterval</a:t>
+              </a:r>
+            </a:p>
+            <a:p>
+              <a:pPr algn="ctr"/>
+              <a:r>
+                <a:rPr lang="en-US" i="1" dirty="0" err="1" smtClean="0">
+                  <a:solidFill>
+                    <a:schemeClr val="accent1">
+                      <a:lumMod val="75000"/>
+                    </a:schemeClr>
+                  </a:solidFill>
+                  <a:latin typeface="Consolas" pitchFamily="49" charset="0"/>
+                  <a:cs typeface="Consolas" pitchFamily="49" charset="0"/>
+                </a:rPr>
+                <a:t>impl</a:t>
+              </a:r>
+              <a:endParaRPr lang="en-US" i="1" dirty="0">
+                <a:solidFill>
+                  <a:schemeClr val="accent1">
+                    <a:lumMod val="75000"/>
+                  </a:schemeClr>
+                </a:solidFill>
+                <a:latin typeface="Consolas" pitchFamily="49" charset="0"/>
+                <a:cs typeface="Consolas" pitchFamily="49" charset="0"/>
+              </a:endParaRPr>
+            </a:p>
+          </p:txBody>
+        </p:sp>
+        <p:sp>
+          <p:nvSpPr>
+            <p:cNvPr id="59" name="Textfeld 58"/>
+            <p:cNvSpPr txBox="1"/>
+            <p:nvPr/>
+          </p:nvSpPr>
+          <p:spPr>
+            <a:xfrm>
+              <a:off x="6715140" y="5354437"/>
+              <a:ext cx="1214446" cy="646331"/>
+            </a:xfrm>
+            <a:prstGeom prst="rect">
+              <a:avLst/>
+            </a:prstGeom>
+            <a:noFill/>
+          </p:spPr>
+          <p:txBody>
+            <a:bodyPr wrap="square" rtlCol="0">
+              <a:spAutoFit/>
+            </a:bodyPr>
+            <a:lstStyle/>
+            <a:p>
+              <a:pPr algn="ctr"/>
+              <a:r>
+                <a:rPr lang="en-US" i="1" dirty="0" smtClean="0">
+                  <a:solidFill>
+                    <a:schemeClr val="accent1">
+                      <a:lumMod val="75000"/>
+                    </a:schemeClr>
+                  </a:solidFill>
+                  <a:latin typeface="Consolas" pitchFamily="49" charset="0"/>
+                  <a:cs typeface="Consolas" pitchFamily="49" charset="0"/>
+                </a:rPr>
+                <a:t>element</a:t>
+              </a:r>
+              <a:endParaRPr lang="en-US" i="1" dirty="0" smtClean="0">
+                <a:solidFill>
+                  <a:schemeClr val="accent1">
+                    <a:lumMod val="75000"/>
+                  </a:schemeClr>
+                </a:solidFill>
+                <a:latin typeface="Consolas" pitchFamily="49" charset="0"/>
+                <a:cs typeface="Consolas" pitchFamily="49" charset="0"/>
+              </a:endParaRPr>
+            </a:p>
+            <a:p>
+              <a:pPr algn="ctr"/>
+              <a:r>
+                <a:rPr lang="en-US" i="1" dirty="0" err="1" smtClean="0">
+                  <a:solidFill>
+                    <a:schemeClr val="accent1">
+                      <a:lumMod val="75000"/>
+                    </a:schemeClr>
+                  </a:solidFill>
+                  <a:latin typeface="Consolas" pitchFamily="49" charset="0"/>
+                  <a:cs typeface="Consolas" pitchFamily="49" charset="0"/>
+                </a:rPr>
+                <a:t>impl</a:t>
+              </a:r>
+              <a:endParaRPr lang="en-US" i="1" dirty="0">
+                <a:solidFill>
+                  <a:schemeClr val="accent1">
+                    <a:lumMod val="75000"/>
+                  </a:schemeClr>
+                </a:solidFill>
+                <a:latin typeface="Consolas" pitchFamily="49" charset="0"/>
+                <a:cs typeface="Consolas" pitchFamily="49" charset="0"/>
+              </a:endParaRPr>
+            </a:p>
+          </p:txBody>
+        </p:sp>
+        <p:sp>
+          <p:nvSpPr>
+            <p:cNvPr id="60" name="Pfeil nach unten 59"/>
+            <p:cNvSpPr/>
+            <p:nvPr/>
+          </p:nvSpPr>
+          <p:spPr bwMode="auto">
+            <a:xfrm rot="1992195">
+              <a:off x="7572396" y="4429132"/>
+              <a:ext cx="357190" cy="857256"/>
+            </a:xfrm>
+            <a:prstGeom prst="downArrow">
+              <a:avLst>
+                <a:gd name="adj1" fmla="val 50000"/>
+                <a:gd name="adj2" fmla="val 62190"/>
+              </a:avLst>
+            </a:prstGeom>
+            <a:solidFill>
+              <a:schemeClr val="accent3"/>
+            </a:solidFill>
+            <a:ln w="9525" cap="flat" cmpd="sng" algn="ctr">
+              <a:noFill/>
+              <a:prstDash val="solid"/>
+              <a:miter lim="800000"/>
+              <a:headEnd type="none" w="med" len="med"/>
+              <a:tailEnd type="none" w="med" len="med"/>
+            </a:ln>
+            <a:effectLst/>
+          </p:spPr>
+          <p:txBody>
+            <a:bodyPr vert="horz" wrap="none" lIns="91440" tIns="45720" rIns="91440" bIns="45720" rtlCol="0" anchor="ctr" compatLnSpc="1"/>
+            <a:lstStyle/>
+            <a:p>
+              <a:pPr algn="ctr"/>
+              <a:endParaRPr kumimoji="0" lang="en-US"/>
+            </a:p>
+          </p:txBody>
+        </p:sp>
+      </p:grpSp>
+      <p:grpSp>
+        <p:nvGrpSpPr>
+          <p:cNvPr id="74" name="Gruppieren 73"/>
+          <p:cNvGrpSpPr/>
+          <p:nvPr/>
+        </p:nvGrpSpPr>
+        <p:grpSpPr>
+          <a:xfrm>
+            <a:off x="4643438" y="4143380"/>
+            <a:ext cx="1785950" cy="1869530"/>
+            <a:chOff x="4643438" y="4143380"/>
+            <a:chExt cx="1785950" cy="1869530"/>
+          </a:xfrm>
+        </p:grpSpPr>
+        <p:sp>
+          <p:nvSpPr>
+            <p:cNvPr id="39" name="Textfeld 38"/>
+            <p:cNvSpPr txBox="1"/>
+            <p:nvPr/>
+          </p:nvSpPr>
+          <p:spPr>
+            <a:xfrm>
+              <a:off x="5643570" y="5357826"/>
+              <a:ext cx="428628" cy="523220"/>
+            </a:xfrm>
+            <a:prstGeom prst="rect">
+              <a:avLst/>
+            </a:prstGeom>
+            <a:noFill/>
+          </p:spPr>
+          <p:txBody>
+            <a:bodyPr wrap="square" rtlCol="0">
+              <a:spAutoFit/>
+            </a:bodyPr>
+            <a:lstStyle/>
+            <a:p>
+              <a:r>
+                <a:rPr lang="en-US" sz="2800" i="1" dirty="0" smtClean="0">
+                  <a:solidFill>
+                    <a:schemeClr val="accent1">
+                      <a:lumMod val="75000"/>
+                    </a:schemeClr>
+                  </a:solidFill>
+                </a:rPr>
+                <a:t>T</a:t>
+              </a:r>
+              <a:endParaRPr lang="en-US" sz="2800" i="1" dirty="0">
+                <a:solidFill>
+                  <a:schemeClr val="accent1">
+                    <a:lumMod val="75000"/>
+                  </a:schemeClr>
+                </a:solidFill>
+              </a:endParaRPr>
+            </a:p>
+          </p:txBody>
+        </p:sp>
+        <p:cxnSp>
+          <p:nvCxnSpPr>
+            <p:cNvPr id="41" name="Gerade Verbindung mit Pfeil 40"/>
+            <p:cNvCxnSpPr>
+              <a:stCxn id="40" idx="3"/>
+              <a:endCxn id="39" idx="1"/>
+            </p:cNvCxnSpPr>
+            <p:nvPr/>
+          </p:nvCxnSpPr>
+          <p:spPr>
+            <a:xfrm>
+              <a:off x="4643438" y="5601788"/>
+              <a:ext cx="1000132" cy="17648"/>
+            </a:xfrm>
+            <a:prstGeom prst="straightConnector1">
+              <a:avLst/>
+            </a:prstGeom>
+            <a:ln w="12700">
+              <a:tailEnd type="arrow"/>
+            </a:ln>
+          </p:spPr>
+          <p:style>
+            <a:lnRef idx="1">
+              <a:schemeClr val="accent1"/>
+            </a:lnRef>
+            <a:fillRef idx="0">
+              <a:schemeClr val="accent1"/>
+            </a:fillRef>
+            <a:effectRef idx="0">
+              <a:schemeClr val="accent1"/>
+            </a:effectRef>
+            <a:fontRef idx="minor">
+              <a:schemeClr val="tx1"/>
+            </a:fontRef>
+          </p:style>
+        </p:cxnSp>
+        <p:cxnSp>
+          <p:nvCxnSpPr>
+            <p:cNvPr id="43" name="Gerade Verbindung mit Pfeil 42"/>
+            <p:cNvCxnSpPr>
+              <a:endCxn id="39" idx="0"/>
+            </p:cNvCxnSpPr>
+            <p:nvPr/>
+          </p:nvCxnSpPr>
+          <p:spPr>
+            <a:xfrm rot="16200000" flipH="1">
+              <a:off x="5000628" y="4500570"/>
+              <a:ext cx="1214446" cy="500066"/>
+            </a:xfrm>
+            <a:prstGeom prst="straightConnector1">
+              <a:avLst/>
+            </a:prstGeom>
+            <a:ln w="12700">
+              <a:tailEnd type="arrow"/>
+            </a:ln>
+          </p:spPr>
+          <p:style>
+            <a:lnRef idx="1">
+              <a:schemeClr val="accent1"/>
+            </a:lnRef>
+            <a:fillRef idx="0">
+              <a:schemeClr val="accent1"/>
+            </a:fillRef>
+            <a:effectRef idx="0">
+              <a:schemeClr val="accent1"/>
+            </a:effectRef>
+            <a:fontRef idx="minor">
+              <a:schemeClr val="tx1"/>
+            </a:fontRef>
+          </p:style>
+        </p:cxnSp>
+        <p:sp>
+          <p:nvSpPr>
+            <p:cNvPr id="45" name="Textfeld 44"/>
+            <p:cNvSpPr txBox="1"/>
+            <p:nvPr/>
+          </p:nvSpPr>
+          <p:spPr>
+            <a:xfrm>
+              <a:off x="5643570" y="4500570"/>
+              <a:ext cx="785818" cy="369332"/>
+            </a:xfrm>
+            <a:prstGeom prst="rect">
+              <a:avLst/>
+            </a:prstGeom>
+            <a:noFill/>
+          </p:spPr>
+          <p:txBody>
+            <a:bodyPr wrap="square" rtlCol="0">
+              <a:spAutoFit/>
+            </a:bodyPr>
+            <a:lstStyle/>
+            <a:p>
+              <a:r>
+                <a:rPr lang="en-US" i="1" dirty="0" smtClean="0">
+                  <a:latin typeface="Consolas" pitchFamily="49" charset="0"/>
+                  <a:cs typeface="Consolas" pitchFamily="49" charset="0"/>
+                </a:rPr>
+                <a:t>copy</a:t>
+              </a:r>
+              <a:endParaRPr lang="en-US" i="1" dirty="0">
+                <a:latin typeface="Consolas" pitchFamily="49" charset="0"/>
+                <a:cs typeface="Consolas" pitchFamily="49" charset="0"/>
+              </a:endParaRPr>
+            </a:p>
+          </p:txBody>
+        </p:sp>
+        <p:sp>
+          <p:nvSpPr>
+            <p:cNvPr id="58" name="Textfeld 57"/>
+            <p:cNvSpPr txBox="1"/>
+            <p:nvPr/>
+          </p:nvSpPr>
+          <p:spPr>
+            <a:xfrm>
+              <a:off x="4857752" y="4753285"/>
+              <a:ext cx="428628" cy="461665"/>
+            </a:xfrm>
+            <a:prstGeom prst="rect">
+              <a:avLst/>
+            </a:prstGeom>
+            <a:noFill/>
+          </p:spPr>
+          <p:txBody>
+            <a:bodyPr wrap="square" rtlCol="0">
+              <a:spAutoFit/>
+            </a:bodyPr>
+            <a:lstStyle/>
+            <a:p>
+              <a:r>
+                <a:rPr lang="en-US" sz="2400" dirty="0" smtClean="0"/>
+                <a:t>=</a:t>
+              </a:r>
+              <a:endParaRPr lang="en-US" sz="2400" dirty="0"/>
+            </a:p>
+          </p:txBody>
+        </p:sp>
+        <p:sp>
+          <p:nvSpPr>
+            <p:cNvPr id="71" name="Textfeld 70"/>
+            <p:cNvSpPr txBox="1"/>
+            <p:nvPr/>
+          </p:nvSpPr>
+          <p:spPr>
+            <a:xfrm>
+              <a:off x="4714876" y="5643578"/>
+              <a:ext cx="785818" cy="369332"/>
+            </a:xfrm>
+            <a:prstGeom prst="rect">
+              <a:avLst/>
+            </a:prstGeom>
+            <a:noFill/>
+          </p:spPr>
+          <p:txBody>
+            <a:bodyPr wrap="square" rtlCol="0">
+              <a:spAutoFit/>
+            </a:bodyPr>
+            <a:lstStyle/>
+            <a:p>
+              <a:r>
+                <a:rPr lang="en-US" i="1" dirty="0" smtClean="0">
+                  <a:latin typeface="Consolas" pitchFamily="49" charset="0"/>
+                  <a:cs typeface="Consolas" pitchFamily="49" charset="0"/>
+                </a:rPr>
+                <a:t>copy</a:t>
+              </a:r>
+              <a:endParaRPr lang="en-US" i="1" dirty="0">
+                <a:latin typeface="Consolas" pitchFamily="49" charset="0"/>
+                <a:cs typeface="Consolas" pitchFamily="49" charset="0"/>
+              </a:endParaRPr>
+            </a:p>
+          </p:txBody>
+        </p:sp>
+      </p:grpSp>
+      <p:grpSp>
+        <p:nvGrpSpPr>
+          <p:cNvPr id="79" name="Gruppieren 78"/>
+          <p:cNvGrpSpPr/>
+          <p:nvPr/>
+        </p:nvGrpSpPr>
+        <p:grpSpPr>
+          <a:xfrm>
+            <a:off x="357158" y="3072604"/>
+            <a:ext cx="8429684" cy="3000396"/>
+            <a:chOff x="357158" y="3072604"/>
+            <a:chExt cx="8429684" cy="3000396"/>
+          </a:xfrm>
+        </p:grpSpPr>
+        <p:cxnSp>
+          <p:nvCxnSpPr>
+            <p:cNvPr id="76" name="Gerade Verbindung 75"/>
+            <p:cNvCxnSpPr/>
+            <p:nvPr/>
+          </p:nvCxnSpPr>
+          <p:spPr>
+            <a:xfrm>
+              <a:off x="357158" y="3643314"/>
+              <a:ext cx="8429684" cy="1588"/>
+            </a:xfrm>
+            <a:prstGeom prst="line">
+              <a:avLst/>
+            </a:prstGeom>
+            <a:ln w="12700">
+              <a:solidFill>
+                <a:schemeClr val="tx1"/>
+              </a:solidFill>
+            </a:ln>
+          </p:spPr>
+          <p:style>
+            <a:lnRef idx="1">
+              <a:schemeClr val="accent1"/>
+            </a:lnRef>
+            <a:fillRef idx="0">
+              <a:schemeClr val="accent1"/>
+            </a:fillRef>
+            <a:effectRef idx="0">
+              <a:schemeClr val="accent1"/>
+            </a:effectRef>
+            <a:fontRef idx="minor">
+              <a:schemeClr val="tx1"/>
+            </a:fontRef>
+          </p:style>
+        </p:cxnSp>
+        <p:cxnSp>
+          <p:nvCxnSpPr>
+            <p:cNvPr id="78" name="Gerade Verbindung 77"/>
+            <p:cNvCxnSpPr/>
+            <p:nvPr/>
+          </p:nvCxnSpPr>
+          <p:spPr>
+            <a:xfrm rot="5400000">
+              <a:off x="5072066" y="4572008"/>
+              <a:ext cx="3000396" cy="1588"/>
+            </a:xfrm>
+            <a:prstGeom prst="line">
+              <a:avLst/>
+            </a:prstGeom>
+            <a:ln w="12700">
+              <a:solidFill>
+                <a:schemeClr val="tx1"/>
+              </a:solidFill>
+            </a:ln>
+          </p:spPr>
+          <p:style>
+            <a:lnRef idx="1">
+              <a:schemeClr val="accent1"/>
+            </a:lnRef>
+            <a:fillRef idx="0">
+              <a:schemeClr val="accent1"/>
+            </a:fillRef>
+            <a:effectRef idx="0">
+              <a:schemeClr val="accent1"/>
+            </a:effectRef>
+            <a:fontRef idx="minor">
+              <a:schemeClr val="tx1"/>
+            </a:fontRef>
+          </p:style>
+        </p:cxnSp>
+      </p:grpSp>
     </p:spTree>
   </p:cSld>
   <p:clrMapOvr>
@@ -36531,9 +37176,851 @@
   <p:timing>
     <p:tnLst>
       <p:par>
-        <p:cTn id="1" dur="indefinite" restart="never" nodeType="tmRoot"/>
+        <p:cTn id="1" dur="indefinite" restart="never" nodeType="tmRoot">
+          <p:childTnLst>
+            <p:seq concurrent="1" nextAc="seek">
+              <p:cTn id="2" dur="indefinite" nodeType="mainSeq">
+                <p:childTnLst>
+                  <p:par>
+                    <p:cTn id="3" fill="hold">
+                      <p:stCondLst>
+                        <p:cond delay="indefinite"/>
+                      </p:stCondLst>
+                      <p:childTnLst>
+                        <p:par>
+                          <p:cTn id="4" fill="hold">
+                            <p:stCondLst>
+                              <p:cond delay="0"/>
+                            </p:stCondLst>
+                            <p:childTnLst>
+                              <p:par>
+                                <p:cTn id="5" presetID="4" presetClass="entr" presetSubtype="16" fill="hold" grpId="0" nodeType="clickEffect">
+                                  <p:stCondLst>
+                                    <p:cond delay="0"/>
+                                  </p:stCondLst>
+                                  <p:childTnLst>
+                                    <p:set>
+                                      <p:cBhvr>
+                                        <p:cTn id="6" dur="1" fill="hold">
+                                          <p:stCondLst>
+                                            <p:cond delay="0"/>
+                                          </p:stCondLst>
+                                        </p:cTn>
+                                        <p:tgtEl>
+                                          <p:spTgt spid="3">
+                                            <p:txEl>
+                                              <p:pRg st="0" end="0"/>
+                                            </p:txEl>
+                                          </p:spTgt>
+                                        </p:tgtEl>
+                                        <p:attrNameLst>
+                                          <p:attrName>style.visibility</p:attrName>
+                                        </p:attrNameLst>
+                                      </p:cBhvr>
+                                      <p:to>
+                                        <p:strVal val="visible"/>
+                                      </p:to>
+                                    </p:set>
+                                    <p:animEffect transition="in" filter="box(in)">
+                                      <p:cBhvr>
+                                        <p:cTn id="7" dur="500"/>
+                                        <p:tgtEl>
+                                          <p:spTgt spid="3">
+                                            <p:txEl>
+                                              <p:pRg st="0" end="0"/>
+                                            </p:txEl>
+                                          </p:spTgt>
+                                        </p:tgtEl>
+                                      </p:cBhvr>
+                                    </p:animEffect>
+                                  </p:childTnLst>
+                                </p:cTn>
+                              </p:par>
+                            </p:childTnLst>
+                          </p:cTn>
+                        </p:par>
+                      </p:childTnLst>
+                    </p:cTn>
+                  </p:par>
+                  <p:par>
+                    <p:cTn id="8" fill="hold">
+                      <p:stCondLst>
+                        <p:cond delay="indefinite"/>
+                      </p:stCondLst>
+                      <p:childTnLst>
+                        <p:par>
+                          <p:cTn id="9" fill="hold">
+                            <p:stCondLst>
+                              <p:cond delay="0"/>
+                            </p:stCondLst>
+                            <p:childTnLst>
+                              <p:par>
+                                <p:cTn id="10" presetID="4" presetClass="entr" presetSubtype="16" fill="hold" grpId="0" nodeType="clickEffect">
+                                  <p:stCondLst>
+                                    <p:cond delay="0"/>
+                                  </p:stCondLst>
+                                  <p:childTnLst>
+                                    <p:set>
+                                      <p:cBhvr>
+                                        <p:cTn id="11" dur="1" fill="hold">
+                                          <p:stCondLst>
+                                            <p:cond delay="0"/>
+                                          </p:stCondLst>
+                                        </p:cTn>
+                                        <p:tgtEl>
+                                          <p:spTgt spid="3">
+                                            <p:txEl>
+                                              <p:pRg st="1" end="1"/>
+                                            </p:txEl>
+                                          </p:spTgt>
+                                        </p:tgtEl>
+                                        <p:attrNameLst>
+                                          <p:attrName>style.visibility</p:attrName>
+                                        </p:attrNameLst>
+                                      </p:cBhvr>
+                                      <p:to>
+                                        <p:strVal val="visible"/>
+                                      </p:to>
+                                    </p:set>
+                                    <p:animEffect transition="in" filter="box(in)">
+                                      <p:cBhvr>
+                                        <p:cTn id="12" dur="500"/>
+                                        <p:tgtEl>
+                                          <p:spTgt spid="3">
+                                            <p:txEl>
+                                              <p:pRg st="1" end="1"/>
+                                            </p:txEl>
+                                          </p:spTgt>
+                                        </p:tgtEl>
+                                      </p:cBhvr>
+                                    </p:animEffect>
+                                  </p:childTnLst>
+                                </p:cTn>
+                              </p:par>
+                            </p:childTnLst>
+                          </p:cTn>
+                        </p:par>
+                      </p:childTnLst>
+                    </p:cTn>
+                  </p:par>
+                  <p:par>
+                    <p:cTn id="13" fill="hold">
+                      <p:stCondLst>
+                        <p:cond delay="indefinite"/>
+                      </p:stCondLst>
+                      <p:childTnLst>
+                        <p:par>
+                          <p:cTn id="14" fill="hold">
+                            <p:stCondLst>
+                              <p:cond delay="0"/>
+                            </p:stCondLst>
+                            <p:childTnLst>
+                              <p:par>
+                                <p:cTn id="15" presetID="4" presetClass="entr" presetSubtype="16" fill="hold" grpId="0" nodeType="clickEffect">
+                                  <p:stCondLst>
+                                    <p:cond delay="0"/>
+                                  </p:stCondLst>
+                                  <p:childTnLst>
+                                    <p:set>
+                                      <p:cBhvr>
+                                        <p:cTn id="16" dur="1" fill="hold">
+                                          <p:stCondLst>
+                                            <p:cond delay="0"/>
+                                          </p:stCondLst>
+                                        </p:cTn>
+                                        <p:tgtEl>
+                                          <p:spTgt spid="3">
+                                            <p:txEl>
+                                              <p:pRg st="2" end="2"/>
+                                            </p:txEl>
+                                          </p:spTgt>
+                                        </p:tgtEl>
+                                        <p:attrNameLst>
+                                          <p:attrName>style.visibility</p:attrName>
+                                        </p:attrNameLst>
+                                      </p:cBhvr>
+                                      <p:to>
+                                        <p:strVal val="visible"/>
+                                      </p:to>
+                                    </p:set>
+                                    <p:animEffect transition="in" filter="box(in)">
+                                      <p:cBhvr>
+                                        <p:cTn id="17" dur="500"/>
+                                        <p:tgtEl>
+                                          <p:spTgt spid="3">
+                                            <p:txEl>
+                                              <p:pRg st="2" end="2"/>
+                                            </p:txEl>
+                                          </p:spTgt>
+                                        </p:tgtEl>
+                                      </p:cBhvr>
+                                    </p:animEffect>
+                                  </p:childTnLst>
+                                </p:cTn>
+                              </p:par>
+                            </p:childTnLst>
+                          </p:cTn>
+                        </p:par>
+                      </p:childTnLst>
+                    </p:cTn>
+                  </p:par>
+                  <p:par>
+                    <p:cTn id="18" fill="hold">
+                      <p:stCondLst>
+                        <p:cond delay="indefinite"/>
+                      </p:stCondLst>
+                      <p:childTnLst>
+                        <p:par>
+                          <p:cTn id="19" fill="hold">
+                            <p:stCondLst>
+                              <p:cond delay="0"/>
+                            </p:stCondLst>
+                            <p:childTnLst>
+                              <p:par>
+                                <p:cTn id="20" presetID="1" presetClass="entr" presetSubtype="0" fill="hold" nodeType="clickEffect">
+                                  <p:stCondLst>
+                                    <p:cond delay="0"/>
+                                  </p:stCondLst>
+                                  <p:childTnLst>
+                                    <p:set>
+                                      <p:cBhvr>
+                                        <p:cTn id="21" dur="1" fill="hold">
+                                          <p:stCondLst>
+                                            <p:cond delay="0"/>
+                                          </p:stCondLst>
+                                        </p:cTn>
+                                        <p:tgtEl>
+                                          <p:spTgt spid="79"/>
+                                        </p:tgtEl>
+                                        <p:attrNameLst>
+                                          <p:attrName>style.visibility</p:attrName>
+                                        </p:attrNameLst>
+                                      </p:cBhvr>
+                                      <p:to>
+                                        <p:strVal val="visible"/>
+                                      </p:to>
+                                    </p:set>
+                                  </p:childTnLst>
+                                </p:cTn>
+                              </p:par>
+                            </p:childTnLst>
+                          </p:cTn>
+                        </p:par>
+                      </p:childTnLst>
+                    </p:cTn>
+                  </p:par>
+                  <p:par>
+                    <p:cTn id="22" fill="hold">
+                      <p:stCondLst>
+                        <p:cond delay="indefinite"/>
+                      </p:stCondLst>
+                      <p:childTnLst>
+                        <p:par>
+                          <p:cTn id="23" fill="hold">
+                            <p:stCondLst>
+                              <p:cond delay="0"/>
+                            </p:stCondLst>
+                            <p:childTnLst>
+                              <p:par>
+                                <p:cTn id="24" presetID="4" presetClass="entr" presetSubtype="16" fill="hold" grpId="0" nodeType="clickEffect">
+                                  <p:stCondLst>
+                                    <p:cond delay="0"/>
+                                  </p:stCondLst>
+                                  <p:childTnLst>
+                                    <p:set>
+                                      <p:cBhvr>
+                                        <p:cTn id="25" dur="1" fill="hold">
+                                          <p:stCondLst>
+                                            <p:cond delay="0"/>
+                                          </p:stCondLst>
+                                        </p:cTn>
+                                        <p:tgtEl>
+                                          <p:spTgt spid="51"/>
+                                        </p:tgtEl>
+                                        <p:attrNameLst>
+                                          <p:attrName>style.visibility</p:attrName>
+                                        </p:attrNameLst>
+                                      </p:cBhvr>
+                                      <p:to>
+                                        <p:strVal val="visible"/>
+                                      </p:to>
+                                    </p:set>
+                                    <p:animEffect transition="in" filter="box(in)">
+                                      <p:cBhvr>
+                                        <p:cTn id="26" dur="500"/>
+                                        <p:tgtEl>
+                                          <p:spTgt spid="51"/>
+                                        </p:tgtEl>
+                                      </p:cBhvr>
+                                    </p:animEffect>
+                                  </p:childTnLst>
+                                </p:cTn>
+                              </p:par>
+                            </p:childTnLst>
+                          </p:cTn>
+                        </p:par>
+                      </p:childTnLst>
+                    </p:cTn>
+                  </p:par>
+                  <p:par>
+                    <p:cTn id="27" fill="hold">
+                      <p:stCondLst>
+                        <p:cond delay="indefinite"/>
+                      </p:stCondLst>
+                      <p:childTnLst>
+                        <p:par>
+                          <p:cTn id="28" fill="hold">
+                            <p:stCondLst>
+                              <p:cond delay="0"/>
+                            </p:stCondLst>
+                            <p:childTnLst>
+                              <p:par>
+                                <p:cTn id="29" presetID="4" presetClass="entr" presetSubtype="16" fill="hold" nodeType="clickEffect">
+                                  <p:stCondLst>
+                                    <p:cond delay="0"/>
+                                  </p:stCondLst>
+                                  <p:childTnLst>
+                                    <p:set>
+                                      <p:cBhvr>
+                                        <p:cTn id="30" dur="1" fill="hold">
+                                          <p:stCondLst>
+                                            <p:cond delay="0"/>
+                                          </p:stCondLst>
+                                        </p:cTn>
+                                        <p:tgtEl>
+                                          <p:spTgt spid="61"/>
+                                        </p:tgtEl>
+                                        <p:attrNameLst>
+                                          <p:attrName>style.visibility</p:attrName>
+                                        </p:attrNameLst>
+                                      </p:cBhvr>
+                                      <p:to>
+                                        <p:strVal val="visible"/>
+                                      </p:to>
+                                    </p:set>
+                                    <p:animEffect transition="in" filter="box(in)">
+                                      <p:cBhvr>
+                                        <p:cTn id="31" dur="500"/>
+                                        <p:tgtEl>
+                                          <p:spTgt spid="61"/>
+                                        </p:tgtEl>
+                                      </p:cBhvr>
+                                    </p:animEffect>
+                                  </p:childTnLst>
+                                </p:cTn>
+                              </p:par>
+                            </p:childTnLst>
+                          </p:cTn>
+                        </p:par>
+                      </p:childTnLst>
+                    </p:cTn>
+                  </p:par>
+                  <p:par>
+                    <p:cTn id="32" fill="hold">
+                      <p:stCondLst>
+                        <p:cond delay="indefinite"/>
+                      </p:stCondLst>
+                      <p:childTnLst>
+                        <p:par>
+                          <p:cTn id="33" fill="hold">
+                            <p:stCondLst>
+                              <p:cond delay="0"/>
+                            </p:stCondLst>
+                            <p:childTnLst>
+                              <p:par>
+                                <p:cTn id="34" presetID="4" presetClass="entr" presetSubtype="16" fill="hold" grpId="0" nodeType="clickEffect">
+                                  <p:stCondLst>
+                                    <p:cond delay="0"/>
+                                  </p:stCondLst>
+                                  <p:childTnLst>
+                                    <p:set>
+                                      <p:cBhvr>
+                                        <p:cTn id="35" dur="1" fill="hold">
+                                          <p:stCondLst>
+                                            <p:cond delay="0"/>
+                                          </p:stCondLst>
+                                        </p:cTn>
+                                        <p:tgtEl>
+                                          <p:spTgt spid="14"/>
+                                        </p:tgtEl>
+                                        <p:attrNameLst>
+                                          <p:attrName>style.visibility</p:attrName>
+                                        </p:attrNameLst>
+                                      </p:cBhvr>
+                                      <p:to>
+                                        <p:strVal val="visible"/>
+                                      </p:to>
+                                    </p:set>
+                                    <p:animEffect transition="in" filter="box(in)">
+                                      <p:cBhvr>
+                                        <p:cTn id="36" dur="500"/>
+                                        <p:tgtEl>
+                                          <p:spTgt spid="14"/>
+                                        </p:tgtEl>
+                                      </p:cBhvr>
+                                    </p:animEffect>
+                                  </p:childTnLst>
+                                </p:cTn>
+                              </p:par>
+                            </p:childTnLst>
+                          </p:cTn>
+                        </p:par>
+                      </p:childTnLst>
+                    </p:cTn>
+                  </p:par>
+                  <p:par>
+                    <p:cTn id="37" fill="hold">
+                      <p:stCondLst>
+                        <p:cond delay="indefinite"/>
+                      </p:stCondLst>
+                      <p:childTnLst>
+                        <p:par>
+                          <p:cTn id="38" fill="hold">
+                            <p:stCondLst>
+                              <p:cond delay="0"/>
+                            </p:stCondLst>
+                            <p:childTnLst>
+                              <p:par>
+                                <p:cTn id="39" presetID="4" presetClass="entr" presetSubtype="16" fill="hold" grpId="0" nodeType="clickEffect">
+                                  <p:stCondLst>
+                                    <p:cond delay="0"/>
+                                  </p:stCondLst>
+                                  <p:childTnLst>
+                                    <p:set>
+                                      <p:cBhvr>
+                                        <p:cTn id="40" dur="1" fill="hold">
+                                          <p:stCondLst>
+                                            <p:cond delay="0"/>
+                                          </p:stCondLst>
+                                        </p:cTn>
+                                        <p:tgtEl>
+                                          <p:spTgt spid="18"/>
+                                        </p:tgtEl>
+                                        <p:attrNameLst>
+                                          <p:attrName>style.visibility</p:attrName>
+                                        </p:attrNameLst>
+                                      </p:cBhvr>
+                                      <p:to>
+                                        <p:strVal val="visible"/>
+                                      </p:to>
+                                    </p:set>
+                                    <p:animEffect transition="in" filter="box(in)">
+                                      <p:cBhvr>
+                                        <p:cTn id="41" dur="500"/>
+                                        <p:tgtEl>
+                                          <p:spTgt spid="18"/>
+                                        </p:tgtEl>
+                                      </p:cBhvr>
+                                    </p:animEffect>
+                                  </p:childTnLst>
+                                </p:cTn>
+                              </p:par>
+                            </p:childTnLst>
+                          </p:cTn>
+                        </p:par>
+                      </p:childTnLst>
+                    </p:cTn>
+                  </p:par>
+                  <p:par>
+                    <p:cTn id="42" fill="hold">
+                      <p:stCondLst>
+                        <p:cond delay="indefinite"/>
+                      </p:stCondLst>
+                      <p:childTnLst>
+                        <p:par>
+                          <p:cTn id="43" fill="hold">
+                            <p:stCondLst>
+                              <p:cond delay="0"/>
+                            </p:stCondLst>
+                            <p:childTnLst>
+                              <p:par>
+                                <p:cTn id="44" presetID="4" presetClass="entr" presetSubtype="16" fill="hold" grpId="0" nodeType="clickEffect">
+                                  <p:stCondLst>
+                                    <p:cond delay="0"/>
+                                  </p:stCondLst>
+                                  <p:childTnLst>
+                                    <p:set>
+                                      <p:cBhvr>
+                                        <p:cTn id="45" dur="1" fill="hold">
+                                          <p:stCondLst>
+                                            <p:cond delay="0"/>
+                                          </p:stCondLst>
+                                        </p:cTn>
+                                        <p:tgtEl>
+                                          <p:spTgt spid="38"/>
+                                        </p:tgtEl>
+                                        <p:attrNameLst>
+                                          <p:attrName>style.visibility</p:attrName>
+                                        </p:attrNameLst>
+                                      </p:cBhvr>
+                                      <p:to>
+                                        <p:strVal val="visible"/>
+                                      </p:to>
+                                    </p:set>
+                                    <p:animEffect transition="in" filter="box(in)">
+                                      <p:cBhvr>
+                                        <p:cTn id="46" dur="500"/>
+                                        <p:tgtEl>
+                                          <p:spTgt spid="38"/>
+                                        </p:tgtEl>
+                                      </p:cBhvr>
+                                    </p:animEffect>
+                                  </p:childTnLst>
+                                </p:cTn>
+                              </p:par>
+                            </p:childTnLst>
+                          </p:cTn>
+                        </p:par>
+                      </p:childTnLst>
+                    </p:cTn>
+                  </p:par>
+                  <p:par>
+                    <p:cTn id="47" fill="hold">
+                      <p:stCondLst>
+                        <p:cond delay="indefinite"/>
+                      </p:stCondLst>
+                      <p:childTnLst>
+                        <p:par>
+                          <p:cTn id="48" fill="hold">
+                            <p:stCondLst>
+                              <p:cond delay="0"/>
+                            </p:stCondLst>
+                            <p:childTnLst>
+                              <p:par>
+                                <p:cTn id="49" presetID="4" presetClass="entr" presetSubtype="16" fill="hold" grpId="0" nodeType="clickEffect">
+                                  <p:stCondLst>
+                                    <p:cond delay="0"/>
+                                  </p:stCondLst>
+                                  <p:childTnLst>
+                                    <p:set>
+                                      <p:cBhvr>
+                                        <p:cTn id="50" dur="1" fill="hold">
+                                          <p:stCondLst>
+                                            <p:cond delay="0"/>
+                                          </p:stCondLst>
+                                        </p:cTn>
+                                        <p:tgtEl>
+                                          <p:spTgt spid="40"/>
+                                        </p:tgtEl>
+                                        <p:attrNameLst>
+                                          <p:attrName>style.visibility</p:attrName>
+                                        </p:attrNameLst>
+                                      </p:cBhvr>
+                                      <p:to>
+                                        <p:strVal val="visible"/>
+                                      </p:to>
+                                    </p:set>
+                                    <p:animEffect transition="in" filter="box(in)">
+                                      <p:cBhvr>
+                                        <p:cTn id="51" dur="500"/>
+                                        <p:tgtEl>
+                                          <p:spTgt spid="40"/>
+                                        </p:tgtEl>
+                                      </p:cBhvr>
+                                    </p:animEffect>
+                                  </p:childTnLst>
+                                </p:cTn>
+                              </p:par>
+                            </p:childTnLst>
+                          </p:cTn>
+                        </p:par>
+                      </p:childTnLst>
+                    </p:cTn>
+                  </p:par>
+                  <p:par>
+                    <p:cTn id="52" fill="hold">
+                      <p:stCondLst>
+                        <p:cond delay="indefinite"/>
+                      </p:stCondLst>
+                      <p:childTnLst>
+                        <p:par>
+                          <p:cTn id="53" fill="hold">
+                            <p:stCondLst>
+                              <p:cond delay="0"/>
+                            </p:stCondLst>
+                            <p:childTnLst>
+                              <p:par>
+                                <p:cTn id="54" presetID="4" presetClass="entr" presetSubtype="16" fill="hold" nodeType="clickEffect">
+                                  <p:stCondLst>
+                                    <p:cond delay="0"/>
+                                  </p:stCondLst>
+                                  <p:childTnLst>
+                                    <p:set>
+                                      <p:cBhvr>
+                                        <p:cTn id="55" dur="1" fill="hold">
+                                          <p:stCondLst>
+                                            <p:cond delay="0"/>
+                                          </p:stCondLst>
+                                        </p:cTn>
+                                        <p:tgtEl>
+                                          <p:spTgt spid="63"/>
+                                        </p:tgtEl>
+                                        <p:attrNameLst>
+                                          <p:attrName>style.visibility</p:attrName>
+                                        </p:attrNameLst>
+                                      </p:cBhvr>
+                                      <p:to>
+                                        <p:strVal val="visible"/>
+                                      </p:to>
+                                    </p:set>
+                                    <p:animEffect transition="in" filter="box(in)">
+                                      <p:cBhvr>
+                                        <p:cTn id="56" dur="500"/>
+                                        <p:tgtEl>
+                                          <p:spTgt spid="63"/>
+                                        </p:tgtEl>
+                                      </p:cBhvr>
+                                    </p:animEffect>
+                                  </p:childTnLst>
+                                </p:cTn>
+                              </p:par>
+                            </p:childTnLst>
+                          </p:cTn>
+                        </p:par>
+                      </p:childTnLst>
+                    </p:cTn>
+                  </p:par>
+                  <p:par>
+                    <p:cTn id="57" fill="hold">
+                      <p:stCondLst>
+                        <p:cond delay="indefinite"/>
+                      </p:stCondLst>
+                      <p:childTnLst>
+                        <p:par>
+                          <p:cTn id="58" fill="hold">
+                            <p:stCondLst>
+                              <p:cond delay="0"/>
+                            </p:stCondLst>
+                            <p:childTnLst>
+                              <p:par>
+                                <p:cTn id="59" presetID="4" presetClass="entr" presetSubtype="16" fill="hold" nodeType="clickEffect">
+                                  <p:stCondLst>
+                                    <p:cond delay="0"/>
+                                  </p:stCondLst>
+                                  <p:childTnLst>
+                                    <p:set>
+                                      <p:cBhvr>
+                                        <p:cTn id="60" dur="1" fill="hold">
+                                          <p:stCondLst>
+                                            <p:cond delay="0"/>
+                                          </p:stCondLst>
+                                        </p:cTn>
+                                        <p:tgtEl>
+                                          <p:spTgt spid="62"/>
+                                        </p:tgtEl>
+                                        <p:attrNameLst>
+                                          <p:attrName>style.visibility</p:attrName>
+                                        </p:attrNameLst>
+                                      </p:cBhvr>
+                                      <p:to>
+                                        <p:strVal val="visible"/>
+                                      </p:to>
+                                    </p:set>
+                                    <p:animEffect transition="in" filter="box(in)">
+                                      <p:cBhvr>
+                                        <p:cTn id="61" dur="500"/>
+                                        <p:tgtEl>
+                                          <p:spTgt spid="62"/>
+                                        </p:tgtEl>
+                                      </p:cBhvr>
+                                    </p:animEffect>
+                                  </p:childTnLst>
+                                </p:cTn>
+                              </p:par>
+                            </p:childTnLst>
+                          </p:cTn>
+                        </p:par>
+                      </p:childTnLst>
+                    </p:cTn>
+                  </p:par>
+                  <p:par>
+                    <p:cTn id="62" fill="hold">
+                      <p:stCondLst>
+                        <p:cond delay="indefinite"/>
+                      </p:stCondLst>
+                      <p:childTnLst>
+                        <p:par>
+                          <p:cTn id="63" fill="hold">
+                            <p:stCondLst>
+                              <p:cond delay="0"/>
+                            </p:stCondLst>
+                            <p:childTnLst>
+                              <p:par>
+                                <p:cTn id="64" presetID="4" presetClass="entr" presetSubtype="16" fill="hold" nodeType="clickEffect">
+                                  <p:stCondLst>
+                                    <p:cond delay="0"/>
+                                  </p:stCondLst>
+                                  <p:childTnLst>
+                                    <p:set>
+                                      <p:cBhvr>
+                                        <p:cTn id="65" dur="1" fill="hold">
+                                          <p:stCondLst>
+                                            <p:cond delay="0"/>
+                                          </p:stCondLst>
+                                        </p:cTn>
+                                        <p:tgtEl>
+                                          <p:spTgt spid="70"/>
+                                        </p:tgtEl>
+                                        <p:attrNameLst>
+                                          <p:attrName>style.visibility</p:attrName>
+                                        </p:attrNameLst>
+                                      </p:cBhvr>
+                                      <p:to>
+                                        <p:strVal val="visible"/>
+                                      </p:to>
+                                    </p:set>
+                                    <p:animEffect transition="in" filter="box(in)">
+                                      <p:cBhvr>
+                                        <p:cTn id="66" dur="500"/>
+                                        <p:tgtEl>
+                                          <p:spTgt spid="70"/>
+                                        </p:tgtEl>
+                                      </p:cBhvr>
+                                    </p:animEffect>
+                                  </p:childTnLst>
+                                </p:cTn>
+                              </p:par>
+                            </p:childTnLst>
+                          </p:cTn>
+                        </p:par>
+                      </p:childTnLst>
+                    </p:cTn>
+                  </p:par>
+                  <p:par>
+                    <p:cTn id="67" fill="hold">
+                      <p:stCondLst>
+                        <p:cond delay="indefinite"/>
+                      </p:stCondLst>
+                      <p:childTnLst>
+                        <p:par>
+                          <p:cTn id="68" fill="hold">
+                            <p:stCondLst>
+                              <p:cond delay="0"/>
+                            </p:stCondLst>
+                            <p:childTnLst>
+                              <p:par>
+                                <p:cTn id="69" presetID="4" presetClass="entr" presetSubtype="16" fill="hold" nodeType="clickEffect">
+                                  <p:stCondLst>
+                                    <p:cond delay="0"/>
+                                  </p:stCondLst>
+                                  <p:childTnLst>
+                                    <p:set>
+                                      <p:cBhvr>
+                                        <p:cTn id="70" dur="1" fill="hold">
+                                          <p:stCondLst>
+                                            <p:cond delay="0"/>
+                                          </p:stCondLst>
+                                        </p:cTn>
+                                        <p:tgtEl>
+                                          <p:spTgt spid="73"/>
+                                        </p:tgtEl>
+                                        <p:attrNameLst>
+                                          <p:attrName>style.visibility</p:attrName>
+                                        </p:attrNameLst>
+                                      </p:cBhvr>
+                                      <p:to>
+                                        <p:strVal val="visible"/>
+                                      </p:to>
+                                    </p:set>
+                                    <p:animEffect transition="in" filter="box(in)">
+                                      <p:cBhvr>
+                                        <p:cTn id="71" dur="500"/>
+                                        <p:tgtEl>
+                                          <p:spTgt spid="73"/>
+                                        </p:tgtEl>
+                                      </p:cBhvr>
+                                    </p:animEffect>
+                                  </p:childTnLst>
+                                </p:cTn>
+                              </p:par>
+                            </p:childTnLst>
+                          </p:cTn>
+                        </p:par>
+                      </p:childTnLst>
+                    </p:cTn>
+                  </p:par>
+                  <p:par>
+                    <p:cTn id="72" fill="hold">
+                      <p:stCondLst>
+                        <p:cond delay="indefinite"/>
+                      </p:stCondLst>
+                      <p:childTnLst>
+                        <p:par>
+                          <p:cTn id="73" fill="hold">
+                            <p:stCondLst>
+                              <p:cond delay="0"/>
+                            </p:stCondLst>
+                            <p:childTnLst>
+                              <p:par>
+                                <p:cTn id="74" presetID="4" presetClass="entr" presetSubtype="16" fill="hold" nodeType="clickEffect">
+                                  <p:stCondLst>
+                                    <p:cond delay="0"/>
+                                  </p:stCondLst>
+                                  <p:childTnLst>
+                                    <p:set>
+                                      <p:cBhvr>
+                                        <p:cTn id="75" dur="1" fill="hold">
+                                          <p:stCondLst>
+                                            <p:cond delay="0"/>
+                                          </p:stCondLst>
+                                        </p:cTn>
+                                        <p:tgtEl>
+                                          <p:spTgt spid="74"/>
+                                        </p:tgtEl>
+                                        <p:attrNameLst>
+                                          <p:attrName>style.visibility</p:attrName>
+                                        </p:attrNameLst>
+                                      </p:cBhvr>
+                                      <p:to>
+                                        <p:strVal val="visible"/>
+                                      </p:to>
+                                    </p:set>
+                                    <p:animEffect transition="in" filter="box(in)">
+                                      <p:cBhvr>
+                                        <p:cTn id="76" dur="500"/>
+                                        <p:tgtEl>
+                                          <p:spTgt spid="74"/>
+                                        </p:tgtEl>
+                                      </p:cBhvr>
+                                    </p:animEffect>
+                                  </p:childTnLst>
+                                </p:cTn>
+                              </p:par>
+                            </p:childTnLst>
+                          </p:cTn>
+                        </p:par>
+                      </p:childTnLst>
+                    </p:cTn>
+                  </p:par>
+                </p:childTnLst>
+              </p:cTn>
+              <p:prevCondLst>
+                <p:cond evt="onPrev" delay="0">
+                  <p:tgtEl>
+                    <p:sldTgt/>
+                  </p:tgtEl>
+                </p:cond>
+              </p:prevCondLst>
+              <p:nextCondLst>
+                <p:cond evt="onNext" delay="0">
+                  <p:tgtEl>
+                    <p:sldTgt/>
+                  </p:tgtEl>
+                </p:cond>
+              </p:nextCondLst>
+            </p:seq>
+          </p:childTnLst>
+        </p:cTn>
       </p:par>
     </p:tnLst>
+    <p:bldLst>
+      <p:bldP spid="3" grpId="0" build="p"/>
+      <p:bldP spid="14" grpId="0"/>
+      <p:bldP spid="18" grpId="0"/>
+      <p:bldP spid="38" grpId="0"/>
+      <p:bldP spid="40" grpId="0"/>
+      <p:bldP spid="51" grpId="0"/>
+    </p:bldLst>
   </p:timing>
 </p:sld>
 </file>
@@ -36591,7 +38078,7 @@
         <p:spPr>
           <a:xfrm>
             <a:off x="301752" y="1527048"/>
-            <a:ext cx="8503920" cy="1544762"/>
+            <a:ext cx="8503920" cy="1687638"/>
           </a:xfrm>
         </p:spPr>
         <p:txBody>
@@ -36601,11 +38088,15 @@
           <a:lstStyle/>
           <a:p>
             <a:r>
-              <a:rPr lang="en-US" sz="2500" dirty="0" smtClean="0"/>
-              <a:t>Comparing the same binary function </a:t>
-            </a:r>
-            <a:r>
-              <a:rPr lang="en-US" sz="2500" b="1" dirty="0" smtClean="0">
+              <a:rPr lang="en-US" sz="2300" dirty="0" smtClean="0"/>
+              <a:t>Comparing the same binary </a:t>
+            </a:r>
+            <a:r>
+              <a:rPr lang="en-US" sz="2300" dirty="0" smtClean="0"/>
+              <a:t>operation  .</a:t>
+            </a:r>
+            <a:r>
+              <a:rPr lang="en-US" sz="2300" b="1" dirty="0" smtClean="0">
                 <a:solidFill>
                   <a:srgbClr val="0070C0"/>
                 </a:solidFill>
@@ -36615,11 +38106,15 @@
               <a:t>○</a:t>
             </a:r>
             <a:r>
-              <a:rPr lang="en-US" sz="2500" dirty="0" smtClean="0"/>
-              <a:t> : </a:t>
-            </a:r>
-            <a:r>
-              <a:rPr lang="en-US" sz="2500" dirty="0" smtClean="0">
+              <a:rPr lang="en-US" sz="2300" dirty="0" smtClean="0"/>
+              <a:t>. </a:t>
+            </a:r>
+            <a:r>
+              <a:rPr lang="en-US" sz="2300" dirty="0" smtClean="0"/>
+              <a:t>: </a:t>
+            </a:r>
+            <a:r>
+              <a:rPr lang="en-US" sz="2300" dirty="0" smtClean="0">
                 <a:solidFill>
                   <a:srgbClr val="0070C0"/>
                 </a:solidFill>
@@ -36629,14 +38124,14 @@
               <a:t>𝒞 </a:t>
             </a:r>
             <a:r>
-              <a:rPr lang="en-US" sz="2500" dirty="0" smtClean="0">
+              <a:rPr lang="en-US" sz="2300" dirty="0" smtClean="0">
                 <a:latin typeface="Cambria Math" pitchFamily="18" charset="0"/>
                 <a:ea typeface="Cambria Math" pitchFamily="18" charset="0"/>
               </a:rPr>
               <a:t>× </a:t>
             </a:r>
             <a:r>
-              <a:rPr lang="en-US" sz="2500" dirty="0" smtClean="0">
+              <a:rPr lang="en-US" sz="2300" dirty="0" smtClean="0">
                 <a:solidFill>
                   <a:srgbClr val="0070C0"/>
                 </a:solidFill>
@@ -36646,14 +38141,14 @@
               <a:t>𝒞</a:t>
             </a:r>
             <a:r>
-              <a:rPr lang="en-US" sz="2500" dirty="0" smtClean="0">
+              <a:rPr lang="en-US" sz="2300" dirty="0" smtClean="0">
                 <a:latin typeface="Cambria Math" pitchFamily="18" charset="0"/>
                 <a:ea typeface="Cambria Math" pitchFamily="18" charset="0"/>
               </a:rPr>
               <a:t> →</a:t>
             </a:r>
             <a:r>
-              <a:rPr lang="en-US" sz="2500" dirty="0" smtClean="0">
+              <a:rPr lang="en-US" sz="2300" dirty="0" smtClean="0">
                 <a:solidFill>
                   <a:srgbClr val="0070C0"/>
                 </a:solidFill>
@@ -36663,11 +38158,11 @@
               <a:t> 𝒞 </a:t>
             </a:r>
             <a:r>
-              <a:rPr lang="en-US" sz="2500" dirty="0" smtClean="0"/>
+              <a:rPr lang="en-US" sz="2300" dirty="0" smtClean="0"/>
               <a:t>for two different implementations </a:t>
             </a:r>
             <a:r>
-              <a:rPr lang="en-US" sz="2500" i="1" dirty="0" smtClean="0">
+              <a:rPr lang="en-US" sz="2300" i="1" dirty="0" smtClean="0">
                 <a:solidFill>
                   <a:schemeClr val="accent1">
                     <a:lumMod val="75000"/>
@@ -36677,11 +38172,11 @@
               <a:t>S </a:t>
             </a:r>
             <a:r>
-              <a:rPr lang="en-US" sz="2500" dirty="0" smtClean="0"/>
+              <a:rPr lang="en-US" sz="2300" dirty="0" smtClean="0"/>
               <a:t>and</a:t>
             </a:r>
             <a:r>
-              <a:rPr lang="en-US" sz="2500" i="1" dirty="0" smtClean="0">
+              <a:rPr lang="en-US" sz="2300" i="1" dirty="0" smtClean="0">
                 <a:solidFill>
                   <a:schemeClr val="accent1">
                     <a:lumMod val="75000"/>
@@ -36691,11 +38186,11 @@
               <a:t> E</a:t>
             </a:r>
             <a:r>
-              <a:rPr lang="en-US" sz="2500" dirty="0" smtClean="0"/>
+              <a:rPr lang="en-US" sz="2300" dirty="0" smtClean="0"/>
               <a:t> of a concept </a:t>
             </a:r>
             <a:r>
-              <a:rPr lang="en-US" sz="2500" dirty="0" smtClean="0">
+              <a:rPr lang="en-US" sz="2300" dirty="0" smtClean="0">
                 <a:solidFill>
                   <a:srgbClr val="0070C0"/>
                 </a:solidFill>
@@ -36705,27 +38200,36 @@
               <a:t>𝒞 </a:t>
             </a:r>
             <a:r>
-              <a:rPr lang="en-US" sz="2500" dirty="0" smtClean="0"/>
-              <a:t>.</a:t>
-            </a:r>
-          </a:p>
-          <a:p>
-            <a:r>
-              <a:rPr lang="en-US" sz="2400" dirty="0" smtClean="0">
+              <a:rPr lang="en-US" sz="2300" dirty="0" smtClean="0"/>
+              <a:t>,</a:t>
+            </a:r>
+          </a:p>
+          <a:p>
+            <a:r>
+              <a:rPr lang="en-US" sz="2300" dirty="0" smtClean="0"/>
+              <a:t>where </a:t>
+            </a:r>
+            <a:r>
+              <a:rPr lang="en-US" sz="2300" i="1" dirty="0" smtClean="0">
+                <a:solidFill>
+                  <a:srgbClr val="0070C0"/>
+                </a:solidFill>
+              </a:rPr>
+              <a:t>f</a:t>
+            </a:r>
+            <a:r>
+              <a:rPr lang="en-US" sz="2300" dirty="0" smtClean="0"/>
+              <a:t> :</a:t>
+            </a:r>
+            <a:r>
+              <a:rPr lang="en-US" sz="2300" dirty="0" smtClean="0">
                 <a:latin typeface="Cambria Math" pitchFamily="18" charset="0"/>
                 <a:ea typeface="Cambria Math" pitchFamily="18" charset="0"/>
               </a:rPr>
-              <a:t>∀</a:t>
-            </a:r>
-            <a:r>
-              <a:rPr lang="en-US" sz="2500" dirty="0" smtClean="0">
-                <a:latin typeface="Cambria Math" pitchFamily="18" charset="0"/>
-                <a:ea typeface="Cambria Math" pitchFamily="18" charset="0"/>
-              </a:rPr>
               <a:t> </a:t>
             </a:r>
             <a:r>
-              <a:rPr lang="en-US" sz="2500" i="1" dirty="0" smtClean="0">
+              <a:rPr lang="en-US" sz="2300" i="1" dirty="0" smtClean="0">
                 <a:solidFill>
                   <a:schemeClr val="accent1">
                     <a:lumMod val="75000"/>
@@ -36735,60 +38239,96 @@
               <a:t>S</a:t>
             </a:r>
             <a:r>
-              <a:rPr lang="en-US" sz="2500" i="1" dirty="0" smtClean="0"/>
-              <a:t> </a:t>
-            </a:r>
-            <a:r>
-              <a:rPr lang="en-US" sz="2500" i="1" dirty="0" err="1" smtClean="0"/>
-              <a:t>x,y</a:t>
-            </a:r>
-            <a:r>
-              <a:rPr lang="en-US" sz="2500" i="1" dirty="0" smtClean="0"/>
-              <a:t>; </a:t>
-            </a:r>
-            <a:r>
-              <a:rPr lang="en-US" sz="2500" i="1" dirty="0" smtClean="0">
-                <a:solidFill>
-                  <a:srgbClr val="0070C0"/>
-                </a:solidFill>
-              </a:rPr>
-              <a:t>f</a:t>
-            </a:r>
-            <a:r>
-              <a:rPr lang="en-US" sz="2500" i="1" dirty="0" smtClean="0"/>
-              <a:t>(</a:t>
-            </a:r>
-            <a:r>
-              <a:rPr lang="en-US" sz="2500" i="1" dirty="0" err="1" smtClean="0"/>
-              <a:t>x</a:t>
-            </a:r>
-            <a:r>
-              <a:rPr lang="en-US" sz="2500" b="1" dirty="0" err="1" smtClean="0">
-                <a:solidFill>
-                  <a:srgbClr val="0070C0"/>
-                </a:solidFill>
+              <a:rPr lang="en-US" sz="2300" dirty="0" smtClean="0">
                 <a:latin typeface="Cambria Math" pitchFamily="18" charset="0"/>
                 <a:ea typeface="Cambria Math" pitchFamily="18" charset="0"/>
               </a:rPr>
-              <a:t>○</a:t>
-            </a:r>
-            <a:r>
-              <a:rPr lang="en-US" sz="2500" dirty="0" err="1" smtClean="0">
+              <a:t>→ </a:t>
+            </a:r>
+            <a:r>
+              <a:rPr lang="en-US" sz="2300" i="1" dirty="0" smtClean="0">
+                <a:solidFill>
+                  <a:schemeClr val="accent1">
+                    <a:lumMod val="75000"/>
+                  </a:schemeClr>
+                </a:solidFill>
+              </a:rPr>
+              <a:t>E</a:t>
+            </a:r>
+            <a:r>
+              <a:rPr lang="en-US" sz="2300" dirty="0" smtClean="0"/>
+              <a:t> </a:t>
+            </a:r>
+            <a:r>
+              <a:rPr lang="en-US" sz="2300" dirty="0" smtClean="0"/>
+              <a:t>is a function that </a:t>
+            </a:r>
+            <a:r>
+              <a:rPr lang="en-US" sz="2300" dirty="0" smtClean="0"/>
+              <a:t>transforms </a:t>
+            </a:r>
+            <a:r>
+              <a:rPr lang="en-US" sz="2300" i="1" dirty="0" smtClean="0">
+                <a:solidFill>
+                  <a:schemeClr val="accent1">
+                    <a:lumMod val="75000"/>
+                  </a:schemeClr>
+                </a:solidFill>
+              </a:rPr>
+              <a:t>S </a:t>
+            </a:r>
+            <a:r>
+              <a:rPr lang="en-US" sz="2300" dirty="0" smtClean="0"/>
+              <a:t>into</a:t>
+            </a:r>
+            <a:r>
+              <a:rPr lang="en-US" sz="2300" i="1" dirty="0" smtClean="0">
+                <a:solidFill>
+                  <a:schemeClr val="accent1">
+                    <a:lumMod val="75000"/>
+                  </a:schemeClr>
+                </a:solidFill>
+              </a:rPr>
+              <a:t> E</a:t>
+            </a:r>
+            <a:r>
+              <a:rPr lang="en-US" sz="2300" dirty="0" smtClean="0"/>
+              <a:t> </a:t>
+            </a:r>
+            <a:endParaRPr lang="en-US" sz="2300" dirty="0" smtClean="0"/>
+          </a:p>
+          <a:p>
+            <a:r>
+              <a:rPr lang="en-US" sz="2300" dirty="0" smtClean="0">
                 <a:latin typeface="Cambria Math" pitchFamily="18" charset="0"/>
                 <a:ea typeface="Cambria Math" pitchFamily="18" charset="0"/>
               </a:rPr>
-              <a:t>y</a:t>
-            </a:r>
-            <a:r>
-              <a:rPr lang="en-US" sz="2500" i="1" dirty="0" smtClean="0"/>
-              <a:t>) </a:t>
-            </a:r>
-            <a:r>
-              <a:rPr lang="en-US" sz="2500" i="1" dirty="0" smtClean="0"/>
-              <a:t>== </a:t>
-            </a:r>
-            <a:r>
-              <a:rPr lang="en-US" sz="2500" i="1" dirty="0" smtClean="0">
+              <a:t>∀ </a:t>
+            </a:r>
+            <a:r>
+              <a:rPr lang="en-US" sz="2300" i="1" dirty="0" smtClean="0">
+                <a:solidFill>
+                  <a:schemeClr val="accent1">
+                    <a:lumMod val="75000"/>
+                  </a:schemeClr>
+                </a:solidFill>
+              </a:rPr>
+              <a:t>S</a:t>
+            </a:r>
+            <a:r>
+              <a:rPr lang="en-US" sz="2300" i="1" dirty="0" smtClean="0"/>
+              <a:t> </a:t>
+            </a:r>
+            <a:r>
+              <a:rPr lang="en-US" sz="2300" i="1" dirty="0" err="1" smtClean="0"/>
+              <a:t>x,y</a:t>
+            </a:r>
+            <a:r>
+              <a:rPr lang="en-US" sz="2300" i="1" dirty="0" smtClean="0"/>
+              <a:t>; </a:t>
+            </a:r>
+            <a:r>
+              <a:rPr lang="en-US" sz="2300" i="1" dirty="0" smtClean="0">
                 <a:solidFill>
                   <a:srgbClr val="0070C0"/>
                 </a:solidFill>
@@ -36796,28 +38336,65 @@
               <a:t>f</a:t>
             </a:r>
             <a:r>
-              <a:rPr lang="en-US" sz="2500" i="1" dirty="0" smtClean="0"/>
-              <a:t>(x)</a:t>
-            </a:r>
-            <a:r>
-              <a:rPr lang="en-US" sz="2500" b="1" dirty="0" smtClean="0">
+              <a:rPr lang="en-US" sz="2300" i="1" dirty="0" smtClean="0"/>
+              <a:t>(</a:t>
+            </a:r>
+            <a:r>
+              <a:rPr lang="en-US" sz="2300" i="1" dirty="0" err="1" smtClean="0"/>
+              <a:t>x</a:t>
+            </a:r>
+            <a:r>
+              <a:rPr lang="en-US" sz="2300" b="1" dirty="0" err="1" smtClean="0">
+                <a:solidFill>
+                  <a:srgbClr val="0070C0"/>
+                </a:solidFill>
                 <a:latin typeface="Cambria Math" pitchFamily="18" charset="0"/>
                 <a:ea typeface="Cambria Math" pitchFamily="18" charset="0"/>
               </a:rPr>
-              <a:t> </a:t>
-            </a:r>
-            <a:r>
-              <a:rPr lang="en-US" sz="2500" b="1" dirty="0" smtClean="0">
-                <a:solidFill>
-                  <a:srgbClr val="0070C0"/>
-                </a:solidFill>
+              <a:t>○</a:t>
+            </a:r>
+            <a:r>
+              <a:rPr lang="en-US" sz="2300" dirty="0" err="1" smtClean="0">
                 <a:latin typeface="Cambria Math" pitchFamily="18" charset="0"/>
                 <a:ea typeface="Cambria Math" pitchFamily="18" charset="0"/>
               </a:rPr>
+              <a:t>y</a:t>
+            </a:r>
+            <a:r>
+              <a:rPr lang="en-US" sz="2300" i="1" dirty="0" smtClean="0"/>
+              <a:t>) == </a:t>
+            </a:r>
+            <a:r>
+              <a:rPr lang="en-US" sz="2300" i="1" dirty="0" smtClean="0">
+                <a:solidFill>
+                  <a:srgbClr val="0070C0"/>
+                </a:solidFill>
+              </a:rPr>
+              <a:t>f</a:t>
+            </a:r>
+            <a:r>
+              <a:rPr lang="en-US" sz="2300" i="1" dirty="0" smtClean="0"/>
+              <a:t>(x)</a:t>
+            </a:r>
+            <a:r>
+              <a:rPr lang="en-US" sz="2300" b="1" dirty="0" smtClean="0">
+                <a:latin typeface="Cambria Math" pitchFamily="18" charset="0"/>
+                <a:ea typeface="Cambria Math" pitchFamily="18" charset="0"/>
+              </a:rPr>
+              <a:t> </a:t>
+            </a:r>
+            <a:r>
+              <a:rPr lang="en-US" sz="2300" b="1" dirty="0" smtClean="0">
+                <a:solidFill>
+                  <a:srgbClr val="0070C0"/>
+                </a:solidFill>
+                <a:latin typeface="Cambria Math" pitchFamily="18" charset="0"/>
+                <a:ea typeface="Cambria Math" pitchFamily="18" charset="0"/>
+              </a:rPr>
               <a:t>○</a:t>
             </a:r>
             <a:r>
-              <a:rPr lang="en-US" sz="2500" i="1" dirty="0" smtClean="0">
+              <a:rPr lang="en-US" sz="2300" i="1" dirty="0" smtClean="0">
                 <a:solidFill>
                   <a:srgbClr val="0070C0"/>
                 </a:solidFill>
@@ -36825,11 +38402,11 @@
               <a:t> f</a:t>
             </a:r>
             <a:r>
-              <a:rPr lang="en-US" sz="2500" i="1" dirty="0" smtClean="0"/>
+              <a:rPr lang="en-US" sz="2300" i="1" dirty="0" smtClean="0"/>
               <a:t>(y)</a:t>
             </a:r>
             <a:r>
-              <a:rPr lang="en-US" sz="2500" dirty="0" smtClean="0"/>
+              <a:rPr lang="en-US" sz="2300" dirty="0" smtClean="0"/>
               <a:t> </a:t>
             </a:r>
           </a:p>
@@ -36977,1059 +38554,6 @@
       </p:sp>
       <p:sp>
         <p:nvSpPr>
-          <p:cNvPr id="35" name="Textfeld 34"/>
-          <p:cNvSpPr txBox="1"/>
-          <p:nvPr/>
-        </p:nvSpPr>
-        <p:spPr>
-          <a:xfrm>
-            <a:off x="928662" y="4191664"/>
-            <a:ext cx="428628" cy="523220"/>
-          </a:xfrm>
-          <a:prstGeom prst="rect">
-            <a:avLst/>
-          </a:prstGeom>
-          <a:noFill/>
-        </p:spPr>
-        <p:txBody>
-          <a:bodyPr wrap="square" rtlCol="0">
-            <a:spAutoFit/>
-          </a:bodyPr>
-          <a:lstStyle/>
-          <a:p>
-            <a:r>
-              <a:rPr lang="en-US" sz="2800" i="1" dirty="0" smtClean="0">
-                <a:solidFill>
-                  <a:srgbClr val="0070C0"/>
-                </a:solidFill>
-              </a:rPr>
-              <a:t>f</a:t>
-            </a:r>
-            <a:endParaRPr lang="en-US" sz="2800" i="1" dirty="0">
-              <a:solidFill>
-                <a:srgbClr val="0070C0"/>
-              </a:solidFill>
-            </a:endParaRPr>
-          </a:p>
-        </p:txBody>
-      </p:sp>
-      <p:sp>
-        <p:nvSpPr>
-          <p:cNvPr id="57" name="Textfeld 56"/>
-          <p:cNvSpPr txBox="1"/>
-          <p:nvPr/>
-        </p:nvSpPr>
-        <p:spPr>
-          <a:xfrm>
-            <a:off x="2143108" y="4214818"/>
-            <a:ext cx="428628" cy="461665"/>
-          </a:xfrm>
-          <a:prstGeom prst="rect">
-            <a:avLst/>
-          </a:prstGeom>
-          <a:noFill/>
-        </p:spPr>
-        <p:txBody>
-          <a:bodyPr wrap="square" rtlCol="0">
-            <a:spAutoFit/>
-          </a:bodyPr>
-          <a:lstStyle/>
-          <a:p>
-            <a:r>
-              <a:rPr lang="en-US" sz="2400" dirty="0" smtClean="0"/>
-              <a:t>=</a:t>
-            </a:r>
-            <a:endParaRPr lang="en-US" sz="2400" dirty="0"/>
-          </a:p>
-        </p:txBody>
-      </p:sp>
-      <p:sp>
-        <p:nvSpPr>
-          <p:cNvPr id="51" name="Textfeld 50"/>
-          <p:cNvSpPr txBox="1"/>
-          <p:nvPr/>
-        </p:nvSpPr>
-        <p:spPr>
-          <a:xfrm>
-            <a:off x="857224" y="5072074"/>
-            <a:ext cx="928694" cy="523220"/>
-          </a:xfrm>
-          <a:prstGeom prst="rect">
-            <a:avLst/>
-          </a:prstGeom>
-          <a:noFill/>
-        </p:spPr>
-        <p:txBody>
-          <a:bodyPr wrap="square" rtlCol="0">
-            <a:spAutoFit/>
-          </a:bodyPr>
-          <a:lstStyle/>
-          <a:p>
-            <a:r>
-              <a:rPr lang="en-US" sz="2800" i="1" dirty="0" smtClean="0">
-                <a:solidFill>
-                  <a:schemeClr val="accent1">
-                    <a:lumMod val="75000"/>
-                  </a:schemeClr>
-                </a:solidFill>
-              </a:rPr>
-              <a:t>E</a:t>
-            </a:r>
-            <a:r>
-              <a:rPr lang="en-US" sz="2800" dirty="0" smtClean="0">
-                <a:latin typeface="Cambria Math" pitchFamily="18" charset="0"/>
-                <a:ea typeface="Cambria Math" pitchFamily="18" charset="0"/>
-              </a:rPr>
-              <a:t>×</a:t>
-            </a:r>
-            <a:r>
-              <a:rPr lang="en-US" sz="2800" i="1" dirty="0" smtClean="0">
-                <a:solidFill>
-                  <a:schemeClr val="accent1">
-                    <a:lumMod val="75000"/>
-                  </a:schemeClr>
-                </a:solidFill>
-              </a:rPr>
-              <a:t>E</a:t>
-            </a:r>
-            <a:endParaRPr lang="en-US" sz="2800" i="1" dirty="0">
-              <a:solidFill>
-                <a:schemeClr val="accent1">
-                  <a:lumMod val="75000"/>
-                </a:schemeClr>
-              </a:solidFill>
-            </a:endParaRPr>
-          </a:p>
-        </p:txBody>
-      </p:sp>
-      <p:sp>
-        <p:nvSpPr>
-          <p:cNvPr id="52" name="Textfeld 51"/>
-          <p:cNvSpPr txBox="1"/>
-          <p:nvPr/>
-        </p:nvSpPr>
-        <p:spPr>
-          <a:xfrm>
-            <a:off x="2928926" y="5072074"/>
-            <a:ext cx="428628" cy="523220"/>
-          </a:xfrm>
-          <a:prstGeom prst="rect">
-            <a:avLst/>
-          </a:prstGeom>
-          <a:noFill/>
-        </p:spPr>
-        <p:txBody>
-          <a:bodyPr wrap="square" rtlCol="0">
-            <a:spAutoFit/>
-          </a:bodyPr>
-          <a:lstStyle/>
-          <a:p>
-            <a:r>
-              <a:rPr lang="en-US" sz="2800" i="1" dirty="0" smtClean="0">
-                <a:solidFill>
-                  <a:schemeClr val="accent1">
-                    <a:lumMod val="75000"/>
-                  </a:schemeClr>
-                </a:solidFill>
-              </a:rPr>
-              <a:t>E</a:t>
-            </a:r>
-            <a:endParaRPr lang="en-US" sz="2800" i="1" dirty="0">
-              <a:solidFill>
-                <a:schemeClr val="accent1">
-                  <a:lumMod val="75000"/>
-                </a:schemeClr>
-              </a:solidFill>
-            </a:endParaRPr>
-          </a:p>
-        </p:txBody>
-      </p:sp>
-      <p:sp>
-        <p:nvSpPr>
-          <p:cNvPr id="53" name="Textfeld 52"/>
-          <p:cNvSpPr txBox="1"/>
-          <p:nvPr/>
-        </p:nvSpPr>
-        <p:spPr>
-          <a:xfrm>
-            <a:off x="2928926" y="3429000"/>
-            <a:ext cx="428628" cy="523220"/>
-          </a:xfrm>
-          <a:prstGeom prst="rect">
-            <a:avLst/>
-          </a:prstGeom>
-          <a:noFill/>
-        </p:spPr>
-        <p:txBody>
-          <a:bodyPr wrap="square" rtlCol="0">
-            <a:spAutoFit/>
-          </a:bodyPr>
-          <a:lstStyle/>
-          <a:p>
-            <a:r>
-              <a:rPr lang="en-US" sz="2800" i="1" dirty="0" smtClean="0">
-                <a:solidFill>
-                  <a:schemeClr val="accent1">
-                    <a:lumMod val="75000"/>
-                  </a:schemeClr>
-                </a:solidFill>
-              </a:rPr>
-              <a:t>S</a:t>
-            </a:r>
-            <a:endParaRPr lang="en-US" sz="2800" i="1" dirty="0">
-              <a:solidFill>
-                <a:schemeClr val="accent1">
-                  <a:lumMod val="75000"/>
-                </a:schemeClr>
-              </a:solidFill>
-            </a:endParaRPr>
-          </a:p>
-        </p:txBody>
-      </p:sp>
-      <p:cxnSp>
-        <p:nvCxnSpPr>
-          <p:cNvPr id="56" name="Gerade Verbindung mit Pfeil 55"/>
-          <p:cNvCxnSpPr>
-            <a:endCxn id="53" idx="1"/>
-          </p:cNvCxnSpPr>
-          <p:nvPr/>
-        </p:nvCxnSpPr>
-        <p:spPr>
-          <a:xfrm>
-            <a:off x="1785918" y="3690610"/>
-            <a:ext cx="1143008" cy="1588"/>
-          </a:xfrm>
-          <a:prstGeom prst="straightConnector1">
-            <a:avLst/>
-          </a:prstGeom>
-          <a:ln w="12700">
-            <a:tailEnd type="arrow"/>
-          </a:ln>
-        </p:spPr>
-        <p:style>
-          <a:lnRef idx="1">
-            <a:schemeClr val="accent1"/>
-          </a:lnRef>
-          <a:fillRef idx="0">
-            <a:schemeClr val="accent1"/>
-          </a:fillRef>
-          <a:effectRef idx="0">
-            <a:schemeClr val="accent1"/>
-          </a:effectRef>
-          <a:fontRef idx="minor">
-            <a:schemeClr val="tx1"/>
-          </a:fontRef>
-        </p:style>
-      </p:cxnSp>
-      <p:cxnSp>
-        <p:nvCxnSpPr>
-          <p:cNvPr id="60" name="Gerade Verbindung mit Pfeil 59"/>
-          <p:cNvCxnSpPr>
-            <a:stCxn id="51" idx="3"/>
-            <a:endCxn id="52" idx="1"/>
-          </p:cNvCxnSpPr>
-          <p:nvPr/>
-        </p:nvCxnSpPr>
-        <p:spPr>
-          <a:xfrm>
-            <a:off x="1785918" y="5333684"/>
-            <a:ext cx="1143008" cy="1588"/>
-          </a:xfrm>
-          <a:prstGeom prst="straightConnector1">
-            <a:avLst/>
-          </a:prstGeom>
-          <a:ln w="12700">
-            <a:tailEnd type="arrow"/>
-          </a:ln>
-        </p:spPr>
-        <p:style>
-          <a:lnRef idx="1">
-            <a:schemeClr val="accent1"/>
-          </a:lnRef>
-          <a:fillRef idx="0">
-            <a:schemeClr val="accent1"/>
-          </a:fillRef>
-          <a:effectRef idx="0">
-            <a:schemeClr val="accent1"/>
-          </a:effectRef>
-          <a:fontRef idx="minor">
-            <a:schemeClr val="tx1"/>
-          </a:fontRef>
-        </p:style>
-      </p:cxnSp>
-      <p:cxnSp>
-        <p:nvCxnSpPr>
-          <p:cNvPr id="64" name="Gerade Verbindung mit Pfeil 63"/>
-          <p:cNvCxnSpPr>
-            <a:stCxn id="53" idx="2"/>
-            <a:endCxn id="52" idx="0"/>
-          </p:cNvCxnSpPr>
-          <p:nvPr/>
-        </p:nvCxnSpPr>
-        <p:spPr>
-          <a:xfrm rot="5400000">
-            <a:off x="2583313" y="4512147"/>
-            <a:ext cx="1119854" cy="1588"/>
-          </a:xfrm>
-          <a:prstGeom prst="straightConnector1">
-            <a:avLst/>
-          </a:prstGeom>
-          <a:ln>
-            <a:tailEnd type="arrow"/>
-          </a:ln>
-        </p:spPr>
-        <p:style>
-          <a:lnRef idx="1">
-            <a:schemeClr val="accent1"/>
-          </a:lnRef>
-          <a:fillRef idx="0">
-            <a:schemeClr val="accent1"/>
-          </a:fillRef>
-          <a:effectRef idx="0">
-            <a:schemeClr val="accent1"/>
-          </a:effectRef>
-          <a:fontRef idx="minor">
-            <a:schemeClr val="tx1"/>
-          </a:fontRef>
-        </p:style>
-      </p:cxnSp>
-      <p:sp>
-        <p:nvSpPr>
-          <p:cNvPr id="65" name="Textfeld 64"/>
-          <p:cNvSpPr txBox="1"/>
-          <p:nvPr/>
-        </p:nvSpPr>
-        <p:spPr>
-          <a:xfrm>
-            <a:off x="857224" y="3429000"/>
-            <a:ext cx="928694" cy="523220"/>
-          </a:xfrm>
-          <a:prstGeom prst="rect">
-            <a:avLst/>
-          </a:prstGeom>
-          <a:noFill/>
-        </p:spPr>
-        <p:txBody>
-          <a:bodyPr wrap="square" rtlCol="0">
-            <a:spAutoFit/>
-          </a:bodyPr>
-          <a:lstStyle/>
-          <a:p>
-            <a:r>
-              <a:rPr lang="en-US" sz="2800" i="1" dirty="0" smtClean="0">
-                <a:solidFill>
-                  <a:schemeClr val="accent1">
-                    <a:lumMod val="75000"/>
-                  </a:schemeClr>
-                </a:solidFill>
-              </a:rPr>
-              <a:t>S</a:t>
-            </a:r>
-            <a:r>
-              <a:rPr lang="en-US" sz="2800" dirty="0" smtClean="0">
-                <a:latin typeface="Cambria Math" pitchFamily="18" charset="0"/>
-                <a:ea typeface="Cambria Math" pitchFamily="18" charset="0"/>
-              </a:rPr>
-              <a:t>×</a:t>
-            </a:r>
-            <a:r>
-              <a:rPr lang="en-US" sz="2800" i="1" dirty="0" smtClean="0">
-                <a:solidFill>
-                  <a:schemeClr val="accent1">
-                    <a:lumMod val="75000"/>
-                  </a:schemeClr>
-                </a:solidFill>
-              </a:rPr>
-              <a:t>S</a:t>
-            </a:r>
-            <a:endParaRPr lang="en-US" sz="2800" i="1" dirty="0">
-              <a:solidFill>
-                <a:schemeClr val="accent1">
-                  <a:lumMod val="75000"/>
-                </a:schemeClr>
-              </a:solidFill>
-            </a:endParaRPr>
-          </a:p>
-        </p:txBody>
-      </p:sp>
-      <p:cxnSp>
-        <p:nvCxnSpPr>
-          <p:cNvPr id="67" name="Gerade Verbindung mit Pfeil 66"/>
-          <p:cNvCxnSpPr>
-            <a:stCxn id="65" idx="2"/>
-            <a:endCxn id="51" idx="0"/>
-          </p:cNvCxnSpPr>
-          <p:nvPr/>
-        </p:nvCxnSpPr>
-        <p:spPr>
-          <a:xfrm rot="5400000">
-            <a:off x="761644" y="4512147"/>
-            <a:ext cx="1119854" cy="1588"/>
-          </a:xfrm>
-          <a:prstGeom prst="straightConnector1">
-            <a:avLst/>
-          </a:prstGeom>
-          <a:ln w="12700">
-            <a:tailEnd type="arrow"/>
-          </a:ln>
-        </p:spPr>
-        <p:style>
-          <a:lnRef idx="1">
-            <a:schemeClr val="accent1"/>
-          </a:lnRef>
-          <a:fillRef idx="0">
-            <a:schemeClr val="accent1"/>
-          </a:fillRef>
-          <a:effectRef idx="0">
-            <a:schemeClr val="accent1"/>
-          </a:effectRef>
-          <a:fontRef idx="minor">
-            <a:schemeClr val="tx1"/>
-          </a:fontRef>
-        </p:style>
-      </p:cxnSp>
-      <p:sp>
-        <p:nvSpPr>
-          <p:cNvPr id="72" name="Textfeld 71"/>
-          <p:cNvSpPr txBox="1"/>
-          <p:nvPr/>
-        </p:nvSpPr>
-        <p:spPr>
-          <a:xfrm>
-            <a:off x="3214678" y="4191664"/>
-            <a:ext cx="428628" cy="523220"/>
-          </a:xfrm>
-          <a:prstGeom prst="rect">
-            <a:avLst/>
-          </a:prstGeom>
-          <a:noFill/>
-        </p:spPr>
-        <p:txBody>
-          <a:bodyPr wrap="square" rtlCol="0">
-            <a:spAutoFit/>
-          </a:bodyPr>
-          <a:lstStyle/>
-          <a:p>
-            <a:r>
-              <a:rPr lang="en-US" sz="2800" i="1" dirty="0" smtClean="0">
-                <a:solidFill>
-                  <a:srgbClr val="0070C0"/>
-                </a:solidFill>
-              </a:rPr>
-              <a:t>f</a:t>
-            </a:r>
-            <a:endParaRPr lang="en-US" sz="2800" i="1" dirty="0">
-              <a:solidFill>
-                <a:srgbClr val="0070C0"/>
-              </a:solidFill>
-            </a:endParaRPr>
-          </a:p>
-        </p:txBody>
-      </p:sp>
-      <p:sp>
-        <p:nvSpPr>
-          <p:cNvPr id="73" name="Textfeld 72"/>
-          <p:cNvSpPr txBox="1"/>
-          <p:nvPr/>
-        </p:nvSpPr>
-        <p:spPr>
-          <a:xfrm>
-            <a:off x="2143108" y="5357826"/>
-            <a:ext cx="357190" cy="461665"/>
-          </a:xfrm>
-          <a:prstGeom prst="rect">
-            <a:avLst/>
-          </a:prstGeom>
-          <a:noFill/>
-        </p:spPr>
-        <p:txBody>
-          <a:bodyPr wrap="square" rtlCol="0">
-            <a:spAutoFit/>
-          </a:bodyPr>
-          <a:lstStyle/>
-          <a:p>
-            <a:r>
-              <a:rPr lang="en-US" sz="2400" b="1" dirty="0" smtClean="0">
-                <a:solidFill>
-                  <a:srgbClr val="0070C0"/>
-                </a:solidFill>
-                <a:latin typeface="Cambria Math" pitchFamily="18" charset="0"/>
-                <a:ea typeface="Cambria Math" pitchFamily="18" charset="0"/>
-              </a:rPr>
-              <a:t>○</a:t>
-            </a:r>
-            <a:endParaRPr lang="en-US" sz="2400" b="1" dirty="0"/>
-          </a:p>
-        </p:txBody>
-      </p:sp>
-      <p:sp>
-        <p:nvSpPr>
-          <p:cNvPr id="74" name="Textfeld 73"/>
-          <p:cNvSpPr txBox="1"/>
-          <p:nvPr/>
-        </p:nvSpPr>
-        <p:spPr>
-          <a:xfrm>
-            <a:off x="2143108" y="3286124"/>
-            <a:ext cx="357190" cy="461665"/>
-          </a:xfrm>
-          <a:prstGeom prst="rect">
-            <a:avLst/>
-          </a:prstGeom>
-          <a:noFill/>
-        </p:spPr>
-        <p:txBody>
-          <a:bodyPr wrap="square" rtlCol="0">
-            <a:spAutoFit/>
-          </a:bodyPr>
-          <a:lstStyle/>
-          <a:p>
-            <a:r>
-              <a:rPr lang="en-US" sz="2400" b="1" dirty="0" smtClean="0">
-                <a:solidFill>
-                  <a:srgbClr val="0070C0"/>
-                </a:solidFill>
-                <a:latin typeface="Cambria Math" pitchFamily="18" charset="0"/>
-                <a:ea typeface="Cambria Math" pitchFamily="18" charset="0"/>
-              </a:rPr>
-              <a:t>○</a:t>
-            </a:r>
-            <a:endParaRPr lang="en-US" sz="2400" b="1" dirty="0"/>
-          </a:p>
-        </p:txBody>
-      </p:sp>
-      <p:sp>
-        <p:nvSpPr>
-          <p:cNvPr id="76" name="Textfeld 75"/>
-          <p:cNvSpPr txBox="1"/>
-          <p:nvPr/>
-        </p:nvSpPr>
-        <p:spPr>
-          <a:xfrm>
-            <a:off x="6215074" y="4214818"/>
-            <a:ext cx="428628" cy="461665"/>
-          </a:xfrm>
-          <a:prstGeom prst="rect">
-            <a:avLst/>
-          </a:prstGeom>
-          <a:noFill/>
-        </p:spPr>
-        <p:txBody>
-          <a:bodyPr wrap="square" rtlCol="0">
-            <a:spAutoFit/>
-          </a:bodyPr>
-          <a:lstStyle/>
-          <a:p>
-            <a:r>
-              <a:rPr lang="en-US" sz="2400" dirty="0" smtClean="0"/>
-              <a:t>=</a:t>
-            </a:r>
-            <a:endParaRPr lang="en-US" sz="2400" dirty="0"/>
-          </a:p>
-        </p:txBody>
-      </p:sp>
-      <p:sp>
-        <p:nvSpPr>
-          <p:cNvPr id="83" name="Textfeld 82"/>
-          <p:cNvSpPr txBox="1"/>
-          <p:nvPr/>
-        </p:nvSpPr>
-        <p:spPr>
-          <a:xfrm>
-            <a:off x="4572000" y="3500438"/>
-            <a:ext cx="1285884" cy="584775"/>
-          </a:xfrm>
-          <a:prstGeom prst="rect">
-            <a:avLst/>
-          </a:prstGeom>
-          <a:noFill/>
-        </p:spPr>
-        <p:txBody>
-          <a:bodyPr wrap="square" rtlCol="0">
-            <a:spAutoFit/>
-          </a:bodyPr>
-          <a:lstStyle/>
-          <a:p>
-            <a:pPr algn="ctr"/>
-            <a:r>
-              <a:rPr lang="en-US" sz="1600" b="1" i="1" dirty="0" smtClean="0">
-                <a:solidFill>
-                  <a:schemeClr val="accent1">
-                    <a:lumMod val="75000"/>
-                  </a:schemeClr>
-                </a:solidFill>
-                <a:latin typeface="Consolas" pitchFamily="49" charset="0"/>
-                <a:cs typeface="Consolas" pitchFamily="49" charset="0"/>
-              </a:rPr>
-              <a:t>interval container</a:t>
-            </a:r>
-            <a:r>
-              <a:rPr lang="en-US" sz="1600" b="1" i="1" baseline="30000" dirty="0" smtClean="0">
-                <a:solidFill>
-                  <a:schemeClr val="accent1">
-                    <a:lumMod val="75000"/>
-                  </a:schemeClr>
-                </a:solidFill>
-                <a:latin typeface="Consolas" pitchFamily="49" charset="0"/>
-                <a:cs typeface="Consolas" pitchFamily="49" charset="0"/>
-              </a:rPr>
-              <a:t>2</a:t>
-            </a:r>
-            <a:endParaRPr lang="en-US" sz="1600" b="1" i="1" baseline="30000" dirty="0">
-              <a:solidFill>
-                <a:schemeClr val="accent1">
-                  <a:lumMod val="75000"/>
-                </a:schemeClr>
-              </a:solidFill>
-              <a:latin typeface="Consolas" pitchFamily="49" charset="0"/>
-              <a:cs typeface="Consolas" pitchFamily="49" charset="0"/>
-            </a:endParaRPr>
-          </a:p>
-        </p:txBody>
-      </p:sp>
-      <p:sp>
-        <p:nvSpPr>
-          <p:cNvPr id="87" name="Textfeld 86"/>
-          <p:cNvSpPr txBox="1"/>
-          <p:nvPr/>
-        </p:nvSpPr>
-        <p:spPr>
-          <a:xfrm>
-            <a:off x="6215074" y="3286124"/>
-            <a:ext cx="357190" cy="461665"/>
-          </a:xfrm>
-          <a:prstGeom prst="rect">
-            <a:avLst/>
-          </a:prstGeom>
-          <a:noFill/>
-        </p:spPr>
-        <p:txBody>
-          <a:bodyPr wrap="square" rtlCol="0">
-            <a:spAutoFit/>
-          </a:bodyPr>
-          <a:lstStyle/>
-          <a:p>
-            <a:r>
-              <a:rPr lang="en-US" sz="2400" b="1" dirty="0" smtClean="0">
-                <a:solidFill>
-                  <a:srgbClr val="0070C0"/>
-                </a:solidFill>
-                <a:latin typeface="Cambria Math" pitchFamily="18" charset="0"/>
-                <a:ea typeface="Cambria Math" pitchFamily="18" charset="0"/>
-              </a:rPr>
-              <a:t>○</a:t>
-            </a:r>
-            <a:endParaRPr lang="en-US" sz="2400" b="1" dirty="0"/>
-          </a:p>
-        </p:txBody>
-      </p:sp>
-      <p:sp>
-        <p:nvSpPr>
-          <p:cNvPr id="95" name="Textfeld 94"/>
-          <p:cNvSpPr txBox="1"/>
-          <p:nvPr/>
-        </p:nvSpPr>
-        <p:spPr>
-          <a:xfrm>
-            <a:off x="4500562" y="5143512"/>
-            <a:ext cx="1357322" cy="338554"/>
-          </a:xfrm>
-          <a:prstGeom prst="rect">
-            <a:avLst/>
-          </a:prstGeom>
-          <a:noFill/>
-        </p:spPr>
-        <p:txBody>
-          <a:bodyPr wrap="square" rtlCol="0">
-            <a:spAutoFit/>
-          </a:bodyPr>
-          <a:lstStyle/>
-          <a:p>
-            <a:pPr algn="ctr"/>
-            <a:r>
-              <a:rPr lang="en-US" sz="1600" b="1" i="1" dirty="0" smtClean="0">
-                <a:solidFill>
-                  <a:schemeClr val="accent1">
-                    <a:lumMod val="75000"/>
-                  </a:schemeClr>
-                </a:solidFill>
-                <a:latin typeface="Consolas" pitchFamily="49" charset="0"/>
-                <a:cs typeface="Consolas" pitchFamily="49" charset="0"/>
-              </a:rPr>
-              <a:t>container</a:t>
-            </a:r>
-            <a:r>
-              <a:rPr lang="en-US" sz="1600" b="1" i="1" baseline="30000" dirty="0" smtClean="0">
-                <a:solidFill>
-                  <a:schemeClr val="accent1">
-                    <a:lumMod val="75000"/>
-                  </a:schemeClr>
-                </a:solidFill>
-                <a:latin typeface="Consolas" pitchFamily="49" charset="0"/>
-                <a:cs typeface="Consolas" pitchFamily="49" charset="0"/>
-              </a:rPr>
-              <a:t>2</a:t>
-            </a:r>
-            <a:endParaRPr lang="en-US" sz="1600" b="1" i="1" baseline="30000" dirty="0">
-              <a:solidFill>
-                <a:schemeClr val="accent1">
-                  <a:lumMod val="75000"/>
-                </a:schemeClr>
-              </a:solidFill>
-              <a:latin typeface="Consolas" pitchFamily="49" charset="0"/>
-              <a:cs typeface="Consolas" pitchFamily="49" charset="0"/>
-            </a:endParaRPr>
-          </a:p>
-        </p:txBody>
-      </p:sp>
-      <p:sp>
-        <p:nvSpPr>
-          <p:cNvPr id="96" name="Textfeld 95"/>
-          <p:cNvSpPr txBox="1"/>
-          <p:nvPr/>
-        </p:nvSpPr>
-        <p:spPr>
-          <a:xfrm>
-            <a:off x="7000892" y="3500438"/>
-            <a:ext cx="1214446" cy="584775"/>
-          </a:xfrm>
-          <a:prstGeom prst="rect">
-            <a:avLst/>
-          </a:prstGeom>
-          <a:noFill/>
-        </p:spPr>
-        <p:txBody>
-          <a:bodyPr wrap="square" rtlCol="0">
-            <a:spAutoFit/>
-          </a:bodyPr>
-          <a:lstStyle/>
-          <a:p>
-            <a:pPr algn="ctr"/>
-            <a:r>
-              <a:rPr lang="en-US" sz="1600" b="1" i="1" dirty="0" smtClean="0">
-                <a:solidFill>
-                  <a:schemeClr val="accent1">
-                    <a:lumMod val="75000"/>
-                  </a:schemeClr>
-                </a:solidFill>
-                <a:latin typeface="Consolas" pitchFamily="49" charset="0"/>
-                <a:cs typeface="Consolas" pitchFamily="49" charset="0"/>
-              </a:rPr>
-              <a:t>Interval container</a:t>
-            </a:r>
-            <a:endParaRPr lang="en-US" sz="1600" b="1" i="1" baseline="30000" dirty="0">
-              <a:solidFill>
-                <a:schemeClr val="accent1">
-                  <a:lumMod val="75000"/>
-                </a:schemeClr>
-              </a:solidFill>
-              <a:latin typeface="Consolas" pitchFamily="49" charset="0"/>
-              <a:cs typeface="Consolas" pitchFamily="49" charset="0"/>
-            </a:endParaRPr>
-          </a:p>
-        </p:txBody>
-      </p:sp>
-      <p:sp>
-        <p:nvSpPr>
-          <p:cNvPr id="97" name="Textfeld 96"/>
-          <p:cNvSpPr txBox="1"/>
-          <p:nvPr/>
-        </p:nvSpPr>
-        <p:spPr>
-          <a:xfrm>
-            <a:off x="6929454" y="5143512"/>
-            <a:ext cx="1357322" cy="338554"/>
-          </a:xfrm>
-          <a:prstGeom prst="rect">
-            <a:avLst/>
-          </a:prstGeom>
-          <a:noFill/>
-        </p:spPr>
-        <p:txBody>
-          <a:bodyPr wrap="square" rtlCol="0">
-            <a:spAutoFit/>
-          </a:bodyPr>
-          <a:lstStyle/>
-          <a:p>
-            <a:pPr algn="ctr"/>
-            <a:r>
-              <a:rPr lang="en-US" sz="1600" b="1" i="1" dirty="0" smtClean="0">
-                <a:solidFill>
-                  <a:schemeClr val="accent1">
-                    <a:lumMod val="75000"/>
-                  </a:schemeClr>
-                </a:solidFill>
-                <a:latin typeface="Consolas" pitchFamily="49" charset="0"/>
-                <a:cs typeface="Consolas" pitchFamily="49" charset="0"/>
-              </a:rPr>
-              <a:t>container</a:t>
-            </a:r>
-            <a:endParaRPr lang="en-US" sz="1600" b="1" i="1" baseline="30000" dirty="0">
-              <a:solidFill>
-                <a:schemeClr val="accent1">
-                  <a:lumMod val="75000"/>
-                </a:schemeClr>
-              </a:solidFill>
-              <a:latin typeface="Consolas" pitchFamily="49" charset="0"/>
-              <a:cs typeface="Consolas" pitchFamily="49" charset="0"/>
-            </a:endParaRPr>
-          </a:p>
-        </p:txBody>
-      </p:sp>
-      <p:cxnSp>
-        <p:nvCxnSpPr>
-          <p:cNvPr id="99" name="Gerade Verbindung mit Pfeil 98"/>
-          <p:cNvCxnSpPr>
-            <a:stCxn id="83" idx="3"/>
-            <a:endCxn id="96" idx="1"/>
-          </p:cNvCxnSpPr>
-          <p:nvPr/>
-        </p:nvCxnSpPr>
-        <p:spPr>
-          <a:xfrm>
-            <a:off x="5857884" y="3792826"/>
-            <a:ext cx="1143008" cy="1588"/>
-          </a:xfrm>
-          <a:prstGeom prst="straightConnector1">
-            <a:avLst/>
-          </a:prstGeom>
-          <a:ln w="12700">
-            <a:tailEnd type="arrow"/>
-          </a:ln>
-        </p:spPr>
-        <p:style>
-          <a:lnRef idx="1">
-            <a:schemeClr val="accent1"/>
-          </a:lnRef>
-          <a:fillRef idx="0">
-            <a:schemeClr val="accent1"/>
-          </a:fillRef>
-          <a:effectRef idx="0">
-            <a:schemeClr val="accent1"/>
-          </a:effectRef>
-          <a:fontRef idx="minor">
-            <a:schemeClr val="tx1"/>
-          </a:fontRef>
-        </p:style>
-      </p:cxnSp>
-      <p:cxnSp>
-        <p:nvCxnSpPr>
-          <p:cNvPr id="101" name="Gerade Verbindung mit Pfeil 100"/>
-          <p:cNvCxnSpPr>
-            <a:stCxn id="95" idx="3"/>
-            <a:endCxn id="97" idx="1"/>
-          </p:cNvCxnSpPr>
-          <p:nvPr/>
-        </p:nvCxnSpPr>
-        <p:spPr>
-          <a:xfrm>
-            <a:off x="5857884" y="5312789"/>
-            <a:ext cx="1071570" cy="1588"/>
-          </a:xfrm>
-          <a:prstGeom prst="straightConnector1">
-            <a:avLst/>
-          </a:prstGeom>
-          <a:ln w="12700">
-            <a:tailEnd type="arrow"/>
-          </a:ln>
-        </p:spPr>
-        <p:style>
-          <a:lnRef idx="1">
-            <a:schemeClr val="accent1"/>
-          </a:lnRef>
-          <a:fillRef idx="0">
-            <a:schemeClr val="accent1"/>
-          </a:fillRef>
-          <a:effectRef idx="0">
-            <a:schemeClr val="accent1"/>
-          </a:effectRef>
-          <a:fontRef idx="minor">
-            <a:schemeClr val="tx1"/>
-          </a:fontRef>
-        </p:style>
-      </p:cxnSp>
-      <p:cxnSp>
-        <p:nvCxnSpPr>
-          <p:cNvPr id="103" name="Gerade Verbindung mit Pfeil 102"/>
-          <p:cNvCxnSpPr>
-            <a:stCxn id="83" idx="2"/>
-            <a:endCxn id="95" idx="0"/>
-          </p:cNvCxnSpPr>
-          <p:nvPr/>
-        </p:nvCxnSpPr>
-        <p:spPr>
-          <a:xfrm rot="5400000">
-            <a:off x="4667934" y="4596503"/>
-            <a:ext cx="1058299" cy="35719"/>
-          </a:xfrm>
-          <a:prstGeom prst="straightConnector1">
-            <a:avLst/>
-          </a:prstGeom>
-          <a:ln w="12700">
-            <a:tailEnd type="arrow"/>
-          </a:ln>
-        </p:spPr>
-        <p:style>
-          <a:lnRef idx="1">
-            <a:schemeClr val="accent1"/>
-          </a:lnRef>
-          <a:fillRef idx="0">
-            <a:schemeClr val="accent1"/>
-          </a:fillRef>
-          <a:effectRef idx="0">
-            <a:schemeClr val="accent1"/>
-          </a:effectRef>
-          <a:fontRef idx="minor">
-            <a:schemeClr val="tx1"/>
-          </a:fontRef>
-        </p:style>
-      </p:cxnSp>
-      <p:cxnSp>
-        <p:nvCxnSpPr>
-          <p:cNvPr id="105" name="Gerade Verbindung mit Pfeil 104"/>
-          <p:cNvCxnSpPr>
-            <a:stCxn id="96" idx="2"/>
-            <a:endCxn id="97" idx="0"/>
-          </p:cNvCxnSpPr>
-          <p:nvPr/>
-        </p:nvCxnSpPr>
-        <p:spPr>
-          <a:xfrm rot="5400000">
-            <a:off x="7078966" y="4614362"/>
-            <a:ext cx="1058299" cy="1588"/>
-          </a:xfrm>
-          <a:prstGeom prst="straightConnector1">
-            <a:avLst/>
-          </a:prstGeom>
-          <a:ln>
-            <a:tailEnd type="arrow"/>
-          </a:ln>
-        </p:spPr>
-        <p:style>
-          <a:lnRef idx="1">
-            <a:schemeClr val="accent1"/>
-          </a:lnRef>
-          <a:fillRef idx="0">
-            <a:schemeClr val="accent1"/>
-          </a:fillRef>
-          <a:effectRef idx="0">
-            <a:schemeClr val="accent1"/>
-          </a:effectRef>
-          <a:fontRef idx="minor">
-            <a:schemeClr val="tx1"/>
-          </a:fontRef>
-        </p:style>
-      </p:cxnSp>
-      <p:sp>
-        <p:nvSpPr>
-          <p:cNvPr id="106" name="Textfeld 105"/>
-          <p:cNvSpPr txBox="1"/>
-          <p:nvPr/>
-        </p:nvSpPr>
-        <p:spPr>
-          <a:xfrm>
-            <a:off x="6215074" y="5324789"/>
-            <a:ext cx="357190" cy="461665"/>
-          </a:xfrm>
-          <a:prstGeom prst="rect">
-            <a:avLst/>
-          </a:prstGeom>
-          <a:noFill/>
-        </p:spPr>
-        <p:txBody>
-          <a:bodyPr wrap="square" rtlCol="0">
-            <a:spAutoFit/>
-          </a:bodyPr>
-          <a:lstStyle/>
-          <a:p>
-            <a:r>
-              <a:rPr lang="en-US" sz="2400" b="1" dirty="0" smtClean="0">
-                <a:solidFill>
-                  <a:srgbClr val="0070C0"/>
-                </a:solidFill>
-                <a:latin typeface="Cambria Math" pitchFamily="18" charset="0"/>
-                <a:ea typeface="Cambria Math" pitchFamily="18" charset="0"/>
-              </a:rPr>
-              <a:t>○</a:t>
-            </a:r>
-            <a:endParaRPr lang="en-US" sz="2400" b="1" dirty="0"/>
-          </a:p>
-        </p:txBody>
-      </p:sp>
-      <p:sp>
-        <p:nvSpPr>
-          <p:cNvPr id="107" name="Textfeld 106"/>
-          <p:cNvSpPr txBox="1"/>
-          <p:nvPr/>
-        </p:nvSpPr>
-        <p:spPr>
-          <a:xfrm>
-            <a:off x="4143372" y="4274114"/>
-            <a:ext cx="1214446" cy="369332"/>
-          </a:xfrm>
-          <a:prstGeom prst="rect">
-            <a:avLst/>
-          </a:prstGeom>
-          <a:noFill/>
-        </p:spPr>
-        <p:txBody>
-          <a:bodyPr wrap="square" rtlCol="0">
-            <a:spAutoFit/>
-          </a:bodyPr>
-          <a:lstStyle/>
-          <a:p>
-            <a:r>
-              <a:rPr lang="en-US" i="1" dirty="0" smtClean="0">
-                <a:latin typeface="Consolas" pitchFamily="49" charset="0"/>
-                <a:cs typeface="Consolas" pitchFamily="49" charset="0"/>
-              </a:rPr>
-              <a:t>atomize</a:t>
-            </a:r>
-            <a:endParaRPr lang="en-US" i="1" dirty="0">
-              <a:latin typeface="Consolas" pitchFamily="49" charset="0"/>
-              <a:cs typeface="Consolas" pitchFamily="49" charset="0"/>
-            </a:endParaRPr>
-          </a:p>
-        </p:txBody>
-      </p:sp>
-      <p:sp>
-        <p:nvSpPr>
-          <p:cNvPr id="108" name="Textfeld 107"/>
-          <p:cNvSpPr txBox="1"/>
-          <p:nvPr/>
-        </p:nvSpPr>
-        <p:spPr>
-          <a:xfrm>
-            <a:off x="7572396" y="4274114"/>
-            <a:ext cx="1214446" cy="369332"/>
-          </a:xfrm>
-          <a:prstGeom prst="rect">
-            <a:avLst/>
-          </a:prstGeom>
-          <a:noFill/>
-        </p:spPr>
-        <p:txBody>
-          <a:bodyPr wrap="square" rtlCol="0">
-            <a:spAutoFit/>
-          </a:bodyPr>
-          <a:lstStyle/>
-          <a:p>
-            <a:r>
-              <a:rPr lang="en-US" i="1" dirty="0" smtClean="0">
-                <a:latin typeface="Consolas" pitchFamily="49" charset="0"/>
-                <a:cs typeface="Consolas" pitchFamily="49" charset="0"/>
-              </a:rPr>
-              <a:t>atomize</a:t>
-            </a:r>
-            <a:endParaRPr lang="en-US" i="1" dirty="0">
-              <a:latin typeface="Consolas" pitchFamily="49" charset="0"/>
-              <a:cs typeface="Consolas" pitchFamily="49" charset="0"/>
-            </a:endParaRPr>
-          </a:p>
-        </p:txBody>
-      </p:sp>
-      <p:sp>
-        <p:nvSpPr>
           <p:cNvPr id="33" name="Fußzeilenplatzhalter 32"/>
           <p:cNvSpPr>
             <a:spLocks noGrp="1"/>
@@ -38098,6 +38622,1624 @@
           </a:p>
         </p:txBody>
       </p:sp>
+      <p:grpSp>
+        <p:nvGrpSpPr>
+          <p:cNvPr id="71" name="Gruppieren 70"/>
+          <p:cNvGrpSpPr/>
+          <p:nvPr/>
+        </p:nvGrpSpPr>
+        <p:grpSpPr>
+          <a:xfrm>
+            <a:off x="428596" y="3144042"/>
+            <a:ext cx="8286808" cy="2571768"/>
+            <a:chOff x="428596" y="3144042"/>
+            <a:chExt cx="8286808" cy="2571768"/>
+          </a:xfrm>
+        </p:grpSpPr>
+        <p:cxnSp>
+          <p:nvCxnSpPr>
+            <p:cNvPr id="68" name="Gerade Verbindung 67"/>
+            <p:cNvCxnSpPr/>
+            <p:nvPr/>
+          </p:nvCxnSpPr>
+          <p:spPr>
+            <a:xfrm>
+              <a:off x="428596" y="3786190"/>
+              <a:ext cx="8286808" cy="1588"/>
+            </a:xfrm>
+            <a:prstGeom prst="line">
+              <a:avLst/>
+            </a:prstGeom>
+            <a:ln w="12700">
+              <a:solidFill>
+                <a:schemeClr val="tx1"/>
+              </a:solidFill>
+            </a:ln>
+          </p:spPr>
+          <p:style>
+            <a:lnRef idx="1">
+              <a:schemeClr val="accent1"/>
+            </a:lnRef>
+            <a:fillRef idx="0">
+              <a:schemeClr val="accent1"/>
+            </a:fillRef>
+            <a:effectRef idx="0">
+              <a:schemeClr val="accent1"/>
+            </a:effectRef>
+            <a:fontRef idx="minor">
+              <a:schemeClr val="tx1"/>
+            </a:fontRef>
+          </p:style>
+        </p:cxnSp>
+        <p:cxnSp>
+          <p:nvCxnSpPr>
+            <p:cNvPr id="70" name="Gerade Verbindung 69"/>
+            <p:cNvCxnSpPr/>
+            <p:nvPr/>
+          </p:nvCxnSpPr>
+          <p:spPr>
+            <a:xfrm rot="5400000">
+              <a:off x="6000760" y="4429132"/>
+              <a:ext cx="2571768" cy="1588"/>
+            </a:xfrm>
+            <a:prstGeom prst="line">
+              <a:avLst/>
+            </a:prstGeom>
+            <a:ln w="12700">
+              <a:solidFill>
+                <a:schemeClr val="tx1"/>
+              </a:solidFill>
+            </a:ln>
+          </p:spPr>
+          <p:style>
+            <a:lnRef idx="1">
+              <a:schemeClr val="accent1"/>
+            </a:lnRef>
+            <a:fillRef idx="0">
+              <a:schemeClr val="accent1"/>
+            </a:fillRef>
+            <a:effectRef idx="0">
+              <a:schemeClr val="accent1"/>
+            </a:effectRef>
+            <a:fontRef idx="minor">
+              <a:schemeClr val="tx1"/>
+            </a:fontRef>
+          </p:style>
+        </p:cxnSp>
+      </p:grpSp>
+      <p:sp>
+        <p:nvSpPr>
+          <p:cNvPr id="75" name="Textfeld 74"/>
+          <p:cNvSpPr txBox="1"/>
+          <p:nvPr/>
+        </p:nvSpPr>
+        <p:spPr>
+          <a:xfrm>
+            <a:off x="1571604" y="3324525"/>
+            <a:ext cx="428628" cy="461665"/>
+          </a:xfrm>
+          <a:prstGeom prst="rect">
+            <a:avLst/>
+          </a:prstGeom>
+          <a:noFill/>
+        </p:spPr>
+        <p:txBody>
+          <a:bodyPr wrap="square" rtlCol="0">
+            <a:spAutoFit/>
+          </a:bodyPr>
+          <a:lstStyle/>
+          <a:p>
+            <a:r>
+              <a:rPr lang="en-US" sz="2400" dirty="0" smtClean="0">
+                <a:solidFill>
+                  <a:srgbClr val="0070C0"/>
+                </a:solidFill>
+                <a:latin typeface="Cambria Math" pitchFamily="18" charset="0"/>
+                <a:ea typeface="Cambria Math" pitchFamily="18" charset="0"/>
+              </a:rPr>
+              <a:t>𝒞</a:t>
+            </a:r>
+            <a:endParaRPr lang="en-US" sz="2400" i="1" dirty="0">
+              <a:solidFill>
+                <a:schemeClr val="accent1">
+                  <a:lumMod val="75000"/>
+                </a:schemeClr>
+              </a:solidFill>
+            </a:endParaRPr>
+          </a:p>
+        </p:txBody>
+      </p:sp>
+      <p:grpSp>
+        <p:nvGrpSpPr>
+          <p:cNvPr id="128" name="Gruppieren 127"/>
+          <p:cNvGrpSpPr/>
+          <p:nvPr/>
+        </p:nvGrpSpPr>
+        <p:grpSpPr>
+          <a:xfrm>
+            <a:off x="2928926" y="3324525"/>
+            <a:ext cx="3143272" cy="461665"/>
+            <a:chOff x="2928926" y="3324525"/>
+            <a:chExt cx="3143272" cy="461665"/>
+          </a:xfrm>
+        </p:grpSpPr>
+        <p:sp>
+          <p:nvSpPr>
+            <p:cNvPr id="77" name="Textfeld 76"/>
+            <p:cNvSpPr txBox="1"/>
+            <p:nvPr/>
+          </p:nvSpPr>
+          <p:spPr>
+            <a:xfrm>
+              <a:off x="5072066" y="3324525"/>
+              <a:ext cx="1000132" cy="461665"/>
+            </a:xfrm>
+            <a:prstGeom prst="rect">
+              <a:avLst/>
+            </a:prstGeom>
+            <a:noFill/>
+          </p:spPr>
+          <p:txBody>
+            <a:bodyPr wrap="square" rtlCol="0">
+              <a:spAutoFit/>
+            </a:bodyPr>
+            <a:lstStyle/>
+            <a:p>
+              <a:pPr algn="ctr"/>
+              <a:r>
+                <a:rPr lang="en-US" sz="2300" i="1" dirty="0" smtClean="0">
+                  <a:solidFill>
+                    <a:srgbClr val="0070C0"/>
+                  </a:solidFill>
+                </a:rPr>
+                <a:t>Map</a:t>
+              </a:r>
+              <a:endParaRPr lang="en-US" sz="2300" i="1" dirty="0">
+                <a:solidFill>
+                  <a:srgbClr val="0070C0"/>
+                </a:solidFill>
+              </a:endParaRPr>
+            </a:p>
+          </p:txBody>
+        </p:sp>
+        <p:sp>
+          <p:nvSpPr>
+            <p:cNvPr id="78" name="Pfeil nach rechts 77"/>
+            <p:cNvSpPr/>
+            <p:nvPr/>
+          </p:nvSpPr>
+          <p:spPr bwMode="auto">
+            <a:xfrm>
+              <a:off x="2928926" y="3429000"/>
+              <a:ext cx="1285884" cy="285752"/>
+            </a:xfrm>
+            <a:prstGeom prst="rightArrow">
+              <a:avLst/>
+            </a:prstGeom>
+            <a:solidFill>
+              <a:schemeClr val="accent3"/>
+            </a:solidFill>
+            <a:ln w="9525" cap="flat" cmpd="sng" algn="ctr">
+              <a:noFill/>
+              <a:prstDash val="solid"/>
+              <a:miter lim="800000"/>
+              <a:headEnd type="none" w="med" len="med"/>
+              <a:tailEnd type="none" w="med" len="med"/>
+            </a:ln>
+            <a:effectLst/>
+          </p:spPr>
+          <p:txBody>
+            <a:bodyPr vert="horz" wrap="none" lIns="91440" tIns="45720" rIns="91440" bIns="45720" rtlCol="0" anchor="ctr" compatLnSpc="1"/>
+            <a:lstStyle/>
+            <a:p>
+              <a:pPr algn="ctr"/>
+              <a:endParaRPr kumimoji="0" lang="en-US"/>
+            </a:p>
+          </p:txBody>
+        </p:sp>
+      </p:grpSp>
+      <p:sp>
+        <p:nvSpPr>
+          <p:cNvPr id="79" name="Textfeld 78"/>
+          <p:cNvSpPr txBox="1"/>
+          <p:nvPr/>
+        </p:nvSpPr>
+        <p:spPr>
+          <a:xfrm>
+            <a:off x="7392836" y="3987233"/>
+            <a:ext cx="1251130" cy="584775"/>
+          </a:xfrm>
+          <a:prstGeom prst="rect">
+            <a:avLst/>
+          </a:prstGeom>
+          <a:noFill/>
+        </p:spPr>
+        <p:txBody>
+          <a:bodyPr wrap="square" rtlCol="0">
+            <a:spAutoFit/>
+          </a:bodyPr>
+          <a:lstStyle/>
+          <a:p>
+            <a:pPr algn="ctr"/>
+            <a:r>
+              <a:rPr lang="en-US" sz="1600" b="1" i="1" dirty="0" smtClean="0">
+                <a:solidFill>
+                  <a:schemeClr val="accent1">
+                    <a:lumMod val="75000"/>
+                  </a:schemeClr>
+                </a:solidFill>
+                <a:latin typeface="Consolas" pitchFamily="49" charset="0"/>
+                <a:cs typeface="Consolas" pitchFamily="49" charset="0"/>
+              </a:rPr>
+              <a:t>i</a:t>
+            </a:r>
+            <a:r>
+              <a:rPr lang="en-US" sz="1600" b="1" i="1" dirty="0" smtClean="0">
+                <a:solidFill>
+                  <a:schemeClr val="accent1">
+                    <a:lumMod val="75000"/>
+                  </a:schemeClr>
+                </a:solidFill>
+                <a:latin typeface="Consolas" pitchFamily="49" charset="0"/>
+                <a:cs typeface="Consolas" pitchFamily="49" charset="0"/>
+              </a:rPr>
+              <a:t>nterval </a:t>
+            </a:r>
+            <a:r>
+              <a:rPr lang="en-US" sz="1600" b="1" i="1" dirty="0" err="1" smtClean="0">
+                <a:solidFill>
+                  <a:schemeClr val="accent1">
+                    <a:lumMod val="75000"/>
+                  </a:schemeClr>
+                </a:solidFill>
+                <a:latin typeface="Consolas" pitchFamily="49" charset="0"/>
+                <a:cs typeface="Consolas" pitchFamily="49" charset="0"/>
+              </a:rPr>
+              <a:t>impl</a:t>
+            </a:r>
+            <a:endParaRPr lang="en-US" sz="1600" b="1" i="1" baseline="30000" dirty="0">
+              <a:solidFill>
+                <a:schemeClr val="accent1">
+                  <a:lumMod val="75000"/>
+                </a:schemeClr>
+              </a:solidFill>
+              <a:latin typeface="Consolas" pitchFamily="49" charset="0"/>
+              <a:cs typeface="Consolas" pitchFamily="49" charset="0"/>
+            </a:endParaRPr>
+          </a:p>
+        </p:txBody>
+      </p:sp>
+      <p:sp>
+        <p:nvSpPr>
+          <p:cNvPr id="80" name="Textfeld 79"/>
+          <p:cNvSpPr txBox="1"/>
+          <p:nvPr/>
+        </p:nvSpPr>
+        <p:spPr>
+          <a:xfrm>
+            <a:off x="7392836" y="5273117"/>
+            <a:ext cx="1251130" cy="584775"/>
+          </a:xfrm>
+          <a:prstGeom prst="rect">
+            <a:avLst/>
+          </a:prstGeom>
+          <a:noFill/>
+        </p:spPr>
+        <p:txBody>
+          <a:bodyPr wrap="square" rtlCol="0">
+            <a:spAutoFit/>
+          </a:bodyPr>
+          <a:lstStyle/>
+          <a:p>
+            <a:pPr algn="ctr"/>
+            <a:r>
+              <a:rPr lang="en-US" sz="1600" b="1" i="1" dirty="0" smtClean="0">
+                <a:solidFill>
+                  <a:schemeClr val="accent1">
+                    <a:lumMod val="75000"/>
+                  </a:schemeClr>
+                </a:solidFill>
+                <a:latin typeface="Consolas" pitchFamily="49" charset="0"/>
+                <a:cs typeface="Consolas" pitchFamily="49" charset="0"/>
+              </a:rPr>
+              <a:t>element</a:t>
+            </a:r>
+            <a:r>
+              <a:rPr lang="en-US" sz="1600" b="1" i="1" dirty="0" smtClean="0">
+                <a:solidFill>
+                  <a:schemeClr val="accent1">
+                    <a:lumMod val="75000"/>
+                  </a:schemeClr>
+                </a:solidFill>
+                <a:latin typeface="Consolas" pitchFamily="49" charset="0"/>
+                <a:cs typeface="Consolas" pitchFamily="49" charset="0"/>
+              </a:rPr>
+              <a:t> </a:t>
+            </a:r>
+            <a:r>
+              <a:rPr lang="en-US" sz="1600" b="1" i="1" dirty="0" err="1" smtClean="0">
+                <a:solidFill>
+                  <a:schemeClr val="accent1">
+                    <a:lumMod val="75000"/>
+                  </a:schemeClr>
+                </a:solidFill>
+                <a:latin typeface="Consolas" pitchFamily="49" charset="0"/>
+                <a:cs typeface="Consolas" pitchFamily="49" charset="0"/>
+              </a:rPr>
+              <a:t>impl</a:t>
+            </a:r>
+            <a:endParaRPr lang="en-US" sz="1600" b="1" i="1" baseline="30000" dirty="0">
+              <a:solidFill>
+                <a:schemeClr val="accent1">
+                  <a:lumMod val="75000"/>
+                </a:schemeClr>
+              </a:solidFill>
+              <a:latin typeface="Consolas" pitchFamily="49" charset="0"/>
+              <a:cs typeface="Consolas" pitchFamily="49" charset="0"/>
+            </a:endParaRPr>
+          </a:p>
+        </p:txBody>
+      </p:sp>
+      <p:grpSp>
+        <p:nvGrpSpPr>
+          <p:cNvPr id="132" name="Gruppieren 131"/>
+          <p:cNvGrpSpPr/>
+          <p:nvPr/>
+        </p:nvGrpSpPr>
+        <p:grpSpPr>
+          <a:xfrm>
+            <a:off x="357158" y="4534401"/>
+            <a:ext cx="5608848" cy="1343510"/>
+            <a:chOff x="357158" y="4534401"/>
+            <a:chExt cx="5608848" cy="1343510"/>
+          </a:xfrm>
+        </p:grpSpPr>
+        <p:sp>
+          <p:nvSpPr>
+            <p:cNvPr id="35" name="Textfeld 34"/>
+            <p:cNvSpPr txBox="1"/>
+            <p:nvPr/>
+          </p:nvSpPr>
+          <p:spPr>
+            <a:xfrm>
+              <a:off x="428596" y="4643446"/>
+              <a:ext cx="417043" cy="461665"/>
+            </a:xfrm>
+            <a:prstGeom prst="rect">
+              <a:avLst/>
+            </a:prstGeom>
+            <a:noFill/>
+          </p:spPr>
+          <p:txBody>
+            <a:bodyPr wrap="square" rtlCol="0">
+              <a:spAutoFit/>
+            </a:bodyPr>
+            <a:lstStyle/>
+            <a:p>
+              <a:pPr algn="ctr"/>
+              <a:r>
+                <a:rPr lang="en-US" sz="2400" i="1" dirty="0" smtClean="0">
+                  <a:solidFill>
+                    <a:srgbClr val="0070C0"/>
+                  </a:solidFill>
+                </a:rPr>
+                <a:t>f</a:t>
+              </a:r>
+              <a:endParaRPr lang="en-US" sz="2400" i="1" dirty="0">
+                <a:solidFill>
+                  <a:srgbClr val="0070C0"/>
+                </a:solidFill>
+              </a:endParaRPr>
+            </a:p>
+          </p:txBody>
+        </p:sp>
+        <p:sp>
+          <p:nvSpPr>
+            <p:cNvPr id="57" name="Textfeld 56"/>
+            <p:cNvSpPr txBox="1"/>
+            <p:nvPr/>
+          </p:nvSpPr>
+          <p:spPr>
+            <a:xfrm>
+              <a:off x="1583189" y="4727097"/>
+              <a:ext cx="417043" cy="448647"/>
+            </a:xfrm>
+            <a:prstGeom prst="rect">
+              <a:avLst/>
+            </a:prstGeom>
+            <a:noFill/>
+          </p:spPr>
+          <p:txBody>
+            <a:bodyPr wrap="square" rtlCol="0">
+              <a:spAutoFit/>
+            </a:bodyPr>
+            <a:lstStyle/>
+            <a:p>
+              <a:r>
+                <a:rPr lang="en-US" sz="2400" dirty="0" smtClean="0"/>
+                <a:t>=</a:t>
+              </a:r>
+              <a:endParaRPr lang="en-US" sz="2400" dirty="0"/>
+            </a:p>
+          </p:txBody>
+        </p:sp>
+        <p:sp>
+          <p:nvSpPr>
+            <p:cNvPr id="76" name="Textfeld 75"/>
+            <p:cNvSpPr txBox="1"/>
+            <p:nvPr/>
+          </p:nvSpPr>
+          <p:spPr>
+            <a:xfrm>
+              <a:off x="5429256" y="4714884"/>
+              <a:ext cx="417043" cy="448647"/>
+            </a:xfrm>
+            <a:prstGeom prst="rect">
+              <a:avLst/>
+            </a:prstGeom>
+            <a:noFill/>
+          </p:spPr>
+          <p:txBody>
+            <a:bodyPr wrap="square" rtlCol="0">
+              <a:spAutoFit/>
+            </a:bodyPr>
+            <a:lstStyle/>
+            <a:p>
+              <a:r>
+                <a:rPr lang="en-US" sz="2400" dirty="0" smtClean="0"/>
+                <a:t>=</a:t>
+              </a:r>
+              <a:endParaRPr lang="en-US" sz="2400" dirty="0"/>
+            </a:p>
+          </p:txBody>
+        </p:sp>
+        <p:sp>
+          <p:nvSpPr>
+            <p:cNvPr id="107" name="Textfeld 106"/>
+            <p:cNvSpPr txBox="1"/>
+            <p:nvPr/>
+          </p:nvSpPr>
+          <p:spPr>
+            <a:xfrm>
+              <a:off x="3643306" y="4784721"/>
+              <a:ext cx="1038747" cy="338554"/>
+            </a:xfrm>
+            <a:prstGeom prst="rect">
+              <a:avLst/>
+            </a:prstGeom>
+            <a:noFill/>
+          </p:spPr>
+          <p:txBody>
+            <a:bodyPr wrap="square" rtlCol="0">
+              <a:spAutoFit/>
+            </a:bodyPr>
+            <a:lstStyle/>
+            <a:p>
+              <a:pPr algn="ctr"/>
+              <a:r>
+                <a:rPr lang="en-US" sz="1600" i="1" dirty="0" smtClean="0">
+                  <a:latin typeface="Consolas" pitchFamily="49" charset="0"/>
+                  <a:cs typeface="Consolas" pitchFamily="49" charset="0"/>
+                </a:rPr>
+                <a:t>atomize</a:t>
+              </a:r>
+              <a:endParaRPr lang="en-US" sz="1600" i="1" dirty="0">
+                <a:latin typeface="Consolas" pitchFamily="49" charset="0"/>
+                <a:cs typeface="Consolas" pitchFamily="49" charset="0"/>
+              </a:endParaRPr>
+            </a:p>
+          </p:txBody>
+        </p:sp>
+        <p:sp>
+          <p:nvSpPr>
+            <p:cNvPr id="39" name="Textfeld 38"/>
+            <p:cNvSpPr txBox="1"/>
+            <p:nvPr/>
+          </p:nvSpPr>
+          <p:spPr>
+            <a:xfrm>
+              <a:off x="357158" y="5324789"/>
+              <a:ext cx="857256" cy="461665"/>
+            </a:xfrm>
+            <a:prstGeom prst="rect">
+              <a:avLst/>
+            </a:prstGeom>
+            <a:noFill/>
+          </p:spPr>
+          <p:txBody>
+            <a:bodyPr wrap="square" rtlCol="0">
+              <a:spAutoFit/>
+            </a:bodyPr>
+            <a:lstStyle/>
+            <a:p>
+              <a:pPr algn="ctr"/>
+              <a:r>
+                <a:rPr lang="en-US" sz="2400" i="1" dirty="0" smtClean="0">
+                  <a:solidFill>
+                    <a:schemeClr val="accent1">
+                      <a:lumMod val="75000"/>
+                    </a:schemeClr>
+                  </a:solidFill>
+                </a:rPr>
+                <a:t>E</a:t>
+              </a:r>
+              <a:r>
+                <a:rPr lang="en-US" sz="2400" dirty="0" smtClean="0">
+                  <a:latin typeface="Cambria Math" pitchFamily="18" charset="0"/>
+                  <a:ea typeface="Cambria Math" pitchFamily="18" charset="0"/>
+                </a:rPr>
+                <a:t>×</a:t>
+              </a:r>
+              <a:r>
+                <a:rPr lang="en-US" sz="2400" i="1" dirty="0" smtClean="0">
+                  <a:solidFill>
+                    <a:schemeClr val="accent1">
+                      <a:lumMod val="75000"/>
+                    </a:schemeClr>
+                  </a:solidFill>
+                </a:rPr>
+                <a:t>E</a:t>
+              </a:r>
+              <a:endParaRPr lang="en-US" sz="2400" i="1" dirty="0">
+                <a:solidFill>
+                  <a:schemeClr val="accent1">
+                    <a:lumMod val="75000"/>
+                  </a:schemeClr>
+                </a:solidFill>
+              </a:endParaRPr>
+            </a:p>
+          </p:txBody>
+        </p:sp>
+        <p:sp>
+          <p:nvSpPr>
+            <p:cNvPr id="49" name="Textfeld 48"/>
+            <p:cNvSpPr txBox="1"/>
+            <p:nvPr/>
+          </p:nvSpPr>
+          <p:spPr>
+            <a:xfrm>
+              <a:off x="3929058" y="5357826"/>
+              <a:ext cx="1320638" cy="338554"/>
+            </a:xfrm>
+            <a:prstGeom prst="rect">
+              <a:avLst/>
+            </a:prstGeom>
+            <a:noFill/>
+          </p:spPr>
+          <p:txBody>
+            <a:bodyPr wrap="square" rtlCol="0">
+              <a:spAutoFit/>
+            </a:bodyPr>
+            <a:lstStyle/>
+            <a:p>
+              <a:pPr algn="ctr"/>
+              <a:r>
+                <a:rPr lang="en-US" sz="1600" b="1" i="1" dirty="0" err="1" smtClean="0">
+                  <a:solidFill>
+                    <a:schemeClr val="accent1">
+                      <a:lumMod val="75000"/>
+                    </a:schemeClr>
+                  </a:solidFill>
+                  <a:latin typeface="Consolas" pitchFamily="49" charset="0"/>
+                  <a:cs typeface="Consolas" pitchFamily="49" charset="0"/>
+                </a:rPr>
+                <a:t>i</a:t>
+              </a:r>
+              <a:r>
+                <a:rPr lang="en-US" sz="1600" b="1" i="1" dirty="0" err="1" smtClean="0">
+                  <a:solidFill>
+                    <a:schemeClr val="accent1">
+                      <a:lumMod val="75000"/>
+                    </a:schemeClr>
+                  </a:solidFill>
+                  <a:latin typeface="Consolas" pitchFamily="49" charset="0"/>
+                  <a:cs typeface="Consolas" pitchFamily="49" charset="0"/>
+                </a:rPr>
+                <a:t>tl</a:t>
+              </a:r>
+              <a:r>
+                <a:rPr lang="en-US" sz="1600" b="1" i="1" dirty="0" smtClean="0">
+                  <a:solidFill>
+                    <a:schemeClr val="accent1">
+                      <a:lumMod val="75000"/>
+                    </a:schemeClr>
+                  </a:solidFill>
+                  <a:latin typeface="Consolas" pitchFamily="49" charset="0"/>
+                  <a:cs typeface="Consolas" pitchFamily="49" charset="0"/>
+                </a:rPr>
+                <a:t>::map</a:t>
+              </a:r>
+              <a:r>
+                <a:rPr lang="en-US" sz="1600" b="1" i="1" baseline="30000" dirty="0" smtClean="0">
+                  <a:solidFill>
+                    <a:schemeClr val="accent1">
+                      <a:lumMod val="75000"/>
+                    </a:schemeClr>
+                  </a:solidFill>
+                  <a:latin typeface="Consolas" pitchFamily="49" charset="0"/>
+                  <a:cs typeface="Consolas" pitchFamily="49" charset="0"/>
+                </a:rPr>
+                <a:t>2</a:t>
+              </a:r>
+              <a:endParaRPr lang="en-US" sz="1600" b="1" i="1" baseline="30000" dirty="0">
+                <a:solidFill>
+                  <a:schemeClr val="accent1">
+                    <a:lumMod val="75000"/>
+                  </a:schemeClr>
+                </a:solidFill>
+                <a:latin typeface="Consolas" pitchFamily="49" charset="0"/>
+                <a:cs typeface="Consolas" pitchFamily="49" charset="0"/>
+              </a:endParaRPr>
+            </a:p>
+          </p:txBody>
+        </p:sp>
+        <p:sp>
+          <p:nvSpPr>
+            <p:cNvPr id="54" name="Textfeld 53"/>
+            <p:cNvSpPr txBox="1"/>
+            <p:nvPr/>
+          </p:nvSpPr>
+          <p:spPr>
+            <a:xfrm>
+              <a:off x="1581258" y="5429264"/>
+              <a:ext cx="347536" cy="448647"/>
+            </a:xfrm>
+            <a:prstGeom prst="rect">
+              <a:avLst/>
+            </a:prstGeom>
+            <a:noFill/>
+          </p:spPr>
+          <p:txBody>
+            <a:bodyPr wrap="square" rtlCol="0">
+              <a:spAutoFit/>
+            </a:bodyPr>
+            <a:lstStyle/>
+            <a:p>
+              <a:r>
+                <a:rPr lang="en-US" sz="2400" b="1" dirty="0" smtClean="0">
+                  <a:solidFill>
+                    <a:srgbClr val="0070C0"/>
+                  </a:solidFill>
+                  <a:latin typeface="Cambria Math" pitchFamily="18" charset="0"/>
+                  <a:ea typeface="Cambria Math" pitchFamily="18" charset="0"/>
+                </a:rPr>
+                <a:t>○</a:t>
+              </a:r>
+              <a:endParaRPr lang="en-US" sz="2400" b="1" dirty="0"/>
+            </a:p>
+          </p:txBody>
+        </p:sp>
+        <p:sp>
+          <p:nvSpPr>
+            <p:cNvPr id="55" name="Textfeld 54"/>
+            <p:cNvSpPr txBox="1"/>
+            <p:nvPr/>
+          </p:nvSpPr>
+          <p:spPr>
+            <a:xfrm>
+              <a:off x="5429256" y="5429264"/>
+              <a:ext cx="347536" cy="448647"/>
+            </a:xfrm>
+            <a:prstGeom prst="rect">
+              <a:avLst/>
+            </a:prstGeom>
+            <a:noFill/>
+          </p:spPr>
+          <p:txBody>
+            <a:bodyPr wrap="square" rtlCol="0">
+              <a:spAutoFit/>
+            </a:bodyPr>
+            <a:lstStyle/>
+            <a:p>
+              <a:r>
+                <a:rPr lang="en-US" sz="2400" b="1" dirty="0" smtClean="0">
+                  <a:solidFill>
+                    <a:srgbClr val="0070C0"/>
+                  </a:solidFill>
+                  <a:latin typeface="Cambria Math" pitchFamily="18" charset="0"/>
+                  <a:ea typeface="Cambria Math" pitchFamily="18" charset="0"/>
+                </a:rPr>
+                <a:t>○</a:t>
+              </a:r>
+              <a:endParaRPr lang="en-US" sz="2400" b="1" dirty="0"/>
+            </a:p>
+          </p:txBody>
+        </p:sp>
+        <p:cxnSp>
+          <p:nvCxnSpPr>
+            <p:cNvPr id="111" name="Gerade Verbindung mit Pfeil 110"/>
+            <p:cNvCxnSpPr>
+              <a:stCxn id="39" idx="3"/>
+              <a:endCxn id="42" idx="1"/>
+            </p:cNvCxnSpPr>
+            <p:nvPr/>
+          </p:nvCxnSpPr>
+          <p:spPr>
+            <a:xfrm>
+              <a:off x="1214414" y="5555622"/>
+              <a:ext cx="1071570" cy="1588"/>
+            </a:xfrm>
+            <a:prstGeom prst="straightConnector1">
+              <a:avLst/>
+            </a:prstGeom>
+            <a:ln>
+              <a:tailEnd type="arrow"/>
+            </a:ln>
+          </p:spPr>
+          <p:style>
+            <a:lnRef idx="1">
+              <a:schemeClr val="accent1"/>
+            </a:lnRef>
+            <a:fillRef idx="0">
+              <a:schemeClr val="accent1"/>
+            </a:fillRef>
+            <a:effectRef idx="0">
+              <a:schemeClr val="accent1"/>
+            </a:effectRef>
+            <a:fontRef idx="minor">
+              <a:schemeClr val="tx1"/>
+            </a:fontRef>
+          </p:style>
+        </p:cxnSp>
+        <p:cxnSp>
+          <p:nvCxnSpPr>
+            <p:cNvPr id="113" name="Gerade Verbindung mit Pfeil 112"/>
+            <p:cNvCxnSpPr>
+              <a:stCxn id="92" idx="2"/>
+              <a:endCxn id="39" idx="0"/>
+            </p:cNvCxnSpPr>
+            <p:nvPr/>
+          </p:nvCxnSpPr>
+          <p:spPr>
+            <a:xfrm rot="5400000">
+              <a:off x="390195" y="4929198"/>
+              <a:ext cx="791182" cy="1588"/>
+            </a:xfrm>
+            <a:prstGeom prst="straightConnector1">
+              <a:avLst/>
+            </a:prstGeom>
+            <a:ln>
+              <a:tailEnd type="arrow"/>
+            </a:ln>
+          </p:spPr>
+          <p:style>
+            <a:lnRef idx="1">
+              <a:schemeClr val="accent1"/>
+            </a:lnRef>
+            <a:fillRef idx="0">
+              <a:schemeClr val="accent1"/>
+            </a:fillRef>
+            <a:effectRef idx="0">
+              <a:schemeClr val="accent1"/>
+            </a:effectRef>
+            <a:fontRef idx="minor">
+              <a:schemeClr val="tx1"/>
+            </a:fontRef>
+          </p:style>
+        </p:cxnSp>
+        <p:cxnSp>
+          <p:nvCxnSpPr>
+            <p:cNvPr id="121" name="Gerade Verbindung mit Pfeil 120"/>
+            <p:cNvCxnSpPr>
+              <a:stCxn id="49" idx="3"/>
+              <a:endCxn id="50" idx="1"/>
+            </p:cNvCxnSpPr>
+            <p:nvPr/>
+          </p:nvCxnSpPr>
+          <p:spPr>
+            <a:xfrm>
+              <a:off x="5249696" y="5527103"/>
+              <a:ext cx="716310" cy="1588"/>
+            </a:xfrm>
+            <a:prstGeom prst="straightConnector1">
+              <a:avLst/>
+            </a:prstGeom>
+            <a:ln>
+              <a:tailEnd type="arrow"/>
+            </a:ln>
+          </p:spPr>
+          <p:style>
+            <a:lnRef idx="1">
+              <a:schemeClr val="accent1"/>
+            </a:lnRef>
+            <a:fillRef idx="0">
+              <a:schemeClr val="accent1"/>
+            </a:fillRef>
+            <a:effectRef idx="0">
+              <a:schemeClr val="accent1"/>
+            </a:effectRef>
+            <a:fontRef idx="minor">
+              <a:schemeClr val="tx1"/>
+            </a:fontRef>
+          </p:style>
+        </p:cxnSp>
+        <p:cxnSp>
+          <p:nvCxnSpPr>
+            <p:cNvPr id="125" name="Gerade Verbindung mit Pfeil 124"/>
+            <p:cNvCxnSpPr>
+              <a:stCxn id="47" idx="2"/>
+              <a:endCxn id="49" idx="0"/>
+            </p:cNvCxnSpPr>
+            <p:nvPr/>
+          </p:nvCxnSpPr>
+          <p:spPr>
+            <a:xfrm rot="5400000">
+              <a:off x="4196468" y="4964917"/>
+              <a:ext cx="785818" cy="1588"/>
+            </a:xfrm>
+            <a:prstGeom prst="straightConnector1">
+              <a:avLst/>
+            </a:prstGeom>
+            <a:ln>
+              <a:tailEnd type="arrow"/>
+            </a:ln>
+          </p:spPr>
+          <p:style>
+            <a:lnRef idx="1">
+              <a:schemeClr val="accent1"/>
+            </a:lnRef>
+            <a:fillRef idx="0">
+              <a:schemeClr val="accent1"/>
+            </a:fillRef>
+            <a:effectRef idx="0">
+              <a:schemeClr val="accent1"/>
+            </a:effectRef>
+            <a:fontRef idx="minor">
+              <a:schemeClr val="tx1"/>
+            </a:fontRef>
+          </p:style>
+        </p:cxnSp>
+      </p:grpSp>
+      <p:grpSp>
+        <p:nvGrpSpPr>
+          <p:cNvPr id="131" name="Gruppieren 130"/>
+          <p:cNvGrpSpPr/>
+          <p:nvPr/>
+        </p:nvGrpSpPr>
+        <p:grpSpPr>
+          <a:xfrm>
+            <a:off x="357158" y="3857628"/>
+            <a:ext cx="7000924" cy="1928826"/>
+            <a:chOff x="357158" y="3857628"/>
+            <a:chExt cx="7000924" cy="1928826"/>
+          </a:xfrm>
+        </p:grpSpPr>
+        <p:sp>
+          <p:nvSpPr>
+            <p:cNvPr id="108" name="Textfeld 107"/>
+            <p:cNvSpPr txBox="1"/>
+            <p:nvPr/>
+          </p:nvSpPr>
+          <p:spPr>
+            <a:xfrm>
+              <a:off x="6176459" y="4784721"/>
+              <a:ext cx="1181623" cy="338554"/>
+            </a:xfrm>
+            <a:prstGeom prst="rect">
+              <a:avLst/>
+            </a:prstGeom>
+            <a:noFill/>
+          </p:spPr>
+          <p:txBody>
+            <a:bodyPr wrap="square" rtlCol="0">
+              <a:spAutoFit/>
+            </a:bodyPr>
+            <a:lstStyle/>
+            <a:p>
+              <a:pPr algn="ctr"/>
+              <a:r>
+                <a:rPr lang="en-US" sz="1600" i="1" dirty="0" smtClean="0">
+                  <a:latin typeface="Consolas" pitchFamily="49" charset="0"/>
+                  <a:cs typeface="Consolas" pitchFamily="49" charset="0"/>
+                </a:rPr>
+                <a:t>atomize</a:t>
+              </a:r>
+              <a:endParaRPr lang="en-US" sz="1600" i="1" dirty="0">
+                <a:latin typeface="Consolas" pitchFamily="49" charset="0"/>
+                <a:cs typeface="Consolas" pitchFamily="49" charset="0"/>
+              </a:endParaRPr>
+            </a:p>
+          </p:txBody>
+        </p:sp>
+        <p:sp>
+          <p:nvSpPr>
+            <p:cNvPr id="42" name="Textfeld 41"/>
+            <p:cNvSpPr txBox="1"/>
+            <p:nvPr/>
+          </p:nvSpPr>
+          <p:spPr>
+            <a:xfrm>
+              <a:off x="2285984" y="5324789"/>
+              <a:ext cx="500066" cy="461665"/>
+            </a:xfrm>
+            <a:prstGeom prst="rect">
+              <a:avLst/>
+            </a:prstGeom>
+            <a:noFill/>
+          </p:spPr>
+          <p:txBody>
+            <a:bodyPr wrap="square" rtlCol="0">
+              <a:spAutoFit/>
+            </a:bodyPr>
+            <a:lstStyle/>
+            <a:p>
+              <a:pPr algn="ctr"/>
+              <a:r>
+                <a:rPr lang="en-US" sz="2400" i="1" dirty="0" smtClean="0">
+                  <a:solidFill>
+                    <a:schemeClr val="accent1">
+                      <a:lumMod val="75000"/>
+                    </a:schemeClr>
+                  </a:solidFill>
+                </a:rPr>
+                <a:t>E</a:t>
+              </a:r>
+              <a:endParaRPr lang="en-US" sz="2400" i="1" dirty="0">
+                <a:solidFill>
+                  <a:schemeClr val="accent1">
+                    <a:lumMod val="75000"/>
+                  </a:schemeClr>
+                </a:solidFill>
+              </a:endParaRPr>
+            </a:p>
+          </p:txBody>
+        </p:sp>
+        <p:sp>
+          <p:nvSpPr>
+            <p:cNvPr id="43" name="Textfeld 42"/>
+            <p:cNvSpPr txBox="1"/>
+            <p:nvPr/>
+          </p:nvSpPr>
+          <p:spPr>
+            <a:xfrm>
+              <a:off x="2583321" y="4643446"/>
+              <a:ext cx="417043" cy="461665"/>
+            </a:xfrm>
+            <a:prstGeom prst="rect">
+              <a:avLst/>
+            </a:prstGeom>
+            <a:noFill/>
+          </p:spPr>
+          <p:txBody>
+            <a:bodyPr wrap="square" rtlCol="0">
+              <a:spAutoFit/>
+            </a:bodyPr>
+            <a:lstStyle/>
+            <a:p>
+              <a:pPr algn="ctr"/>
+              <a:r>
+                <a:rPr lang="en-US" sz="2400" i="1" dirty="0" smtClean="0">
+                  <a:solidFill>
+                    <a:srgbClr val="0070C0"/>
+                  </a:solidFill>
+                </a:rPr>
+                <a:t>f</a:t>
+              </a:r>
+              <a:endParaRPr lang="en-US" sz="2400" i="1" dirty="0">
+                <a:solidFill>
+                  <a:srgbClr val="0070C0"/>
+                </a:solidFill>
+              </a:endParaRPr>
+            </a:p>
+          </p:txBody>
+        </p:sp>
+        <p:sp>
+          <p:nvSpPr>
+            <p:cNvPr id="45" name="Textfeld 44"/>
+            <p:cNvSpPr txBox="1"/>
+            <p:nvPr/>
+          </p:nvSpPr>
+          <p:spPr>
+            <a:xfrm>
+              <a:off x="1581258" y="3857628"/>
+              <a:ext cx="347536" cy="448647"/>
+            </a:xfrm>
+            <a:prstGeom prst="rect">
+              <a:avLst/>
+            </a:prstGeom>
+            <a:noFill/>
+          </p:spPr>
+          <p:txBody>
+            <a:bodyPr wrap="square" rtlCol="0">
+              <a:spAutoFit/>
+            </a:bodyPr>
+            <a:lstStyle/>
+            <a:p>
+              <a:r>
+                <a:rPr lang="en-US" sz="2400" b="1" dirty="0" smtClean="0">
+                  <a:solidFill>
+                    <a:srgbClr val="0070C0"/>
+                  </a:solidFill>
+                  <a:latin typeface="Cambria Math" pitchFamily="18" charset="0"/>
+                  <a:ea typeface="Cambria Math" pitchFamily="18" charset="0"/>
+                </a:rPr>
+                <a:t>○</a:t>
+              </a:r>
+              <a:endParaRPr lang="en-US" sz="2400" b="1" dirty="0"/>
+            </a:p>
+          </p:txBody>
+        </p:sp>
+        <p:sp>
+          <p:nvSpPr>
+            <p:cNvPr id="46" name="Textfeld 45"/>
+            <p:cNvSpPr txBox="1"/>
+            <p:nvPr/>
+          </p:nvSpPr>
+          <p:spPr>
+            <a:xfrm>
+              <a:off x="5429256" y="3857628"/>
+              <a:ext cx="347536" cy="448647"/>
+            </a:xfrm>
+            <a:prstGeom prst="rect">
+              <a:avLst/>
+            </a:prstGeom>
+            <a:noFill/>
+          </p:spPr>
+          <p:txBody>
+            <a:bodyPr wrap="square" rtlCol="0">
+              <a:spAutoFit/>
+            </a:bodyPr>
+            <a:lstStyle/>
+            <a:p>
+              <a:r>
+                <a:rPr lang="en-US" sz="2400" b="1" dirty="0" smtClean="0">
+                  <a:solidFill>
+                    <a:srgbClr val="0070C0"/>
+                  </a:solidFill>
+                  <a:latin typeface="Cambria Math" pitchFamily="18" charset="0"/>
+                  <a:ea typeface="Cambria Math" pitchFamily="18" charset="0"/>
+                </a:rPr>
+                <a:t>○</a:t>
+              </a:r>
+              <a:endParaRPr lang="en-US" sz="2400" b="1" dirty="0"/>
+            </a:p>
+          </p:txBody>
+        </p:sp>
+        <p:sp>
+          <p:nvSpPr>
+            <p:cNvPr id="47" name="Textfeld 46"/>
+            <p:cNvSpPr txBox="1"/>
+            <p:nvPr/>
+          </p:nvSpPr>
+          <p:spPr>
+            <a:xfrm>
+              <a:off x="3963812" y="3987233"/>
+              <a:ext cx="1251130" cy="584775"/>
+            </a:xfrm>
+            <a:prstGeom prst="rect">
+              <a:avLst/>
+            </a:prstGeom>
+            <a:noFill/>
+          </p:spPr>
+          <p:txBody>
+            <a:bodyPr wrap="square" rtlCol="0">
+              <a:spAutoFit/>
+            </a:bodyPr>
+            <a:lstStyle/>
+            <a:p>
+              <a:pPr algn="ctr"/>
+              <a:r>
+                <a:rPr lang="en-US" sz="1600" b="1" i="1" dirty="0" smtClean="0">
+                  <a:solidFill>
+                    <a:schemeClr val="accent1">
+                      <a:lumMod val="75000"/>
+                    </a:schemeClr>
+                  </a:solidFill>
+                  <a:latin typeface="Consolas" pitchFamily="49" charset="0"/>
+                  <a:cs typeface="Consolas" pitchFamily="49" charset="0"/>
+                </a:rPr>
+                <a:t>i</a:t>
+              </a:r>
+              <a:r>
+                <a:rPr lang="en-US" sz="1600" b="1" i="1" dirty="0" smtClean="0">
+                  <a:solidFill>
+                    <a:schemeClr val="accent1">
+                      <a:lumMod val="75000"/>
+                    </a:schemeClr>
+                  </a:solidFill>
+                  <a:latin typeface="Consolas" pitchFamily="49" charset="0"/>
+                  <a:cs typeface="Consolas" pitchFamily="49" charset="0"/>
+                </a:rPr>
+                <a:t>nterval map</a:t>
+              </a:r>
+              <a:r>
+                <a:rPr lang="en-US" sz="1600" b="1" i="1" baseline="30000" dirty="0" smtClean="0">
+                  <a:solidFill>
+                    <a:schemeClr val="accent1">
+                      <a:lumMod val="75000"/>
+                    </a:schemeClr>
+                  </a:solidFill>
+                  <a:latin typeface="Consolas" pitchFamily="49" charset="0"/>
+                  <a:cs typeface="Consolas" pitchFamily="49" charset="0"/>
+                </a:rPr>
+                <a:t>2</a:t>
+              </a:r>
+              <a:endParaRPr lang="en-US" sz="1600" b="1" i="1" baseline="30000" dirty="0">
+                <a:solidFill>
+                  <a:schemeClr val="accent1">
+                    <a:lumMod val="75000"/>
+                  </a:schemeClr>
+                </a:solidFill>
+                <a:latin typeface="Consolas" pitchFamily="49" charset="0"/>
+                <a:cs typeface="Consolas" pitchFamily="49" charset="0"/>
+              </a:endParaRPr>
+            </a:p>
+          </p:txBody>
+        </p:sp>
+        <p:sp>
+          <p:nvSpPr>
+            <p:cNvPr id="48" name="Textfeld 47"/>
+            <p:cNvSpPr txBox="1"/>
+            <p:nvPr/>
+          </p:nvSpPr>
+          <p:spPr>
+            <a:xfrm>
+              <a:off x="6000760" y="3987233"/>
+              <a:ext cx="1251130" cy="584775"/>
+            </a:xfrm>
+            <a:prstGeom prst="rect">
+              <a:avLst/>
+            </a:prstGeom>
+            <a:noFill/>
+          </p:spPr>
+          <p:txBody>
+            <a:bodyPr wrap="square" rtlCol="0">
+              <a:spAutoFit/>
+            </a:bodyPr>
+            <a:lstStyle/>
+            <a:p>
+              <a:pPr algn="ctr"/>
+              <a:r>
+                <a:rPr lang="en-US" sz="1600" b="1" i="1" dirty="0" smtClean="0">
+                  <a:solidFill>
+                    <a:schemeClr val="accent1">
+                      <a:lumMod val="75000"/>
+                    </a:schemeClr>
+                  </a:solidFill>
+                  <a:latin typeface="Consolas" pitchFamily="49" charset="0"/>
+                  <a:cs typeface="Consolas" pitchFamily="49" charset="0"/>
+                </a:rPr>
+                <a:t>i</a:t>
+              </a:r>
+              <a:r>
+                <a:rPr lang="en-US" sz="1600" b="1" i="1" dirty="0" smtClean="0">
+                  <a:solidFill>
+                    <a:schemeClr val="accent1">
+                      <a:lumMod val="75000"/>
+                    </a:schemeClr>
+                  </a:solidFill>
+                  <a:latin typeface="Consolas" pitchFamily="49" charset="0"/>
+                  <a:cs typeface="Consolas" pitchFamily="49" charset="0"/>
+                </a:rPr>
+                <a:t>nterval map</a:t>
+              </a:r>
+              <a:endParaRPr lang="en-US" sz="1600" b="1" i="1" baseline="30000" dirty="0">
+                <a:solidFill>
+                  <a:schemeClr val="accent1">
+                    <a:lumMod val="75000"/>
+                  </a:schemeClr>
+                </a:solidFill>
+                <a:latin typeface="Consolas" pitchFamily="49" charset="0"/>
+                <a:cs typeface="Consolas" pitchFamily="49" charset="0"/>
+              </a:endParaRPr>
+            </a:p>
+          </p:txBody>
+        </p:sp>
+        <p:sp>
+          <p:nvSpPr>
+            <p:cNvPr id="50" name="Textfeld 49"/>
+            <p:cNvSpPr txBox="1"/>
+            <p:nvPr/>
+          </p:nvSpPr>
+          <p:spPr>
+            <a:xfrm>
+              <a:off x="5966006" y="5357826"/>
+              <a:ext cx="1320638" cy="338554"/>
+            </a:xfrm>
+            <a:prstGeom prst="rect">
+              <a:avLst/>
+            </a:prstGeom>
+            <a:noFill/>
+          </p:spPr>
+          <p:txBody>
+            <a:bodyPr wrap="square" rtlCol="0">
+              <a:spAutoFit/>
+            </a:bodyPr>
+            <a:lstStyle/>
+            <a:p>
+              <a:pPr algn="ctr"/>
+              <a:r>
+                <a:rPr lang="en-US" sz="1600" b="1" i="1" dirty="0" err="1" smtClean="0">
+                  <a:solidFill>
+                    <a:schemeClr val="accent1">
+                      <a:lumMod val="75000"/>
+                    </a:schemeClr>
+                  </a:solidFill>
+                  <a:latin typeface="Consolas" pitchFamily="49" charset="0"/>
+                  <a:cs typeface="Consolas" pitchFamily="49" charset="0"/>
+                </a:rPr>
+                <a:t>i</a:t>
+              </a:r>
+              <a:r>
+                <a:rPr lang="en-US" sz="1600" b="1" i="1" dirty="0" err="1" smtClean="0">
+                  <a:solidFill>
+                    <a:schemeClr val="accent1">
+                      <a:lumMod val="75000"/>
+                    </a:schemeClr>
+                  </a:solidFill>
+                  <a:latin typeface="Consolas" pitchFamily="49" charset="0"/>
+                  <a:cs typeface="Consolas" pitchFamily="49" charset="0"/>
+                </a:rPr>
+                <a:t>tl</a:t>
+              </a:r>
+              <a:r>
+                <a:rPr lang="en-US" sz="1600" b="1" i="1" dirty="0" smtClean="0">
+                  <a:solidFill>
+                    <a:schemeClr val="accent1">
+                      <a:lumMod val="75000"/>
+                    </a:schemeClr>
+                  </a:solidFill>
+                  <a:latin typeface="Consolas" pitchFamily="49" charset="0"/>
+                  <a:cs typeface="Consolas" pitchFamily="49" charset="0"/>
+                </a:rPr>
+                <a:t>::map</a:t>
+              </a:r>
+              <a:endParaRPr lang="en-US" sz="1600" b="1" i="1" baseline="30000" dirty="0">
+                <a:solidFill>
+                  <a:schemeClr val="accent1">
+                    <a:lumMod val="75000"/>
+                  </a:schemeClr>
+                </a:solidFill>
+                <a:latin typeface="Consolas" pitchFamily="49" charset="0"/>
+                <a:cs typeface="Consolas" pitchFamily="49" charset="0"/>
+              </a:endParaRPr>
+            </a:p>
+          </p:txBody>
+        </p:sp>
+        <p:sp>
+          <p:nvSpPr>
+            <p:cNvPr id="92" name="Textfeld 91"/>
+            <p:cNvSpPr txBox="1"/>
+            <p:nvPr/>
+          </p:nvSpPr>
+          <p:spPr>
+            <a:xfrm>
+              <a:off x="357158" y="4071942"/>
+              <a:ext cx="857256" cy="461665"/>
+            </a:xfrm>
+            <a:prstGeom prst="rect">
+              <a:avLst/>
+            </a:prstGeom>
+            <a:noFill/>
+          </p:spPr>
+          <p:txBody>
+            <a:bodyPr wrap="square" rtlCol="0">
+              <a:spAutoFit/>
+            </a:bodyPr>
+            <a:lstStyle/>
+            <a:p>
+              <a:pPr algn="ctr"/>
+              <a:r>
+                <a:rPr lang="en-US" sz="2400" i="1" dirty="0" smtClean="0">
+                  <a:solidFill>
+                    <a:schemeClr val="accent1">
+                      <a:lumMod val="75000"/>
+                    </a:schemeClr>
+                  </a:solidFill>
+                </a:rPr>
+                <a:t>S</a:t>
+              </a:r>
+              <a:r>
+                <a:rPr lang="en-US" sz="2400" dirty="0" smtClean="0">
+                  <a:latin typeface="Cambria Math" pitchFamily="18" charset="0"/>
+                  <a:ea typeface="Cambria Math" pitchFamily="18" charset="0"/>
+                </a:rPr>
+                <a:t>×</a:t>
+              </a:r>
+              <a:r>
+                <a:rPr lang="en-US" sz="2400" i="1" dirty="0" smtClean="0">
+                  <a:solidFill>
+                    <a:schemeClr val="accent1">
+                      <a:lumMod val="75000"/>
+                    </a:schemeClr>
+                  </a:solidFill>
+                </a:rPr>
+                <a:t>S</a:t>
+              </a:r>
+              <a:endParaRPr lang="en-US" sz="2400" i="1" dirty="0">
+                <a:solidFill>
+                  <a:schemeClr val="accent1">
+                    <a:lumMod val="75000"/>
+                  </a:schemeClr>
+                </a:solidFill>
+              </a:endParaRPr>
+            </a:p>
+          </p:txBody>
+        </p:sp>
+        <p:sp>
+          <p:nvSpPr>
+            <p:cNvPr id="102" name="Textfeld 101"/>
+            <p:cNvSpPr txBox="1"/>
+            <p:nvPr/>
+          </p:nvSpPr>
+          <p:spPr>
+            <a:xfrm>
+              <a:off x="2285984" y="4071942"/>
+              <a:ext cx="500066" cy="461665"/>
+            </a:xfrm>
+            <a:prstGeom prst="rect">
+              <a:avLst/>
+            </a:prstGeom>
+            <a:noFill/>
+          </p:spPr>
+          <p:txBody>
+            <a:bodyPr wrap="square" rtlCol="0">
+              <a:spAutoFit/>
+            </a:bodyPr>
+            <a:lstStyle/>
+            <a:p>
+              <a:pPr algn="ctr"/>
+              <a:r>
+                <a:rPr lang="en-US" sz="2400" i="1" dirty="0" smtClean="0">
+                  <a:solidFill>
+                    <a:schemeClr val="accent1">
+                      <a:lumMod val="75000"/>
+                    </a:schemeClr>
+                  </a:solidFill>
+                </a:rPr>
+                <a:t>S</a:t>
+              </a:r>
+              <a:endParaRPr lang="en-US" sz="2400" i="1" dirty="0">
+                <a:solidFill>
+                  <a:schemeClr val="accent1">
+                    <a:lumMod val="75000"/>
+                  </a:schemeClr>
+                </a:solidFill>
+              </a:endParaRPr>
+            </a:p>
+          </p:txBody>
+        </p:sp>
+        <p:cxnSp>
+          <p:nvCxnSpPr>
+            <p:cNvPr id="109" name="Gerade Verbindung mit Pfeil 108"/>
+            <p:cNvCxnSpPr>
+              <a:stCxn id="92" idx="3"/>
+              <a:endCxn id="102" idx="1"/>
+            </p:cNvCxnSpPr>
+            <p:nvPr/>
+          </p:nvCxnSpPr>
+          <p:spPr>
+            <a:xfrm>
+              <a:off x="1214414" y="4302775"/>
+              <a:ext cx="1071570" cy="1588"/>
+            </a:xfrm>
+            <a:prstGeom prst="straightConnector1">
+              <a:avLst/>
+            </a:prstGeom>
+            <a:ln>
+              <a:tailEnd type="arrow"/>
+            </a:ln>
+          </p:spPr>
+          <p:style>
+            <a:lnRef idx="1">
+              <a:schemeClr val="accent1"/>
+            </a:lnRef>
+            <a:fillRef idx="0">
+              <a:schemeClr val="accent1"/>
+            </a:fillRef>
+            <a:effectRef idx="0">
+              <a:schemeClr val="accent1"/>
+            </a:effectRef>
+            <a:fontRef idx="minor">
+              <a:schemeClr val="tx1"/>
+            </a:fontRef>
+          </p:style>
+        </p:cxnSp>
+        <p:cxnSp>
+          <p:nvCxnSpPr>
+            <p:cNvPr id="115" name="Gerade Verbindung mit Pfeil 114"/>
+            <p:cNvCxnSpPr>
+              <a:stCxn id="102" idx="2"/>
+              <a:endCxn id="42" idx="0"/>
+            </p:cNvCxnSpPr>
+            <p:nvPr/>
+          </p:nvCxnSpPr>
+          <p:spPr>
+            <a:xfrm rot="5400000">
+              <a:off x="2140426" y="4929198"/>
+              <a:ext cx="791182" cy="1588"/>
+            </a:xfrm>
+            <a:prstGeom prst="straightConnector1">
+              <a:avLst/>
+            </a:prstGeom>
+            <a:ln>
+              <a:tailEnd type="arrow"/>
+            </a:ln>
+          </p:spPr>
+          <p:style>
+            <a:lnRef idx="1">
+              <a:schemeClr val="accent1"/>
+            </a:lnRef>
+            <a:fillRef idx="0">
+              <a:schemeClr val="accent1"/>
+            </a:fillRef>
+            <a:effectRef idx="0">
+              <a:schemeClr val="accent1"/>
+            </a:effectRef>
+            <a:fontRef idx="minor">
+              <a:schemeClr val="tx1"/>
+            </a:fontRef>
+          </p:style>
+        </p:cxnSp>
+        <p:cxnSp>
+          <p:nvCxnSpPr>
+            <p:cNvPr id="119" name="Gerade Verbindung mit Pfeil 118"/>
+            <p:cNvCxnSpPr>
+              <a:stCxn id="47" idx="3"/>
+              <a:endCxn id="48" idx="1"/>
+            </p:cNvCxnSpPr>
+            <p:nvPr/>
+          </p:nvCxnSpPr>
+          <p:spPr>
+            <a:xfrm>
+              <a:off x="5214942" y="4279621"/>
+              <a:ext cx="785818" cy="1588"/>
+            </a:xfrm>
+            <a:prstGeom prst="straightConnector1">
+              <a:avLst/>
+            </a:prstGeom>
+            <a:ln>
+              <a:tailEnd type="arrow"/>
+            </a:ln>
+          </p:spPr>
+          <p:style>
+            <a:lnRef idx="1">
+              <a:schemeClr val="accent1"/>
+            </a:lnRef>
+            <a:fillRef idx="0">
+              <a:schemeClr val="accent1"/>
+            </a:fillRef>
+            <a:effectRef idx="0">
+              <a:schemeClr val="accent1"/>
+            </a:effectRef>
+            <a:fontRef idx="minor">
+              <a:schemeClr val="tx1"/>
+            </a:fontRef>
+          </p:style>
+        </p:cxnSp>
+        <p:cxnSp>
+          <p:nvCxnSpPr>
+            <p:cNvPr id="127" name="Gerade Verbindung mit Pfeil 126"/>
+            <p:cNvCxnSpPr>
+              <a:stCxn id="48" idx="2"/>
+              <a:endCxn id="50" idx="0"/>
+            </p:cNvCxnSpPr>
+            <p:nvPr/>
+          </p:nvCxnSpPr>
+          <p:spPr>
+            <a:xfrm rot="5400000">
+              <a:off x="6233416" y="4964917"/>
+              <a:ext cx="785818" cy="1588"/>
+            </a:xfrm>
+            <a:prstGeom prst="straightConnector1">
+              <a:avLst/>
+            </a:prstGeom>
+            <a:ln>
+              <a:tailEnd type="arrow"/>
+            </a:ln>
+          </p:spPr>
+          <p:style>
+            <a:lnRef idx="1">
+              <a:schemeClr val="accent1"/>
+            </a:lnRef>
+            <a:fillRef idx="0">
+              <a:schemeClr val="accent1"/>
+            </a:fillRef>
+            <a:effectRef idx="0">
+              <a:schemeClr val="accent1"/>
+            </a:effectRef>
+            <a:fontRef idx="minor">
+              <a:schemeClr val="tx1"/>
+            </a:fontRef>
+          </p:style>
+        </p:cxnSp>
+      </p:grpSp>
+      <p:grpSp>
+        <p:nvGrpSpPr>
+          <p:cNvPr id="130" name="Gruppieren 129"/>
+          <p:cNvGrpSpPr/>
+          <p:nvPr/>
+        </p:nvGrpSpPr>
+        <p:grpSpPr>
+          <a:xfrm>
+            <a:off x="7429520" y="4714884"/>
+            <a:ext cx="1357322" cy="500066"/>
+            <a:chOff x="7429520" y="4714884"/>
+            <a:chExt cx="1357322" cy="500066"/>
+          </a:xfrm>
+        </p:grpSpPr>
+        <p:sp>
+          <p:nvSpPr>
+            <p:cNvPr id="81" name="Pfeil nach unten 80"/>
+            <p:cNvSpPr/>
+            <p:nvPr/>
+          </p:nvSpPr>
+          <p:spPr bwMode="auto">
+            <a:xfrm>
+              <a:off x="7858148" y="4714884"/>
+              <a:ext cx="357190" cy="500066"/>
+            </a:xfrm>
+            <a:prstGeom prst="downArrow">
+              <a:avLst/>
+            </a:prstGeom>
+            <a:solidFill>
+              <a:schemeClr val="accent3"/>
+            </a:solidFill>
+            <a:ln w="9525" cap="flat" cmpd="sng" algn="ctr">
+              <a:noFill/>
+              <a:prstDash val="solid"/>
+              <a:miter lim="800000"/>
+              <a:headEnd type="none" w="med" len="med"/>
+              <a:tailEnd type="none" w="med" len="med"/>
+            </a:ln>
+            <a:effectLst/>
+          </p:spPr>
+          <p:txBody>
+            <a:bodyPr vert="horz" wrap="none" lIns="91440" tIns="45720" rIns="91440" bIns="45720" rtlCol="0" anchor="ctr" compatLnSpc="1"/>
+            <a:lstStyle/>
+            <a:p>
+              <a:pPr algn="ctr"/>
+              <a:endParaRPr kumimoji="0" lang="en-US"/>
+            </a:p>
+          </p:txBody>
+        </p:sp>
+        <p:sp>
+          <p:nvSpPr>
+            <p:cNvPr id="129" name="Textfeld 128"/>
+            <p:cNvSpPr txBox="1"/>
+            <p:nvPr/>
+          </p:nvSpPr>
+          <p:spPr>
+            <a:xfrm>
+              <a:off x="7429520" y="4786322"/>
+              <a:ext cx="1357322" cy="369332"/>
+            </a:xfrm>
+            <a:prstGeom prst="rect">
+              <a:avLst/>
+            </a:prstGeom>
+            <a:noFill/>
+          </p:spPr>
+          <p:txBody>
+            <a:bodyPr wrap="square" rtlCol="0">
+              <a:spAutoFit/>
+            </a:bodyPr>
+            <a:lstStyle/>
+            <a:p>
+              <a:pPr algn="ctr"/>
+              <a:r>
+                <a:rPr lang="en-US" i="1" dirty="0" smtClean="0">
+                  <a:solidFill>
+                    <a:srgbClr val="0070C0"/>
+                  </a:solidFill>
+                  <a:cs typeface="Consolas" pitchFamily="49" charset="0"/>
+                </a:rPr>
+                <a:t>f</a:t>
+              </a:r>
+              <a:r>
+                <a:rPr lang="en-US" sz="1600" i="1" dirty="0" smtClean="0">
+                  <a:latin typeface="Consolas" pitchFamily="49" charset="0"/>
+                  <a:cs typeface="Consolas" pitchFamily="49" charset="0"/>
+                </a:rPr>
+                <a:t>=atomize</a:t>
+              </a:r>
+              <a:endParaRPr lang="en-US" sz="1600" i="1" dirty="0">
+                <a:latin typeface="Consolas" pitchFamily="49" charset="0"/>
+                <a:cs typeface="Consolas" pitchFamily="49" charset="0"/>
+              </a:endParaRPr>
+            </a:p>
+          </p:txBody>
+        </p:sp>
+      </p:grpSp>
     </p:spTree>
   </p:cSld>
   <p:clrMapOvr>
@@ -38106,9 +40248,645 @@
   <p:timing>
     <p:tnLst>
       <p:par>
-        <p:cTn id="1" dur="indefinite" restart="never" nodeType="tmRoot"/>
+        <p:cTn id="1" dur="indefinite" restart="never" nodeType="tmRoot">
+          <p:childTnLst>
+            <p:seq concurrent="1" nextAc="seek">
+              <p:cTn id="2" dur="indefinite" nodeType="mainSeq">
+                <p:childTnLst>
+                  <p:par>
+                    <p:cTn id="3" fill="hold">
+                      <p:stCondLst>
+                        <p:cond delay="indefinite"/>
+                      </p:stCondLst>
+                      <p:childTnLst>
+                        <p:par>
+                          <p:cTn id="4" fill="hold">
+                            <p:stCondLst>
+                              <p:cond delay="0"/>
+                            </p:stCondLst>
+                            <p:childTnLst>
+                              <p:par>
+                                <p:cTn id="5" presetID="4" presetClass="entr" presetSubtype="16" fill="hold" grpId="0" nodeType="clickEffect">
+                                  <p:stCondLst>
+                                    <p:cond delay="0"/>
+                                  </p:stCondLst>
+                                  <p:childTnLst>
+                                    <p:set>
+                                      <p:cBhvr>
+                                        <p:cTn id="6" dur="1" fill="hold">
+                                          <p:stCondLst>
+                                            <p:cond delay="0"/>
+                                          </p:stCondLst>
+                                        </p:cTn>
+                                        <p:tgtEl>
+                                          <p:spTgt spid="3">
+                                            <p:txEl>
+                                              <p:pRg st="0" end="0"/>
+                                            </p:txEl>
+                                          </p:spTgt>
+                                        </p:tgtEl>
+                                        <p:attrNameLst>
+                                          <p:attrName>style.visibility</p:attrName>
+                                        </p:attrNameLst>
+                                      </p:cBhvr>
+                                      <p:to>
+                                        <p:strVal val="visible"/>
+                                      </p:to>
+                                    </p:set>
+                                    <p:animEffect transition="in" filter="box(in)">
+                                      <p:cBhvr>
+                                        <p:cTn id="7" dur="500"/>
+                                        <p:tgtEl>
+                                          <p:spTgt spid="3">
+                                            <p:txEl>
+                                              <p:pRg st="0" end="0"/>
+                                            </p:txEl>
+                                          </p:spTgt>
+                                        </p:tgtEl>
+                                      </p:cBhvr>
+                                    </p:animEffect>
+                                  </p:childTnLst>
+                                </p:cTn>
+                              </p:par>
+                            </p:childTnLst>
+                          </p:cTn>
+                        </p:par>
+                      </p:childTnLst>
+                    </p:cTn>
+                  </p:par>
+                  <p:par>
+                    <p:cTn id="8" fill="hold">
+                      <p:stCondLst>
+                        <p:cond delay="indefinite"/>
+                      </p:stCondLst>
+                      <p:childTnLst>
+                        <p:par>
+                          <p:cTn id="9" fill="hold">
+                            <p:stCondLst>
+                              <p:cond delay="0"/>
+                            </p:stCondLst>
+                            <p:childTnLst>
+                              <p:par>
+                                <p:cTn id="10" presetID="4" presetClass="entr" presetSubtype="16" fill="hold" grpId="0" nodeType="clickEffect">
+                                  <p:stCondLst>
+                                    <p:cond delay="0"/>
+                                  </p:stCondLst>
+                                  <p:childTnLst>
+                                    <p:set>
+                                      <p:cBhvr>
+                                        <p:cTn id="11" dur="1" fill="hold">
+                                          <p:stCondLst>
+                                            <p:cond delay="0"/>
+                                          </p:stCondLst>
+                                        </p:cTn>
+                                        <p:tgtEl>
+                                          <p:spTgt spid="3">
+                                            <p:txEl>
+                                              <p:pRg st="1" end="1"/>
+                                            </p:txEl>
+                                          </p:spTgt>
+                                        </p:tgtEl>
+                                        <p:attrNameLst>
+                                          <p:attrName>style.visibility</p:attrName>
+                                        </p:attrNameLst>
+                                      </p:cBhvr>
+                                      <p:to>
+                                        <p:strVal val="visible"/>
+                                      </p:to>
+                                    </p:set>
+                                    <p:animEffect transition="in" filter="box(in)">
+                                      <p:cBhvr>
+                                        <p:cTn id="12" dur="500"/>
+                                        <p:tgtEl>
+                                          <p:spTgt spid="3">
+                                            <p:txEl>
+                                              <p:pRg st="1" end="1"/>
+                                            </p:txEl>
+                                          </p:spTgt>
+                                        </p:tgtEl>
+                                      </p:cBhvr>
+                                    </p:animEffect>
+                                  </p:childTnLst>
+                                </p:cTn>
+                              </p:par>
+                            </p:childTnLst>
+                          </p:cTn>
+                        </p:par>
+                      </p:childTnLst>
+                    </p:cTn>
+                  </p:par>
+                  <p:par>
+                    <p:cTn id="13" fill="hold">
+                      <p:stCondLst>
+                        <p:cond delay="indefinite"/>
+                      </p:stCondLst>
+                      <p:childTnLst>
+                        <p:par>
+                          <p:cTn id="14" fill="hold">
+                            <p:stCondLst>
+                              <p:cond delay="0"/>
+                            </p:stCondLst>
+                            <p:childTnLst>
+                              <p:par>
+                                <p:cTn id="15" presetID="4" presetClass="entr" presetSubtype="16" fill="hold" grpId="0" nodeType="clickEffect">
+                                  <p:stCondLst>
+                                    <p:cond delay="0"/>
+                                  </p:stCondLst>
+                                  <p:childTnLst>
+                                    <p:set>
+                                      <p:cBhvr>
+                                        <p:cTn id="16" dur="1" fill="hold">
+                                          <p:stCondLst>
+                                            <p:cond delay="0"/>
+                                          </p:stCondLst>
+                                        </p:cTn>
+                                        <p:tgtEl>
+                                          <p:spTgt spid="3">
+                                            <p:txEl>
+                                              <p:pRg st="2" end="2"/>
+                                            </p:txEl>
+                                          </p:spTgt>
+                                        </p:tgtEl>
+                                        <p:attrNameLst>
+                                          <p:attrName>style.visibility</p:attrName>
+                                        </p:attrNameLst>
+                                      </p:cBhvr>
+                                      <p:to>
+                                        <p:strVal val="visible"/>
+                                      </p:to>
+                                    </p:set>
+                                    <p:animEffect transition="in" filter="box(in)">
+                                      <p:cBhvr>
+                                        <p:cTn id="17" dur="500"/>
+                                        <p:tgtEl>
+                                          <p:spTgt spid="3">
+                                            <p:txEl>
+                                              <p:pRg st="2" end="2"/>
+                                            </p:txEl>
+                                          </p:spTgt>
+                                        </p:tgtEl>
+                                      </p:cBhvr>
+                                    </p:animEffect>
+                                  </p:childTnLst>
+                                </p:cTn>
+                              </p:par>
+                            </p:childTnLst>
+                          </p:cTn>
+                        </p:par>
+                      </p:childTnLst>
+                    </p:cTn>
+                  </p:par>
+                  <p:par>
+                    <p:cTn id="18" fill="hold">
+                      <p:stCondLst>
+                        <p:cond delay="indefinite"/>
+                      </p:stCondLst>
+                      <p:childTnLst>
+                        <p:par>
+                          <p:cTn id="19" fill="hold">
+                            <p:stCondLst>
+                              <p:cond delay="0"/>
+                            </p:stCondLst>
+                            <p:childTnLst>
+                              <p:par>
+                                <p:cTn id="20" presetID="4" presetClass="entr" presetSubtype="16" fill="hold" nodeType="clickEffect">
+                                  <p:stCondLst>
+                                    <p:cond delay="0"/>
+                                  </p:stCondLst>
+                                  <p:childTnLst>
+                                    <p:set>
+                                      <p:cBhvr>
+                                        <p:cTn id="21" dur="1" fill="hold">
+                                          <p:stCondLst>
+                                            <p:cond delay="0"/>
+                                          </p:stCondLst>
+                                        </p:cTn>
+                                        <p:tgtEl>
+                                          <p:spTgt spid="71"/>
+                                        </p:tgtEl>
+                                        <p:attrNameLst>
+                                          <p:attrName>style.visibility</p:attrName>
+                                        </p:attrNameLst>
+                                      </p:cBhvr>
+                                      <p:to>
+                                        <p:strVal val="visible"/>
+                                      </p:to>
+                                    </p:set>
+                                    <p:animEffect transition="in" filter="box(in)">
+                                      <p:cBhvr>
+                                        <p:cTn id="22" dur="500"/>
+                                        <p:tgtEl>
+                                          <p:spTgt spid="71"/>
+                                        </p:tgtEl>
+                                      </p:cBhvr>
+                                    </p:animEffect>
+                                  </p:childTnLst>
+                                </p:cTn>
+                              </p:par>
+                            </p:childTnLst>
+                          </p:cTn>
+                        </p:par>
+                      </p:childTnLst>
+                    </p:cTn>
+                  </p:par>
+                  <p:par>
+                    <p:cTn id="23" fill="hold">
+                      <p:stCondLst>
+                        <p:cond delay="indefinite"/>
+                      </p:stCondLst>
+                      <p:childTnLst>
+                        <p:par>
+                          <p:cTn id="24" fill="hold">
+                            <p:stCondLst>
+                              <p:cond delay="0"/>
+                            </p:stCondLst>
+                            <p:childTnLst>
+                              <p:par>
+                                <p:cTn id="25" presetID="4" presetClass="entr" presetSubtype="16" fill="hold" grpId="0" nodeType="clickEffect">
+                                  <p:stCondLst>
+                                    <p:cond delay="0"/>
+                                  </p:stCondLst>
+                                  <p:childTnLst>
+                                    <p:set>
+                                      <p:cBhvr>
+                                        <p:cTn id="26" dur="1" fill="hold">
+                                          <p:stCondLst>
+                                            <p:cond delay="0"/>
+                                          </p:stCondLst>
+                                        </p:cTn>
+                                        <p:tgtEl>
+                                          <p:spTgt spid="75"/>
+                                        </p:tgtEl>
+                                        <p:attrNameLst>
+                                          <p:attrName>style.visibility</p:attrName>
+                                        </p:attrNameLst>
+                                      </p:cBhvr>
+                                      <p:to>
+                                        <p:strVal val="visible"/>
+                                      </p:to>
+                                    </p:set>
+                                    <p:animEffect transition="in" filter="box(in)">
+                                      <p:cBhvr>
+                                        <p:cTn id="27" dur="500"/>
+                                        <p:tgtEl>
+                                          <p:spTgt spid="75"/>
+                                        </p:tgtEl>
+                                      </p:cBhvr>
+                                    </p:animEffect>
+                                  </p:childTnLst>
+                                </p:cTn>
+                              </p:par>
+                            </p:childTnLst>
+                          </p:cTn>
+                        </p:par>
+                      </p:childTnLst>
+                    </p:cTn>
+                  </p:par>
+                  <p:par>
+                    <p:cTn id="28" fill="hold">
+                      <p:stCondLst>
+                        <p:cond delay="indefinite"/>
+                      </p:stCondLst>
+                      <p:childTnLst>
+                        <p:par>
+                          <p:cTn id="29" fill="hold">
+                            <p:stCondLst>
+                              <p:cond delay="0"/>
+                            </p:stCondLst>
+                            <p:childTnLst>
+                              <p:par>
+                                <p:cTn id="30" presetID="4" presetClass="entr" presetSubtype="16" fill="hold" nodeType="clickEffect">
+                                  <p:stCondLst>
+                                    <p:cond delay="0"/>
+                                  </p:stCondLst>
+                                  <p:childTnLst>
+                                    <p:set>
+                                      <p:cBhvr>
+                                        <p:cTn id="31" dur="1" fill="hold">
+                                          <p:stCondLst>
+                                            <p:cond delay="0"/>
+                                          </p:stCondLst>
+                                        </p:cTn>
+                                        <p:tgtEl>
+                                          <p:spTgt spid="128"/>
+                                        </p:tgtEl>
+                                        <p:attrNameLst>
+                                          <p:attrName>style.visibility</p:attrName>
+                                        </p:attrNameLst>
+                                      </p:cBhvr>
+                                      <p:to>
+                                        <p:strVal val="visible"/>
+                                      </p:to>
+                                    </p:set>
+                                    <p:animEffect transition="in" filter="box(in)">
+                                      <p:cBhvr>
+                                        <p:cTn id="32" dur="500"/>
+                                        <p:tgtEl>
+                                          <p:spTgt spid="128"/>
+                                        </p:tgtEl>
+                                      </p:cBhvr>
+                                    </p:animEffect>
+                                  </p:childTnLst>
+                                </p:cTn>
+                              </p:par>
+                            </p:childTnLst>
+                          </p:cTn>
+                        </p:par>
+                      </p:childTnLst>
+                    </p:cTn>
+                  </p:par>
+                  <p:par>
+                    <p:cTn id="33" fill="hold">
+                      <p:stCondLst>
+                        <p:cond delay="indefinite"/>
+                      </p:stCondLst>
+                      <p:childTnLst>
+                        <p:par>
+                          <p:cTn id="34" fill="hold">
+                            <p:stCondLst>
+                              <p:cond delay="0"/>
+                            </p:stCondLst>
+                            <p:childTnLst>
+                              <p:par>
+                                <p:cTn id="35" presetID="4" presetClass="entr" presetSubtype="16" fill="hold" grpId="0" nodeType="clickEffect">
+                                  <p:stCondLst>
+                                    <p:cond delay="0"/>
+                                  </p:stCondLst>
+                                  <p:childTnLst>
+                                    <p:set>
+                                      <p:cBhvr>
+                                        <p:cTn id="36" dur="1" fill="hold">
+                                          <p:stCondLst>
+                                            <p:cond delay="0"/>
+                                          </p:stCondLst>
+                                        </p:cTn>
+                                        <p:tgtEl>
+                                          <p:spTgt spid="79"/>
+                                        </p:tgtEl>
+                                        <p:attrNameLst>
+                                          <p:attrName>style.visibility</p:attrName>
+                                        </p:attrNameLst>
+                                      </p:cBhvr>
+                                      <p:to>
+                                        <p:strVal val="visible"/>
+                                      </p:to>
+                                    </p:set>
+                                    <p:animEffect transition="in" filter="box(in)">
+                                      <p:cBhvr>
+                                        <p:cTn id="37" dur="500"/>
+                                        <p:tgtEl>
+                                          <p:spTgt spid="79"/>
+                                        </p:tgtEl>
+                                      </p:cBhvr>
+                                    </p:animEffect>
+                                  </p:childTnLst>
+                                </p:cTn>
+                              </p:par>
+                            </p:childTnLst>
+                          </p:cTn>
+                        </p:par>
+                      </p:childTnLst>
+                    </p:cTn>
+                  </p:par>
+                  <p:par>
+                    <p:cTn id="38" fill="hold">
+                      <p:stCondLst>
+                        <p:cond delay="indefinite"/>
+                      </p:stCondLst>
+                      <p:childTnLst>
+                        <p:par>
+                          <p:cTn id="39" fill="hold">
+                            <p:stCondLst>
+                              <p:cond delay="0"/>
+                            </p:stCondLst>
+                            <p:childTnLst>
+                              <p:par>
+                                <p:cTn id="40" presetID="4" presetClass="entr" presetSubtype="16" fill="hold" grpId="0" nodeType="clickEffect">
+                                  <p:stCondLst>
+                                    <p:cond delay="0"/>
+                                  </p:stCondLst>
+                                  <p:childTnLst>
+                                    <p:set>
+                                      <p:cBhvr>
+                                        <p:cTn id="41" dur="1" fill="hold">
+                                          <p:stCondLst>
+                                            <p:cond delay="0"/>
+                                          </p:stCondLst>
+                                        </p:cTn>
+                                        <p:tgtEl>
+                                          <p:spTgt spid="80"/>
+                                        </p:tgtEl>
+                                        <p:attrNameLst>
+                                          <p:attrName>style.visibility</p:attrName>
+                                        </p:attrNameLst>
+                                      </p:cBhvr>
+                                      <p:to>
+                                        <p:strVal val="visible"/>
+                                      </p:to>
+                                    </p:set>
+                                    <p:animEffect transition="in" filter="box(in)">
+                                      <p:cBhvr>
+                                        <p:cTn id="42" dur="500"/>
+                                        <p:tgtEl>
+                                          <p:spTgt spid="80"/>
+                                        </p:tgtEl>
+                                      </p:cBhvr>
+                                    </p:animEffect>
+                                  </p:childTnLst>
+                                </p:cTn>
+                              </p:par>
+                            </p:childTnLst>
+                          </p:cTn>
+                        </p:par>
+                      </p:childTnLst>
+                    </p:cTn>
+                  </p:par>
+                  <p:par>
+                    <p:cTn id="43" fill="hold">
+                      <p:stCondLst>
+                        <p:cond delay="indefinite"/>
+                      </p:stCondLst>
+                      <p:childTnLst>
+                        <p:par>
+                          <p:cTn id="44" fill="hold">
+                            <p:stCondLst>
+                              <p:cond delay="0"/>
+                            </p:stCondLst>
+                            <p:childTnLst>
+                              <p:par>
+                                <p:cTn id="45" presetID="4" presetClass="entr" presetSubtype="16" fill="hold" nodeType="clickEffect">
+                                  <p:stCondLst>
+                                    <p:cond delay="0"/>
+                                  </p:stCondLst>
+                                  <p:childTnLst>
+                                    <p:set>
+                                      <p:cBhvr>
+                                        <p:cTn id="46" dur="1" fill="hold">
+                                          <p:stCondLst>
+                                            <p:cond delay="0"/>
+                                          </p:stCondLst>
+                                        </p:cTn>
+                                        <p:tgtEl>
+                                          <p:spTgt spid="130"/>
+                                        </p:tgtEl>
+                                        <p:attrNameLst>
+                                          <p:attrName>style.visibility</p:attrName>
+                                        </p:attrNameLst>
+                                      </p:cBhvr>
+                                      <p:to>
+                                        <p:strVal val="visible"/>
+                                      </p:to>
+                                    </p:set>
+                                    <p:animEffect transition="in" filter="box(in)">
+                                      <p:cBhvr>
+                                        <p:cTn id="47" dur="500"/>
+                                        <p:tgtEl>
+                                          <p:spTgt spid="130"/>
+                                        </p:tgtEl>
+                                      </p:cBhvr>
+                                    </p:animEffect>
+                                  </p:childTnLst>
+                                </p:cTn>
+                              </p:par>
+                            </p:childTnLst>
+                          </p:cTn>
+                        </p:par>
+                      </p:childTnLst>
+                    </p:cTn>
+                  </p:par>
+                  <p:par>
+                    <p:cTn id="48" fill="hold">
+                      <p:stCondLst>
+                        <p:cond delay="indefinite"/>
+                      </p:stCondLst>
+                      <p:childTnLst>
+                        <p:par>
+                          <p:cTn id="49" fill="hold">
+                            <p:stCondLst>
+                              <p:cond delay="0"/>
+                            </p:stCondLst>
+                            <p:childTnLst>
+                              <p:par>
+                                <p:cTn id="50" presetID="4" presetClass="entr" presetSubtype="32" fill="hold" nodeType="clickEffect">
+                                  <p:stCondLst>
+                                    <p:cond delay="0"/>
+                                  </p:stCondLst>
+                                  <p:childTnLst>
+                                    <p:set>
+                                      <p:cBhvr>
+                                        <p:cTn id="51" dur="1" fill="hold">
+                                          <p:stCondLst>
+                                            <p:cond delay="0"/>
+                                          </p:stCondLst>
+                                        </p:cTn>
+                                        <p:tgtEl>
+                                          <p:spTgt spid="131"/>
+                                        </p:tgtEl>
+                                        <p:attrNameLst>
+                                          <p:attrName>style.visibility</p:attrName>
+                                        </p:attrNameLst>
+                                      </p:cBhvr>
+                                      <p:to>
+                                        <p:strVal val="visible"/>
+                                      </p:to>
+                                    </p:set>
+                                    <p:animEffect transition="in" filter="box(out)">
+                                      <p:cBhvr>
+                                        <p:cTn id="52" dur="3000"/>
+                                        <p:tgtEl>
+                                          <p:spTgt spid="131"/>
+                                        </p:tgtEl>
+                                      </p:cBhvr>
+                                    </p:animEffect>
+                                  </p:childTnLst>
+                                </p:cTn>
+                              </p:par>
+                            </p:childTnLst>
+                          </p:cTn>
+                        </p:par>
+                      </p:childTnLst>
+                    </p:cTn>
+                  </p:par>
+                  <p:par>
+                    <p:cTn id="53" fill="hold">
+                      <p:stCondLst>
+                        <p:cond delay="indefinite"/>
+                      </p:stCondLst>
+                      <p:childTnLst>
+                        <p:par>
+                          <p:cTn id="54" fill="hold">
+                            <p:stCondLst>
+                              <p:cond delay="0"/>
+                            </p:stCondLst>
+                            <p:childTnLst>
+                              <p:par>
+                                <p:cTn id="55" presetID="4" presetClass="entr" presetSubtype="32" fill="hold" nodeType="clickEffect">
+                                  <p:stCondLst>
+                                    <p:cond delay="0"/>
+                                  </p:stCondLst>
+                                  <p:childTnLst>
+                                    <p:set>
+                                      <p:cBhvr>
+                                        <p:cTn id="56" dur="1" fill="hold">
+                                          <p:stCondLst>
+                                            <p:cond delay="0"/>
+                                          </p:stCondLst>
+                                        </p:cTn>
+                                        <p:tgtEl>
+                                          <p:spTgt spid="132"/>
+                                        </p:tgtEl>
+                                        <p:attrNameLst>
+                                          <p:attrName>style.visibility</p:attrName>
+                                        </p:attrNameLst>
+                                      </p:cBhvr>
+                                      <p:to>
+                                        <p:strVal val="visible"/>
+                                      </p:to>
+                                    </p:set>
+                                    <p:animEffect transition="in" filter="box(out)">
+                                      <p:cBhvr>
+                                        <p:cTn id="57" dur="3000"/>
+                                        <p:tgtEl>
+                                          <p:spTgt spid="132"/>
+                                        </p:tgtEl>
+                                      </p:cBhvr>
+                                    </p:animEffect>
+                                  </p:childTnLst>
+                                </p:cTn>
+                              </p:par>
+                            </p:childTnLst>
+                          </p:cTn>
+                        </p:par>
+                      </p:childTnLst>
+                    </p:cTn>
+                  </p:par>
+                </p:childTnLst>
+              </p:cTn>
+              <p:prevCondLst>
+                <p:cond evt="onPrev" delay="0">
+                  <p:tgtEl>
+                    <p:sldTgt/>
+                  </p:tgtEl>
+                </p:cond>
+              </p:prevCondLst>
+              <p:nextCondLst>
+                <p:cond evt="onNext" delay="0">
+                  <p:tgtEl>
+                    <p:sldTgt/>
+                  </p:tgtEl>
+                </p:cond>
+              </p:nextCondLst>
+            </p:seq>
+          </p:childTnLst>
+        </p:cTn>
       </p:par>
     </p:tnLst>
+    <p:bldLst>
+      <p:bldP spid="3" grpId="0" build="p"/>
+      <p:bldP spid="75" grpId="0"/>
+      <p:bldP spid="79" grpId="0"/>
+      <p:bldP spid="80" grpId="0"/>
+    </p:bldLst>
   </p:timing>
 </p:sld>
 </file>
@@ -38356,9 +41134,340 @@
   <p:timing>
     <p:tnLst>
       <p:par>
-        <p:cTn id="1" dur="indefinite" restart="never" nodeType="tmRoot"/>
+        <p:cTn id="1" dur="indefinite" restart="never" nodeType="tmRoot">
+          <p:childTnLst>
+            <p:seq concurrent="1" nextAc="seek">
+              <p:cTn id="2" dur="indefinite" nodeType="mainSeq">
+                <p:childTnLst>
+                  <p:par>
+                    <p:cTn id="3" fill="hold">
+                      <p:stCondLst>
+                        <p:cond delay="indefinite"/>
+                      </p:stCondLst>
+                      <p:childTnLst>
+                        <p:par>
+                          <p:cTn id="4" fill="hold">
+                            <p:stCondLst>
+                              <p:cond delay="0"/>
+                            </p:stCondLst>
+                            <p:childTnLst>
+                              <p:par>
+                                <p:cTn id="5" presetID="4" presetClass="entr" presetSubtype="16" fill="hold" grpId="0" nodeType="clickEffect">
+                                  <p:stCondLst>
+                                    <p:cond delay="0"/>
+                                  </p:stCondLst>
+                                  <p:childTnLst>
+                                    <p:set>
+                                      <p:cBhvr>
+                                        <p:cTn id="6" dur="1" fill="hold">
+                                          <p:stCondLst>
+                                            <p:cond delay="0"/>
+                                          </p:stCondLst>
+                                        </p:cTn>
+                                        <p:tgtEl>
+                                          <p:spTgt spid="3">
+                                            <p:txEl>
+                                              <p:pRg st="0" end="0"/>
+                                            </p:txEl>
+                                          </p:spTgt>
+                                        </p:tgtEl>
+                                        <p:attrNameLst>
+                                          <p:attrName>style.visibility</p:attrName>
+                                        </p:attrNameLst>
+                                      </p:cBhvr>
+                                      <p:to>
+                                        <p:strVal val="visible"/>
+                                      </p:to>
+                                    </p:set>
+                                    <p:animEffect transition="in" filter="box(in)">
+                                      <p:cBhvr>
+                                        <p:cTn id="7" dur="500"/>
+                                        <p:tgtEl>
+                                          <p:spTgt spid="3">
+                                            <p:txEl>
+                                              <p:pRg st="0" end="0"/>
+                                            </p:txEl>
+                                          </p:spTgt>
+                                        </p:tgtEl>
+                                      </p:cBhvr>
+                                    </p:animEffect>
+                                  </p:childTnLst>
+                                </p:cTn>
+                              </p:par>
+                            </p:childTnLst>
+                          </p:cTn>
+                        </p:par>
+                      </p:childTnLst>
+                    </p:cTn>
+                  </p:par>
+                  <p:par>
+                    <p:cTn id="8" fill="hold">
+                      <p:stCondLst>
+                        <p:cond delay="indefinite"/>
+                      </p:stCondLst>
+                      <p:childTnLst>
+                        <p:par>
+                          <p:cTn id="9" fill="hold">
+                            <p:stCondLst>
+                              <p:cond delay="0"/>
+                            </p:stCondLst>
+                            <p:childTnLst>
+                              <p:par>
+                                <p:cTn id="10" presetID="4" presetClass="entr" presetSubtype="16" fill="hold" grpId="0" nodeType="clickEffect">
+                                  <p:stCondLst>
+                                    <p:cond delay="0"/>
+                                  </p:stCondLst>
+                                  <p:childTnLst>
+                                    <p:set>
+                                      <p:cBhvr>
+                                        <p:cTn id="11" dur="1" fill="hold">
+                                          <p:stCondLst>
+                                            <p:cond delay="0"/>
+                                          </p:stCondLst>
+                                        </p:cTn>
+                                        <p:tgtEl>
+                                          <p:spTgt spid="3">
+                                            <p:txEl>
+                                              <p:pRg st="1" end="1"/>
+                                            </p:txEl>
+                                          </p:spTgt>
+                                        </p:tgtEl>
+                                        <p:attrNameLst>
+                                          <p:attrName>style.visibility</p:attrName>
+                                        </p:attrNameLst>
+                                      </p:cBhvr>
+                                      <p:to>
+                                        <p:strVal val="visible"/>
+                                      </p:to>
+                                    </p:set>
+                                    <p:animEffect transition="in" filter="box(in)">
+                                      <p:cBhvr>
+                                        <p:cTn id="12" dur="500"/>
+                                        <p:tgtEl>
+                                          <p:spTgt spid="3">
+                                            <p:txEl>
+                                              <p:pRg st="1" end="1"/>
+                                            </p:txEl>
+                                          </p:spTgt>
+                                        </p:tgtEl>
+                                      </p:cBhvr>
+                                    </p:animEffect>
+                                  </p:childTnLst>
+                                </p:cTn>
+                              </p:par>
+                            </p:childTnLst>
+                          </p:cTn>
+                        </p:par>
+                      </p:childTnLst>
+                    </p:cTn>
+                  </p:par>
+                  <p:par>
+                    <p:cTn id="13" fill="hold">
+                      <p:stCondLst>
+                        <p:cond delay="indefinite"/>
+                      </p:stCondLst>
+                      <p:childTnLst>
+                        <p:par>
+                          <p:cTn id="14" fill="hold">
+                            <p:stCondLst>
+                              <p:cond delay="0"/>
+                            </p:stCondLst>
+                            <p:childTnLst>
+                              <p:par>
+                                <p:cTn id="15" presetID="4" presetClass="entr" presetSubtype="16" fill="hold" grpId="0" nodeType="clickEffect">
+                                  <p:stCondLst>
+                                    <p:cond delay="0"/>
+                                  </p:stCondLst>
+                                  <p:childTnLst>
+                                    <p:set>
+                                      <p:cBhvr>
+                                        <p:cTn id="16" dur="1" fill="hold">
+                                          <p:stCondLst>
+                                            <p:cond delay="0"/>
+                                          </p:stCondLst>
+                                        </p:cTn>
+                                        <p:tgtEl>
+                                          <p:spTgt spid="3">
+                                            <p:txEl>
+                                              <p:pRg st="2" end="2"/>
+                                            </p:txEl>
+                                          </p:spTgt>
+                                        </p:tgtEl>
+                                        <p:attrNameLst>
+                                          <p:attrName>style.visibility</p:attrName>
+                                        </p:attrNameLst>
+                                      </p:cBhvr>
+                                      <p:to>
+                                        <p:strVal val="visible"/>
+                                      </p:to>
+                                    </p:set>
+                                    <p:animEffect transition="in" filter="box(in)">
+                                      <p:cBhvr>
+                                        <p:cTn id="17" dur="500"/>
+                                        <p:tgtEl>
+                                          <p:spTgt spid="3">
+                                            <p:txEl>
+                                              <p:pRg st="2" end="2"/>
+                                            </p:txEl>
+                                          </p:spTgt>
+                                        </p:tgtEl>
+                                      </p:cBhvr>
+                                    </p:animEffect>
+                                  </p:childTnLst>
+                                </p:cTn>
+                              </p:par>
+                            </p:childTnLst>
+                          </p:cTn>
+                        </p:par>
+                      </p:childTnLst>
+                    </p:cTn>
+                  </p:par>
+                  <p:par>
+                    <p:cTn id="18" fill="hold">
+                      <p:stCondLst>
+                        <p:cond delay="indefinite"/>
+                      </p:stCondLst>
+                      <p:childTnLst>
+                        <p:par>
+                          <p:cTn id="19" fill="hold">
+                            <p:stCondLst>
+                              <p:cond delay="0"/>
+                            </p:stCondLst>
+                            <p:childTnLst>
+                              <p:par>
+                                <p:cTn id="20" presetID="4" presetClass="entr" presetSubtype="16" fill="hold" grpId="0" nodeType="clickEffect">
+                                  <p:stCondLst>
+                                    <p:cond delay="0"/>
+                                  </p:stCondLst>
+                                  <p:childTnLst>
+                                    <p:set>
+                                      <p:cBhvr>
+                                        <p:cTn id="21" dur="1" fill="hold">
+                                          <p:stCondLst>
+                                            <p:cond delay="0"/>
+                                          </p:stCondLst>
+                                        </p:cTn>
+                                        <p:tgtEl>
+                                          <p:spTgt spid="3">
+                                            <p:txEl>
+                                              <p:pRg st="3" end="3"/>
+                                            </p:txEl>
+                                          </p:spTgt>
+                                        </p:tgtEl>
+                                        <p:attrNameLst>
+                                          <p:attrName>style.visibility</p:attrName>
+                                        </p:attrNameLst>
+                                      </p:cBhvr>
+                                      <p:to>
+                                        <p:strVal val="visible"/>
+                                      </p:to>
+                                    </p:set>
+                                    <p:animEffect transition="in" filter="box(in)">
+                                      <p:cBhvr>
+                                        <p:cTn id="22" dur="500"/>
+                                        <p:tgtEl>
+                                          <p:spTgt spid="3">
+                                            <p:txEl>
+                                              <p:pRg st="3" end="3"/>
+                                            </p:txEl>
+                                          </p:spTgt>
+                                        </p:tgtEl>
+                                      </p:cBhvr>
+                                    </p:animEffect>
+                                  </p:childTnLst>
+                                </p:cTn>
+                              </p:par>
+                            </p:childTnLst>
+                          </p:cTn>
+                        </p:par>
+                      </p:childTnLst>
+                    </p:cTn>
+                  </p:par>
+                  <p:par>
+                    <p:cTn id="23" fill="hold">
+                      <p:stCondLst>
+                        <p:cond delay="indefinite"/>
+                      </p:stCondLst>
+                      <p:childTnLst>
+                        <p:par>
+                          <p:cTn id="24" fill="hold">
+                            <p:stCondLst>
+                              <p:cond delay="0"/>
+                            </p:stCondLst>
+                            <p:childTnLst>
+                              <p:par>
+                                <p:cTn id="25" presetID="4" presetClass="entr" presetSubtype="16" fill="hold" grpId="0" nodeType="clickEffect">
+                                  <p:stCondLst>
+                                    <p:cond delay="0"/>
+                                  </p:stCondLst>
+                                  <p:childTnLst>
+                                    <p:set>
+                                      <p:cBhvr>
+                                        <p:cTn id="26" dur="1" fill="hold">
+                                          <p:stCondLst>
+                                            <p:cond delay="0"/>
+                                          </p:stCondLst>
+                                        </p:cTn>
+                                        <p:tgtEl>
+                                          <p:spTgt spid="3">
+                                            <p:txEl>
+                                              <p:pRg st="4" end="4"/>
+                                            </p:txEl>
+                                          </p:spTgt>
+                                        </p:tgtEl>
+                                        <p:attrNameLst>
+                                          <p:attrName>style.visibility</p:attrName>
+                                        </p:attrNameLst>
+                                      </p:cBhvr>
+                                      <p:to>
+                                        <p:strVal val="visible"/>
+                                      </p:to>
+                                    </p:set>
+                                    <p:animEffect transition="in" filter="box(in)">
+                                      <p:cBhvr>
+                                        <p:cTn id="27" dur="500"/>
+                                        <p:tgtEl>
+                                          <p:spTgt spid="3">
+                                            <p:txEl>
+                                              <p:pRg st="4" end="4"/>
+                                            </p:txEl>
+                                          </p:spTgt>
+                                        </p:tgtEl>
+                                      </p:cBhvr>
+                                    </p:animEffect>
+                                  </p:childTnLst>
+                                </p:cTn>
+                              </p:par>
+                            </p:childTnLst>
+                          </p:cTn>
+                        </p:par>
+                      </p:childTnLst>
+                    </p:cTn>
+                  </p:par>
+                </p:childTnLst>
+              </p:cTn>
+              <p:prevCondLst>
+                <p:cond evt="onPrev" delay="0">
+                  <p:tgtEl>
+                    <p:sldTgt/>
+                  </p:tgtEl>
+                </p:cond>
+              </p:prevCondLst>
+              <p:nextCondLst>
+                <p:cond evt="onNext" delay="0">
+                  <p:tgtEl>
+                    <p:sldTgt/>
+                  </p:tgtEl>
+                </p:cond>
+              </p:nextCondLst>
+            </p:seq>
+          </p:childTnLst>
+        </p:cTn>
       </p:par>
     </p:tnLst>
+    <p:bldLst>
+      <p:bldP spid="3" grpId="0" build="p"/>
+    </p:bldLst>
   </p:timing>
 </p:sld>
 </file>
@@ -39033,10 +42142,10 @@
           <a:lstStyle/>
           <a:p>
             <a:r>
-              <a:rPr lang="de-DE" dirty="0" smtClean="0"/>
-              <a:t>A Short Future</a:t>
-            </a:r>
-            <a:endParaRPr lang="de-DE" dirty="0"/>
+              <a:rPr lang="en-US" dirty="0" smtClean="0"/>
+              <a:t>Experiences and Outlook</a:t>
+            </a:r>
+            <a:endParaRPr lang="en-US" dirty="0"/>
           </a:p>
         </p:txBody>
       </p:sp>
@@ -39158,12 +42267,8 @@
           </a:p>
           <a:p>
             <a:r>
-              <a:rPr lang="en-US" smtClean="0"/>
-              <a:t>… contained </a:t>
-            </a:r>
-            <a:r>
               <a:rPr lang="en-US" dirty="0" smtClean="0"/>
-              <a:t>challenging </a:t>
+              <a:t>… contained challenging </a:t>
             </a:r>
             <a:r>
               <a:rPr lang="en-US" dirty="0" smtClean="0">
@@ -41186,9 +44291,279 @@
   <p:timing>
     <p:tnLst>
       <p:par>
-        <p:cTn id="1" dur="indefinite" restart="never" nodeType="tmRoot"/>
+        <p:cTn id="1" dur="indefinite" restart="never" nodeType="tmRoot">
+          <p:childTnLst>
+            <p:seq concurrent="1" nextAc="seek">
+              <p:cTn id="2" dur="indefinite" nodeType="mainSeq">
+                <p:childTnLst>
+                  <p:par>
+                    <p:cTn id="3" fill="hold">
+                      <p:stCondLst>
+                        <p:cond delay="indefinite"/>
+                      </p:stCondLst>
+                      <p:childTnLst>
+                        <p:par>
+                          <p:cTn id="4" fill="hold">
+                            <p:stCondLst>
+                              <p:cond delay="0"/>
+                            </p:stCondLst>
+                            <p:childTnLst>
+                              <p:par>
+                                <p:cTn id="5" presetID="4" presetClass="entr" presetSubtype="16" fill="hold" grpId="0" nodeType="clickEffect">
+                                  <p:stCondLst>
+                                    <p:cond delay="0"/>
+                                  </p:stCondLst>
+                                  <p:childTnLst>
+                                    <p:set>
+                                      <p:cBhvr>
+                                        <p:cTn id="6" dur="1" fill="hold">
+                                          <p:stCondLst>
+                                            <p:cond delay="0"/>
+                                          </p:stCondLst>
+                                        </p:cTn>
+                                        <p:tgtEl>
+                                          <p:spTgt spid="3">
+                                            <p:txEl>
+                                              <p:pRg st="0" end="0"/>
+                                            </p:txEl>
+                                          </p:spTgt>
+                                        </p:tgtEl>
+                                        <p:attrNameLst>
+                                          <p:attrName>style.visibility</p:attrName>
+                                        </p:attrNameLst>
+                                      </p:cBhvr>
+                                      <p:to>
+                                        <p:strVal val="visible"/>
+                                      </p:to>
+                                    </p:set>
+                                    <p:animEffect transition="in" filter="box(in)">
+                                      <p:cBhvr>
+                                        <p:cTn id="7" dur="500"/>
+                                        <p:tgtEl>
+                                          <p:spTgt spid="3">
+                                            <p:txEl>
+                                              <p:pRg st="0" end="0"/>
+                                            </p:txEl>
+                                          </p:spTgt>
+                                        </p:tgtEl>
+                                      </p:cBhvr>
+                                    </p:animEffect>
+                                  </p:childTnLst>
+                                </p:cTn>
+                              </p:par>
+                            </p:childTnLst>
+                          </p:cTn>
+                        </p:par>
+                      </p:childTnLst>
+                    </p:cTn>
+                  </p:par>
+                  <p:par>
+                    <p:cTn id="8" fill="hold">
+                      <p:stCondLst>
+                        <p:cond delay="indefinite"/>
+                      </p:stCondLst>
+                      <p:childTnLst>
+                        <p:par>
+                          <p:cTn id="9" fill="hold">
+                            <p:stCondLst>
+                              <p:cond delay="0"/>
+                            </p:stCondLst>
+                            <p:childTnLst>
+                              <p:par>
+                                <p:cTn id="10" presetID="4" presetClass="entr" presetSubtype="16" fill="hold" grpId="0" nodeType="clickEffect">
+                                  <p:stCondLst>
+                                    <p:cond delay="0"/>
+                                  </p:stCondLst>
+                                  <p:childTnLst>
+                                    <p:set>
+                                      <p:cBhvr>
+                                        <p:cTn id="11" dur="1" fill="hold">
+                                          <p:stCondLst>
+                                            <p:cond delay="0"/>
+                                          </p:stCondLst>
+                                        </p:cTn>
+                                        <p:tgtEl>
+                                          <p:spTgt spid="3">
+                                            <p:txEl>
+                                              <p:pRg st="1" end="1"/>
+                                            </p:txEl>
+                                          </p:spTgt>
+                                        </p:tgtEl>
+                                        <p:attrNameLst>
+                                          <p:attrName>style.visibility</p:attrName>
+                                        </p:attrNameLst>
+                                      </p:cBhvr>
+                                      <p:to>
+                                        <p:strVal val="visible"/>
+                                      </p:to>
+                                    </p:set>
+                                    <p:animEffect transition="in" filter="box(in)">
+                                      <p:cBhvr>
+                                        <p:cTn id="12" dur="500"/>
+                                        <p:tgtEl>
+                                          <p:spTgt spid="3">
+                                            <p:txEl>
+                                              <p:pRg st="1" end="1"/>
+                                            </p:txEl>
+                                          </p:spTgt>
+                                        </p:tgtEl>
+                                      </p:cBhvr>
+                                    </p:animEffect>
+                                  </p:childTnLst>
+                                </p:cTn>
+                              </p:par>
+                            </p:childTnLst>
+                          </p:cTn>
+                        </p:par>
+                      </p:childTnLst>
+                    </p:cTn>
+                  </p:par>
+                  <p:par>
+                    <p:cTn id="13" fill="hold">
+                      <p:stCondLst>
+                        <p:cond delay="indefinite"/>
+                      </p:stCondLst>
+                      <p:childTnLst>
+                        <p:par>
+                          <p:cTn id="14" fill="hold">
+                            <p:stCondLst>
+                              <p:cond delay="0"/>
+                            </p:stCondLst>
+                            <p:childTnLst>
+                              <p:par>
+                                <p:cTn id="15" presetID="4" presetClass="entr" presetSubtype="16" fill="hold" grpId="0" nodeType="clickEffect">
+                                  <p:stCondLst>
+                                    <p:cond delay="0"/>
+                                  </p:stCondLst>
+                                  <p:childTnLst>
+                                    <p:set>
+                                      <p:cBhvr>
+                                        <p:cTn id="16" dur="1" fill="hold">
+                                          <p:stCondLst>
+                                            <p:cond delay="0"/>
+                                          </p:stCondLst>
+                                        </p:cTn>
+                                        <p:tgtEl>
+                                          <p:spTgt spid="3">
+                                            <p:txEl>
+                                              <p:pRg st="2" end="2"/>
+                                            </p:txEl>
+                                          </p:spTgt>
+                                        </p:tgtEl>
+                                        <p:attrNameLst>
+                                          <p:attrName>style.visibility</p:attrName>
+                                        </p:attrNameLst>
+                                      </p:cBhvr>
+                                      <p:to>
+                                        <p:strVal val="visible"/>
+                                      </p:to>
+                                    </p:set>
+                                    <p:animEffect transition="in" filter="box(in)">
+                                      <p:cBhvr>
+                                        <p:cTn id="17" dur="500"/>
+                                        <p:tgtEl>
+                                          <p:spTgt spid="3">
+                                            <p:txEl>
+                                              <p:pRg st="2" end="2"/>
+                                            </p:txEl>
+                                          </p:spTgt>
+                                        </p:tgtEl>
+                                      </p:cBhvr>
+                                    </p:animEffect>
+                                  </p:childTnLst>
+                                </p:cTn>
+                              </p:par>
+                            </p:childTnLst>
+                          </p:cTn>
+                        </p:par>
+                      </p:childTnLst>
+                    </p:cTn>
+                  </p:par>
+                  <p:par>
+                    <p:cTn id="18" fill="hold">
+                      <p:stCondLst>
+                        <p:cond delay="indefinite"/>
+                      </p:stCondLst>
+                      <p:childTnLst>
+                        <p:par>
+                          <p:cTn id="19" fill="hold">
+                            <p:stCondLst>
+                              <p:cond delay="0"/>
+                            </p:stCondLst>
+                            <p:childTnLst>
+                              <p:par>
+                                <p:cTn id="20" presetID="4" presetClass="entr" presetSubtype="16" fill="hold" grpId="0" nodeType="clickEffect">
+                                  <p:stCondLst>
+                                    <p:cond delay="0"/>
+                                  </p:stCondLst>
+                                  <p:childTnLst>
+                                    <p:set>
+                                      <p:cBhvr>
+                                        <p:cTn id="21" dur="1" fill="hold">
+                                          <p:stCondLst>
+                                            <p:cond delay="0"/>
+                                          </p:stCondLst>
+                                        </p:cTn>
+                                        <p:tgtEl>
+                                          <p:spTgt spid="3">
+                                            <p:txEl>
+                                              <p:pRg st="3" end="3"/>
+                                            </p:txEl>
+                                          </p:spTgt>
+                                        </p:tgtEl>
+                                        <p:attrNameLst>
+                                          <p:attrName>style.visibility</p:attrName>
+                                        </p:attrNameLst>
+                                      </p:cBhvr>
+                                      <p:to>
+                                        <p:strVal val="visible"/>
+                                      </p:to>
+                                    </p:set>
+                                    <p:animEffect transition="in" filter="box(in)">
+                                      <p:cBhvr>
+                                        <p:cTn id="22" dur="500"/>
+                                        <p:tgtEl>
+                                          <p:spTgt spid="3">
+                                            <p:txEl>
+                                              <p:pRg st="3" end="3"/>
+                                            </p:txEl>
+                                          </p:spTgt>
+                                        </p:tgtEl>
+                                      </p:cBhvr>
+                                    </p:animEffect>
+                                  </p:childTnLst>
+                                </p:cTn>
+                              </p:par>
+                            </p:childTnLst>
+                          </p:cTn>
+                        </p:par>
+                      </p:childTnLst>
+                    </p:cTn>
+                  </p:par>
+                </p:childTnLst>
+              </p:cTn>
+              <p:prevCondLst>
+                <p:cond evt="onPrev" delay="0">
+                  <p:tgtEl>
+                    <p:sldTgt/>
+                  </p:tgtEl>
+                </p:cond>
+              </p:prevCondLst>
+              <p:nextCondLst>
+                <p:cond evt="onNext" delay="0">
+                  <p:tgtEl>
+                    <p:sldTgt/>
+                  </p:tgtEl>
+                </p:cond>
+              </p:nextCondLst>
+            </p:seq>
+          </p:childTnLst>
+        </p:cTn>
       </p:par>
     </p:tnLst>
+    <p:bldLst>
+      <p:bldP spid="3" grpId="0" build="p"/>
+    </p:bldLst>
   </p:timing>
 </p:sld>
 </file>
@@ -41399,9 +44774,523 @@
   <p:timing>
     <p:tnLst>
       <p:par>
-        <p:cTn id="1" dur="indefinite" restart="never" nodeType="tmRoot"/>
+        <p:cTn id="1" dur="indefinite" restart="never" nodeType="tmRoot">
+          <p:childTnLst>
+            <p:seq concurrent="1" nextAc="seek">
+              <p:cTn id="2" dur="indefinite" nodeType="mainSeq">
+                <p:childTnLst>
+                  <p:par>
+                    <p:cTn id="3" fill="hold">
+                      <p:stCondLst>
+                        <p:cond delay="indefinite"/>
+                      </p:stCondLst>
+                      <p:childTnLst>
+                        <p:par>
+                          <p:cTn id="4" fill="hold">
+                            <p:stCondLst>
+                              <p:cond delay="0"/>
+                            </p:stCondLst>
+                            <p:childTnLst>
+                              <p:par>
+                                <p:cTn id="5" presetID="4" presetClass="entr" presetSubtype="16" fill="hold" grpId="0" nodeType="clickEffect">
+                                  <p:stCondLst>
+                                    <p:cond delay="0"/>
+                                  </p:stCondLst>
+                                  <p:childTnLst>
+                                    <p:set>
+                                      <p:cBhvr>
+                                        <p:cTn id="6" dur="1" fill="hold">
+                                          <p:stCondLst>
+                                            <p:cond delay="0"/>
+                                          </p:stCondLst>
+                                        </p:cTn>
+                                        <p:tgtEl>
+                                          <p:spTgt spid="3">
+                                            <p:txEl>
+                                              <p:pRg st="0" end="0"/>
+                                            </p:txEl>
+                                          </p:spTgt>
+                                        </p:tgtEl>
+                                        <p:attrNameLst>
+                                          <p:attrName>style.visibility</p:attrName>
+                                        </p:attrNameLst>
+                                      </p:cBhvr>
+                                      <p:to>
+                                        <p:strVal val="visible"/>
+                                      </p:to>
+                                    </p:set>
+                                    <p:animEffect transition="in" filter="box(in)">
+                                      <p:cBhvr>
+                                        <p:cTn id="7" dur="500"/>
+                                        <p:tgtEl>
+                                          <p:spTgt spid="3">
+                                            <p:txEl>
+                                              <p:pRg st="0" end="0"/>
+                                            </p:txEl>
+                                          </p:spTgt>
+                                        </p:tgtEl>
+                                      </p:cBhvr>
+                                    </p:animEffect>
+                                  </p:childTnLst>
+                                </p:cTn>
+                              </p:par>
+                            </p:childTnLst>
+                          </p:cTn>
+                        </p:par>
+                      </p:childTnLst>
+                    </p:cTn>
+                  </p:par>
+                  <p:par>
+                    <p:cTn id="8" fill="hold">
+                      <p:stCondLst>
+                        <p:cond delay="indefinite"/>
+                      </p:stCondLst>
+                      <p:childTnLst>
+                        <p:par>
+                          <p:cTn id="9" fill="hold">
+                            <p:stCondLst>
+                              <p:cond delay="0"/>
+                            </p:stCondLst>
+                            <p:childTnLst>
+                              <p:par>
+                                <p:cTn id="10" presetID="4" presetClass="entr" presetSubtype="16" fill="hold" grpId="0" nodeType="clickEffect">
+                                  <p:stCondLst>
+                                    <p:cond delay="0"/>
+                                  </p:stCondLst>
+                                  <p:childTnLst>
+                                    <p:set>
+                                      <p:cBhvr>
+                                        <p:cTn id="11" dur="1" fill="hold">
+                                          <p:stCondLst>
+                                            <p:cond delay="0"/>
+                                          </p:stCondLst>
+                                        </p:cTn>
+                                        <p:tgtEl>
+                                          <p:spTgt spid="3">
+                                            <p:txEl>
+                                              <p:pRg st="1" end="1"/>
+                                            </p:txEl>
+                                          </p:spTgt>
+                                        </p:tgtEl>
+                                        <p:attrNameLst>
+                                          <p:attrName>style.visibility</p:attrName>
+                                        </p:attrNameLst>
+                                      </p:cBhvr>
+                                      <p:to>
+                                        <p:strVal val="visible"/>
+                                      </p:to>
+                                    </p:set>
+                                    <p:animEffect transition="in" filter="box(in)">
+                                      <p:cBhvr>
+                                        <p:cTn id="12" dur="500"/>
+                                        <p:tgtEl>
+                                          <p:spTgt spid="3">
+                                            <p:txEl>
+                                              <p:pRg st="1" end="1"/>
+                                            </p:txEl>
+                                          </p:spTgt>
+                                        </p:tgtEl>
+                                      </p:cBhvr>
+                                    </p:animEffect>
+                                  </p:childTnLst>
+                                </p:cTn>
+                              </p:par>
+                            </p:childTnLst>
+                          </p:cTn>
+                        </p:par>
+                      </p:childTnLst>
+                    </p:cTn>
+                  </p:par>
+                  <p:par>
+                    <p:cTn id="13" fill="hold">
+                      <p:stCondLst>
+                        <p:cond delay="indefinite"/>
+                      </p:stCondLst>
+                      <p:childTnLst>
+                        <p:par>
+                          <p:cTn id="14" fill="hold">
+                            <p:stCondLst>
+                              <p:cond delay="0"/>
+                            </p:stCondLst>
+                            <p:childTnLst>
+                              <p:par>
+                                <p:cTn id="15" presetID="4" presetClass="entr" presetSubtype="16" fill="hold" grpId="0" nodeType="clickEffect">
+                                  <p:stCondLst>
+                                    <p:cond delay="0"/>
+                                  </p:stCondLst>
+                                  <p:childTnLst>
+                                    <p:set>
+                                      <p:cBhvr>
+                                        <p:cTn id="16" dur="1" fill="hold">
+                                          <p:stCondLst>
+                                            <p:cond delay="0"/>
+                                          </p:stCondLst>
+                                        </p:cTn>
+                                        <p:tgtEl>
+                                          <p:spTgt spid="3">
+                                            <p:txEl>
+                                              <p:pRg st="2" end="2"/>
+                                            </p:txEl>
+                                          </p:spTgt>
+                                        </p:tgtEl>
+                                        <p:attrNameLst>
+                                          <p:attrName>style.visibility</p:attrName>
+                                        </p:attrNameLst>
+                                      </p:cBhvr>
+                                      <p:to>
+                                        <p:strVal val="visible"/>
+                                      </p:to>
+                                    </p:set>
+                                    <p:animEffect transition="in" filter="box(in)">
+                                      <p:cBhvr>
+                                        <p:cTn id="17" dur="500"/>
+                                        <p:tgtEl>
+                                          <p:spTgt spid="3">
+                                            <p:txEl>
+                                              <p:pRg st="2" end="2"/>
+                                            </p:txEl>
+                                          </p:spTgt>
+                                        </p:tgtEl>
+                                      </p:cBhvr>
+                                    </p:animEffect>
+                                  </p:childTnLst>
+                                </p:cTn>
+                              </p:par>
+                            </p:childTnLst>
+                          </p:cTn>
+                        </p:par>
+                      </p:childTnLst>
+                    </p:cTn>
+                  </p:par>
+                  <p:par>
+                    <p:cTn id="18" fill="hold">
+                      <p:stCondLst>
+                        <p:cond delay="indefinite"/>
+                      </p:stCondLst>
+                      <p:childTnLst>
+                        <p:par>
+                          <p:cTn id="19" fill="hold">
+                            <p:stCondLst>
+                              <p:cond delay="0"/>
+                            </p:stCondLst>
+                            <p:childTnLst>
+                              <p:par>
+                                <p:cTn id="20" presetID="4" presetClass="entr" presetSubtype="16" fill="hold" grpId="0" nodeType="clickEffect">
+                                  <p:stCondLst>
+                                    <p:cond delay="0"/>
+                                  </p:stCondLst>
+                                  <p:childTnLst>
+                                    <p:set>
+                                      <p:cBhvr>
+                                        <p:cTn id="21" dur="1" fill="hold">
+                                          <p:stCondLst>
+                                            <p:cond delay="0"/>
+                                          </p:stCondLst>
+                                        </p:cTn>
+                                        <p:tgtEl>
+                                          <p:spTgt spid="3">
+                                            <p:txEl>
+                                              <p:pRg st="3" end="3"/>
+                                            </p:txEl>
+                                          </p:spTgt>
+                                        </p:tgtEl>
+                                        <p:attrNameLst>
+                                          <p:attrName>style.visibility</p:attrName>
+                                        </p:attrNameLst>
+                                      </p:cBhvr>
+                                      <p:to>
+                                        <p:strVal val="visible"/>
+                                      </p:to>
+                                    </p:set>
+                                    <p:animEffect transition="in" filter="box(in)">
+                                      <p:cBhvr>
+                                        <p:cTn id="22" dur="500"/>
+                                        <p:tgtEl>
+                                          <p:spTgt spid="3">
+                                            <p:txEl>
+                                              <p:pRg st="3" end="3"/>
+                                            </p:txEl>
+                                          </p:spTgt>
+                                        </p:tgtEl>
+                                      </p:cBhvr>
+                                    </p:animEffect>
+                                  </p:childTnLst>
+                                </p:cTn>
+                              </p:par>
+                            </p:childTnLst>
+                          </p:cTn>
+                        </p:par>
+                      </p:childTnLst>
+                    </p:cTn>
+                  </p:par>
+                  <p:par>
+                    <p:cTn id="23" fill="hold">
+                      <p:stCondLst>
+                        <p:cond delay="indefinite"/>
+                      </p:stCondLst>
+                      <p:childTnLst>
+                        <p:par>
+                          <p:cTn id="24" fill="hold">
+                            <p:stCondLst>
+                              <p:cond delay="0"/>
+                            </p:stCondLst>
+                            <p:childTnLst>
+                              <p:par>
+                                <p:cTn id="25" presetID="4" presetClass="entr" presetSubtype="16" fill="hold" grpId="0" nodeType="clickEffect">
+                                  <p:stCondLst>
+                                    <p:cond delay="0"/>
+                                  </p:stCondLst>
+                                  <p:childTnLst>
+                                    <p:set>
+                                      <p:cBhvr>
+                                        <p:cTn id="26" dur="1" fill="hold">
+                                          <p:stCondLst>
+                                            <p:cond delay="0"/>
+                                          </p:stCondLst>
+                                        </p:cTn>
+                                        <p:tgtEl>
+                                          <p:spTgt spid="3">
+                                            <p:txEl>
+                                              <p:pRg st="4" end="4"/>
+                                            </p:txEl>
+                                          </p:spTgt>
+                                        </p:tgtEl>
+                                        <p:attrNameLst>
+                                          <p:attrName>style.visibility</p:attrName>
+                                        </p:attrNameLst>
+                                      </p:cBhvr>
+                                      <p:to>
+                                        <p:strVal val="visible"/>
+                                      </p:to>
+                                    </p:set>
+                                    <p:animEffect transition="in" filter="box(in)">
+                                      <p:cBhvr>
+                                        <p:cTn id="27" dur="500"/>
+                                        <p:tgtEl>
+                                          <p:spTgt spid="3">
+                                            <p:txEl>
+                                              <p:pRg st="4" end="4"/>
+                                            </p:txEl>
+                                          </p:spTgt>
+                                        </p:tgtEl>
+                                      </p:cBhvr>
+                                    </p:animEffect>
+                                  </p:childTnLst>
+                                </p:cTn>
+                              </p:par>
+                            </p:childTnLst>
+                          </p:cTn>
+                        </p:par>
+                      </p:childTnLst>
+                    </p:cTn>
+                  </p:par>
+                  <p:par>
+                    <p:cTn id="28" fill="hold">
+                      <p:stCondLst>
+                        <p:cond delay="indefinite"/>
+                      </p:stCondLst>
+                      <p:childTnLst>
+                        <p:par>
+                          <p:cTn id="29" fill="hold">
+                            <p:stCondLst>
+                              <p:cond delay="0"/>
+                            </p:stCondLst>
+                            <p:childTnLst>
+                              <p:par>
+                                <p:cTn id="30" presetID="4" presetClass="entr" presetSubtype="16" fill="hold" grpId="0" nodeType="clickEffect">
+                                  <p:stCondLst>
+                                    <p:cond delay="0"/>
+                                  </p:stCondLst>
+                                  <p:childTnLst>
+                                    <p:set>
+                                      <p:cBhvr>
+                                        <p:cTn id="31" dur="1" fill="hold">
+                                          <p:stCondLst>
+                                            <p:cond delay="0"/>
+                                          </p:stCondLst>
+                                        </p:cTn>
+                                        <p:tgtEl>
+                                          <p:spTgt spid="3">
+                                            <p:txEl>
+                                              <p:pRg st="5" end="5"/>
+                                            </p:txEl>
+                                          </p:spTgt>
+                                        </p:tgtEl>
+                                        <p:attrNameLst>
+                                          <p:attrName>style.visibility</p:attrName>
+                                        </p:attrNameLst>
+                                      </p:cBhvr>
+                                      <p:to>
+                                        <p:strVal val="visible"/>
+                                      </p:to>
+                                    </p:set>
+                                    <p:animEffect transition="in" filter="box(in)">
+                                      <p:cBhvr>
+                                        <p:cTn id="32" dur="500"/>
+                                        <p:tgtEl>
+                                          <p:spTgt spid="3">
+                                            <p:txEl>
+                                              <p:pRg st="5" end="5"/>
+                                            </p:txEl>
+                                          </p:spTgt>
+                                        </p:tgtEl>
+                                      </p:cBhvr>
+                                    </p:animEffect>
+                                  </p:childTnLst>
+                                </p:cTn>
+                              </p:par>
+                            </p:childTnLst>
+                          </p:cTn>
+                        </p:par>
+                      </p:childTnLst>
+                    </p:cTn>
+                  </p:par>
+                  <p:par>
+                    <p:cTn id="33" fill="hold">
+                      <p:stCondLst>
+                        <p:cond delay="indefinite"/>
+                      </p:stCondLst>
+                      <p:childTnLst>
+                        <p:par>
+                          <p:cTn id="34" fill="hold">
+                            <p:stCondLst>
+                              <p:cond delay="0"/>
+                            </p:stCondLst>
+                            <p:childTnLst>
+                              <p:par>
+                                <p:cTn id="35" presetID="4" presetClass="entr" presetSubtype="16" fill="hold" grpId="0" nodeType="clickEffect">
+                                  <p:stCondLst>
+                                    <p:cond delay="0"/>
+                                  </p:stCondLst>
+                                  <p:childTnLst>
+                                    <p:set>
+                                      <p:cBhvr>
+                                        <p:cTn id="36" dur="1" fill="hold">
+                                          <p:stCondLst>
+                                            <p:cond delay="0"/>
+                                          </p:stCondLst>
+                                        </p:cTn>
+                                        <p:tgtEl>
+                                          <p:spTgt spid="3">
+                                            <p:txEl>
+                                              <p:pRg st="6" end="6"/>
+                                            </p:txEl>
+                                          </p:spTgt>
+                                        </p:tgtEl>
+                                        <p:attrNameLst>
+                                          <p:attrName>style.visibility</p:attrName>
+                                        </p:attrNameLst>
+                                      </p:cBhvr>
+                                      <p:to>
+                                        <p:strVal val="visible"/>
+                                      </p:to>
+                                    </p:set>
+                                    <p:animEffect transition="in" filter="box(in)">
+                                      <p:cBhvr>
+                                        <p:cTn id="37" dur="500"/>
+                                        <p:tgtEl>
+                                          <p:spTgt spid="3">
+                                            <p:txEl>
+                                              <p:pRg st="6" end="6"/>
+                                            </p:txEl>
+                                          </p:spTgt>
+                                        </p:tgtEl>
+                                      </p:cBhvr>
+                                    </p:animEffect>
+                                  </p:childTnLst>
+                                </p:cTn>
+                              </p:par>
+                            </p:childTnLst>
+                          </p:cTn>
+                        </p:par>
+                      </p:childTnLst>
+                    </p:cTn>
+                  </p:par>
+                  <p:par>
+                    <p:cTn id="38" fill="hold">
+                      <p:stCondLst>
+                        <p:cond delay="indefinite"/>
+                      </p:stCondLst>
+                      <p:childTnLst>
+                        <p:par>
+                          <p:cTn id="39" fill="hold">
+                            <p:stCondLst>
+                              <p:cond delay="0"/>
+                            </p:stCondLst>
+                            <p:childTnLst>
+                              <p:par>
+                                <p:cTn id="40" presetID="4" presetClass="entr" presetSubtype="16" fill="hold" grpId="0" nodeType="clickEffect">
+                                  <p:stCondLst>
+                                    <p:cond delay="0"/>
+                                  </p:stCondLst>
+                                  <p:childTnLst>
+                                    <p:set>
+                                      <p:cBhvr>
+                                        <p:cTn id="41" dur="1" fill="hold">
+                                          <p:stCondLst>
+                                            <p:cond delay="0"/>
+                                          </p:stCondLst>
+                                        </p:cTn>
+                                        <p:tgtEl>
+                                          <p:spTgt spid="3">
+                                            <p:txEl>
+                                              <p:pRg st="7" end="7"/>
+                                            </p:txEl>
+                                          </p:spTgt>
+                                        </p:tgtEl>
+                                        <p:attrNameLst>
+                                          <p:attrName>style.visibility</p:attrName>
+                                        </p:attrNameLst>
+                                      </p:cBhvr>
+                                      <p:to>
+                                        <p:strVal val="visible"/>
+                                      </p:to>
+                                    </p:set>
+                                    <p:animEffect transition="in" filter="box(in)">
+                                      <p:cBhvr>
+                                        <p:cTn id="42" dur="500"/>
+                                        <p:tgtEl>
+                                          <p:spTgt spid="3">
+                                            <p:txEl>
+                                              <p:pRg st="7" end="7"/>
+                                            </p:txEl>
+                                          </p:spTgt>
+                                        </p:tgtEl>
+                                      </p:cBhvr>
+                                    </p:animEffect>
+                                  </p:childTnLst>
+                                </p:cTn>
+                              </p:par>
+                            </p:childTnLst>
+                          </p:cTn>
+                        </p:par>
+                      </p:childTnLst>
+                    </p:cTn>
+                  </p:par>
+                </p:childTnLst>
+              </p:cTn>
+              <p:prevCondLst>
+                <p:cond evt="onPrev" delay="0">
+                  <p:tgtEl>
+                    <p:sldTgt/>
+                  </p:tgtEl>
+                </p:cond>
+              </p:prevCondLst>
+              <p:nextCondLst>
+                <p:cond evt="onNext" delay="0">
+                  <p:tgtEl>
+                    <p:sldTgt/>
+                  </p:tgtEl>
+                </p:cond>
+              </p:nextCondLst>
+            </p:seq>
+          </p:childTnLst>
+        </p:cTn>
       </p:par>
     </p:tnLst>
+    <p:bldLst>
+      <p:bldP spid="3" grpId="0" build="p" bldLvl="2"/>
+    </p:bldLst>
   </p:timing>
 </p:sld>
 </file>
@@ -41474,62 +45363,25 @@
           <a:p>
             <a:r>
               <a:rPr lang="en-US" dirty="0" smtClean="0"/>
-              <a:t>t</a:t>
-            </a:r>
+              <a:t>transforms testing into development.</a:t>
+            </a:r>
+          </a:p>
+          <a:p>
             <a:r>
               <a:rPr lang="en-US" dirty="0" smtClean="0"/>
-              <a:t>ransforms </a:t>
-            </a:r>
+              <a:t>is inherently motivating and fun.</a:t>
+            </a:r>
+          </a:p>
+          <a:p>
             <a:r>
               <a:rPr lang="en-US" dirty="0" smtClean="0"/>
-              <a:t>testing into </a:t>
-            </a:r>
+              <a:t>provides extremely solid test suites.</a:t>
+            </a:r>
+          </a:p>
+          <a:p>
             <a:r>
               <a:rPr lang="en-US" dirty="0" smtClean="0"/>
-              <a:t>development.</a:t>
-            </a:r>
-            <a:endParaRPr lang="en-US" dirty="0" smtClean="0"/>
-          </a:p>
-          <a:p>
-            <a:r>
-              <a:rPr lang="en-US" dirty="0" smtClean="0"/>
-              <a:t>i</a:t>
-            </a:r>
-            <a:r>
-              <a:rPr lang="en-US" dirty="0" smtClean="0"/>
-              <a:t>s </a:t>
-            </a:r>
-            <a:r>
-              <a:rPr lang="en-US" dirty="0" smtClean="0"/>
-              <a:t>inherently motivating and fun.</a:t>
-            </a:r>
-          </a:p>
-          <a:p>
-            <a:r>
-              <a:rPr lang="en-US" dirty="0" smtClean="0"/>
-              <a:t>p</a:t>
-            </a:r>
-            <a:r>
-              <a:rPr lang="en-US" dirty="0" smtClean="0"/>
-              <a:t>rovides </a:t>
-            </a:r>
-            <a:r>
-              <a:rPr lang="en-US" dirty="0" smtClean="0"/>
-              <a:t>extremely solid test suites.</a:t>
-            </a:r>
-          </a:p>
-          <a:p>
-            <a:r>
-              <a:rPr lang="en-US" dirty="0" smtClean="0"/>
-              <a:t>a</a:t>
-            </a:r>
-            <a:r>
-              <a:rPr lang="en-US" dirty="0" smtClean="0"/>
-              <a:t>lways </a:t>
-            </a:r>
-            <a:r>
-              <a:rPr lang="en-US" dirty="0" smtClean="0"/>
-              <a:t>produces some abstract insights about a program</a:t>
+              <a:t>always produces some abstract insights about a program</a:t>
             </a:r>
           </a:p>
           <a:p>
@@ -41541,29 +45393,13 @@
           <a:p>
             <a:r>
               <a:rPr lang="en-US" dirty="0" smtClean="0"/>
-              <a:t>a</a:t>
-            </a:r>
+              <a:t>allows to check, if an implementation of a type is model of a concept on the semantic level.</a:t>
+            </a:r>
+          </a:p>
+          <a:p>
             <a:r>
               <a:rPr lang="en-US" dirty="0" smtClean="0"/>
-              <a:t>llows </a:t>
-            </a:r>
-            <a:r>
-              <a:rPr lang="en-US" dirty="0" smtClean="0"/>
-              <a:t>to check, if an implementation of a type is model of a concept on the semantic level.</a:t>
-            </a:r>
-          </a:p>
-          <a:p>
-            <a:r>
-              <a:rPr lang="en-US" dirty="0" smtClean="0"/>
-              <a:t>i</a:t>
-            </a:r>
-            <a:r>
-              <a:rPr lang="en-US" dirty="0" smtClean="0"/>
-              <a:t>s </a:t>
-            </a:r>
-            <a:r>
-              <a:rPr lang="en-US" dirty="0" smtClean="0"/>
-              <a:t>probably most adequate to generic library development.</a:t>
+              <a:t>is probably most adequate to generic library development.</a:t>
             </a:r>
             <a:endParaRPr lang="en-US" dirty="0"/>
           </a:p>
@@ -41647,9 +45483,523 @@
   <p:timing>
     <p:tnLst>
       <p:par>
-        <p:cTn id="1" dur="indefinite" restart="never" nodeType="tmRoot"/>
+        <p:cTn id="1" dur="indefinite" restart="never" nodeType="tmRoot">
+          <p:childTnLst>
+            <p:seq concurrent="1" nextAc="seek">
+              <p:cTn id="2" dur="indefinite" nodeType="mainSeq">
+                <p:childTnLst>
+                  <p:par>
+                    <p:cTn id="3" fill="hold">
+                      <p:stCondLst>
+                        <p:cond delay="indefinite"/>
+                      </p:stCondLst>
+                      <p:childTnLst>
+                        <p:par>
+                          <p:cTn id="4" fill="hold">
+                            <p:stCondLst>
+                              <p:cond delay="0"/>
+                            </p:stCondLst>
+                            <p:childTnLst>
+                              <p:par>
+                                <p:cTn id="5" presetID="4" presetClass="entr" presetSubtype="16" fill="hold" grpId="0" nodeType="clickEffect">
+                                  <p:stCondLst>
+                                    <p:cond delay="0"/>
+                                  </p:stCondLst>
+                                  <p:childTnLst>
+                                    <p:set>
+                                      <p:cBhvr>
+                                        <p:cTn id="6" dur="1" fill="hold">
+                                          <p:stCondLst>
+                                            <p:cond delay="0"/>
+                                          </p:stCondLst>
+                                        </p:cTn>
+                                        <p:tgtEl>
+                                          <p:spTgt spid="3">
+                                            <p:txEl>
+                                              <p:pRg st="0" end="0"/>
+                                            </p:txEl>
+                                          </p:spTgt>
+                                        </p:tgtEl>
+                                        <p:attrNameLst>
+                                          <p:attrName>style.visibility</p:attrName>
+                                        </p:attrNameLst>
+                                      </p:cBhvr>
+                                      <p:to>
+                                        <p:strVal val="visible"/>
+                                      </p:to>
+                                    </p:set>
+                                    <p:animEffect transition="in" filter="box(in)">
+                                      <p:cBhvr>
+                                        <p:cTn id="7" dur="500"/>
+                                        <p:tgtEl>
+                                          <p:spTgt spid="3">
+                                            <p:txEl>
+                                              <p:pRg st="0" end="0"/>
+                                            </p:txEl>
+                                          </p:spTgt>
+                                        </p:tgtEl>
+                                      </p:cBhvr>
+                                    </p:animEffect>
+                                  </p:childTnLst>
+                                </p:cTn>
+                              </p:par>
+                            </p:childTnLst>
+                          </p:cTn>
+                        </p:par>
+                      </p:childTnLst>
+                    </p:cTn>
+                  </p:par>
+                  <p:par>
+                    <p:cTn id="8" fill="hold">
+                      <p:stCondLst>
+                        <p:cond delay="indefinite"/>
+                      </p:stCondLst>
+                      <p:childTnLst>
+                        <p:par>
+                          <p:cTn id="9" fill="hold">
+                            <p:stCondLst>
+                              <p:cond delay="0"/>
+                            </p:stCondLst>
+                            <p:childTnLst>
+                              <p:par>
+                                <p:cTn id="10" presetID="4" presetClass="entr" presetSubtype="16" fill="hold" grpId="0" nodeType="clickEffect">
+                                  <p:stCondLst>
+                                    <p:cond delay="0"/>
+                                  </p:stCondLst>
+                                  <p:childTnLst>
+                                    <p:set>
+                                      <p:cBhvr>
+                                        <p:cTn id="11" dur="1" fill="hold">
+                                          <p:stCondLst>
+                                            <p:cond delay="0"/>
+                                          </p:stCondLst>
+                                        </p:cTn>
+                                        <p:tgtEl>
+                                          <p:spTgt spid="3">
+                                            <p:txEl>
+                                              <p:pRg st="1" end="1"/>
+                                            </p:txEl>
+                                          </p:spTgt>
+                                        </p:tgtEl>
+                                        <p:attrNameLst>
+                                          <p:attrName>style.visibility</p:attrName>
+                                        </p:attrNameLst>
+                                      </p:cBhvr>
+                                      <p:to>
+                                        <p:strVal val="visible"/>
+                                      </p:to>
+                                    </p:set>
+                                    <p:animEffect transition="in" filter="box(in)">
+                                      <p:cBhvr>
+                                        <p:cTn id="12" dur="500"/>
+                                        <p:tgtEl>
+                                          <p:spTgt spid="3">
+                                            <p:txEl>
+                                              <p:pRg st="1" end="1"/>
+                                            </p:txEl>
+                                          </p:spTgt>
+                                        </p:tgtEl>
+                                      </p:cBhvr>
+                                    </p:animEffect>
+                                  </p:childTnLst>
+                                </p:cTn>
+                              </p:par>
+                            </p:childTnLst>
+                          </p:cTn>
+                        </p:par>
+                      </p:childTnLst>
+                    </p:cTn>
+                  </p:par>
+                  <p:par>
+                    <p:cTn id="13" fill="hold">
+                      <p:stCondLst>
+                        <p:cond delay="indefinite"/>
+                      </p:stCondLst>
+                      <p:childTnLst>
+                        <p:par>
+                          <p:cTn id="14" fill="hold">
+                            <p:stCondLst>
+                              <p:cond delay="0"/>
+                            </p:stCondLst>
+                            <p:childTnLst>
+                              <p:par>
+                                <p:cTn id="15" presetID="4" presetClass="entr" presetSubtype="16" fill="hold" grpId="0" nodeType="clickEffect">
+                                  <p:stCondLst>
+                                    <p:cond delay="0"/>
+                                  </p:stCondLst>
+                                  <p:childTnLst>
+                                    <p:set>
+                                      <p:cBhvr>
+                                        <p:cTn id="16" dur="1" fill="hold">
+                                          <p:stCondLst>
+                                            <p:cond delay="0"/>
+                                          </p:stCondLst>
+                                        </p:cTn>
+                                        <p:tgtEl>
+                                          <p:spTgt spid="3">
+                                            <p:txEl>
+                                              <p:pRg st="2" end="2"/>
+                                            </p:txEl>
+                                          </p:spTgt>
+                                        </p:tgtEl>
+                                        <p:attrNameLst>
+                                          <p:attrName>style.visibility</p:attrName>
+                                        </p:attrNameLst>
+                                      </p:cBhvr>
+                                      <p:to>
+                                        <p:strVal val="visible"/>
+                                      </p:to>
+                                    </p:set>
+                                    <p:animEffect transition="in" filter="box(in)">
+                                      <p:cBhvr>
+                                        <p:cTn id="17" dur="500"/>
+                                        <p:tgtEl>
+                                          <p:spTgt spid="3">
+                                            <p:txEl>
+                                              <p:pRg st="2" end="2"/>
+                                            </p:txEl>
+                                          </p:spTgt>
+                                        </p:tgtEl>
+                                      </p:cBhvr>
+                                    </p:animEffect>
+                                  </p:childTnLst>
+                                </p:cTn>
+                              </p:par>
+                            </p:childTnLst>
+                          </p:cTn>
+                        </p:par>
+                      </p:childTnLst>
+                    </p:cTn>
+                  </p:par>
+                  <p:par>
+                    <p:cTn id="18" fill="hold">
+                      <p:stCondLst>
+                        <p:cond delay="indefinite"/>
+                      </p:stCondLst>
+                      <p:childTnLst>
+                        <p:par>
+                          <p:cTn id="19" fill="hold">
+                            <p:stCondLst>
+                              <p:cond delay="0"/>
+                            </p:stCondLst>
+                            <p:childTnLst>
+                              <p:par>
+                                <p:cTn id="20" presetID="4" presetClass="entr" presetSubtype="16" fill="hold" grpId="0" nodeType="clickEffect">
+                                  <p:stCondLst>
+                                    <p:cond delay="0"/>
+                                  </p:stCondLst>
+                                  <p:childTnLst>
+                                    <p:set>
+                                      <p:cBhvr>
+                                        <p:cTn id="21" dur="1" fill="hold">
+                                          <p:stCondLst>
+                                            <p:cond delay="0"/>
+                                          </p:stCondLst>
+                                        </p:cTn>
+                                        <p:tgtEl>
+                                          <p:spTgt spid="3">
+                                            <p:txEl>
+                                              <p:pRg st="3" end="3"/>
+                                            </p:txEl>
+                                          </p:spTgt>
+                                        </p:tgtEl>
+                                        <p:attrNameLst>
+                                          <p:attrName>style.visibility</p:attrName>
+                                        </p:attrNameLst>
+                                      </p:cBhvr>
+                                      <p:to>
+                                        <p:strVal val="visible"/>
+                                      </p:to>
+                                    </p:set>
+                                    <p:animEffect transition="in" filter="box(in)">
+                                      <p:cBhvr>
+                                        <p:cTn id="22" dur="500"/>
+                                        <p:tgtEl>
+                                          <p:spTgt spid="3">
+                                            <p:txEl>
+                                              <p:pRg st="3" end="3"/>
+                                            </p:txEl>
+                                          </p:spTgt>
+                                        </p:tgtEl>
+                                      </p:cBhvr>
+                                    </p:animEffect>
+                                  </p:childTnLst>
+                                </p:cTn>
+                              </p:par>
+                            </p:childTnLst>
+                          </p:cTn>
+                        </p:par>
+                      </p:childTnLst>
+                    </p:cTn>
+                  </p:par>
+                  <p:par>
+                    <p:cTn id="23" fill="hold">
+                      <p:stCondLst>
+                        <p:cond delay="indefinite"/>
+                      </p:stCondLst>
+                      <p:childTnLst>
+                        <p:par>
+                          <p:cTn id="24" fill="hold">
+                            <p:stCondLst>
+                              <p:cond delay="0"/>
+                            </p:stCondLst>
+                            <p:childTnLst>
+                              <p:par>
+                                <p:cTn id="25" presetID="4" presetClass="entr" presetSubtype="16" fill="hold" grpId="0" nodeType="clickEffect">
+                                  <p:stCondLst>
+                                    <p:cond delay="0"/>
+                                  </p:stCondLst>
+                                  <p:childTnLst>
+                                    <p:set>
+                                      <p:cBhvr>
+                                        <p:cTn id="26" dur="1" fill="hold">
+                                          <p:stCondLst>
+                                            <p:cond delay="0"/>
+                                          </p:stCondLst>
+                                        </p:cTn>
+                                        <p:tgtEl>
+                                          <p:spTgt spid="3">
+                                            <p:txEl>
+                                              <p:pRg st="4" end="4"/>
+                                            </p:txEl>
+                                          </p:spTgt>
+                                        </p:tgtEl>
+                                        <p:attrNameLst>
+                                          <p:attrName>style.visibility</p:attrName>
+                                        </p:attrNameLst>
+                                      </p:cBhvr>
+                                      <p:to>
+                                        <p:strVal val="visible"/>
+                                      </p:to>
+                                    </p:set>
+                                    <p:animEffect transition="in" filter="box(in)">
+                                      <p:cBhvr>
+                                        <p:cTn id="27" dur="500"/>
+                                        <p:tgtEl>
+                                          <p:spTgt spid="3">
+                                            <p:txEl>
+                                              <p:pRg st="4" end="4"/>
+                                            </p:txEl>
+                                          </p:spTgt>
+                                        </p:tgtEl>
+                                      </p:cBhvr>
+                                    </p:animEffect>
+                                  </p:childTnLst>
+                                </p:cTn>
+                              </p:par>
+                            </p:childTnLst>
+                          </p:cTn>
+                        </p:par>
+                      </p:childTnLst>
+                    </p:cTn>
+                  </p:par>
+                  <p:par>
+                    <p:cTn id="28" fill="hold">
+                      <p:stCondLst>
+                        <p:cond delay="indefinite"/>
+                      </p:stCondLst>
+                      <p:childTnLst>
+                        <p:par>
+                          <p:cTn id="29" fill="hold">
+                            <p:stCondLst>
+                              <p:cond delay="0"/>
+                            </p:stCondLst>
+                            <p:childTnLst>
+                              <p:par>
+                                <p:cTn id="30" presetID="4" presetClass="entr" presetSubtype="16" fill="hold" grpId="0" nodeType="clickEffect">
+                                  <p:stCondLst>
+                                    <p:cond delay="0"/>
+                                  </p:stCondLst>
+                                  <p:childTnLst>
+                                    <p:set>
+                                      <p:cBhvr>
+                                        <p:cTn id="31" dur="1" fill="hold">
+                                          <p:stCondLst>
+                                            <p:cond delay="0"/>
+                                          </p:stCondLst>
+                                        </p:cTn>
+                                        <p:tgtEl>
+                                          <p:spTgt spid="3">
+                                            <p:txEl>
+                                              <p:pRg st="5" end="5"/>
+                                            </p:txEl>
+                                          </p:spTgt>
+                                        </p:tgtEl>
+                                        <p:attrNameLst>
+                                          <p:attrName>style.visibility</p:attrName>
+                                        </p:attrNameLst>
+                                      </p:cBhvr>
+                                      <p:to>
+                                        <p:strVal val="visible"/>
+                                      </p:to>
+                                    </p:set>
+                                    <p:animEffect transition="in" filter="box(in)">
+                                      <p:cBhvr>
+                                        <p:cTn id="32" dur="500"/>
+                                        <p:tgtEl>
+                                          <p:spTgt spid="3">
+                                            <p:txEl>
+                                              <p:pRg st="5" end="5"/>
+                                            </p:txEl>
+                                          </p:spTgt>
+                                        </p:tgtEl>
+                                      </p:cBhvr>
+                                    </p:animEffect>
+                                  </p:childTnLst>
+                                </p:cTn>
+                              </p:par>
+                            </p:childTnLst>
+                          </p:cTn>
+                        </p:par>
+                      </p:childTnLst>
+                    </p:cTn>
+                  </p:par>
+                  <p:par>
+                    <p:cTn id="33" fill="hold">
+                      <p:stCondLst>
+                        <p:cond delay="indefinite"/>
+                      </p:stCondLst>
+                      <p:childTnLst>
+                        <p:par>
+                          <p:cTn id="34" fill="hold">
+                            <p:stCondLst>
+                              <p:cond delay="0"/>
+                            </p:stCondLst>
+                            <p:childTnLst>
+                              <p:par>
+                                <p:cTn id="35" presetID="4" presetClass="entr" presetSubtype="16" fill="hold" grpId="0" nodeType="clickEffect">
+                                  <p:stCondLst>
+                                    <p:cond delay="0"/>
+                                  </p:stCondLst>
+                                  <p:childTnLst>
+                                    <p:set>
+                                      <p:cBhvr>
+                                        <p:cTn id="36" dur="1" fill="hold">
+                                          <p:stCondLst>
+                                            <p:cond delay="0"/>
+                                          </p:stCondLst>
+                                        </p:cTn>
+                                        <p:tgtEl>
+                                          <p:spTgt spid="3">
+                                            <p:txEl>
+                                              <p:pRg st="6" end="6"/>
+                                            </p:txEl>
+                                          </p:spTgt>
+                                        </p:tgtEl>
+                                        <p:attrNameLst>
+                                          <p:attrName>style.visibility</p:attrName>
+                                        </p:attrNameLst>
+                                      </p:cBhvr>
+                                      <p:to>
+                                        <p:strVal val="visible"/>
+                                      </p:to>
+                                    </p:set>
+                                    <p:animEffect transition="in" filter="box(in)">
+                                      <p:cBhvr>
+                                        <p:cTn id="37" dur="500"/>
+                                        <p:tgtEl>
+                                          <p:spTgt spid="3">
+                                            <p:txEl>
+                                              <p:pRg st="6" end="6"/>
+                                            </p:txEl>
+                                          </p:spTgt>
+                                        </p:tgtEl>
+                                      </p:cBhvr>
+                                    </p:animEffect>
+                                  </p:childTnLst>
+                                </p:cTn>
+                              </p:par>
+                            </p:childTnLst>
+                          </p:cTn>
+                        </p:par>
+                      </p:childTnLst>
+                    </p:cTn>
+                  </p:par>
+                  <p:par>
+                    <p:cTn id="38" fill="hold">
+                      <p:stCondLst>
+                        <p:cond delay="indefinite"/>
+                      </p:stCondLst>
+                      <p:childTnLst>
+                        <p:par>
+                          <p:cTn id="39" fill="hold">
+                            <p:stCondLst>
+                              <p:cond delay="0"/>
+                            </p:stCondLst>
+                            <p:childTnLst>
+                              <p:par>
+                                <p:cTn id="40" presetID="4" presetClass="entr" presetSubtype="16" fill="hold" grpId="0" nodeType="clickEffect">
+                                  <p:stCondLst>
+                                    <p:cond delay="0"/>
+                                  </p:stCondLst>
+                                  <p:childTnLst>
+                                    <p:set>
+                                      <p:cBhvr>
+                                        <p:cTn id="41" dur="1" fill="hold">
+                                          <p:stCondLst>
+                                            <p:cond delay="0"/>
+                                          </p:stCondLst>
+                                        </p:cTn>
+                                        <p:tgtEl>
+                                          <p:spTgt spid="3">
+                                            <p:txEl>
+                                              <p:pRg st="7" end="7"/>
+                                            </p:txEl>
+                                          </p:spTgt>
+                                        </p:tgtEl>
+                                        <p:attrNameLst>
+                                          <p:attrName>style.visibility</p:attrName>
+                                        </p:attrNameLst>
+                                      </p:cBhvr>
+                                      <p:to>
+                                        <p:strVal val="visible"/>
+                                      </p:to>
+                                    </p:set>
+                                    <p:animEffect transition="in" filter="box(in)">
+                                      <p:cBhvr>
+                                        <p:cTn id="42" dur="500"/>
+                                        <p:tgtEl>
+                                          <p:spTgt spid="3">
+                                            <p:txEl>
+                                              <p:pRg st="7" end="7"/>
+                                            </p:txEl>
+                                          </p:spTgt>
+                                        </p:tgtEl>
+                                      </p:cBhvr>
+                                    </p:animEffect>
+                                  </p:childTnLst>
+                                </p:cTn>
+                              </p:par>
+                            </p:childTnLst>
+                          </p:cTn>
+                        </p:par>
+                      </p:childTnLst>
+                    </p:cTn>
+                  </p:par>
+                </p:childTnLst>
+              </p:cTn>
+              <p:prevCondLst>
+                <p:cond evt="onPrev" delay="0">
+                  <p:tgtEl>
+                    <p:sldTgt/>
+                  </p:tgtEl>
+                </p:cond>
+              </p:prevCondLst>
+              <p:nextCondLst>
+                <p:cond evt="onNext" delay="0">
+                  <p:tgtEl>
+                    <p:sldTgt/>
+                  </p:tgtEl>
+                </p:cond>
+              </p:nextCondLst>
+            </p:seq>
+          </p:childTnLst>
+        </p:cTn>
       </p:par>
     </p:tnLst>
+    <p:bldLst>
+      <p:bldP spid="3" grpId="0" build="p"/>
+    </p:bldLst>
   </p:timing>
 </p:sld>
 </file>
@@ -41829,18 +46179,10 @@
           <a:lstStyle/>
           <a:p>
             <a:r>
-              <a:rPr lang="de-DE" dirty="0" err="1" smtClean="0"/>
-              <a:t>At</a:t>
-            </a:r>
-            <a:r>
-              <a:rPr lang="de-DE" dirty="0" smtClean="0"/>
-              <a:t> Short </a:t>
-            </a:r>
-            <a:r>
-              <a:rPr lang="de-DE" dirty="0" err="1" smtClean="0"/>
-              <a:t>Present</a:t>
-            </a:r>
-            <a:endParaRPr lang="de-DE" dirty="0"/>
+              <a:rPr lang="en-US" dirty="0" smtClean="0"/>
+              <a:t>Today</a:t>
+            </a:r>
+            <a:endParaRPr lang="en-US" dirty="0"/>
           </a:p>
         </p:txBody>
       </p:sp>
@@ -44444,14 +48786,13 @@
                     <a:p>
                       <a:r>
                         <a:rPr lang="en-US" dirty="0" smtClean="0"/>
-                        <a:t>are aware of</a:t>
+                        <a:t>are </a:t>
                       </a:r>
-                    </a:p>
-                    <a:p>
                       <a:r>
                         <a:rPr lang="en-US" dirty="0" smtClean="0"/>
-                        <a:t>(not) knowing</a:t>
+                        <a:t>aware</a:t>
                       </a:r>
+                      <a:endParaRPr lang="en-US" dirty="0" smtClean="0"/>
                     </a:p>
                   </a:txBody>
                   <a:tcPr anchor="ctr">
@@ -44512,19 +48853,17 @@
                             <a:schemeClr val="bg1"/>
                           </a:solidFill>
                         </a:rPr>
-                        <a:t>aren’t aware of</a:t>
+                        <a:t>aren’t </a:t>
                       </a:r>
-                    </a:p>
-                    <a:p>
                       <a:r>
                         <a:rPr lang="en-US" dirty="0" smtClean="0">
                           <a:solidFill>
                             <a:schemeClr val="bg1"/>
                           </a:solidFill>
                         </a:rPr>
-                        <a:t>(not) knowing</a:t>
+                        <a:t>aware</a:t>
                       </a:r>
-                      <a:endParaRPr lang="en-US" dirty="0">
+                      <a:endParaRPr lang="en-US" dirty="0" smtClean="0">
                         <a:solidFill>
                           <a:schemeClr val="bg1"/>
                         </a:solidFill>

--- a/itl/libs/validate/doc/boostcon2010/BoostAlabaster.pptx
+++ b/itl/libs/validate/doc/boostcon2010/BoostAlabaster.pptx
@@ -5,7 +5,7 @@
     <p:sldMasterId id="2147483864" r:id="rId1"/>
   </p:sldMasterIdLst>
   <p:notesMasterIdLst>
-    <p:notesMasterId r:id="rId40"/>
+    <p:notesMasterId r:id="rId46"/>
   </p:notesMasterIdLst>
   <p:sldIdLst>
     <p:sldId id="256" r:id="rId2"/>
@@ -46,6 +46,12 @@
     <p:sldId id="302" r:id="rId37"/>
     <p:sldId id="281" r:id="rId38"/>
     <p:sldId id="307" r:id="rId39"/>
+    <p:sldId id="309" r:id="rId40"/>
+    <p:sldId id="311" r:id="rId41"/>
+    <p:sldId id="312" r:id="rId42"/>
+    <p:sldId id="313" r:id="rId43"/>
+    <p:sldId id="314" r:id="rId44"/>
+    <p:sldId id="315" r:id="rId45"/>
   </p:sldIdLst>
   <p:sldSz cx="9144000" cy="6858000" type="screen4x3"/>
   <p:notesSz cx="6858000" cy="9144000"/>
@@ -179,7 +185,7 @@
         <c:manualLayout>
           <c:xMode val="edge"/>
           <c:yMode val="edge"/>
-          <c:x val="0.37602229865024323"/>
+          <c:x val="0.37602229865024372"/>
           <c:y val="2.9411764705882356E-2"/>
         </c:manualLayout>
       </c:layout>
@@ -196,10 +202,10 @@
           <c:layoutTarget val="inner"/>
           <c:xMode val="edge"/>
           <c:yMode val="edge"/>
-          <c:x val="0.19618554712186512"/>
-          <c:y val="0.14075630252100949"/>
-          <c:w val="0.73569580170699445"/>
-          <c:h val="0.67016806722689481"/>
+          <c:x val="0.19618554712186528"/>
+          <c:y val="0.14075630252100962"/>
+          <c:w val="0.735695801706995"/>
+          <c:h val="0.67016806722689526"/>
         </c:manualLayout>
       </c:layout>
       <c:scatterChart>
@@ -412,11 +418,11 @@
             </c:numRef>
           </c:yVal>
         </c:ser>
-        <c:axId val="59147008"/>
-        <c:axId val="59149312"/>
+        <c:axId val="70259456"/>
+        <c:axId val="70261760"/>
       </c:scatterChart>
       <c:valAx>
-        <c:axId val="59147008"/>
+        <c:axId val="70259456"/>
         <c:scaling>
           <c:orientation val="minMax"/>
           <c:max val="212"/>
@@ -451,7 +457,7 @@
               <c:xMode val="edge"/>
               <c:yMode val="edge"/>
               <c:x val="0.45504147735210182"/>
-              <c:y val="0.86764705882353588"/>
+              <c:y val="0.86764705882353677"/>
             </c:manualLayout>
           </c:layout>
           <c:spPr>
@@ -488,12 +494,12 @@
             <a:endParaRPr lang="de-DE"/>
           </a:p>
         </c:txPr>
-        <c:crossAx val="59149312"/>
+        <c:crossAx val="70261760"/>
         <c:crosses val="autoZero"/>
         <c:crossBetween val="midCat"/>
       </c:valAx>
       <c:valAx>
-        <c:axId val="59149312"/>
+        <c:axId val="70261760"/>
         <c:scaling>
           <c:orientation val="minMax"/>
           <c:max val="1000"/>
@@ -536,7 +542,7 @@
             <c:manualLayout>
               <c:xMode val="edge"/>
               <c:yMode val="edge"/>
-              <c:x val="4.359678824930361E-2"/>
+              <c:x val="4.3596788249303693E-2"/>
               <c:y val="0.36344537815126082"/>
             </c:manualLayout>
           </c:layout>
@@ -574,7 +580,7 @@
             <a:endParaRPr lang="de-DE"/>
           </a:p>
         </c:txPr>
-        <c:crossAx val="59147008"/>
+        <c:crossAx val="70259456"/>
         <c:crosses val="autoZero"/>
         <c:crossBetween val="midCat"/>
       </c:valAx>
@@ -596,9 +602,9 @@
         <c:manualLayout>
           <c:xMode val="edge"/>
           <c:yMode val="edge"/>
-          <c:x val="0.34059990819768377"/>
-          <c:y val="0.93907563025210539"/>
-          <c:w val="0.44414228028977848"/>
+          <c:x val="0.34059990819768415"/>
+          <c:y val="0.93907563025210594"/>
+          <c:w val="0.44414228028977887"/>
           <c:h val="4.6218487394957986E-2"/>
         </c:manualLayout>
       </c:layout>
@@ -749,7 +755,7 @@
             <a:fld id="{088D250B-52E3-4D95-ABAE-0AF8D4EEA5C1}" type="datetimeFigureOut">
               <a:rPr lang="de-DE" smtClean="0"/>
               <a:pPr/>
-              <a:t>10.05.2010</a:t>
+              <a:t>11.05.2010</a:t>
             </a:fld>
             <a:endParaRPr lang="en-US"/>
           </a:p>
@@ -7868,7 +7874,7 @@
                             </p:stCondLst>
                             <p:childTnLst>
                               <p:par>
-                                <p:cTn id="5" presetID="4" presetClass="entr" presetSubtype="16" fill="hold" grpId="0" nodeType="clickEffect">
+                                <p:cTn id="5" presetID="4" presetClass="entr" presetSubtype="16" fill="hold" nodeType="clickEffect">
                                   <p:stCondLst>
                                     <p:cond delay="0"/>
                                   </p:stCondLst>
@@ -7910,33 +7916,15 @@
                                   </p:childTnLst>
                                 </p:cTn>
                               </p:par>
-                            </p:childTnLst>
-                          </p:cTn>
-                        </p:par>
-                      </p:childTnLst>
-                    </p:cTn>
-                  </p:par>
-                  <p:par>
-                    <p:cTn id="8" fill="hold">
-                      <p:stCondLst>
-                        <p:cond delay="indefinite"/>
-                      </p:stCondLst>
-                      <p:childTnLst>
-                        <p:par>
-                          <p:cTn id="9" fill="hold">
-                            <p:stCondLst>
-                              <p:cond delay="0"/>
-                            </p:stCondLst>
-                            <p:childTnLst>
                               <p:par>
-                                <p:cTn id="10" presetID="4" presetClass="entr" presetSubtype="16" fill="hold" grpId="0" nodeType="clickEffect">
+                                <p:cTn id="8" presetID="4" presetClass="entr" presetSubtype="16" fill="hold" nodeType="withEffect">
                                   <p:stCondLst>
                                     <p:cond delay="0"/>
                                   </p:stCondLst>
                                   <p:childTnLst>
                                     <p:set>
                                       <p:cBhvr>
-                                        <p:cTn id="11" dur="1" fill="hold">
+                                        <p:cTn id="9" dur="1" fill="hold">
                                           <p:stCondLst>
                                             <p:cond delay="0"/>
                                           </p:stCondLst>
@@ -7958,7 +7946,7 @@
                                     </p:set>
                                     <p:animEffect transition="in" filter="box(in)">
                                       <p:cBhvr>
-                                        <p:cTn id="12" dur="500"/>
+                                        <p:cTn id="10" dur="500"/>
                                         <p:tgtEl>
                                           <p:spTgt spid="4">
                                             <p:txEl>
@@ -7971,33 +7959,15 @@
                                   </p:childTnLst>
                                 </p:cTn>
                               </p:par>
-                            </p:childTnLst>
-                          </p:cTn>
-                        </p:par>
-                      </p:childTnLst>
-                    </p:cTn>
-                  </p:par>
-                  <p:par>
-                    <p:cTn id="13" fill="hold">
-                      <p:stCondLst>
-                        <p:cond delay="indefinite"/>
-                      </p:stCondLst>
-                      <p:childTnLst>
-                        <p:par>
-                          <p:cTn id="14" fill="hold">
-                            <p:stCondLst>
-                              <p:cond delay="0"/>
-                            </p:stCondLst>
-                            <p:childTnLst>
                               <p:par>
-                                <p:cTn id="15" presetID="4" presetClass="entr" presetSubtype="16" fill="hold" grpId="0" nodeType="clickEffect">
+                                <p:cTn id="11" presetID="4" presetClass="entr" presetSubtype="16" fill="hold" nodeType="withEffect">
                                   <p:stCondLst>
                                     <p:cond delay="0"/>
                                   </p:stCondLst>
                                   <p:childTnLst>
                                     <p:set>
                                       <p:cBhvr>
-                                        <p:cTn id="16" dur="1" fill="hold">
+                                        <p:cTn id="12" dur="1" fill="hold">
                                           <p:stCondLst>
                                             <p:cond delay="0"/>
                                           </p:stCondLst>
@@ -8019,7 +7989,7 @@
                                     </p:set>
                                     <p:animEffect transition="in" filter="box(in)">
                                       <p:cBhvr>
-                                        <p:cTn id="17" dur="500"/>
+                                        <p:cTn id="13" dur="500"/>
                                         <p:tgtEl>
                                           <p:spTgt spid="4">
                                             <p:txEl>
@@ -8039,26 +8009,26 @@
                     </p:cTn>
                   </p:par>
                   <p:par>
-                    <p:cTn id="18" fill="hold">
+                    <p:cTn id="14" fill="hold">
                       <p:stCondLst>
                         <p:cond delay="indefinite"/>
                       </p:stCondLst>
                       <p:childTnLst>
                         <p:par>
-                          <p:cTn id="19" fill="hold">
+                          <p:cTn id="15" fill="hold">
                             <p:stCondLst>
                               <p:cond delay="0"/>
                             </p:stCondLst>
                             <p:childTnLst>
                               <p:par>
-                                <p:cTn id="20" presetID="4" presetClass="entr" presetSubtype="16" fill="hold" grpId="0" nodeType="clickEffect">
+                                <p:cTn id="16" presetID="4" presetClass="entr" presetSubtype="16" fill="hold" nodeType="clickEffect">
                                   <p:stCondLst>
                                     <p:cond delay="0"/>
                                   </p:stCondLst>
                                   <p:childTnLst>
                                     <p:set>
                                       <p:cBhvr>
-                                        <p:cTn id="21" dur="1" fill="hold">
+                                        <p:cTn id="17" dur="1" fill="hold">
                                           <p:stCondLst>
                                             <p:cond delay="0"/>
                                           </p:stCondLst>
@@ -8080,7 +8050,7 @@
                                     </p:set>
                                     <p:animEffect transition="in" filter="box(in)">
                                       <p:cBhvr>
-                                        <p:cTn id="22" dur="500"/>
+                                        <p:cTn id="18" dur="500"/>
                                         <p:tgtEl>
                                           <p:spTgt spid="4">
                                             <p:txEl>
@@ -8120,9 +8090,6 @@
         </p:cTn>
       </p:par>
     </p:tnLst>
-    <p:bldLst>
-      <p:bldP spid="4" grpId="0" uiExpand="1" build="p"/>
-    </p:bldLst>
   </p:timing>
 </p:sld>
 </file>
@@ -8250,7 +8217,7 @@
             </a:r>
             <a:r>
               <a:rPr lang="en-US" dirty="0" smtClean="0"/>
-              <a:t> about the program or it’s properties</a:t>
+              <a:t> about the program or its properties</a:t>
             </a:r>
           </a:p>
           <a:p>
@@ -12679,218 +12646,9 @@
   <p:timing>
     <p:tnLst>
       <p:par>
-        <p:cTn id="1" dur="indefinite" restart="never" nodeType="tmRoot">
-          <p:childTnLst>
-            <p:seq concurrent="1" nextAc="seek">
-              <p:cTn id="2" dur="indefinite" nodeType="mainSeq">
-                <p:childTnLst>
-                  <p:par>
-                    <p:cTn id="3" fill="hold">
-                      <p:stCondLst>
-                        <p:cond delay="indefinite"/>
-                      </p:stCondLst>
-                      <p:childTnLst>
-                        <p:par>
-                          <p:cTn id="4" fill="hold">
-                            <p:stCondLst>
-                              <p:cond delay="0"/>
-                            </p:stCondLst>
-                            <p:childTnLst>
-                              <p:par>
-                                <p:cTn id="5" presetID="4" presetClass="entr" presetSubtype="16" fill="hold" grpId="0" nodeType="clickEffect">
-                                  <p:stCondLst>
-                                    <p:cond delay="0"/>
-                                  </p:stCondLst>
-                                  <p:childTnLst>
-                                    <p:set>
-                                      <p:cBhvr>
-                                        <p:cTn id="6" dur="1" fill="hold">
-                                          <p:stCondLst>
-                                            <p:cond delay="0"/>
-                                          </p:stCondLst>
-                                        </p:cTn>
-                                        <p:tgtEl>
-                                          <p:spTgt spid="3">
-                                            <p:txEl>
-                                              <p:pRg st="0" end="0"/>
-                                            </p:txEl>
-                                          </p:spTgt>
-                                        </p:tgtEl>
-                                        <p:attrNameLst>
-                                          <p:attrName>style.visibility</p:attrName>
-                                        </p:attrNameLst>
-                                      </p:cBhvr>
-                                      <p:to>
-                                        <p:strVal val="visible"/>
-                                      </p:to>
-                                    </p:set>
-                                    <p:animEffect transition="in" filter="box(in)">
-                                      <p:cBhvr>
-                                        <p:cTn id="7" dur="500"/>
-                                        <p:tgtEl>
-                                          <p:spTgt spid="3">
-                                            <p:txEl>
-                                              <p:pRg st="0" end="0"/>
-                                            </p:txEl>
-                                          </p:spTgt>
-                                        </p:tgtEl>
-                                      </p:cBhvr>
-                                    </p:animEffect>
-                                  </p:childTnLst>
-                                </p:cTn>
-                              </p:par>
-                            </p:childTnLst>
-                          </p:cTn>
-                        </p:par>
-                      </p:childTnLst>
-                    </p:cTn>
-                  </p:par>
-                  <p:par>
-                    <p:cTn id="8" fill="hold">
-                      <p:stCondLst>
-                        <p:cond delay="indefinite"/>
-                      </p:stCondLst>
-                      <p:childTnLst>
-                        <p:par>
-                          <p:cTn id="9" fill="hold">
-                            <p:stCondLst>
-                              <p:cond delay="0"/>
-                            </p:stCondLst>
-                            <p:childTnLst>
-                              <p:par>
-                                <p:cTn id="10" presetID="4" presetClass="entr" presetSubtype="16" fill="hold" grpId="0" nodeType="clickEffect">
-                                  <p:stCondLst>
-                                    <p:cond delay="0"/>
-                                  </p:stCondLst>
-                                  <p:childTnLst>
-                                    <p:set>
-                                      <p:cBhvr>
-                                        <p:cTn id="11" dur="1" fill="hold">
-                                          <p:stCondLst>
-                                            <p:cond delay="0"/>
-                                          </p:stCondLst>
-                                        </p:cTn>
-                                        <p:tgtEl>
-                                          <p:spTgt spid="3">
-                                            <p:txEl>
-                                              <p:pRg st="1" end="1"/>
-                                            </p:txEl>
-                                          </p:spTgt>
-                                        </p:tgtEl>
-                                        <p:attrNameLst>
-                                          <p:attrName>style.visibility</p:attrName>
-                                        </p:attrNameLst>
-                                      </p:cBhvr>
-                                      <p:to>
-                                        <p:strVal val="visible"/>
-                                      </p:to>
-                                    </p:set>
-                                    <p:animEffect transition="in" filter="box(in)">
-                                      <p:cBhvr>
-                                        <p:cTn id="12" dur="500"/>
-                                        <p:tgtEl>
-                                          <p:spTgt spid="3">
-                                            <p:txEl>
-                                              <p:pRg st="1" end="1"/>
-                                            </p:txEl>
-                                          </p:spTgt>
-                                        </p:tgtEl>
-                                      </p:cBhvr>
-                                    </p:animEffect>
-                                  </p:childTnLst>
-                                </p:cTn>
-                              </p:par>
-                            </p:childTnLst>
-                          </p:cTn>
-                        </p:par>
-                      </p:childTnLst>
-                    </p:cTn>
-                  </p:par>
-                  <p:par>
-                    <p:cTn id="13" fill="hold">
-                      <p:stCondLst>
-                        <p:cond delay="indefinite"/>
-                      </p:stCondLst>
-                      <p:childTnLst>
-                        <p:par>
-                          <p:cTn id="14" fill="hold">
-                            <p:stCondLst>
-                              <p:cond delay="0"/>
-                            </p:stCondLst>
-                            <p:childTnLst>
-                              <p:par>
-                                <p:cTn id="15" presetID="4" presetClass="entr" presetSubtype="16" fill="hold" grpId="0" nodeType="clickEffect">
-                                  <p:stCondLst>
-                                    <p:cond delay="0"/>
-                                  </p:stCondLst>
-                                  <p:childTnLst>
-                                    <p:set>
-                                      <p:cBhvr>
-                                        <p:cTn id="16" dur="1" fill="hold">
-                                          <p:stCondLst>
-                                            <p:cond delay="0"/>
-                                          </p:stCondLst>
-                                        </p:cTn>
-                                        <p:tgtEl>
-                                          <p:spTgt spid="3">
-                                            <p:txEl>
-                                              <p:pRg st="2" end="2"/>
-                                            </p:txEl>
-                                          </p:spTgt>
-                                        </p:tgtEl>
-                                        <p:attrNameLst>
-                                          <p:attrName>style.visibility</p:attrName>
-                                        </p:attrNameLst>
-                                      </p:cBhvr>
-                                      <p:to>
-                                        <p:strVal val="visible"/>
-                                      </p:to>
-                                    </p:set>
-                                    <p:animEffect transition="in" filter="box(in)">
-                                      <p:cBhvr>
-                                        <p:cTn id="17" dur="500"/>
-                                        <p:tgtEl>
-                                          <p:spTgt spid="3">
-                                            <p:txEl>
-                                              <p:pRg st="2" end="2"/>
-                                            </p:txEl>
-                                          </p:spTgt>
-                                        </p:tgtEl>
-                                      </p:cBhvr>
-                                    </p:animEffect>
-                                  </p:childTnLst>
-                                </p:cTn>
-                              </p:par>
-                            </p:childTnLst>
-                          </p:cTn>
-                        </p:par>
-                      </p:childTnLst>
-                    </p:cTn>
-                  </p:par>
-                </p:childTnLst>
-              </p:cTn>
-              <p:prevCondLst>
-                <p:cond evt="onPrev" delay="0">
-                  <p:tgtEl>
-                    <p:sldTgt/>
-                  </p:tgtEl>
-                </p:cond>
-              </p:prevCondLst>
-              <p:nextCondLst>
-                <p:cond evt="onNext" delay="0">
-                  <p:tgtEl>
-                    <p:sldTgt/>
-                  </p:tgtEl>
-                </p:cond>
-              </p:nextCondLst>
-            </p:seq>
-          </p:childTnLst>
-        </p:cTn>
+        <p:cTn id="1" dur="indefinite" restart="never" nodeType="tmRoot"/>
       </p:par>
     </p:tnLst>
-    <p:bldLst>
-      <p:bldP spid="3" grpId="0" build="p"/>
-    </p:bldLst>
   </p:timing>
 </p:sld>
 </file>
@@ -22030,10 +21788,23 @@
                 <a:latin typeface="Consolas" pitchFamily="49" charset="0"/>
                 <a:cs typeface="Consolas" pitchFamily="49" charset="0"/>
               </a:rPr>
-              <a:t>&lt;_</a:t>
+              <a:t>&lt;</a:t>
+            </a:r>
+            <a:r>
+              <a:rPr lang="en-US" dirty="0" smtClean="0">
+                <a:solidFill>
+                  <a:srgbClr val="0070C0"/>
+                </a:solidFill>
+                <a:latin typeface="Consolas" pitchFamily="49" charset="0"/>
+                <a:cs typeface="Consolas" pitchFamily="49" charset="0"/>
+              </a:rPr>
+              <a:t>_</a:t>
             </a:r>
             <a:r>
               <a:rPr lang="en-US" dirty="0" err="1" smtClean="0">
+                <a:solidFill>
+                  <a:srgbClr val="0070C0"/>
+                </a:solidFill>
                 <a:latin typeface="Consolas" pitchFamily="49" charset="0"/>
                 <a:cs typeface="Consolas" pitchFamily="49" charset="0"/>
               </a:rPr>
@@ -24262,455 +24033,9 @@
   <p:timing>
     <p:tnLst>
       <p:par>
-        <p:cTn id="1" dur="indefinite" restart="never" nodeType="tmRoot">
-          <p:childTnLst>
-            <p:seq concurrent="1" nextAc="seek">
-              <p:cTn id="2" dur="indefinite" nodeType="mainSeq">
-                <p:childTnLst>
-                  <p:par>
-                    <p:cTn id="3" fill="hold">
-                      <p:stCondLst>
-                        <p:cond delay="indefinite"/>
-                      </p:stCondLst>
-                      <p:childTnLst>
-                        <p:par>
-                          <p:cTn id="4" fill="hold">
-                            <p:stCondLst>
-                              <p:cond delay="0"/>
-                            </p:stCondLst>
-                            <p:childTnLst>
-                              <p:par>
-                                <p:cTn id="5" presetID="4" presetClass="entr" presetSubtype="16" fill="hold" grpId="0" nodeType="clickEffect">
-                                  <p:stCondLst>
-                                    <p:cond delay="0"/>
-                                  </p:stCondLst>
-                                  <p:childTnLst>
-                                    <p:set>
-                                      <p:cBhvr>
-                                        <p:cTn id="6" dur="1" fill="hold">
-                                          <p:stCondLst>
-                                            <p:cond delay="0"/>
-                                          </p:stCondLst>
-                                        </p:cTn>
-                                        <p:tgtEl>
-                                          <p:spTgt spid="3">
-                                            <p:txEl>
-                                              <p:pRg st="0" end="0"/>
-                                            </p:txEl>
-                                          </p:spTgt>
-                                        </p:tgtEl>
-                                        <p:attrNameLst>
-                                          <p:attrName>style.visibility</p:attrName>
-                                        </p:attrNameLst>
-                                      </p:cBhvr>
-                                      <p:to>
-                                        <p:strVal val="visible"/>
-                                      </p:to>
-                                    </p:set>
-                                    <p:animEffect transition="in" filter="box(in)">
-                                      <p:cBhvr>
-                                        <p:cTn id="7" dur="500"/>
-                                        <p:tgtEl>
-                                          <p:spTgt spid="3">
-                                            <p:txEl>
-                                              <p:pRg st="0" end="0"/>
-                                            </p:txEl>
-                                          </p:spTgt>
-                                        </p:tgtEl>
-                                      </p:cBhvr>
-                                    </p:animEffect>
-                                  </p:childTnLst>
-                                </p:cTn>
-                              </p:par>
-                            </p:childTnLst>
-                          </p:cTn>
-                        </p:par>
-                      </p:childTnLst>
-                    </p:cTn>
-                  </p:par>
-                  <p:par>
-                    <p:cTn id="8" fill="hold">
-                      <p:stCondLst>
-                        <p:cond delay="indefinite"/>
-                      </p:stCondLst>
-                      <p:childTnLst>
-                        <p:par>
-                          <p:cTn id="9" fill="hold">
-                            <p:stCondLst>
-                              <p:cond delay="0"/>
-                            </p:stCondLst>
-                            <p:childTnLst>
-                              <p:par>
-                                <p:cTn id="10" presetID="4" presetClass="entr" presetSubtype="16" fill="hold" grpId="0" nodeType="clickEffect">
-                                  <p:stCondLst>
-                                    <p:cond delay="0"/>
-                                  </p:stCondLst>
-                                  <p:childTnLst>
-                                    <p:set>
-                                      <p:cBhvr>
-                                        <p:cTn id="11" dur="1" fill="hold">
-                                          <p:stCondLst>
-                                            <p:cond delay="0"/>
-                                          </p:stCondLst>
-                                        </p:cTn>
-                                        <p:tgtEl>
-                                          <p:spTgt spid="11">
-                                            <p:txEl>
-                                              <p:pRg st="0" end="0"/>
-                                            </p:txEl>
-                                          </p:spTgt>
-                                        </p:tgtEl>
-                                        <p:attrNameLst>
-                                          <p:attrName>style.visibility</p:attrName>
-                                        </p:attrNameLst>
-                                      </p:cBhvr>
-                                      <p:to>
-                                        <p:strVal val="visible"/>
-                                      </p:to>
-                                    </p:set>
-                                    <p:animEffect transition="in" filter="box(in)">
-                                      <p:cBhvr>
-                                        <p:cTn id="12" dur="500"/>
-                                        <p:tgtEl>
-                                          <p:spTgt spid="11">
-                                            <p:txEl>
-                                              <p:pRg st="0" end="0"/>
-                                            </p:txEl>
-                                          </p:spTgt>
-                                        </p:tgtEl>
-                                      </p:cBhvr>
-                                    </p:animEffect>
-                                  </p:childTnLst>
-                                </p:cTn>
-                              </p:par>
-                            </p:childTnLst>
-                          </p:cTn>
-                        </p:par>
-                      </p:childTnLst>
-                    </p:cTn>
-                  </p:par>
-                  <p:par>
-                    <p:cTn id="13" fill="hold">
-                      <p:stCondLst>
-                        <p:cond delay="indefinite"/>
-                      </p:stCondLst>
-                      <p:childTnLst>
-                        <p:par>
-                          <p:cTn id="14" fill="hold">
-                            <p:stCondLst>
-                              <p:cond delay="0"/>
-                            </p:stCondLst>
-                            <p:childTnLst>
-                              <p:par>
-                                <p:cTn id="15" presetID="4" presetClass="entr" presetSubtype="16" fill="hold" grpId="0" nodeType="clickEffect">
-                                  <p:stCondLst>
-                                    <p:cond delay="0"/>
-                                  </p:stCondLst>
-                                  <p:childTnLst>
-                                    <p:set>
-                                      <p:cBhvr>
-                                        <p:cTn id="16" dur="1" fill="hold">
-                                          <p:stCondLst>
-                                            <p:cond delay="0"/>
-                                          </p:stCondLst>
-                                        </p:cTn>
-                                        <p:tgtEl>
-                                          <p:spTgt spid="11">
-                                            <p:txEl>
-                                              <p:pRg st="1" end="1"/>
-                                            </p:txEl>
-                                          </p:spTgt>
-                                        </p:tgtEl>
-                                        <p:attrNameLst>
-                                          <p:attrName>style.visibility</p:attrName>
-                                        </p:attrNameLst>
-                                      </p:cBhvr>
-                                      <p:to>
-                                        <p:strVal val="visible"/>
-                                      </p:to>
-                                    </p:set>
-                                    <p:animEffect transition="in" filter="box(in)">
-                                      <p:cBhvr>
-                                        <p:cTn id="17" dur="500"/>
-                                        <p:tgtEl>
-                                          <p:spTgt spid="11">
-                                            <p:txEl>
-                                              <p:pRg st="1" end="1"/>
-                                            </p:txEl>
-                                          </p:spTgt>
-                                        </p:tgtEl>
-                                      </p:cBhvr>
-                                    </p:animEffect>
-                                  </p:childTnLst>
-                                </p:cTn>
-                              </p:par>
-                            </p:childTnLst>
-                          </p:cTn>
-                        </p:par>
-                      </p:childTnLst>
-                    </p:cTn>
-                  </p:par>
-                  <p:par>
-                    <p:cTn id="18" fill="hold">
-                      <p:stCondLst>
-                        <p:cond delay="indefinite"/>
-                      </p:stCondLst>
-                      <p:childTnLst>
-                        <p:par>
-                          <p:cTn id="19" fill="hold">
-                            <p:stCondLst>
-                              <p:cond delay="0"/>
-                            </p:stCondLst>
-                            <p:childTnLst>
-                              <p:par>
-                                <p:cTn id="20" presetID="4" presetClass="entr" presetSubtype="16" fill="hold" grpId="0" nodeType="clickEffect">
-                                  <p:stCondLst>
-                                    <p:cond delay="0"/>
-                                  </p:stCondLst>
-                                  <p:childTnLst>
-                                    <p:set>
-                                      <p:cBhvr>
-                                        <p:cTn id="21" dur="1" fill="hold">
-                                          <p:stCondLst>
-                                            <p:cond delay="0"/>
-                                          </p:stCondLst>
-                                        </p:cTn>
-                                        <p:tgtEl>
-                                          <p:spTgt spid="7"/>
-                                        </p:tgtEl>
-                                        <p:attrNameLst>
-                                          <p:attrName>style.visibility</p:attrName>
-                                        </p:attrNameLst>
-                                      </p:cBhvr>
-                                      <p:to>
-                                        <p:strVal val="visible"/>
-                                      </p:to>
-                                    </p:set>
-                                    <p:animEffect transition="in" filter="box(in)">
-                                      <p:cBhvr>
-                                        <p:cTn id="22" dur="500"/>
-                                        <p:tgtEl>
-                                          <p:spTgt spid="7"/>
-                                        </p:tgtEl>
-                                      </p:cBhvr>
-                                    </p:animEffect>
-                                  </p:childTnLst>
-                                </p:cTn>
-                              </p:par>
-                            </p:childTnLst>
-                          </p:cTn>
-                        </p:par>
-                      </p:childTnLst>
-                    </p:cTn>
-                  </p:par>
-                  <p:par>
-                    <p:cTn id="23" fill="hold">
-                      <p:stCondLst>
-                        <p:cond delay="indefinite"/>
-                      </p:stCondLst>
-                      <p:childTnLst>
-                        <p:par>
-                          <p:cTn id="24" fill="hold">
-                            <p:stCondLst>
-                              <p:cond delay="0"/>
-                            </p:stCondLst>
-                            <p:childTnLst>
-                              <p:par>
-                                <p:cTn id="25" presetID="2" presetClass="entr" presetSubtype="4" fill="hold" nodeType="clickEffect">
-                                  <p:stCondLst>
-                                    <p:cond delay="0"/>
-                                  </p:stCondLst>
-                                  <p:childTnLst>
-                                    <p:set>
-                                      <p:cBhvr>
-                                        <p:cTn id="26" dur="1" fill="hold">
-                                          <p:stCondLst>
-                                            <p:cond delay="0"/>
-                                          </p:stCondLst>
-                                        </p:cTn>
-                                        <p:tgtEl>
-                                          <p:spTgt spid="9"/>
-                                        </p:tgtEl>
-                                        <p:attrNameLst>
-                                          <p:attrName>style.visibility</p:attrName>
-                                        </p:attrNameLst>
-                                      </p:cBhvr>
-                                      <p:to>
-                                        <p:strVal val="visible"/>
-                                      </p:to>
-                                    </p:set>
-                                    <p:anim calcmode="lin" valueType="num">
-                                      <p:cBhvr additive="base">
-                                        <p:cTn id="27" dur="500" fill="hold"/>
-                                        <p:tgtEl>
-                                          <p:spTgt spid="9"/>
-                                        </p:tgtEl>
-                                        <p:attrNameLst>
-                                          <p:attrName>ppt_x</p:attrName>
-                                        </p:attrNameLst>
-                                      </p:cBhvr>
-                                      <p:tavLst>
-                                        <p:tav tm="0">
-                                          <p:val>
-                                            <p:strVal val="#ppt_x"/>
-                                          </p:val>
-                                        </p:tav>
-                                        <p:tav tm="100000">
-                                          <p:val>
-                                            <p:strVal val="#ppt_x"/>
-                                          </p:val>
-                                        </p:tav>
-                                      </p:tavLst>
-                                    </p:anim>
-                                    <p:anim calcmode="lin" valueType="num">
-                                      <p:cBhvr additive="base">
-                                        <p:cTn id="28" dur="500" fill="hold"/>
-                                        <p:tgtEl>
-                                          <p:spTgt spid="9"/>
-                                        </p:tgtEl>
-                                        <p:attrNameLst>
-                                          <p:attrName>ppt_y</p:attrName>
-                                        </p:attrNameLst>
-                                      </p:cBhvr>
-                                      <p:tavLst>
-                                        <p:tav tm="0">
-                                          <p:val>
-                                            <p:strVal val="1+#ppt_h/2"/>
-                                          </p:val>
-                                        </p:tav>
-                                        <p:tav tm="100000">
-                                          <p:val>
-                                            <p:strVal val="#ppt_y"/>
-                                          </p:val>
-                                        </p:tav>
-                                      </p:tavLst>
-                                    </p:anim>
-                                  </p:childTnLst>
-                                </p:cTn>
-                              </p:par>
-                            </p:childTnLst>
-                          </p:cTn>
-                        </p:par>
-                      </p:childTnLst>
-                    </p:cTn>
-                  </p:par>
-                  <p:par>
-                    <p:cTn id="29" fill="hold">
-                      <p:stCondLst>
-                        <p:cond delay="indefinite"/>
-                      </p:stCondLst>
-                      <p:childTnLst>
-                        <p:par>
-                          <p:cTn id="30" fill="hold">
-                            <p:stCondLst>
-                              <p:cond delay="0"/>
-                            </p:stCondLst>
-                            <p:childTnLst>
-                              <p:par>
-                                <p:cTn id="31" presetID="2" presetClass="entr" presetSubtype="4" fill="hold" nodeType="clickEffect">
-                                  <p:stCondLst>
-                                    <p:cond delay="0"/>
-                                  </p:stCondLst>
-                                  <p:childTnLst>
-                                    <p:set>
-                                      <p:cBhvr>
-                                        <p:cTn id="32" dur="1" fill="hold">
-                                          <p:stCondLst>
-                                            <p:cond delay="0"/>
-                                          </p:stCondLst>
-                                        </p:cTn>
-                                        <p:tgtEl>
-                                          <p:spTgt spid="12"/>
-                                        </p:tgtEl>
-                                        <p:attrNameLst>
-                                          <p:attrName>style.visibility</p:attrName>
-                                        </p:attrNameLst>
-                                      </p:cBhvr>
-                                      <p:to>
-                                        <p:strVal val="visible"/>
-                                      </p:to>
-                                    </p:set>
-                                    <p:anim calcmode="lin" valueType="num">
-                                      <p:cBhvr additive="base">
-                                        <p:cTn id="33" dur="500" fill="hold"/>
-                                        <p:tgtEl>
-                                          <p:spTgt spid="12"/>
-                                        </p:tgtEl>
-                                        <p:attrNameLst>
-                                          <p:attrName>ppt_x</p:attrName>
-                                        </p:attrNameLst>
-                                      </p:cBhvr>
-                                      <p:tavLst>
-                                        <p:tav tm="0">
-                                          <p:val>
-                                            <p:strVal val="#ppt_x"/>
-                                          </p:val>
-                                        </p:tav>
-                                        <p:tav tm="100000">
-                                          <p:val>
-                                            <p:strVal val="#ppt_x"/>
-                                          </p:val>
-                                        </p:tav>
-                                      </p:tavLst>
-                                    </p:anim>
-                                    <p:anim calcmode="lin" valueType="num">
-                                      <p:cBhvr additive="base">
-                                        <p:cTn id="34" dur="500" fill="hold"/>
-                                        <p:tgtEl>
-                                          <p:spTgt spid="12"/>
-                                        </p:tgtEl>
-                                        <p:attrNameLst>
-                                          <p:attrName>ppt_y</p:attrName>
-                                        </p:attrNameLst>
-                                      </p:cBhvr>
-                                      <p:tavLst>
-                                        <p:tav tm="0">
-                                          <p:val>
-                                            <p:strVal val="1+#ppt_h/2"/>
-                                          </p:val>
-                                        </p:tav>
-                                        <p:tav tm="100000">
-                                          <p:val>
-                                            <p:strVal val="#ppt_y"/>
-                                          </p:val>
-                                        </p:tav>
-                                      </p:tavLst>
-                                    </p:anim>
-                                  </p:childTnLst>
-                                </p:cTn>
-                              </p:par>
-                            </p:childTnLst>
-                          </p:cTn>
-                        </p:par>
-                      </p:childTnLst>
-                    </p:cTn>
-                  </p:par>
-                </p:childTnLst>
-              </p:cTn>
-              <p:prevCondLst>
-                <p:cond evt="onPrev" delay="0">
-                  <p:tgtEl>
-                    <p:sldTgt/>
-                  </p:tgtEl>
-                </p:cond>
-              </p:prevCondLst>
-              <p:nextCondLst>
-                <p:cond evt="onNext" delay="0">
-                  <p:tgtEl>
-                    <p:sldTgt/>
-                  </p:tgtEl>
-                </p:cond>
-              </p:nextCondLst>
-            </p:seq>
-          </p:childTnLst>
-        </p:cTn>
+        <p:cTn id="1" dur="indefinite" restart="never" nodeType="tmRoot"/>
       </p:par>
     </p:tnLst>
-    <p:bldLst>
-      <p:bldP spid="3" grpId="0" build="p"/>
-      <p:bldP spid="7" grpId="0" animBg="1"/>
-      <p:bldP spid="11" grpId="0" build="p"/>
-    </p:bldLst>
   </p:timing>
 </p:sld>
 </file>
@@ -25406,623 +24731,9 @@
   <p:timing>
     <p:tnLst>
       <p:par>
-        <p:cTn id="1" dur="indefinite" restart="never" nodeType="tmRoot">
-          <p:childTnLst>
-            <p:seq concurrent="1" nextAc="seek">
-              <p:cTn id="2" dur="indefinite" nodeType="mainSeq">
-                <p:childTnLst>
-                  <p:par>
-                    <p:cTn id="3" fill="hold">
-                      <p:stCondLst>
-                        <p:cond delay="indefinite"/>
-                      </p:stCondLst>
-                      <p:childTnLst>
-                        <p:par>
-                          <p:cTn id="4" fill="hold">
-                            <p:stCondLst>
-                              <p:cond delay="0"/>
-                            </p:stCondLst>
-                            <p:childTnLst>
-                              <p:par>
-                                <p:cTn id="5" presetID="4" presetClass="entr" presetSubtype="16" fill="hold" grpId="0" nodeType="clickEffect">
-                                  <p:stCondLst>
-                                    <p:cond delay="0"/>
-                                  </p:stCondLst>
-                                  <p:childTnLst>
-                                    <p:set>
-                                      <p:cBhvr>
-                                        <p:cTn id="6" dur="1" fill="hold">
-                                          <p:stCondLst>
-                                            <p:cond delay="0"/>
-                                          </p:stCondLst>
-                                        </p:cTn>
-                                        <p:tgtEl>
-                                          <p:spTgt spid="3">
-                                            <p:txEl>
-                                              <p:pRg st="0" end="0"/>
-                                            </p:txEl>
-                                          </p:spTgt>
-                                        </p:tgtEl>
-                                        <p:attrNameLst>
-                                          <p:attrName>style.visibility</p:attrName>
-                                        </p:attrNameLst>
-                                      </p:cBhvr>
-                                      <p:to>
-                                        <p:strVal val="visible"/>
-                                      </p:to>
-                                    </p:set>
-                                    <p:animEffect transition="in" filter="box(in)">
-                                      <p:cBhvr>
-                                        <p:cTn id="7" dur="500"/>
-                                        <p:tgtEl>
-                                          <p:spTgt spid="3">
-                                            <p:txEl>
-                                              <p:pRg st="0" end="0"/>
-                                            </p:txEl>
-                                          </p:spTgt>
-                                        </p:tgtEl>
-                                      </p:cBhvr>
-                                    </p:animEffect>
-                                  </p:childTnLst>
-                                </p:cTn>
-                              </p:par>
-                            </p:childTnLst>
-                          </p:cTn>
-                        </p:par>
-                      </p:childTnLst>
-                    </p:cTn>
-                  </p:par>
-                  <p:par>
-                    <p:cTn id="8" fill="hold">
-                      <p:stCondLst>
-                        <p:cond delay="indefinite"/>
-                      </p:stCondLst>
-                      <p:childTnLst>
-                        <p:par>
-                          <p:cTn id="9" fill="hold">
-                            <p:stCondLst>
-                              <p:cond delay="0"/>
-                            </p:stCondLst>
-                            <p:childTnLst>
-                              <p:par>
-                                <p:cTn id="10" presetID="4" presetClass="entr" presetSubtype="16" fill="hold" grpId="0" nodeType="clickEffect">
-                                  <p:stCondLst>
-                                    <p:cond delay="0"/>
-                                  </p:stCondLst>
-                                  <p:childTnLst>
-                                    <p:set>
-                                      <p:cBhvr>
-                                        <p:cTn id="11" dur="1" fill="hold">
-                                          <p:stCondLst>
-                                            <p:cond delay="0"/>
-                                          </p:stCondLst>
-                                        </p:cTn>
-                                        <p:tgtEl>
-                                          <p:spTgt spid="3">
-                                            <p:txEl>
-                                              <p:pRg st="1" end="1"/>
-                                            </p:txEl>
-                                          </p:spTgt>
-                                        </p:tgtEl>
-                                        <p:attrNameLst>
-                                          <p:attrName>style.visibility</p:attrName>
-                                        </p:attrNameLst>
-                                      </p:cBhvr>
-                                      <p:to>
-                                        <p:strVal val="visible"/>
-                                      </p:to>
-                                    </p:set>
-                                    <p:animEffect transition="in" filter="box(in)">
-                                      <p:cBhvr>
-                                        <p:cTn id="12" dur="500"/>
-                                        <p:tgtEl>
-                                          <p:spTgt spid="3">
-                                            <p:txEl>
-                                              <p:pRg st="1" end="1"/>
-                                            </p:txEl>
-                                          </p:spTgt>
-                                        </p:tgtEl>
-                                      </p:cBhvr>
-                                    </p:animEffect>
-                                  </p:childTnLst>
-                                </p:cTn>
-                              </p:par>
-                            </p:childTnLst>
-                          </p:cTn>
-                        </p:par>
-                      </p:childTnLst>
-                    </p:cTn>
-                  </p:par>
-                  <p:par>
-                    <p:cTn id="13" fill="hold">
-                      <p:stCondLst>
-                        <p:cond delay="indefinite"/>
-                      </p:stCondLst>
-                      <p:childTnLst>
-                        <p:par>
-                          <p:cTn id="14" fill="hold">
-                            <p:stCondLst>
-                              <p:cond delay="0"/>
-                            </p:stCondLst>
-                            <p:childTnLst>
-                              <p:par>
-                                <p:cTn id="15" presetID="1" presetClass="entr" presetSubtype="0" fill="hold" nodeType="clickEffect">
-                                  <p:stCondLst>
-                                    <p:cond delay="0"/>
-                                  </p:stCondLst>
-                                  <p:childTnLst>
-                                    <p:set>
-                                      <p:cBhvr>
-                                        <p:cTn id="16" dur="1" fill="hold">
-                                          <p:stCondLst>
-                                            <p:cond delay="0"/>
-                                          </p:stCondLst>
-                                        </p:cTn>
-                                        <p:tgtEl>
-                                          <p:spTgt spid="8">
-                                            <p:txEl>
-                                              <p:pRg st="0" end="0"/>
-                                            </p:txEl>
-                                          </p:spTgt>
-                                        </p:tgtEl>
-                                        <p:attrNameLst>
-                                          <p:attrName>style.visibility</p:attrName>
-                                        </p:attrNameLst>
-                                      </p:cBhvr>
-                                      <p:to>
-                                        <p:strVal val="visible"/>
-                                      </p:to>
-                                    </p:set>
-                                  </p:childTnLst>
-                                </p:cTn>
-                              </p:par>
-                              <p:par>
-                                <p:cTn id="17" presetID="1" presetClass="entr" presetSubtype="0" fill="hold" nodeType="withEffect">
-                                  <p:stCondLst>
-                                    <p:cond delay="0"/>
-                                  </p:stCondLst>
-                                  <p:childTnLst>
-                                    <p:set>
-                                      <p:cBhvr>
-                                        <p:cTn id="18" dur="1" fill="hold">
-                                          <p:stCondLst>
-                                            <p:cond delay="0"/>
-                                          </p:stCondLst>
-                                        </p:cTn>
-                                        <p:tgtEl>
-                                          <p:spTgt spid="8">
-                                            <p:txEl>
-                                              <p:pRg st="1" end="1"/>
-                                            </p:txEl>
-                                          </p:spTgt>
-                                        </p:tgtEl>
-                                        <p:attrNameLst>
-                                          <p:attrName>style.visibility</p:attrName>
-                                        </p:attrNameLst>
-                                      </p:cBhvr>
-                                      <p:to>
-                                        <p:strVal val="visible"/>
-                                      </p:to>
-                                    </p:set>
-                                  </p:childTnLst>
-                                </p:cTn>
-                              </p:par>
-                              <p:par>
-                                <p:cTn id="19" presetID="1" presetClass="entr" presetSubtype="0" fill="hold" nodeType="withEffect">
-                                  <p:stCondLst>
-                                    <p:cond delay="0"/>
-                                  </p:stCondLst>
-                                  <p:childTnLst>
-                                    <p:set>
-                                      <p:cBhvr>
-                                        <p:cTn id="20" dur="1" fill="hold">
-                                          <p:stCondLst>
-                                            <p:cond delay="0"/>
-                                          </p:stCondLst>
-                                        </p:cTn>
-                                        <p:tgtEl>
-                                          <p:spTgt spid="8">
-                                            <p:txEl>
-                                              <p:pRg st="2" end="2"/>
-                                            </p:txEl>
-                                          </p:spTgt>
-                                        </p:tgtEl>
-                                        <p:attrNameLst>
-                                          <p:attrName>style.visibility</p:attrName>
-                                        </p:attrNameLst>
-                                      </p:cBhvr>
-                                      <p:to>
-                                        <p:strVal val="visible"/>
-                                      </p:to>
-                                    </p:set>
-                                  </p:childTnLst>
-                                </p:cTn>
-                              </p:par>
-                            </p:childTnLst>
-                          </p:cTn>
-                        </p:par>
-                      </p:childTnLst>
-                    </p:cTn>
-                  </p:par>
-                  <p:par>
-                    <p:cTn id="21" fill="hold">
-                      <p:stCondLst>
-                        <p:cond delay="indefinite"/>
-                      </p:stCondLst>
-                      <p:childTnLst>
-                        <p:par>
-                          <p:cTn id="22" fill="hold">
-                            <p:stCondLst>
-                              <p:cond delay="0"/>
-                            </p:stCondLst>
-                            <p:childTnLst>
-                              <p:par>
-                                <p:cTn id="23" presetID="1" presetClass="entr" presetSubtype="0" fill="hold" nodeType="clickEffect">
-                                  <p:stCondLst>
-                                    <p:cond delay="0"/>
-                                  </p:stCondLst>
-                                  <p:childTnLst>
-                                    <p:set>
-                                      <p:cBhvr>
-                                        <p:cTn id="24" dur="1" fill="hold">
-                                          <p:stCondLst>
-                                            <p:cond delay="0"/>
-                                          </p:stCondLst>
-                                        </p:cTn>
-                                        <p:tgtEl>
-                                          <p:spTgt spid="8">
-                                            <p:txEl>
-                                              <p:pRg st="9" end="9"/>
-                                            </p:txEl>
-                                          </p:spTgt>
-                                        </p:tgtEl>
-                                        <p:attrNameLst>
-                                          <p:attrName>style.visibility</p:attrName>
-                                        </p:attrNameLst>
-                                      </p:cBhvr>
-                                      <p:to>
-                                        <p:strVal val="visible"/>
-                                      </p:to>
-                                    </p:set>
-                                  </p:childTnLst>
-                                </p:cTn>
-                              </p:par>
-                            </p:childTnLst>
-                          </p:cTn>
-                        </p:par>
-                      </p:childTnLst>
-                    </p:cTn>
-                  </p:par>
-                  <p:par>
-                    <p:cTn id="25" fill="hold">
-                      <p:stCondLst>
-                        <p:cond delay="indefinite"/>
-                      </p:stCondLst>
-                      <p:childTnLst>
-                        <p:par>
-                          <p:cTn id="26" fill="hold">
-                            <p:stCondLst>
-                              <p:cond delay="0"/>
-                            </p:stCondLst>
-                            <p:childTnLst>
-                              <p:par>
-                                <p:cTn id="27" presetID="4" presetClass="entr" presetSubtype="16" fill="hold" nodeType="clickEffect">
-                                  <p:stCondLst>
-                                    <p:cond delay="0"/>
-                                  </p:stCondLst>
-                                  <p:childTnLst>
-                                    <p:set>
-                                      <p:cBhvr>
-                                        <p:cTn id="28" dur="1" fill="hold">
-                                          <p:stCondLst>
-                                            <p:cond delay="0"/>
-                                          </p:stCondLst>
-                                        </p:cTn>
-                                        <p:tgtEl>
-                                          <p:spTgt spid="8">
-                                            <p:txEl>
-                                              <p:pRg st="3" end="3"/>
-                                            </p:txEl>
-                                          </p:spTgt>
-                                        </p:tgtEl>
-                                        <p:attrNameLst>
-                                          <p:attrName>style.visibility</p:attrName>
-                                        </p:attrNameLst>
-                                      </p:cBhvr>
-                                      <p:to>
-                                        <p:strVal val="visible"/>
-                                      </p:to>
-                                    </p:set>
-                                    <p:animEffect transition="in" filter="box(in)">
-                                      <p:cBhvr>
-                                        <p:cTn id="29" dur="500"/>
-                                        <p:tgtEl>
-                                          <p:spTgt spid="8">
-                                            <p:txEl>
-                                              <p:pRg st="3" end="3"/>
-                                            </p:txEl>
-                                          </p:spTgt>
-                                        </p:tgtEl>
-                                      </p:cBhvr>
-                                    </p:animEffect>
-                                  </p:childTnLst>
-                                </p:cTn>
-                              </p:par>
-                            </p:childTnLst>
-                          </p:cTn>
-                        </p:par>
-                      </p:childTnLst>
-                    </p:cTn>
-                  </p:par>
-                  <p:par>
-                    <p:cTn id="30" fill="hold">
-                      <p:stCondLst>
-                        <p:cond delay="indefinite"/>
-                      </p:stCondLst>
-                      <p:childTnLst>
-                        <p:par>
-                          <p:cTn id="31" fill="hold">
-                            <p:stCondLst>
-                              <p:cond delay="0"/>
-                            </p:stCondLst>
-                            <p:childTnLst>
-                              <p:par>
-                                <p:cTn id="32" presetID="1" presetClass="entr" presetSubtype="0" fill="hold" nodeType="clickEffect">
-                                  <p:stCondLst>
-                                    <p:cond delay="0"/>
-                                  </p:stCondLst>
-                                  <p:childTnLst>
-                                    <p:set>
-                                      <p:cBhvr>
-                                        <p:cTn id="33" dur="1" fill="hold">
-                                          <p:stCondLst>
-                                            <p:cond delay="0"/>
-                                          </p:stCondLst>
-                                        </p:cTn>
-                                        <p:tgtEl>
-                                          <p:spTgt spid="8">
-                                            <p:txEl>
-                                              <p:pRg st="4" end="4"/>
-                                            </p:txEl>
-                                          </p:spTgt>
-                                        </p:tgtEl>
-                                        <p:attrNameLst>
-                                          <p:attrName>style.visibility</p:attrName>
-                                        </p:attrNameLst>
-                                      </p:cBhvr>
-                                      <p:to>
-                                        <p:strVal val="visible"/>
-                                      </p:to>
-                                    </p:set>
-                                  </p:childTnLst>
-                                </p:cTn>
-                              </p:par>
-                            </p:childTnLst>
-                          </p:cTn>
-                        </p:par>
-                      </p:childTnLst>
-                    </p:cTn>
-                  </p:par>
-                  <p:par>
-                    <p:cTn id="34" fill="hold">
-                      <p:stCondLst>
-                        <p:cond delay="indefinite"/>
-                      </p:stCondLst>
-                      <p:childTnLst>
-                        <p:par>
-                          <p:cTn id="35" fill="hold">
-                            <p:stCondLst>
-                              <p:cond delay="0"/>
-                            </p:stCondLst>
-                            <p:childTnLst>
-                              <p:par>
-                                <p:cTn id="36" presetID="1" presetClass="entr" presetSubtype="0" fill="hold" nodeType="clickEffect">
-                                  <p:stCondLst>
-                                    <p:cond delay="0"/>
-                                  </p:stCondLst>
-                                  <p:childTnLst>
-                                    <p:set>
-                                      <p:cBhvr>
-                                        <p:cTn id="37" dur="1" fill="hold">
-                                          <p:stCondLst>
-                                            <p:cond delay="0"/>
-                                          </p:stCondLst>
-                                        </p:cTn>
-                                        <p:tgtEl>
-                                          <p:spTgt spid="8">
-                                            <p:txEl>
-                                              <p:pRg st="5" end="5"/>
-                                            </p:txEl>
-                                          </p:spTgt>
-                                        </p:tgtEl>
-                                        <p:attrNameLst>
-                                          <p:attrName>style.visibility</p:attrName>
-                                        </p:attrNameLst>
-                                      </p:cBhvr>
-                                      <p:to>
-                                        <p:strVal val="visible"/>
-                                      </p:to>
-                                    </p:set>
-                                  </p:childTnLst>
-                                </p:cTn>
-                              </p:par>
-                            </p:childTnLst>
-                          </p:cTn>
-                        </p:par>
-                      </p:childTnLst>
-                    </p:cTn>
-                  </p:par>
-                  <p:par>
-                    <p:cTn id="38" fill="hold">
-                      <p:stCondLst>
-                        <p:cond delay="indefinite"/>
-                      </p:stCondLst>
-                      <p:childTnLst>
-                        <p:par>
-                          <p:cTn id="39" fill="hold">
-                            <p:stCondLst>
-                              <p:cond delay="0"/>
-                            </p:stCondLst>
-                            <p:childTnLst>
-                              <p:par>
-                                <p:cTn id="40" presetID="4" presetClass="entr" presetSubtype="16" fill="hold" nodeType="clickEffect">
-                                  <p:stCondLst>
-                                    <p:cond delay="0"/>
-                                  </p:stCondLst>
-                                  <p:childTnLst>
-                                    <p:set>
-                                      <p:cBhvr>
-                                        <p:cTn id="41" dur="1" fill="hold">
-                                          <p:stCondLst>
-                                            <p:cond delay="0"/>
-                                          </p:stCondLst>
-                                        </p:cTn>
-                                        <p:tgtEl>
-                                          <p:spTgt spid="8">
-                                            <p:txEl>
-                                              <p:pRg st="6" end="6"/>
-                                            </p:txEl>
-                                          </p:spTgt>
-                                        </p:tgtEl>
-                                        <p:attrNameLst>
-                                          <p:attrName>style.visibility</p:attrName>
-                                        </p:attrNameLst>
-                                      </p:cBhvr>
-                                      <p:to>
-                                        <p:strVal val="visible"/>
-                                      </p:to>
-                                    </p:set>
-                                    <p:animEffect transition="in" filter="box(in)">
-                                      <p:cBhvr>
-                                        <p:cTn id="42" dur="500"/>
-                                        <p:tgtEl>
-                                          <p:spTgt spid="8">
-                                            <p:txEl>
-                                              <p:pRg st="6" end="6"/>
-                                            </p:txEl>
-                                          </p:spTgt>
-                                        </p:tgtEl>
-                                      </p:cBhvr>
-                                    </p:animEffect>
-                                  </p:childTnLst>
-                                </p:cTn>
-                              </p:par>
-                              <p:par>
-                                <p:cTn id="43" presetID="4" presetClass="entr" presetSubtype="16" fill="hold" nodeType="withEffect">
-                                  <p:stCondLst>
-                                    <p:cond delay="0"/>
-                                  </p:stCondLst>
-                                  <p:childTnLst>
-                                    <p:set>
-                                      <p:cBhvr>
-                                        <p:cTn id="44" dur="1" fill="hold">
-                                          <p:stCondLst>
-                                            <p:cond delay="0"/>
-                                          </p:stCondLst>
-                                        </p:cTn>
-                                        <p:tgtEl>
-                                          <p:spTgt spid="8">
-                                            <p:txEl>
-                                              <p:pRg st="7" end="7"/>
-                                            </p:txEl>
-                                          </p:spTgt>
-                                        </p:tgtEl>
-                                        <p:attrNameLst>
-                                          <p:attrName>style.visibility</p:attrName>
-                                        </p:attrNameLst>
-                                      </p:cBhvr>
-                                      <p:to>
-                                        <p:strVal val="visible"/>
-                                      </p:to>
-                                    </p:set>
-                                    <p:animEffect transition="in" filter="box(in)">
-                                      <p:cBhvr>
-                                        <p:cTn id="45" dur="500"/>
-                                        <p:tgtEl>
-                                          <p:spTgt spid="8">
-                                            <p:txEl>
-                                              <p:pRg st="7" end="7"/>
-                                            </p:txEl>
-                                          </p:spTgt>
-                                        </p:tgtEl>
-                                      </p:cBhvr>
-                                    </p:animEffect>
-                                  </p:childTnLst>
-                                </p:cTn>
-                              </p:par>
-                              <p:par>
-                                <p:cTn id="46" presetID="4" presetClass="entr" presetSubtype="16" fill="hold" nodeType="withEffect">
-                                  <p:stCondLst>
-                                    <p:cond delay="0"/>
-                                  </p:stCondLst>
-                                  <p:childTnLst>
-                                    <p:set>
-                                      <p:cBhvr>
-                                        <p:cTn id="47" dur="1" fill="hold">
-                                          <p:stCondLst>
-                                            <p:cond delay="0"/>
-                                          </p:stCondLst>
-                                        </p:cTn>
-                                        <p:tgtEl>
-                                          <p:spTgt spid="8">
-                                            <p:txEl>
-                                              <p:pRg st="8" end="8"/>
-                                            </p:txEl>
-                                          </p:spTgt>
-                                        </p:tgtEl>
-                                        <p:attrNameLst>
-                                          <p:attrName>style.visibility</p:attrName>
-                                        </p:attrNameLst>
-                                      </p:cBhvr>
-                                      <p:to>
-                                        <p:strVal val="visible"/>
-                                      </p:to>
-                                    </p:set>
-                                    <p:animEffect transition="in" filter="box(in)">
-                                      <p:cBhvr>
-                                        <p:cTn id="48" dur="500"/>
-                                        <p:tgtEl>
-                                          <p:spTgt spid="8">
-                                            <p:txEl>
-                                              <p:pRg st="8" end="8"/>
-                                            </p:txEl>
-                                          </p:spTgt>
-                                        </p:tgtEl>
-                                      </p:cBhvr>
-                                    </p:animEffect>
-                                  </p:childTnLst>
-                                </p:cTn>
-                              </p:par>
-                            </p:childTnLst>
-                          </p:cTn>
-                        </p:par>
-                      </p:childTnLst>
-                    </p:cTn>
-                  </p:par>
-                </p:childTnLst>
-              </p:cTn>
-              <p:prevCondLst>
-                <p:cond evt="onPrev" delay="0">
-                  <p:tgtEl>
-                    <p:sldTgt/>
-                  </p:tgtEl>
-                </p:cond>
-              </p:prevCondLst>
-              <p:nextCondLst>
-                <p:cond evt="onNext" delay="0">
-                  <p:tgtEl>
-                    <p:sldTgt/>
-                  </p:tgtEl>
-                </p:cond>
-              </p:nextCondLst>
-            </p:seq>
-          </p:childTnLst>
-        </p:cTn>
+        <p:cTn id="1" dur="indefinite" restart="never" nodeType="tmRoot"/>
       </p:par>
     </p:tnLst>
-    <p:bldLst>
-      <p:bldP spid="3" grpId="0" build="p"/>
-    </p:bldLst>
   </p:timing>
 </p:sld>
 </file>
@@ -30263,218 +28974,9 @@
   <p:timing>
     <p:tnLst>
       <p:par>
-        <p:cTn id="1" dur="indefinite" restart="never" nodeType="tmRoot">
-          <p:childTnLst>
-            <p:seq concurrent="1" nextAc="seek">
-              <p:cTn id="2" dur="indefinite" nodeType="mainSeq">
-                <p:childTnLst>
-                  <p:par>
-                    <p:cTn id="3" fill="hold">
-                      <p:stCondLst>
-                        <p:cond delay="indefinite"/>
-                      </p:stCondLst>
-                      <p:childTnLst>
-                        <p:par>
-                          <p:cTn id="4" fill="hold">
-                            <p:stCondLst>
-                              <p:cond delay="0"/>
-                            </p:stCondLst>
-                            <p:childTnLst>
-                              <p:par>
-                                <p:cTn id="5" presetID="4" presetClass="entr" presetSubtype="16" fill="hold" grpId="0" nodeType="clickEffect">
-                                  <p:stCondLst>
-                                    <p:cond delay="0"/>
-                                  </p:stCondLst>
-                                  <p:childTnLst>
-                                    <p:set>
-                                      <p:cBhvr>
-                                        <p:cTn id="6" dur="1" fill="hold">
-                                          <p:stCondLst>
-                                            <p:cond delay="0"/>
-                                          </p:stCondLst>
-                                        </p:cTn>
-                                        <p:tgtEl>
-                                          <p:spTgt spid="3">
-                                            <p:txEl>
-                                              <p:pRg st="0" end="0"/>
-                                            </p:txEl>
-                                          </p:spTgt>
-                                        </p:tgtEl>
-                                        <p:attrNameLst>
-                                          <p:attrName>style.visibility</p:attrName>
-                                        </p:attrNameLst>
-                                      </p:cBhvr>
-                                      <p:to>
-                                        <p:strVal val="visible"/>
-                                      </p:to>
-                                    </p:set>
-                                    <p:animEffect transition="in" filter="box(in)">
-                                      <p:cBhvr>
-                                        <p:cTn id="7" dur="500"/>
-                                        <p:tgtEl>
-                                          <p:spTgt spid="3">
-                                            <p:txEl>
-                                              <p:pRg st="0" end="0"/>
-                                            </p:txEl>
-                                          </p:spTgt>
-                                        </p:tgtEl>
-                                      </p:cBhvr>
-                                    </p:animEffect>
-                                  </p:childTnLst>
-                                </p:cTn>
-                              </p:par>
-                            </p:childTnLst>
-                          </p:cTn>
-                        </p:par>
-                      </p:childTnLst>
-                    </p:cTn>
-                  </p:par>
-                  <p:par>
-                    <p:cTn id="8" fill="hold">
-                      <p:stCondLst>
-                        <p:cond delay="indefinite"/>
-                      </p:stCondLst>
-                      <p:childTnLst>
-                        <p:par>
-                          <p:cTn id="9" fill="hold">
-                            <p:stCondLst>
-                              <p:cond delay="0"/>
-                            </p:stCondLst>
-                            <p:childTnLst>
-                              <p:par>
-                                <p:cTn id="10" presetID="4" presetClass="entr" presetSubtype="16" fill="hold" grpId="0" nodeType="clickEffect">
-                                  <p:stCondLst>
-                                    <p:cond delay="0"/>
-                                  </p:stCondLst>
-                                  <p:childTnLst>
-                                    <p:set>
-                                      <p:cBhvr>
-                                        <p:cTn id="11" dur="1" fill="hold">
-                                          <p:stCondLst>
-                                            <p:cond delay="0"/>
-                                          </p:stCondLst>
-                                        </p:cTn>
-                                        <p:tgtEl>
-                                          <p:spTgt spid="3">
-                                            <p:txEl>
-                                              <p:pRg st="1" end="1"/>
-                                            </p:txEl>
-                                          </p:spTgt>
-                                        </p:tgtEl>
-                                        <p:attrNameLst>
-                                          <p:attrName>style.visibility</p:attrName>
-                                        </p:attrNameLst>
-                                      </p:cBhvr>
-                                      <p:to>
-                                        <p:strVal val="visible"/>
-                                      </p:to>
-                                    </p:set>
-                                    <p:animEffect transition="in" filter="box(in)">
-                                      <p:cBhvr>
-                                        <p:cTn id="12" dur="500"/>
-                                        <p:tgtEl>
-                                          <p:spTgt spid="3">
-                                            <p:txEl>
-                                              <p:pRg st="1" end="1"/>
-                                            </p:txEl>
-                                          </p:spTgt>
-                                        </p:tgtEl>
-                                      </p:cBhvr>
-                                    </p:animEffect>
-                                  </p:childTnLst>
-                                </p:cTn>
-                              </p:par>
-                            </p:childTnLst>
-                          </p:cTn>
-                        </p:par>
-                      </p:childTnLst>
-                    </p:cTn>
-                  </p:par>
-                  <p:par>
-                    <p:cTn id="13" fill="hold">
-                      <p:stCondLst>
-                        <p:cond delay="indefinite"/>
-                      </p:stCondLst>
-                      <p:childTnLst>
-                        <p:par>
-                          <p:cTn id="14" fill="hold">
-                            <p:stCondLst>
-                              <p:cond delay="0"/>
-                            </p:stCondLst>
-                            <p:childTnLst>
-                              <p:par>
-                                <p:cTn id="15" presetID="4" presetClass="entr" presetSubtype="16" fill="hold" grpId="0" nodeType="clickEffect">
-                                  <p:stCondLst>
-                                    <p:cond delay="0"/>
-                                  </p:stCondLst>
-                                  <p:childTnLst>
-                                    <p:set>
-                                      <p:cBhvr>
-                                        <p:cTn id="16" dur="1" fill="hold">
-                                          <p:stCondLst>
-                                            <p:cond delay="0"/>
-                                          </p:stCondLst>
-                                        </p:cTn>
-                                        <p:tgtEl>
-                                          <p:spTgt spid="3">
-                                            <p:txEl>
-                                              <p:pRg st="2" end="2"/>
-                                            </p:txEl>
-                                          </p:spTgt>
-                                        </p:tgtEl>
-                                        <p:attrNameLst>
-                                          <p:attrName>style.visibility</p:attrName>
-                                        </p:attrNameLst>
-                                      </p:cBhvr>
-                                      <p:to>
-                                        <p:strVal val="visible"/>
-                                      </p:to>
-                                    </p:set>
-                                    <p:animEffect transition="in" filter="box(in)">
-                                      <p:cBhvr>
-                                        <p:cTn id="17" dur="500"/>
-                                        <p:tgtEl>
-                                          <p:spTgt spid="3">
-                                            <p:txEl>
-                                              <p:pRg st="2" end="2"/>
-                                            </p:txEl>
-                                          </p:spTgt>
-                                        </p:tgtEl>
-                                      </p:cBhvr>
-                                    </p:animEffect>
-                                  </p:childTnLst>
-                                </p:cTn>
-                              </p:par>
-                            </p:childTnLst>
-                          </p:cTn>
-                        </p:par>
-                      </p:childTnLst>
-                    </p:cTn>
-                  </p:par>
-                </p:childTnLst>
-              </p:cTn>
-              <p:prevCondLst>
-                <p:cond evt="onPrev" delay="0">
-                  <p:tgtEl>
-                    <p:sldTgt/>
-                  </p:tgtEl>
-                </p:cond>
-              </p:prevCondLst>
-              <p:nextCondLst>
-                <p:cond evt="onNext" delay="0">
-                  <p:tgtEl>
-                    <p:sldTgt/>
-                  </p:tgtEl>
-                </p:cond>
-              </p:nextCondLst>
-            </p:seq>
-          </p:childTnLst>
-        </p:cTn>
+        <p:cTn id="1" dur="indefinite" restart="never" nodeType="tmRoot"/>
       </p:par>
     </p:tnLst>
-    <p:bldLst>
-      <p:bldP spid="3" grpId="0" build="p"/>
-    </p:bldLst>
   </p:timing>
 </p:sld>
 </file>
@@ -32462,7 +30964,11 @@
           <a:p>
             <a:r>
               <a:rPr lang="de-DE" dirty="0" smtClean="0"/>
-              <a:t>A Short Historie</a:t>
+              <a:t>A Short </a:t>
+            </a:r>
+            <a:r>
+              <a:rPr lang="de-DE" dirty="0" err="1" smtClean="0"/>
+              <a:t>History</a:t>
             </a:r>
             <a:endParaRPr lang="de-DE" dirty="0"/>
           </a:p>
@@ -32850,340 +31356,9 @@
   <p:timing>
     <p:tnLst>
       <p:par>
-        <p:cTn id="1" dur="indefinite" restart="never" nodeType="tmRoot">
-          <p:childTnLst>
-            <p:seq concurrent="1" nextAc="seek">
-              <p:cTn id="2" dur="indefinite" nodeType="mainSeq">
-                <p:childTnLst>
-                  <p:par>
-                    <p:cTn id="3" fill="hold">
-                      <p:stCondLst>
-                        <p:cond delay="indefinite"/>
-                      </p:stCondLst>
-                      <p:childTnLst>
-                        <p:par>
-                          <p:cTn id="4" fill="hold">
-                            <p:stCondLst>
-                              <p:cond delay="0"/>
-                            </p:stCondLst>
-                            <p:childTnLst>
-                              <p:par>
-                                <p:cTn id="5" presetID="4" presetClass="entr" presetSubtype="16" fill="hold" grpId="0" nodeType="clickEffect">
-                                  <p:stCondLst>
-                                    <p:cond delay="0"/>
-                                  </p:stCondLst>
-                                  <p:childTnLst>
-                                    <p:set>
-                                      <p:cBhvr>
-                                        <p:cTn id="6" dur="1" fill="hold">
-                                          <p:stCondLst>
-                                            <p:cond delay="0"/>
-                                          </p:stCondLst>
-                                        </p:cTn>
-                                        <p:tgtEl>
-                                          <p:spTgt spid="3">
-                                            <p:txEl>
-                                              <p:pRg st="0" end="0"/>
-                                            </p:txEl>
-                                          </p:spTgt>
-                                        </p:tgtEl>
-                                        <p:attrNameLst>
-                                          <p:attrName>style.visibility</p:attrName>
-                                        </p:attrNameLst>
-                                      </p:cBhvr>
-                                      <p:to>
-                                        <p:strVal val="visible"/>
-                                      </p:to>
-                                    </p:set>
-                                    <p:animEffect transition="in" filter="box(in)">
-                                      <p:cBhvr>
-                                        <p:cTn id="7" dur="500"/>
-                                        <p:tgtEl>
-                                          <p:spTgt spid="3">
-                                            <p:txEl>
-                                              <p:pRg st="0" end="0"/>
-                                            </p:txEl>
-                                          </p:spTgt>
-                                        </p:tgtEl>
-                                      </p:cBhvr>
-                                    </p:animEffect>
-                                  </p:childTnLst>
-                                </p:cTn>
-                              </p:par>
-                            </p:childTnLst>
-                          </p:cTn>
-                        </p:par>
-                      </p:childTnLst>
-                    </p:cTn>
-                  </p:par>
-                  <p:par>
-                    <p:cTn id="8" fill="hold">
-                      <p:stCondLst>
-                        <p:cond delay="indefinite"/>
-                      </p:stCondLst>
-                      <p:childTnLst>
-                        <p:par>
-                          <p:cTn id="9" fill="hold">
-                            <p:stCondLst>
-                              <p:cond delay="0"/>
-                            </p:stCondLst>
-                            <p:childTnLst>
-                              <p:par>
-                                <p:cTn id="10" presetID="4" presetClass="entr" presetSubtype="16" fill="hold" grpId="0" nodeType="clickEffect">
-                                  <p:stCondLst>
-                                    <p:cond delay="0"/>
-                                  </p:stCondLst>
-                                  <p:childTnLst>
-                                    <p:set>
-                                      <p:cBhvr>
-                                        <p:cTn id="11" dur="1" fill="hold">
-                                          <p:stCondLst>
-                                            <p:cond delay="0"/>
-                                          </p:stCondLst>
-                                        </p:cTn>
-                                        <p:tgtEl>
-                                          <p:spTgt spid="3">
-                                            <p:txEl>
-                                              <p:pRg st="1" end="1"/>
-                                            </p:txEl>
-                                          </p:spTgt>
-                                        </p:tgtEl>
-                                        <p:attrNameLst>
-                                          <p:attrName>style.visibility</p:attrName>
-                                        </p:attrNameLst>
-                                      </p:cBhvr>
-                                      <p:to>
-                                        <p:strVal val="visible"/>
-                                      </p:to>
-                                    </p:set>
-                                    <p:animEffect transition="in" filter="box(in)">
-                                      <p:cBhvr>
-                                        <p:cTn id="12" dur="500"/>
-                                        <p:tgtEl>
-                                          <p:spTgt spid="3">
-                                            <p:txEl>
-                                              <p:pRg st="1" end="1"/>
-                                            </p:txEl>
-                                          </p:spTgt>
-                                        </p:tgtEl>
-                                      </p:cBhvr>
-                                    </p:animEffect>
-                                  </p:childTnLst>
-                                </p:cTn>
-                              </p:par>
-                            </p:childTnLst>
-                          </p:cTn>
-                        </p:par>
-                      </p:childTnLst>
-                    </p:cTn>
-                  </p:par>
-                  <p:par>
-                    <p:cTn id="13" fill="hold">
-                      <p:stCondLst>
-                        <p:cond delay="indefinite"/>
-                      </p:stCondLst>
-                      <p:childTnLst>
-                        <p:par>
-                          <p:cTn id="14" fill="hold">
-                            <p:stCondLst>
-                              <p:cond delay="0"/>
-                            </p:stCondLst>
-                            <p:childTnLst>
-                              <p:par>
-                                <p:cTn id="15" presetID="4" presetClass="entr" presetSubtype="16" fill="hold" grpId="0" nodeType="clickEffect">
-                                  <p:stCondLst>
-                                    <p:cond delay="0"/>
-                                  </p:stCondLst>
-                                  <p:childTnLst>
-                                    <p:set>
-                                      <p:cBhvr>
-                                        <p:cTn id="16" dur="1" fill="hold">
-                                          <p:stCondLst>
-                                            <p:cond delay="0"/>
-                                          </p:stCondLst>
-                                        </p:cTn>
-                                        <p:tgtEl>
-                                          <p:spTgt spid="3">
-                                            <p:txEl>
-                                              <p:pRg st="2" end="2"/>
-                                            </p:txEl>
-                                          </p:spTgt>
-                                        </p:tgtEl>
-                                        <p:attrNameLst>
-                                          <p:attrName>style.visibility</p:attrName>
-                                        </p:attrNameLst>
-                                      </p:cBhvr>
-                                      <p:to>
-                                        <p:strVal val="visible"/>
-                                      </p:to>
-                                    </p:set>
-                                    <p:animEffect transition="in" filter="box(in)">
-                                      <p:cBhvr>
-                                        <p:cTn id="17" dur="500"/>
-                                        <p:tgtEl>
-                                          <p:spTgt spid="3">
-                                            <p:txEl>
-                                              <p:pRg st="2" end="2"/>
-                                            </p:txEl>
-                                          </p:spTgt>
-                                        </p:tgtEl>
-                                      </p:cBhvr>
-                                    </p:animEffect>
-                                  </p:childTnLst>
-                                </p:cTn>
-                              </p:par>
-                            </p:childTnLst>
-                          </p:cTn>
-                        </p:par>
-                      </p:childTnLst>
-                    </p:cTn>
-                  </p:par>
-                  <p:par>
-                    <p:cTn id="18" fill="hold">
-                      <p:stCondLst>
-                        <p:cond delay="indefinite"/>
-                      </p:stCondLst>
-                      <p:childTnLst>
-                        <p:par>
-                          <p:cTn id="19" fill="hold">
-                            <p:stCondLst>
-                              <p:cond delay="0"/>
-                            </p:stCondLst>
-                            <p:childTnLst>
-                              <p:par>
-                                <p:cTn id="20" presetID="4" presetClass="entr" presetSubtype="16" fill="hold" grpId="0" nodeType="clickEffect">
-                                  <p:stCondLst>
-                                    <p:cond delay="0"/>
-                                  </p:stCondLst>
-                                  <p:childTnLst>
-                                    <p:set>
-                                      <p:cBhvr>
-                                        <p:cTn id="21" dur="1" fill="hold">
-                                          <p:stCondLst>
-                                            <p:cond delay="0"/>
-                                          </p:stCondLst>
-                                        </p:cTn>
-                                        <p:tgtEl>
-                                          <p:spTgt spid="3">
-                                            <p:txEl>
-                                              <p:pRg st="3" end="3"/>
-                                            </p:txEl>
-                                          </p:spTgt>
-                                        </p:tgtEl>
-                                        <p:attrNameLst>
-                                          <p:attrName>style.visibility</p:attrName>
-                                        </p:attrNameLst>
-                                      </p:cBhvr>
-                                      <p:to>
-                                        <p:strVal val="visible"/>
-                                      </p:to>
-                                    </p:set>
-                                    <p:animEffect transition="in" filter="box(in)">
-                                      <p:cBhvr>
-                                        <p:cTn id="22" dur="500"/>
-                                        <p:tgtEl>
-                                          <p:spTgt spid="3">
-                                            <p:txEl>
-                                              <p:pRg st="3" end="3"/>
-                                            </p:txEl>
-                                          </p:spTgt>
-                                        </p:tgtEl>
-                                      </p:cBhvr>
-                                    </p:animEffect>
-                                  </p:childTnLst>
-                                </p:cTn>
-                              </p:par>
-                            </p:childTnLst>
-                          </p:cTn>
-                        </p:par>
-                      </p:childTnLst>
-                    </p:cTn>
-                  </p:par>
-                  <p:par>
-                    <p:cTn id="23" fill="hold">
-                      <p:stCondLst>
-                        <p:cond delay="indefinite"/>
-                      </p:stCondLst>
-                      <p:childTnLst>
-                        <p:par>
-                          <p:cTn id="24" fill="hold">
-                            <p:stCondLst>
-                              <p:cond delay="0"/>
-                            </p:stCondLst>
-                            <p:childTnLst>
-                              <p:par>
-                                <p:cTn id="25" presetID="4" presetClass="entr" presetSubtype="16" fill="hold" grpId="0" nodeType="clickEffect">
-                                  <p:stCondLst>
-                                    <p:cond delay="0"/>
-                                  </p:stCondLst>
-                                  <p:childTnLst>
-                                    <p:set>
-                                      <p:cBhvr>
-                                        <p:cTn id="26" dur="1" fill="hold">
-                                          <p:stCondLst>
-                                            <p:cond delay="0"/>
-                                          </p:stCondLst>
-                                        </p:cTn>
-                                        <p:tgtEl>
-                                          <p:spTgt spid="3">
-                                            <p:txEl>
-                                              <p:pRg st="4" end="4"/>
-                                            </p:txEl>
-                                          </p:spTgt>
-                                        </p:tgtEl>
-                                        <p:attrNameLst>
-                                          <p:attrName>style.visibility</p:attrName>
-                                        </p:attrNameLst>
-                                      </p:cBhvr>
-                                      <p:to>
-                                        <p:strVal val="visible"/>
-                                      </p:to>
-                                    </p:set>
-                                    <p:animEffect transition="in" filter="box(in)">
-                                      <p:cBhvr>
-                                        <p:cTn id="27" dur="500"/>
-                                        <p:tgtEl>
-                                          <p:spTgt spid="3">
-                                            <p:txEl>
-                                              <p:pRg st="4" end="4"/>
-                                            </p:txEl>
-                                          </p:spTgt>
-                                        </p:tgtEl>
-                                      </p:cBhvr>
-                                    </p:animEffect>
-                                  </p:childTnLst>
-                                </p:cTn>
-                              </p:par>
-                            </p:childTnLst>
-                          </p:cTn>
-                        </p:par>
-                      </p:childTnLst>
-                    </p:cTn>
-                  </p:par>
-                </p:childTnLst>
-              </p:cTn>
-              <p:prevCondLst>
-                <p:cond evt="onPrev" delay="0">
-                  <p:tgtEl>
-                    <p:sldTgt/>
-                  </p:tgtEl>
-                </p:cond>
-              </p:prevCondLst>
-              <p:nextCondLst>
-                <p:cond evt="onNext" delay="0">
-                  <p:tgtEl>
-                    <p:sldTgt/>
-                  </p:tgtEl>
-                </p:cond>
-              </p:nextCondLst>
-            </p:seq>
-          </p:childTnLst>
-        </p:cTn>
+        <p:cTn id="1" dur="indefinite" restart="never" nodeType="tmRoot"/>
       </p:par>
     </p:tnLst>
-    <p:bldLst>
-      <p:bldP spid="3" grpId="0" build="p"/>
-    </p:bldLst>
   </p:timing>
 </p:sld>
 </file>
@@ -33395,218 +31570,9 @@
   <p:timing>
     <p:tnLst>
       <p:par>
-        <p:cTn id="1" dur="indefinite" restart="never" nodeType="tmRoot">
-          <p:childTnLst>
-            <p:seq concurrent="1" nextAc="seek">
-              <p:cTn id="2" dur="indefinite" nodeType="mainSeq">
-                <p:childTnLst>
-                  <p:par>
-                    <p:cTn id="3" fill="hold">
-                      <p:stCondLst>
-                        <p:cond delay="indefinite"/>
-                      </p:stCondLst>
-                      <p:childTnLst>
-                        <p:par>
-                          <p:cTn id="4" fill="hold">
-                            <p:stCondLst>
-                              <p:cond delay="0"/>
-                            </p:stCondLst>
-                            <p:childTnLst>
-                              <p:par>
-                                <p:cTn id="5" presetID="4" presetClass="entr" presetSubtype="16" fill="hold" grpId="0" nodeType="clickEffect">
-                                  <p:stCondLst>
-                                    <p:cond delay="0"/>
-                                  </p:stCondLst>
-                                  <p:childTnLst>
-                                    <p:set>
-                                      <p:cBhvr>
-                                        <p:cTn id="6" dur="1" fill="hold">
-                                          <p:stCondLst>
-                                            <p:cond delay="0"/>
-                                          </p:stCondLst>
-                                        </p:cTn>
-                                        <p:tgtEl>
-                                          <p:spTgt spid="3">
-                                            <p:txEl>
-                                              <p:pRg st="0" end="0"/>
-                                            </p:txEl>
-                                          </p:spTgt>
-                                        </p:tgtEl>
-                                        <p:attrNameLst>
-                                          <p:attrName>style.visibility</p:attrName>
-                                        </p:attrNameLst>
-                                      </p:cBhvr>
-                                      <p:to>
-                                        <p:strVal val="visible"/>
-                                      </p:to>
-                                    </p:set>
-                                    <p:animEffect transition="in" filter="box(in)">
-                                      <p:cBhvr>
-                                        <p:cTn id="7" dur="500"/>
-                                        <p:tgtEl>
-                                          <p:spTgt spid="3">
-                                            <p:txEl>
-                                              <p:pRg st="0" end="0"/>
-                                            </p:txEl>
-                                          </p:spTgt>
-                                        </p:tgtEl>
-                                      </p:cBhvr>
-                                    </p:animEffect>
-                                  </p:childTnLst>
-                                </p:cTn>
-                              </p:par>
-                            </p:childTnLst>
-                          </p:cTn>
-                        </p:par>
-                      </p:childTnLst>
-                    </p:cTn>
-                  </p:par>
-                  <p:par>
-                    <p:cTn id="8" fill="hold">
-                      <p:stCondLst>
-                        <p:cond delay="indefinite"/>
-                      </p:stCondLst>
-                      <p:childTnLst>
-                        <p:par>
-                          <p:cTn id="9" fill="hold">
-                            <p:stCondLst>
-                              <p:cond delay="0"/>
-                            </p:stCondLst>
-                            <p:childTnLst>
-                              <p:par>
-                                <p:cTn id="10" presetID="4" presetClass="entr" presetSubtype="16" fill="hold" grpId="0" nodeType="clickEffect">
-                                  <p:stCondLst>
-                                    <p:cond delay="0"/>
-                                  </p:stCondLst>
-                                  <p:childTnLst>
-                                    <p:set>
-                                      <p:cBhvr>
-                                        <p:cTn id="11" dur="1" fill="hold">
-                                          <p:stCondLst>
-                                            <p:cond delay="0"/>
-                                          </p:stCondLst>
-                                        </p:cTn>
-                                        <p:tgtEl>
-                                          <p:spTgt spid="3">
-                                            <p:txEl>
-                                              <p:pRg st="1" end="1"/>
-                                            </p:txEl>
-                                          </p:spTgt>
-                                        </p:tgtEl>
-                                        <p:attrNameLst>
-                                          <p:attrName>style.visibility</p:attrName>
-                                        </p:attrNameLst>
-                                      </p:cBhvr>
-                                      <p:to>
-                                        <p:strVal val="visible"/>
-                                      </p:to>
-                                    </p:set>
-                                    <p:animEffect transition="in" filter="box(in)">
-                                      <p:cBhvr>
-                                        <p:cTn id="12" dur="500"/>
-                                        <p:tgtEl>
-                                          <p:spTgt spid="3">
-                                            <p:txEl>
-                                              <p:pRg st="1" end="1"/>
-                                            </p:txEl>
-                                          </p:spTgt>
-                                        </p:tgtEl>
-                                      </p:cBhvr>
-                                    </p:animEffect>
-                                  </p:childTnLst>
-                                </p:cTn>
-                              </p:par>
-                            </p:childTnLst>
-                          </p:cTn>
-                        </p:par>
-                      </p:childTnLst>
-                    </p:cTn>
-                  </p:par>
-                  <p:par>
-                    <p:cTn id="13" fill="hold">
-                      <p:stCondLst>
-                        <p:cond delay="indefinite"/>
-                      </p:stCondLst>
-                      <p:childTnLst>
-                        <p:par>
-                          <p:cTn id="14" fill="hold">
-                            <p:stCondLst>
-                              <p:cond delay="0"/>
-                            </p:stCondLst>
-                            <p:childTnLst>
-                              <p:par>
-                                <p:cTn id="15" presetID="4" presetClass="entr" presetSubtype="16" fill="hold" grpId="0" nodeType="clickEffect">
-                                  <p:stCondLst>
-                                    <p:cond delay="0"/>
-                                  </p:stCondLst>
-                                  <p:childTnLst>
-                                    <p:set>
-                                      <p:cBhvr>
-                                        <p:cTn id="16" dur="1" fill="hold">
-                                          <p:stCondLst>
-                                            <p:cond delay="0"/>
-                                          </p:stCondLst>
-                                        </p:cTn>
-                                        <p:tgtEl>
-                                          <p:spTgt spid="3">
-                                            <p:txEl>
-                                              <p:pRg st="2" end="2"/>
-                                            </p:txEl>
-                                          </p:spTgt>
-                                        </p:tgtEl>
-                                        <p:attrNameLst>
-                                          <p:attrName>style.visibility</p:attrName>
-                                        </p:attrNameLst>
-                                      </p:cBhvr>
-                                      <p:to>
-                                        <p:strVal val="visible"/>
-                                      </p:to>
-                                    </p:set>
-                                    <p:animEffect transition="in" filter="box(in)">
-                                      <p:cBhvr>
-                                        <p:cTn id="17" dur="500"/>
-                                        <p:tgtEl>
-                                          <p:spTgt spid="3">
-                                            <p:txEl>
-                                              <p:pRg st="2" end="2"/>
-                                            </p:txEl>
-                                          </p:spTgt>
-                                        </p:tgtEl>
-                                      </p:cBhvr>
-                                    </p:animEffect>
-                                  </p:childTnLst>
-                                </p:cTn>
-                              </p:par>
-                            </p:childTnLst>
-                          </p:cTn>
-                        </p:par>
-                      </p:childTnLst>
-                    </p:cTn>
-                  </p:par>
-                </p:childTnLst>
-              </p:cTn>
-              <p:prevCondLst>
-                <p:cond evt="onPrev" delay="0">
-                  <p:tgtEl>
-                    <p:sldTgt/>
-                  </p:tgtEl>
-                </p:cond>
-              </p:prevCondLst>
-              <p:nextCondLst>
-                <p:cond evt="onNext" delay="0">
-                  <p:tgtEl>
-                    <p:sldTgt/>
-                  </p:tgtEl>
-                </p:cond>
-              </p:nextCondLst>
-            </p:seq>
-          </p:childTnLst>
-        </p:cTn>
+        <p:cTn id="1" dur="indefinite" restart="never" nodeType="tmRoot"/>
       </p:par>
     </p:tnLst>
-    <p:bldLst>
-      <p:bldP spid="3" grpId="0" build="p"/>
-    </p:bldLst>
   </p:timing>
 </p:sld>
 </file>
@@ -34584,203 +32550,9 @@
   <p:timing>
     <p:tnLst>
       <p:par>
-        <p:cTn id="1" dur="indefinite" restart="never" nodeType="tmRoot">
-          <p:childTnLst>
-            <p:seq concurrent="1" nextAc="seek">
-              <p:cTn id="2" dur="indefinite" nodeType="mainSeq">
-                <p:childTnLst>
-                  <p:par>
-                    <p:cTn id="3" fill="hold">
-                      <p:stCondLst>
-                        <p:cond delay="indefinite"/>
-                      </p:stCondLst>
-                      <p:childTnLst>
-                        <p:par>
-                          <p:cTn id="4" fill="hold">
-                            <p:stCondLst>
-                              <p:cond delay="0"/>
-                            </p:stCondLst>
-                            <p:childTnLst>
-                              <p:par>
-                                <p:cTn id="5" presetID="4" presetClass="entr" presetSubtype="16" fill="hold" grpId="0" nodeType="clickEffect">
-                                  <p:stCondLst>
-                                    <p:cond delay="0"/>
-                                  </p:stCondLst>
-                                  <p:childTnLst>
-                                    <p:set>
-                                      <p:cBhvr>
-                                        <p:cTn id="6" dur="1" fill="hold">
-                                          <p:stCondLst>
-                                            <p:cond delay="0"/>
-                                          </p:stCondLst>
-                                        </p:cTn>
-                                        <p:tgtEl>
-                                          <p:spTgt spid="3">
-                                            <p:txEl>
-                                              <p:pRg st="0" end="0"/>
-                                            </p:txEl>
-                                          </p:spTgt>
-                                        </p:tgtEl>
-                                        <p:attrNameLst>
-                                          <p:attrName>style.visibility</p:attrName>
-                                        </p:attrNameLst>
-                                      </p:cBhvr>
-                                      <p:to>
-                                        <p:strVal val="visible"/>
-                                      </p:to>
-                                    </p:set>
-                                    <p:animEffect transition="in" filter="box(in)">
-                                      <p:cBhvr>
-                                        <p:cTn id="7" dur="500"/>
-                                        <p:tgtEl>
-                                          <p:spTgt spid="3">
-                                            <p:txEl>
-                                              <p:pRg st="0" end="0"/>
-                                            </p:txEl>
-                                          </p:spTgt>
-                                        </p:tgtEl>
-                                      </p:cBhvr>
-                                    </p:animEffect>
-                                  </p:childTnLst>
-                                </p:cTn>
-                              </p:par>
-                            </p:childTnLst>
-                          </p:cTn>
-                        </p:par>
-                      </p:childTnLst>
-                    </p:cTn>
-                  </p:par>
-                  <p:par>
-                    <p:cTn id="8" fill="hold">
-                      <p:stCondLst>
-                        <p:cond delay="indefinite"/>
-                      </p:stCondLst>
-                      <p:childTnLst>
-                        <p:par>
-                          <p:cTn id="9" fill="hold">
-                            <p:stCondLst>
-                              <p:cond delay="0"/>
-                            </p:stCondLst>
-                            <p:childTnLst>
-                              <p:par>
-                                <p:cTn id="10" presetID="4" presetClass="entr" presetSubtype="16" fill="hold" nodeType="clickEffect">
-                                  <p:stCondLst>
-                                    <p:cond delay="0"/>
-                                  </p:stCondLst>
-                                  <p:childTnLst>
-                                    <p:set>
-                                      <p:cBhvr>
-                                        <p:cTn id="11" dur="1" fill="hold">
-                                          <p:stCondLst>
-                                            <p:cond delay="0"/>
-                                          </p:stCondLst>
-                                        </p:cTn>
-                                        <p:tgtEl>
-                                          <p:spTgt spid="18"/>
-                                        </p:tgtEl>
-                                        <p:attrNameLst>
-                                          <p:attrName>style.visibility</p:attrName>
-                                        </p:attrNameLst>
-                                      </p:cBhvr>
-                                      <p:to>
-                                        <p:strVal val="visible"/>
-                                      </p:to>
-                                    </p:set>
-                                    <p:animEffect transition="in" filter="box(in)">
-                                      <p:cBhvr>
-                                        <p:cTn id="12" dur="500"/>
-                                        <p:tgtEl>
-                                          <p:spTgt spid="18"/>
-                                        </p:tgtEl>
-                                      </p:cBhvr>
-                                    </p:animEffect>
-                                  </p:childTnLst>
-                                </p:cTn>
-                              </p:par>
-                            </p:childTnLst>
-                          </p:cTn>
-                        </p:par>
-                      </p:childTnLst>
-                    </p:cTn>
-                  </p:par>
-                  <p:par>
-                    <p:cTn id="13" fill="hold">
-                      <p:stCondLst>
-                        <p:cond delay="indefinite"/>
-                      </p:stCondLst>
-                      <p:childTnLst>
-                        <p:par>
-                          <p:cTn id="14" fill="hold">
-                            <p:stCondLst>
-                              <p:cond delay="0"/>
-                            </p:stCondLst>
-                            <p:childTnLst>
-                              <p:par>
-                                <p:cTn id="15" presetID="4" presetClass="entr" presetSubtype="16" fill="hold" grpId="0" nodeType="clickEffect">
-                                  <p:stCondLst>
-                                    <p:cond delay="0"/>
-                                  </p:stCondLst>
-                                  <p:childTnLst>
-                                    <p:set>
-                                      <p:cBhvr>
-                                        <p:cTn id="16" dur="1" fill="hold">
-                                          <p:stCondLst>
-                                            <p:cond delay="0"/>
-                                          </p:stCondLst>
-                                        </p:cTn>
-                                        <p:tgtEl>
-                                          <p:spTgt spid="17"/>
-                                        </p:tgtEl>
-                                        <p:attrNameLst>
-                                          <p:attrName>style.visibility</p:attrName>
-                                        </p:attrNameLst>
-                                      </p:cBhvr>
-                                      <p:to>
-                                        <p:strVal val="visible"/>
-                                      </p:to>
-                                    </p:set>
-                                    <p:animEffect transition="in" filter="box(in)">
-                                      <p:cBhvr>
-                                        <p:cTn id="17" dur="500"/>
-                                        <p:tgtEl>
-                                          <p:spTgt spid="17"/>
-                                        </p:tgtEl>
-                                      </p:cBhvr>
-                                    </p:animEffect>
-                                  </p:childTnLst>
-                                </p:cTn>
-                              </p:par>
-                            </p:childTnLst>
-                          </p:cTn>
-                        </p:par>
-                      </p:childTnLst>
-                    </p:cTn>
-                  </p:par>
-                </p:childTnLst>
-              </p:cTn>
-              <p:prevCondLst>
-                <p:cond evt="onPrev" delay="0">
-                  <p:tgtEl>
-                    <p:sldTgt/>
-                  </p:tgtEl>
-                </p:cond>
-              </p:prevCondLst>
-              <p:nextCondLst>
-                <p:cond evt="onNext" delay="0">
-                  <p:tgtEl>
-                    <p:sldTgt/>
-                  </p:tgtEl>
-                </p:cond>
-              </p:nextCondLst>
-            </p:seq>
-          </p:childTnLst>
-        </p:cTn>
+        <p:cTn id="1" dur="indefinite" restart="never" nodeType="tmRoot"/>
       </p:par>
     </p:tnLst>
-    <p:bldLst>
-      <p:bldP spid="3" grpId="0" build="p"/>
-      <p:bldP spid="17" grpId="0" animBg="1"/>
-    </p:bldLst>
   </p:timing>
 </p:sld>
 </file>
@@ -39538,7 +37310,7 @@
                             </p:stCondLst>
                             <p:childTnLst>
                               <p:par>
-                                <p:cTn id="5" presetID="4" presetClass="entr" presetSubtype="16" fill="hold" grpId="0" nodeType="clickEffect">
+                                <p:cTn id="5" presetID="4" presetClass="entr" presetSubtype="16" fill="hold" nodeType="clickEffect">
                                   <p:stCondLst>
                                     <p:cond delay="0"/>
                                   </p:stCondLst>
@@ -39551,11 +37323,7 @@
                                           </p:stCondLst>
                                         </p:cTn>
                                         <p:tgtEl>
-                                          <p:spTgt spid="3">
-                                            <p:txEl>
-                                              <p:pRg st="0" end="0"/>
-                                            </p:txEl>
-                                          </p:spTgt>
+                                          <p:spTgt spid="71"/>
                                         </p:tgtEl>
                                         <p:attrNameLst>
                                           <p:attrName>style.visibility</p:attrName>
@@ -39569,11 +37337,7 @@
                                       <p:cBhvr>
                                         <p:cTn id="7" dur="500"/>
                                         <p:tgtEl>
-                                          <p:spTgt spid="3">
-                                            <p:txEl>
-                                              <p:pRg st="0" end="0"/>
-                                            </p:txEl>
-                                          </p:spTgt>
+                                          <p:spTgt spid="71"/>
                                         </p:tgtEl>
                                       </p:cBhvr>
                                     </p:animEffect>
@@ -39612,11 +37376,7 @@
                                           </p:stCondLst>
                                         </p:cTn>
                                         <p:tgtEl>
-                                          <p:spTgt spid="3">
-                                            <p:txEl>
-                                              <p:pRg st="1" end="1"/>
-                                            </p:txEl>
-                                          </p:spTgt>
+                                          <p:spTgt spid="75"/>
                                         </p:tgtEl>
                                         <p:attrNameLst>
                                           <p:attrName>style.visibility</p:attrName>
@@ -39630,11 +37390,7 @@
                                       <p:cBhvr>
                                         <p:cTn id="12" dur="500"/>
                                         <p:tgtEl>
-                                          <p:spTgt spid="3">
-                                            <p:txEl>
-                                              <p:pRg st="1" end="1"/>
-                                            </p:txEl>
-                                          </p:spTgt>
+                                          <p:spTgt spid="75"/>
                                         </p:tgtEl>
                                       </p:cBhvr>
                                     </p:animEffect>
@@ -39660,7 +37416,7 @@
                             </p:stCondLst>
                             <p:childTnLst>
                               <p:par>
-                                <p:cTn id="15" presetID="4" presetClass="entr" presetSubtype="16" fill="hold" grpId="0" nodeType="clickEffect">
+                                <p:cTn id="15" presetID="4" presetClass="entr" presetSubtype="16" fill="hold" nodeType="clickEffect">
                                   <p:stCondLst>
                                     <p:cond delay="0"/>
                                   </p:stCondLst>
@@ -39673,11 +37429,7 @@
                                           </p:stCondLst>
                                         </p:cTn>
                                         <p:tgtEl>
-                                          <p:spTgt spid="3">
-                                            <p:txEl>
-                                              <p:pRg st="2" end="2"/>
-                                            </p:txEl>
-                                          </p:spTgt>
+                                          <p:spTgt spid="128"/>
                                         </p:tgtEl>
                                         <p:attrNameLst>
                                           <p:attrName>style.visibility</p:attrName>
@@ -39691,11 +37443,7 @@
                                       <p:cBhvr>
                                         <p:cTn id="17" dur="500"/>
                                         <p:tgtEl>
-                                          <p:spTgt spid="3">
-                                            <p:txEl>
-                                              <p:pRg st="2" end="2"/>
-                                            </p:txEl>
-                                          </p:spTgt>
+                                          <p:spTgt spid="128"/>
                                         </p:tgtEl>
                                       </p:cBhvr>
                                     </p:animEffect>
@@ -39721,7 +37469,7 @@
                             </p:stCondLst>
                             <p:childTnLst>
                               <p:par>
-                                <p:cTn id="20" presetID="4" presetClass="entr" presetSubtype="16" fill="hold" nodeType="clickEffect">
+                                <p:cTn id="20" presetID="4" presetClass="entr" presetSubtype="16" fill="hold" grpId="0" nodeType="clickEffect">
                                   <p:stCondLst>
                                     <p:cond delay="0"/>
                                   </p:stCondLst>
@@ -39734,7 +37482,7 @@
                                           </p:stCondLst>
                                         </p:cTn>
                                         <p:tgtEl>
-                                          <p:spTgt spid="71"/>
+                                          <p:spTgt spid="79"/>
                                         </p:tgtEl>
                                         <p:attrNameLst>
                                           <p:attrName>style.visibility</p:attrName>
@@ -39748,7 +37496,7 @@
                                       <p:cBhvr>
                                         <p:cTn id="22" dur="500"/>
                                         <p:tgtEl>
-                                          <p:spTgt spid="71"/>
+                                          <p:spTgt spid="79"/>
                                         </p:tgtEl>
                                       </p:cBhvr>
                                     </p:animEffect>
@@ -39787,7 +37535,7 @@
                                           </p:stCondLst>
                                         </p:cTn>
                                         <p:tgtEl>
-                                          <p:spTgt spid="75"/>
+                                          <p:spTgt spid="80"/>
                                         </p:tgtEl>
                                         <p:attrNameLst>
                                           <p:attrName>style.visibility</p:attrName>
@@ -39801,7 +37549,7 @@
                                       <p:cBhvr>
                                         <p:cTn id="27" dur="500"/>
                                         <p:tgtEl>
-                                          <p:spTgt spid="75"/>
+                                          <p:spTgt spid="80"/>
                                         </p:tgtEl>
                                       </p:cBhvr>
                                     </p:animEffect>
@@ -39840,7 +37588,7 @@
                                           </p:stCondLst>
                                         </p:cTn>
                                         <p:tgtEl>
-                                          <p:spTgt spid="128"/>
+                                          <p:spTgt spid="130"/>
                                         </p:tgtEl>
                                         <p:attrNameLst>
                                           <p:attrName>style.visibility</p:attrName>
@@ -39854,7 +37602,7 @@
                                       <p:cBhvr>
                                         <p:cTn id="32" dur="500"/>
                                         <p:tgtEl>
-                                          <p:spTgt spid="128"/>
+                                          <p:spTgt spid="130"/>
                                         </p:tgtEl>
                                       </p:cBhvr>
                                     </p:animEffect>
@@ -39880,7 +37628,7 @@
                             </p:stCondLst>
                             <p:childTnLst>
                               <p:par>
-                                <p:cTn id="35" presetID="4" presetClass="entr" presetSubtype="16" fill="hold" grpId="0" nodeType="clickEffect">
+                                <p:cTn id="35" presetID="4" presetClass="entr" presetSubtype="32" fill="hold" nodeType="clickEffect">
                                   <p:stCondLst>
                                     <p:cond delay="0"/>
                                   </p:stCondLst>
@@ -39893,7 +37641,7 @@
                                           </p:stCondLst>
                                         </p:cTn>
                                         <p:tgtEl>
-                                          <p:spTgt spid="79"/>
+                                          <p:spTgt spid="131"/>
                                         </p:tgtEl>
                                         <p:attrNameLst>
                                           <p:attrName>style.visibility</p:attrName>
@@ -39903,11 +37651,11 @@
                                         <p:strVal val="visible"/>
                                       </p:to>
                                     </p:set>
-                                    <p:animEffect transition="in" filter="box(in)">
+                                    <p:animEffect transition="in" filter="box(out)">
                                       <p:cBhvr>
-                                        <p:cTn id="37" dur="500"/>
+                                        <p:cTn id="37" dur="3000"/>
                                         <p:tgtEl>
-                                          <p:spTgt spid="79"/>
+                                          <p:spTgt spid="131"/>
                                         </p:tgtEl>
                                       </p:cBhvr>
                                     </p:animEffect>
@@ -39933,7 +37681,7 @@
                             </p:stCondLst>
                             <p:childTnLst>
                               <p:par>
-                                <p:cTn id="40" presetID="4" presetClass="entr" presetSubtype="16" fill="hold" grpId="0" nodeType="clickEffect">
+                                <p:cTn id="40" presetID="4" presetClass="entr" presetSubtype="32" fill="hold" nodeType="clickEffect">
                                   <p:stCondLst>
                                     <p:cond delay="0"/>
                                   </p:stCondLst>
@@ -39941,165 +37689,6 @@
                                     <p:set>
                                       <p:cBhvr>
                                         <p:cTn id="41" dur="1" fill="hold">
-                                          <p:stCondLst>
-                                            <p:cond delay="0"/>
-                                          </p:stCondLst>
-                                        </p:cTn>
-                                        <p:tgtEl>
-                                          <p:spTgt spid="80"/>
-                                        </p:tgtEl>
-                                        <p:attrNameLst>
-                                          <p:attrName>style.visibility</p:attrName>
-                                        </p:attrNameLst>
-                                      </p:cBhvr>
-                                      <p:to>
-                                        <p:strVal val="visible"/>
-                                      </p:to>
-                                    </p:set>
-                                    <p:animEffect transition="in" filter="box(in)">
-                                      <p:cBhvr>
-                                        <p:cTn id="42" dur="500"/>
-                                        <p:tgtEl>
-                                          <p:spTgt spid="80"/>
-                                        </p:tgtEl>
-                                      </p:cBhvr>
-                                    </p:animEffect>
-                                  </p:childTnLst>
-                                </p:cTn>
-                              </p:par>
-                            </p:childTnLst>
-                          </p:cTn>
-                        </p:par>
-                      </p:childTnLst>
-                    </p:cTn>
-                  </p:par>
-                  <p:par>
-                    <p:cTn id="43" fill="hold">
-                      <p:stCondLst>
-                        <p:cond delay="indefinite"/>
-                      </p:stCondLst>
-                      <p:childTnLst>
-                        <p:par>
-                          <p:cTn id="44" fill="hold">
-                            <p:stCondLst>
-                              <p:cond delay="0"/>
-                            </p:stCondLst>
-                            <p:childTnLst>
-                              <p:par>
-                                <p:cTn id="45" presetID="4" presetClass="entr" presetSubtype="16" fill="hold" nodeType="clickEffect">
-                                  <p:stCondLst>
-                                    <p:cond delay="0"/>
-                                  </p:stCondLst>
-                                  <p:childTnLst>
-                                    <p:set>
-                                      <p:cBhvr>
-                                        <p:cTn id="46" dur="1" fill="hold">
-                                          <p:stCondLst>
-                                            <p:cond delay="0"/>
-                                          </p:stCondLst>
-                                        </p:cTn>
-                                        <p:tgtEl>
-                                          <p:spTgt spid="130"/>
-                                        </p:tgtEl>
-                                        <p:attrNameLst>
-                                          <p:attrName>style.visibility</p:attrName>
-                                        </p:attrNameLst>
-                                      </p:cBhvr>
-                                      <p:to>
-                                        <p:strVal val="visible"/>
-                                      </p:to>
-                                    </p:set>
-                                    <p:animEffect transition="in" filter="box(in)">
-                                      <p:cBhvr>
-                                        <p:cTn id="47" dur="500"/>
-                                        <p:tgtEl>
-                                          <p:spTgt spid="130"/>
-                                        </p:tgtEl>
-                                      </p:cBhvr>
-                                    </p:animEffect>
-                                  </p:childTnLst>
-                                </p:cTn>
-                              </p:par>
-                            </p:childTnLst>
-                          </p:cTn>
-                        </p:par>
-                      </p:childTnLst>
-                    </p:cTn>
-                  </p:par>
-                  <p:par>
-                    <p:cTn id="48" fill="hold">
-                      <p:stCondLst>
-                        <p:cond delay="indefinite"/>
-                      </p:stCondLst>
-                      <p:childTnLst>
-                        <p:par>
-                          <p:cTn id="49" fill="hold">
-                            <p:stCondLst>
-                              <p:cond delay="0"/>
-                            </p:stCondLst>
-                            <p:childTnLst>
-                              <p:par>
-                                <p:cTn id="50" presetID="4" presetClass="entr" presetSubtype="32" fill="hold" nodeType="clickEffect">
-                                  <p:stCondLst>
-                                    <p:cond delay="0"/>
-                                  </p:stCondLst>
-                                  <p:childTnLst>
-                                    <p:set>
-                                      <p:cBhvr>
-                                        <p:cTn id="51" dur="1" fill="hold">
-                                          <p:stCondLst>
-                                            <p:cond delay="0"/>
-                                          </p:stCondLst>
-                                        </p:cTn>
-                                        <p:tgtEl>
-                                          <p:spTgt spid="131"/>
-                                        </p:tgtEl>
-                                        <p:attrNameLst>
-                                          <p:attrName>style.visibility</p:attrName>
-                                        </p:attrNameLst>
-                                      </p:cBhvr>
-                                      <p:to>
-                                        <p:strVal val="visible"/>
-                                      </p:to>
-                                    </p:set>
-                                    <p:animEffect transition="in" filter="box(out)">
-                                      <p:cBhvr>
-                                        <p:cTn id="52" dur="3000"/>
-                                        <p:tgtEl>
-                                          <p:spTgt spid="131"/>
-                                        </p:tgtEl>
-                                      </p:cBhvr>
-                                    </p:animEffect>
-                                  </p:childTnLst>
-                                </p:cTn>
-                              </p:par>
-                            </p:childTnLst>
-                          </p:cTn>
-                        </p:par>
-                      </p:childTnLst>
-                    </p:cTn>
-                  </p:par>
-                  <p:par>
-                    <p:cTn id="53" fill="hold">
-                      <p:stCondLst>
-                        <p:cond delay="indefinite"/>
-                      </p:stCondLst>
-                      <p:childTnLst>
-                        <p:par>
-                          <p:cTn id="54" fill="hold">
-                            <p:stCondLst>
-                              <p:cond delay="0"/>
-                            </p:stCondLst>
-                            <p:childTnLst>
-                              <p:par>
-                                <p:cTn id="55" presetID="4" presetClass="entr" presetSubtype="32" fill="hold" nodeType="clickEffect">
-                                  <p:stCondLst>
-                                    <p:cond delay="0"/>
-                                  </p:stCondLst>
-                                  <p:childTnLst>
-                                    <p:set>
-                                      <p:cBhvr>
-                                        <p:cTn id="56" dur="1" fill="hold">
                                           <p:stCondLst>
                                             <p:cond delay="0"/>
                                           </p:stCondLst>
@@ -40117,7 +37706,7 @@
                                     </p:set>
                                     <p:animEffect transition="in" filter="box(out)">
                                       <p:cBhvr>
-                                        <p:cTn id="57" dur="3000"/>
+                                        <p:cTn id="42" dur="3000"/>
                                         <p:tgtEl>
                                           <p:spTgt spid="132"/>
                                         </p:tgtEl>
@@ -40154,7 +37743,6 @@
       </p:par>
     </p:tnLst>
     <p:bldLst>
-      <p:bldP spid="3" grpId="0" build="p"/>
       <p:bldP spid="75" grpId="0"/>
       <p:bldP spid="79" grpId="0"/>
       <p:bldP spid="80" grpId="0"/>
@@ -40402,340 +37990,9 @@
   <p:timing>
     <p:tnLst>
       <p:par>
-        <p:cTn id="1" dur="indefinite" restart="never" nodeType="tmRoot">
-          <p:childTnLst>
-            <p:seq concurrent="1" nextAc="seek">
-              <p:cTn id="2" dur="indefinite" nodeType="mainSeq">
-                <p:childTnLst>
-                  <p:par>
-                    <p:cTn id="3" fill="hold">
-                      <p:stCondLst>
-                        <p:cond delay="indefinite"/>
-                      </p:stCondLst>
-                      <p:childTnLst>
-                        <p:par>
-                          <p:cTn id="4" fill="hold">
-                            <p:stCondLst>
-                              <p:cond delay="0"/>
-                            </p:stCondLst>
-                            <p:childTnLst>
-                              <p:par>
-                                <p:cTn id="5" presetID="4" presetClass="entr" presetSubtype="16" fill="hold" grpId="0" nodeType="clickEffect">
-                                  <p:stCondLst>
-                                    <p:cond delay="0"/>
-                                  </p:stCondLst>
-                                  <p:childTnLst>
-                                    <p:set>
-                                      <p:cBhvr>
-                                        <p:cTn id="6" dur="1" fill="hold">
-                                          <p:stCondLst>
-                                            <p:cond delay="0"/>
-                                          </p:stCondLst>
-                                        </p:cTn>
-                                        <p:tgtEl>
-                                          <p:spTgt spid="3">
-                                            <p:txEl>
-                                              <p:pRg st="0" end="0"/>
-                                            </p:txEl>
-                                          </p:spTgt>
-                                        </p:tgtEl>
-                                        <p:attrNameLst>
-                                          <p:attrName>style.visibility</p:attrName>
-                                        </p:attrNameLst>
-                                      </p:cBhvr>
-                                      <p:to>
-                                        <p:strVal val="visible"/>
-                                      </p:to>
-                                    </p:set>
-                                    <p:animEffect transition="in" filter="box(in)">
-                                      <p:cBhvr>
-                                        <p:cTn id="7" dur="500"/>
-                                        <p:tgtEl>
-                                          <p:spTgt spid="3">
-                                            <p:txEl>
-                                              <p:pRg st="0" end="0"/>
-                                            </p:txEl>
-                                          </p:spTgt>
-                                        </p:tgtEl>
-                                      </p:cBhvr>
-                                    </p:animEffect>
-                                  </p:childTnLst>
-                                </p:cTn>
-                              </p:par>
-                            </p:childTnLst>
-                          </p:cTn>
-                        </p:par>
-                      </p:childTnLst>
-                    </p:cTn>
-                  </p:par>
-                  <p:par>
-                    <p:cTn id="8" fill="hold">
-                      <p:stCondLst>
-                        <p:cond delay="indefinite"/>
-                      </p:stCondLst>
-                      <p:childTnLst>
-                        <p:par>
-                          <p:cTn id="9" fill="hold">
-                            <p:stCondLst>
-                              <p:cond delay="0"/>
-                            </p:stCondLst>
-                            <p:childTnLst>
-                              <p:par>
-                                <p:cTn id="10" presetID="4" presetClass="entr" presetSubtype="16" fill="hold" grpId="0" nodeType="clickEffect">
-                                  <p:stCondLst>
-                                    <p:cond delay="0"/>
-                                  </p:stCondLst>
-                                  <p:childTnLst>
-                                    <p:set>
-                                      <p:cBhvr>
-                                        <p:cTn id="11" dur="1" fill="hold">
-                                          <p:stCondLst>
-                                            <p:cond delay="0"/>
-                                          </p:stCondLst>
-                                        </p:cTn>
-                                        <p:tgtEl>
-                                          <p:spTgt spid="3">
-                                            <p:txEl>
-                                              <p:pRg st="1" end="1"/>
-                                            </p:txEl>
-                                          </p:spTgt>
-                                        </p:tgtEl>
-                                        <p:attrNameLst>
-                                          <p:attrName>style.visibility</p:attrName>
-                                        </p:attrNameLst>
-                                      </p:cBhvr>
-                                      <p:to>
-                                        <p:strVal val="visible"/>
-                                      </p:to>
-                                    </p:set>
-                                    <p:animEffect transition="in" filter="box(in)">
-                                      <p:cBhvr>
-                                        <p:cTn id="12" dur="500"/>
-                                        <p:tgtEl>
-                                          <p:spTgt spid="3">
-                                            <p:txEl>
-                                              <p:pRg st="1" end="1"/>
-                                            </p:txEl>
-                                          </p:spTgt>
-                                        </p:tgtEl>
-                                      </p:cBhvr>
-                                    </p:animEffect>
-                                  </p:childTnLst>
-                                </p:cTn>
-                              </p:par>
-                            </p:childTnLst>
-                          </p:cTn>
-                        </p:par>
-                      </p:childTnLst>
-                    </p:cTn>
-                  </p:par>
-                  <p:par>
-                    <p:cTn id="13" fill="hold">
-                      <p:stCondLst>
-                        <p:cond delay="indefinite"/>
-                      </p:stCondLst>
-                      <p:childTnLst>
-                        <p:par>
-                          <p:cTn id="14" fill="hold">
-                            <p:stCondLst>
-                              <p:cond delay="0"/>
-                            </p:stCondLst>
-                            <p:childTnLst>
-                              <p:par>
-                                <p:cTn id="15" presetID="4" presetClass="entr" presetSubtype="16" fill="hold" grpId="0" nodeType="clickEffect">
-                                  <p:stCondLst>
-                                    <p:cond delay="0"/>
-                                  </p:stCondLst>
-                                  <p:childTnLst>
-                                    <p:set>
-                                      <p:cBhvr>
-                                        <p:cTn id="16" dur="1" fill="hold">
-                                          <p:stCondLst>
-                                            <p:cond delay="0"/>
-                                          </p:stCondLst>
-                                        </p:cTn>
-                                        <p:tgtEl>
-                                          <p:spTgt spid="3">
-                                            <p:txEl>
-                                              <p:pRg st="2" end="2"/>
-                                            </p:txEl>
-                                          </p:spTgt>
-                                        </p:tgtEl>
-                                        <p:attrNameLst>
-                                          <p:attrName>style.visibility</p:attrName>
-                                        </p:attrNameLst>
-                                      </p:cBhvr>
-                                      <p:to>
-                                        <p:strVal val="visible"/>
-                                      </p:to>
-                                    </p:set>
-                                    <p:animEffect transition="in" filter="box(in)">
-                                      <p:cBhvr>
-                                        <p:cTn id="17" dur="500"/>
-                                        <p:tgtEl>
-                                          <p:spTgt spid="3">
-                                            <p:txEl>
-                                              <p:pRg st="2" end="2"/>
-                                            </p:txEl>
-                                          </p:spTgt>
-                                        </p:tgtEl>
-                                      </p:cBhvr>
-                                    </p:animEffect>
-                                  </p:childTnLst>
-                                </p:cTn>
-                              </p:par>
-                            </p:childTnLst>
-                          </p:cTn>
-                        </p:par>
-                      </p:childTnLst>
-                    </p:cTn>
-                  </p:par>
-                  <p:par>
-                    <p:cTn id="18" fill="hold">
-                      <p:stCondLst>
-                        <p:cond delay="indefinite"/>
-                      </p:stCondLst>
-                      <p:childTnLst>
-                        <p:par>
-                          <p:cTn id="19" fill="hold">
-                            <p:stCondLst>
-                              <p:cond delay="0"/>
-                            </p:stCondLst>
-                            <p:childTnLst>
-                              <p:par>
-                                <p:cTn id="20" presetID="4" presetClass="entr" presetSubtype="16" fill="hold" grpId="0" nodeType="clickEffect">
-                                  <p:stCondLst>
-                                    <p:cond delay="0"/>
-                                  </p:stCondLst>
-                                  <p:childTnLst>
-                                    <p:set>
-                                      <p:cBhvr>
-                                        <p:cTn id="21" dur="1" fill="hold">
-                                          <p:stCondLst>
-                                            <p:cond delay="0"/>
-                                          </p:stCondLst>
-                                        </p:cTn>
-                                        <p:tgtEl>
-                                          <p:spTgt spid="3">
-                                            <p:txEl>
-                                              <p:pRg st="3" end="3"/>
-                                            </p:txEl>
-                                          </p:spTgt>
-                                        </p:tgtEl>
-                                        <p:attrNameLst>
-                                          <p:attrName>style.visibility</p:attrName>
-                                        </p:attrNameLst>
-                                      </p:cBhvr>
-                                      <p:to>
-                                        <p:strVal val="visible"/>
-                                      </p:to>
-                                    </p:set>
-                                    <p:animEffect transition="in" filter="box(in)">
-                                      <p:cBhvr>
-                                        <p:cTn id="22" dur="500"/>
-                                        <p:tgtEl>
-                                          <p:spTgt spid="3">
-                                            <p:txEl>
-                                              <p:pRg st="3" end="3"/>
-                                            </p:txEl>
-                                          </p:spTgt>
-                                        </p:tgtEl>
-                                      </p:cBhvr>
-                                    </p:animEffect>
-                                  </p:childTnLst>
-                                </p:cTn>
-                              </p:par>
-                            </p:childTnLst>
-                          </p:cTn>
-                        </p:par>
-                      </p:childTnLst>
-                    </p:cTn>
-                  </p:par>
-                  <p:par>
-                    <p:cTn id="23" fill="hold">
-                      <p:stCondLst>
-                        <p:cond delay="indefinite"/>
-                      </p:stCondLst>
-                      <p:childTnLst>
-                        <p:par>
-                          <p:cTn id="24" fill="hold">
-                            <p:stCondLst>
-                              <p:cond delay="0"/>
-                            </p:stCondLst>
-                            <p:childTnLst>
-                              <p:par>
-                                <p:cTn id="25" presetID="4" presetClass="entr" presetSubtype="16" fill="hold" grpId="0" nodeType="clickEffect">
-                                  <p:stCondLst>
-                                    <p:cond delay="0"/>
-                                  </p:stCondLst>
-                                  <p:childTnLst>
-                                    <p:set>
-                                      <p:cBhvr>
-                                        <p:cTn id="26" dur="1" fill="hold">
-                                          <p:stCondLst>
-                                            <p:cond delay="0"/>
-                                          </p:stCondLst>
-                                        </p:cTn>
-                                        <p:tgtEl>
-                                          <p:spTgt spid="3">
-                                            <p:txEl>
-                                              <p:pRg st="4" end="4"/>
-                                            </p:txEl>
-                                          </p:spTgt>
-                                        </p:tgtEl>
-                                        <p:attrNameLst>
-                                          <p:attrName>style.visibility</p:attrName>
-                                        </p:attrNameLst>
-                                      </p:cBhvr>
-                                      <p:to>
-                                        <p:strVal val="visible"/>
-                                      </p:to>
-                                    </p:set>
-                                    <p:animEffect transition="in" filter="box(in)">
-                                      <p:cBhvr>
-                                        <p:cTn id="27" dur="500"/>
-                                        <p:tgtEl>
-                                          <p:spTgt spid="3">
-                                            <p:txEl>
-                                              <p:pRg st="4" end="4"/>
-                                            </p:txEl>
-                                          </p:spTgt>
-                                        </p:tgtEl>
-                                      </p:cBhvr>
-                                    </p:animEffect>
-                                  </p:childTnLst>
-                                </p:cTn>
-                              </p:par>
-                            </p:childTnLst>
-                          </p:cTn>
-                        </p:par>
-                      </p:childTnLst>
-                    </p:cTn>
-                  </p:par>
-                </p:childTnLst>
-              </p:cTn>
-              <p:prevCondLst>
-                <p:cond evt="onPrev" delay="0">
-                  <p:tgtEl>
-                    <p:sldTgt/>
-                  </p:tgtEl>
-                </p:cond>
-              </p:prevCondLst>
-              <p:nextCondLst>
-                <p:cond evt="onNext" delay="0">
-                  <p:tgtEl>
-                    <p:sldTgt/>
-                  </p:tgtEl>
-                </p:cond>
-              </p:nextCondLst>
-            </p:seq>
-          </p:childTnLst>
-        </p:cTn>
+        <p:cTn id="1" dur="indefinite" restart="never" nodeType="tmRoot"/>
       </p:par>
     </p:tnLst>
-    <p:bldLst>
-      <p:bldP spid="3" grpId="0" build="p"/>
-    </p:bldLst>
   </p:timing>
 </p:sld>
 </file>
@@ -40798,7 +38055,7 @@
         </p:spPr>
         <p:txBody>
           <a:bodyPr>
-            <a:normAutofit fontScale="92500"/>
+            <a:normAutofit fontScale="92500" lnSpcReduction="10000"/>
           </a:bodyPr>
           <a:lstStyle/>
           <a:p>
@@ -40840,7 +38097,7 @@
           <a:p>
             <a:r>
               <a:rPr lang="en-US" dirty="0" smtClean="0"/>
-              <a:t>Some compile time measures from December 2008:</a:t>
+              <a:t>Some compile time measures from December 2008 (msvc8 and gcc-4.1):</a:t>
             </a:r>
           </a:p>
           <a:p>
@@ -40968,396 +38225,9 @@
   <p:timing>
     <p:tnLst>
       <p:par>
-        <p:cTn id="1" dur="indefinite" restart="never" nodeType="tmRoot">
-          <p:childTnLst>
-            <p:seq concurrent="1" nextAc="seek">
-              <p:cTn id="2" dur="indefinite" nodeType="mainSeq">
-                <p:childTnLst>
-                  <p:par>
-                    <p:cTn id="3" fill="hold">
-                      <p:stCondLst>
-                        <p:cond delay="indefinite"/>
-                      </p:stCondLst>
-                      <p:childTnLst>
-                        <p:par>
-                          <p:cTn id="4" fill="hold">
-                            <p:stCondLst>
-                              <p:cond delay="0"/>
-                            </p:stCondLst>
-                            <p:childTnLst>
-                              <p:par>
-                                <p:cTn id="5" presetID="4" presetClass="entr" presetSubtype="16" fill="hold" grpId="0" nodeType="clickEffect">
-                                  <p:stCondLst>
-                                    <p:cond delay="0"/>
-                                  </p:stCondLst>
-                                  <p:childTnLst>
-                                    <p:set>
-                                      <p:cBhvr>
-                                        <p:cTn id="6" dur="1" fill="hold">
-                                          <p:stCondLst>
-                                            <p:cond delay="0"/>
-                                          </p:stCondLst>
-                                        </p:cTn>
-                                        <p:tgtEl>
-                                          <p:spTgt spid="3">
-                                            <p:txEl>
-                                              <p:pRg st="0" end="0"/>
-                                            </p:txEl>
-                                          </p:spTgt>
-                                        </p:tgtEl>
-                                        <p:attrNameLst>
-                                          <p:attrName>style.visibility</p:attrName>
-                                        </p:attrNameLst>
-                                      </p:cBhvr>
-                                      <p:to>
-                                        <p:strVal val="visible"/>
-                                      </p:to>
-                                    </p:set>
-                                    <p:animEffect transition="in" filter="box(in)">
-                                      <p:cBhvr>
-                                        <p:cTn id="7" dur="500"/>
-                                        <p:tgtEl>
-                                          <p:spTgt spid="3">
-                                            <p:txEl>
-                                              <p:pRg st="0" end="0"/>
-                                            </p:txEl>
-                                          </p:spTgt>
-                                        </p:tgtEl>
-                                      </p:cBhvr>
-                                    </p:animEffect>
-                                  </p:childTnLst>
-                                </p:cTn>
-                              </p:par>
-                            </p:childTnLst>
-                          </p:cTn>
-                        </p:par>
-                      </p:childTnLst>
-                    </p:cTn>
-                  </p:par>
-                  <p:par>
-                    <p:cTn id="8" fill="hold">
-                      <p:stCondLst>
-                        <p:cond delay="indefinite"/>
-                      </p:stCondLst>
-                      <p:childTnLst>
-                        <p:par>
-                          <p:cTn id="9" fill="hold">
-                            <p:stCondLst>
-                              <p:cond delay="0"/>
-                            </p:stCondLst>
-                            <p:childTnLst>
-                              <p:par>
-                                <p:cTn id="10" presetID="4" presetClass="entr" presetSubtype="16" fill="hold" grpId="0" nodeType="clickEffect">
-                                  <p:stCondLst>
-                                    <p:cond delay="0"/>
-                                  </p:stCondLst>
-                                  <p:childTnLst>
-                                    <p:set>
-                                      <p:cBhvr>
-                                        <p:cTn id="11" dur="1" fill="hold">
-                                          <p:stCondLst>
-                                            <p:cond delay="0"/>
-                                          </p:stCondLst>
-                                        </p:cTn>
-                                        <p:tgtEl>
-                                          <p:spTgt spid="3">
-                                            <p:txEl>
-                                              <p:pRg st="1" end="1"/>
-                                            </p:txEl>
-                                          </p:spTgt>
-                                        </p:tgtEl>
-                                        <p:attrNameLst>
-                                          <p:attrName>style.visibility</p:attrName>
-                                        </p:attrNameLst>
-                                      </p:cBhvr>
-                                      <p:to>
-                                        <p:strVal val="visible"/>
-                                      </p:to>
-                                    </p:set>
-                                    <p:animEffect transition="in" filter="box(in)">
-                                      <p:cBhvr>
-                                        <p:cTn id="12" dur="500"/>
-                                        <p:tgtEl>
-                                          <p:spTgt spid="3">
-                                            <p:txEl>
-                                              <p:pRg st="1" end="1"/>
-                                            </p:txEl>
-                                          </p:spTgt>
-                                        </p:tgtEl>
-                                      </p:cBhvr>
-                                    </p:animEffect>
-                                  </p:childTnLst>
-                                </p:cTn>
-                              </p:par>
-                            </p:childTnLst>
-                          </p:cTn>
-                        </p:par>
-                      </p:childTnLst>
-                    </p:cTn>
-                  </p:par>
-                  <p:par>
-                    <p:cTn id="13" fill="hold">
-                      <p:stCondLst>
-                        <p:cond delay="indefinite"/>
-                      </p:stCondLst>
-                      <p:childTnLst>
-                        <p:par>
-                          <p:cTn id="14" fill="hold">
-                            <p:stCondLst>
-                              <p:cond delay="0"/>
-                            </p:stCondLst>
-                            <p:childTnLst>
-                              <p:par>
-                                <p:cTn id="15" presetID="4" presetClass="entr" presetSubtype="16" fill="hold" grpId="0" nodeType="clickEffect">
-                                  <p:stCondLst>
-                                    <p:cond delay="0"/>
-                                  </p:stCondLst>
-                                  <p:childTnLst>
-                                    <p:set>
-                                      <p:cBhvr>
-                                        <p:cTn id="16" dur="1" fill="hold">
-                                          <p:stCondLst>
-                                            <p:cond delay="0"/>
-                                          </p:stCondLst>
-                                        </p:cTn>
-                                        <p:tgtEl>
-                                          <p:spTgt spid="3">
-                                            <p:txEl>
-                                              <p:pRg st="2" end="2"/>
-                                            </p:txEl>
-                                          </p:spTgt>
-                                        </p:tgtEl>
-                                        <p:attrNameLst>
-                                          <p:attrName>style.visibility</p:attrName>
-                                        </p:attrNameLst>
-                                      </p:cBhvr>
-                                      <p:to>
-                                        <p:strVal val="visible"/>
-                                      </p:to>
-                                    </p:set>
-                                    <p:animEffect transition="in" filter="box(in)">
-                                      <p:cBhvr>
-                                        <p:cTn id="17" dur="500"/>
-                                        <p:tgtEl>
-                                          <p:spTgt spid="3">
-                                            <p:txEl>
-                                              <p:pRg st="2" end="2"/>
-                                            </p:txEl>
-                                          </p:spTgt>
-                                        </p:tgtEl>
-                                      </p:cBhvr>
-                                    </p:animEffect>
-                                  </p:childTnLst>
-                                </p:cTn>
-                              </p:par>
-                            </p:childTnLst>
-                          </p:cTn>
-                        </p:par>
-                      </p:childTnLst>
-                    </p:cTn>
-                  </p:par>
-                  <p:par>
-                    <p:cTn id="18" fill="hold">
-                      <p:stCondLst>
-                        <p:cond delay="indefinite"/>
-                      </p:stCondLst>
-                      <p:childTnLst>
-                        <p:par>
-                          <p:cTn id="19" fill="hold">
-                            <p:stCondLst>
-                              <p:cond delay="0"/>
-                            </p:stCondLst>
-                            <p:childTnLst>
-                              <p:par>
-                                <p:cTn id="20" presetID="4" presetClass="entr" presetSubtype="16" fill="hold" grpId="0" nodeType="clickEffect">
-                                  <p:stCondLst>
-                                    <p:cond delay="0"/>
-                                  </p:stCondLst>
-                                  <p:childTnLst>
-                                    <p:set>
-                                      <p:cBhvr>
-                                        <p:cTn id="21" dur="1" fill="hold">
-                                          <p:stCondLst>
-                                            <p:cond delay="0"/>
-                                          </p:stCondLst>
-                                        </p:cTn>
-                                        <p:tgtEl>
-                                          <p:spTgt spid="4"/>
-                                        </p:tgtEl>
-                                        <p:attrNameLst>
-                                          <p:attrName>style.visibility</p:attrName>
-                                        </p:attrNameLst>
-                                      </p:cBhvr>
-                                      <p:to>
-                                        <p:strVal val="visible"/>
-                                      </p:to>
-                                    </p:set>
-                                    <p:animEffect transition="in" filter="box(in)">
-                                      <p:cBhvr>
-                                        <p:cTn id="22" dur="500"/>
-                                        <p:tgtEl>
-                                          <p:spTgt spid="4"/>
-                                        </p:tgtEl>
-                                      </p:cBhvr>
-                                    </p:animEffect>
-                                  </p:childTnLst>
-                                </p:cTn>
-                              </p:par>
-                            </p:childTnLst>
-                          </p:cTn>
-                        </p:par>
-                      </p:childTnLst>
-                    </p:cTn>
-                  </p:par>
-                  <p:par>
-                    <p:cTn id="23" fill="hold">
-                      <p:stCondLst>
-                        <p:cond delay="indefinite"/>
-                      </p:stCondLst>
-                      <p:childTnLst>
-                        <p:par>
-                          <p:cTn id="24" fill="hold">
-                            <p:stCondLst>
-                              <p:cond delay="0"/>
-                            </p:stCondLst>
-                            <p:childTnLst>
-                              <p:par>
-                                <p:cTn id="25" presetID="4" presetClass="entr" presetSubtype="16" fill="hold" grpId="0" nodeType="clickEffect">
-                                  <p:stCondLst>
-                                    <p:cond delay="0"/>
-                                  </p:stCondLst>
-                                  <p:childTnLst>
-                                    <p:set>
-                                      <p:cBhvr>
-                                        <p:cTn id="26" dur="1" fill="hold">
-                                          <p:stCondLst>
-                                            <p:cond delay="0"/>
-                                          </p:stCondLst>
-                                        </p:cTn>
-                                        <p:tgtEl>
-                                          <p:spTgt spid="3">
-                                            <p:txEl>
-                                              <p:pRg st="3" end="3"/>
-                                            </p:txEl>
-                                          </p:spTgt>
-                                        </p:tgtEl>
-                                        <p:attrNameLst>
-                                          <p:attrName>style.visibility</p:attrName>
-                                        </p:attrNameLst>
-                                      </p:cBhvr>
-                                      <p:to>
-                                        <p:strVal val="visible"/>
-                                      </p:to>
-                                    </p:set>
-                                    <p:animEffect transition="in" filter="box(in)">
-                                      <p:cBhvr>
-                                        <p:cTn id="27" dur="500"/>
-                                        <p:tgtEl>
-                                          <p:spTgt spid="3">
-                                            <p:txEl>
-                                              <p:pRg st="3" end="3"/>
-                                            </p:txEl>
-                                          </p:spTgt>
-                                        </p:tgtEl>
-                                      </p:cBhvr>
-                                    </p:animEffect>
-                                  </p:childTnLst>
-                                </p:cTn>
-                              </p:par>
-                            </p:childTnLst>
-                          </p:cTn>
-                        </p:par>
-                      </p:childTnLst>
-                    </p:cTn>
-                  </p:par>
-                  <p:par>
-                    <p:cTn id="28" fill="hold">
-                      <p:stCondLst>
-                        <p:cond delay="indefinite"/>
-                      </p:stCondLst>
-                      <p:childTnLst>
-                        <p:par>
-                          <p:cTn id="29" fill="hold">
-                            <p:stCondLst>
-                              <p:cond delay="0"/>
-                            </p:stCondLst>
-                            <p:childTnLst>
-                              <p:par>
-                                <p:cTn id="30" presetID="4" presetClass="entr" presetSubtype="16" fill="hold" grpId="0" nodeType="clickEffect">
-                                  <p:stCondLst>
-                                    <p:cond delay="0"/>
-                                  </p:stCondLst>
-                                  <p:childTnLst>
-                                    <p:set>
-                                      <p:cBhvr>
-                                        <p:cTn id="31" dur="1" fill="hold">
-                                          <p:stCondLst>
-                                            <p:cond delay="0"/>
-                                          </p:stCondLst>
-                                        </p:cTn>
-                                        <p:tgtEl>
-                                          <p:spTgt spid="3">
-                                            <p:txEl>
-                                              <p:pRg st="4" end="4"/>
-                                            </p:txEl>
-                                          </p:spTgt>
-                                        </p:tgtEl>
-                                        <p:attrNameLst>
-                                          <p:attrName>style.visibility</p:attrName>
-                                        </p:attrNameLst>
-                                      </p:cBhvr>
-                                      <p:to>
-                                        <p:strVal val="visible"/>
-                                      </p:to>
-                                    </p:set>
-                                    <p:animEffect transition="in" filter="box(in)">
-                                      <p:cBhvr>
-                                        <p:cTn id="32" dur="500"/>
-                                        <p:tgtEl>
-                                          <p:spTgt spid="3">
-                                            <p:txEl>
-                                              <p:pRg st="4" end="4"/>
-                                            </p:txEl>
-                                          </p:spTgt>
-                                        </p:tgtEl>
-                                      </p:cBhvr>
-                                    </p:animEffect>
-                                  </p:childTnLst>
-                                </p:cTn>
-                              </p:par>
-                            </p:childTnLst>
-                          </p:cTn>
-                        </p:par>
-                      </p:childTnLst>
-                    </p:cTn>
-                  </p:par>
-                </p:childTnLst>
-              </p:cTn>
-              <p:prevCondLst>
-                <p:cond evt="onPrev" delay="0">
-                  <p:tgtEl>
-                    <p:sldTgt/>
-                  </p:tgtEl>
-                </p:cond>
-              </p:prevCondLst>
-              <p:nextCondLst>
-                <p:cond evt="onNext" delay="0">
-                  <p:tgtEl>
-                    <p:sldTgt/>
-                  </p:tgtEl>
-                </p:cond>
-              </p:nextCondLst>
-            </p:seq>
-          </p:childTnLst>
-        </p:cTn>
+        <p:cTn id="1" dur="indefinite" restart="never" nodeType="tmRoot"/>
       </p:par>
     </p:tnLst>
-    <p:bldLst>
-      <p:bldP spid="3" grpId="0" uiExpand="1" build="p"/>
-      <p:bldGraphic spid="4" grpId="0">
-        <p:bldAsOne/>
-      </p:bldGraphic>
-    </p:bldLst>
   </p:timing>
 </p:sld>
 </file>
@@ -41534,401 +38404,9 @@
   <p:timing>
     <p:tnLst>
       <p:par>
-        <p:cTn id="1" dur="indefinite" restart="never" nodeType="tmRoot">
-          <p:childTnLst>
-            <p:seq concurrent="1" nextAc="seek">
-              <p:cTn id="2" dur="indefinite" nodeType="mainSeq">
-                <p:childTnLst>
-                  <p:par>
-                    <p:cTn id="3" fill="hold">
-                      <p:stCondLst>
-                        <p:cond delay="indefinite"/>
-                      </p:stCondLst>
-                      <p:childTnLst>
-                        <p:par>
-                          <p:cTn id="4" fill="hold">
-                            <p:stCondLst>
-                              <p:cond delay="0"/>
-                            </p:stCondLst>
-                            <p:childTnLst>
-                              <p:par>
-                                <p:cTn id="5" presetID="4" presetClass="entr" presetSubtype="16" fill="hold" grpId="0" nodeType="clickEffect">
-                                  <p:stCondLst>
-                                    <p:cond delay="0"/>
-                                  </p:stCondLst>
-                                  <p:childTnLst>
-                                    <p:set>
-                                      <p:cBhvr>
-                                        <p:cTn id="6" dur="1" fill="hold">
-                                          <p:stCondLst>
-                                            <p:cond delay="0"/>
-                                          </p:stCondLst>
-                                        </p:cTn>
-                                        <p:tgtEl>
-                                          <p:spTgt spid="3">
-                                            <p:txEl>
-                                              <p:pRg st="0" end="0"/>
-                                            </p:txEl>
-                                          </p:spTgt>
-                                        </p:tgtEl>
-                                        <p:attrNameLst>
-                                          <p:attrName>style.visibility</p:attrName>
-                                        </p:attrNameLst>
-                                      </p:cBhvr>
-                                      <p:to>
-                                        <p:strVal val="visible"/>
-                                      </p:to>
-                                    </p:set>
-                                    <p:animEffect transition="in" filter="box(in)">
-                                      <p:cBhvr>
-                                        <p:cTn id="7" dur="500"/>
-                                        <p:tgtEl>
-                                          <p:spTgt spid="3">
-                                            <p:txEl>
-                                              <p:pRg st="0" end="0"/>
-                                            </p:txEl>
-                                          </p:spTgt>
-                                        </p:tgtEl>
-                                      </p:cBhvr>
-                                    </p:animEffect>
-                                  </p:childTnLst>
-                                </p:cTn>
-                              </p:par>
-                            </p:childTnLst>
-                          </p:cTn>
-                        </p:par>
-                      </p:childTnLst>
-                    </p:cTn>
-                  </p:par>
-                  <p:par>
-                    <p:cTn id="8" fill="hold">
-                      <p:stCondLst>
-                        <p:cond delay="indefinite"/>
-                      </p:stCondLst>
-                      <p:childTnLst>
-                        <p:par>
-                          <p:cTn id="9" fill="hold">
-                            <p:stCondLst>
-                              <p:cond delay="0"/>
-                            </p:stCondLst>
-                            <p:childTnLst>
-                              <p:par>
-                                <p:cTn id="10" presetID="4" presetClass="entr" presetSubtype="16" fill="hold" grpId="0" nodeType="clickEffect">
-                                  <p:stCondLst>
-                                    <p:cond delay="0"/>
-                                  </p:stCondLst>
-                                  <p:childTnLst>
-                                    <p:set>
-                                      <p:cBhvr>
-                                        <p:cTn id="11" dur="1" fill="hold">
-                                          <p:stCondLst>
-                                            <p:cond delay="0"/>
-                                          </p:stCondLst>
-                                        </p:cTn>
-                                        <p:tgtEl>
-                                          <p:spTgt spid="3">
-                                            <p:txEl>
-                                              <p:pRg st="1" end="1"/>
-                                            </p:txEl>
-                                          </p:spTgt>
-                                        </p:tgtEl>
-                                        <p:attrNameLst>
-                                          <p:attrName>style.visibility</p:attrName>
-                                        </p:attrNameLst>
-                                      </p:cBhvr>
-                                      <p:to>
-                                        <p:strVal val="visible"/>
-                                      </p:to>
-                                    </p:set>
-                                    <p:animEffect transition="in" filter="box(in)">
-                                      <p:cBhvr>
-                                        <p:cTn id="12" dur="500"/>
-                                        <p:tgtEl>
-                                          <p:spTgt spid="3">
-                                            <p:txEl>
-                                              <p:pRg st="1" end="1"/>
-                                            </p:txEl>
-                                          </p:spTgt>
-                                        </p:tgtEl>
-                                      </p:cBhvr>
-                                    </p:animEffect>
-                                  </p:childTnLst>
-                                </p:cTn>
-                              </p:par>
-                            </p:childTnLst>
-                          </p:cTn>
-                        </p:par>
-                      </p:childTnLst>
-                    </p:cTn>
-                  </p:par>
-                  <p:par>
-                    <p:cTn id="13" fill="hold">
-                      <p:stCondLst>
-                        <p:cond delay="indefinite"/>
-                      </p:stCondLst>
-                      <p:childTnLst>
-                        <p:par>
-                          <p:cTn id="14" fill="hold">
-                            <p:stCondLst>
-                              <p:cond delay="0"/>
-                            </p:stCondLst>
-                            <p:childTnLst>
-                              <p:par>
-                                <p:cTn id="15" presetID="4" presetClass="entr" presetSubtype="16" fill="hold" grpId="0" nodeType="clickEffect">
-                                  <p:stCondLst>
-                                    <p:cond delay="0"/>
-                                  </p:stCondLst>
-                                  <p:childTnLst>
-                                    <p:set>
-                                      <p:cBhvr>
-                                        <p:cTn id="16" dur="1" fill="hold">
-                                          <p:stCondLst>
-                                            <p:cond delay="0"/>
-                                          </p:stCondLst>
-                                        </p:cTn>
-                                        <p:tgtEl>
-                                          <p:spTgt spid="3">
-                                            <p:txEl>
-                                              <p:pRg st="2" end="2"/>
-                                            </p:txEl>
-                                          </p:spTgt>
-                                        </p:tgtEl>
-                                        <p:attrNameLst>
-                                          <p:attrName>style.visibility</p:attrName>
-                                        </p:attrNameLst>
-                                      </p:cBhvr>
-                                      <p:to>
-                                        <p:strVal val="visible"/>
-                                      </p:to>
-                                    </p:set>
-                                    <p:animEffect transition="in" filter="box(in)">
-                                      <p:cBhvr>
-                                        <p:cTn id="17" dur="500"/>
-                                        <p:tgtEl>
-                                          <p:spTgt spid="3">
-                                            <p:txEl>
-                                              <p:pRg st="2" end="2"/>
-                                            </p:txEl>
-                                          </p:spTgt>
-                                        </p:tgtEl>
-                                      </p:cBhvr>
-                                    </p:animEffect>
-                                  </p:childTnLst>
-                                </p:cTn>
-                              </p:par>
-                            </p:childTnLst>
-                          </p:cTn>
-                        </p:par>
-                      </p:childTnLst>
-                    </p:cTn>
-                  </p:par>
-                  <p:par>
-                    <p:cTn id="18" fill="hold">
-                      <p:stCondLst>
-                        <p:cond delay="indefinite"/>
-                      </p:stCondLst>
-                      <p:childTnLst>
-                        <p:par>
-                          <p:cTn id="19" fill="hold">
-                            <p:stCondLst>
-                              <p:cond delay="0"/>
-                            </p:stCondLst>
-                            <p:childTnLst>
-                              <p:par>
-                                <p:cTn id="20" presetID="4" presetClass="entr" presetSubtype="16" fill="hold" grpId="0" nodeType="clickEffect">
-                                  <p:stCondLst>
-                                    <p:cond delay="0"/>
-                                  </p:stCondLst>
-                                  <p:childTnLst>
-                                    <p:set>
-                                      <p:cBhvr>
-                                        <p:cTn id="21" dur="1" fill="hold">
-                                          <p:stCondLst>
-                                            <p:cond delay="0"/>
-                                          </p:stCondLst>
-                                        </p:cTn>
-                                        <p:tgtEl>
-                                          <p:spTgt spid="3">
-                                            <p:txEl>
-                                              <p:pRg st="3" end="3"/>
-                                            </p:txEl>
-                                          </p:spTgt>
-                                        </p:tgtEl>
-                                        <p:attrNameLst>
-                                          <p:attrName>style.visibility</p:attrName>
-                                        </p:attrNameLst>
-                                      </p:cBhvr>
-                                      <p:to>
-                                        <p:strVal val="visible"/>
-                                      </p:to>
-                                    </p:set>
-                                    <p:animEffect transition="in" filter="box(in)">
-                                      <p:cBhvr>
-                                        <p:cTn id="22" dur="500"/>
-                                        <p:tgtEl>
-                                          <p:spTgt spid="3">
-                                            <p:txEl>
-                                              <p:pRg st="3" end="3"/>
-                                            </p:txEl>
-                                          </p:spTgt>
-                                        </p:tgtEl>
-                                      </p:cBhvr>
-                                    </p:animEffect>
-                                  </p:childTnLst>
-                                </p:cTn>
-                              </p:par>
-                            </p:childTnLst>
-                          </p:cTn>
-                        </p:par>
-                      </p:childTnLst>
-                    </p:cTn>
-                  </p:par>
-                  <p:par>
-                    <p:cTn id="23" fill="hold">
-                      <p:stCondLst>
-                        <p:cond delay="indefinite"/>
-                      </p:stCondLst>
-                      <p:childTnLst>
-                        <p:par>
-                          <p:cTn id="24" fill="hold">
-                            <p:stCondLst>
-                              <p:cond delay="0"/>
-                            </p:stCondLst>
-                            <p:childTnLst>
-                              <p:par>
-                                <p:cTn id="25" presetID="4" presetClass="entr" presetSubtype="16" fill="hold" grpId="0" nodeType="clickEffect">
-                                  <p:stCondLst>
-                                    <p:cond delay="0"/>
-                                  </p:stCondLst>
-                                  <p:childTnLst>
-                                    <p:set>
-                                      <p:cBhvr>
-                                        <p:cTn id="26" dur="1" fill="hold">
-                                          <p:stCondLst>
-                                            <p:cond delay="0"/>
-                                          </p:stCondLst>
-                                        </p:cTn>
-                                        <p:tgtEl>
-                                          <p:spTgt spid="3">
-                                            <p:txEl>
-                                              <p:pRg st="4" end="4"/>
-                                            </p:txEl>
-                                          </p:spTgt>
-                                        </p:tgtEl>
-                                        <p:attrNameLst>
-                                          <p:attrName>style.visibility</p:attrName>
-                                        </p:attrNameLst>
-                                      </p:cBhvr>
-                                      <p:to>
-                                        <p:strVal val="visible"/>
-                                      </p:to>
-                                    </p:set>
-                                    <p:animEffect transition="in" filter="box(in)">
-                                      <p:cBhvr>
-                                        <p:cTn id="27" dur="500"/>
-                                        <p:tgtEl>
-                                          <p:spTgt spid="3">
-                                            <p:txEl>
-                                              <p:pRg st="4" end="4"/>
-                                            </p:txEl>
-                                          </p:spTgt>
-                                        </p:tgtEl>
-                                      </p:cBhvr>
-                                    </p:animEffect>
-                                  </p:childTnLst>
-                                </p:cTn>
-                              </p:par>
-                            </p:childTnLst>
-                          </p:cTn>
-                        </p:par>
-                      </p:childTnLst>
-                    </p:cTn>
-                  </p:par>
-                  <p:par>
-                    <p:cTn id="28" fill="hold">
-                      <p:stCondLst>
-                        <p:cond delay="indefinite"/>
-                      </p:stCondLst>
-                      <p:childTnLst>
-                        <p:par>
-                          <p:cTn id="29" fill="hold">
-                            <p:stCondLst>
-                              <p:cond delay="0"/>
-                            </p:stCondLst>
-                            <p:childTnLst>
-                              <p:par>
-                                <p:cTn id="30" presetID="4" presetClass="entr" presetSubtype="16" fill="hold" grpId="0" nodeType="clickEffect">
-                                  <p:stCondLst>
-                                    <p:cond delay="0"/>
-                                  </p:stCondLst>
-                                  <p:childTnLst>
-                                    <p:set>
-                                      <p:cBhvr>
-                                        <p:cTn id="31" dur="1" fill="hold">
-                                          <p:stCondLst>
-                                            <p:cond delay="0"/>
-                                          </p:stCondLst>
-                                        </p:cTn>
-                                        <p:tgtEl>
-                                          <p:spTgt spid="3">
-                                            <p:txEl>
-                                              <p:pRg st="5" end="5"/>
-                                            </p:txEl>
-                                          </p:spTgt>
-                                        </p:tgtEl>
-                                        <p:attrNameLst>
-                                          <p:attrName>style.visibility</p:attrName>
-                                        </p:attrNameLst>
-                                      </p:cBhvr>
-                                      <p:to>
-                                        <p:strVal val="visible"/>
-                                      </p:to>
-                                    </p:set>
-                                    <p:animEffect transition="in" filter="box(in)">
-                                      <p:cBhvr>
-                                        <p:cTn id="32" dur="500"/>
-                                        <p:tgtEl>
-                                          <p:spTgt spid="3">
-                                            <p:txEl>
-                                              <p:pRg st="5" end="5"/>
-                                            </p:txEl>
-                                          </p:spTgt>
-                                        </p:tgtEl>
-                                      </p:cBhvr>
-                                    </p:animEffect>
-                                  </p:childTnLst>
-                                </p:cTn>
-                              </p:par>
-                            </p:childTnLst>
-                          </p:cTn>
-                        </p:par>
-                      </p:childTnLst>
-                    </p:cTn>
-                  </p:par>
-                </p:childTnLst>
-              </p:cTn>
-              <p:prevCondLst>
-                <p:cond evt="onPrev" delay="0">
-                  <p:tgtEl>
-                    <p:sldTgt/>
-                  </p:tgtEl>
-                </p:cond>
-              </p:prevCondLst>
-              <p:nextCondLst>
-                <p:cond evt="onNext" delay="0">
-                  <p:tgtEl>
-                    <p:sldTgt/>
-                  </p:tgtEl>
-                </p:cond>
-              </p:nextCondLst>
-            </p:seq>
-          </p:childTnLst>
-        </p:cTn>
+        <p:cTn id="1" dur="indefinite" restart="never" nodeType="tmRoot"/>
       </p:par>
     </p:tnLst>
-    <p:bldLst>
-      <p:bldP spid="3" grpId="0" build="p" bldLvl="2"/>
-    </p:bldLst>
   </p:timing>
 </p:sld>
 </file>
@@ -42153,30 +38631,6 @@
       </p:sp>
       <p:sp>
         <p:nvSpPr>
-          <p:cNvPr id="8" name="Foliennummernplatzhalter 7"/>
-          <p:cNvSpPr>
-            <a:spLocks noGrp="1"/>
-          </p:cNvSpPr>
-          <p:nvPr>
-            <p:ph type="sldNum" sz="quarter" idx="12"/>
-          </p:nvPr>
-        </p:nvSpPr>
-        <p:spPr/>
-        <p:txBody>
-          <a:bodyPr/>
-          <a:lstStyle/>
-          <a:p>
-            <a:fld id="{64D7082F-DA1E-4BA7-A6EE-6967ECEA7877}" type="slidenum">
-              <a:rPr lang="de-DE" smtClean="0"/>
-              <a:pPr/>
-              <a:t>37</a:t>
-            </a:fld>
-            <a:endParaRPr lang="de-DE"/>
-          </a:p>
-        </p:txBody>
-      </p:sp>
-      <p:sp>
-        <p:nvSpPr>
           <p:cNvPr id="9" name="Fußzeilenplatzhalter 8"/>
           <p:cNvSpPr>
             <a:spLocks noGrp="1"/>
@@ -42455,6 +38909,156 @@
 </p:sld>
 </file>
 
+<file path=ppt/slides/slide39.xml><?xml version="1.0" encoding="utf-8"?>
+<p:sld xmlns:a="http://schemas.openxmlformats.org/drawingml/2006/main" xmlns:r="http://schemas.openxmlformats.org/officeDocument/2006/relationships" xmlns:p="http://schemas.openxmlformats.org/presentationml/2006/main">
+  <p:cSld>
+    <p:spTree>
+      <p:nvGrpSpPr>
+        <p:cNvPr id="1" name=""/>
+        <p:cNvGrpSpPr/>
+        <p:nvPr/>
+      </p:nvGrpSpPr>
+      <p:grpSpPr>
+        <a:xfrm>
+          <a:off x="0" y="0"/>
+          <a:ext cx="0" cy="0"/>
+          <a:chOff x="0" y="0"/>
+          <a:chExt cx="0" cy="0"/>
+        </a:xfrm>
+      </p:grpSpPr>
+      <p:sp>
+        <p:nvSpPr>
+          <p:cNvPr id="2" name="Titel 1"/>
+          <p:cNvSpPr>
+            <a:spLocks noGrp="1"/>
+          </p:cNvSpPr>
+          <p:nvPr>
+            <p:ph type="title"/>
+          </p:nvPr>
+        </p:nvSpPr>
+        <p:spPr/>
+        <p:txBody>
+          <a:bodyPr/>
+          <a:lstStyle/>
+          <a:p>
+            <a:r>
+              <a:rPr lang="en-US" dirty="0" smtClean="0"/>
+              <a:t>Boost broken?</a:t>
+            </a:r>
+            <a:endParaRPr lang="en-US" dirty="0"/>
+          </a:p>
+        </p:txBody>
+      </p:sp>
+      <p:sp>
+        <p:nvSpPr>
+          <p:cNvPr id="3" name="Datumsplatzhalter 2"/>
+          <p:cNvSpPr>
+            <a:spLocks noGrp="1"/>
+          </p:cNvSpPr>
+          <p:nvPr>
+            <p:ph type="dt" sz="half" idx="10"/>
+          </p:nvPr>
+        </p:nvSpPr>
+        <p:spPr/>
+        <p:txBody>
+          <a:bodyPr/>
+          <a:lstStyle/>
+          <a:p>
+            <a:r>
+              <a:rPr lang="de-DE" smtClean="0"/>
+              <a:t>Version 1.0.1   2010-05-09</a:t>
+            </a:r>
+            <a:endParaRPr lang="de-DE" dirty="0"/>
+          </a:p>
+        </p:txBody>
+      </p:sp>
+      <p:sp>
+        <p:nvSpPr>
+          <p:cNvPr id="4" name="Fußzeilenplatzhalter 3"/>
+          <p:cNvSpPr>
+            <a:spLocks noGrp="1"/>
+          </p:cNvSpPr>
+          <p:nvPr>
+            <p:ph type="ftr" sz="quarter" idx="11"/>
+          </p:nvPr>
+        </p:nvSpPr>
+        <p:spPr/>
+        <p:txBody>
+          <a:bodyPr/>
+          <a:lstStyle/>
+          <a:p>
+            <a:r>
+              <a:rPr lang="en-US" smtClean="0"/>
+              <a:t>Copyright © Joachim Faulhaber 2010  Distributed under the Boost Software License 1.0 </a:t>
+            </a:r>
+            <a:endParaRPr lang="de-DE" dirty="0"/>
+          </a:p>
+        </p:txBody>
+      </p:sp>
+      <p:sp>
+        <p:nvSpPr>
+          <p:cNvPr id="5" name="Foliennummernplatzhalter 4"/>
+          <p:cNvSpPr>
+            <a:spLocks noGrp="1"/>
+          </p:cNvSpPr>
+          <p:nvPr>
+            <p:ph type="sldNum" sz="quarter" idx="12"/>
+          </p:nvPr>
+        </p:nvSpPr>
+        <p:spPr/>
+        <p:txBody>
+          <a:bodyPr/>
+          <a:lstStyle/>
+          <a:p>
+            <a:fld id="{64D7082F-DA1E-4BA7-A6EE-6967ECEA7877}" type="slidenum">
+              <a:rPr lang="de-DE" smtClean="0"/>
+              <a:pPr/>
+              <a:t>39</a:t>
+            </a:fld>
+            <a:endParaRPr lang="de-DE"/>
+          </a:p>
+        </p:txBody>
+      </p:sp>
+      <p:sp>
+        <p:nvSpPr>
+          <p:cNvPr id="6" name="Inhaltsplatzhalter 5"/>
+          <p:cNvSpPr>
+            <a:spLocks noGrp="1"/>
+          </p:cNvSpPr>
+          <p:nvPr>
+            <p:ph sz="quarter" idx="1"/>
+          </p:nvPr>
+        </p:nvSpPr>
+        <p:spPr/>
+        <p:txBody>
+          <a:bodyPr anchor="ctr">
+            <a:normAutofit/>
+          </a:bodyPr>
+          <a:lstStyle/>
+          <a:p>
+            <a:r>
+              <a:rPr lang="en-US" sz="2800" dirty="0" smtClean="0"/>
+              <a:t>A remedy for the review manager starvation.</a:t>
+            </a:r>
+            <a:endParaRPr lang="en-US" sz="2800" dirty="0"/>
+          </a:p>
+        </p:txBody>
+      </p:sp>
+    </p:spTree>
+  </p:cSld>
+  <p:clrMapOvr>
+    <a:masterClrMapping/>
+  </p:clrMapOvr>
+  <p:timing>
+    <p:tnLst>
+      <p:par>
+        <p:cTn id="1" dur="indefinite" restart="never" nodeType="tmRoot"/>
+      </p:par>
+    </p:tnLst>
+  </p:timing>
+</p:sld>
+</file>
+
 <file path=ppt/slides/slide4.xml><?xml version="1.0" encoding="utf-8"?>
 <p:sld xmlns:a="http://schemas.openxmlformats.org/drawingml/2006/main" xmlns:r="http://schemas.openxmlformats.org/officeDocument/2006/relationships" xmlns:p="http://schemas.openxmlformats.org/presentationml/2006/main">
   <p:cSld>
@@ -42508,7 +39112,7 @@
         <p:spPr/>
         <p:txBody>
           <a:bodyPr>
-            <a:normAutofit fontScale="92500"/>
+            <a:normAutofit/>
           </a:bodyPr>
           <a:lstStyle/>
           <a:p>
@@ -42614,43 +39218,11 @@
           <a:p>
             <a:r>
               <a:rPr lang="en-US" dirty="0" smtClean="0"/>
-              <a:t>… contained challenging </a:t>
-            </a:r>
-            <a:r>
-              <a:rPr lang="en-US" dirty="0" smtClean="0">
-                <a:solidFill>
-                  <a:srgbClr val="0070C0"/>
-                </a:solidFill>
-              </a:rPr>
-              <a:t>abstraction tasks</a:t>
+              <a:t>… </a:t>
             </a:r>
             <a:r>
               <a:rPr lang="en-US" dirty="0" smtClean="0"/>
-              <a:t> as a library</a:t>
-            </a:r>
-          </a:p>
-          <a:p>
-            <a:r>
-              <a:rPr lang="en-US" dirty="0" smtClean="0"/>
-              <a:t>… attracted </a:t>
-            </a:r>
-            <a:r>
-              <a:rPr lang="en-US" dirty="0" smtClean="0">
-                <a:solidFill>
-                  <a:srgbClr val="0070C0"/>
-                </a:solidFill>
-              </a:rPr>
-              <a:t>interest</a:t>
-            </a:r>
-            <a:r>
-              <a:rPr lang="en-US" dirty="0" smtClean="0"/>
-              <a:t> in the boost community</a:t>
-            </a:r>
-          </a:p>
-          <a:p>
-            <a:r>
-              <a:rPr lang="en-US" dirty="0" smtClean="0"/>
-              <a:t>… has the potential for a </a:t>
+              <a:t>has the potential for a </a:t>
             </a:r>
             <a:r>
               <a:rPr lang="en-US" dirty="0" smtClean="0">
@@ -42664,6 +39236,10 @@
               <a:rPr lang="en-US" dirty="0" smtClean="0"/>
               <a:t>.</a:t>
             </a:r>
+            <a:br>
+              <a:rPr lang="en-US" dirty="0" smtClean="0"/>
+            </a:br>
+            <a:endParaRPr lang="en-US" dirty="0" smtClean="0"/>
           </a:p>
           <a:p>
             <a:r>
@@ -42825,33 +39401,15 @@
                                   </p:childTnLst>
                                 </p:cTn>
                               </p:par>
-                            </p:childTnLst>
-                          </p:cTn>
-                        </p:par>
-                      </p:childTnLst>
-                    </p:cTn>
-                  </p:par>
-                  <p:par>
-                    <p:cTn id="8" fill="hold">
-                      <p:stCondLst>
-                        <p:cond delay="indefinite"/>
-                      </p:stCondLst>
-                      <p:childTnLst>
-                        <p:par>
-                          <p:cTn id="9" fill="hold">
-                            <p:stCondLst>
-                              <p:cond delay="0"/>
-                            </p:stCondLst>
-                            <p:childTnLst>
                               <p:par>
-                                <p:cTn id="10" presetID="4" presetClass="entr" presetSubtype="16" fill="hold" nodeType="clickEffect">
+                                <p:cTn id="8" presetID="4" presetClass="entr" presetSubtype="16" fill="hold" nodeType="withEffect">
                                   <p:stCondLst>
                                     <p:cond delay="0"/>
                                   </p:stCondLst>
                                   <p:childTnLst>
                                     <p:set>
                                       <p:cBhvr>
-                                        <p:cTn id="11" dur="1" fill="hold">
+                                        <p:cTn id="9" dur="1" fill="hold">
                                           <p:stCondLst>
                                             <p:cond delay="0"/>
                                           </p:stCondLst>
@@ -42873,7 +39431,7 @@
                                     </p:set>
                                     <p:animEffect transition="in" filter="box(in)">
                                       <p:cBhvr>
-                                        <p:cTn id="12" dur="500"/>
+                                        <p:cTn id="10" dur="500"/>
                                         <p:tgtEl>
                                           <p:spTgt spid="3">
                                             <p:txEl>
@@ -42886,33 +39444,15 @@
                                   </p:childTnLst>
                                 </p:cTn>
                               </p:par>
-                            </p:childTnLst>
-                          </p:cTn>
-                        </p:par>
-                      </p:childTnLst>
-                    </p:cTn>
-                  </p:par>
-                  <p:par>
-                    <p:cTn id="13" fill="hold">
-                      <p:stCondLst>
-                        <p:cond delay="indefinite"/>
-                      </p:stCondLst>
-                      <p:childTnLst>
-                        <p:par>
-                          <p:cTn id="14" fill="hold">
-                            <p:stCondLst>
-                              <p:cond delay="0"/>
-                            </p:stCondLst>
-                            <p:childTnLst>
                               <p:par>
-                                <p:cTn id="15" presetID="4" presetClass="entr" presetSubtype="16" fill="hold" nodeType="clickEffect">
+                                <p:cTn id="11" presetID="4" presetClass="entr" presetSubtype="16" fill="hold" nodeType="withEffect">
                                   <p:stCondLst>
                                     <p:cond delay="0"/>
                                   </p:stCondLst>
                                   <p:childTnLst>
                                     <p:set>
                                       <p:cBhvr>
-                                        <p:cTn id="16" dur="1" fill="hold">
+                                        <p:cTn id="12" dur="1" fill="hold">
                                           <p:stCondLst>
                                             <p:cond delay="0"/>
                                           </p:stCondLst>
@@ -42934,7 +39474,7 @@
                                     </p:set>
                                     <p:animEffect transition="in" filter="box(in)">
                                       <p:cBhvr>
-                                        <p:cTn id="17" dur="500"/>
+                                        <p:cTn id="13" dur="500"/>
                                         <p:tgtEl>
                                           <p:spTgt spid="3">
                                             <p:txEl>
@@ -42947,33 +39487,15 @@
                                   </p:childTnLst>
                                 </p:cTn>
                               </p:par>
-                            </p:childTnLst>
-                          </p:cTn>
-                        </p:par>
-                      </p:childTnLst>
-                    </p:cTn>
-                  </p:par>
-                  <p:par>
-                    <p:cTn id="18" fill="hold">
-                      <p:stCondLst>
-                        <p:cond delay="indefinite"/>
-                      </p:stCondLst>
-                      <p:childTnLst>
-                        <p:par>
-                          <p:cTn id="19" fill="hold">
-                            <p:stCondLst>
-                              <p:cond delay="0"/>
-                            </p:stCondLst>
-                            <p:childTnLst>
                               <p:par>
-                                <p:cTn id="20" presetID="4" presetClass="entr" presetSubtype="16" fill="hold" nodeType="clickEffect">
+                                <p:cTn id="14" presetID="4" presetClass="entr" presetSubtype="16" fill="hold" nodeType="withEffect">
                                   <p:stCondLst>
                                     <p:cond delay="0"/>
                                   </p:stCondLst>
                                   <p:childTnLst>
                                     <p:set>
                                       <p:cBhvr>
-                                        <p:cTn id="21" dur="1" fill="hold">
+                                        <p:cTn id="15" dur="1" fill="hold">
                                           <p:stCondLst>
                                             <p:cond delay="0"/>
                                           </p:stCondLst>
@@ -42995,7 +39517,7 @@
                                     </p:set>
                                     <p:animEffect transition="in" filter="box(in)">
                                       <p:cBhvr>
-                                        <p:cTn id="22" dur="500"/>
+                                        <p:cTn id="16" dur="500"/>
                                         <p:tgtEl>
                                           <p:spTgt spid="3">
                                             <p:txEl>
@@ -43015,26 +39537,26 @@
                     </p:cTn>
                   </p:par>
                   <p:par>
-                    <p:cTn id="23" fill="hold">
+                    <p:cTn id="17" fill="hold">
                       <p:stCondLst>
                         <p:cond delay="indefinite"/>
                       </p:stCondLst>
                       <p:childTnLst>
                         <p:par>
-                          <p:cTn id="24" fill="hold">
+                          <p:cTn id="18" fill="hold">
                             <p:stCondLst>
                               <p:cond delay="0"/>
                             </p:stCondLst>
                             <p:childTnLst>
                               <p:par>
-                                <p:cTn id="25" presetID="4" presetClass="entr" presetSubtype="16" fill="hold" nodeType="clickEffect">
+                                <p:cTn id="19" presetID="4" presetClass="entr" presetSubtype="16" fill="hold" nodeType="clickEffect">
                                   <p:stCondLst>
                                     <p:cond delay="0"/>
                                   </p:stCondLst>
                                   <p:childTnLst>
                                     <p:set>
                                       <p:cBhvr>
-                                        <p:cTn id="26" dur="1" fill="hold">
+                                        <p:cTn id="20" dur="1" fill="hold">
                                           <p:stCondLst>
                                             <p:cond delay="0"/>
                                           </p:stCondLst>
@@ -43056,722 +39578,7 @@
                                     </p:set>
                                     <p:animEffect transition="in" filter="box(in)">
                                       <p:cBhvr>
-                                        <p:cTn id="27" dur="500"/>
-                                        <p:tgtEl>
-                                          <p:spTgt spid="3">
-                                            <p:txEl>
-                                              <p:pRg st="4" end="4"/>
-                                            </p:txEl>
-                                          </p:spTgt>
-                                        </p:tgtEl>
-                                      </p:cBhvr>
-                                    </p:animEffect>
-                                  </p:childTnLst>
-                                </p:cTn>
-                              </p:par>
-                            </p:childTnLst>
-                          </p:cTn>
-                        </p:par>
-                      </p:childTnLst>
-                    </p:cTn>
-                  </p:par>
-                  <p:par>
-                    <p:cTn id="28" fill="hold">
-                      <p:stCondLst>
-                        <p:cond delay="indefinite"/>
-                      </p:stCondLst>
-                      <p:childTnLst>
-                        <p:par>
-                          <p:cTn id="29" fill="hold">
-                            <p:stCondLst>
-                              <p:cond delay="0"/>
-                            </p:stCondLst>
-                            <p:childTnLst>
-                              <p:par>
-                                <p:cTn id="30" presetID="4" presetClass="entr" presetSubtype="16" fill="hold" nodeType="clickEffect">
-                                  <p:stCondLst>
-                                    <p:cond delay="0"/>
-                                  </p:stCondLst>
-                                  <p:childTnLst>
-                                    <p:set>
-                                      <p:cBhvr>
-                                        <p:cTn id="31" dur="1" fill="hold">
-                                          <p:stCondLst>
-                                            <p:cond delay="0"/>
-                                          </p:stCondLst>
-                                        </p:cTn>
-                                        <p:tgtEl>
-                                          <p:spTgt spid="3">
-                                            <p:txEl>
-                                              <p:pRg st="5" end="5"/>
-                                            </p:txEl>
-                                          </p:spTgt>
-                                        </p:tgtEl>
-                                        <p:attrNameLst>
-                                          <p:attrName>style.visibility</p:attrName>
-                                        </p:attrNameLst>
-                                      </p:cBhvr>
-                                      <p:to>
-                                        <p:strVal val="visible"/>
-                                      </p:to>
-                                    </p:set>
-                                    <p:animEffect transition="in" filter="box(in)">
-                                      <p:cBhvr>
-                                        <p:cTn id="32" dur="500"/>
-                                        <p:tgtEl>
-                                          <p:spTgt spid="3">
-                                            <p:txEl>
-                                              <p:pRg st="5" end="5"/>
-                                            </p:txEl>
-                                          </p:spTgt>
-                                        </p:tgtEl>
-                                      </p:cBhvr>
-                                    </p:animEffect>
-                                  </p:childTnLst>
-                                </p:cTn>
-                              </p:par>
-                            </p:childTnLst>
-                          </p:cTn>
-                        </p:par>
-                      </p:childTnLst>
-                    </p:cTn>
-                  </p:par>
-                  <p:par>
-                    <p:cTn id="33" fill="hold">
-                      <p:stCondLst>
-                        <p:cond delay="indefinite"/>
-                      </p:stCondLst>
-                      <p:childTnLst>
-                        <p:par>
-                          <p:cTn id="34" fill="hold">
-                            <p:stCondLst>
-                              <p:cond delay="0"/>
-                            </p:stCondLst>
-                            <p:childTnLst>
-                              <p:par>
-                                <p:cTn id="35" presetID="4" presetClass="entr" presetSubtype="16" fill="hold" nodeType="clickEffect">
-                                  <p:stCondLst>
-                                    <p:cond delay="0"/>
-                                  </p:stCondLst>
-                                  <p:childTnLst>
-                                    <p:set>
-                                      <p:cBhvr>
-                                        <p:cTn id="36" dur="1" fill="hold">
-                                          <p:stCondLst>
-                                            <p:cond delay="0"/>
-                                          </p:stCondLst>
-                                        </p:cTn>
-                                        <p:tgtEl>
-                                          <p:spTgt spid="3">
-                                            <p:txEl>
-                                              <p:pRg st="6" end="6"/>
-                                            </p:txEl>
-                                          </p:spTgt>
-                                        </p:tgtEl>
-                                        <p:attrNameLst>
-                                          <p:attrName>style.visibility</p:attrName>
-                                        </p:attrNameLst>
-                                      </p:cBhvr>
-                                      <p:to>
-                                        <p:strVal val="visible"/>
-                                      </p:to>
-                                    </p:set>
-                                    <p:animEffect transition="in" filter="box(in)">
-                                      <p:cBhvr>
-                                        <p:cTn id="37" dur="500"/>
-                                        <p:tgtEl>
-                                          <p:spTgt spid="3">
-                                            <p:txEl>
-                                              <p:pRg st="6" end="6"/>
-                                            </p:txEl>
-                                          </p:spTgt>
-                                        </p:tgtEl>
-                                      </p:cBhvr>
-                                    </p:animEffect>
-                                  </p:childTnLst>
-                                </p:cTn>
-                              </p:par>
-                            </p:childTnLst>
-                          </p:cTn>
-                        </p:par>
-                      </p:childTnLst>
-                    </p:cTn>
-                  </p:par>
-                </p:childTnLst>
-              </p:cTn>
-              <p:prevCondLst>
-                <p:cond evt="onPrev" delay="0">
-                  <p:tgtEl>
-                    <p:sldTgt/>
-                  </p:tgtEl>
-                </p:cond>
-              </p:prevCondLst>
-              <p:nextCondLst>
-                <p:cond evt="onNext" delay="0">
-                  <p:tgtEl>
-                    <p:sldTgt/>
-                  </p:tgtEl>
-                </p:cond>
-              </p:nextCondLst>
-            </p:seq>
-          </p:childTnLst>
-        </p:cTn>
-      </p:par>
-    </p:tnLst>
-  </p:timing>
-</p:sld>
-</file>
-
-<file path=ppt/slides/slide5.xml><?xml version="1.0" encoding="utf-8"?>
-<p:sld xmlns:a="http://schemas.openxmlformats.org/drawingml/2006/main" xmlns:r="http://schemas.openxmlformats.org/officeDocument/2006/relationships" xmlns:p="http://schemas.openxmlformats.org/presentationml/2006/main">
-  <p:cSld>
-    <p:spTree>
-      <p:nvGrpSpPr>
-        <p:cNvPr id="1" name=""/>
-        <p:cNvGrpSpPr/>
-        <p:nvPr/>
-      </p:nvGrpSpPr>
-      <p:grpSpPr>
-        <a:xfrm>
-          <a:off x="0" y="0"/>
-          <a:ext cx="0" cy="0"/>
-          <a:chOff x="0" y="0"/>
-          <a:chExt cx="0" cy="0"/>
-        </a:xfrm>
-      </p:grpSpPr>
-      <p:sp>
-        <p:nvSpPr>
-          <p:cNvPr id="2" name="Titel 1"/>
-          <p:cNvSpPr>
-            <a:spLocks noGrp="1"/>
-          </p:cNvSpPr>
-          <p:nvPr>
-            <p:ph type="title"/>
-          </p:nvPr>
-        </p:nvSpPr>
-        <p:spPr/>
-        <p:txBody>
-          <a:bodyPr/>
-          <a:lstStyle/>
-          <a:p>
-            <a:r>
-              <a:rPr lang="en-US" dirty="0" smtClean="0"/>
-              <a:t>Today</a:t>
-            </a:r>
-            <a:endParaRPr lang="en-US" dirty="0"/>
-          </a:p>
-        </p:txBody>
-      </p:sp>
-      <p:sp>
-        <p:nvSpPr>
-          <p:cNvPr id="3" name="Inhaltsplatzhalter 2"/>
-          <p:cNvSpPr>
-            <a:spLocks noGrp="1"/>
-          </p:cNvSpPr>
-          <p:nvPr>
-            <p:ph sz="quarter" idx="1"/>
-          </p:nvPr>
-        </p:nvSpPr>
-        <p:spPr/>
-        <p:txBody>
-          <a:bodyPr>
-            <a:normAutofit/>
-          </a:bodyPr>
-          <a:lstStyle/>
-          <a:p>
-            <a:r>
-              <a:rPr lang="en-US" dirty="0" smtClean="0"/>
-              <a:t>Today I will introduce the current </a:t>
-            </a:r>
-            <a:r>
-              <a:rPr lang="en-US" dirty="0" smtClean="0">
-                <a:solidFill>
-                  <a:srgbClr val="0070C0"/>
-                </a:solidFill>
-              </a:rPr>
-              <a:t>prototype</a:t>
-            </a:r>
-          </a:p>
-          <a:p>
-            <a:r>
-              <a:rPr lang="en-US" dirty="0" smtClean="0"/>
-              <a:t>that is not yet </a:t>
-            </a:r>
-            <a:r>
-              <a:rPr lang="en-US" dirty="0" smtClean="0">
-                <a:solidFill>
-                  <a:srgbClr val="0070C0"/>
-                </a:solidFill>
-              </a:rPr>
-              <a:t>boost compliant</a:t>
-            </a:r>
-            <a:r>
-              <a:rPr lang="en-US" dirty="0" smtClean="0"/>
-              <a:t> but </a:t>
-            </a:r>
-            <a:r>
-              <a:rPr lang="en-US" dirty="0" smtClean="0">
-                <a:solidFill>
-                  <a:srgbClr val="0070C0"/>
-                </a:solidFill>
-              </a:rPr>
-              <a:t>Loki biased</a:t>
-            </a:r>
-          </a:p>
-          <a:p>
-            <a:r>
-              <a:rPr lang="en-US" dirty="0" smtClean="0"/>
-              <a:t>For the most part I will show </a:t>
-            </a:r>
-            <a:r>
-              <a:rPr lang="en-US" i="1" dirty="0" smtClean="0">
-                <a:solidFill>
-                  <a:schemeClr val="accent1">
-                    <a:lumMod val="75000"/>
-                  </a:schemeClr>
-                </a:solidFill>
-              </a:rPr>
-              <a:t>what I have</a:t>
-            </a:r>
-          </a:p>
-          <a:p>
-            <a:r>
-              <a:rPr lang="en-US" dirty="0" smtClean="0"/>
-              <a:t>… in order to </a:t>
-            </a:r>
-            <a:r>
-              <a:rPr lang="en-US" dirty="0" smtClean="0">
-                <a:solidFill>
-                  <a:srgbClr val="0070C0"/>
-                </a:solidFill>
-              </a:rPr>
-              <a:t>make the ideas</a:t>
-            </a:r>
-            <a:r>
-              <a:rPr lang="en-US" dirty="0" smtClean="0"/>
-              <a:t> of law based testing </a:t>
-            </a:r>
-            <a:r>
-              <a:rPr lang="en-US" dirty="0" smtClean="0">
-                <a:solidFill>
-                  <a:srgbClr val="0070C0"/>
-                </a:solidFill>
-              </a:rPr>
-              <a:t>clear</a:t>
-            </a:r>
-            <a:r>
-              <a:rPr lang="en-US" dirty="0" smtClean="0"/>
-              <a:t/>
-            </a:r>
-            <a:br>
-              <a:rPr lang="en-US" dirty="0" smtClean="0"/>
-            </a:br>
-            <a:endParaRPr lang="en-US" dirty="0" smtClean="0"/>
-          </a:p>
-          <a:p>
-            <a:r>
-              <a:rPr lang="en-US" dirty="0" smtClean="0"/>
-              <a:t>Then I will outline some aspects of a redesigned and </a:t>
-            </a:r>
-            <a:r>
-              <a:rPr lang="en-US" dirty="0" smtClean="0">
-                <a:solidFill>
-                  <a:srgbClr val="0070C0"/>
-                </a:solidFill>
-              </a:rPr>
-              <a:t>boost-quality</a:t>
-            </a:r>
-            <a:r>
-              <a:rPr lang="en-US" dirty="0" smtClean="0"/>
-              <a:t> library </a:t>
-            </a:r>
-            <a:r>
-              <a:rPr lang="en-US" dirty="0" err="1" smtClean="0">
-                <a:solidFill>
-                  <a:schemeClr val="accent1">
-                    <a:lumMod val="75000"/>
-                  </a:schemeClr>
-                </a:solidFill>
-              </a:rPr>
-              <a:t>Boost.Alabaster</a:t>
-            </a:r>
-            <a:r>
-              <a:rPr lang="en-US" dirty="0" smtClean="0"/>
-              <a:t> as a project to go about.</a:t>
-            </a:r>
-          </a:p>
-        </p:txBody>
-      </p:sp>
-      <p:sp>
-        <p:nvSpPr>
-          <p:cNvPr id="4" name="Fußzeilenplatzhalter 3"/>
-          <p:cNvSpPr>
-            <a:spLocks noGrp="1"/>
-          </p:cNvSpPr>
-          <p:nvPr>
-            <p:ph type="ftr" sz="quarter" idx="11"/>
-          </p:nvPr>
-        </p:nvSpPr>
-        <p:spPr/>
-        <p:txBody>
-          <a:bodyPr/>
-          <a:lstStyle/>
-          <a:p>
-            <a:r>
-              <a:rPr lang="en-US" smtClean="0"/>
-              <a:t>Copyright © Joachim Faulhaber 2010  Distributed under the Boost Software License 1.0 </a:t>
-            </a:r>
-            <a:endParaRPr lang="de-DE" dirty="0"/>
-          </a:p>
-        </p:txBody>
-      </p:sp>
-      <p:sp>
-        <p:nvSpPr>
-          <p:cNvPr id="5" name="Foliennummernplatzhalter 4"/>
-          <p:cNvSpPr>
-            <a:spLocks noGrp="1"/>
-          </p:cNvSpPr>
-          <p:nvPr>
-            <p:ph type="sldNum" sz="quarter" idx="12"/>
-          </p:nvPr>
-        </p:nvSpPr>
-        <p:spPr/>
-        <p:txBody>
-          <a:bodyPr/>
-          <a:lstStyle/>
-          <a:p>
-            <a:fld id="{64D7082F-DA1E-4BA7-A6EE-6967ECEA7877}" type="slidenum">
-              <a:rPr lang="de-DE" smtClean="0"/>
-              <a:pPr/>
-              <a:t>5</a:t>
-            </a:fld>
-            <a:endParaRPr lang="de-DE"/>
-          </a:p>
-        </p:txBody>
-      </p:sp>
-      <p:sp>
-        <p:nvSpPr>
-          <p:cNvPr id="6" name="Datumsplatzhalter 5"/>
-          <p:cNvSpPr>
-            <a:spLocks noGrp="1"/>
-          </p:cNvSpPr>
-          <p:nvPr>
-            <p:ph type="dt" sz="half" idx="10"/>
-          </p:nvPr>
-        </p:nvSpPr>
-        <p:spPr/>
-        <p:txBody>
-          <a:bodyPr/>
-          <a:lstStyle/>
-          <a:p>
-            <a:r>
-              <a:rPr lang="de-DE" smtClean="0"/>
-              <a:t>Version 1.0.1   2010-05-09</a:t>
-            </a:r>
-            <a:endParaRPr lang="de-DE" dirty="0"/>
-          </a:p>
-        </p:txBody>
-      </p:sp>
-    </p:spTree>
-  </p:cSld>
-  <p:clrMapOvr>
-    <a:masterClrMapping/>
-  </p:clrMapOvr>
-  <p:timing>
-    <p:tnLst>
-      <p:par>
-        <p:cTn id="1" dur="indefinite" restart="never" nodeType="tmRoot">
-          <p:childTnLst>
-            <p:seq concurrent="1" nextAc="seek">
-              <p:cTn id="2" dur="indefinite" nodeType="mainSeq">
-                <p:childTnLst>
-                  <p:par>
-                    <p:cTn id="3" fill="hold">
-                      <p:stCondLst>
-                        <p:cond delay="indefinite"/>
-                      </p:stCondLst>
-                      <p:childTnLst>
-                        <p:par>
-                          <p:cTn id="4" fill="hold">
-                            <p:stCondLst>
-                              <p:cond delay="0"/>
-                            </p:stCondLst>
-                            <p:childTnLst>
-                              <p:par>
-                                <p:cTn id="5" presetID="4" presetClass="entr" presetSubtype="16" fill="hold" nodeType="clickEffect">
-                                  <p:stCondLst>
-                                    <p:cond delay="0"/>
-                                  </p:stCondLst>
-                                  <p:childTnLst>
-                                    <p:set>
-                                      <p:cBhvr>
-                                        <p:cTn id="6" dur="1" fill="hold">
-                                          <p:stCondLst>
-                                            <p:cond delay="0"/>
-                                          </p:stCondLst>
-                                        </p:cTn>
-                                        <p:tgtEl>
-                                          <p:spTgt spid="3">
-                                            <p:txEl>
-                                              <p:pRg st="0" end="0"/>
-                                            </p:txEl>
-                                          </p:spTgt>
-                                        </p:tgtEl>
-                                        <p:attrNameLst>
-                                          <p:attrName>style.visibility</p:attrName>
-                                        </p:attrNameLst>
-                                      </p:cBhvr>
-                                      <p:to>
-                                        <p:strVal val="visible"/>
-                                      </p:to>
-                                    </p:set>
-                                    <p:animEffect transition="in" filter="box(in)">
-                                      <p:cBhvr>
-                                        <p:cTn id="7" dur="500"/>
-                                        <p:tgtEl>
-                                          <p:spTgt spid="3">
-                                            <p:txEl>
-                                              <p:pRg st="0" end="0"/>
-                                            </p:txEl>
-                                          </p:spTgt>
-                                        </p:tgtEl>
-                                      </p:cBhvr>
-                                    </p:animEffect>
-                                  </p:childTnLst>
-                                </p:cTn>
-                              </p:par>
-                            </p:childTnLst>
-                          </p:cTn>
-                        </p:par>
-                      </p:childTnLst>
-                    </p:cTn>
-                  </p:par>
-                  <p:par>
-                    <p:cTn id="8" fill="hold">
-                      <p:stCondLst>
-                        <p:cond delay="indefinite"/>
-                      </p:stCondLst>
-                      <p:childTnLst>
-                        <p:par>
-                          <p:cTn id="9" fill="hold">
-                            <p:stCondLst>
-                              <p:cond delay="0"/>
-                            </p:stCondLst>
-                            <p:childTnLst>
-                              <p:par>
-                                <p:cTn id="10" presetID="4" presetClass="entr" presetSubtype="16" fill="hold" nodeType="clickEffect">
-                                  <p:stCondLst>
-                                    <p:cond delay="0"/>
-                                  </p:stCondLst>
-                                  <p:childTnLst>
-                                    <p:set>
-                                      <p:cBhvr>
-                                        <p:cTn id="11" dur="1" fill="hold">
-                                          <p:stCondLst>
-                                            <p:cond delay="0"/>
-                                          </p:stCondLst>
-                                        </p:cTn>
-                                        <p:tgtEl>
-                                          <p:spTgt spid="3">
-                                            <p:txEl>
-                                              <p:pRg st="1" end="1"/>
-                                            </p:txEl>
-                                          </p:spTgt>
-                                        </p:tgtEl>
-                                        <p:attrNameLst>
-                                          <p:attrName>style.visibility</p:attrName>
-                                        </p:attrNameLst>
-                                      </p:cBhvr>
-                                      <p:to>
-                                        <p:strVal val="visible"/>
-                                      </p:to>
-                                    </p:set>
-                                    <p:animEffect transition="in" filter="box(in)">
-                                      <p:cBhvr>
-                                        <p:cTn id="12" dur="500"/>
-                                        <p:tgtEl>
-                                          <p:spTgt spid="3">
-                                            <p:txEl>
-                                              <p:pRg st="1" end="1"/>
-                                            </p:txEl>
-                                          </p:spTgt>
-                                        </p:tgtEl>
-                                      </p:cBhvr>
-                                    </p:animEffect>
-                                  </p:childTnLst>
-                                </p:cTn>
-                              </p:par>
-                            </p:childTnLst>
-                          </p:cTn>
-                        </p:par>
-                      </p:childTnLst>
-                    </p:cTn>
-                  </p:par>
-                  <p:par>
-                    <p:cTn id="13" fill="hold">
-                      <p:stCondLst>
-                        <p:cond delay="indefinite"/>
-                      </p:stCondLst>
-                      <p:childTnLst>
-                        <p:par>
-                          <p:cTn id="14" fill="hold">
-                            <p:stCondLst>
-                              <p:cond delay="0"/>
-                            </p:stCondLst>
-                            <p:childTnLst>
-                              <p:par>
-                                <p:cTn id="15" presetID="4" presetClass="entr" presetSubtype="16" fill="hold" nodeType="clickEffect">
-                                  <p:stCondLst>
-                                    <p:cond delay="0"/>
-                                  </p:stCondLst>
-                                  <p:childTnLst>
-                                    <p:set>
-                                      <p:cBhvr>
-                                        <p:cTn id="16" dur="1" fill="hold">
-                                          <p:stCondLst>
-                                            <p:cond delay="0"/>
-                                          </p:stCondLst>
-                                        </p:cTn>
-                                        <p:tgtEl>
-                                          <p:spTgt spid="3">
-                                            <p:txEl>
-                                              <p:pRg st="2" end="2"/>
-                                            </p:txEl>
-                                          </p:spTgt>
-                                        </p:tgtEl>
-                                        <p:attrNameLst>
-                                          <p:attrName>style.visibility</p:attrName>
-                                        </p:attrNameLst>
-                                      </p:cBhvr>
-                                      <p:to>
-                                        <p:strVal val="visible"/>
-                                      </p:to>
-                                    </p:set>
-                                    <p:animEffect transition="in" filter="box(in)">
-                                      <p:cBhvr>
-                                        <p:cTn id="17" dur="500"/>
-                                        <p:tgtEl>
-                                          <p:spTgt spid="3">
-                                            <p:txEl>
-                                              <p:pRg st="2" end="2"/>
-                                            </p:txEl>
-                                          </p:spTgt>
-                                        </p:tgtEl>
-                                      </p:cBhvr>
-                                    </p:animEffect>
-                                  </p:childTnLst>
-                                </p:cTn>
-                              </p:par>
-                            </p:childTnLst>
-                          </p:cTn>
-                        </p:par>
-                      </p:childTnLst>
-                    </p:cTn>
-                  </p:par>
-                  <p:par>
-                    <p:cTn id="18" fill="hold">
-                      <p:stCondLst>
-                        <p:cond delay="indefinite"/>
-                      </p:stCondLst>
-                      <p:childTnLst>
-                        <p:par>
-                          <p:cTn id="19" fill="hold">
-                            <p:stCondLst>
-                              <p:cond delay="0"/>
-                            </p:stCondLst>
-                            <p:childTnLst>
-                              <p:par>
-                                <p:cTn id="20" presetID="4" presetClass="entr" presetSubtype="16" fill="hold" nodeType="clickEffect">
-                                  <p:stCondLst>
-                                    <p:cond delay="0"/>
-                                  </p:stCondLst>
-                                  <p:childTnLst>
-                                    <p:set>
-                                      <p:cBhvr>
-                                        <p:cTn id="21" dur="1" fill="hold">
-                                          <p:stCondLst>
-                                            <p:cond delay="0"/>
-                                          </p:stCondLst>
-                                        </p:cTn>
-                                        <p:tgtEl>
-                                          <p:spTgt spid="3">
-                                            <p:txEl>
-                                              <p:pRg st="3" end="3"/>
-                                            </p:txEl>
-                                          </p:spTgt>
-                                        </p:tgtEl>
-                                        <p:attrNameLst>
-                                          <p:attrName>style.visibility</p:attrName>
-                                        </p:attrNameLst>
-                                      </p:cBhvr>
-                                      <p:to>
-                                        <p:strVal val="visible"/>
-                                      </p:to>
-                                    </p:set>
-                                    <p:animEffect transition="in" filter="box(in)">
-                                      <p:cBhvr>
-                                        <p:cTn id="22" dur="500"/>
-                                        <p:tgtEl>
-                                          <p:spTgt spid="3">
-                                            <p:txEl>
-                                              <p:pRg st="3" end="3"/>
-                                            </p:txEl>
-                                          </p:spTgt>
-                                        </p:tgtEl>
-                                      </p:cBhvr>
-                                    </p:animEffect>
-                                  </p:childTnLst>
-                                </p:cTn>
-                              </p:par>
-                            </p:childTnLst>
-                          </p:cTn>
-                        </p:par>
-                      </p:childTnLst>
-                    </p:cTn>
-                  </p:par>
-                  <p:par>
-                    <p:cTn id="23" fill="hold">
-                      <p:stCondLst>
-                        <p:cond delay="indefinite"/>
-                      </p:stCondLst>
-                      <p:childTnLst>
-                        <p:par>
-                          <p:cTn id="24" fill="hold">
-                            <p:stCondLst>
-                              <p:cond delay="0"/>
-                            </p:stCondLst>
-                            <p:childTnLst>
-                              <p:par>
-                                <p:cTn id="25" presetID="4" presetClass="entr" presetSubtype="16" fill="hold" nodeType="clickEffect">
-                                  <p:stCondLst>
-                                    <p:cond delay="0"/>
-                                  </p:stCondLst>
-                                  <p:childTnLst>
-                                    <p:set>
-                                      <p:cBhvr>
-                                        <p:cTn id="26" dur="1" fill="hold">
-                                          <p:stCondLst>
-                                            <p:cond delay="0"/>
-                                          </p:stCondLst>
-                                        </p:cTn>
-                                        <p:tgtEl>
-                                          <p:spTgt spid="3">
-                                            <p:txEl>
-                                              <p:pRg st="4" end="4"/>
-                                            </p:txEl>
-                                          </p:spTgt>
-                                        </p:tgtEl>
-                                        <p:attrNameLst>
-                                          <p:attrName>style.visibility</p:attrName>
-                                        </p:attrNameLst>
-                                      </p:cBhvr>
-                                      <p:to>
-                                        <p:strVal val="visible"/>
-                                      </p:to>
-                                    </p:set>
-                                    <p:animEffect transition="in" filter="box(in)">
-                                      <p:cBhvr>
-                                        <p:cTn id="27" dur="500"/>
+                                        <p:cTn id="21" dur="500"/>
                                         <p:tgtEl>
                                           <p:spTgt spid="3">
                                             <p:txEl>
@@ -43815,7 +39622,7 @@
 </p:sld>
 </file>
 
-<file path=ppt/slides/slide6.xml><?xml version="1.0" encoding="utf-8"?>
+<file path=ppt/slides/slide40.xml><?xml version="1.0" encoding="utf-8"?>
 <p:sld xmlns:a="http://schemas.openxmlformats.org/drawingml/2006/main" xmlns:r="http://schemas.openxmlformats.org/officeDocument/2006/relationships" xmlns:p="http://schemas.openxmlformats.org/presentationml/2006/main">
   <p:cSld>
     <p:spTree>
@@ -43848,14 +39655,10 @@
           <a:lstStyle/>
           <a:p>
             <a:r>
-              <a:rPr lang="de-DE" dirty="0" err="1" smtClean="0"/>
-              <a:t>Related</a:t>
-            </a:r>
-            <a:r>
-              <a:rPr lang="de-DE" dirty="0" smtClean="0"/>
-              <a:t> Work</a:t>
-            </a:r>
-            <a:endParaRPr lang="de-DE" dirty="0"/>
+              <a:rPr lang="en-US" dirty="0" smtClean="0"/>
+              <a:t>Boost broken?</a:t>
+            </a:r>
+            <a:endParaRPr lang="en-US" dirty="0"/>
           </a:p>
         </p:txBody>
       </p:sp>
@@ -43923,493 +39726,7 @@
             <a:fld id="{64D7082F-DA1E-4BA7-A6EE-6967ECEA7877}" type="slidenum">
               <a:rPr lang="de-DE" smtClean="0"/>
               <a:pPr/>
-              <a:t>6</a:t>
-            </a:fld>
-            <a:endParaRPr lang="de-DE"/>
-          </a:p>
-        </p:txBody>
-      </p:sp>
-      <p:sp>
-        <p:nvSpPr>
-          <p:cNvPr id="6" name="Inhaltsplatzhalter 5"/>
-          <p:cNvSpPr>
-            <a:spLocks noGrp="1"/>
-          </p:cNvSpPr>
-          <p:nvPr>
-            <p:ph sz="quarter" idx="1"/>
-          </p:nvPr>
-        </p:nvSpPr>
-        <p:spPr>
-          <a:xfrm>
-            <a:off x="301752" y="1527048"/>
-            <a:ext cx="8503920" cy="3330712"/>
-          </a:xfrm>
-        </p:spPr>
-        <p:txBody>
-          <a:bodyPr>
-            <a:normAutofit fontScale="92500" lnSpcReduction="20000"/>
-          </a:bodyPr>
-          <a:lstStyle/>
-          <a:p>
-            <a:pPr>
-              <a:buNone/>
-            </a:pPr>
-            <a:r>
-              <a:rPr lang="en-US" dirty="0" err="1" smtClean="0"/>
-              <a:t>Bagge</a:t>
-            </a:r>
-            <a:r>
-              <a:rPr lang="en-US" dirty="0" smtClean="0"/>
-              <a:t> &amp; </a:t>
-            </a:r>
-            <a:r>
-              <a:rPr lang="en-US" dirty="0" err="1" smtClean="0"/>
-              <a:t>Haveraaen</a:t>
-            </a:r>
-            <a:r>
-              <a:rPr lang="en-US" dirty="0" smtClean="0"/>
-              <a:t> (2008)</a:t>
-            </a:r>
-            <a:br>
-              <a:rPr lang="en-US" dirty="0" smtClean="0"/>
-            </a:br>
-            <a:r>
-              <a:rPr lang="en-US" dirty="0" smtClean="0">
-                <a:solidFill>
-                  <a:srgbClr val="0070C0"/>
-                </a:solidFill>
-              </a:rPr>
-              <a:t>Axiom Based</a:t>
-            </a:r>
-            <a:r>
-              <a:rPr lang="en-US" dirty="0" smtClean="0"/>
-              <a:t> Transformation:</a:t>
-            </a:r>
-            <a:br>
-              <a:rPr lang="en-US" dirty="0" smtClean="0"/>
-            </a:br>
-            <a:r>
-              <a:rPr lang="en-US" dirty="0" err="1" smtClean="0"/>
-              <a:t>Optimisation</a:t>
-            </a:r>
-            <a:r>
-              <a:rPr lang="en-US" dirty="0" smtClean="0"/>
-              <a:t> and </a:t>
-            </a:r>
-            <a:r>
-              <a:rPr lang="en-US" dirty="0" smtClean="0">
-                <a:solidFill>
-                  <a:srgbClr val="0070C0"/>
-                </a:solidFill>
-              </a:rPr>
-              <a:t>Testing</a:t>
-            </a:r>
-            <a:r>
-              <a:rPr lang="en-US" dirty="0" smtClean="0"/>
-              <a:t/>
-            </a:r>
-            <a:br>
-              <a:rPr lang="en-US" dirty="0" smtClean="0"/>
-            </a:br>
-            <a:r>
-              <a:rPr lang="en-US" dirty="0" smtClean="0"/>
-              <a:t/>
-            </a:r>
-            <a:br>
-              <a:rPr lang="en-US" dirty="0" smtClean="0"/>
-            </a:br>
-            <a:r>
-              <a:rPr lang="en-US" dirty="0" smtClean="0"/>
-              <a:t>"Using axioms as test oracles</a:t>
-            </a:r>
-            <a:r>
-              <a:rPr lang="en-US" baseline="30000" dirty="0" smtClean="0">
-                <a:solidFill>
-                  <a:srgbClr val="0070C0"/>
-                </a:solidFill>
-              </a:rPr>
-              <a:t>[2]</a:t>
-            </a:r>
-            <a:r>
-              <a:rPr lang="en-US" dirty="0" smtClean="0"/>
-              <a:t> is straight-forward – fill in test data for the free variables, and see if the axiom evaluates to true […]. It is a pity this kind of </a:t>
-            </a:r>
-            <a:r>
-              <a:rPr lang="en-US" dirty="0" smtClean="0">
-                <a:solidFill>
-                  <a:srgbClr val="0070C0"/>
-                </a:solidFill>
-              </a:rPr>
-              <a:t>specification-based testing</a:t>
-            </a:r>
-            <a:r>
-              <a:rPr lang="en-US" dirty="0" smtClean="0"/>
-              <a:t> isn’t made more apparent in the upcoming standard, as it </a:t>
-            </a:r>
-            <a:r>
-              <a:rPr lang="en-US" dirty="0" smtClean="0">
-                <a:solidFill>
-                  <a:schemeClr val="accent1">
-                    <a:lumMod val="75000"/>
-                  </a:schemeClr>
-                </a:solidFill>
-              </a:rPr>
-              <a:t>would be a good motivation for actually writing axioms</a:t>
-            </a:r>
-            <a:r>
-              <a:rPr lang="en-US" dirty="0" smtClean="0"/>
-              <a:t> in programs."</a:t>
-            </a:r>
-          </a:p>
-        </p:txBody>
-      </p:sp>
-      <p:sp>
-        <p:nvSpPr>
-          <p:cNvPr id="7" name="Textfeld 6"/>
-          <p:cNvSpPr txBox="1"/>
-          <p:nvPr/>
-        </p:nvSpPr>
-        <p:spPr>
-          <a:xfrm>
-            <a:off x="214282" y="5127981"/>
-            <a:ext cx="8286808" cy="1015663"/>
-          </a:xfrm>
-          <a:prstGeom prst="rect">
-            <a:avLst/>
-          </a:prstGeom>
-          <a:noFill/>
-        </p:spPr>
-        <p:txBody>
-          <a:bodyPr wrap="square" rtlCol="0">
-            <a:spAutoFit/>
-          </a:bodyPr>
-          <a:lstStyle/>
-          <a:p>
-            <a:pPr marL="360000" indent="-457200"/>
-            <a:r>
-              <a:rPr lang="de-DE" sz="2000" dirty="0" smtClean="0"/>
-              <a:t>[2] </a:t>
-            </a:r>
-            <a:r>
-              <a:rPr lang="de-DE" sz="2000" dirty="0" err="1" smtClean="0"/>
-              <a:t>Gannon</a:t>
-            </a:r>
-            <a:r>
-              <a:rPr lang="de-DE" sz="2000" dirty="0" smtClean="0"/>
-              <a:t>, J., P. </a:t>
-            </a:r>
-            <a:r>
-              <a:rPr lang="de-DE" sz="2000" dirty="0" err="1" smtClean="0"/>
-              <a:t>McMullin</a:t>
-            </a:r>
-            <a:r>
-              <a:rPr lang="de-DE" sz="2000" dirty="0" smtClean="0"/>
-              <a:t> </a:t>
-            </a:r>
-            <a:r>
-              <a:rPr lang="de-DE" sz="2000" dirty="0" err="1" smtClean="0"/>
-              <a:t>and</a:t>
-            </a:r>
-            <a:r>
-              <a:rPr lang="de-DE" sz="2000" dirty="0" smtClean="0"/>
-              <a:t> R. Hamlet, </a:t>
-            </a:r>
-            <a:r>
-              <a:rPr lang="de-DE" sz="2000" i="1" dirty="0" smtClean="0"/>
-              <a:t>Data </a:t>
-            </a:r>
-            <a:r>
-              <a:rPr lang="de-DE" sz="2000" i="1" dirty="0" err="1" smtClean="0"/>
-              <a:t>abstraction</a:t>
-            </a:r>
-            <a:r>
-              <a:rPr lang="de-DE" sz="2000" i="1" dirty="0" smtClean="0"/>
-              <a:t>, </a:t>
-            </a:r>
-            <a:r>
-              <a:rPr lang="de-DE" sz="2000" i="1" dirty="0" err="1" smtClean="0"/>
-              <a:t>implementation</a:t>
-            </a:r>
-            <a:r>
-              <a:rPr lang="de-DE" sz="2000" i="1" dirty="0" smtClean="0"/>
-              <a:t>, </a:t>
-            </a:r>
-            <a:r>
-              <a:rPr lang="en-US" sz="2000" i="1" dirty="0" smtClean="0"/>
-              <a:t>specification, and testing</a:t>
-            </a:r>
-            <a:r>
-              <a:rPr lang="en-US" sz="2000" dirty="0" smtClean="0"/>
-              <a:t>, ACM Trans. Program. Lang. Syst. 3 (1981), pp. 211–</a:t>
-            </a:r>
-            <a:r>
-              <a:rPr lang="de-DE" sz="2000" dirty="0" smtClean="0"/>
-              <a:t>223.</a:t>
-            </a:r>
-          </a:p>
-        </p:txBody>
-      </p:sp>
-    </p:spTree>
-  </p:cSld>
-  <p:clrMapOvr>
-    <a:masterClrMapping/>
-  </p:clrMapOvr>
-  <p:timing>
-    <p:tnLst>
-      <p:par>
-        <p:cTn id="1" dur="indefinite" restart="never" nodeType="tmRoot">
-          <p:childTnLst>
-            <p:seq concurrent="1" nextAc="seek">
-              <p:cTn id="2" dur="indefinite" nodeType="mainSeq">
-                <p:childTnLst>
-                  <p:par>
-                    <p:cTn id="3" fill="hold">
-                      <p:stCondLst>
-                        <p:cond delay="indefinite"/>
-                      </p:stCondLst>
-                      <p:childTnLst>
-                        <p:par>
-                          <p:cTn id="4" fill="hold">
-                            <p:stCondLst>
-                              <p:cond delay="0"/>
-                            </p:stCondLst>
-                            <p:childTnLst>
-                              <p:par>
-                                <p:cTn id="5" presetID="4" presetClass="entr" presetSubtype="16" fill="hold" grpId="0" nodeType="clickEffect">
-                                  <p:stCondLst>
-                                    <p:cond delay="0"/>
-                                  </p:stCondLst>
-                                  <p:childTnLst>
-                                    <p:set>
-                                      <p:cBhvr>
-                                        <p:cTn id="6" dur="1" fill="hold">
-                                          <p:stCondLst>
-                                            <p:cond delay="0"/>
-                                          </p:stCondLst>
-                                        </p:cTn>
-                                        <p:tgtEl>
-                                          <p:spTgt spid="6">
-                                            <p:txEl>
-                                              <p:pRg st="0" end="0"/>
-                                            </p:txEl>
-                                          </p:spTgt>
-                                        </p:tgtEl>
-                                        <p:attrNameLst>
-                                          <p:attrName>style.visibility</p:attrName>
-                                        </p:attrNameLst>
-                                      </p:cBhvr>
-                                      <p:to>
-                                        <p:strVal val="visible"/>
-                                      </p:to>
-                                    </p:set>
-                                    <p:animEffect transition="in" filter="box(in)">
-                                      <p:cBhvr>
-                                        <p:cTn id="7" dur="500"/>
-                                        <p:tgtEl>
-                                          <p:spTgt spid="6">
-                                            <p:txEl>
-                                              <p:pRg st="0" end="0"/>
-                                            </p:txEl>
-                                          </p:spTgt>
-                                        </p:tgtEl>
-                                      </p:cBhvr>
-                                    </p:animEffect>
-                                  </p:childTnLst>
-                                </p:cTn>
-                              </p:par>
-                            </p:childTnLst>
-                          </p:cTn>
-                        </p:par>
-                      </p:childTnLst>
-                    </p:cTn>
-                  </p:par>
-                  <p:par>
-                    <p:cTn id="8" fill="hold">
-                      <p:stCondLst>
-                        <p:cond delay="indefinite"/>
-                      </p:stCondLst>
-                      <p:childTnLst>
-                        <p:par>
-                          <p:cTn id="9" fill="hold">
-                            <p:stCondLst>
-                              <p:cond delay="0"/>
-                            </p:stCondLst>
-                            <p:childTnLst>
-                              <p:par>
-                                <p:cTn id="10" presetID="4" presetClass="entr" presetSubtype="16" fill="hold" grpId="0" nodeType="clickEffect">
-                                  <p:stCondLst>
-                                    <p:cond delay="0"/>
-                                  </p:stCondLst>
-                                  <p:childTnLst>
-                                    <p:set>
-                                      <p:cBhvr>
-                                        <p:cTn id="11" dur="1" fill="hold">
-                                          <p:stCondLst>
-                                            <p:cond delay="0"/>
-                                          </p:stCondLst>
-                                        </p:cTn>
-                                        <p:tgtEl>
-                                          <p:spTgt spid="7"/>
-                                        </p:tgtEl>
-                                        <p:attrNameLst>
-                                          <p:attrName>style.visibility</p:attrName>
-                                        </p:attrNameLst>
-                                      </p:cBhvr>
-                                      <p:to>
-                                        <p:strVal val="visible"/>
-                                      </p:to>
-                                    </p:set>
-                                    <p:animEffect transition="in" filter="box(in)">
-                                      <p:cBhvr>
-                                        <p:cTn id="12" dur="500"/>
-                                        <p:tgtEl>
-                                          <p:spTgt spid="7"/>
-                                        </p:tgtEl>
-                                      </p:cBhvr>
-                                    </p:animEffect>
-                                  </p:childTnLst>
-                                </p:cTn>
-                              </p:par>
-                            </p:childTnLst>
-                          </p:cTn>
-                        </p:par>
-                      </p:childTnLst>
-                    </p:cTn>
-                  </p:par>
-                </p:childTnLst>
-              </p:cTn>
-              <p:prevCondLst>
-                <p:cond evt="onPrev" delay="0">
-                  <p:tgtEl>
-                    <p:sldTgt/>
-                  </p:tgtEl>
-                </p:cond>
-              </p:prevCondLst>
-              <p:nextCondLst>
-                <p:cond evt="onNext" delay="0">
-                  <p:tgtEl>
-                    <p:sldTgt/>
-                  </p:tgtEl>
-                </p:cond>
-              </p:nextCondLst>
-            </p:seq>
-          </p:childTnLst>
-        </p:cTn>
-      </p:par>
-    </p:tnLst>
-    <p:bldLst>
-      <p:bldP spid="6" grpId="0" build="p"/>
-      <p:bldP spid="7" grpId="0"/>
-    </p:bldLst>
-  </p:timing>
-</p:sld>
-</file>
-
-<file path=ppt/slides/slide7.xml><?xml version="1.0" encoding="utf-8"?>
-<p:sld xmlns:a="http://schemas.openxmlformats.org/drawingml/2006/main" xmlns:r="http://schemas.openxmlformats.org/officeDocument/2006/relationships" xmlns:p="http://schemas.openxmlformats.org/presentationml/2006/main">
-  <p:cSld>
-    <p:spTree>
-      <p:nvGrpSpPr>
-        <p:cNvPr id="1" name=""/>
-        <p:cNvGrpSpPr/>
-        <p:nvPr/>
-      </p:nvGrpSpPr>
-      <p:grpSpPr>
-        <a:xfrm>
-          <a:off x="0" y="0"/>
-          <a:ext cx="0" cy="0"/>
-          <a:chOff x="0" y="0"/>
-          <a:chExt cx="0" cy="0"/>
-        </a:xfrm>
-      </p:grpSpPr>
-      <p:sp>
-        <p:nvSpPr>
-          <p:cNvPr id="2" name="Titel 1"/>
-          <p:cNvSpPr>
-            <a:spLocks noGrp="1"/>
-          </p:cNvSpPr>
-          <p:nvPr>
-            <p:ph type="title"/>
-          </p:nvPr>
-        </p:nvSpPr>
-        <p:spPr/>
-        <p:txBody>
-          <a:bodyPr/>
-          <a:lstStyle/>
-          <a:p>
-            <a:r>
-              <a:rPr lang="en-US" dirty="0" smtClean="0"/>
-              <a:t>A Tool Whose Time Has Come</a:t>
-            </a:r>
-            <a:endParaRPr lang="en-US" dirty="0"/>
-          </a:p>
-        </p:txBody>
-      </p:sp>
-      <p:sp>
-        <p:nvSpPr>
-          <p:cNvPr id="3" name="Datumsplatzhalter 2"/>
-          <p:cNvSpPr>
-            <a:spLocks noGrp="1"/>
-          </p:cNvSpPr>
-          <p:nvPr>
-            <p:ph type="dt" sz="half" idx="10"/>
-          </p:nvPr>
-        </p:nvSpPr>
-        <p:spPr/>
-        <p:txBody>
-          <a:bodyPr/>
-          <a:lstStyle/>
-          <a:p>
-            <a:r>
-              <a:rPr lang="de-DE" smtClean="0"/>
-              <a:t>Version 1.0.1   2010-05-09</a:t>
-            </a:r>
-            <a:endParaRPr lang="de-DE" dirty="0"/>
-          </a:p>
-        </p:txBody>
-      </p:sp>
-      <p:sp>
-        <p:nvSpPr>
-          <p:cNvPr id="4" name="Fußzeilenplatzhalter 3"/>
-          <p:cNvSpPr>
-            <a:spLocks noGrp="1"/>
-          </p:cNvSpPr>
-          <p:nvPr>
-            <p:ph type="ftr" sz="quarter" idx="11"/>
-          </p:nvPr>
-        </p:nvSpPr>
-        <p:spPr/>
-        <p:txBody>
-          <a:bodyPr/>
-          <a:lstStyle/>
-          <a:p>
-            <a:r>
-              <a:rPr lang="en-US" smtClean="0"/>
-              <a:t>Copyright © Joachim Faulhaber 2010  Distributed under the Boost Software License 1.0 </a:t>
-            </a:r>
-            <a:endParaRPr lang="de-DE" dirty="0"/>
-          </a:p>
-        </p:txBody>
-      </p:sp>
-      <p:sp>
-        <p:nvSpPr>
-          <p:cNvPr id="5" name="Foliennummernplatzhalter 4"/>
-          <p:cNvSpPr>
-            <a:spLocks noGrp="1"/>
-          </p:cNvSpPr>
-          <p:nvPr>
-            <p:ph type="sldNum" sz="quarter" idx="12"/>
-          </p:nvPr>
-        </p:nvSpPr>
-        <p:spPr/>
-        <p:txBody>
-          <a:bodyPr/>
-          <a:lstStyle/>
-          <a:p>
-            <a:fld id="{64D7082F-DA1E-4BA7-A6EE-6967ECEA7877}" type="slidenum">
-              <a:rPr lang="de-DE" smtClean="0"/>
-              <a:pPr/>
-              <a:t>7</a:t>
+              <a:t>40</a:t>
             </a:fld>
             <a:endParaRPr lang="de-DE"/>
           </a:p>
@@ -44427,30 +39744,38 @@
         </p:nvSpPr>
         <p:spPr/>
         <p:txBody>
-          <a:bodyPr anchor="ctr">
+          <a:bodyPr anchor="t">
             <a:normAutofit/>
           </a:bodyPr>
           <a:lstStyle/>
           <a:p>
             <a:r>
-              <a:rPr lang="en-US" sz="2800" dirty="0" err="1" smtClean="0">
-                <a:hlinkClick r:id="rId2"/>
-              </a:rPr>
-              <a:t>QuickCheck</a:t>
-            </a:r>
-            <a:r>
               <a:rPr lang="en-US" sz="2800" dirty="0" smtClean="0"/>
-              <a:t> for Haskell [1] …</a:t>
-            </a:r>
-            <a:br>
+              <a:t>Where is the motivation?</a:t>
+            </a:r>
+          </a:p>
+          <a:p>
+            <a:r>
               <a:rPr lang="en-US" sz="2800" dirty="0" smtClean="0"/>
-            </a:br>
-            <a:endParaRPr lang="en-US" sz="2800" dirty="0" smtClean="0"/>
-          </a:p>
-          <a:p>
+              <a:t>A desire to </a:t>
+            </a:r>
+            <a:r>
+              <a:rPr lang="en-US" sz="2800" dirty="0" smtClean="0">
+                <a:solidFill>
+                  <a:srgbClr val="0070C0"/>
+                </a:solidFill>
+              </a:rPr>
+              <a:t>contribute</a:t>
+            </a:r>
             <a:r>
               <a:rPr lang="en-US" sz="2800" dirty="0" smtClean="0"/>
-              <a:t>has been re-implemented for many </a:t>
+              <a:t> something useful</a:t>
+            </a:r>
+          </a:p>
+          <a:p>
+            <a:r>
+              <a:rPr lang="en-US" sz="2800" dirty="0" smtClean="0"/>
+              <a:t>A passion for high </a:t>
             </a:r>
             <a:r>
               <a:rPr lang="en-US" sz="2800" dirty="0" smtClean="0">
@@ -44458,45 +39783,53 @@
                   <a:srgbClr val="0070C0"/>
                 </a:solidFill>
               </a:rPr>
-              <a:t>functional languages</a:t>
-            </a:r>
+              <a:t>quality generic programming</a:t>
+            </a:r>
+          </a:p>
+          <a:p>
             <a:r>
               <a:rPr lang="en-US" sz="2800" dirty="0" smtClean="0"/>
-              <a:t>, among them </a:t>
-            </a:r>
-            <a:r>
-              <a:rPr lang="en-US" sz="2800" dirty="0" err="1" smtClean="0"/>
-              <a:t>Erlang</a:t>
+              <a:t>A passion for </a:t>
+            </a:r>
+            <a:r>
+              <a:rPr lang="en-US" sz="2800" i="1" dirty="0" smtClean="0">
+                <a:solidFill>
+                  <a:schemeClr val="accent1">
+                    <a:lumMod val="75000"/>
+                  </a:schemeClr>
+                </a:solidFill>
+              </a:rPr>
+              <a:t>my</a:t>
             </a:r>
             <a:r>
               <a:rPr lang="en-US" sz="2800" dirty="0" smtClean="0"/>
-              <a:t>, Scheme, ML but also for object-oriented ones like Java and recently</a:t>
-            </a:r>
-            <a:br>
+              <a:t> specific library idea</a:t>
+            </a:r>
+          </a:p>
+          <a:p>
+            <a:r>
               <a:rPr lang="en-US" sz="2800" dirty="0" smtClean="0"/>
-            </a:br>
-            <a:endParaRPr lang="en-US" sz="2800" dirty="0" smtClean="0"/>
+              <a:t>A desire to get the approval of experts</a:t>
+            </a:r>
           </a:p>
           <a:p>
             <a:r>
               <a:rPr lang="en-US" sz="2800" dirty="0" smtClean="0"/>
-              <a:t>… for C++ as </a:t>
-            </a:r>
-            <a:r>
-              <a:rPr lang="en-US" sz="2800" dirty="0" err="1" smtClean="0">
-                <a:hlinkClick r:id="rId3"/>
-              </a:rPr>
-              <a:t>QuickCheck</a:t>
-            </a:r>
-            <a:r>
-              <a:rPr lang="en-US" sz="2800" dirty="0" smtClean="0">
-                <a:hlinkClick r:id="rId3"/>
-              </a:rPr>
-              <a:t>++</a:t>
+              <a:t>The motivation is at the contributors side </a:t>
+            </a:r>
+            <a:r>
+              <a:rPr lang="en-US" sz="2800" b="1" i="1" dirty="0" smtClean="0">
+                <a:solidFill>
+                  <a:schemeClr val="accent1">
+                    <a:lumMod val="75000"/>
+                  </a:schemeClr>
+                </a:solidFill>
+              </a:rPr>
+              <a:t>before </a:t>
             </a:r>
             <a:r>
               <a:rPr lang="en-US" sz="2800" dirty="0" smtClean="0"/>
-              <a:t> </a:t>
+              <a:t>their library gets accepted.</a:t>
             </a:r>
           </a:p>
         </p:txBody>
@@ -44697,6 +40030,189 @@
                       </p:childTnLst>
                     </p:cTn>
                   </p:par>
+                  <p:par>
+                    <p:cTn id="18" fill="hold">
+                      <p:stCondLst>
+                        <p:cond delay="indefinite"/>
+                      </p:stCondLst>
+                      <p:childTnLst>
+                        <p:par>
+                          <p:cTn id="19" fill="hold">
+                            <p:stCondLst>
+                              <p:cond delay="0"/>
+                            </p:stCondLst>
+                            <p:childTnLst>
+                              <p:par>
+                                <p:cTn id="20" presetID="4" presetClass="entr" presetSubtype="16" fill="hold" grpId="0" nodeType="clickEffect">
+                                  <p:stCondLst>
+                                    <p:cond delay="0"/>
+                                  </p:stCondLst>
+                                  <p:childTnLst>
+                                    <p:set>
+                                      <p:cBhvr>
+                                        <p:cTn id="21" dur="1" fill="hold">
+                                          <p:stCondLst>
+                                            <p:cond delay="0"/>
+                                          </p:stCondLst>
+                                        </p:cTn>
+                                        <p:tgtEl>
+                                          <p:spTgt spid="6">
+                                            <p:txEl>
+                                              <p:pRg st="3" end="3"/>
+                                            </p:txEl>
+                                          </p:spTgt>
+                                        </p:tgtEl>
+                                        <p:attrNameLst>
+                                          <p:attrName>style.visibility</p:attrName>
+                                        </p:attrNameLst>
+                                      </p:cBhvr>
+                                      <p:to>
+                                        <p:strVal val="visible"/>
+                                      </p:to>
+                                    </p:set>
+                                    <p:animEffect transition="in" filter="box(in)">
+                                      <p:cBhvr>
+                                        <p:cTn id="22" dur="500"/>
+                                        <p:tgtEl>
+                                          <p:spTgt spid="6">
+                                            <p:txEl>
+                                              <p:pRg st="3" end="3"/>
+                                            </p:txEl>
+                                          </p:spTgt>
+                                        </p:tgtEl>
+                                      </p:cBhvr>
+                                    </p:animEffect>
+                                  </p:childTnLst>
+                                </p:cTn>
+                              </p:par>
+                            </p:childTnLst>
+                          </p:cTn>
+                        </p:par>
+                      </p:childTnLst>
+                    </p:cTn>
+                  </p:par>
+                  <p:par>
+                    <p:cTn id="23" fill="hold">
+                      <p:stCondLst>
+                        <p:cond delay="indefinite"/>
+                      </p:stCondLst>
+                      <p:childTnLst>
+                        <p:par>
+                          <p:cTn id="24" fill="hold">
+                            <p:stCondLst>
+                              <p:cond delay="0"/>
+                            </p:stCondLst>
+                            <p:childTnLst>
+                              <p:par>
+                                <p:cTn id="25" presetID="4" presetClass="entr" presetSubtype="16" fill="hold" grpId="0" nodeType="clickEffect">
+                                  <p:stCondLst>
+                                    <p:cond delay="0"/>
+                                  </p:stCondLst>
+                                  <p:childTnLst>
+                                    <p:set>
+                                      <p:cBhvr>
+                                        <p:cTn id="26" dur="1" fill="hold">
+                                          <p:stCondLst>
+                                            <p:cond delay="0"/>
+                                          </p:stCondLst>
+                                        </p:cTn>
+                                        <p:tgtEl>
+                                          <p:spTgt spid="6">
+                                            <p:txEl>
+                                              <p:pRg st="4" end="4"/>
+                                            </p:txEl>
+                                          </p:spTgt>
+                                        </p:tgtEl>
+                                        <p:attrNameLst>
+                                          <p:attrName>style.visibility</p:attrName>
+                                        </p:attrNameLst>
+                                      </p:cBhvr>
+                                      <p:to>
+                                        <p:strVal val="visible"/>
+                                      </p:to>
+                                    </p:set>
+                                    <p:animEffect transition="in" filter="box(in)">
+                                      <p:cBhvr>
+                                        <p:cTn id="27" dur="500"/>
+                                        <p:tgtEl>
+                                          <p:spTgt spid="6">
+                                            <p:txEl>
+                                              <p:pRg st="4" end="4"/>
+                                            </p:txEl>
+                                          </p:spTgt>
+                                        </p:tgtEl>
+                                      </p:cBhvr>
+                                    </p:animEffect>
+                                  </p:childTnLst>
+                                </p:cTn>
+                              </p:par>
+                            </p:childTnLst>
+                          </p:cTn>
+                        </p:par>
+                      </p:childTnLst>
+                    </p:cTn>
+                  </p:par>
+                  <p:par>
+                    <p:cTn id="28" fill="hold">
+                      <p:stCondLst>
+                        <p:cond delay="indefinite"/>
+                      </p:stCondLst>
+                      <p:childTnLst>
+                        <p:par>
+                          <p:cTn id="29" fill="hold">
+                            <p:stCondLst>
+                              <p:cond delay="0"/>
+                            </p:stCondLst>
+                            <p:childTnLst>
+                              <p:par>
+                                <p:cTn id="30" presetID="4" presetClass="entr" presetSubtype="16" fill="hold" grpId="0" nodeType="clickEffect">
+                                  <p:stCondLst>
+                                    <p:cond delay="0"/>
+                                  </p:stCondLst>
+                                  <p:childTnLst>
+                                    <p:set>
+                                      <p:cBhvr>
+                                        <p:cTn id="31" dur="1" fill="hold">
+                                          <p:stCondLst>
+                                            <p:cond delay="0"/>
+                                          </p:stCondLst>
+                                        </p:cTn>
+                                        <p:tgtEl>
+                                          <p:spTgt spid="6">
+                                            <p:txEl>
+                                              <p:pRg st="5" end="5"/>
+                                            </p:txEl>
+                                          </p:spTgt>
+                                        </p:tgtEl>
+                                        <p:attrNameLst>
+                                          <p:attrName>style.visibility</p:attrName>
+                                        </p:attrNameLst>
+                                      </p:cBhvr>
+                                      <p:to>
+                                        <p:strVal val="visible"/>
+                                      </p:to>
+                                    </p:set>
+                                    <p:animEffect transition="in" filter="box(in)">
+                                      <p:cBhvr>
+                                        <p:cTn id="32" dur="500"/>
+                                        <p:tgtEl>
+                                          <p:spTgt spid="6">
+                                            <p:txEl>
+                                              <p:pRg st="5" end="5"/>
+                                            </p:txEl>
+                                          </p:spTgt>
+                                        </p:tgtEl>
+                                      </p:cBhvr>
+                                    </p:animEffect>
+                                  </p:childTnLst>
+                                </p:cTn>
+                              </p:par>
+                            </p:childTnLst>
+                          </p:cTn>
+                        </p:par>
+                      </p:childTnLst>
+                    </p:cTn>
+                  </p:par>
                 </p:childTnLst>
               </p:cTn>
               <p:prevCondLst>
@@ -44721,6 +40237,3160 @@
     <p:bldLst>
       <p:bldP spid="6" grpId="0" build="p"/>
     </p:bldLst>
+  </p:timing>
+</p:sld>
+</file>
+
+<file path=ppt/slides/slide41.xml><?xml version="1.0" encoding="utf-8"?>
+<p:sld xmlns:a="http://schemas.openxmlformats.org/drawingml/2006/main" xmlns:r="http://schemas.openxmlformats.org/officeDocument/2006/relationships" xmlns:p="http://schemas.openxmlformats.org/presentationml/2006/main">
+  <p:cSld>
+    <p:spTree>
+      <p:nvGrpSpPr>
+        <p:cNvPr id="1" name=""/>
+        <p:cNvGrpSpPr/>
+        <p:nvPr/>
+      </p:nvGrpSpPr>
+      <p:grpSpPr>
+        <a:xfrm>
+          <a:off x="0" y="0"/>
+          <a:ext cx="0" cy="0"/>
+          <a:chOff x="0" y="0"/>
+          <a:chExt cx="0" cy="0"/>
+        </a:xfrm>
+      </p:grpSpPr>
+      <p:sp>
+        <p:nvSpPr>
+          <p:cNvPr id="2" name="Titel 1"/>
+          <p:cNvSpPr>
+            <a:spLocks noGrp="1"/>
+          </p:cNvSpPr>
+          <p:nvPr>
+            <p:ph type="title"/>
+          </p:nvPr>
+        </p:nvSpPr>
+        <p:spPr/>
+        <p:txBody>
+          <a:bodyPr/>
+          <a:lstStyle/>
+          <a:p>
+            <a:r>
+              <a:rPr lang="en-US" dirty="0" smtClean="0"/>
+              <a:t>Boost broken?</a:t>
+            </a:r>
+            <a:endParaRPr lang="en-US" dirty="0"/>
+          </a:p>
+        </p:txBody>
+      </p:sp>
+      <p:sp>
+        <p:nvSpPr>
+          <p:cNvPr id="3" name="Datumsplatzhalter 2"/>
+          <p:cNvSpPr>
+            <a:spLocks noGrp="1"/>
+          </p:cNvSpPr>
+          <p:nvPr>
+            <p:ph type="dt" sz="half" idx="10"/>
+          </p:nvPr>
+        </p:nvSpPr>
+        <p:spPr/>
+        <p:txBody>
+          <a:bodyPr/>
+          <a:lstStyle/>
+          <a:p>
+            <a:r>
+              <a:rPr lang="de-DE" smtClean="0"/>
+              <a:t>Version 1.0.1   2010-05-09</a:t>
+            </a:r>
+            <a:endParaRPr lang="de-DE" dirty="0"/>
+          </a:p>
+        </p:txBody>
+      </p:sp>
+      <p:sp>
+        <p:nvSpPr>
+          <p:cNvPr id="4" name="Fußzeilenplatzhalter 3"/>
+          <p:cNvSpPr>
+            <a:spLocks noGrp="1"/>
+          </p:cNvSpPr>
+          <p:nvPr>
+            <p:ph type="ftr" sz="quarter" idx="11"/>
+          </p:nvPr>
+        </p:nvSpPr>
+        <p:spPr/>
+        <p:txBody>
+          <a:bodyPr/>
+          <a:lstStyle/>
+          <a:p>
+            <a:r>
+              <a:rPr lang="en-US" smtClean="0"/>
+              <a:t>Copyright © Joachim Faulhaber 2010  Distributed under the Boost Software License 1.0 </a:t>
+            </a:r>
+            <a:endParaRPr lang="de-DE" dirty="0"/>
+          </a:p>
+        </p:txBody>
+      </p:sp>
+      <p:sp>
+        <p:nvSpPr>
+          <p:cNvPr id="5" name="Foliennummernplatzhalter 4"/>
+          <p:cNvSpPr>
+            <a:spLocks noGrp="1"/>
+          </p:cNvSpPr>
+          <p:nvPr>
+            <p:ph type="sldNum" sz="quarter" idx="12"/>
+          </p:nvPr>
+        </p:nvSpPr>
+        <p:spPr/>
+        <p:txBody>
+          <a:bodyPr/>
+          <a:lstStyle/>
+          <a:p>
+            <a:fld id="{64D7082F-DA1E-4BA7-A6EE-6967ECEA7877}" type="slidenum">
+              <a:rPr lang="de-DE" smtClean="0"/>
+              <a:pPr/>
+              <a:t>41</a:t>
+            </a:fld>
+            <a:endParaRPr lang="de-DE"/>
+          </a:p>
+        </p:txBody>
+      </p:sp>
+      <p:sp>
+        <p:nvSpPr>
+          <p:cNvPr id="6" name="Inhaltsplatzhalter 5"/>
+          <p:cNvSpPr>
+            <a:spLocks noGrp="1"/>
+          </p:cNvSpPr>
+          <p:nvPr>
+            <p:ph sz="quarter" idx="1"/>
+          </p:nvPr>
+        </p:nvSpPr>
+        <p:spPr/>
+        <p:txBody>
+          <a:bodyPr anchor="t">
+            <a:normAutofit/>
+          </a:bodyPr>
+          <a:lstStyle/>
+          <a:p>
+            <a:r>
+              <a:rPr lang="en-US" sz="2800" dirty="0" smtClean="0"/>
+              <a:t>=&gt; High motivation to fulfill high standards.</a:t>
+            </a:r>
+            <a:br>
+              <a:rPr lang="en-US" sz="2800" dirty="0" smtClean="0"/>
+            </a:br>
+            <a:endParaRPr lang="en-US" sz="2800" dirty="0" smtClean="0"/>
+          </a:p>
+          <a:p>
+            <a:r>
+              <a:rPr lang="en-US" sz="2800" dirty="0" smtClean="0"/>
+              <a:t>Let’s make it more difficult!</a:t>
+            </a:r>
+            <a:br>
+              <a:rPr lang="en-US" sz="2800" dirty="0" smtClean="0"/>
+            </a:br>
+            <a:endParaRPr lang="en-US" sz="2800" dirty="0" smtClean="0"/>
+          </a:p>
+          <a:p>
+            <a:r>
+              <a:rPr lang="en-US" sz="2800" dirty="0" smtClean="0"/>
+              <a:t>Precondition for a submission of a library for formal review.</a:t>
+            </a:r>
+          </a:p>
+          <a:p>
+            <a:r>
+              <a:rPr lang="en-US" sz="2800" dirty="0" smtClean="0"/>
+              <a:t>Participating in two formal reviews of other contributor’s libraries.</a:t>
+            </a:r>
+          </a:p>
+          <a:p>
+            <a:r>
+              <a:rPr lang="en-US" sz="2800" dirty="0" smtClean="0"/>
+              <a:t> Taking on the job of a Review Manager Assistant.</a:t>
+            </a:r>
+            <a:endParaRPr lang="en-US" sz="2800" dirty="0"/>
+          </a:p>
+        </p:txBody>
+      </p:sp>
+    </p:spTree>
+  </p:cSld>
+  <p:clrMapOvr>
+    <a:masterClrMapping/>
+  </p:clrMapOvr>
+  <p:timing>
+    <p:tnLst>
+      <p:par>
+        <p:cTn id="1" dur="indefinite" restart="never" nodeType="tmRoot">
+          <p:childTnLst>
+            <p:seq concurrent="1" nextAc="seek">
+              <p:cTn id="2" dur="indefinite" nodeType="mainSeq">
+                <p:childTnLst>
+                  <p:par>
+                    <p:cTn id="3" fill="hold">
+                      <p:stCondLst>
+                        <p:cond delay="indefinite"/>
+                      </p:stCondLst>
+                      <p:childTnLst>
+                        <p:par>
+                          <p:cTn id="4" fill="hold">
+                            <p:stCondLst>
+                              <p:cond delay="0"/>
+                            </p:stCondLst>
+                            <p:childTnLst>
+                              <p:par>
+                                <p:cTn id="5" presetID="4" presetClass="entr" presetSubtype="16" fill="hold" grpId="0" nodeType="clickEffect">
+                                  <p:stCondLst>
+                                    <p:cond delay="0"/>
+                                  </p:stCondLst>
+                                  <p:childTnLst>
+                                    <p:set>
+                                      <p:cBhvr>
+                                        <p:cTn id="6" dur="1" fill="hold">
+                                          <p:stCondLst>
+                                            <p:cond delay="0"/>
+                                          </p:stCondLst>
+                                        </p:cTn>
+                                        <p:tgtEl>
+                                          <p:spTgt spid="6">
+                                            <p:txEl>
+                                              <p:pRg st="0" end="0"/>
+                                            </p:txEl>
+                                          </p:spTgt>
+                                        </p:tgtEl>
+                                        <p:attrNameLst>
+                                          <p:attrName>style.visibility</p:attrName>
+                                        </p:attrNameLst>
+                                      </p:cBhvr>
+                                      <p:to>
+                                        <p:strVal val="visible"/>
+                                      </p:to>
+                                    </p:set>
+                                    <p:animEffect transition="in" filter="box(in)">
+                                      <p:cBhvr>
+                                        <p:cTn id="7" dur="500"/>
+                                        <p:tgtEl>
+                                          <p:spTgt spid="6">
+                                            <p:txEl>
+                                              <p:pRg st="0" end="0"/>
+                                            </p:txEl>
+                                          </p:spTgt>
+                                        </p:tgtEl>
+                                      </p:cBhvr>
+                                    </p:animEffect>
+                                  </p:childTnLst>
+                                </p:cTn>
+                              </p:par>
+                            </p:childTnLst>
+                          </p:cTn>
+                        </p:par>
+                      </p:childTnLst>
+                    </p:cTn>
+                  </p:par>
+                  <p:par>
+                    <p:cTn id="8" fill="hold">
+                      <p:stCondLst>
+                        <p:cond delay="indefinite"/>
+                      </p:stCondLst>
+                      <p:childTnLst>
+                        <p:par>
+                          <p:cTn id="9" fill="hold">
+                            <p:stCondLst>
+                              <p:cond delay="0"/>
+                            </p:stCondLst>
+                            <p:childTnLst>
+                              <p:par>
+                                <p:cTn id="10" presetID="4" presetClass="entr" presetSubtype="16" fill="hold" grpId="0" nodeType="clickEffect">
+                                  <p:stCondLst>
+                                    <p:cond delay="0"/>
+                                  </p:stCondLst>
+                                  <p:childTnLst>
+                                    <p:set>
+                                      <p:cBhvr>
+                                        <p:cTn id="11" dur="1" fill="hold">
+                                          <p:stCondLst>
+                                            <p:cond delay="0"/>
+                                          </p:stCondLst>
+                                        </p:cTn>
+                                        <p:tgtEl>
+                                          <p:spTgt spid="6">
+                                            <p:txEl>
+                                              <p:pRg st="1" end="1"/>
+                                            </p:txEl>
+                                          </p:spTgt>
+                                        </p:tgtEl>
+                                        <p:attrNameLst>
+                                          <p:attrName>style.visibility</p:attrName>
+                                        </p:attrNameLst>
+                                      </p:cBhvr>
+                                      <p:to>
+                                        <p:strVal val="visible"/>
+                                      </p:to>
+                                    </p:set>
+                                    <p:animEffect transition="in" filter="box(in)">
+                                      <p:cBhvr>
+                                        <p:cTn id="12" dur="500"/>
+                                        <p:tgtEl>
+                                          <p:spTgt spid="6">
+                                            <p:txEl>
+                                              <p:pRg st="1" end="1"/>
+                                            </p:txEl>
+                                          </p:spTgt>
+                                        </p:tgtEl>
+                                      </p:cBhvr>
+                                    </p:animEffect>
+                                  </p:childTnLst>
+                                </p:cTn>
+                              </p:par>
+                            </p:childTnLst>
+                          </p:cTn>
+                        </p:par>
+                      </p:childTnLst>
+                    </p:cTn>
+                  </p:par>
+                  <p:par>
+                    <p:cTn id="13" fill="hold">
+                      <p:stCondLst>
+                        <p:cond delay="indefinite"/>
+                      </p:stCondLst>
+                      <p:childTnLst>
+                        <p:par>
+                          <p:cTn id="14" fill="hold">
+                            <p:stCondLst>
+                              <p:cond delay="0"/>
+                            </p:stCondLst>
+                            <p:childTnLst>
+                              <p:par>
+                                <p:cTn id="15" presetID="4" presetClass="entr" presetSubtype="16" fill="hold" grpId="0" nodeType="clickEffect">
+                                  <p:stCondLst>
+                                    <p:cond delay="0"/>
+                                  </p:stCondLst>
+                                  <p:childTnLst>
+                                    <p:set>
+                                      <p:cBhvr>
+                                        <p:cTn id="16" dur="1" fill="hold">
+                                          <p:stCondLst>
+                                            <p:cond delay="0"/>
+                                          </p:stCondLst>
+                                        </p:cTn>
+                                        <p:tgtEl>
+                                          <p:spTgt spid="6">
+                                            <p:txEl>
+                                              <p:pRg st="2" end="2"/>
+                                            </p:txEl>
+                                          </p:spTgt>
+                                        </p:tgtEl>
+                                        <p:attrNameLst>
+                                          <p:attrName>style.visibility</p:attrName>
+                                        </p:attrNameLst>
+                                      </p:cBhvr>
+                                      <p:to>
+                                        <p:strVal val="visible"/>
+                                      </p:to>
+                                    </p:set>
+                                    <p:animEffect transition="in" filter="box(in)">
+                                      <p:cBhvr>
+                                        <p:cTn id="17" dur="500"/>
+                                        <p:tgtEl>
+                                          <p:spTgt spid="6">
+                                            <p:txEl>
+                                              <p:pRg st="2" end="2"/>
+                                            </p:txEl>
+                                          </p:spTgt>
+                                        </p:tgtEl>
+                                      </p:cBhvr>
+                                    </p:animEffect>
+                                  </p:childTnLst>
+                                </p:cTn>
+                              </p:par>
+                            </p:childTnLst>
+                          </p:cTn>
+                        </p:par>
+                      </p:childTnLst>
+                    </p:cTn>
+                  </p:par>
+                  <p:par>
+                    <p:cTn id="18" fill="hold">
+                      <p:stCondLst>
+                        <p:cond delay="indefinite"/>
+                      </p:stCondLst>
+                      <p:childTnLst>
+                        <p:par>
+                          <p:cTn id="19" fill="hold">
+                            <p:stCondLst>
+                              <p:cond delay="0"/>
+                            </p:stCondLst>
+                            <p:childTnLst>
+                              <p:par>
+                                <p:cTn id="20" presetID="4" presetClass="entr" presetSubtype="16" fill="hold" grpId="0" nodeType="clickEffect">
+                                  <p:stCondLst>
+                                    <p:cond delay="0"/>
+                                  </p:stCondLst>
+                                  <p:childTnLst>
+                                    <p:set>
+                                      <p:cBhvr>
+                                        <p:cTn id="21" dur="1" fill="hold">
+                                          <p:stCondLst>
+                                            <p:cond delay="0"/>
+                                          </p:stCondLst>
+                                        </p:cTn>
+                                        <p:tgtEl>
+                                          <p:spTgt spid="6">
+                                            <p:txEl>
+                                              <p:pRg st="3" end="3"/>
+                                            </p:txEl>
+                                          </p:spTgt>
+                                        </p:tgtEl>
+                                        <p:attrNameLst>
+                                          <p:attrName>style.visibility</p:attrName>
+                                        </p:attrNameLst>
+                                      </p:cBhvr>
+                                      <p:to>
+                                        <p:strVal val="visible"/>
+                                      </p:to>
+                                    </p:set>
+                                    <p:animEffect transition="in" filter="box(in)">
+                                      <p:cBhvr>
+                                        <p:cTn id="22" dur="500"/>
+                                        <p:tgtEl>
+                                          <p:spTgt spid="6">
+                                            <p:txEl>
+                                              <p:pRg st="3" end="3"/>
+                                            </p:txEl>
+                                          </p:spTgt>
+                                        </p:tgtEl>
+                                      </p:cBhvr>
+                                    </p:animEffect>
+                                  </p:childTnLst>
+                                </p:cTn>
+                              </p:par>
+                            </p:childTnLst>
+                          </p:cTn>
+                        </p:par>
+                      </p:childTnLst>
+                    </p:cTn>
+                  </p:par>
+                  <p:par>
+                    <p:cTn id="23" fill="hold">
+                      <p:stCondLst>
+                        <p:cond delay="indefinite"/>
+                      </p:stCondLst>
+                      <p:childTnLst>
+                        <p:par>
+                          <p:cTn id="24" fill="hold">
+                            <p:stCondLst>
+                              <p:cond delay="0"/>
+                            </p:stCondLst>
+                            <p:childTnLst>
+                              <p:par>
+                                <p:cTn id="25" presetID="4" presetClass="entr" presetSubtype="16" fill="hold" grpId="0" nodeType="clickEffect">
+                                  <p:stCondLst>
+                                    <p:cond delay="0"/>
+                                  </p:stCondLst>
+                                  <p:childTnLst>
+                                    <p:set>
+                                      <p:cBhvr>
+                                        <p:cTn id="26" dur="1" fill="hold">
+                                          <p:stCondLst>
+                                            <p:cond delay="0"/>
+                                          </p:stCondLst>
+                                        </p:cTn>
+                                        <p:tgtEl>
+                                          <p:spTgt spid="6">
+                                            <p:txEl>
+                                              <p:pRg st="4" end="4"/>
+                                            </p:txEl>
+                                          </p:spTgt>
+                                        </p:tgtEl>
+                                        <p:attrNameLst>
+                                          <p:attrName>style.visibility</p:attrName>
+                                        </p:attrNameLst>
+                                      </p:cBhvr>
+                                      <p:to>
+                                        <p:strVal val="visible"/>
+                                      </p:to>
+                                    </p:set>
+                                    <p:animEffect transition="in" filter="box(in)">
+                                      <p:cBhvr>
+                                        <p:cTn id="27" dur="500"/>
+                                        <p:tgtEl>
+                                          <p:spTgt spid="6">
+                                            <p:txEl>
+                                              <p:pRg st="4" end="4"/>
+                                            </p:txEl>
+                                          </p:spTgt>
+                                        </p:tgtEl>
+                                      </p:cBhvr>
+                                    </p:animEffect>
+                                  </p:childTnLst>
+                                </p:cTn>
+                              </p:par>
+                            </p:childTnLst>
+                          </p:cTn>
+                        </p:par>
+                      </p:childTnLst>
+                    </p:cTn>
+                  </p:par>
+                </p:childTnLst>
+              </p:cTn>
+              <p:prevCondLst>
+                <p:cond evt="onPrev" delay="0">
+                  <p:tgtEl>
+                    <p:sldTgt/>
+                  </p:tgtEl>
+                </p:cond>
+              </p:prevCondLst>
+              <p:nextCondLst>
+                <p:cond evt="onNext" delay="0">
+                  <p:tgtEl>
+                    <p:sldTgt/>
+                  </p:tgtEl>
+                </p:cond>
+              </p:nextCondLst>
+            </p:seq>
+          </p:childTnLst>
+        </p:cTn>
+      </p:par>
+    </p:tnLst>
+    <p:bldLst>
+      <p:bldP spid="6" grpId="0" build="p"/>
+    </p:bldLst>
+  </p:timing>
+</p:sld>
+</file>
+
+<file path=ppt/slides/slide42.xml><?xml version="1.0" encoding="utf-8"?>
+<p:sld xmlns:a="http://schemas.openxmlformats.org/drawingml/2006/main" xmlns:r="http://schemas.openxmlformats.org/officeDocument/2006/relationships" xmlns:p="http://schemas.openxmlformats.org/presentationml/2006/main">
+  <p:cSld>
+    <p:spTree>
+      <p:nvGrpSpPr>
+        <p:cNvPr id="1" name=""/>
+        <p:cNvGrpSpPr/>
+        <p:nvPr/>
+      </p:nvGrpSpPr>
+      <p:grpSpPr>
+        <a:xfrm>
+          <a:off x="0" y="0"/>
+          <a:ext cx="0" cy="0"/>
+          <a:chOff x="0" y="0"/>
+          <a:chExt cx="0" cy="0"/>
+        </a:xfrm>
+      </p:grpSpPr>
+      <p:sp>
+        <p:nvSpPr>
+          <p:cNvPr id="2" name="Titel 1"/>
+          <p:cNvSpPr>
+            <a:spLocks noGrp="1"/>
+          </p:cNvSpPr>
+          <p:nvPr>
+            <p:ph type="title"/>
+          </p:nvPr>
+        </p:nvSpPr>
+        <p:spPr/>
+        <p:txBody>
+          <a:bodyPr/>
+          <a:lstStyle/>
+          <a:p>
+            <a:r>
+              <a:rPr lang="en-US" dirty="0" smtClean="0"/>
+              <a:t>Boost broken?</a:t>
+            </a:r>
+            <a:endParaRPr lang="en-US" dirty="0"/>
+          </a:p>
+        </p:txBody>
+      </p:sp>
+      <p:sp>
+        <p:nvSpPr>
+          <p:cNvPr id="3" name="Datumsplatzhalter 2"/>
+          <p:cNvSpPr>
+            <a:spLocks noGrp="1"/>
+          </p:cNvSpPr>
+          <p:nvPr>
+            <p:ph type="dt" sz="half" idx="10"/>
+          </p:nvPr>
+        </p:nvSpPr>
+        <p:spPr/>
+        <p:txBody>
+          <a:bodyPr/>
+          <a:lstStyle/>
+          <a:p>
+            <a:r>
+              <a:rPr lang="de-DE" smtClean="0"/>
+              <a:t>Version 1.0.1   2010-05-09</a:t>
+            </a:r>
+            <a:endParaRPr lang="de-DE" dirty="0"/>
+          </a:p>
+        </p:txBody>
+      </p:sp>
+      <p:sp>
+        <p:nvSpPr>
+          <p:cNvPr id="4" name="Fußzeilenplatzhalter 3"/>
+          <p:cNvSpPr>
+            <a:spLocks noGrp="1"/>
+          </p:cNvSpPr>
+          <p:nvPr>
+            <p:ph type="ftr" sz="quarter" idx="11"/>
+          </p:nvPr>
+        </p:nvSpPr>
+        <p:spPr/>
+        <p:txBody>
+          <a:bodyPr/>
+          <a:lstStyle/>
+          <a:p>
+            <a:r>
+              <a:rPr lang="en-US" smtClean="0"/>
+              <a:t>Copyright © Joachim Faulhaber 2010  Distributed under the Boost Software License 1.0 </a:t>
+            </a:r>
+            <a:endParaRPr lang="de-DE" dirty="0"/>
+          </a:p>
+        </p:txBody>
+      </p:sp>
+      <p:sp>
+        <p:nvSpPr>
+          <p:cNvPr id="5" name="Foliennummernplatzhalter 4"/>
+          <p:cNvSpPr>
+            <a:spLocks noGrp="1"/>
+          </p:cNvSpPr>
+          <p:nvPr>
+            <p:ph type="sldNum" sz="quarter" idx="12"/>
+          </p:nvPr>
+        </p:nvSpPr>
+        <p:spPr/>
+        <p:txBody>
+          <a:bodyPr/>
+          <a:lstStyle/>
+          <a:p>
+            <a:fld id="{64D7082F-DA1E-4BA7-A6EE-6967ECEA7877}" type="slidenum">
+              <a:rPr lang="de-DE" smtClean="0"/>
+              <a:pPr/>
+              <a:t>42</a:t>
+            </a:fld>
+            <a:endParaRPr lang="de-DE"/>
+          </a:p>
+        </p:txBody>
+      </p:sp>
+      <p:sp>
+        <p:nvSpPr>
+          <p:cNvPr id="6" name="Inhaltsplatzhalter 5"/>
+          <p:cNvSpPr>
+            <a:spLocks noGrp="1"/>
+          </p:cNvSpPr>
+          <p:nvPr>
+            <p:ph sz="quarter" idx="1"/>
+          </p:nvPr>
+        </p:nvSpPr>
+        <p:spPr/>
+        <p:txBody>
+          <a:bodyPr anchor="t">
+            <a:normAutofit fontScale="92500" lnSpcReduction="10000"/>
+          </a:bodyPr>
+          <a:lstStyle/>
+          <a:p>
+            <a:r>
+              <a:rPr lang="en-US" sz="2800" dirty="0" smtClean="0"/>
+              <a:t>A Review </a:t>
+            </a:r>
+            <a:r>
+              <a:rPr lang="en-US" sz="2800" dirty="0" smtClean="0"/>
+              <a:t>M</a:t>
+            </a:r>
+            <a:r>
+              <a:rPr lang="en-US" sz="2800" dirty="0" smtClean="0"/>
+              <a:t>anager </a:t>
+            </a:r>
+            <a:r>
+              <a:rPr lang="en-US" sz="2800" dirty="0" smtClean="0"/>
+              <a:t>A</a:t>
+            </a:r>
+            <a:r>
+              <a:rPr lang="en-US" sz="2800" dirty="0" smtClean="0"/>
+              <a:t>ssistant</a:t>
+            </a:r>
+            <a:endParaRPr lang="en-US" sz="2800" dirty="0" smtClean="0"/>
+          </a:p>
+          <a:p>
+            <a:r>
+              <a:rPr lang="en-US" sz="2800" dirty="0" smtClean="0"/>
+              <a:t>d</a:t>
+            </a:r>
+            <a:r>
+              <a:rPr lang="en-US" sz="2800" dirty="0" smtClean="0"/>
+              <a:t>oes all the work that is necessary to check a library submission, organize the process, moderate and file a </a:t>
+            </a:r>
+            <a:r>
+              <a:rPr lang="en-US" sz="2800" smtClean="0"/>
+              <a:t>final report.</a:t>
+            </a:r>
+            <a:endParaRPr lang="en-US" sz="2800" dirty="0" smtClean="0"/>
+          </a:p>
+          <a:p>
+            <a:r>
+              <a:rPr lang="en-US" sz="2800" dirty="0" smtClean="0"/>
+              <a:t>He unburdens the review manager from all kinds of detail work,</a:t>
+            </a:r>
+          </a:p>
+          <a:p>
+            <a:r>
+              <a:rPr lang="en-US" sz="2800" dirty="0" smtClean="0"/>
+              <a:t>l</a:t>
+            </a:r>
+            <a:r>
+              <a:rPr lang="en-US" sz="2800" dirty="0" smtClean="0"/>
+              <a:t>earns about all required standards and the typical aspects of a formal review.</a:t>
+            </a:r>
+          </a:p>
+          <a:p>
+            <a:r>
+              <a:rPr lang="en-US" sz="2800" dirty="0" smtClean="0"/>
+              <a:t>g</a:t>
+            </a:r>
+            <a:r>
+              <a:rPr lang="en-US" sz="2800" dirty="0" smtClean="0"/>
+              <a:t>ets a wider view of boost that helps to improve his own project.</a:t>
+            </a:r>
+          </a:p>
+          <a:p>
+            <a:r>
+              <a:rPr lang="en-US" sz="2800" dirty="0" smtClean="0"/>
+              <a:t>c</a:t>
+            </a:r>
+            <a:r>
+              <a:rPr lang="en-US" sz="2800" dirty="0" smtClean="0"/>
+              <a:t>reates himself as a contributor for others </a:t>
+            </a:r>
+            <a:endParaRPr lang="en-US" sz="2800" dirty="0"/>
+          </a:p>
+        </p:txBody>
+      </p:sp>
+    </p:spTree>
+  </p:cSld>
+  <p:clrMapOvr>
+    <a:masterClrMapping/>
+  </p:clrMapOvr>
+  <p:timing>
+    <p:tnLst>
+      <p:par>
+        <p:cTn id="1" dur="indefinite" restart="never" nodeType="tmRoot">
+          <p:childTnLst>
+            <p:seq concurrent="1" nextAc="seek">
+              <p:cTn id="2" dur="indefinite" nodeType="mainSeq">
+                <p:childTnLst>
+                  <p:par>
+                    <p:cTn id="3" fill="hold">
+                      <p:stCondLst>
+                        <p:cond delay="indefinite"/>
+                      </p:stCondLst>
+                      <p:childTnLst>
+                        <p:par>
+                          <p:cTn id="4" fill="hold">
+                            <p:stCondLst>
+                              <p:cond delay="0"/>
+                            </p:stCondLst>
+                            <p:childTnLst>
+                              <p:par>
+                                <p:cTn id="5" presetID="4" presetClass="entr" presetSubtype="16" fill="hold" grpId="0" nodeType="clickEffect">
+                                  <p:stCondLst>
+                                    <p:cond delay="0"/>
+                                  </p:stCondLst>
+                                  <p:childTnLst>
+                                    <p:set>
+                                      <p:cBhvr>
+                                        <p:cTn id="6" dur="1" fill="hold">
+                                          <p:stCondLst>
+                                            <p:cond delay="0"/>
+                                          </p:stCondLst>
+                                        </p:cTn>
+                                        <p:tgtEl>
+                                          <p:spTgt spid="6">
+                                            <p:txEl>
+                                              <p:pRg st="0" end="0"/>
+                                            </p:txEl>
+                                          </p:spTgt>
+                                        </p:tgtEl>
+                                        <p:attrNameLst>
+                                          <p:attrName>style.visibility</p:attrName>
+                                        </p:attrNameLst>
+                                      </p:cBhvr>
+                                      <p:to>
+                                        <p:strVal val="visible"/>
+                                      </p:to>
+                                    </p:set>
+                                    <p:animEffect transition="in" filter="box(in)">
+                                      <p:cBhvr>
+                                        <p:cTn id="7" dur="500"/>
+                                        <p:tgtEl>
+                                          <p:spTgt spid="6">
+                                            <p:txEl>
+                                              <p:pRg st="0" end="0"/>
+                                            </p:txEl>
+                                          </p:spTgt>
+                                        </p:tgtEl>
+                                      </p:cBhvr>
+                                    </p:animEffect>
+                                  </p:childTnLst>
+                                </p:cTn>
+                              </p:par>
+                            </p:childTnLst>
+                          </p:cTn>
+                        </p:par>
+                      </p:childTnLst>
+                    </p:cTn>
+                  </p:par>
+                  <p:par>
+                    <p:cTn id="8" fill="hold">
+                      <p:stCondLst>
+                        <p:cond delay="indefinite"/>
+                      </p:stCondLst>
+                      <p:childTnLst>
+                        <p:par>
+                          <p:cTn id="9" fill="hold">
+                            <p:stCondLst>
+                              <p:cond delay="0"/>
+                            </p:stCondLst>
+                            <p:childTnLst>
+                              <p:par>
+                                <p:cTn id="10" presetID="4" presetClass="entr" presetSubtype="16" fill="hold" grpId="0" nodeType="clickEffect">
+                                  <p:stCondLst>
+                                    <p:cond delay="0"/>
+                                  </p:stCondLst>
+                                  <p:childTnLst>
+                                    <p:set>
+                                      <p:cBhvr>
+                                        <p:cTn id="11" dur="1" fill="hold">
+                                          <p:stCondLst>
+                                            <p:cond delay="0"/>
+                                          </p:stCondLst>
+                                        </p:cTn>
+                                        <p:tgtEl>
+                                          <p:spTgt spid="6">
+                                            <p:txEl>
+                                              <p:pRg st="1" end="1"/>
+                                            </p:txEl>
+                                          </p:spTgt>
+                                        </p:tgtEl>
+                                        <p:attrNameLst>
+                                          <p:attrName>style.visibility</p:attrName>
+                                        </p:attrNameLst>
+                                      </p:cBhvr>
+                                      <p:to>
+                                        <p:strVal val="visible"/>
+                                      </p:to>
+                                    </p:set>
+                                    <p:animEffect transition="in" filter="box(in)">
+                                      <p:cBhvr>
+                                        <p:cTn id="12" dur="500"/>
+                                        <p:tgtEl>
+                                          <p:spTgt spid="6">
+                                            <p:txEl>
+                                              <p:pRg st="1" end="1"/>
+                                            </p:txEl>
+                                          </p:spTgt>
+                                        </p:tgtEl>
+                                      </p:cBhvr>
+                                    </p:animEffect>
+                                  </p:childTnLst>
+                                </p:cTn>
+                              </p:par>
+                            </p:childTnLst>
+                          </p:cTn>
+                        </p:par>
+                      </p:childTnLst>
+                    </p:cTn>
+                  </p:par>
+                  <p:par>
+                    <p:cTn id="13" fill="hold">
+                      <p:stCondLst>
+                        <p:cond delay="indefinite"/>
+                      </p:stCondLst>
+                      <p:childTnLst>
+                        <p:par>
+                          <p:cTn id="14" fill="hold">
+                            <p:stCondLst>
+                              <p:cond delay="0"/>
+                            </p:stCondLst>
+                            <p:childTnLst>
+                              <p:par>
+                                <p:cTn id="15" presetID="4" presetClass="entr" presetSubtype="16" fill="hold" grpId="0" nodeType="clickEffect">
+                                  <p:stCondLst>
+                                    <p:cond delay="0"/>
+                                  </p:stCondLst>
+                                  <p:childTnLst>
+                                    <p:set>
+                                      <p:cBhvr>
+                                        <p:cTn id="16" dur="1" fill="hold">
+                                          <p:stCondLst>
+                                            <p:cond delay="0"/>
+                                          </p:stCondLst>
+                                        </p:cTn>
+                                        <p:tgtEl>
+                                          <p:spTgt spid="6">
+                                            <p:txEl>
+                                              <p:pRg st="2" end="2"/>
+                                            </p:txEl>
+                                          </p:spTgt>
+                                        </p:tgtEl>
+                                        <p:attrNameLst>
+                                          <p:attrName>style.visibility</p:attrName>
+                                        </p:attrNameLst>
+                                      </p:cBhvr>
+                                      <p:to>
+                                        <p:strVal val="visible"/>
+                                      </p:to>
+                                    </p:set>
+                                    <p:animEffect transition="in" filter="box(in)">
+                                      <p:cBhvr>
+                                        <p:cTn id="17" dur="500"/>
+                                        <p:tgtEl>
+                                          <p:spTgt spid="6">
+                                            <p:txEl>
+                                              <p:pRg st="2" end="2"/>
+                                            </p:txEl>
+                                          </p:spTgt>
+                                        </p:tgtEl>
+                                      </p:cBhvr>
+                                    </p:animEffect>
+                                  </p:childTnLst>
+                                </p:cTn>
+                              </p:par>
+                            </p:childTnLst>
+                          </p:cTn>
+                        </p:par>
+                      </p:childTnLst>
+                    </p:cTn>
+                  </p:par>
+                  <p:par>
+                    <p:cTn id="18" fill="hold">
+                      <p:stCondLst>
+                        <p:cond delay="indefinite"/>
+                      </p:stCondLst>
+                      <p:childTnLst>
+                        <p:par>
+                          <p:cTn id="19" fill="hold">
+                            <p:stCondLst>
+                              <p:cond delay="0"/>
+                            </p:stCondLst>
+                            <p:childTnLst>
+                              <p:par>
+                                <p:cTn id="20" presetID="4" presetClass="entr" presetSubtype="16" fill="hold" grpId="0" nodeType="clickEffect">
+                                  <p:stCondLst>
+                                    <p:cond delay="0"/>
+                                  </p:stCondLst>
+                                  <p:childTnLst>
+                                    <p:set>
+                                      <p:cBhvr>
+                                        <p:cTn id="21" dur="1" fill="hold">
+                                          <p:stCondLst>
+                                            <p:cond delay="0"/>
+                                          </p:stCondLst>
+                                        </p:cTn>
+                                        <p:tgtEl>
+                                          <p:spTgt spid="6">
+                                            <p:txEl>
+                                              <p:pRg st="3" end="3"/>
+                                            </p:txEl>
+                                          </p:spTgt>
+                                        </p:tgtEl>
+                                        <p:attrNameLst>
+                                          <p:attrName>style.visibility</p:attrName>
+                                        </p:attrNameLst>
+                                      </p:cBhvr>
+                                      <p:to>
+                                        <p:strVal val="visible"/>
+                                      </p:to>
+                                    </p:set>
+                                    <p:animEffect transition="in" filter="box(in)">
+                                      <p:cBhvr>
+                                        <p:cTn id="22" dur="500"/>
+                                        <p:tgtEl>
+                                          <p:spTgt spid="6">
+                                            <p:txEl>
+                                              <p:pRg st="3" end="3"/>
+                                            </p:txEl>
+                                          </p:spTgt>
+                                        </p:tgtEl>
+                                      </p:cBhvr>
+                                    </p:animEffect>
+                                  </p:childTnLst>
+                                </p:cTn>
+                              </p:par>
+                            </p:childTnLst>
+                          </p:cTn>
+                        </p:par>
+                      </p:childTnLst>
+                    </p:cTn>
+                  </p:par>
+                  <p:par>
+                    <p:cTn id="23" fill="hold">
+                      <p:stCondLst>
+                        <p:cond delay="indefinite"/>
+                      </p:stCondLst>
+                      <p:childTnLst>
+                        <p:par>
+                          <p:cTn id="24" fill="hold">
+                            <p:stCondLst>
+                              <p:cond delay="0"/>
+                            </p:stCondLst>
+                            <p:childTnLst>
+                              <p:par>
+                                <p:cTn id="25" presetID="4" presetClass="entr" presetSubtype="16" fill="hold" grpId="0" nodeType="clickEffect">
+                                  <p:stCondLst>
+                                    <p:cond delay="0"/>
+                                  </p:stCondLst>
+                                  <p:childTnLst>
+                                    <p:set>
+                                      <p:cBhvr>
+                                        <p:cTn id="26" dur="1" fill="hold">
+                                          <p:stCondLst>
+                                            <p:cond delay="0"/>
+                                          </p:stCondLst>
+                                        </p:cTn>
+                                        <p:tgtEl>
+                                          <p:spTgt spid="6">
+                                            <p:txEl>
+                                              <p:pRg st="4" end="4"/>
+                                            </p:txEl>
+                                          </p:spTgt>
+                                        </p:tgtEl>
+                                        <p:attrNameLst>
+                                          <p:attrName>style.visibility</p:attrName>
+                                        </p:attrNameLst>
+                                      </p:cBhvr>
+                                      <p:to>
+                                        <p:strVal val="visible"/>
+                                      </p:to>
+                                    </p:set>
+                                    <p:animEffect transition="in" filter="box(in)">
+                                      <p:cBhvr>
+                                        <p:cTn id="27" dur="500"/>
+                                        <p:tgtEl>
+                                          <p:spTgt spid="6">
+                                            <p:txEl>
+                                              <p:pRg st="4" end="4"/>
+                                            </p:txEl>
+                                          </p:spTgt>
+                                        </p:tgtEl>
+                                      </p:cBhvr>
+                                    </p:animEffect>
+                                  </p:childTnLst>
+                                </p:cTn>
+                              </p:par>
+                            </p:childTnLst>
+                          </p:cTn>
+                        </p:par>
+                      </p:childTnLst>
+                    </p:cTn>
+                  </p:par>
+                  <p:par>
+                    <p:cTn id="28" fill="hold">
+                      <p:stCondLst>
+                        <p:cond delay="indefinite"/>
+                      </p:stCondLst>
+                      <p:childTnLst>
+                        <p:par>
+                          <p:cTn id="29" fill="hold">
+                            <p:stCondLst>
+                              <p:cond delay="0"/>
+                            </p:stCondLst>
+                            <p:childTnLst>
+                              <p:par>
+                                <p:cTn id="30" presetID="4" presetClass="entr" presetSubtype="16" fill="hold" grpId="0" nodeType="clickEffect">
+                                  <p:stCondLst>
+                                    <p:cond delay="0"/>
+                                  </p:stCondLst>
+                                  <p:childTnLst>
+                                    <p:set>
+                                      <p:cBhvr>
+                                        <p:cTn id="31" dur="1" fill="hold">
+                                          <p:stCondLst>
+                                            <p:cond delay="0"/>
+                                          </p:stCondLst>
+                                        </p:cTn>
+                                        <p:tgtEl>
+                                          <p:spTgt spid="6">
+                                            <p:txEl>
+                                              <p:pRg st="5" end="5"/>
+                                            </p:txEl>
+                                          </p:spTgt>
+                                        </p:tgtEl>
+                                        <p:attrNameLst>
+                                          <p:attrName>style.visibility</p:attrName>
+                                        </p:attrNameLst>
+                                      </p:cBhvr>
+                                      <p:to>
+                                        <p:strVal val="visible"/>
+                                      </p:to>
+                                    </p:set>
+                                    <p:animEffect transition="in" filter="box(in)">
+                                      <p:cBhvr>
+                                        <p:cTn id="32" dur="500"/>
+                                        <p:tgtEl>
+                                          <p:spTgt spid="6">
+                                            <p:txEl>
+                                              <p:pRg st="5" end="5"/>
+                                            </p:txEl>
+                                          </p:spTgt>
+                                        </p:tgtEl>
+                                      </p:cBhvr>
+                                    </p:animEffect>
+                                  </p:childTnLst>
+                                </p:cTn>
+                              </p:par>
+                            </p:childTnLst>
+                          </p:cTn>
+                        </p:par>
+                      </p:childTnLst>
+                    </p:cTn>
+                  </p:par>
+                </p:childTnLst>
+              </p:cTn>
+              <p:prevCondLst>
+                <p:cond evt="onPrev" delay="0">
+                  <p:tgtEl>
+                    <p:sldTgt/>
+                  </p:tgtEl>
+                </p:cond>
+              </p:prevCondLst>
+              <p:nextCondLst>
+                <p:cond evt="onNext" delay="0">
+                  <p:tgtEl>
+                    <p:sldTgt/>
+                  </p:tgtEl>
+                </p:cond>
+              </p:nextCondLst>
+            </p:seq>
+          </p:childTnLst>
+        </p:cTn>
+      </p:par>
+    </p:tnLst>
+    <p:bldLst>
+      <p:bldP spid="6" grpId="0" build="p"/>
+    </p:bldLst>
+  </p:timing>
+</p:sld>
+</file>
+
+<file path=ppt/slides/slide43.xml><?xml version="1.0" encoding="utf-8"?>
+<p:sld xmlns:a="http://schemas.openxmlformats.org/drawingml/2006/main" xmlns:r="http://schemas.openxmlformats.org/officeDocument/2006/relationships" xmlns:p="http://schemas.openxmlformats.org/presentationml/2006/main">
+  <p:cSld>
+    <p:spTree>
+      <p:nvGrpSpPr>
+        <p:cNvPr id="1" name=""/>
+        <p:cNvGrpSpPr/>
+        <p:nvPr/>
+      </p:nvGrpSpPr>
+      <p:grpSpPr>
+        <a:xfrm>
+          <a:off x="0" y="0"/>
+          <a:ext cx="0" cy="0"/>
+          <a:chOff x="0" y="0"/>
+          <a:chExt cx="0" cy="0"/>
+        </a:xfrm>
+      </p:grpSpPr>
+      <p:sp>
+        <p:nvSpPr>
+          <p:cNvPr id="2" name="Titel 1"/>
+          <p:cNvSpPr>
+            <a:spLocks noGrp="1"/>
+          </p:cNvSpPr>
+          <p:nvPr>
+            <p:ph type="title"/>
+          </p:nvPr>
+        </p:nvSpPr>
+        <p:spPr/>
+        <p:txBody>
+          <a:bodyPr/>
+          <a:lstStyle/>
+          <a:p>
+            <a:r>
+              <a:rPr lang="en-US" dirty="0" smtClean="0"/>
+              <a:t>Boost broken?</a:t>
+            </a:r>
+            <a:endParaRPr lang="en-US" dirty="0"/>
+          </a:p>
+        </p:txBody>
+      </p:sp>
+      <p:sp>
+        <p:nvSpPr>
+          <p:cNvPr id="3" name="Datumsplatzhalter 2"/>
+          <p:cNvSpPr>
+            <a:spLocks noGrp="1"/>
+          </p:cNvSpPr>
+          <p:nvPr>
+            <p:ph type="dt" sz="half" idx="10"/>
+          </p:nvPr>
+        </p:nvSpPr>
+        <p:spPr/>
+        <p:txBody>
+          <a:bodyPr/>
+          <a:lstStyle/>
+          <a:p>
+            <a:r>
+              <a:rPr lang="de-DE" smtClean="0"/>
+              <a:t>Version 1.0.1   2010-05-09</a:t>
+            </a:r>
+            <a:endParaRPr lang="de-DE" dirty="0"/>
+          </a:p>
+        </p:txBody>
+      </p:sp>
+      <p:sp>
+        <p:nvSpPr>
+          <p:cNvPr id="4" name="Fußzeilenplatzhalter 3"/>
+          <p:cNvSpPr>
+            <a:spLocks noGrp="1"/>
+          </p:cNvSpPr>
+          <p:nvPr>
+            <p:ph type="ftr" sz="quarter" idx="11"/>
+          </p:nvPr>
+        </p:nvSpPr>
+        <p:spPr/>
+        <p:txBody>
+          <a:bodyPr/>
+          <a:lstStyle/>
+          <a:p>
+            <a:r>
+              <a:rPr lang="en-US" smtClean="0"/>
+              <a:t>Copyright © Joachim Faulhaber 2010  Distributed under the Boost Software License 1.0 </a:t>
+            </a:r>
+            <a:endParaRPr lang="de-DE" dirty="0"/>
+          </a:p>
+        </p:txBody>
+      </p:sp>
+      <p:sp>
+        <p:nvSpPr>
+          <p:cNvPr id="5" name="Foliennummernplatzhalter 4"/>
+          <p:cNvSpPr>
+            <a:spLocks noGrp="1"/>
+          </p:cNvSpPr>
+          <p:nvPr>
+            <p:ph type="sldNum" sz="quarter" idx="12"/>
+          </p:nvPr>
+        </p:nvSpPr>
+        <p:spPr/>
+        <p:txBody>
+          <a:bodyPr/>
+          <a:lstStyle/>
+          <a:p>
+            <a:fld id="{64D7082F-DA1E-4BA7-A6EE-6967ECEA7877}" type="slidenum">
+              <a:rPr lang="de-DE" smtClean="0"/>
+              <a:pPr/>
+              <a:t>43</a:t>
+            </a:fld>
+            <a:endParaRPr lang="de-DE"/>
+          </a:p>
+        </p:txBody>
+      </p:sp>
+      <p:sp>
+        <p:nvSpPr>
+          <p:cNvPr id="6" name="Inhaltsplatzhalter 5"/>
+          <p:cNvSpPr>
+            <a:spLocks noGrp="1"/>
+          </p:cNvSpPr>
+          <p:nvPr>
+            <p:ph sz="quarter" idx="1"/>
+          </p:nvPr>
+        </p:nvSpPr>
+        <p:spPr/>
+        <p:txBody>
+          <a:bodyPr anchor="t">
+            <a:normAutofit/>
+          </a:bodyPr>
+          <a:lstStyle/>
+          <a:p>
+            <a:r>
+              <a:rPr lang="en-US" sz="2800" dirty="0" smtClean="0"/>
+              <a:t>In case of a clear review result, the review manager’s only job is to declare the result.</a:t>
+            </a:r>
+            <a:endParaRPr lang="en-US" sz="2800" dirty="0" smtClean="0"/>
+          </a:p>
+          <a:p>
+            <a:r>
+              <a:rPr lang="en-US" sz="2800" dirty="0" smtClean="0"/>
+              <a:t>Only in case of a controversial result the review manager steps in, examines the problems, and takes a decision from his broader background.</a:t>
+            </a:r>
+          </a:p>
+        </p:txBody>
+      </p:sp>
+    </p:spTree>
+  </p:cSld>
+  <p:clrMapOvr>
+    <a:masterClrMapping/>
+  </p:clrMapOvr>
+  <p:timing>
+    <p:tnLst>
+      <p:par>
+        <p:cTn id="1" dur="indefinite" restart="never" nodeType="tmRoot">
+          <p:childTnLst>
+            <p:seq concurrent="1" nextAc="seek">
+              <p:cTn id="2" dur="indefinite" nodeType="mainSeq">
+                <p:childTnLst>
+                  <p:par>
+                    <p:cTn id="3" fill="hold">
+                      <p:stCondLst>
+                        <p:cond delay="indefinite"/>
+                      </p:stCondLst>
+                      <p:childTnLst>
+                        <p:par>
+                          <p:cTn id="4" fill="hold">
+                            <p:stCondLst>
+                              <p:cond delay="0"/>
+                            </p:stCondLst>
+                            <p:childTnLst>
+                              <p:par>
+                                <p:cTn id="5" presetID="4" presetClass="entr" presetSubtype="16" fill="hold" grpId="0" nodeType="clickEffect">
+                                  <p:stCondLst>
+                                    <p:cond delay="0"/>
+                                  </p:stCondLst>
+                                  <p:childTnLst>
+                                    <p:set>
+                                      <p:cBhvr>
+                                        <p:cTn id="6" dur="1" fill="hold">
+                                          <p:stCondLst>
+                                            <p:cond delay="0"/>
+                                          </p:stCondLst>
+                                        </p:cTn>
+                                        <p:tgtEl>
+                                          <p:spTgt spid="6">
+                                            <p:txEl>
+                                              <p:pRg st="0" end="0"/>
+                                            </p:txEl>
+                                          </p:spTgt>
+                                        </p:tgtEl>
+                                        <p:attrNameLst>
+                                          <p:attrName>style.visibility</p:attrName>
+                                        </p:attrNameLst>
+                                      </p:cBhvr>
+                                      <p:to>
+                                        <p:strVal val="visible"/>
+                                      </p:to>
+                                    </p:set>
+                                    <p:animEffect transition="in" filter="box(in)">
+                                      <p:cBhvr>
+                                        <p:cTn id="7" dur="500"/>
+                                        <p:tgtEl>
+                                          <p:spTgt spid="6">
+                                            <p:txEl>
+                                              <p:pRg st="0" end="0"/>
+                                            </p:txEl>
+                                          </p:spTgt>
+                                        </p:tgtEl>
+                                      </p:cBhvr>
+                                    </p:animEffect>
+                                  </p:childTnLst>
+                                </p:cTn>
+                              </p:par>
+                            </p:childTnLst>
+                          </p:cTn>
+                        </p:par>
+                      </p:childTnLst>
+                    </p:cTn>
+                  </p:par>
+                  <p:par>
+                    <p:cTn id="8" fill="hold">
+                      <p:stCondLst>
+                        <p:cond delay="indefinite"/>
+                      </p:stCondLst>
+                      <p:childTnLst>
+                        <p:par>
+                          <p:cTn id="9" fill="hold">
+                            <p:stCondLst>
+                              <p:cond delay="0"/>
+                            </p:stCondLst>
+                            <p:childTnLst>
+                              <p:par>
+                                <p:cTn id="10" presetID="4" presetClass="entr" presetSubtype="16" fill="hold" grpId="0" nodeType="clickEffect">
+                                  <p:stCondLst>
+                                    <p:cond delay="0"/>
+                                  </p:stCondLst>
+                                  <p:childTnLst>
+                                    <p:set>
+                                      <p:cBhvr>
+                                        <p:cTn id="11" dur="1" fill="hold">
+                                          <p:stCondLst>
+                                            <p:cond delay="0"/>
+                                          </p:stCondLst>
+                                        </p:cTn>
+                                        <p:tgtEl>
+                                          <p:spTgt spid="6">
+                                            <p:txEl>
+                                              <p:pRg st="1" end="1"/>
+                                            </p:txEl>
+                                          </p:spTgt>
+                                        </p:tgtEl>
+                                        <p:attrNameLst>
+                                          <p:attrName>style.visibility</p:attrName>
+                                        </p:attrNameLst>
+                                      </p:cBhvr>
+                                      <p:to>
+                                        <p:strVal val="visible"/>
+                                      </p:to>
+                                    </p:set>
+                                    <p:animEffect transition="in" filter="box(in)">
+                                      <p:cBhvr>
+                                        <p:cTn id="12" dur="500"/>
+                                        <p:tgtEl>
+                                          <p:spTgt spid="6">
+                                            <p:txEl>
+                                              <p:pRg st="1" end="1"/>
+                                            </p:txEl>
+                                          </p:spTgt>
+                                        </p:tgtEl>
+                                      </p:cBhvr>
+                                    </p:animEffect>
+                                  </p:childTnLst>
+                                </p:cTn>
+                              </p:par>
+                            </p:childTnLst>
+                          </p:cTn>
+                        </p:par>
+                      </p:childTnLst>
+                    </p:cTn>
+                  </p:par>
+                </p:childTnLst>
+              </p:cTn>
+              <p:prevCondLst>
+                <p:cond evt="onPrev" delay="0">
+                  <p:tgtEl>
+                    <p:sldTgt/>
+                  </p:tgtEl>
+                </p:cond>
+              </p:prevCondLst>
+              <p:nextCondLst>
+                <p:cond evt="onNext" delay="0">
+                  <p:tgtEl>
+                    <p:sldTgt/>
+                  </p:tgtEl>
+                </p:cond>
+              </p:nextCondLst>
+            </p:seq>
+          </p:childTnLst>
+        </p:cTn>
+      </p:par>
+    </p:tnLst>
+    <p:bldLst>
+      <p:bldP spid="6" grpId="0" build="p"/>
+    </p:bldLst>
+  </p:timing>
+</p:sld>
+</file>
+
+<file path=ppt/slides/slide44.xml><?xml version="1.0" encoding="utf-8"?>
+<p:sld xmlns:a="http://schemas.openxmlformats.org/drawingml/2006/main" xmlns:r="http://schemas.openxmlformats.org/officeDocument/2006/relationships" xmlns:p="http://schemas.openxmlformats.org/presentationml/2006/main">
+  <p:cSld>
+    <p:spTree>
+      <p:nvGrpSpPr>
+        <p:cNvPr id="1" name=""/>
+        <p:cNvGrpSpPr/>
+        <p:nvPr/>
+      </p:nvGrpSpPr>
+      <p:grpSpPr>
+        <a:xfrm>
+          <a:off x="0" y="0"/>
+          <a:ext cx="0" cy="0"/>
+          <a:chOff x="0" y="0"/>
+          <a:chExt cx="0" cy="0"/>
+        </a:xfrm>
+      </p:grpSpPr>
+      <p:sp>
+        <p:nvSpPr>
+          <p:cNvPr id="2" name="Titel 1"/>
+          <p:cNvSpPr>
+            <a:spLocks noGrp="1"/>
+          </p:cNvSpPr>
+          <p:nvPr>
+            <p:ph type="title"/>
+          </p:nvPr>
+        </p:nvSpPr>
+        <p:spPr/>
+        <p:txBody>
+          <a:bodyPr/>
+          <a:lstStyle/>
+          <a:p>
+            <a:r>
+              <a:rPr lang="en-US" dirty="0" smtClean="0"/>
+              <a:t>Boost broken?</a:t>
+            </a:r>
+            <a:endParaRPr lang="en-US" dirty="0"/>
+          </a:p>
+        </p:txBody>
+      </p:sp>
+      <p:sp>
+        <p:nvSpPr>
+          <p:cNvPr id="3" name="Datumsplatzhalter 2"/>
+          <p:cNvSpPr>
+            <a:spLocks noGrp="1"/>
+          </p:cNvSpPr>
+          <p:nvPr>
+            <p:ph type="dt" sz="half" idx="10"/>
+          </p:nvPr>
+        </p:nvSpPr>
+        <p:spPr/>
+        <p:txBody>
+          <a:bodyPr/>
+          <a:lstStyle/>
+          <a:p>
+            <a:r>
+              <a:rPr lang="de-DE" smtClean="0"/>
+              <a:t>Version 1.0.1   2010-05-09</a:t>
+            </a:r>
+            <a:endParaRPr lang="de-DE" dirty="0"/>
+          </a:p>
+        </p:txBody>
+      </p:sp>
+      <p:sp>
+        <p:nvSpPr>
+          <p:cNvPr id="4" name="Fußzeilenplatzhalter 3"/>
+          <p:cNvSpPr>
+            <a:spLocks noGrp="1"/>
+          </p:cNvSpPr>
+          <p:nvPr>
+            <p:ph type="ftr" sz="quarter" idx="11"/>
+          </p:nvPr>
+        </p:nvSpPr>
+        <p:spPr/>
+        <p:txBody>
+          <a:bodyPr/>
+          <a:lstStyle/>
+          <a:p>
+            <a:r>
+              <a:rPr lang="en-US" smtClean="0"/>
+              <a:t>Copyright © Joachim Faulhaber 2010  Distributed under the Boost Software License 1.0 </a:t>
+            </a:r>
+            <a:endParaRPr lang="de-DE" dirty="0"/>
+          </a:p>
+        </p:txBody>
+      </p:sp>
+      <p:sp>
+        <p:nvSpPr>
+          <p:cNvPr id="5" name="Foliennummernplatzhalter 4"/>
+          <p:cNvSpPr>
+            <a:spLocks noGrp="1"/>
+          </p:cNvSpPr>
+          <p:nvPr>
+            <p:ph type="sldNum" sz="quarter" idx="12"/>
+          </p:nvPr>
+        </p:nvSpPr>
+        <p:spPr/>
+        <p:txBody>
+          <a:bodyPr/>
+          <a:lstStyle/>
+          <a:p>
+            <a:fld id="{64D7082F-DA1E-4BA7-A6EE-6967ECEA7877}" type="slidenum">
+              <a:rPr lang="de-DE" smtClean="0"/>
+              <a:pPr/>
+              <a:t>44</a:t>
+            </a:fld>
+            <a:endParaRPr lang="de-DE"/>
+          </a:p>
+        </p:txBody>
+      </p:sp>
+      <p:sp>
+        <p:nvSpPr>
+          <p:cNvPr id="6" name="Inhaltsplatzhalter 5"/>
+          <p:cNvSpPr>
+            <a:spLocks noGrp="1"/>
+          </p:cNvSpPr>
+          <p:nvPr>
+            <p:ph sz="quarter" idx="1"/>
+          </p:nvPr>
+        </p:nvSpPr>
+        <p:spPr/>
+        <p:txBody>
+          <a:bodyPr anchor="t">
+            <a:normAutofit lnSpcReduction="10000"/>
+          </a:bodyPr>
+          <a:lstStyle/>
+          <a:p>
+            <a:r>
+              <a:rPr lang="en-US" sz="2800" dirty="0" smtClean="0"/>
+              <a:t>Contributing to boost as a win </a:t>
+            </a:r>
+            <a:r>
+              <a:rPr lang="en-US" sz="2800" dirty="0" err="1" smtClean="0"/>
+              <a:t>win</a:t>
+            </a:r>
+            <a:r>
+              <a:rPr lang="en-US" sz="2800" dirty="0" smtClean="0"/>
+              <a:t> game.</a:t>
+            </a:r>
+          </a:p>
+          <a:p>
+            <a:r>
+              <a:rPr lang="en-US" sz="2800" dirty="0" smtClean="0"/>
+              <a:t>Provided the contributor is able to fulfill the standards, there will be a certification of a library, even if it is rejected in the formal review.</a:t>
+            </a:r>
+          </a:p>
+          <a:p>
+            <a:r>
+              <a:rPr lang="en-US" sz="2800" dirty="0" smtClean="0"/>
+              <a:t>To be accepted for a formal review will be a desirable goal in itself.</a:t>
+            </a:r>
+          </a:p>
+          <a:p>
+            <a:r>
+              <a:rPr lang="en-US" sz="2800" dirty="0" smtClean="0"/>
+              <a:t>Besides the core libraries, there is a status for associated libraries, that must reach and maintain boost standards (be admissible to a boost formal review).</a:t>
+            </a:r>
+          </a:p>
+          <a:p>
+            <a:endParaRPr lang="en-US" sz="2800" dirty="0" smtClean="0"/>
+          </a:p>
+        </p:txBody>
+      </p:sp>
+    </p:spTree>
+  </p:cSld>
+  <p:clrMapOvr>
+    <a:masterClrMapping/>
+  </p:clrMapOvr>
+  <p:timing>
+    <p:tnLst>
+      <p:par>
+        <p:cTn id="1" dur="indefinite" restart="never" nodeType="tmRoot">
+          <p:childTnLst>
+            <p:seq concurrent="1" nextAc="seek">
+              <p:cTn id="2" dur="indefinite" nodeType="mainSeq">
+                <p:childTnLst>
+                  <p:par>
+                    <p:cTn id="3" fill="hold">
+                      <p:stCondLst>
+                        <p:cond delay="indefinite"/>
+                      </p:stCondLst>
+                      <p:childTnLst>
+                        <p:par>
+                          <p:cTn id="4" fill="hold">
+                            <p:stCondLst>
+                              <p:cond delay="0"/>
+                            </p:stCondLst>
+                            <p:childTnLst>
+                              <p:par>
+                                <p:cTn id="5" presetID="4" presetClass="entr" presetSubtype="16" fill="hold" grpId="0" nodeType="clickEffect">
+                                  <p:stCondLst>
+                                    <p:cond delay="0"/>
+                                  </p:stCondLst>
+                                  <p:childTnLst>
+                                    <p:set>
+                                      <p:cBhvr>
+                                        <p:cTn id="6" dur="1" fill="hold">
+                                          <p:stCondLst>
+                                            <p:cond delay="0"/>
+                                          </p:stCondLst>
+                                        </p:cTn>
+                                        <p:tgtEl>
+                                          <p:spTgt spid="6">
+                                            <p:txEl>
+                                              <p:pRg st="0" end="0"/>
+                                            </p:txEl>
+                                          </p:spTgt>
+                                        </p:tgtEl>
+                                        <p:attrNameLst>
+                                          <p:attrName>style.visibility</p:attrName>
+                                        </p:attrNameLst>
+                                      </p:cBhvr>
+                                      <p:to>
+                                        <p:strVal val="visible"/>
+                                      </p:to>
+                                    </p:set>
+                                    <p:animEffect transition="in" filter="box(in)">
+                                      <p:cBhvr>
+                                        <p:cTn id="7" dur="500"/>
+                                        <p:tgtEl>
+                                          <p:spTgt spid="6">
+                                            <p:txEl>
+                                              <p:pRg st="0" end="0"/>
+                                            </p:txEl>
+                                          </p:spTgt>
+                                        </p:tgtEl>
+                                      </p:cBhvr>
+                                    </p:animEffect>
+                                  </p:childTnLst>
+                                </p:cTn>
+                              </p:par>
+                            </p:childTnLst>
+                          </p:cTn>
+                        </p:par>
+                      </p:childTnLst>
+                    </p:cTn>
+                  </p:par>
+                  <p:par>
+                    <p:cTn id="8" fill="hold">
+                      <p:stCondLst>
+                        <p:cond delay="indefinite"/>
+                      </p:stCondLst>
+                      <p:childTnLst>
+                        <p:par>
+                          <p:cTn id="9" fill="hold">
+                            <p:stCondLst>
+                              <p:cond delay="0"/>
+                            </p:stCondLst>
+                            <p:childTnLst>
+                              <p:par>
+                                <p:cTn id="10" presetID="4" presetClass="entr" presetSubtype="16" fill="hold" grpId="0" nodeType="clickEffect">
+                                  <p:stCondLst>
+                                    <p:cond delay="0"/>
+                                  </p:stCondLst>
+                                  <p:childTnLst>
+                                    <p:set>
+                                      <p:cBhvr>
+                                        <p:cTn id="11" dur="1" fill="hold">
+                                          <p:stCondLst>
+                                            <p:cond delay="0"/>
+                                          </p:stCondLst>
+                                        </p:cTn>
+                                        <p:tgtEl>
+                                          <p:spTgt spid="6">
+                                            <p:txEl>
+                                              <p:pRg st="1" end="1"/>
+                                            </p:txEl>
+                                          </p:spTgt>
+                                        </p:tgtEl>
+                                        <p:attrNameLst>
+                                          <p:attrName>style.visibility</p:attrName>
+                                        </p:attrNameLst>
+                                      </p:cBhvr>
+                                      <p:to>
+                                        <p:strVal val="visible"/>
+                                      </p:to>
+                                    </p:set>
+                                    <p:animEffect transition="in" filter="box(in)">
+                                      <p:cBhvr>
+                                        <p:cTn id="12" dur="500"/>
+                                        <p:tgtEl>
+                                          <p:spTgt spid="6">
+                                            <p:txEl>
+                                              <p:pRg st="1" end="1"/>
+                                            </p:txEl>
+                                          </p:spTgt>
+                                        </p:tgtEl>
+                                      </p:cBhvr>
+                                    </p:animEffect>
+                                  </p:childTnLst>
+                                </p:cTn>
+                              </p:par>
+                            </p:childTnLst>
+                          </p:cTn>
+                        </p:par>
+                      </p:childTnLst>
+                    </p:cTn>
+                  </p:par>
+                  <p:par>
+                    <p:cTn id="13" fill="hold">
+                      <p:stCondLst>
+                        <p:cond delay="indefinite"/>
+                      </p:stCondLst>
+                      <p:childTnLst>
+                        <p:par>
+                          <p:cTn id="14" fill="hold">
+                            <p:stCondLst>
+                              <p:cond delay="0"/>
+                            </p:stCondLst>
+                            <p:childTnLst>
+                              <p:par>
+                                <p:cTn id="15" presetID="4" presetClass="entr" presetSubtype="16" fill="hold" grpId="0" nodeType="clickEffect">
+                                  <p:stCondLst>
+                                    <p:cond delay="0"/>
+                                  </p:stCondLst>
+                                  <p:childTnLst>
+                                    <p:set>
+                                      <p:cBhvr>
+                                        <p:cTn id="16" dur="1" fill="hold">
+                                          <p:stCondLst>
+                                            <p:cond delay="0"/>
+                                          </p:stCondLst>
+                                        </p:cTn>
+                                        <p:tgtEl>
+                                          <p:spTgt spid="6">
+                                            <p:txEl>
+                                              <p:pRg st="2" end="2"/>
+                                            </p:txEl>
+                                          </p:spTgt>
+                                        </p:tgtEl>
+                                        <p:attrNameLst>
+                                          <p:attrName>style.visibility</p:attrName>
+                                        </p:attrNameLst>
+                                      </p:cBhvr>
+                                      <p:to>
+                                        <p:strVal val="visible"/>
+                                      </p:to>
+                                    </p:set>
+                                    <p:animEffect transition="in" filter="box(in)">
+                                      <p:cBhvr>
+                                        <p:cTn id="17" dur="500"/>
+                                        <p:tgtEl>
+                                          <p:spTgt spid="6">
+                                            <p:txEl>
+                                              <p:pRg st="2" end="2"/>
+                                            </p:txEl>
+                                          </p:spTgt>
+                                        </p:tgtEl>
+                                      </p:cBhvr>
+                                    </p:animEffect>
+                                  </p:childTnLst>
+                                </p:cTn>
+                              </p:par>
+                            </p:childTnLst>
+                          </p:cTn>
+                        </p:par>
+                      </p:childTnLst>
+                    </p:cTn>
+                  </p:par>
+                  <p:par>
+                    <p:cTn id="18" fill="hold">
+                      <p:stCondLst>
+                        <p:cond delay="indefinite"/>
+                      </p:stCondLst>
+                      <p:childTnLst>
+                        <p:par>
+                          <p:cTn id="19" fill="hold">
+                            <p:stCondLst>
+                              <p:cond delay="0"/>
+                            </p:stCondLst>
+                            <p:childTnLst>
+                              <p:par>
+                                <p:cTn id="20" presetID="4" presetClass="entr" presetSubtype="16" fill="hold" grpId="0" nodeType="clickEffect">
+                                  <p:stCondLst>
+                                    <p:cond delay="0"/>
+                                  </p:stCondLst>
+                                  <p:childTnLst>
+                                    <p:set>
+                                      <p:cBhvr>
+                                        <p:cTn id="21" dur="1" fill="hold">
+                                          <p:stCondLst>
+                                            <p:cond delay="0"/>
+                                          </p:stCondLst>
+                                        </p:cTn>
+                                        <p:tgtEl>
+                                          <p:spTgt spid="6">
+                                            <p:txEl>
+                                              <p:pRg st="3" end="3"/>
+                                            </p:txEl>
+                                          </p:spTgt>
+                                        </p:tgtEl>
+                                        <p:attrNameLst>
+                                          <p:attrName>style.visibility</p:attrName>
+                                        </p:attrNameLst>
+                                      </p:cBhvr>
+                                      <p:to>
+                                        <p:strVal val="visible"/>
+                                      </p:to>
+                                    </p:set>
+                                    <p:animEffect transition="in" filter="box(in)">
+                                      <p:cBhvr>
+                                        <p:cTn id="22" dur="500"/>
+                                        <p:tgtEl>
+                                          <p:spTgt spid="6">
+                                            <p:txEl>
+                                              <p:pRg st="3" end="3"/>
+                                            </p:txEl>
+                                          </p:spTgt>
+                                        </p:tgtEl>
+                                      </p:cBhvr>
+                                    </p:animEffect>
+                                  </p:childTnLst>
+                                </p:cTn>
+                              </p:par>
+                            </p:childTnLst>
+                          </p:cTn>
+                        </p:par>
+                      </p:childTnLst>
+                    </p:cTn>
+                  </p:par>
+                </p:childTnLst>
+              </p:cTn>
+              <p:prevCondLst>
+                <p:cond evt="onPrev" delay="0">
+                  <p:tgtEl>
+                    <p:sldTgt/>
+                  </p:tgtEl>
+                </p:cond>
+              </p:prevCondLst>
+              <p:nextCondLst>
+                <p:cond evt="onNext" delay="0">
+                  <p:tgtEl>
+                    <p:sldTgt/>
+                  </p:tgtEl>
+                </p:cond>
+              </p:nextCondLst>
+            </p:seq>
+          </p:childTnLst>
+        </p:cTn>
+      </p:par>
+    </p:tnLst>
+    <p:bldLst>
+      <p:bldP spid="6" grpId="0" build="p"/>
+    </p:bldLst>
+  </p:timing>
+</p:sld>
+</file>
+
+<file path=ppt/slides/slide5.xml><?xml version="1.0" encoding="utf-8"?>
+<p:sld xmlns:a="http://schemas.openxmlformats.org/drawingml/2006/main" xmlns:r="http://schemas.openxmlformats.org/officeDocument/2006/relationships" xmlns:p="http://schemas.openxmlformats.org/presentationml/2006/main">
+  <p:cSld>
+    <p:spTree>
+      <p:nvGrpSpPr>
+        <p:cNvPr id="1" name=""/>
+        <p:cNvGrpSpPr/>
+        <p:nvPr/>
+      </p:nvGrpSpPr>
+      <p:grpSpPr>
+        <a:xfrm>
+          <a:off x="0" y="0"/>
+          <a:ext cx="0" cy="0"/>
+          <a:chOff x="0" y="0"/>
+          <a:chExt cx="0" cy="0"/>
+        </a:xfrm>
+      </p:grpSpPr>
+      <p:sp>
+        <p:nvSpPr>
+          <p:cNvPr id="2" name="Titel 1"/>
+          <p:cNvSpPr>
+            <a:spLocks noGrp="1"/>
+          </p:cNvSpPr>
+          <p:nvPr>
+            <p:ph type="title"/>
+          </p:nvPr>
+        </p:nvSpPr>
+        <p:spPr/>
+        <p:txBody>
+          <a:bodyPr/>
+          <a:lstStyle/>
+          <a:p>
+            <a:r>
+              <a:rPr lang="en-US" dirty="0" smtClean="0"/>
+              <a:t>Today</a:t>
+            </a:r>
+            <a:endParaRPr lang="en-US" dirty="0"/>
+          </a:p>
+        </p:txBody>
+      </p:sp>
+      <p:sp>
+        <p:nvSpPr>
+          <p:cNvPr id="3" name="Inhaltsplatzhalter 2"/>
+          <p:cNvSpPr>
+            <a:spLocks noGrp="1"/>
+          </p:cNvSpPr>
+          <p:nvPr>
+            <p:ph sz="quarter" idx="1"/>
+          </p:nvPr>
+        </p:nvSpPr>
+        <p:spPr/>
+        <p:txBody>
+          <a:bodyPr>
+            <a:normAutofit/>
+          </a:bodyPr>
+          <a:lstStyle/>
+          <a:p>
+            <a:r>
+              <a:rPr lang="en-US" dirty="0" smtClean="0"/>
+              <a:t>Today I will introduce the current </a:t>
+            </a:r>
+            <a:r>
+              <a:rPr lang="en-US" dirty="0" smtClean="0">
+                <a:solidFill>
+                  <a:srgbClr val="0070C0"/>
+                </a:solidFill>
+              </a:rPr>
+              <a:t>prototype</a:t>
+            </a:r>
+          </a:p>
+          <a:p>
+            <a:r>
+              <a:rPr lang="en-US" dirty="0" smtClean="0"/>
+              <a:t>that is not yet </a:t>
+            </a:r>
+            <a:r>
+              <a:rPr lang="en-US" dirty="0" smtClean="0">
+                <a:solidFill>
+                  <a:srgbClr val="0070C0"/>
+                </a:solidFill>
+              </a:rPr>
+              <a:t>boost compliant</a:t>
+            </a:r>
+            <a:r>
+              <a:rPr lang="en-US" dirty="0" smtClean="0"/>
+              <a:t> but </a:t>
+            </a:r>
+            <a:r>
+              <a:rPr lang="en-US" dirty="0" smtClean="0">
+                <a:solidFill>
+                  <a:srgbClr val="0070C0"/>
+                </a:solidFill>
+              </a:rPr>
+              <a:t>Loki biased</a:t>
+            </a:r>
+          </a:p>
+          <a:p>
+            <a:r>
+              <a:rPr lang="en-US" dirty="0" smtClean="0"/>
+              <a:t>For the most part I will show </a:t>
+            </a:r>
+            <a:r>
+              <a:rPr lang="en-US" i="1" dirty="0" smtClean="0">
+                <a:solidFill>
+                  <a:schemeClr val="accent1">
+                    <a:lumMod val="75000"/>
+                  </a:schemeClr>
+                </a:solidFill>
+              </a:rPr>
+              <a:t>what I have</a:t>
+            </a:r>
+          </a:p>
+          <a:p>
+            <a:r>
+              <a:rPr lang="en-US" dirty="0" smtClean="0"/>
+              <a:t>… in order to </a:t>
+            </a:r>
+            <a:r>
+              <a:rPr lang="en-US" dirty="0" smtClean="0">
+                <a:solidFill>
+                  <a:srgbClr val="0070C0"/>
+                </a:solidFill>
+              </a:rPr>
+              <a:t>make the ideas</a:t>
+            </a:r>
+            <a:r>
+              <a:rPr lang="en-US" dirty="0" smtClean="0"/>
+              <a:t> of law based testing </a:t>
+            </a:r>
+            <a:r>
+              <a:rPr lang="en-US" dirty="0" smtClean="0">
+                <a:solidFill>
+                  <a:srgbClr val="0070C0"/>
+                </a:solidFill>
+              </a:rPr>
+              <a:t>clear</a:t>
+            </a:r>
+            <a:r>
+              <a:rPr lang="en-US" dirty="0" smtClean="0"/>
+              <a:t/>
+            </a:r>
+            <a:br>
+              <a:rPr lang="en-US" dirty="0" smtClean="0"/>
+            </a:br>
+            <a:endParaRPr lang="en-US" dirty="0" smtClean="0"/>
+          </a:p>
+          <a:p>
+            <a:r>
+              <a:rPr lang="en-US" dirty="0" smtClean="0"/>
+              <a:t>Then I will outline some aspects of a redesigned and </a:t>
+            </a:r>
+            <a:r>
+              <a:rPr lang="en-US" dirty="0" smtClean="0">
+                <a:solidFill>
+                  <a:srgbClr val="0070C0"/>
+                </a:solidFill>
+              </a:rPr>
+              <a:t>boost-quality</a:t>
+            </a:r>
+            <a:r>
+              <a:rPr lang="en-US" dirty="0" smtClean="0"/>
+              <a:t> library </a:t>
+            </a:r>
+            <a:r>
+              <a:rPr lang="en-US" dirty="0" err="1" smtClean="0">
+                <a:solidFill>
+                  <a:schemeClr val="accent1">
+                    <a:lumMod val="75000"/>
+                  </a:schemeClr>
+                </a:solidFill>
+              </a:rPr>
+              <a:t>Boost.Alabaster</a:t>
+            </a:r>
+            <a:r>
+              <a:rPr lang="en-US" dirty="0" smtClean="0"/>
+              <a:t> as a project to go about.</a:t>
+            </a:r>
+          </a:p>
+        </p:txBody>
+      </p:sp>
+      <p:sp>
+        <p:nvSpPr>
+          <p:cNvPr id="4" name="Fußzeilenplatzhalter 3"/>
+          <p:cNvSpPr>
+            <a:spLocks noGrp="1"/>
+          </p:cNvSpPr>
+          <p:nvPr>
+            <p:ph type="ftr" sz="quarter" idx="11"/>
+          </p:nvPr>
+        </p:nvSpPr>
+        <p:spPr/>
+        <p:txBody>
+          <a:bodyPr/>
+          <a:lstStyle/>
+          <a:p>
+            <a:r>
+              <a:rPr lang="en-US" smtClean="0"/>
+              <a:t>Copyright © Joachim Faulhaber 2010  Distributed under the Boost Software License 1.0 </a:t>
+            </a:r>
+            <a:endParaRPr lang="de-DE" dirty="0"/>
+          </a:p>
+        </p:txBody>
+      </p:sp>
+      <p:sp>
+        <p:nvSpPr>
+          <p:cNvPr id="5" name="Foliennummernplatzhalter 4"/>
+          <p:cNvSpPr>
+            <a:spLocks noGrp="1"/>
+          </p:cNvSpPr>
+          <p:nvPr>
+            <p:ph type="sldNum" sz="quarter" idx="12"/>
+          </p:nvPr>
+        </p:nvSpPr>
+        <p:spPr/>
+        <p:txBody>
+          <a:bodyPr/>
+          <a:lstStyle/>
+          <a:p>
+            <a:fld id="{64D7082F-DA1E-4BA7-A6EE-6967ECEA7877}" type="slidenum">
+              <a:rPr lang="de-DE" smtClean="0"/>
+              <a:pPr/>
+              <a:t>5</a:t>
+            </a:fld>
+            <a:endParaRPr lang="de-DE"/>
+          </a:p>
+        </p:txBody>
+      </p:sp>
+      <p:sp>
+        <p:nvSpPr>
+          <p:cNvPr id="6" name="Datumsplatzhalter 5"/>
+          <p:cNvSpPr>
+            <a:spLocks noGrp="1"/>
+          </p:cNvSpPr>
+          <p:nvPr>
+            <p:ph type="dt" sz="half" idx="10"/>
+          </p:nvPr>
+        </p:nvSpPr>
+        <p:spPr/>
+        <p:txBody>
+          <a:bodyPr/>
+          <a:lstStyle/>
+          <a:p>
+            <a:r>
+              <a:rPr lang="de-DE" smtClean="0"/>
+              <a:t>Version 1.0.1   2010-05-09</a:t>
+            </a:r>
+            <a:endParaRPr lang="de-DE" dirty="0"/>
+          </a:p>
+        </p:txBody>
+      </p:sp>
+    </p:spTree>
+  </p:cSld>
+  <p:clrMapOvr>
+    <a:masterClrMapping/>
+  </p:clrMapOvr>
+  <p:timing>
+    <p:tnLst>
+      <p:par>
+        <p:cTn id="1" dur="indefinite" restart="never" nodeType="tmRoot">
+          <p:childTnLst>
+            <p:seq concurrent="1" nextAc="seek">
+              <p:cTn id="2" dur="indefinite" nodeType="mainSeq">
+                <p:childTnLst>
+                  <p:par>
+                    <p:cTn id="3" fill="hold">
+                      <p:stCondLst>
+                        <p:cond delay="indefinite"/>
+                      </p:stCondLst>
+                      <p:childTnLst>
+                        <p:par>
+                          <p:cTn id="4" fill="hold">
+                            <p:stCondLst>
+                              <p:cond delay="0"/>
+                            </p:stCondLst>
+                            <p:childTnLst>
+                              <p:par>
+                                <p:cTn id="5" presetID="4" presetClass="entr" presetSubtype="16" fill="hold" nodeType="clickEffect">
+                                  <p:stCondLst>
+                                    <p:cond delay="0"/>
+                                  </p:stCondLst>
+                                  <p:childTnLst>
+                                    <p:set>
+                                      <p:cBhvr>
+                                        <p:cTn id="6" dur="1" fill="hold">
+                                          <p:stCondLst>
+                                            <p:cond delay="0"/>
+                                          </p:stCondLst>
+                                        </p:cTn>
+                                        <p:tgtEl>
+                                          <p:spTgt spid="3">
+                                            <p:txEl>
+                                              <p:pRg st="0" end="0"/>
+                                            </p:txEl>
+                                          </p:spTgt>
+                                        </p:tgtEl>
+                                        <p:attrNameLst>
+                                          <p:attrName>style.visibility</p:attrName>
+                                        </p:attrNameLst>
+                                      </p:cBhvr>
+                                      <p:to>
+                                        <p:strVal val="visible"/>
+                                      </p:to>
+                                    </p:set>
+                                    <p:animEffect transition="in" filter="box(in)">
+                                      <p:cBhvr>
+                                        <p:cTn id="7" dur="500"/>
+                                        <p:tgtEl>
+                                          <p:spTgt spid="3">
+                                            <p:txEl>
+                                              <p:pRg st="0" end="0"/>
+                                            </p:txEl>
+                                          </p:spTgt>
+                                        </p:tgtEl>
+                                      </p:cBhvr>
+                                    </p:animEffect>
+                                  </p:childTnLst>
+                                </p:cTn>
+                              </p:par>
+                              <p:par>
+                                <p:cTn id="8" presetID="4" presetClass="entr" presetSubtype="16" fill="hold" nodeType="withEffect">
+                                  <p:stCondLst>
+                                    <p:cond delay="0"/>
+                                  </p:stCondLst>
+                                  <p:childTnLst>
+                                    <p:set>
+                                      <p:cBhvr>
+                                        <p:cTn id="9" dur="1" fill="hold">
+                                          <p:stCondLst>
+                                            <p:cond delay="0"/>
+                                          </p:stCondLst>
+                                        </p:cTn>
+                                        <p:tgtEl>
+                                          <p:spTgt spid="3">
+                                            <p:txEl>
+                                              <p:pRg st="1" end="1"/>
+                                            </p:txEl>
+                                          </p:spTgt>
+                                        </p:tgtEl>
+                                        <p:attrNameLst>
+                                          <p:attrName>style.visibility</p:attrName>
+                                        </p:attrNameLst>
+                                      </p:cBhvr>
+                                      <p:to>
+                                        <p:strVal val="visible"/>
+                                      </p:to>
+                                    </p:set>
+                                    <p:animEffect transition="in" filter="box(in)">
+                                      <p:cBhvr>
+                                        <p:cTn id="10" dur="500"/>
+                                        <p:tgtEl>
+                                          <p:spTgt spid="3">
+                                            <p:txEl>
+                                              <p:pRg st="1" end="1"/>
+                                            </p:txEl>
+                                          </p:spTgt>
+                                        </p:tgtEl>
+                                      </p:cBhvr>
+                                    </p:animEffect>
+                                  </p:childTnLst>
+                                </p:cTn>
+                              </p:par>
+                              <p:par>
+                                <p:cTn id="11" presetID="4" presetClass="entr" presetSubtype="16" fill="hold" nodeType="withEffect">
+                                  <p:stCondLst>
+                                    <p:cond delay="0"/>
+                                  </p:stCondLst>
+                                  <p:childTnLst>
+                                    <p:set>
+                                      <p:cBhvr>
+                                        <p:cTn id="12" dur="1" fill="hold">
+                                          <p:stCondLst>
+                                            <p:cond delay="0"/>
+                                          </p:stCondLst>
+                                        </p:cTn>
+                                        <p:tgtEl>
+                                          <p:spTgt spid="3">
+                                            <p:txEl>
+                                              <p:pRg st="2" end="2"/>
+                                            </p:txEl>
+                                          </p:spTgt>
+                                        </p:tgtEl>
+                                        <p:attrNameLst>
+                                          <p:attrName>style.visibility</p:attrName>
+                                        </p:attrNameLst>
+                                      </p:cBhvr>
+                                      <p:to>
+                                        <p:strVal val="visible"/>
+                                      </p:to>
+                                    </p:set>
+                                    <p:animEffect transition="in" filter="box(in)">
+                                      <p:cBhvr>
+                                        <p:cTn id="13" dur="500"/>
+                                        <p:tgtEl>
+                                          <p:spTgt spid="3">
+                                            <p:txEl>
+                                              <p:pRg st="2" end="2"/>
+                                            </p:txEl>
+                                          </p:spTgt>
+                                        </p:tgtEl>
+                                      </p:cBhvr>
+                                    </p:animEffect>
+                                  </p:childTnLst>
+                                </p:cTn>
+                              </p:par>
+                              <p:par>
+                                <p:cTn id="14" presetID="4" presetClass="entr" presetSubtype="16" fill="hold" nodeType="withEffect">
+                                  <p:stCondLst>
+                                    <p:cond delay="0"/>
+                                  </p:stCondLst>
+                                  <p:childTnLst>
+                                    <p:set>
+                                      <p:cBhvr>
+                                        <p:cTn id="15" dur="1" fill="hold">
+                                          <p:stCondLst>
+                                            <p:cond delay="0"/>
+                                          </p:stCondLst>
+                                        </p:cTn>
+                                        <p:tgtEl>
+                                          <p:spTgt spid="3">
+                                            <p:txEl>
+                                              <p:pRg st="3" end="3"/>
+                                            </p:txEl>
+                                          </p:spTgt>
+                                        </p:tgtEl>
+                                        <p:attrNameLst>
+                                          <p:attrName>style.visibility</p:attrName>
+                                        </p:attrNameLst>
+                                      </p:cBhvr>
+                                      <p:to>
+                                        <p:strVal val="visible"/>
+                                      </p:to>
+                                    </p:set>
+                                    <p:animEffect transition="in" filter="box(in)">
+                                      <p:cBhvr>
+                                        <p:cTn id="16" dur="500"/>
+                                        <p:tgtEl>
+                                          <p:spTgt spid="3">
+                                            <p:txEl>
+                                              <p:pRg st="3" end="3"/>
+                                            </p:txEl>
+                                          </p:spTgt>
+                                        </p:tgtEl>
+                                      </p:cBhvr>
+                                    </p:animEffect>
+                                  </p:childTnLst>
+                                </p:cTn>
+                              </p:par>
+                            </p:childTnLst>
+                          </p:cTn>
+                        </p:par>
+                      </p:childTnLst>
+                    </p:cTn>
+                  </p:par>
+                  <p:par>
+                    <p:cTn id="17" fill="hold">
+                      <p:stCondLst>
+                        <p:cond delay="indefinite"/>
+                      </p:stCondLst>
+                      <p:childTnLst>
+                        <p:par>
+                          <p:cTn id="18" fill="hold">
+                            <p:stCondLst>
+                              <p:cond delay="0"/>
+                            </p:stCondLst>
+                            <p:childTnLst>
+                              <p:par>
+                                <p:cTn id="19" presetID="4" presetClass="entr" presetSubtype="16" fill="hold" nodeType="clickEffect">
+                                  <p:stCondLst>
+                                    <p:cond delay="0"/>
+                                  </p:stCondLst>
+                                  <p:childTnLst>
+                                    <p:set>
+                                      <p:cBhvr>
+                                        <p:cTn id="20" dur="1" fill="hold">
+                                          <p:stCondLst>
+                                            <p:cond delay="0"/>
+                                          </p:stCondLst>
+                                        </p:cTn>
+                                        <p:tgtEl>
+                                          <p:spTgt spid="3">
+                                            <p:txEl>
+                                              <p:pRg st="4" end="4"/>
+                                            </p:txEl>
+                                          </p:spTgt>
+                                        </p:tgtEl>
+                                        <p:attrNameLst>
+                                          <p:attrName>style.visibility</p:attrName>
+                                        </p:attrNameLst>
+                                      </p:cBhvr>
+                                      <p:to>
+                                        <p:strVal val="visible"/>
+                                      </p:to>
+                                    </p:set>
+                                    <p:animEffect transition="in" filter="box(in)">
+                                      <p:cBhvr>
+                                        <p:cTn id="21" dur="500"/>
+                                        <p:tgtEl>
+                                          <p:spTgt spid="3">
+                                            <p:txEl>
+                                              <p:pRg st="4" end="4"/>
+                                            </p:txEl>
+                                          </p:spTgt>
+                                        </p:tgtEl>
+                                      </p:cBhvr>
+                                    </p:animEffect>
+                                  </p:childTnLst>
+                                </p:cTn>
+                              </p:par>
+                            </p:childTnLst>
+                          </p:cTn>
+                        </p:par>
+                      </p:childTnLst>
+                    </p:cTn>
+                  </p:par>
+                </p:childTnLst>
+              </p:cTn>
+              <p:prevCondLst>
+                <p:cond evt="onPrev" delay="0">
+                  <p:tgtEl>
+                    <p:sldTgt/>
+                  </p:tgtEl>
+                </p:cond>
+              </p:prevCondLst>
+              <p:nextCondLst>
+                <p:cond evt="onNext" delay="0">
+                  <p:tgtEl>
+                    <p:sldTgt/>
+                  </p:tgtEl>
+                </p:cond>
+              </p:nextCondLst>
+            </p:seq>
+          </p:childTnLst>
+        </p:cTn>
+      </p:par>
+    </p:tnLst>
+  </p:timing>
+</p:sld>
+</file>
+
+<file path=ppt/slides/slide6.xml><?xml version="1.0" encoding="utf-8"?>
+<p:sld xmlns:a="http://schemas.openxmlformats.org/drawingml/2006/main" xmlns:r="http://schemas.openxmlformats.org/officeDocument/2006/relationships" xmlns:p="http://schemas.openxmlformats.org/presentationml/2006/main">
+  <p:cSld>
+    <p:spTree>
+      <p:nvGrpSpPr>
+        <p:cNvPr id="1" name=""/>
+        <p:cNvGrpSpPr/>
+        <p:nvPr/>
+      </p:nvGrpSpPr>
+      <p:grpSpPr>
+        <a:xfrm>
+          <a:off x="0" y="0"/>
+          <a:ext cx="0" cy="0"/>
+          <a:chOff x="0" y="0"/>
+          <a:chExt cx="0" cy="0"/>
+        </a:xfrm>
+      </p:grpSpPr>
+      <p:sp>
+        <p:nvSpPr>
+          <p:cNvPr id="2" name="Titel 1"/>
+          <p:cNvSpPr>
+            <a:spLocks noGrp="1"/>
+          </p:cNvSpPr>
+          <p:nvPr>
+            <p:ph type="title"/>
+          </p:nvPr>
+        </p:nvSpPr>
+        <p:spPr/>
+        <p:txBody>
+          <a:bodyPr/>
+          <a:lstStyle/>
+          <a:p>
+            <a:r>
+              <a:rPr lang="de-DE" dirty="0" err="1" smtClean="0"/>
+              <a:t>Related</a:t>
+            </a:r>
+            <a:r>
+              <a:rPr lang="de-DE" dirty="0" smtClean="0"/>
+              <a:t> Work</a:t>
+            </a:r>
+            <a:endParaRPr lang="de-DE" dirty="0"/>
+          </a:p>
+        </p:txBody>
+      </p:sp>
+      <p:sp>
+        <p:nvSpPr>
+          <p:cNvPr id="3" name="Datumsplatzhalter 2"/>
+          <p:cNvSpPr>
+            <a:spLocks noGrp="1"/>
+          </p:cNvSpPr>
+          <p:nvPr>
+            <p:ph type="dt" sz="half" idx="10"/>
+          </p:nvPr>
+        </p:nvSpPr>
+        <p:spPr/>
+        <p:txBody>
+          <a:bodyPr/>
+          <a:lstStyle/>
+          <a:p>
+            <a:r>
+              <a:rPr lang="de-DE" smtClean="0"/>
+              <a:t>Version 1.0.1   2010-05-09</a:t>
+            </a:r>
+            <a:endParaRPr lang="de-DE" dirty="0"/>
+          </a:p>
+        </p:txBody>
+      </p:sp>
+      <p:sp>
+        <p:nvSpPr>
+          <p:cNvPr id="4" name="Fußzeilenplatzhalter 3"/>
+          <p:cNvSpPr>
+            <a:spLocks noGrp="1"/>
+          </p:cNvSpPr>
+          <p:nvPr>
+            <p:ph type="ftr" sz="quarter" idx="11"/>
+          </p:nvPr>
+        </p:nvSpPr>
+        <p:spPr/>
+        <p:txBody>
+          <a:bodyPr/>
+          <a:lstStyle/>
+          <a:p>
+            <a:r>
+              <a:rPr lang="en-US" smtClean="0"/>
+              <a:t>Copyright © Joachim Faulhaber 2010  Distributed under the Boost Software License 1.0 </a:t>
+            </a:r>
+            <a:endParaRPr lang="de-DE" dirty="0"/>
+          </a:p>
+        </p:txBody>
+      </p:sp>
+      <p:sp>
+        <p:nvSpPr>
+          <p:cNvPr id="5" name="Foliennummernplatzhalter 4"/>
+          <p:cNvSpPr>
+            <a:spLocks noGrp="1"/>
+          </p:cNvSpPr>
+          <p:nvPr>
+            <p:ph type="sldNum" sz="quarter" idx="12"/>
+          </p:nvPr>
+        </p:nvSpPr>
+        <p:spPr/>
+        <p:txBody>
+          <a:bodyPr/>
+          <a:lstStyle/>
+          <a:p>
+            <a:fld id="{64D7082F-DA1E-4BA7-A6EE-6967ECEA7877}" type="slidenum">
+              <a:rPr lang="de-DE" smtClean="0"/>
+              <a:pPr/>
+              <a:t>6</a:t>
+            </a:fld>
+            <a:endParaRPr lang="de-DE"/>
+          </a:p>
+        </p:txBody>
+      </p:sp>
+      <p:sp>
+        <p:nvSpPr>
+          <p:cNvPr id="6" name="Inhaltsplatzhalter 5"/>
+          <p:cNvSpPr>
+            <a:spLocks noGrp="1"/>
+          </p:cNvSpPr>
+          <p:nvPr>
+            <p:ph sz="quarter" idx="1"/>
+          </p:nvPr>
+        </p:nvSpPr>
+        <p:spPr>
+          <a:xfrm>
+            <a:off x="301752" y="1527048"/>
+            <a:ext cx="8503920" cy="3330712"/>
+          </a:xfrm>
+        </p:spPr>
+        <p:txBody>
+          <a:bodyPr>
+            <a:normAutofit fontScale="92500" lnSpcReduction="20000"/>
+          </a:bodyPr>
+          <a:lstStyle/>
+          <a:p>
+            <a:pPr>
+              <a:buNone/>
+            </a:pPr>
+            <a:r>
+              <a:rPr lang="en-US" dirty="0" err="1" smtClean="0"/>
+              <a:t>Bagge</a:t>
+            </a:r>
+            <a:r>
+              <a:rPr lang="en-US" dirty="0" smtClean="0"/>
+              <a:t> &amp; </a:t>
+            </a:r>
+            <a:r>
+              <a:rPr lang="en-US" dirty="0" err="1" smtClean="0"/>
+              <a:t>Haveraaen</a:t>
+            </a:r>
+            <a:r>
+              <a:rPr lang="en-US" dirty="0" smtClean="0"/>
+              <a:t> (2008)</a:t>
+            </a:r>
+            <a:br>
+              <a:rPr lang="en-US" dirty="0" smtClean="0"/>
+            </a:br>
+            <a:r>
+              <a:rPr lang="en-US" dirty="0" smtClean="0">
+                <a:solidFill>
+                  <a:srgbClr val="0070C0"/>
+                </a:solidFill>
+              </a:rPr>
+              <a:t>Axiom Based</a:t>
+            </a:r>
+            <a:r>
+              <a:rPr lang="en-US" dirty="0" smtClean="0"/>
+              <a:t> Transformation:</a:t>
+            </a:r>
+            <a:br>
+              <a:rPr lang="en-US" dirty="0" smtClean="0"/>
+            </a:br>
+            <a:r>
+              <a:rPr lang="en-US" dirty="0" err="1" smtClean="0"/>
+              <a:t>Optimisation</a:t>
+            </a:r>
+            <a:r>
+              <a:rPr lang="en-US" dirty="0" smtClean="0"/>
+              <a:t> and </a:t>
+            </a:r>
+            <a:r>
+              <a:rPr lang="en-US" dirty="0" smtClean="0">
+                <a:solidFill>
+                  <a:srgbClr val="0070C0"/>
+                </a:solidFill>
+              </a:rPr>
+              <a:t>Testing</a:t>
+            </a:r>
+            <a:r>
+              <a:rPr lang="en-US" dirty="0" smtClean="0"/>
+              <a:t/>
+            </a:r>
+            <a:br>
+              <a:rPr lang="en-US" dirty="0" smtClean="0"/>
+            </a:br>
+            <a:r>
+              <a:rPr lang="en-US" dirty="0" smtClean="0"/>
+              <a:t/>
+            </a:r>
+            <a:br>
+              <a:rPr lang="en-US" dirty="0" smtClean="0"/>
+            </a:br>
+            <a:r>
+              <a:rPr lang="en-US" dirty="0" smtClean="0"/>
+              <a:t>"Using axioms as test oracles</a:t>
+            </a:r>
+            <a:r>
+              <a:rPr lang="en-US" baseline="30000" dirty="0" smtClean="0">
+                <a:solidFill>
+                  <a:srgbClr val="0070C0"/>
+                </a:solidFill>
+              </a:rPr>
+              <a:t>[2]</a:t>
+            </a:r>
+            <a:r>
+              <a:rPr lang="en-US" dirty="0" smtClean="0"/>
+              <a:t> is straight-forward – fill in test data for the free variables, and see if the axiom evaluates to true […]. It is a pity this kind of </a:t>
+            </a:r>
+            <a:r>
+              <a:rPr lang="en-US" dirty="0" smtClean="0">
+                <a:solidFill>
+                  <a:srgbClr val="0070C0"/>
+                </a:solidFill>
+              </a:rPr>
+              <a:t>specification-based testing</a:t>
+            </a:r>
+            <a:r>
+              <a:rPr lang="en-US" dirty="0" smtClean="0"/>
+              <a:t> isn’t made more apparent in the upcoming standard, as it </a:t>
+            </a:r>
+            <a:r>
+              <a:rPr lang="en-US" dirty="0" smtClean="0">
+                <a:solidFill>
+                  <a:schemeClr val="accent1">
+                    <a:lumMod val="75000"/>
+                  </a:schemeClr>
+                </a:solidFill>
+              </a:rPr>
+              <a:t>would be a good motivation for actually writing axioms</a:t>
+            </a:r>
+            <a:r>
+              <a:rPr lang="en-US" dirty="0" smtClean="0"/>
+              <a:t> in programs."</a:t>
+            </a:r>
+          </a:p>
+        </p:txBody>
+      </p:sp>
+      <p:sp>
+        <p:nvSpPr>
+          <p:cNvPr id="7" name="Textfeld 6"/>
+          <p:cNvSpPr txBox="1"/>
+          <p:nvPr/>
+        </p:nvSpPr>
+        <p:spPr>
+          <a:xfrm>
+            <a:off x="214282" y="5127981"/>
+            <a:ext cx="8286808" cy="1015663"/>
+          </a:xfrm>
+          <a:prstGeom prst="rect">
+            <a:avLst/>
+          </a:prstGeom>
+          <a:noFill/>
+        </p:spPr>
+        <p:txBody>
+          <a:bodyPr wrap="square" rtlCol="0">
+            <a:spAutoFit/>
+          </a:bodyPr>
+          <a:lstStyle/>
+          <a:p>
+            <a:pPr marL="360000" indent="-457200"/>
+            <a:r>
+              <a:rPr lang="de-DE" sz="2000" dirty="0" smtClean="0"/>
+              <a:t>[2] </a:t>
+            </a:r>
+            <a:r>
+              <a:rPr lang="de-DE" sz="2000" dirty="0" err="1" smtClean="0"/>
+              <a:t>Gannon</a:t>
+            </a:r>
+            <a:r>
+              <a:rPr lang="de-DE" sz="2000" dirty="0" smtClean="0"/>
+              <a:t>, J., P. </a:t>
+            </a:r>
+            <a:r>
+              <a:rPr lang="de-DE" sz="2000" dirty="0" err="1" smtClean="0"/>
+              <a:t>McMullin</a:t>
+            </a:r>
+            <a:r>
+              <a:rPr lang="de-DE" sz="2000" dirty="0" smtClean="0"/>
+              <a:t> </a:t>
+            </a:r>
+            <a:r>
+              <a:rPr lang="de-DE" sz="2000" dirty="0" err="1" smtClean="0"/>
+              <a:t>and</a:t>
+            </a:r>
+            <a:r>
+              <a:rPr lang="de-DE" sz="2000" dirty="0" smtClean="0"/>
+              <a:t> R. Hamlet, </a:t>
+            </a:r>
+            <a:r>
+              <a:rPr lang="de-DE" sz="2000" i="1" dirty="0" smtClean="0"/>
+              <a:t>Data </a:t>
+            </a:r>
+            <a:r>
+              <a:rPr lang="de-DE" sz="2000" i="1" dirty="0" err="1" smtClean="0"/>
+              <a:t>abstraction</a:t>
+            </a:r>
+            <a:r>
+              <a:rPr lang="de-DE" sz="2000" i="1" dirty="0" smtClean="0"/>
+              <a:t>, </a:t>
+            </a:r>
+            <a:r>
+              <a:rPr lang="de-DE" sz="2000" i="1" dirty="0" err="1" smtClean="0"/>
+              <a:t>implementation</a:t>
+            </a:r>
+            <a:r>
+              <a:rPr lang="de-DE" sz="2000" i="1" dirty="0" smtClean="0"/>
+              <a:t>, </a:t>
+            </a:r>
+            <a:r>
+              <a:rPr lang="en-US" sz="2000" i="1" dirty="0" smtClean="0"/>
+              <a:t>specification, and testing</a:t>
+            </a:r>
+            <a:r>
+              <a:rPr lang="en-US" sz="2000" dirty="0" smtClean="0"/>
+              <a:t>, ACM Trans. Program. Lang. Syst. 3 (1981), pp. 211–</a:t>
+            </a:r>
+            <a:r>
+              <a:rPr lang="de-DE" sz="2000" dirty="0" smtClean="0"/>
+              <a:t>223.</a:t>
+            </a:r>
+          </a:p>
+        </p:txBody>
+      </p:sp>
+    </p:spTree>
+  </p:cSld>
+  <p:clrMapOvr>
+    <a:masterClrMapping/>
+  </p:clrMapOvr>
+  <p:timing>
+    <p:tnLst>
+      <p:par>
+        <p:cTn id="1" dur="indefinite" restart="never" nodeType="tmRoot">
+          <p:childTnLst>
+            <p:seq concurrent="1" nextAc="seek">
+              <p:cTn id="2" dur="indefinite" nodeType="mainSeq">
+                <p:childTnLst>
+                  <p:par>
+                    <p:cTn id="3" fill="hold">
+                      <p:stCondLst>
+                        <p:cond delay="indefinite"/>
+                      </p:stCondLst>
+                      <p:childTnLst>
+                        <p:par>
+                          <p:cTn id="4" fill="hold">
+                            <p:stCondLst>
+                              <p:cond delay="0"/>
+                            </p:stCondLst>
+                            <p:childTnLst>
+                              <p:par>
+                                <p:cTn id="5" presetID="4" presetClass="entr" presetSubtype="16" fill="hold" grpId="0" nodeType="clickEffect">
+                                  <p:stCondLst>
+                                    <p:cond delay="0"/>
+                                  </p:stCondLst>
+                                  <p:childTnLst>
+                                    <p:set>
+                                      <p:cBhvr>
+                                        <p:cTn id="6" dur="1" fill="hold">
+                                          <p:stCondLst>
+                                            <p:cond delay="0"/>
+                                          </p:stCondLst>
+                                        </p:cTn>
+                                        <p:tgtEl>
+                                          <p:spTgt spid="6">
+                                            <p:txEl>
+                                              <p:pRg st="0" end="0"/>
+                                            </p:txEl>
+                                          </p:spTgt>
+                                        </p:tgtEl>
+                                        <p:attrNameLst>
+                                          <p:attrName>style.visibility</p:attrName>
+                                        </p:attrNameLst>
+                                      </p:cBhvr>
+                                      <p:to>
+                                        <p:strVal val="visible"/>
+                                      </p:to>
+                                    </p:set>
+                                    <p:animEffect transition="in" filter="box(in)">
+                                      <p:cBhvr>
+                                        <p:cTn id="7" dur="500"/>
+                                        <p:tgtEl>
+                                          <p:spTgt spid="6">
+                                            <p:txEl>
+                                              <p:pRg st="0" end="0"/>
+                                            </p:txEl>
+                                          </p:spTgt>
+                                        </p:tgtEl>
+                                      </p:cBhvr>
+                                    </p:animEffect>
+                                  </p:childTnLst>
+                                </p:cTn>
+                              </p:par>
+                            </p:childTnLst>
+                          </p:cTn>
+                        </p:par>
+                      </p:childTnLst>
+                    </p:cTn>
+                  </p:par>
+                  <p:par>
+                    <p:cTn id="8" fill="hold">
+                      <p:stCondLst>
+                        <p:cond delay="indefinite"/>
+                      </p:stCondLst>
+                      <p:childTnLst>
+                        <p:par>
+                          <p:cTn id="9" fill="hold">
+                            <p:stCondLst>
+                              <p:cond delay="0"/>
+                            </p:stCondLst>
+                            <p:childTnLst>
+                              <p:par>
+                                <p:cTn id="10" presetID="4" presetClass="entr" presetSubtype="16" fill="hold" grpId="0" nodeType="clickEffect">
+                                  <p:stCondLst>
+                                    <p:cond delay="0"/>
+                                  </p:stCondLst>
+                                  <p:childTnLst>
+                                    <p:set>
+                                      <p:cBhvr>
+                                        <p:cTn id="11" dur="1" fill="hold">
+                                          <p:stCondLst>
+                                            <p:cond delay="0"/>
+                                          </p:stCondLst>
+                                        </p:cTn>
+                                        <p:tgtEl>
+                                          <p:spTgt spid="7"/>
+                                        </p:tgtEl>
+                                        <p:attrNameLst>
+                                          <p:attrName>style.visibility</p:attrName>
+                                        </p:attrNameLst>
+                                      </p:cBhvr>
+                                      <p:to>
+                                        <p:strVal val="visible"/>
+                                      </p:to>
+                                    </p:set>
+                                    <p:animEffect transition="in" filter="box(in)">
+                                      <p:cBhvr>
+                                        <p:cTn id="12" dur="500"/>
+                                        <p:tgtEl>
+                                          <p:spTgt spid="7"/>
+                                        </p:tgtEl>
+                                      </p:cBhvr>
+                                    </p:animEffect>
+                                  </p:childTnLst>
+                                </p:cTn>
+                              </p:par>
+                            </p:childTnLst>
+                          </p:cTn>
+                        </p:par>
+                      </p:childTnLst>
+                    </p:cTn>
+                  </p:par>
+                </p:childTnLst>
+              </p:cTn>
+              <p:prevCondLst>
+                <p:cond evt="onPrev" delay="0">
+                  <p:tgtEl>
+                    <p:sldTgt/>
+                  </p:tgtEl>
+                </p:cond>
+              </p:prevCondLst>
+              <p:nextCondLst>
+                <p:cond evt="onNext" delay="0">
+                  <p:tgtEl>
+                    <p:sldTgt/>
+                  </p:tgtEl>
+                </p:cond>
+              </p:nextCondLst>
+            </p:seq>
+          </p:childTnLst>
+        </p:cTn>
+      </p:par>
+    </p:tnLst>
+    <p:bldLst>
+      <p:bldP spid="6" grpId="0" build="p"/>
+      <p:bldP spid="7" grpId="0"/>
+    </p:bldLst>
+  </p:timing>
+</p:sld>
+</file>
+
+<file path=ppt/slides/slide7.xml><?xml version="1.0" encoding="utf-8"?>
+<p:sld xmlns:a="http://schemas.openxmlformats.org/drawingml/2006/main" xmlns:r="http://schemas.openxmlformats.org/officeDocument/2006/relationships" xmlns:p="http://schemas.openxmlformats.org/presentationml/2006/main">
+  <p:cSld>
+    <p:spTree>
+      <p:nvGrpSpPr>
+        <p:cNvPr id="1" name=""/>
+        <p:cNvGrpSpPr/>
+        <p:nvPr/>
+      </p:nvGrpSpPr>
+      <p:grpSpPr>
+        <a:xfrm>
+          <a:off x="0" y="0"/>
+          <a:ext cx="0" cy="0"/>
+          <a:chOff x="0" y="0"/>
+          <a:chExt cx="0" cy="0"/>
+        </a:xfrm>
+      </p:grpSpPr>
+      <p:sp>
+        <p:nvSpPr>
+          <p:cNvPr id="2" name="Titel 1"/>
+          <p:cNvSpPr>
+            <a:spLocks noGrp="1"/>
+          </p:cNvSpPr>
+          <p:nvPr>
+            <p:ph type="title"/>
+          </p:nvPr>
+        </p:nvSpPr>
+        <p:spPr/>
+        <p:txBody>
+          <a:bodyPr/>
+          <a:lstStyle/>
+          <a:p>
+            <a:r>
+              <a:rPr lang="en-US" dirty="0" smtClean="0"/>
+              <a:t>A Tool Whose Time Has Come</a:t>
+            </a:r>
+            <a:endParaRPr lang="en-US" dirty="0"/>
+          </a:p>
+        </p:txBody>
+      </p:sp>
+      <p:sp>
+        <p:nvSpPr>
+          <p:cNvPr id="3" name="Datumsplatzhalter 2"/>
+          <p:cNvSpPr>
+            <a:spLocks noGrp="1"/>
+          </p:cNvSpPr>
+          <p:nvPr>
+            <p:ph type="dt" sz="half" idx="10"/>
+          </p:nvPr>
+        </p:nvSpPr>
+        <p:spPr/>
+        <p:txBody>
+          <a:bodyPr/>
+          <a:lstStyle/>
+          <a:p>
+            <a:r>
+              <a:rPr lang="de-DE" smtClean="0"/>
+              <a:t>Version 1.0.1   2010-05-09</a:t>
+            </a:r>
+            <a:endParaRPr lang="de-DE" dirty="0"/>
+          </a:p>
+        </p:txBody>
+      </p:sp>
+      <p:sp>
+        <p:nvSpPr>
+          <p:cNvPr id="4" name="Fußzeilenplatzhalter 3"/>
+          <p:cNvSpPr>
+            <a:spLocks noGrp="1"/>
+          </p:cNvSpPr>
+          <p:nvPr>
+            <p:ph type="ftr" sz="quarter" idx="11"/>
+          </p:nvPr>
+        </p:nvSpPr>
+        <p:spPr/>
+        <p:txBody>
+          <a:bodyPr/>
+          <a:lstStyle/>
+          <a:p>
+            <a:r>
+              <a:rPr lang="en-US" smtClean="0"/>
+              <a:t>Copyright © Joachim Faulhaber 2010  Distributed under the Boost Software License 1.0 </a:t>
+            </a:r>
+            <a:endParaRPr lang="de-DE" dirty="0"/>
+          </a:p>
+        </p:txBody>
+      </p:sp>
+      <p:sp>
+        <p:nvSpPr>
+          <p:cNvPr id="5" name="Foliennummernplatzhalter 4"/>
+          <p:cNvSpPr>
+            <a:spLocks noGrp="1"/>
+          </p:cNvSpPr>
+          <p:nvPr>
+            <p:ph type="sldNum" sz="quarter" idx="12"/>
+          </p:nvPr>
+        </p:nvSpPr>
+        <p:spPr/>
+        <p:txBody>
+          <a:bodyPr/>
+          <a:lstStyle/>
+          <a:p>
+            <a:fld id="{64D7082F-DA1E-4BA7-A6EE-6967ECEA7877}" type="slidenum">
+              <a:rPr lang="de-DE" smtClean="0"/>
+              <a:pPr/>
+              <a:t>7</a:t>
+            </a:fld>
+            <a:endParaRPr lang="de-DE"/>
+          </a:p>
+        </p:txBody>
+      </p:sp>
+      <p:sp>
+        <p:nvSpPr>
+          <p:cNvPr id="6" name="Inhaltsplatzhalter 5"/>
+          <p:cNvSpPr>
+            <a:spLocks noGrp="1"/>
+          </p:cNvSpPr>
+          <p:nvPr>
+            <p:ph sz="quarter" idx="1"/>
+          </p:nvPr>
+        </p:nvSpPr>
+        <p:spPr/>
+        <p:txBody>
+          <a:bodyPr anchor="ctr">
+            <a:normAutofit/>
+          </a:bodyPr>
+          <a:lstStyle/>
+          <a:p>
+            <a:r>
+              <a:rPr lang="en-US" sz="2800" dirty="0" err="1" smtClean="0"/>
+              <a:t>Claessen</a:t>
+            </a:r>
+            <a:r>
+              <a:rPr lang="en-US" sz="2800" dirty="0" smtClean="0"/>
+              <a:t> </a:t>
+            </a:r>
+            <a:r>
+              <a:rPr lang="en-US" sz="2800" dirty="0" smtClean="0"/>
+              <a:t> and Hughes </a:t>
+            </a:r>
+            <a:r>
+              <a:rPr lang="de-DE" sz="2800" dirty="0" smtClean="0"/>
+              <a:t>(2000) </a:t>
+            </a:r>
+            <a:r>
+              <a:rPr lang="en-US" sz="2600" dirty="0" smtClean="0">
+                <a:hlinkClick r:id="rId2"/>
+              </a:rPr>
+              <a:t/>
+            </a:r>
+            <a:br>
+              <a:rPr lang="en-US" sz="2600" dirty="0" smtClean="0">
+                <a:hlinkClick r:id="rId2"/>
+              </a:rPr>
+            </a:br>
+            <a:r>
+              <a:rPr lang="en-US" sz="2600" dirty="0" err="1" smtClean="0">
+                <a:hlinkClick r:id="rId2"/>
+              </a:rPr>
+              <a:t>QuickCheck</a:t>
+            </a:r>
+            <a:r>
+              <a:rPr lang="en-US" sz="2600" dirty="0" smtClean="0"/>
+              <a:t> </a:t>
+            </a:r>
+            <a:r>
+              <a:rPr lang="en-US" sz="2600" dirty="0" smtClean="0"/>
+              <a:t>for Haskell </a:t>
+            </a:r>
+            <a:r>
+              <a:rPr lang="en-US" sz="2600" dirty="0" smtClean="0"/>
+              <a:t>[1] </a:t>
+            </a:r>
+            <a:r>
+              <a:rPr lang="en-US" sz="2600" dirty="0" smtClean="0"/>
+              <a:t>…</a:t>
+            </a:r>
+            <a:br>
+              <a:rPr lang="en-US" sz="2600" dirty="0" smtClean="0"/>
+            </a:br>
+            <a:endParaRPr lang="en-US" sz="2600" dirty="0" smtClean="0"/>
+          </a:p>
+          <a:p>
+            <a:r>
+              <a:rPr lang="en-US" sz="2600" dirty="0" smtClean="0"/>
+              <a:t>has been re-implemented for many </a:t>
+            </a:r>
+            <a:r>
+              <a:rPr lang="en-US" sz="2600" dirty="0" smtClean="0">
+                <a:solidFill>
+                  <a:srgbClr val="0070C0"/>
+                </a:solidFill>
+              </a:rPr>
+              <a:t>functional languages</a:t>
+            </a:r>
+            <a:r>
+              <a:rPr lang="en-US" sz="2600" dirty="0" smtClean="0"/>
+              <a:t>, among them </a:t>
+            </a:r>
+            <a:r>
+              <a:rPr lang="en-US" sz="2600" dirty="0" err="1" smtClean="0"/>
+              <a:t>Erlang</a:t>
+            </a:r>
+            <a:r>
+              <a:rPr lang="en-US" sz="2600" dirty="0" smtClean="0"/>
+              <a:t>, Scheme, ML but also for object-oriented ones like Java and recently</a:t>
+            </a:r>
+            <a:br>
+              <a:rPr lang="en-US" sz="2600" dirty="0" smtClean="0"/>
+            </a:br>
+            <a:endParaRPr lang="en-US" sz="2600" dirty="0" smtClean="0"/>
+          </a:p>
+          <a:p>
+            <a:r>
+              <a:rPr lang="en-US" sz="2600" dirty="0" smtClean="0"/>
+              <a:t>… for C++ as </a:t>
+            </a:r>
+            <a:r>
+              <a:rPr lang="en-US" sz="2600" dirty="0" err="1" smtClean="0">
+                <a:hlinkClick r:id="rId3"/>
+              </a:rPr>
+              <a:t>QuickCheck</a:t>
+            </a:r>
+            <a:r>
+              <a:rPr lang="en-US" sz="2600" dirty="0" smtClean="0">
+                <a:hlinkClick r:id="rId3"/>
+              </a:rPr>
+              <a:t>++</a:t>
+            </a:r>
+            <a:r>
+              <a:rPr lang="en-US" sz="2600" dirty="0" smtClean="0"/>
+              <a:t> </a:t>
+            </a:r>
+          </a:p>
+        </p:txBody>
+      </p:sp>
+    </p:spTree>
+  </p:cSld>
+  <p:clrMapOvr>
+    <a:masterClrMapping/>
+  </p:clrMapOvr>
+  <p:timing>
+    <p:tnLst>
+      <p:par>
+        <p:cTn id="1" dur="indefinite" restart="never" nodeType="tmRoot"/>
+      </p:par>
+    </p:tnLst>
   </p:timing>
 </p:sld>
 </file>
@@ -45911,7 +44581,7 @@
                             </p:stCondLst>
                             <p:childTnLst>
                               <p:par>
-                                <p:cTn id="5" presetID="4" presetClass="entr" presetSubtype="16" fill="hold" grpId="0" nodeType="clickEffect">
+                                <p:cTn id="5" presetID="4" presetClass="entr" presetSubtype="16" fill="hold" nodeType="clickEffect">
                                   <p:stCondLst>
                                     <p:cond delay="0"/>
                                   </p:stCondLst>
@@ -45953,33 +44623,15 @@
                                   </p:childTnLst>
                                 </p:cTn>
                               </p:par>
-                            </p:childTnLst>
-                          </p:cTn>
-                        </p:par>
-                      </p:childTnLst>
-                    </p:cTn>
-                  </p:par>
-                  <p:par>
-                    <p:cTn id="8" fill="hold">
-                      <p:stCondLst>
-                        <p:cond delay="indefinite"/>
-                      </p:stCondLst>
-                      <p:childTnLst>
-                        <p:par>
-                          <p:cTn id="9" fill="hold">
-                            <p:stCondLst>
-                              <p:cond delay="0"/>
-                            </p:stCondLst>
-                            <p:childTnLst>
                               <p:par>
-                                <p:cTn id="10" presetID="4" presetClass="entr" presetSubtype="16" fill="hold" grpId="0" nodeType="clickEffect">
+                                <p:cTn id="8" presetID="4" presetClass="entr" presetSubtype="16" fill="hold" nodeType="withEffect">
                                   <p:stCondLst>
                                     <p:cond delay="0"/>
                                   </p:stCondLst>
                                   <p:childTnLst>
                                     <p:set>
                                       <p:cBhvr>
-                                        <p:cTn id="11" dur="1" fill="hold">
+                                        <p:cTn id="9" dur="1" fill="hold">
                                           <p:stCondLst>
                                             <p:cond delay="0"/>
                                           </p:stCondLst>
@@ -46001,7 +44653,7 @@
                                     </p:set>
                                     <p:animEffect transition="in" filter="box(in)">
                                       <p:cBhvr>
-                                        <p:cTn id="12" dur="500"/>
+                                        <p:cTn id="10" dur="500"/>
                                         <p:tgtEl>
                                           <p:spTgt spid="3">
                                             <p:txEl>
@@ -46014,33 +44666,15 @@
                                   </p:childTnLst>
                                 </p:cTn>
                               </p:par>
-                            </p:childTnLst>
-                          </p:cTn>
-                        </p:par>
-                      </p:childTnLst>
-                    </p:cTn>
-                  </p:par>
-                  <p:par>
-                    <p:cTn id="13" fill="hold">
-                      <p:stCondLst>
-                        <p:cond delay="indefinite"/>
-                      </p:stCondLst>
-                      <p:childTnLst>
-                        <p:par>
-                          <p:cTn id="14" fill="hold">
-                            <p:stCondLst>
-                              <p:cond delay="0"/>
-                            </p:stCondLst>
-                            <p:childTnLst>
                               <p:par>
-                                <p:cTn id="15" presetID="4" presetClass="entr" presetSubtype="16" fill="hold" grpId="0" nodeType="clickEffect">
+                                <p:cTn id="11" presetID="4" presetClass="entr" presetSubtype="16" fill="hold" nodeType="withEffect">
                                   <p:stCondLst>
                                     <p:cond delay="0"/>
                                   </p:stCondLst>
                                   <p:childTnLst>
                                     <p:set>
                                       <p:cBhvr>
-                                        <p:cTn id="16" dur="1" fill="hold">
+                                        <p:cTn id="12" dur="1" fill="hold">
                                           <p:stCondLst>
                                             <p:cond delay="0"/>
                                           </p:stCondLst>
@@ -46062,7 +44696,7 @@
                                     </p:set>
                                     <p:animEffect transition="in" filter="box(in)">
                                       <p:cBhvr>
-                                        <p:cTn id="17" dur="500"/>
+                                        <p:cTn id="13" dur="500"/>
                                         <p:tgtEl>
                                           <p:spTgt spid="3">
                                             <p:txEl>
@@ -46082,26 +44716,26 @@
                     </p:cTn>
                   </p:par>
                   <p:par>
-                    <p:cTn id="18" fill="hold">
+                    <p:cTn id="14" fill="hold">
                       <p:stCondLst>
                         <p:cond delay="indefinite"/>
                       </p:stCondLst>
                       <p:childTnLst>
                         <p:par>
-                          <p:cTn id="19" fill="hold">
+                          <p:cTn id="15" fill="hold">
                             <p:stCondLst>
                               <p:cond delay="0"/>
                             </p:stCondLst>
                             <p:childTnLst>
                               <p:par>
-                                <p:cTn id="20" presetID="4" presetClass="entr" presetSubtype="16" fill="hold" grpId="0" nodeType="clickEffect">
+                                <p:cTn id="16" presetID="4" presetClass="entr" presetSubtype="16" fill="hold" nodeType="clickEffect">
                                   <p:stCondLst>
                                     <p:cond delay="0"/>
                                   </p:stCondLst>
                                   <p:childTnLst>
                                     <p:set>
                                       <p:cBhvr>
-                                        <p:cTn id="21" dur="1" fill="hold">
+                                        <p:cTn id="17" dur="1" fill="hold">
                                           <p:stCondLst>
                                             <p:cond delay="0"/>
                                           </p:stCondLst>
@@ -46123,7 +44757,7 @@
                                     </p:set>
                                     <p:animEffect transition="in" filter="box(in)">
                                       <p:cBhvr>
-                                        <p:cTn id="22" dur="500"/>
+                                        <p:cTn id="18" dur="500"/>
                                         <p:tgtEl>
                                           <p:spTgt spid="3">
                                             <p:txEl>
@@ -46143,26 +44777,26 @@
                     </p:cTn>
                   </p:par>
                   <p:par>
-                    <p:cTn id="23" fill="hold">
+                    <p:cTn id="19" fill="hold">
                       <p:stCondLst>
                         <p:cond delay="indefinite"/>
                       </p:stCondLst>
                       <p:childTnLst>
                         <p:par>
-                          <p:cTn id="24" fill="hold">
+                          <p:cTn id="20" fill="hold">
                             <p:stCondLst>
                               <p:cond delay="0"/>
                             </p:stCondLst>
                             <p:childTnLst>
                               <p:par>
-                                <p:cTn id="25" presetID="3" presetClass="entr" presetSubtype="10" fill="hold" nodeType="clickEffect">
+                                <p:cTn id="21" presetID="3" presetClass="entr" presetSubtype="10" fill="hold" nodeType="clickEffect">
                                   <p:stCondLst>
                                     <p:cond delay="0"/>
                                   </p:stCondLst>
                                   <p:childTnLst>
                                     <p:set>
                                       <p:cBhvr>
-                                        <p:cTn id="26" dur="1" fill="hold">
+                                        <p:cTn id="22" dur="1" fill="hold">
                                           <p:stCondLst>
                                             <p:cond delay="0"/>
                                           </p:stCondLst>
@@ -46180,7 +44814,7 @@
                                     </p:set>
                                     <p:animEffect transition="in" filter="blinds(horizontal)">
                                       <p:cBhvr>
-                                        <p:cTn id="27" dur="500"/>
+                                        <p:cTn id="23" dur="500"/>
                                         <p:tgtEl>
                                           <p:spTgt spid="11"/>
                                         </p:tgtEl>
@@ -46196,26 +44830,26 @@
                     </p:cTn>
                   </p:par>
                   <p:par>
-                    <p:cTn id="28" fill="hold">
+                    <p:cTn id="24" fill="hold">
                       <p:stCondLst>
                         <p:cond delay="indefinite"/>
                       </p:stCondLst>
                       <p:childTnLst>
                         <p:par>
-                          <p:cTn id="29" fill="hold">
+                          <p:cTn id="25" fill="hold">
                             <p:stCondLst>
                               <p:cond delay="0"/>
                             </p:stCondLst>
                             <p:childTnLst>
                               <p:par>
-                                <p:cTn id="30" presetID="4" presetClass="entr" presetSubtype="16" fill="hold" grpId="0" nodeType="clickEffect">
+                                <p:cTn id="26" presetID="4" presetClass="entr" presetSubtype="16" fill="hold" nodeType="clickEffect">
                                   <p:stCondLst>
                                     <p:cond delay="0"/>
                                   </p:stCondLst>
                                   <p:childTnLst>
                                     <p:set>
                                       <p:cBhvr>
-                                        <p:cTn id="31" dur="1" fill="hold">
+                                        <p:cTn id="27" dur="1" fill="hold">
                                           <p:stCondLst>
                                             <p:cond delay="0"/>
                                           </p:stCondLst>
@@ -46237,7 +44871,7 @@
                                     </p:set>
                                     <p:animEffect transition="in" filter="box(in)">
                                       <p:cBhvr>
-                                        <p:cTn id="32" dur="500"/>
+                                        <p:cTn id="28" dur="500"/>
                                         <p:tgtEl>
                                           <p:spTgt spid="3">
                                             <p:txEl>
@@ -46277,9 +44911,6 @@
         </p:cTn>
       </p:par>
     </p:tnLst>
-    <p:bldLst>
-      <p:bldP spid="3" grpId="0" uiExpand="1" build="p"/>
-    </p:bldLst>
   </p:timing>
 </p:sld>
 </file>

--- a/itl/libs/validate/doc/boostcon2010/BoostAlabaster.pptx
+++ b/itl/libs/validate/doc/boostcon2010/BoostAlabaster.pptx
@@ -39036,9 +39036,36 @@
           </a:bodyPr>
           <a:lstStyle/>
           <a:p>
+            <a:pPr algn="ctr">
+              <a:buNone/>
+            </a:pPr>
             <a:r>
               <a:rPr lang="en-US" sz="2800" dirty="0" smtClean="0"/>
-              <a:t>A remedy for the review manager starvation.</a:t>
+              <a:t>A Remedy for </a:t>
+            </a:r>
+            <a:r>
+              <a:rPr lang="en-US" sz="2800" smtClean="0"/>
+              <a:t>the Review </a:t>
+            </a:r>
+            <a:r>
+              <a:rPr lang="en-US" sz="2800" smtClean="0"/>
+              <a:t>M</a:t>
+            </a:r>
+            <a:r>
+              <a:rPr lang="en-US" sz="2800" smtClean="0"/>
+              <a:t>anager </a:t>
+            </a:r>
+            <a:r>
+              <a:rPr lang="en-US" sz="2800" dirty="0" smtClean="0"/>
+              <a:t>S</a:t>
+            </a:r>
+            <a:r>
+              <a:rPr lang="en-US" sz="2800" smtClean="0"/>
+              <a:t>tarvation</a:t>
+            </a:r>
+            <a:r>
+              <a:rPr lang="en-US" sz="2800" dirty="0" smtClean="0"/>
+              <a:t>.</a:t>
             </a:r>
             <a:endParaRPr lang="en-US" sz="2800" dirty="0"/>
           </a:p>
@@ -39809,7 +39836,19 @@
           <a:p>
             <a:r>
               <a:rPr lang="en-US" sz="2800" dirty="0" smtClean="0"/>
-              <a:t>A desire to get the approval of experts</a:t>
+              <a:t>A desire to get the </a:t>
+            </a:r>
+            <a:r>
+              <a:rPr lang="en-US" sz="2800" dirty="0" smtClean="0">
+                <a:solidFill>
+                  <a:srgbClr val="0070C0"/>
+                </a:solidFill>
+              </a:rPr>
+              <a:t>approval</a:t>
+            </a:r>
+            <a:r>
+              <a:rPr lang="en-US" sz="2800" dirty="0" smtClean="0"/>
+              <a:t> of experts</a:t>
             </a:r>
           </a:p>
           <a:p>
@@ -40910,13 +40949,8 @@
             </a:r>
             <a:r>
               <a:rPr lang="en-US" sz="2800" dirty="0" smtClean="0"/>
-              <a:t>oes all the work that is necessary to check a library submission, organize the process, moderate and file a </a:t>
-            </a:r>
-            <a:r>
-              <a:rPr lang="en-US" sz="2800" smtClean="0"/>
-              <a:t>final report.</a:t>
-            </a:r>
-            <a:endParaRPr lang="en-US" sz="2800" dirty="0" smtClean="0"/>
+              <a:t>oes all the work that is necessary to check a library submission, organize the process, moderate and file a final report.</a:t>
+            </a:r>
           </a:p>
           <a:p>
             <a:r>

--- a/itl/libs/validate/doc/boostcon2010/BoostAlabaster.pptx
+++ b/itl/libs/validate/doc/boostcon2010/BoostAlabaster.pptx
@@ -5,7 +5,7 @@
     <p:sldMasterId id="2147483864" r:id="rId1"/>
   </p:sldMasterIdLst>
   <p:notesMasterIdLst>
-    <p:notesMasterId r:id="rId46"/>
+    <p:notesMasterId r:id="rId40"/>
   </p:notesMasterIdLst>
   <p:sldIdLst>
     <p:sldId id="256" r:id="rId2"/>
@@ -46,12 +46,6 @@
     <p:sldId id="302" r:id="rId37"/>
     <p:sldId id="281" r:id="rId38"/>
     <p:sldId id="307" r:id="rId39"/>
-    <p:sldId id="309" r:id="rId40"/>
-    <p:sldId id="311" r:id="rId41"/>
-    <p:sldId id="312" r:id="rId42"/>
-    <p:sldId id="313" r:id="rId43"/>
-    <p:sldId id="314" r:id="rId44"/>
-    <p:sldId id="315" r:id="rId45"/>
   </p:sldIdLst>
   <p:sldSz cx="9144000" cy="6858000" type="screen4x3"/>
   <p:notesSz cx="6858000" cy="9144000"/>
@@ -185,7 +179,7 @@
         <c:manualLayout>
           <c:xMode val="edge"/>
           <c:yMode val="edge"/>
-          <c:x val="0.37602229865024372"/>
+          <c:x val="0.37602229865024395"/>
           <c:y val="2.9411764705882356E-2"/>
         </c:manualLayout>
       </c:layout>
@@ -202,10 +196,10 @@
           <c:layoutTarget val="inner"/>
           <c:xMode val="edge"/>
           <c:yMode val="edge"/>
-          <c:x val="0.19618554712186528"/>
-          <c:y val="0.14075630252100962"/>
-          <c:w val="0.735695801706995"/>
-          <c:h val="0.67016806722689526"/>
+          <c:x val="0.19618554712186531"/>
+          <c:y val="0.14075630252100974"/>
+          <c:w val="0.73569580170699522"/>
+          <c:h val="0.6701680672268957"/>
         </c:manualLayout>
       </c:layout>
       <c:scatterChart>
@@ -418,11 +412,11 @@
             </c:numRef>
           </c:yVal>
         </c:ser>
-        <c:axId val="70259456"/>
-        <c:axId val="70261760"/>
+        <c:axId val="81684736"/>
+        <c:axId val="81703680"/>
       </c:scatterChart>
       <c:valAx>
-        <c:axId val="70259456"/>
+        <c:axId val="81684736"/>
         <c:scaling>
           <c:orientation val="minMax"/>
           <c:max val="212"/>
@@ -457,7 +451,7 @@
               <c:xMode val="edge"/>
               <c:yMode val="edge"/>
               <c:x val="0.45504147735210182"/>
-              <c:y val="0.86764705882353677"/>
+              <c:y val="0.86764705882353721"/>
             </c:manualLayout>
           </c:layout>
           <c:spPr>
@@ -494,12 +488,12 @@
             <a:endParaRPr lang="de-DE"/>
           </a:p>
         </c:txPr>
-        <c:crossAx val="70261760"/>
+        <c:crossAx val="81703680"/>
         <c:crosses val="autoZero"/>
         <c:crossBetween val="midCat"/>
       </c:valAx>
       <c:valAx>
-        <c:axId val="70261760"/>
+        <c:axId val="81703680"/>
         <c:scaling>
           <c:orientation val="minMax"/>
           <c:max val="1000"/>
@@ -542,7 +536,7 @@
             <c:manualLayout>
               <c:xMode val="edge"/>
               <c:yMode val="edge"/>
-              <c:x val="4.3596788249303693E-2"/>
+              <c:x val="4.3596788249303728E-2"/>
               <c:y val="0.36344537815126082"/>
             </c:manualLayout>
           </c:layout>
@@ -580,7 +574,7 @@
             <a:endParaRPr lang="de-DE"/>
           </a:p>
         </c:txPr>
-        <c:crossAx val="70259456"/>
+        <c:crossAx val="81684736"/>
         <c:crosses val="autoZero"/>
         <c:crossBetween val="midCat"/>
       </c:valAx>
@@ -602,9 +596,9 @@
         <c:manualLayout>
           <c:xMode val="edge"/>
           <c:yMode val="edge"/>
-          <c:x val="0.34059990819768415"/>
-          <c:y val="0.93907563025210594"/>
-          <c:w val="0.44414228028977887"/>
+          <c:x val="0.34059990819768432"/>
+          <c:y val="0.93907563025210616"/>
+          <c:w val="0.44414228028977892"/>
           <c:h val="4.6218487394957986E-2"/>
         </c:manualLayout>
       </c:layout>
@@ -755,7 +749,7 @@
             <a:fld id="{088D250B-52E3-4D95-ABAE-0AF8D4EEA5C1}" type="datetimeFigureOut">
               <a:rPr lang="de-DE" smtClean="0"/>
               <a:pPr/>
-              <a:t>11.05.2010</a:t>
+              <a:t>12.05.2010</a:t>
             </a:fld>
             <a:endParaRPr lang="en-US"/>
           </a:p>
@@ -17529,326 +17523,9 @@
   <p:timing>
     <p:tnLst>
       <p:par>
-        <p:cTn id="1" dur="indefinite" restart="never" nodeType="tmRoot">
-          <p:childTnLst>
-            <p:seq concurrent="1" nextAc="seek">
-              <p:cTn id="2" dur="indefinite" nodeType="mainSeq">
-                <p:childTnLst>
-                  <p:par>
-                    <p:cTn id="3" fill="hold">
-                      <p:stCondLst>
-                        <p:cond delay="indefinite"/>
-                      </p:stCondLst>
-                      <p:childTnLst>
-                        <p:par>
-                          <p:cTn id="4" fill="hold">
-                            <p:stCondLst>
-                              <p:cond delay="0"/>
-                            </p:stCondLst>
-                            <p:childTnLst>
-                              <p:par>
-                                <p:cTn id="5" presetID="4" presetClass="entr" presetSubtype="16" fill="hold" grpId="0" nodeType="clickEffect">
-                                  <p:stCondLst>
-                                    <p:cond delay="0"/>
-                                  </p:stCondLst>
-                                  <p:childTnLst>
-                                    <p:set>
-                                      <p:cBhvr>
-                                        <p:cTn id="6" dur="1" fill="hold">
-                                          <p:stCondLst>
-                                            <p:cond delay="0"/>
-                                          </p:stCondLst>
-                                        </p:cTn>
-                                        <p:tgtEl>
-                                          <p:spTgt spid="3">
-                                            <p:txEl>
-                                              <p:pRg st="0" end="0"/>
-                                            </p:txEl>
-                                          </p:spTgt>
-                                        </p:tgtEl>
-                                        <p:attrNameLst>
-                                          <p:attrName>style.visibility</p:attrName>
-                                        </p:attrNameLst>
-                                      </p:cBhvr>
-                                      <p:to>
-                                        <p:strVal val="visible"/>
-                                      </p:to>
-                                    </p:set>
-                                    <p:animEffect transition="in" filter="box(in)">
-                                      <p:cBhvr>
-                                        <p:cTn id="7" dur="500"/>
-                                        <p:tgtEl>
-                                          <p:spTgt spid="3">
-                                            <p:txEl>
-                                              <p:pRg st="0" end="0"/>
-                                            </p:txEl>
-                                          </p:spTgt>
-                                        </p:tgtEl>
-                                      </p:cBhvr>
-                                    </p:animEffect>
-                                  </p:childTnLst>
-                                </p:cTn>
-                              </p:par>
-                            </p:childTnLst>
-                          </p:cTn>
-                        </p:par>
-                      </p:childTnLst>
-                    </p:cTn>
-                  </p:par>
-                  <p:par>
-                    <p:cTn id="8" fill="hold">
-                      <p:stCondLst>
-                        <p:cond delay="indefinite"/>
-                      </p:stCondLst>
-                      <p:childTnLst>
-                        <p:par>
-                          <p:cTn id="9" fill="hold">
-                            <p:stCondLst>
-                              <p:cond delay="0"/>
-                            </p:stCondLst>
-                            <p:childTnLst>
-                              <p:par>
-                                <p:cTn id="10" presetID="4" presetClass="entr" presetSubtype="16" fill="hold" grpId="0" nodeType="clickEffect">
-                                  <p:stCondLst>
-                                    <p:cond delay="0"/>
-                                  </p:stCondLst>
-                                  <p:childTnLst>
-                                    <p:set>
-                                      <p:cBhvr>
-                                        <p:cTn id="11" dur="1" fill="hold">
-                                          <p:stCondLst>
-                                            <p:cond delay="0"/>
-                                          </p:stCondLst>
-                                        </p:cTn>
-                                        <p:tgtEl>
-                                          <p:spTgt spid="3">
-                                            <p:txEl>
-                                              <p:pRg st="1" end="1"/>
-                                            </p:txEl>
-                                          </p:spTgt>
-                                        </p:tgtEl>
-                                        <p:attrNameLst>
-                                          <p:attrName>style.visibility</p:attrName>
-                                        </p:attrNameLst>
-                                      </p:cBhvr>
-                                      <p:to>
-                                        <p:strVal val="visible"/>
-                                      </p:to>
-                                    </p:set>
-                                    <p:animEffect transition="in" filter="box(in)">
-                                      <p:cBhvr>
-                                        <p:cTn id="12" dur="500"/>
-                                        <p:tgtEl>
-                                          <p:spTgt spid="3">
-                                            <p:txEl>
-                                              <p:pRg st="1" end="1"/>
-                                            </p:txEl>
-                                          </p:spTgt>
-                                        </p:tgtEl>
-                                      </p:cBhvr>
-                                    </p:animEffect>
-                                  </p:childTnLst>
-                                </p:cTn>
-                              </p:par>
-                            </p:childTnLst>
-                          </p:cTn>
-                        </p:par>
-                      </p:childTnLst>
-                    </p:cTn>
-                  </p:par>
-                  <p:par>
-                    <p:cTn id="13" fill="hold">
-                      <p:stCondLst>
-                        <p:cond delay="indefinite"/>
-                      </p:stCondLst>
-                      <p:childTnLst>
-                        <p:par>
-                          <p:cTn id="14" fill="hold">
-                            <p:stCondLst>
-                              <p:cond delay="0"/>
-                            </p:stCondLst>
-                            <p:childTnLst>
-                              <p:par>
-                                <p:cTn id="15" presetID="4" presetClass="entr" presetSubtype="16" fill="hold" grpId="0" nodeType="clickEffect">
-                                  <p:stCondLst>
-                                    <p:cond delay="0"/>
-                                  </p:stCondLst>
-                                  <p:childTnLst>
-                                    <p:set>
-                                      <p:cBhvr>
-                                        <p:cTn id="16" dur="1" fill="hold">
-                                          <p:stCondLst>
-                                            <p:cond delay="0"/>
-                                          </p:stCondLst>
-                                        </p:cTn>
-                                        <p:tgtEl>
-                                          <p:spTgt spid="3">
-                                            <p:txEl>
-                                              <p:pRg st="2" end="2"/>
-                                            </p:txEl>
-                                          </p:spTgt>
-                                        </p:tgtEl>
-                                        <p:attrNameLst>
-                                          <p:attrName>style.visibility</p:attrName>
-                                        </p:attrNameLst>
-                                      </p:cBhvr>
-                                      <p:to>
-                                        <p:strVal val="visible"/>
-                                      </p:to>
-                                    </p:set>
-                                    <p:animEffect transition="in" filter="box(in)">
-                                      <p:cBhvr>
-                                        <p:cTn id="17" dur="500"/>
-                                        <p:tgtEl>
-                                          <p:spTgt spid="3">
-                                            <p:txEl>
-                                              <p:pRg st="2" end="2"/>
-                                            </p:txEl>
-                                          </p:spTgt>
-                                        </p:tgtEl>
-                                      </p:cBhvr>
-                                    </p:animEffect>
-                                  </p:childTnLst>
-                                </p:cTn>
-                              </p:par>
-                            </p:childTnLst>
-                          </p:cTn>
-                        </p:par>
-                      </p:childTnLst>
-                    </p:cTn>
-                  </p:par>
-                  <p:par>
-                    <p:cTn id="18" fill="hold">
-                      <p:stCondLst>
-                        <p:cond delay="indefinite"/>
-                      </p:stCondLst>
-                      <p:childTnLst>
-                        <p:par>
-                          <p:cTn id="19" fill="hold">
-                            <p:stCondLst>
-                              <p:cond delay="0"/>
-                            </p:stCondLst>
-                            <p:childTnLst>
-                              <p:par>
-                                <p:cTn id="20" presetID="4" presetClass="entr" presetSubtype="16" fill="hold" grpId="0" nodeType="clickEffect">
-                                  <p:stCondLst>
-                                    <p:cond delay="0"/>
-                                  </p:stCondLst>
-                                  <p:childTnLst>
-                                    <p:set>
-                                      <p:cBhvr>
-                                        <p:cTn id="21" dur="1" fill="hold">
-                                          <p:stCondLst>
-                                            <p:cond delay="0"/>
-                                          </p:stCondLst>
-                                        </p:cTn>
-                                        <p:tgtEl>
-                                          <p:spTgt spid="4"/>
-                                        </p:tgtEl>
-                                        <p:attrNameLst>
-                                          <p:attrName>style.visibility</p:attrName>
-                                        </p:attrNameLst>
-                                      </p:cBhvr>
-                                      <p:to>
-                                        <p:strVal val="visible"/>
-                                      </p:to>
-                                    </p:set>
-                                    <p:animEffect transition="in" filter="box(in)">
-                                      <p:cBhvr>
-                                        <p:cTn id="22" dur="500"/>
-                                        <p:tgtEl>
-                                          <p:spTgt spid="4"/>
-                                        </p:tgtEl>
-                                      </p:cBhvr>
-                                    </p:animEffect>
-                                  </p:childTnLst>
-                                </p:cTn>
-                              </p:par>
-                            </p:childTnLst>
-                          </p:cTn>
-                        </p:par>
-                      </p:childTnLst>
-                    </p:cTn>
-                  </p:par>
-                  <p:par>
-                    <p:cTn id="23" fill="hold">
-                      <p:stCondLst>
-                        <p:cond delay="indefinite"/>
-                      </p:stCondLst>
-                      <p:childTnLst>
-                        <p:par>
-                          <p:cTn id="24" fill="hold">
-                            <p:stCondLst>
-                              <p:cond delay="0"/>
-                            </p:stCondLst>
-                            <p:childTnLst>
-                              <p:par>
-                                <p:cTn id="25" presetID="4" presetClass="entr" presetSubtype="16" fill="hold" grpId="0" nodeType="clickEffect">
-                                  <p:stCondLst>
-                                    <p:cond delay="0"/>
-                                  </p:stCondLst>
-                                  <p:childTnLst>
-                                    <p:set>
-                                      <p:cBhvr>
-                                        <p:cTn id="26" dur="1" fill="hold">
-                                          <p:stCondLst>
-                                            <p:cond delay="0"/>
-                                          </p:stCondLst>
-                                        </p:cTn>
-                                        <p:tgtEl>
-                                          <p:spTgt spid="5"/>
-                                        </p:tgtEl>
-                                        <p:attrNameLst>
-                                          <p:attrName>style.visibility</p:attrName>
-                                        </p:attrNameLst>
-                                      </p:cBhvr>
-                                      <p:to>
-                                        <p:strVal val="visible"/>
-                                      </p:to>
-                                    </p:set>
-                                    <p:animEffect transition="in" filter="box(in)">
-                                      <p:cBhvr>
-                                        <p:cTn id="27" dur="500"/>
-                                        <p:tgtEl>
-                                          <p:spTgt spid="5"/>
-                                        </p:tgtEl>
-                                      </p:cBhvr>
-                                    </p:animEffect>
-                                  </p:childTnLst>
-                                </p:cTn>
-                              </p:par>
-                            </p:childTnLst>
-                          </p:cTn>
-                        </p:par>
-                      </p:childTnLst>
-                    </p:cTn>
-                  </p:par>
-                </p:childTnLst>
-              </p:cTn>
-              <p:prevCondLst>
-                <p:cond evt="onPrev" delay="0">
-                  <p:tgtEl>
-                    <p:sldTgt/>
-                  </p:tgtEl>
-                </p:cond>
-              </p:prevCondLst>
-              <p:nextCondLst>
-                <p:cond evt="onNext" delay="0">
-                  <p:tgtEl>
-                    <p:sldTgt/>
-                  </p:tgtEl>
-                </p:cond>
-              </p:nextCondLst>
-            </p:seq>
-          </p:childTnLst>
-        </p:cTn>
+        <p:cTn id="1" dur="indefinite" restart="never" nodeType="tmRoot"/>
       </p:par>
     </p:tnLst>
-    <p:bldLst>
-      <p:bldP spid="3" grpId="0" uiExpand="1" build="p"/>
-      <p:bldP spid="4" grpId="0"/>
-      <p:bldP spid="5" grpId="0" animBg="1"/>
-    </p:bldLst>
   </p:timing>
 </p:sld>
 </file>
@@ -32558,7 +32235,7 @@
 </file>
 
 <file path=ppt/slides/slide32.xml><?xml version="1.0" encoding="utf-8"?>
-<p:sld xmlns:a="http://schemas.openxmlformats.org/drawingml/2006/main" xmlns:r="http://schemas.openxmlformats.org/officeDocument/2006/relationships" xmlns:p="http://schemas.openxmlformats.org/presentationml/2006/main" show="0">
+<p:sld xmlns:a="http://schemas.openxmlformats.org/drawingml/2006/main" xmlns:r="http://schemas.openxmlformats.org/officeDocument/2006/relationships" xmlns:p="http://schemas.openxmlformats.org/presentationml/2006/main">
   <p:cSld>
     <p:spTree>
       <p:nvGrpSpPr>
@@ -38909,183 +38586,6 @@
 </p:sld>
 </file>
 
-<file path=ppt/slides/slide39.xml><?xml version="1.0" encoding="utf-8"?>
-<p:sld xmlns:a="http://schemas.openxmlformats.org/drawingml/2006/main" xmlns:r="http://schemas.openxmlformats.org/officeDocument/2006/relationships" xmlns:p="http://schemas.openxmlformats.org/presentationml/2006/main">
-  <p:cSld>
-    <p:spTree>
-      <p:nvGrpSpPr>
-        <p:cNvPr id="1" name=""/>
-        <p:cNvGrpSpPr/>
-        <p:nvPr/>
-      </p:nvGrpSpPr>
-      <p:grpSpPr>
-        <a:xfrm>
-          <a:off x="0" y="0"/>
-          <a:ext cx="0" cy="0"/>
-          <a:chOff x="0" y="0"/>
-          <a:chExt cx="0" cy="0"/>
-        </a:xfrm>
-      </p:grpSpPr>
-      <p:sp>
-        <p:nvSpPr>
-          <p:cNvPr id="2" name="Titel 1"/>
-          <p:cNvSpPr>
-            <a:spLocks noGrp="1"/>
-          </p:cNvSpPr>
-          <p:nvPr>
-            <p:ph type="title"/>
-          </p:nvPr>
-        </p:nvSpPr>
-        <p:spPr/>
-        <p:txBody>
-          <a:bodyPr/>
-          <a:lstStyle/>
-          <a:p>
-            <a:r>
-              <a:rPr lang="en-US" dirty="0" smtClean="0"/>
-              <a:t>Boost broken?</a:t>
-            </a:r>
-            <a:endParaRPr lang="en-US" dirty="0"/>
-          </a:p>
-        </p:txBody>
-      </p:sp>
-      <p:sp>
-        <p:nvSpPr>
-          <p:cNvPr id="3" name="Datumsplatzhalter 2"/>
-          <p:cNvSpPr>
-            <a:spLocks noGrp="1"/>
-          </p:cNvSpPr>
-          <p:nvPr>
-            <p:ph type="dt" sz="half" idx="10"/>
-          </p:nvPr>
-        </p:nvSpPr>
-        <p:spPr/>
-        <p:txBody>
-          <a:bodyPr/>
-          <a:lstStyle/>
-          <a:p>
-            <a:r>
-              <a:rPr lang="de-DE" smtClean="0"/>
-              <a:t>Version 1.0.1   2010-05-09</a:t>
-            </a:r>
-            <a:endParaRPr lang="de-DE" dirty="0"/>
-          </a:p>
-        </p:txBody>
-      </p:sp>
-      <p:sp>
-        <p:nvSpPr>
-          <p:cNvPr id="4" name="Fußzeilenplatzhalter 3"/>
-          <p:cNvSpPr>
-            <a:spLocks noGrp="1"/>
-          </p:cNvSpPr>
-          <p:nvPr>
-            <p:ph type="ftr" sz="quarter" idx="11"/>
-          </p:nvPr>
-        </p:nvSpPr>
-        <p:spPr/>
-        <p:txBody>
-          <a:bodyPr/>
-          <a:lstStyle/>
-          <a:p>
-            <a:r>
-              <a:rPr lang="en-US" smtClean="0"/>
-              <a:t>Copyright © Joachim Faulhaber 2010  Distributed under the Boost Software License 1.0 </a:t>
-            </a:r>
-            <a:endParaRPr lang="de-DE" dirty="0"/>
-          </a:p>
-        </p:txBody>
-      </p:sp>
-      <p:sp>
-        <p:nvSpPr>
-          <p:cNvPr id="5" name="Foliennummernplatzhalter 4"/>
-          <p:cNvSpPr>
-            <a:spLocks noGrp="1"/>
-          </p:cNvSpPr>
-          <p:nvPr>
-            <p:ph type="sldNum" sz="quarter" idx="12"/>
-          </p:nvPr>
-        </p:nvSpPr>
-        <p:spPr/>
-        <p:txBody>
-          <a:bodyPr/>
-          <a:lstStyle/>
-          <a:p>
-            <a:fld id="{64D7082F-DA1E-4BA7-A6EE-6967ECEA7877}" type="slidenum">
-              <a:rPr lang="de-DE" smtClean="0"/>
-              <a:pPr/>
-              <a:t>39</a:t>
-            </a:fld>
-            <a:endParaRPr lang="de-DE"/>
-          </a:p>
-        </p:txBody>
-      </p:sp>
-      <p:sp>
-        <p:nvSpPr>
-          <p:cNvPr id="6" name="Inhaltsplatzhalter 5"/>
-          <p:cNvSpPr>
-            <a:spLocks noGrp="1"/>
-          </p:cNvSpPr>
-          <p:nvPr>
-            <p:ph sz="quarter" idx="1"/>
-          </p:nvPr>
-        </p:nvSpPr>
-        <p:spPr/>
-        <p:txBody>
-          <a:bodyPr anchor="ctr">
-            <a:normAutofit/>
-          </a:bodyPr>
-          <a:lstStyle/>
-          <a:p>
-            <a:pPr algn="ctr">
-              <a:buNone/>
-            </a:pPr>
-            <a:r>
-              <a:rPr lang="en-US" sz="2800" dirty="0" smtClean="0"/>
-              <a:t>A Remedy for </a:t>
-            </a:r>
-            <a:r>
-              <a:rPr lang="en-US" sz="2800" smtClean="0"/>
-              <a:t>the Review </a:t>
-            </a:r>
-            <a:r>
-              <a:rPr lang="en-US" sz="2800" smtClean="0"/>
-              <a:t>M</a:t>
-            </a:r>
-            <a:r>
-              <a:rPr lang="en-US" sz="2800" smtClean="0"/>
-              <a:t>anager </a:t>
-            </a:r>
-            <a:r>
-              <a:rPr lang="en-US" sz="2800" dirty="0" smtClean="0"/>
-              <a:t>S</a:t>
-            </a:r>
-            <a:r>
-              <a:rPr lang="en-US" sz="2800" smtClean="0"/>
-              <a:t>tarvation</a:t>
-            </a:r>
-            <a:r>
-              <a:rPr lang="en-US" sz="2800" dirty="0" smtClean="0"/>
-              <a:t>.</a:t>
-            </a:r>
-            <a:endParaRPr lang="en-US" sz="2800" dirty="0"/>
-          </a:p>
-        </p:txBody>
-      </p:sp>
-    </p:spTree>
-  </p:cSld>
-  <p:clrMapOvr>
-    <a:masterClrMapping/>
-  </p:clrMapOvr>
-  <p:timing>
-    <p:tnLst>
-      <p:par>
-        <p:cTn id="1" dur="indefinite" restart="never" nodeType="tmRoot"/>
-      </p:par>
-    </p:tnLst>
-  </p:timing>
-</p:sld>
-</file>
-
 <file path=ppt/slides/slide4.xml><?xml version="1.0" encoding="utf-8"?>
 <p:sld xmlns:a="http://schemas.openxmlformats.org/drawingml/2006/main" xmlns:r="http://schemas.openxmlformats.org/officeDocument/2006/relationships" xmlns:p="http://schemas.openxmlformats.org/presentationml/2006/main">
   <p:cSld>
@@ -39245,11 +38745,7 @@
           <a:p>
             <a:r>
               <a:rPr lang="en-US" dirty="0" smtClean="0"/>
-              <a:t>… </a:t>
-            </a:r>
-            <a:r>
-              <a:rPr lang="en-US" dirty="0" smtClean="0"/>
-              <a:t>has the potential for a </a:t>
+              <a:t>… has the potential for a </a:t>
             </a:r>
             <a:r>
               <a:rPr lang="en-US" dirty="0" smtClean="0">
@@ -39645,2507 +39141,6 @@
         </p:cTn>
       </p:par>
     </p:tnLst>
-  </p:timing>
-</p:sld>
-</file>
-
-<file path=ppt/slides/slide40.xml><?xml version="1.0" encoding="utf-8"?>
-<p:sld xmlns:a="http://schemas.openxmlformats.org/drawingml/2006/main" xmlns:r="http://schemas.openxmlformats.org/officeDocument/2006/relationships" xmlns:p="http://schemas.openxmlformats.org/presentationml/2006/main">
-  <p:cSld>
-    <p:spTree>
-      <p:nvGrpSpPr>
-        <p:cNvPr id="1" name=""/>
-        <p:cNvGrpSpPr/>
-        <p:nvPr/>
-      </p:nvGrpSpPr>
-      <p:grpSpPr>
-        <a:xfrm>
-          <a:off x="0" y="0"/>
-          <a:ext cx="0" cy="0"/>
-          <a:chOff x="0" y="0"/>
-          <a:chExt cx="0" cy="0"/>
-        </a:xfrm>
-      </p:grpSpPr>
-      <p:sp>
-        <p:nvSpPr>
-          <p:cNvPr id="2" name="Titel 1"/>
-          <p:cNvSpPr>
-            <a:spLocks noGrp="1"/>
-          </p:cNvSpPr>
-          <p:nvPr>
-            <p:ph type="title"/>
-          </p:nvPr>
-        </p:nvSpPr>
-        <p:spPr/>
-        <p:txBody>
-          <a:bodyPr/>
-          <a:lstStyle/>
-          <a:p>
-            <a:r>
-              <a:rPr lang="en-US" dirty="0" smtClean="0"/>
-              <a:t>Boost broken?</a:t>
-            </a:r>
-            <a:endParaRPr lang="en-US" dirty="0"/>
-          </a:p>
-        </p:txBody>
-      </p:sp>
-      <p:sp>
-        <p:nvSpPr>
-          <p:cNvPr id="3" name="Datumsplatzhalter 2"/>
-          <p:cNvSpPr>
-            <a:spLocks noGrp="1"/>
-          </p:cNvSpPr>
-          <p:nvPr>
-            <p:ph type="dt" sz="half" idx="10"/>
-          </p:nvPr>
-        </p:nvSpPr>
-        <p:spPr/>
-        <p:txBody>
-          <a:bodyPr/>
-          <a:lstStyle/>
-          <a:p>
-            <a:r>
-              <a:rPr lang="de-DE" smtClean="0"/>
-              <a:t>Version 1.0.1   2010-05-09</a:t>
-            </a:r>
-            <a:endParaRPr lang="de-DE" dirty="0"/>
-          </a:p>
-        </p:txBody>
-      </p:sp>
-      <p:sp>
-        <p:nvSpPr>
-          <p:cNvPr id="4" name="Fußzeilenplatzhalter 3"/>
-          <p:cNvSpPr>
-            <a:spLocks noGrp="1"/>
-          </p:cNvSpPr>
-          <p:nvPr>
-            <p:ph type="ftr" sz="quarter" idx="11"/>
-          </p:nvPr>
-        </p:nvSpPr>
-        <p:spPr/>
-        <p:txBody>
-          <a:bodyPr/>
-          <a:lstStyle/>
-          <a:p>
-            <a:r>
-              <a:rPr lang="en-US" smtClean="0"/>
-              <a:t>Copyright © Joachim Faulhaber 2010  Distributed under the Boost Software License 1.0 </a:t>
-            </a:r>
-            <a:endParaRPr lang="de-DE" dirty="0"/>
-          </a:p>
-        </p:txBody>
-      </p:sp>
-      <p:sp>
-        <p:nvSpPr>
-          <p:cNvPr id="5" name="Foliennummernplatzhalter 4"/>
-          <p:cNvSpPr>
-            <a:spLocks noGrp="1"/>
-          </p:cNvSpPr>
-          <p:nvPr>
-            <p:ph type="sldNum" sz="quarter" idx="12"/>
-          </p:nvPr>
-        </p:nvSpPr>
-        <p:spPr/>
-        <p:txBody>
-          <a:bodyPr/>
-          <a:lstStyle/>
-          <a:p>
-            <a:fld id="{64D7082F-DA1E-4BA7-A6EE-6967ECEA7877}" type="slidenum">
-              <a:rPr lang="de-DE" smtClean="0"/>
-              <a:pPr/>
-              <a:t>40</a:t>
-            </a:fld>
-            <a:endParaRPr lang="de-DE"/>
-          </a:p>
-        </p:txBody>
-      </p:sp>
-      <p:sp>
-        <p:nvSpPr>
-          <p:cNvPr id="6" name="Inhaltsplatzhalter 5"/>
-          <p:cNvSpPr>
-            <a:spLocks noGrp="1"/>
-          </p:cNvSpPr>
-          <p:nvPr>
-            <p:ph sz="quarter" idx="1"/>
-          </p:nvPr>
-        </p:nvSpPr>
-        <p:spPr/>
-        <p:txBody>
-          <a:bodyPr anchor="t">
-            <a:normAutofit/>
-          </a:bodyPr>
-          <a:lstStyle/>
-          <a:p>
-            <a:r>
-              <a:rPr lang="en-US" sz="2800" dirty="0" smtClean="0"/>
-              <a:t>Where is the motivation?</a:t>
-            </a:r>
-          </a:p>
-          <a:p>
-            <a:r>
-              <a:rPr lang="en-US" sz="2800" dirty="0" smtClean="0"/>
-              <a:t>A desire to </a:t>
-            </a:r>
-            <a:r>
-              <a:rPr lang="en-US" sz="2800" dirty="0" smtClean="0">
-                <a:solidFill>
-                  <a:srgbClr val="0070C0"/>
-                </a:solidFill>
-              </a:rPr>
-              <a:t>contribute</a:t>
-            </a:r>
-            <a:r>
-              <a:rPr lang="en-US" sz="2800" dirty="0" smtClean="0"/>
-              <a:t> something useful</a:t>
-            </a:r>
-          </a:p>
-          <a:p>
-            <a:r>
-              <a:rPr lang="en-US" sz="2800" dirty="0" smtClean="0"/>
-              <a:t>A passion for high </a:t>
-            </a:r>
-            <a:r>
-              <a:rPr lang="en-US" sz="2800" dirty="0" smtClean="0">
-                <a:solidFill>
-                  <a:srgbClr val="0070C0"/>
-                </a:solidFill>
-              </a:rPr>
-              <a:t>quality generic programming</a:t>
-            </a:r>
-          </a:p>
-          <a:p>
-            <a:r>
-              <a:rPr lang="en-US" sz="2800" dirty="0" smtClean="0"/>
-              <a:t>A passion for </a:t>
-            </a:r>
-            <a:r>
-              <a:rPr lang="en-US" sz="2800" i="1" dirty="0" smtClean="0">
-                <a:solidFill>
-                  <a:schemeClr val="accent1">
-                    <a:lumMod val="75000"/>
-                  </a:schemeClr>
-                </a:solidFill>
-              </a:rPr>
-              <a:t>my</a:t>
-            </a:r>
-            <a:r>
-              <a:rPr lang="en-US" sz="2800" dirty="0" smtClean="0"/>
-              <a:t> specific library idea</a:t>
-            </a:r>
-          </a:p>
-          <a:p>
-            <a:r>
-              <a:rPr lang="en-US" sz="2800" dirty="0" smtClean="0"/>
-              <a:t>A desire to get the </a:t>
-            </a:r>
-            <a:r>
-              <a:rPr lang="en-US" sz="2800" dirty="0" smtClean="0">
-                <a:solidFill>
-                  <a:srgbClr val="0070C0"/>
-                </a:solidFill>
-              </a:rPr>
-              <a:t>approval</a:t>
-            </a:r>
-            <a:r>
-              <a:rPr lang="en-US" sz="2800" dirty="0" smtClean="0"/>
-              <a:t> of experts</a:t>
-            </a:r>
-          </a:p>
-          <a:p>
-            <a:r>
-              <a:rPr lang="en-US" sz="2800" dirty="0" smtClean="0"/>
-              <a:t>The motivation is at the contributors side </a:t>
-            </a:r>
-            <a:r>
-              <a:rPr lang="en-US" sz="2800" b="1" i="1" dirty="0" smtClean="0">
-                <a:solidFill>
-                  <a:schemeClr val="accent1">
-                    <a:lumMod val="75000"/>
-                  </a:schemeClr>
-                </a:solidFill>
-              </a:rPr>
-              <a:t>before </a:t>
-            </a:r>
-            <a:r>
-              <a:rPr lang="en-US" sz="2800" dirty="0" smtClean="0"/>
-              <a:t>their library gets accepted.</a:t>
-            </a:r>
-          </a:p>
-        </p:txBody>
-      </p:sp>
-    </p:spTree>
-  </p:cSld>
-  <p:clrMapOvr>
-    <a:masterClrMapping/>
-  </p:clrMapOvr>
-  <p:timing>
-    <p:tnLst>
-      <p:par>
-        <p:cTn id="1" dur="indefinite" restart="never" nodeType="tmRoot">
-          <p:childTnLst>
-            <p:seq concurrent="1" nextAc="seek">
-              <p:cTn id="2" dur="indefinite" nodeType="mainSeq">
-                <p:childTnLst>
-                  <p:par>
-                    <p:cTn id="3" fill="hold">
-                      <p:stCondLst>
-                        <p:cond delay="indefinite"/>
-                      </p:stCondLst>
-                      <p:childTnLst>
-                        <p:par>
-                          <p:cTn id="4" fill="hold">
-                            <p:stCondLst>
-                              <p:cond delay="0"/>
-                            </p:stCondLst>
-                            <p:childTnLst>
-                              <p:par>
-                                <p:cTn id="5" presetID="4" presetClass="entr" presetSubtype="16" fill="hold" grpId="0" nodeType="clickEffect">
-                                  <p:stCondLst>
-                                    <p:cond delay="0"/>
-                                  </p:stCondLst>
-                                  <p:childTnLst>
-                                    <p:set>
-                                      <p:cBhvr>
-                                        <p:cTn id="6" dur="1" fill="hold">
-                                          <p:stCondLst>
-                                            <p:cond delay="0"/>
-                                          </p:stCondLst>
-                                        </p:cTn>
-                                        <p:tgtEl>
-                                          <p:spTgt spid="6">
-                                            <p:txEl>
-                                              <p:pRg st="0" end="0"/>
-                                            </p:txEl>
-                                          </p:spTgt>
-                                        </p:tgtEl>
-                                        <p:attrNameLst>
-                                          <p:attrName>style.visibility</p:attrName>
-                                        </p:attrNameLst>
-                                      </p:cBhvr>
-                                      <p:to>
-                                        <p:strVal val="visible"/>
-                                      </p:to>
-                                    </p:set>
-                                    <p:animEffect transition="in" filter="box(in)">
-                                      <p:cBhvr>
-                                        <p:cTn id="7" dur="500"/>
-                                        <p:tgtEl>
-                                          <p:spTgt spid="6">
-                                            <p:txEl>
-                                              <p:pRg st="0" end="0"/>
-                                            </p:txEl>
-                                          </p:spTgt>
-                                        </p:tgtEl>
-                                      </p:cBhvr>
-                                    </p:animEffect>
-                                  </p:childTnLst>
-                                </p:cTn>
-                              </p:par>
-                            </p:childTnLst>
-                          </p:cTn>
-                        </p:par>
-                      </p:childTnLst>
-                    </p:cTn>
-                  </p:par>
-                  <p:par>
-                    <p:cTn id="8" fill="hold">
-                      <p:stCondLst>
-                        <p:cond delay="indefinite"/>
-                      </p:stCondLst>
-                      <p:childTnLst>
-                        <p:par>
-                          <p:cTn id="9" fill="hold">
-                            <p:stCondLst>
-                              <p:cond delay="0"/>
-                            </p:stCondLst>
-                            <p:childTnLst>
-                              <p:par>
-                                <p:cTn id="10" presetID="4" presetClass="entr" presetSubtype="16" fill="hold" grpId="0" nodeType="clickEffect">
-                                  <p:stCondLst>
-                                    <p:cond delay="0"/>
-                                  </p:stCondLst>
-                                  <p:childTnLst>
-                                    <p:set>
-                                      <p:cBhvr>
-                                        <p:cTn id="11" dur="1" fill="hold">
-                                          <p:stCondLst>
-                                            <p:cond delay="0"/>
-                                          </p:stCondLst>
-                                        </p:cTn>
-                                        <p:tgtEl>
-                                          <p:spTgt spid="6">
-                                            <p:txEl>
-                                              <p:pRg st="1" end="1"/>
-                                            </p:txEl>
-                                          </p:spTgt>
-                                        </p:tgtEl>
-                                        <p:attrNameLst>
-                                          <p:attrName>style.visibility</p:attrName>
-                                        </p:attrNameLst>
-                                      </p:cBhvr>
-                                      <p:to>
-                                        <p:strVal val="visible"/>
-                                      </p:to>
-                                    </p:set>
-                                    <p:animEffect transition="in" filter="box(in)">
-                                      <p:cBhvr>
-                                        <p:cTn id="12" dur="500"/>
-                                        <p:tgtEl>
-                                          <p:spTgt spid="6">
-                                            <p:txEl>
-                                              <p:pRg st="1" end="1"/>
-                                            </p:txEl>
-                                          </p:spTgt>
-                                        </p:tgtEl>
-                                      </p:cBhvr>
-                                    </p:animEffect>
-                                  </p:childTnLst>
-                                </p:cTn>
-                              </p:par>
-                            </p:childTnLst>
-                          </p:cTn>
-                        </p:par>
-                      </p:childTnLst>
-                    </p:cTn>
-                  </p:par>
-                  <p:par>
-                    <p:cTn id="13" fill="hold">
-                      <p:stCondLst>
-                        <p:cond delay="indefinite"/>
-                      </p:stCondLst>
-                      <p:childTnLst>
-                        <p:par>
-                          <p:cTn id="14" fill="hold">
-                            <p:stCondLst>
-                              <p:cond delay="0"/>
-                            </p:stCondLst>
-                            <p:childTnLst>
-                              <p:par>
-                                <p:cTn id="15" presetID="4" presetClass="entr" presetSubtype="16" fill="hold" grpId="0" nodeType="clickEffect">
-                                  <p:stCondLst>
-                                    <p:cond delay="0"/>
-                                  </p:stCondLst>
-                                  <p:childTnLst>
-                                    <p:set>
-                                      <p:cBhvr>
-                                        <p:cTn id="16" dur="1" fill="hold">
-                                          <p:stCondLst>
-                                            <p:cond delay="0"/>
-                                          </p:stCondLst>
-                                        </p:cTn>
-                                        <p:tgtEl>
-                                          <p:spTgt spid="6">
-                                            <p:txEl>
-                                              <p:pRg st="2" end="2"/>
-                                            </p:txEl>
-                                          </p:spTgt>
-                                        </p:tgtEl>
-                                        <p:attrNameLst>
-                                          <p:attrName>style.visibility</p:attrName>
-                                        </p:attrNameLst>
-                                      </p:cBhvr>
-                                      <p:to>
-                                        <p:strVal val="visible"/>
-                                      </p:to>
-                                    </p:set>
-                                    <p:animEffect transition="in" filter="box(in)">
-                                      <p:cBhvr>
-                                        <p:cTn id="17" dur="500"/>
-                                        <p:tgtEl>
-                                          <p:spTgt spid="6">
-                                            <p:txEl>
-                                              <p:pRg st="2" end="2"/>
-                                            </p:txEl>
-                                          </p:spTgt>
-                                        </p:tgtEl>
-                                      </p:cBhvr>
-                                    </p:animEffect>
-                                  </p:childTnLst>
-                                </p:cTn>
-                              </p:par>
-                            </p:childTnLst>
-                          </p:cTn>
-                        </p:par>
-                      </p:childTnLst>
-                    </p:cTn>
-                  </p:par>
-                  <p:par>
-                    <p:cTn id="18" fill="hold">
-                      <p:stCondLst>
-                        <p:cond delay="indefinite"/>
-                      </p:stCondLst>
-                      <p:childTnLst>
-                        <p:par>
-                          <p:cTn id="19" fill="hold">
-                            <p:stCondLst>
-                              <p:cond delay="0"/>
-                            </p:stCondLst>
-                            <p:childTnLst>
-                              <p:par>
-                                <p:cTn id="20" presetID="4" presetClass="entr" presetSubtype="16" fill="hold" grpId="0" nodeType="clickEffect">
-                                  <p:stCondLst>
-                                    <p:cond delay="0"/>
-                                  </p:stCondLst>
-                                  <p:childTnLst>
-                                    <p:set>
-                                      <p:cBhvr>
-                                        <p:cTn id="21" dur="1" fill="hold">
-                                          <p:stCondLst>
-                                            <p:cond delay="0"/>
-                                          </p:stCondLst>
-                                        </p:cTn>
-                                        <p:tgtEl>
-                                          <p:spTgt spid="6">
-                                            <p:txEl>
-                                              <p:pRg st="3" end="3"/>
-                                            </p:txEl>
-                                          </p:spTgt>
-                                        </p:tgtEl>
-                                        <p:attrNameLst>
-                                          <p:attrName>style.visibility</p:attrName>
-                                        </p:attrNameLst>
-                                      </p:cBhvr>
-                                      <p:to>
-                                        <p:strVal val="visible"/>
-                                      </p:to>
-                                    </p:set>
-                                    <p:animEffect transition="in" filter="box(in)">
-                                      <p:cBhvr>
-                                        <p:cTn id="22" dur="500"/>
-                                        <p:tgtEl>
-                                          <p:spTgt spid="6">
-                                            <p:txEl>
-                                              <p:pRg st="3" end="3"/>
-                                            </p:txEl>
-                                          </p:spTgt>
-                                        </p:tgtEl>
-                                      </p:cBhvr>
-                                    </p:animEffect>
-                                  </p:childTnLst>
-                                </p:cTn>
-                              </p:par>
-                            </p:childTnLst>
-                          </p:cTn>
-                        </p:par>
-                      </p:childTnLst>
-                    </p:cTn>
-                  </p:par>
-                  <p:par>
-                    <p:cTn id="23" fill="hold">
-                      <p:stCondLst>
-                        <p:cond delay="indefinite"/>
-                      </p:stCondLst>
-                      <p:childTnLst>
-                        <p:par>
-                          <p:cTn id="24" fill="hold">
-                            <p:stCondLst>
-                              <p:cond delay="0"/>
-                            </p:stCondLst>
-                            <p:childTnLst>
-                              <p:par>
-                                <p:cTn id="25" presetID="4" presetClass="entr" presetSubtype="16" fill="hold" grpId="0" nodeType="clickEffect">
-                                  <p:stCondLst>
-                                    <p:cond delay="0"/>
-                                  </p:stCondLst>
-                                  <p:childTnLst>
-                                    <p:set>
-                                      <p:cBhvr>
-                                        <p:cTn id="26" dur="1" fill="hold">
-                                          <p:stCondLst>
-                                            <p:cond delay="0"/>
-                                          </p:stCondLst>
-                                        </p:cTn>
-                                        <p:tgtEl>
-                                          <p:spTgt spid="6">
-                                            <p:txEl>
-                                              <p:pRg st="4" end="4"/>
-                                            </p:txEl>
-                                          </p:spTgt>
-                                        </p:tgtEl>
-                                        <p:attrNameLst>
-                                          <p:attrName>style.visibility</p:attrName>
-                                        </p:attrNameLst>
-                                      </p:cBhvr>
-                                      <p:to>
-                                        <p:strVal val="visible"/>
-                                      </p:to>
-                                    </p:set>
-                                    <p:animEffect transition="in" filter="box(in)">
-                                      <p:cBhvr>
-                                        <p:cTn id="27" dur="500"/>
-                                        <p:tgtEl>
-                                          <p:spTgt spid="6">
-                                            <p:txEl>
-                                              <p:pRg st="4" end="4"/>
-                                            </p:txEl>
-                                          </p:spTgt>
-                                        </p:tgtEl>
-                                      </p:cBhvr>
-                                    </p:animEffect>
-                                  </p:childTnLst>
-                                </p:cTn>
-                              </p:par>
-                            </p:childTnLst>
-                          </p:cTn>
-                        </p:par>
-                      </p:childTnLst>
-                    </p:cTn>
-                  </p:par>
-                  <p:par>
-                    <p:cTn id="28" fill="hold">
-                      <p:stCondLst>
-                        <p:cond delay="indefinite"/>
-                      </p:stCondLst>
-                      <p:childTnLst>
-                        <p:par>
-                          <p:cTn id="29" fill="hold">
-                            <p:stCondLst>
-                              <p:cond delay="0"/>
-                            </p:stCondLst>
-                            <p:childTnLst>
-                              <p:par>
-                                <p:cTn id="30" presetID="4" presetClass="entr" presetSubtype="16" fill="hold" grpId="0" nodeType="clickEffect">
-                                  <p:stCondLst>
-                                    <p:cond delay="0"/>
-                                  </p:stCondLst>
-                                  <p:childTnLst>
-                                    <p:set>
-                                      <p:cBhvr>
-                                        <p:cTn id="31" dur="1" fill="hold">
-                                          <p:stCondLst>
-                                            <p:cond delay="0"/>
-                                          </p:stCondLst>
-                                        </p:cTn>
-                                        <p:tgtEl>
-                                          <p:spTgt spid="6">
-                                            <p:txEl>
-                                              <p:pRg st="5" end="5"/>
-                                            </p:txEl>
-                                          </p:spTgt>
-                                        </p:tgtEl>
-                                        <p:attrNameLst>
-                                          <p:attrName>style.visibility</p:attrName>
-                                        </p:attrNameLst>
-                                      </p:cBhvr>
-                                      <p:to>
-                                        <p:strVal val="visible"/>
-                                      </p:to>
-                                    </p:set>
-                                    <p:animEffect transition="in" filter="box(in)">
-                                      <p:cBhvr>
-                                        <p:cTn id="32" dur="500"/>
-                                        <p:tgtEl>
-                                          <p:spTgt spid="6">
-                                            <p:txEl>
-                                              <p:pRg st="5" end="5"/>
-                                            </p:txEl>
-                                          </p:spTgt>
-                                        </p:tgtEl>
-                                      </p:cBhvr>
-                                    </p:animEffect>
-                                  </p:childTnLst>
-                                </p:cTn>
-                              </p:par>
-                            </p:childTnLst>
-                          </p:cTn>
-                        </p:par>
-                      </p:childTnLst>
-                    </p:cTn>
-                  </p:par>
-                </p:childTnLst>
-              </p:cTn>
-              <p:prevCondLst>
-                <p:cond evt="onPrev" delay="0">
-                  <p:tgtEl>
-                    <p:sldTgt/>
-                  </p:tgtEl>
-                </p:cond>
-              </p:prevCondLst>
-              <p:nextCondLst>
-                <p:cond evt="onNext" delay="0">
-                  <p:tgtEl>
-                    <p:sldTgt/>
-                  </p:tgtEl>
-                </p:cond>
-              </p:nextCondLst>
-            </p:seq>
-          </p:childTnLst>
-        </p:cTn>
-      </p:par>
-    </p:tnLst>
-    <p:bldLst>
-      <p:bldP spid="6" grpId="0" build="p"/>
-    </p:bldLst>
-  </p:timing>
-</p:sld>
-</file>
-
-<file path=ppt/slides/slide41.xml><?xml version="1.0" encoding="utf-8"?>
-<p:sld xmlns:a="http://schemas.openxmlformats.org/drawingml/2006/main" xmlns:r="http://schemas.openxmlformats.org/officeDocument/2006/relationships" xmlns:p="http://schemas.openxmlformats.org/presentationml/2006/main">
-  <p:cSld>
-    <p:spTree>
-      <p:nvGrpSpPr>
-        <p:cNvPr id="1" name=""/>
-        <p:cNvGrpSpPr/>
-        <p:nvPr/>
-      </p:nvGrpSpPr>
-      <p:grpSpPr>
-        <a:xfrm>
-          <a:off x="0" y="0"/>
-          <a:ext cx="0" cy="0"/>
-          <a:chOff x="0" y="0"/>
-          <a:chExt cx="0" cy="0"/>
-        </a:xfrm>
-      </p:grpSpPr>
-      <p:sp>
-        <p:nvSpPr>
-          <p:cNvPr id="2" name="Titel 1"/>
-          <p:cNvSpPr>
-            <a:spLocks noGrp="1"/>
-          </p:cNvSpPr>
-          <p:nvPr>
-            <p:ph type="title"/>
-          </p:nvPr>
-        </p:nvSpPr>
-        <p:spPr/>
-        <p:txBody>
-          <a:bodyPr/>
-          <a:lstStyle/>
-          <a:p>
-            <a:r>
-              <a:rPr lang="en-US" dirty="0" smtClean="0"/>
-              <a:t>Boost broken?</a:t>
-            </a:r>
-            <a:endParaRPr lang="en-US" dirty="0"/>
-          </a:p>
-        </p:txBody>
-      </p:sp>
-      <p:sp>
-        <p:nvSpPr>
-          <p:cNvPr id="3" name="Datumsplatzhalter 2"/>
-          <p:cNvSpPr>
-            <a:spLocks noGrp="1"/>
-          </p:cNvSpPr>
-          <p:nvPr>
-            <p:ph type="dt" sz="half" idx="10"/>
-          </p:nvPr>
-        </p:nvSpPr>
-        <p:spPr/>
-        <p:txBody>
-          <a:bodyPr/>
-          <a:lstStyle/>
-          <a:p>
-            <a:r>
-              <a:rPr lang="de-DE" smtClean="0"/>
-              <a:t>Version 1.0.1   2010-05-09</a:t>
-            </a:r>
-            <a:endParaRPr lang="de-DE" dirty="0"/>
-          </a:p>
-        </p:txBody>
-      </p:sp>
-      <p:sp>
-        <p:nvSpPr>
-          <p:cNvPr id="4" name="Fußzeilenplatzhalter 3"/>
-          <p:cNvSpPr>
-            <a:spLocks noGrp="1"/>
-          </p:cNvSpPr>
-          <p:nvPr>
-            <p:ph type="ftr" sz="quarter" idx="11"/>
-          </p:nvPr>
-        </p:nvSpPr>
-        <p:spPr/>
-        <p:txBody>
-          <a:bodyPr/>
-          <a:lstStyle/>
-          <a:p>
-            <a:r>
-              <a:rPr lang="en-US" smtClean="0"/>
-              <a:t>Copyright © Joachim Faulhaber 2010  Distributed under the Boost Software License 1.0 </a:t>
-            </a:r>
-            <a:endParaRPr lang="de-DE" dirty="0"/>
-          </a:p>
-        </p:txBody>
-      </p:sp>
-      <p:sp>
-        <p:nvSpPr>
-          <p:cNvPr id="5" name="Foliennummernplatzhalter 4"/>
-          <p:cNvSpPr>
-            <a:spLocks noGrp="1"/>
-          </p:cNvSpPr>
-          <p:nvPr>
-            <p:ph type="sldNum" sz="quarter" idx="12"/>
-          </p:nvPr>
-        </p:nvSpPr>
-        <p:spPr/>
-        <p:txBody>
-          <a:bodyPr/>
-          <a:lstStyle/>
-          <a:p>
-            <a:fld id="{64D7082F-DA1E-4BA7-A6EE-6967ECEA7877}" type="slidenum">
-              <a:rPr lang="de-DE" smtClean="0"/>
-              <a:pPr/>
-              <a:t>41</a:t>
-            </a:fld>
-            <a:endParaRPr lang="de-DE"/>
-          </a:p>
-        </p:txBody>
-      </p:sp>
-      <p:sp>
-        <p:nvSpPr>
-          <p:cNvPr id="6" name="Inhaltsplatzhalter 5"/>
-          <p:cNvSpPr>
-            <a:spLocks noGrp="1"/>
-          </p:cNvSpPr>
-          <p:nvPr>
-            <p:ph sz="quarter" idx="1"/>
-          </p:nvPr>
-        </p:nvSpPr>
-        <p:spPr/>
-        <p:txBody>
-          <a:bodyPr anchor="t">
-            <a:normAutofit/>
-          </a:bodyPr>
-          <a:lstStyle/>
-          <a:p>
-            <a:r>
-              <a:rPr lang="en-US" sz="2800" dirty="0" smtClean="0"/>
-              <a:t>=&gt; High motivation to fulfill high standards.</a:t>
-            </a:r>
-            <a:br>
-              <a:rPr lang="en-US" sz="2800" dirty="0" smtClean="0"/>
-            </a:br>
-            <a:endParaRPr lang="en-US" sz="2800" dirty="0" smtClean="0"/>
-          </a:p>
-          <a:p>
-            <a:r>
-              <a:rPr lang="en-US" sz="2800" dirty="0" smtClean="0"/>
-              <a:t>Let’s make it more difficult!</a:t>
-            </a:r>
-            <a:br>
-              <a:rPr lang="en-US" sz="2800" dirty="0" smtClean="0"/>
-            </a:br>
-            <a:endParaRPr lang="en-US" sz="2800" dirty="0" smtClean="0"/>
-          </a:p>
-          <a:p>
-            <a:r>
-              <a:rPr lang="en-US" sz="2800" dirty="0" smtClean="0"/>
-              <a:t>Precondition for a submission of a library for formal review.</a:t>
-            </a:r>
-          </a:p>
-          <a:p>
-            <a:r>
-              <a:rPr lang="en-US" sz="2800" dirty="0" smtClean="0"/>
-              <a:t>Participating in two formal reviews of other contributor’s libraries.</a:t>
-            </a:r>
-          </a:p>
-          <a:p>
-            <a:r>
-              <a:rPr lang="en-US" sz="2800" dirty="0" smtClean="0"/>
-              <a:t> Taking on the job of a Review Manager Assistant.</a:t>
-            </a:r>
-            <a:endParaRPr lang="en-US" sz="2800" dirty="0"/>
-          </a:p>
-        </p:txBody>
-      </p:sp>
-    </p:spTree>
-  </p:cSld>
-  <p:clrMapOvr>
-    <a:masterClrMapping/>
-  </p:clrMapOvr>
-  <p:timing>
-    <p:tnLst>
-      <p:par>
-        <p:cTn id="1" dur="indefinite" restart="never" nodeType="tmRoot">
-          <p:childTnLst>
-            <p:seq concurrent="1" nextAc="seek">
-              <p:cTn id="2" dur="indefinite" nodeType="mainSeq">
-                <p:childTnLst>
-                  <p:par>
-                    <p:cTn id="3" fill="hold">
-                      <p:stCondLst>
-                        <p:cond delay="indefinite"/>
-                      </p:stCondLst>
-                      <p:childTnLst>
-                        <p:par>
-                          <p:cTn id="4" fill="hold">
-                            <p:stCondLst>
-                              <p:cond delay="0"/>
-                            </p:stCondLst>
-                            <p:childTnLst>
-                              <p:par>
-                                <p:cTn id="5" presetID="4" presetClass="entr" presetSubtype="16" fill="hold" grpId="0" nodeType="clickEffect">
-                                  <p:stCondLst>
-                                    <p:cond delay="0"/>
-                                  </p:stCondLst>
-                                  <p:childTnLst>
-                                    <p:set>
-                                      <p:cBhvr>
-                                        <p:cTn id="6" dur="1" fill="hold">
-                                          <p:stCondLst>
-                                            <p:cond delay="0"/>
-                                          </p:stCondLst>
-                                        </p:cTn>
-                                        <p:tgtEl>
-                                          <p:spTgt spid="6">
-                                            <p:txEl>
-                                              <p:pRg st="0" end="0"/>
-                                            </p:txEl>
-                                          </p:spTgt>
-                                        </p:tgtEl>
-                                        <p:attrNameLst>
-                                          <p:attrName>style.visibility</p:attrName>
-                                        </p:attrNameLst>
-                                      </p:cBhvr>
-                                      <p:to>
-                                        <p:strVal val="visible"/>
-                                      </p:to>
-                                    </p:set>
-                                    <p:animEffect transition="in" filter="box(in)">
-                                      <p:cBhvr>
-                                        <p:cTn id="7" dur="500"/>
-                                        <p:tgtEl>
-                                          <p:spTgt spid="6">
-                                            <p:txEl>
-                                              <p:pRg st="0" end="0"/>
-                                            </p:txEl>
-                                          </p:spTgt>
-                                        </p:tgtEl>
-                                      </p:cBhvr>
-                                    </p:animEffect>
-                                  </p:childTnLst>
-                                </p:cTn>
-                              </p:par>
-                            </p:childTnLst>
-                          </p:cTn>
-                        </p:par>
-                      </p:childTnLst>
-                    </p:cTn>
-                  </p:par>
-                  <p:par>
-                    <p:cTn id="8" fill="hold">
-                      <p:stCondLst>
-                        <p:cond delay="indefinite"/>
-                      </p:stCondLst>
-                      <p:childTnLst>
-                        <p:par>
-                          <p:cTn id="9" fill="hold">
-                            <p:stCondLst>
-                              <p:cond delay="0"/>
-                            </p:stCondLst>
-                            <p:childTnLst>
-                              <p:par>
-                                <p:cTn id="10" presetID="4" presetClass="entr" presetSubtype="16" fill="hold" grpId="0" nodeType="clickEffect">
-                                  <p:stCondLst>
-                                    <p:cond delay="0"/>
-                                  </p:stCondLst>
-                                  <p:childTnLst>
-                                    <p:set>
-                                      <p:cBhvr>
-                                        <p:cTn id="11" dur="1" fill="hold">
-                                          <p:stCondLst>
-                                            <p:cond delay="0"/>
-                                          </p:stCondLst>
-                                        </p:cTn>
-                                        <p:tgtEl>
-                                          <p:spTgt spid="6">
-                                            <p:txEl>
-                                              <p:pRg st="1" end="1"/>
-                                            </p:txEl>
-                                          </p:spTgt>
-                                        </p:tgtEl>
-                                        <p:attrNameLst>
-                                          <p:attrName>style.visibility</p:attrName>
-                                        </p:attrNameLst>
-                                      </p:cBhvr>
-                                      <p:to>
-                                        <p:strVal val="visible"/>
-                                      </p:to>
-                                    </p:set>
-                                    <p:animEffect transition="in" filter="box(in)">
-                                      <p:cBhvr>
-                                        <p:cTn id="12" dur="500"/>
-                                        <p:tgtEl>
-                                          <p:spTgt spid="6">
-                                            <p:txEl>
-                                              <p:pRg st="1" end="1"/>
-                                            </p:txEl>
-                                          </p:spTgt>
-                                        </p:tgtEl>
-                                      </p:cBhvr>
-                                    </p:animEffect>
-                                  </p:childTnLst>
-                                </p:cTn>
-                              </p:par>
-                            </p:childTnLst>
-                          </p:cTn>
-                        </p:par>
-                      </p:childTnLst>
-                    </p:cTn>
-                  </p:par>
-                  <p:par>
-                    <p:cTn id="13" fill="hold">
-                      <p:stCondLst>
-                        <p:cond delay="indefinite"/>
-                      </p:stCondLst>
-                      <p:childTnLst>
-                        <p:par>
-                          <p:cTn id="14" fill="hold">
-                            <p:stCondLst>
-                              <p:cond delay="0"/>
-                            </p:stCondLst>
-                            <p:childTnLst>
-                              <p:par>
-                                <p:cTn id="15" presetID="4" presetClass="entr" presetSubtype="16" fill="hold" grpId="0" nodeType="clickEffect">
-                                  <p:stCondLst>
-                                    <p:cond delay="0"/>
-                                  </p:stCondLst>
-                                  <p:childTnLst>
-                                    <p:set>
-                                      <p:cBhvr>
-                                        <p:cTn id="16" dur="1" fill="hold">
-                                          <p:stCondLst>
-                                            <p:cond delay="0"/>
-                                          </p:stCondLst>
-                                        </p:cTn>
-                                        <p:tgtEl>
-                                          <p:spTgt spid="6">
-                                            <p:txEl>
-                                              <p:pRg st="2" end="2"/>
-                                            </p:txEl>
-                                          </p:spTgt>
-                                        </p:tgtEl>
-                                        <p:attrNameLst>
-                                          <p:attrName>style.visibility</p:attrName>
-                                        </p:attrNameLst>
-                                      </p:cBhvr>
-                                      <p:to>
-                                        <p:strVal val="visible"/>
-                                      </p:to>
-                                    </p:set>
-                                    <p:animEffect transition="in" filter="box(in)">
-                                      <p:cBhvr>
-                                        <p:cTn id="17" dur="500"/>
-                                        <p:tgtEl>
-                                          <p:spTgt spid="6">
-                                            <p:txEl>
-                                              <p:pRg st="2" end="2"/>
-                                            </p:txEl>
-                                          </p:spTgt>
-                                        </p:tgtEl>
-                                      </p:cBhvr>
-                                    </p:animEffect>
-                                  </p:childTnLst>
-                                </p:cTn>
-                              </p:par>
-                            </p:childTnLst>
-                          </p:cTn>
-                        </p:par>
-                      </p:childTnLst>
-                    </p:cTn>
-                  </p:par>
-                  <p:par>
-                    <p:cTn id="18" fill="hold">
-                      <p:stCondLst>
-                        <p:cond delay="indefinite"/>
-                      </p:stCondLst>
-                      <p:childTnLst>
-                        <p:par>
-                          <p:cTn id="19" fill="hold">
-                            <p:stCondLst>
-                              <p:cond delay="0"/>
-                            </p:stCondLst>
-                            <p:childTnLst>
-                              <p:par>
-                                <p:cTn id="20" presetID="4" presetClass="entr" presetSubtype="16" fill="hold" grpId="0" nodeType="clickEffect">
-                                  <p:stCondLst>
-                                    <p:cond delay="0"/>
-                                  </p:stCondLst>
-                                  <p:childTnLst>
-                                    <p:set>
-                                      <p:cBhvr>
-                                        <p:cTn id="21" dur="1" fill="hold">
-                                          <p:stCondLst>
-                                            <p:cond delay="0"/>
-                                          </p:stCondLst>
-                                        </p:cTn>
-                                        <p:tgtEl>
-                                          <p:spTgt spid="6">
-                                            <p:txEl>
-                                              <p:pRg st="3" end="3"/>
-                                            </p:txEl>
-                                          </p:spTgt>
-                                        </p:tgtEl>
-                                        <p:attrNameLst>
-                                          <p:attrName>style.visibility</p:attrName>
-                                        </p:attrNameLst>
-                                      </p:cBhvr>
-                                      <p:to>
-                                        <p:strVal val="visible"/>
-                                      </p:to>
-                                    </p:set>
-                                    <p:animEffect transition="in" filter="box(in)">
-                                      <p:cBhvr>
-                                        <p:cTn id="22" dur="500"/>
-                                        <p:tgtEl>
-                                          <p:spTgt spid="6">
-                                            <p:txEl>
-                                              <p:pRg st="3" end="3"/>
-                                            </p:txEl>
-                                          </p:spTgt>
-                                        </p:tgtEl>
-                                      </p:cBhvr>
-                                    </p:animEffect>
-                                  </p:childTnLst>
-                                </p:cTn>
-                              </p:par>
-                            </p:childTnLst>
-                          </p:cTn>
-                        </p:par>
-                      </p:childTnLst>
-                    </p:cTn>
-                  </p:par>
-                  <p:par>
-                    <p:cTn id="23" fill="hold">
-                      <p:stCondLst>
-                        <p:cond delay="indefinite"/>
-                      </p:stCondLst>
-                      <p:childTnLst>
-                        <p:par>
-                          <p:cTn id="24" fill="hold">
-                            <p:stCondLst>
-                              <p:cond delay="0"/>
-                            </p:stCondLst>
-                            <p:childTnLst>
-                              <p:par>
-                                <p:cTn id="25" presetID="4" presetClass="entr" presetSubtype="16" fill="hold" grpId="0" nodeType="clickEffect">
-                                  <p:stCondLst>
-                                    <p:cond delay="0"/>
-                                  </p:stCondLst>
-                                  <p:childTnLst>
-                                    <p:set>
-                                      <p:cBhvr>
-                                        <p:cTn id="26" dur="1" fill="hold">
-                                          <p:stCondLst>
-                                            <p:cond delay="0"/>
-                                          </p:stCondLst>
-                                        </p:cTn>
-                                        <p:tgtEl>
-                                          <p:spTgt spid="6">
-                                            <p:txEl>
-                                              <p:pRg st="4" end="4"/>
-                                            </p:txEl>
-                                          </p:spTgt>
-                                        </p:tgtEl>
-                                        <p:attrNameLst>
-                                          <p:attrName>style.visibility</p:attrName>
-                                        </p:attrNameLst>
-                                      </p:cBhvr>
-                                      <p:to>
-                                        <p:strVal val="visible"/>
-                                      </p:to>
-                                    </p:set>
-                                    <p:animEffect transition="in" filter="box(in)">
-                                      <p:cBhvr>
-                                        <p:cTn id="27" dur="500"/>
-                                        <p:tgtEl>
-                                          <p:spTgt spid="6">
-                                            <p:txEl>
-                                              <p:pRg st="4" end="4"/>
-                                            </p:txEl>
-                                          </p:spTgt>
-                                        </p:tgtEl>
-                                      </p:cBhvr>
-                                    </p:animEffect>
-                                  </p:childTnLst>
-                                </p:cTn>
-                              </p:par>
-                            </p:childTnLst>
-                          </p:cTn>
-                        </p:par>
-                      </p:childTnLst>
-                    </p:cTn>
-                  </p:par>
-                </p:childTnLst>
-              </p:cTn>
-              <p:prevCondLst>
-                <p:cond evt="onPrev" delay="0">
-                  <p:tgtEl>
-                    <p:sldTgt/>
-                  </p:tgtEl>
-                </p:cond>
-              </p:prevCondLst>
-              <p:nextCondLst>
-                <p:cond evt="onNext" delay="0">
-                  <p:tgtEl>
-                    <p:sldTgt/>
-                  </p:tgtEl>
-                </p:cond>
-              </p:nextCondLst>
-            </p:seq>
-          </p:childTnLst>
-        </p:cTn>
-      </p:par>
-    </p:tnLst>
-    <p:bldLst>
-      <p:bldP spid="6" grpId="0" build="p"/>
-    </p:bldLst>
-  </p:timing>
-</p:sld>
-</file>
-
-<file path=ppt/slides/slide42.xml><?xml version="1.0" encoding="utf-8"?>
-<p:sld xmlns:a="http://schemas.openxmlformats.org/drawingml/2006/main" xmlns:r="http://schemas.openxmlformats.org/officeDocument/2006/relationships" xmlns:p="http://schemas.openxmlformats.org/presentationml/2006/main">
-  <p:cSld>
-    <p:spTree>
-      <p:nvGrpSpPr>
-        <p:cNvPr id="1" name=""/>
-        <p:cNvGrpSpPr/>
-        <p:nvPr/>
-      </p:nvGrpSpPr>
-      <p:grpSpPr>
-        <a:xfrm>
-          <a:off x="0" y="0"/>
-          <a:ext cx="0" cy="0"/>
-          <a:chOff x="0" y="0"/>
-          <a:chExt cx="0" cy="0"/>
-        </a:xfrm>
-      </p:grpSpPr>
-      <p:sp>
-        <p:nvSpPr>
-          <p:cNvPr id="2" name="Titel 1"/>
-          <p:cNvSpPr>
-            <a:spLocks noGrp="1"/>
-          </p:cNvSpPr>
-          <p:nvPr>
-            <p:ph type="title"/>
-          </p:nvPr>
-        </p:nvSpPr>
-        <p:spPr/>
-        <p:txBody>
-          <a:bodyPr/>
-          <a:lstStyle/>
-          <a:p>
-            <a:r>
-              <a:rPr lang="en-US" dirty="0" smtClean="0"/>
-              <a:t>Boost broken?</a:t>
-            </a:r>
-            <a:endParaRPr lang="en-US" dirty="0"/>
-          </a:p>
-        </p:txBody>
-      </p:sp>
-      <p:sp>
-        <p:nvSpPr>
-          <p:cNvPr id="3" name="Datumsplatzhalter 2"/>
-          <p:cNvSpPr>
-            <a:spLocks noGrp="1"/>
-          </p:cNvSpPr>
-          <p:nvPr>
-            <p:ph type="dt" sz="half" idx="10"/>
-          </p:nvPr>
-        </p:nvSpPr>
-        <p:spPr/>
-        <p:txBody>
-          <a:bodyPr/>
-          <a:lstStyle/>
-          <a:p>
-            <a:r>
-              <a:rPr lang="de-DE" smtClean="0"/>
-              <a:t>Version 1.0.1   2010-05-09</a:t>
-            </a:r>
-            <a:endParaRPr lang="de-DE" dirty="0"/>
-          </a:p>
-        </p:txBody>
-      </p:sp>
-      <p:sp>
-        <p:nvSpPr>
-          <p:cNvPr id="4" name="Fußzeilenplatzhalter 3"/>
-          <p:cNvSpPr>
-            <a:spLocks noGrp="1"/>
-          </p:cNvSpPr>
-          <p:nvPr>
-            <p:ph type="ftr" sz="quarter" idx="11"/>
-          </p:nvPr>
-        </p:nvSpPr>
-        <p:spPr/>
-        <p:txBody>
-          <a:bodyPr/>
-          <a:lstStyle/>
-          <a:p>
-            <a:r>
-              <a:rPr lang="en-US" smtClean="0"/>
-              <a:t>Copyright © Joachim Faulhaber 2010  Distributed under the Boost Software License 1.0 </a:t>
-            </a:r>
-            <a:endParaRPr lang="de-DE" dirty="0"/>
-          </a:p>
-        </p:txBody>
-      </p:sp>
-      <p:sp>
-        <p:nvSpPr>
-          <p:cNvPr id="5" name="Foliennummernplatzhalter 4"/>
-          <p:cNvSpPr>
-            <a:spLocks noGrp="1"/>
-          </p:cNvSpPr>
-          <p:nvPr>
-            <p:ph type="sldNum" sz="quarter" idx="12"/>
-          </p:nvPr>
-        </p:nvSpPr>
-        <p:spPr/>
-        <p:txBody>
-          <a:bodyPr/>
-          <a:lstStyle/>
-          <a:p>
-            <a:fld id="{64D7082F-DA1E-4BA7-A6EE-6967ECEA7877}" type="slidenum">
-              <a:rPr lang="de-DE" smtClean="0"/>
-              <a:pPr/>
-              <a:t>42</a:t>
-            </a:fld>
-            <a:endParaRPr lang="de-DE"/>
-          </a:p>
-        </p:txBody>
-      </p:sp>
-      <p:sp>
-        <p:nvSpPr>
-          <p:cNvPr id="6" name="Inhaltsplatzhalter 5"/>
-          <p:cNvSpPr>
-            <a:spLocks noGrp="1"/>
-          </p:cNvSpPr>
-          <p:nvPr>
-            <p:ph sz="quarter" idx="1"/>
-          </p:nvPr>
-        </p:nvSpPr>
-        <p:spPr/>
-        <p:txBody>
-          <a:bodyPr anchor="t">
-            <a:normAutofit fontScale="92500" lnSpcReduction="10000"/>
-          </a:bodyPr>
-          <a:lstStyle/>
-          <a:p>
-            <a:r>
-              <a:rPr lang="en-US" sz="2800" dirty="0" smtClean="0"/>
-              <a:t>A Review </a:t>
-            </a:r>
-            <a:r>
-              <a:rPr lang="en-US" sz="2800" dirty="0" smtClean="0"/>
-              <a:t>M</a:t>
-            </a:r>
-            <a:r>
-              <a:rPr lang="en-US" sz="2800" dirty="0" smtClean="0"/>
-              <a:t>anager </a:t>
-            </a:r>
-            <a:r>
-              <a:rPr lang="en-US" sz="2800" dirty="0" smtClean="0"/>
-              <a:t>A</a:t>
-            </a:r>
-            <a:r>
-              <a:rPr lang="en-US" sz="2800" dirty="0" smtClean="0"/>
-              <a:t>ssistant</a:t>
-            </a:r>
-            <a:endParaRPr lang="en-US" sz="2800" dirty="0" smtClean="0"/>
-          </a:p>
-          <a:p>
-            <a:r>
-              <a:rPr lang="en-US" sz="2800" dirty="0" smtClean="0"/>
-              <a:t>d</a:t>
-            </a:r>
-            <a:r>
-              <a:rPr lang="en-US" sz="2800" dirty="0" smtClean="0"/>
-              <a:t>oes all the work that is necessary to check a library submission, organize the process, moderate and file a final report.</a:t>
-            </a:r>
-          </a:p>
-          <a:p>
-            <a:r>
-              <a:rPr lang="en-US" sz="2800" dirty="0" smtClean="0"/>
-              <a:t>He unburdens the review manager from all kinds of detail work,</a:t>
-            </a:r>
-          </a:p>
-          <a:p>
-            <a:r>
-              <a:rPr lang="en-US" sz="2800" dirty="0" smtClean="0"/>
-              <a:t>l</a:t>
-            </a:r>
-            <a:r>
-              <a:rPr lang="en-US" sz="2800" dirty="0" smtClean="0"/>
-              <a:t>earns about all required standards and the typical aspects of a formal review.</a:t>
-            </a:r>
-          </a:p>
-          <a:p>
-            <a:r>
-              <a:rPr lang="en-US" sz="2800" dirty="0" smtClean="0"/>
-              <a:t>g</a:t>
-            </a:r>
-            <a:r>
-              <a:rPr lang="en-US" sz="2800" dirty="0" smtClean="0"/>
-              <a:t>ets a wider view of boost that helps to improve his own project.</a:t>
-            </a:r>
-          </a:p>
-          <a:p>
-            <a:r>
-              <a:rPr lang="en-US" sz="2800" dirty="0" smtClean="0"/>
-              <a:t>c</a:t>
-            </a:r>
-            <a:r>
-              <a:rPr lang="en-US" sz="2800" dirty="0" smtClean="0"/>
-              <a:t>reates himself as a contributor for others </a:t>
-            </a:r>
-            <a:endParaRPr lang="en-US" sz="2800" dirty="0"/>
-          </a:p>
-        </p:txBody>
-      </p:sp>
-    </p:spTree>
-  </p:cSld>
-  <p:clrMapOvr>
-    <a:masterClrMapping/>
-  </p:clrMapOvr>
-  <p:timing>
-    <p:tnLst>
-      <p:par>
-        <p:cTn id="1" dur="indefinite" restart="never" nodeType="tmRoot">
-          <p:childTnLst>
-            <p:seq concurrent="1" nextAc="seek">
-              <p:cTn id="2" dur="indefinite" nodeType="mainSeq">
-                <p:childTnLst>
-                  <p:par>
-                    <p:cTn id="3" fill="hold">
-                      <p:stCondLst>
-                        <p:cond delay="indefinite"/>
-                      </p:stCondLst>
-                      <p:childTnLst>
-                        <p:par>
-                          <p:cTn id="4" fill="hold">
-                            <p:stCondLst>
-                              <p:cond delay="0"/>
-                            </p:stCondLst>
-                            <p:childTnLst>
-                              <p:par>
-                                <p:cTn id="5" presetID="4" presetClass="entr" presetSubtype="16" fill="hold" grpId="0" nodeType="clickEffect">
-                                  <p:stCondLst>
-                                    <p:cond delay="0"/>
-                                  </p:stCondLst>
-                                  <p:childTnLst>
-                                    <p:set>
-                                      <p:cBhvr>
-                                        <p:cTn id="6" dur="1" fill="hold">
-                                          <p:stCondLst>
-                                            <p:cond delay="0"/>
-                                          </p:stCondLst>
-                                        </p:cTn>
-                                        <p:tgtEl>
-                                          <p:spTgt spid="6">
-                                            <p:txEl>
-                                              <p:pRg st="0" end="0"/>
-                                            </p:txEl>
-                                          </p:spTgt>
-                                        </p:tgtEl>
-                                        <p:attrNameLst>
-                                          <p:attrName>style.visibility</p:attrName>
-                                        </p:attrNameLst>
-                                      </p:cBhvr>
-                                      <p:to>
-                                        <p:strVal val="visible"/>
-                                      </p:to>
-                                    </p:set>
-                                    <p:animEffect transition="in" filter="box(in)">
-                                      <p:cBhvr>
-                                        <p:cTn id="7" dur="500"/>
-                                        <p:tgtEl>
-                                          <p:spTgt spid="6">
-                                            <p:txEl>
-                                              <p:pRg st="0" end="0"/>
-                                            </p:txEl>
-                                          </p:spTgt>
-                                        </p:tgtEl>
-                                      </p:cBhvr>
-                                    </p:animEffect>
-                                  </p:childTnLst>
-                                </p:cTn>
-                              </p:par>
-                            </p:childTnLst>
-                          </p:cTn>
-                        </p:par>
-                      </p:childTnLst>
-                    </p:cTn>
-                  </p:par>
-                  <p:par>
-                    <p:cTn id="8" fill="hold">
-                      <p:stCondLst>
-                        <p:cond delay="indefinite"/>
-                      </p:stCondLst>
-                      <p:childTnLst>
-                        <p:par>
-                          <p:cTn id="9" fill="hold">
-                            <p:stCondLst>
-                              <p:cond delay="0"/>
-                            </p:stCondLst>
-                            <p:childTnLst>
-                              <p:par>
-                                <p:cTn id="10" presetID="4" presetClass="entr" presetSubtype="16" fill="hold" grpId="0" nodeType="clickEffect">
-                                  <p:stCondLst>
-                                    <p:cond delay="0"/>
-                                  </p:stCondLst>
-                                  <p:childTnLst>
-                                    <p:set>
-                                      <p:cBhvr>
-                                        <p:cTn id="11" dur="1" fill="hold">
-                                          <p:stCondLst>
-                                            <p:cond delay="0"/>
-                                          </p:stCondLst>
-                                        </p:cTn>
-                                        <p:tgtEl>
-                                          <p:spTgt spid="6">
-                                            <p:txEl>
-                                              <p:pRg st="1" end="1"/>
-                                            </p:txEl>
-                                          </p:spTgt>
-                                        </p:tgtEl>
-                                        <p:attrNameLst>
-                                          <p:attrName>style.visibility</p:attrName>
-                                        </p:attrNameLst>
-                                      </p:cBhvr>
-                                      <p:to>
-                                        <p:strVal val="visible"/>
-                                      </p:to>
-                                    </p:set>
-                                    <p:animEffect transition="in" filter="box(in)">
-                                      <p:cBhvr>
-                                        <p:cTn id="12" dur="500"/>
-                                        <p:tgtEl>
-                                          <p:spTgt spid="6">
-                                            <p:txEl>
-                                              <p:pRg st="1" end="1"/>
-                                            </p:txEl>
-                                          </p:spTgt>
-                                        </p:tgtEl>
-                                      </p:cBhvr>
-                                    </p:animEffect>
-                                  </p:childTnLst>
-                                </p:cTn>
-                              </p:par>
-                            </p:childTnLst>
-                          </p:cTn>
-                        </p:par>
-                      </p:childTnLst>
-                    </p:cTn>
-                  </p:par>
-                  <p:par>
-                    <p:cTn id="13" fill="hold">
-                      <p:stCondLst>
-                        <p:cond delay="indefinite"/>
-                      </p:stCondLst>
-                      <p:childTnLst>
-                        <p:par>
-                          <p:cTn id="14" fill="hold">
-                            <p:stCondLst>
-                              <p:cond delay="0"/>
-                            </p:stCondLst>
-                            <p:childTnLst>
-                              <p:par>
-                                <p:cTn id="15" presetID="4" presetClass="entr" presetSubtype="16" fill="hold" grpId="0" nodeType="clickEffect">
-                                  <p:stCondLst>
-                                    <p:cond delay="0"/>
-                                  </p:stCondLst>
-                                  <p:childTnLst>
-                                    <p:set>
-                                      <p:cBhvr>
-                                        <p:cTn id="16" dur="1" fill="hold">
-                                          <p:stCondLst>
-                                            <p:cond delay="0"/>
-                                          </p:stCondLst>
-                                        </p:cTn>
-                                        <p:tgtEl>
-                                          <p:spTgt spid="6">
-                                            <p:txEl>
-                                              <p:pRg st="2" end="2"/>
-                                            </p:txEl>
-                                          </p:spTgt>
-                                        </p:tgtEl>
-                                        <p:attrNameLst>
-                                          <p:attrName>style.visibility</p:attrName>
-                                        </p:attrNameLst>
-                                      </p:cBhvr>
-                                      <p:to>
-                                        <p:strVal val="visible"/>
-                                      </p:to>
-                                    </p:set>
-                                    <p:animEffect transition="in" filter="box(in)">
-                                      <p:cBhvr>
-                                        <p:cTn id="17" dur="500"/>
-                                        <p:tgtEl>
-                                          <p:spTgt spid="6">
-                                            <p:txEl>
-                                              <p:pRg st="2" end="2"/>
-                                            </p:txEl>
-                                          </p:spTgt>
-                                        </p:tgtEl>
-                                      </p:cBhvr>
-                                    </p:animEffect>
-                                  </p:childTnLst>
-                                </p:cTn>
-                              </p:par>
-                            </p:childTnLst>
-                          </p:cTn>
-                        </p:par>
-                      </p:childTnLst>
-                    </p:cTn>
-                  </p:par>
-                  <p:par>
-                    <p:cTn id="18" fill="hold">
-                      <p:stCondLst>
-                        <p:cond delay="indefinite"/>
-                      </p:stCondLst>
-                      <p:childTnLst>
-                        <p:par>
-                          <p:cTn id="19" fill="hold">
-                            <p:stCondLst>
-                              <p:cond delay="0"/>
-                            </p:stCondLst>
-                            <p:childTnLst>
-                              <p:par>
-                                <p:cTn id="20" presetID="4" presetClass="entr" presetSubtype="16" fill="hold" grpId="0" nodeType="clickEffect">
-                                  <p:stCondLst>
-                                    <p:cond delay="0"/>
-                                  </p:stCondLst>
-                                  <p:childTnLst>
-                                    <p:set>
-                                      <p:cBhvr>
-                                        <p:cTn id="21" dur="1" fill="hold">
-                                          <p:stCondLst>
-                                            <p:cond delay="0"/>
-                                          </p:stCondLst>
-                                        </p:cTn>
-                                        <p:tgtEl>
-                                          <p:spTgt spid="6">
-                                            <p:txEl>
-                                              <p:pRg st="3" end="3"/>
-                                            </p:txEl>
-                                          </p:spTgt>
-                                        </p:tgtEl>
-                                        <p:attrNameLst>
-                                          <p:attrName>style.visibility</p:attrName>
-                                        </p:attrNameLst>
-                                      </p:cBhvr>
-                                      <p:to>
-                                        <p:strVal val="visible"/>
-                                      </p:to>
-                                    </p:set>
-                                    <p:animEffect transition="in" filter="box(in)">
-                                      <p:cBhvr>
-                                        <p:cTn id="22" dur="500"/>
-                                        <p:tgtEl>
-                                          <p:spTgt spid="6">
-                                            <p:txEl>
-                                              <p:pRg st="3" end="3"/>
-                                            </p:txEl>
-                                          </p:spTgt>
-                                        </p:tgtEl>
-                                      </p:cBhvr>
-                                    </p:animEffect>
-                                  </p:childTnLst>
-                                </p:cTn>
-                              </p:par>
-                            </p:childTnLst>
-                          </p:cTn>
-                        </p:par>
-                      </p:childTnLst>
-                    </p:cTn>
-                  </p:par>
-                  <p:par>
-                    <p:cTn id="23" fill="hold">
-                      <p:stCondLst>
-                        <p:cond delay="indefinite"/>
-                      </p:stCondLst>
-                      <p:childTnLst>
-                        <p:par>
-                          <p:cTn id="24" fill="hold">
-                            <p:stCondLst>
-                              <p:cond delay="0"/>
-                            </p:stCondLst>
-                            <p:childTnLst>
-                              <p:par>
-                                <p:cTn id="25" presetID="4" presetClass="entr" presetSubtype="16" fill="hold" grpId="0" nodeType="clickEffect">
-                                  <p:stCondLst>
-                                    <p:cond delay="0"/>
-                                  </p:stCondLst>
-                                  <p:childTnLst>
-                                    <p:set>
-                                      <p:cBhvr>
-                                        <p:cTn id="26" dur="1" fill="hold">
-                                          <p:stCondLst>
-                                            <p:cond delay="0"/>
-                                          </p:stCondLst>
-                                        </p:cTn>
-                                        <p:tgtEl>
-                                          <p:spTgt spid="6">
-                                            <p:txEl>
-                                              <p:pRg st="4" end="4"/>
-                                            </p:txEl>
-                                          </p:spTgt>
-                                        </p:tgtEl>
-                                        <p:attrNameLst>
-                                          <p:attrName>style.visibility</p:attrName>
-                                        </p:attrNameLst>
-                                      </p:cBhvr>
-                                      <p:to>
-                                        <p:strVal val="visible"/>
-                                      </p:to>
-                                    </p:set>
-                                    <p:animEffect transition="in" filter="box(in)">
-                                      <p:cBhvr>
-                                        <p:cTn id="27" dur="500"/>
-                                        <p:tgtEl>
-                                          <p:spTgt spid="6">
-                                            <p:txEl>
-                                              <p:pRg st="4" end="4"/>
-                                            </p:txEl>
-                                          </p:spTgt>
-                                        </p:tgtEl>
-                                      </p:cBhvr>
-                                    </p:animEffect>
-                                  </p:childTnLst>
-                                </p:cTn>
-                              </p:par>
-                            </p:childTnLst>
-                          </p:cTn>
-                        </p:par>
-                      </p:childTnLst>
-                    </p:cTn>
-                  </p:par>
-                  <p:par>
-                    <p:cTn id="28" fill="hold">
-                      <p:stCondLst>
-                        <p:cond delay="indefinite"/>
-                      </p:stCondLst>
-                      <p:childTnLst>
-                        <p:par>
-                          <p:cTn id="29" fill="hold">
-                            <p:stCondLst>
-                              <p:cond delay="0"/>
-                            </p:stCondLst>
-                            <p:childTnLst>
-                              <p:par>
-                                <p:cTn id="30" presetID="4" presetClass="entr" presetSubtype="16" fill="hold" grpId="0" nodeType="clickEffect">
-                                  <p:stCondLst>
-                                    <p:cond delay="0"/>
-                                  </p:stCondLst>
-                                  <p:childTnLst>
-                                    <p:set>
-                                      <p:cBhvr>
-                                        <p:cTn id="31" dur="1" fill="hold">
-                                          <p:stCondLst>
-                                            <p:cond delay="0"/>
-                                          </p:stCondLst>
-                                        </p:cTn>
-                                        <p:tgtEl>
-                                          <p:spTgt spid="6">
-                                            <p:txEl>
-                                              <p:pRg st="5" end="5"/>
-                                            </p:txEl>
-                                          </p:spTgt>
-                                        </p:tgtEl>
-                                        <p:attrNameLst>
-                                          <p:attrName>style.visibility</p:attrName>
-                                        </p:attrNameLst>
-                                      </p:cBhvr>
-                                      <p:to>
-                                        <p:strVal val="visible"/>
-                                      </p:to>
-                                    </p:set>
-                                    <p:animEffect transition="in" filter="box(in)">
-                                      <p:cBhvr>
-                                        <p:cTn id="32" dur="500"/>
-                                        <p:tgtEl>
-                                          <p:spTgt spid="6">
-                                            <p:txEl>
-                                              <p:pRg st="5" end="5"/>
-                                            </p:txEl>
-                                          </p:spTgt>
-                                        </p:tgtEl>
-                                      </p:cBhvr>
-                                    </p:animEffect>
-                                  </p:childTnLst>
-                                </p:cTn>
-                              </p:par>
-                            </p:childTnLst>
-                          </p:cTn>
-                        </p:par>
-                      </p:childTnLst>
-                    </p:cTn>
-                  </p:par>
-                </p:childTnLst>
-              </p:cTn>
-              <p:prevCondLst>
-                <p:cond evt="onPrev" delay="0">
-                  <p:tgtEl>
-                    <p:sldTgt/>
-                  </p:tgtEl>
-                </p:cond>
-              </p:prevCondLst>
-              <p:nextCondLst>
-                <p:cond evt="onNext" delay="0">
-                  <p:tgtEl>
-                    <p:sldTgt/>
-                  </p:tgtEl>
-                </p:cond>
-              </p:nextCondLst>
-            </p:seq>
-          </p:childTnLst>
-        </p:cTn>
-      </p:par>
-    </p:tnLst>
-    <p:bldLst>
-      <p:bldP spid="6" grpId="0" build="p"/>
-    </p:bldLst>
-  </p:timing>
-</p:sld>
-</file>
-
-<file path=ppt/slides/slide43.xml><?xml version="1.0" encoding="utf-8"?>
-<p:sld xmlns:a="http://schemas.openxmlformats.org/drawingml/2006/main" xmlns:r="http://schemas.openxmlformats.org/officeDocument/2006/relationships" xmlns:p="http://schemas.openxmlformats.org/presentationml/2006/main">
-  <p:cSld>
-    <p:spTree>
-      <p:nvGrpSpPr>
-        <p:cNvPr id="1" name=""/>
-        <p:cNvGrpSpPr/>
-        <p:nvPr/>
-      </p:nvGrpSpPr>
-      <p:grpSpPr>
-        <a:xfrm>
-          <a:off x="0" y="0"/>
-          <a:ext cx="0" cy="0"/>
-          <a:chOff x="0" y="0"/>
-          <a:chExt cx="0" cy="0"/>
-        </a:xfrm>
-      </p:grpSpPr>
-      <p:sp>
-        <p:nvSpPr>
-          <p:cNvPr id="2" name="Titel 1"/>
-          <p:cNvSpPr>
-            <a:spLocks noGrp="1"/>
-          </p:cNvSpPr>
-          <p:nvPr>
-            <p:ph type="title"/>
-          </p:nvPr>
-        </p:nvSpPr>
-        <p:spPr/>
-        <p:txBody>
-          <a:bodyPr/>
-          <a:lstStyle/>
-          <a:p>
-            <a:r>
-              <a:rPr lang="en-US" dirty="0" smtClean="0"/>
-              <a:t>Boost broken?</a:t>
-            </a:r>
-            <a:endParaRPr lang="en-US" dirty="0"/>
-          </a:p>
-        </p:txBody>
-      </p:sp>
-      <p:sp>
-        <p:nvSpPr>
-          <p:cNvPr id="3" name="Datumsplatzhalter 2"/>
-          <p:cNvSpPr>
-            <a:spLocks noGrp="1"/>
-          </p:cNvSpPr>
-          <p:nvPr>
-            <p:ph type="dt" sz="half" idx="10"/>
-          </p:nvPr>
-        </p:nvSpPr>
-        <p:spPr/>
-        <p:txBody>
-          <a:bodyPr/>
-          <a:lstStyle/>
-          <a:p>
-            <a:r>
-              <a:rPr lang="de-DE" smtClean="0"/>
-              <a:t>Version 1.0.1   2010-05-09</a:t>
-            </a:r>
-            <a:endParaRPr lang="de-DE" dirty="0"/>
-          </a:p>
-        </p:txBody>
-      </p:sp>
-      <p:sp>
-        <p:nvSpPr>
-          <p:cNvPr id="4" name="Fußzeilenplatzhalter 3"/>
-          <p:cNvSpPr>
-            <a:spLocks noGrp="1"/>
-          </p:cNvSpPr>
-          <p:nvPr>
-            <p:ph type="ftr" sz="quarter" idx="11"/>
-          </p:nvPr>
-        </p:nvSpPr>
-        <p:spPr/>
-        <p:txBody>
-          <a:bodyPr/>
-          <a:lstStyle/>
-          <a:p>
-            <a:r>
-              <a:rPr lang="en-US" smtClean="0"/>
-              <a:t>Copyright © Joachim Faulhaber 2010  Distributed under the Boost Software License 1.0 </a:t>
-            </a:r>
-            <a:endParaRPr lang="de-DE" dirty="0"/>
-          </a:p>
-        </p:txBody>
-      </p:sp>
-      <p:sp>
-        <p:nvSpPr>
-          <p:cNvPr id="5" name="Foliennummernplatzhalter 4"/>
-          <p:cNvSpPr>
-            <a:spLocks noGrp="1"/>
-          </p:cNvSpPr>
-          <p:nvPr>
-            <p:ph type="sldNum" sz="quarter" idx="12"/>
-          </p:nvPr>
-        </p:nvSpPr>
-        <p:spPr/>
-        <p:txBody>
-          <a:bodyPr/>
-          <a:lstStyle/>
-          <a:p>
-            <a:fld id="{64D7082F-DA1E-4BA7-A6EE-6967ECEA7877}" type="slidenum">
-              <a:rPr lang="de-DE" smtClean="0"/>
-              <a:pPr/>
-              <a:t>43</a:t>
-            </a:fld>
-            <a:endParaRPr lang="de-DE"/>
-          </a:p>
-        </p:txBody>
-      </p:sp>
-      <p:sp>
-        <p:nvSpPr>
-          <p:cNvPr id="6" name="Inhaltsplatzhalter 5"/>
-          <p:cNvSpPr>
-            <a:spLocks noGrp="1"/>
-          </p:cNvSpPr>
-          <p:nvPr>
-            <p:ph sz="quarter" idx="1"/>
-          </p:nvPr>
-        </p:nvSpPr>
-        <p:spPr/>
-        <p:txBody>
-          <a:bodyPr anchor="t">
-            <a:normAutofit/>
-          </a:bodyPr>
-          <a:lstStyle/>
-          <a:p>
-            <a:r>
-              <a:rPr lang="en-US" sz="2800" dirty="0" smtClean="0"/>
-              <a:t>In case of a clear review result, the review manager’s only job is to declare the result.</a:t>
-            </a:r>
-            <a:endParaRPr lang="en-US" sz="2800" dirty="0" smtClean="0"/>
-          </a:p>
-          <a:p>
-            <a:r>
-              <a:rPr lang="en-US" sz="2800" dirty="0" smtClean="0"/>
-              <a:t>Only in case of a controversial result the review manager steps in, examines the problems, and takes a decision from his broader background.</a:t>
-            </a:r>
-          </a:p>
-        </p:txBody>
-      </p:sp>
-    </p:spTree>
-  </p:cSld>
-  <p:clrMapOvr>
-    <a:masterClrMapping/>
-  </p:clrMapOvr>
-  <p:timing>
-    <p:tnLst>
-      <p:par>
-        <p:cTn id="1" dur="indefinite" restart="never" nodeType="tmRoot">
-          <p:childTnLst>
-            <p:seq concurrent="1" nextAc="seek">
-              <p:cTn id="2" dur="indefinite" nodeType="mainSeq">
-                <p:childTnLst>
-                  <p:par>
-                    <p:cTn id="3" fill="hold">
-                      <p:stCondLst>
-                        <p:cond delay="indefinite"/>
-                      </p:stCondLst>
-                      <p:childTnLst>
-                        <p:par>
-                          <p:cTn id="4" fill="hold">
-                            <p:stCondLst>
-                              <p:cond delay="0"/>
-                            </p:stCondLst>
-                            <p:childTnLst>
-                              <p:par>
-                                <p:cTn id="5" presetID="4" presetClass="entr" presetSubtype="16" fill="hold" grpId="0" nodeType="clickEffect">
-                                  <p:stCondLst>
-                                    <p:cond delay="0"/>
-                                  </p:stCondLst>
-                                  <p:childTnLst>
-                                    <p:set>
-                                      <p:cBhvr>
-                                        <p:cTn id="6" dur="1" fill="hold">
-                                          <p:stCondLst>
-                                            <p:cond delay="0"/>
-                                          </p:stCondLst>
-                                        </p:cTn>
-                                        <p:tgtEl>
-                                          <p:spTgt spid="6">
-                                            <p:txEl>
-                                              <p:pRg st="0" end="0"/>
-                                            </p:txEl>
-                                          </p:spTgt>
-                                        </p:tgtEl>
-                                        <p:attrNameLst>
-                                          <p:attrName>style.visibility</p:attrName>
-                                        </p:attrNameLst>
-                                      </p:cBhvr>
-                                      <p:to>
-                                        <p:strVal val="visible"/>
-                                      </p:to>
-                                    </p:set>
-                                    <p:animEffect transition="in" filter="box(in)">
-                                      <p:cBhvr>
-                                        <p:cTn id="7" dur="500"/>
-                                        <p:tgtEl>
-                                          <p:spTgt spid="6">
-                                            <p:txEl>
-                                              <p:pRg st="0" end="0"/>
-                                            </p:txEl>
-                                          </p:spTgt>
-                                        </p:tgtEl>
-                                      </p:cBhvr>
-                                    </p:animEffect>
-                                  </p:childTnLst>
-                                </p:cTn>
-                              </p:par>
-                            </p:childTnLst>
-                          </p:cTn>
-                        </p:par>
-                      </p:childTnLst>
-                    </p:cTn>
-                  </p:par>
-                  <p:par>
-                    <p:cTn id="8" fill="hold">
-                      <p:stCondLst>
-                        <p:cond delay="indefinite"/>
-                      </p:stCondLst>
-                      <p:childTnLst>
-                        <p:par>
-                          <p:cTn id="9" fill="hold">
-                            <p:stCondLst>
-                              <p:cond delay="0"/>
-                            </p:stCondLst>
-                            <p:childTnLst>
-                              <p:par>
-                                <p:cTn id="10" presetID="4" presetClass="entr" presetSubtype="16" fill="hold" grpId="0" nodeType="clickEffect">
-                                  <p:stCondLst>
-                                    <p:cond delay="0"/>
-                                  </p:stCondLst>
-                                  <p:childTnLst>
-                                    <p:set>
-                                      <p:cBhvr>
-                                        <p:cTn id="11" dur="1" fill="hold">
-                                          <p:stCondLst>
-                                            <p:cond delay="0"/>
-                                          </p:stCondLst>
-                                        </p:cTn>
-                                        <p:tgtEl>
-                                          <p:spTgt spid="6">
-                                            <p:txEl>
-                                              <p:pRg st="1" end="1"/>
-                                            </p:txEl>
-                                          </p:spTgt>
-                                        </p:tgtEl>
-                                        <p:attrNameLst>
-                                          <p:attrName>style.visibility</p:attrName>
-                                        </p:attrNameLst>
-                                      </p:cBhvr>
-                                      <p:to>
-                                        <p:strVal val="visible"/>
-                                      </p:to>
-                                    </p:set>
-                                    <p:animEffect transition="in" filter="box(in)">
-                                      <p:cBhvr>
-                                        <p:cTn id="12" dur="500"/>
-                                        <p:tgtEl>
-                                          <p:spTgt spid="6">
-                                            <p:txEl>
-                                              <p:pRg st="1" end="1"/>
-                                            </p:txEl>
-                                          </p:spTgt>
-                                        </p:tgtEl>
-                                      </p:cBhvr>
-                                    </p:animEffect>
-                                  </p:childTnLst>
-                                </p:cTn>
-                              </p:par>
-                            </p:childTnLst>
-                          </p:cTn>
-                        </p:par>
-                      </p:childTnLst>
-                    </p:cTn>
-                  </p:par>
-                </p:childTnLst>
-              </p:cTn>
-              <p:prevCondLst>
-                <p:cond evt="onPrev" delay="0">
-                  <p:tgtEl>
-                    <p:sldTgt/>
-                  </p:tgtEl>
-                </p:cond>
-              </p:prevCondLst>
-              <p:nextCondLst>
-                <p:cond evt="onNext" delay="0">
-                  <p:tgtEl>
-                    <p:sldTgt/>
-                  </p:tgtEl>
-                </p:cond>
-              </p:nextCondLst>
-            </p:seq>
-          </p:childTnLst>
-        </p:cTn>
-      </p:par>
-    </p:tnLst>
-    <p:bldLst>
-      <p:bldP spid="6" grpId="0" build="p"/>
-    </p:bldLst>
-  </p:timing>
-</p:sld>
-</file>
-
-<file path=ppt/slides/slide44.xml><?xml version="1.0" encoding="utf-8"?>
-<p:sld xmlns:a="http://schemas.openxmlformats.org/drawingml/2006/main" xmlns:r="http://schemas.openxmlformats.org/officeDocument/2006/relationships" xmlns:p="http://schemas.openxmlformats.org/presentationml/2006/main">
-  <p:cSld>
-    <p:spTree>
-      <p:nvGrpSpPr>
-        <p:cNvPr id="1" name=""/>
-        <p:cNvGrpSpPr/>
-        <p:nvPr/>
-      </p:nvGrpSpPr>
-      <p:grpSpPr>
-        <a:xfrm>
-          <a:off x="0" y="0"/>
-          <a:ext cx="0" cy="0"/>
-          <a:chOff x="0" y="0"/>
-          <a:chExt cx="0" cy="0"/>
-        </a:xfrm>
-      </p:grpSpPr>
-      <p:sp>
-        <p:nvSpPr>
-          <p:cNvPr id="2" name="Titel 1"/>
-          <p:cNvSpPr>
-            <a:spLocks noGrp="1"/>
-          </p:cNvSpPr>
-          <p:nvPr>
-            <p:ph type="title"/>
-          </p:nvPr>
-        </p:nvSpPr>
-        <p:spPr/>
-        <p:txBody>
-          <a:bodyPr/>
-          <a:lstStyle/>
-          <a:p>
-            <a:r>
-              <a:rPr lang="en-US" dirty="0" smtClean="0"/>
-              <a:t>Boost broken?</a:t>
-            </a:r>
-            <a:endParaRPr lang="en-US" dirty="0"/>
-          </a:p>
-        </p:txBody>
-      </p:sp>
-      <p:sp>
-        <p:nvSpPr>
-          <p:cNvPr id="3" name="Datumsplatzhalter 2"/>
-          <p:cNvSpPr>
-            <a:spLocks noGrp="1"/>
-          </p:cNvSpPr>
-          <p:nvPr>
-            <p:ph type="dt" sz="half" idx="10"/>
-          </p:nvPr>
-        </p:nvSpPr>
-        <p:spPr/>
-        <p:txBody>
-          <a:bodyPr/>
-          <a:lstStyle/>
-          <a:p>
-            <a:r>
-              <a:rPr lang="de-DE" smtClean="0"/>
-              <a:t>Version 1.0.1   2010-05-09</a:t>
-            </a:r>
-            <a:endParaRPr lang="de-DE" dirty="0"/>
-          </a:p>
-        </p:txBody>
-      </p:sp>
-      <p:sp>
-        <p:nvSpPr>
-          <p:cNvPr id="4" name="Fußzeilenplatzhalter 3"/>
-          <p:cNvSpPr>
-            <a:spLocks noGrp="1"/>
-          </p:cNvSpPr>
-          <p:nvPr>
-            <p:ph type="ftr" sz="quarter" idx="11"/>
-          </p:nvPr>
-        </p:nvSpPr>
-        <p:spPr/>
-        <p:txBody>
-          <a:bodyPr/>
-          <a:lstStyle/>
-          <a:p>
-            <a:r>
-              <a:rPr lang="en-US" smtClean="0"/>
-              <a:t>Copyright © Joachim Faulhaber 2010  Distributed under the Boost Software License 1.0 </a:t>
-            </a:r>
-            <a:endParaRPr lang="de-DE" dirty="0"/>
-          </a:p>
-        </p:txBody>
-      </p:sp>
-      <p:sp>
-        <p:nvSpPr>
-          <p:cNvPr id="5" name="Foliennummernplatzhalter 4"/>
-          <p:cNvSpPr>
-            <a:spLocks noGrp="1"/>
-          </p:cNvSpPr>
-          <p:nvPr>
-            <p:ph type="sldNum" sz="quarter" idx="12"/>
-          </p:nvPr>
-        </p:nvSpPr>
-        <p:spPr/>
-        <p:txBody>
-          <a:bodyPr/>
-          <a:lstStyle/>
-          <a:p>
-            <a:fld id="{64D7082F-DA1E-4BA7-A6EE-6967ECEA7877}" type="slidenum">
-              <a:rPr lang="de-DE" smtClean="0"/>
-              <a:pPr/>
-              <a:t>44</a:t>
-            </a:fld>
-            <a:endParaRPr lang="de-DE"/>
-          </a:p>
-        </p:txBody>
-      </p:sp>
-      <p:sp>
-        <p:nvSpPr>
-          <p:cNvPr id="6" name="Inhaltsplatzhalter 5"/>
-          <p:cNvSpPr>
-            <a:spLocks noGrp="1"/>
-          </p:cNvSpPr>
-          <p:nvPr>
-            <p:ph sz="quarter" idx="1"/>
-          </p:nvPr>
-        </p:nvSpPr>
-        <p:spPr/>
-        <p:txBody>
-          <a:bodyPr anchor="t">
-            <a:normAutofit lnSpcReduction="10000"/>
-          </a:bodyPr>
-          <a:lstStyle/>
-          <a:p>
-            <a:r>
-              <a:rPr lang="en-US" sz="2800" dirty="0" smtClean="0"/>
-              <a:t>Contributing to boost as a win </a:t>
-            </a:r>
-            <a:r>
-              <a:rPr lang="en-US" sz="2800" dirty="0" err="1" smtClean="0"/>
-              <a:t>win</a:t>
-            </a:r>
-            <a:r>
-              <a:rPr lang="en-US" sz="2800" dirty="0" smtClean="0"/>
-              <a:t> game.</a:t>
-            </a:r>
-          </a:p>
-          <a:p>
-            <a:r>
-              <a:rPr lang="en-US" sz="2800" dirty="0" smtClean="0"/>
-              <a:t>Provided the contributor is able to fulfill the standards, there will be a certification of a library, even if it is rejected in the formal review.</a:t>
-            </a:r>
-          </a:p>
-          <a:p>
-            <a:r>
-              <a:rPr lang="en-US" sz="2800" dirty="0" smtClean="0"/>
-              <a:t>To be accepted for a formal review will be a desirable goal in itself.</a:t>
-            </a:r>
-          </a:p>
-          <a:p>
-            <a:r>
-              <a:rPr lang="en-US" sz="2800" dirty="0" smtClean="0"/>
-              <a:t>Besides the core libraries, there is a status for associated libraries, that must reach and maintain boost standards (be admissible to a boost formal review).</a:t>
-            </a:r>
-          </a:p>
-          <a:p>
-            <a:endParaRPr lang="en-US" sz="2800" dirty="0" smtClean="0"/>
-          </a:p>
-        </p:txBody>
-      </p:sp>
-    </p:spTree>
-  </p:cSld>
-  <p:clrMapOvr>
-    <a:masterClrMapping/>
-  </p:clrMapOvr>
-  <p:timing>
-    <p:tnLst>
-      <p:par>
-        <p:cTn id="1" dur="indefinite" restart="never" nodeType="tmRoot">
-          <p:childTnLst>
-            <p:seq concurrent="1" nextAc="seek">
-              <p:cTn id="2" dur="indefinite" nodeType="mainSeq">
-                <p:childTnLst>
-                  <p:par>
-                    <p:cTn id="3" fill="hold">
-                      <p:stCondLst>
-                        <p:cond delay="indefinite"/>
-                      </p:stCondLst>
-                      <p:childTnLst>
-                        <p:par>
-                          <p:cTn id="4" fill="hold">
-                            <p:stCondLst>
-                              <p:cond delay="0"/>
-                            </p:stCondLst>
-                            <p:childTnLst>
-                              <p:par>
-                                <p:cTn id="5" presetID="4" presetClass="entr" presetSubtype="16" fill="hold" grpId="0" nodeType="clickEffect">
-                                  <p:stCondLst>
-                                    <p:cond delay="0"/>
-                                  </p:stCondLst>
-                                  <p:childTnLst>
-                                    <p:set>
-                                      <p:cBhvr>
-                                        <p:cTn id="6" dur="1" fill="hold">
-                                          <p:stCondLst>
-                                            <p:cond delay="0"/>
-                                          </p:stCondLst>
-                                        </p:cTn>
-                                        <p:tgtEl>
-                                          <p:spTgt spid="6">
-                                            <p:txEl>
-                                              <p:pRg st="0" end="0"/>
-                                            </p:txEl>
-                                          </p:spTgt>
-                                        </p:tgtEl>
-                                        <p:attrNameLst>
-                                          <p:attrName>style.visibility</p:attrName>
-                                        </p:attrNameLst>
-                                      </p:cBhvr>
-                                      <p:to>
-                                        <p:strVal val="visible"/>
-                                      </p:to>
-                                    </p:set>
-                                    <p:animEffect transition="in" filter="box(in)">
-                                      <p:cBhvr>
-                                        <p:cTn id="7" dur="500"/>
-                                        <p:tgtEl>
-                                          <p:spTgt spid="6">
-                                            <p:txEl>
-                                              <p:pRg st="0" end="0"/>
-                                            </p:txEl>
-                                          </p:spTgt>
-                                        </p:tgtEl>
-                                      </p:cBhvr>
-                                    </p:animEffect>
-                                  </p:childTnLst>
-                                </p:cTn>
-                              </p:par>
-                            </p:childTnLst>
-                          </p:cTn>
-                        </p:par>
-                      </p:childTnLst>
-                    </p:cTn>
-                  </p:par>
-                  <p:par>
-                    <p:cTn id="8" fill="hold">
-                      <p:stCondLst>
-                        <p:cond delay="indefinite"/>
-                      </p:stCondLst>
-                      <p:childTnLst>
-                        <p:par>
-                          <p:cTn id="9" fill="hold">
-                            <p:stCondLst>
-                              <p:cond delay="0"/>
-                            </p:stCondLst>
-                            <p:childTnLst>
-                              <p:par>
-                                <p:cTn id="10" presetID="4" presetClass="entr" presetSubtype="16" fill="hold" grpId="0" nodeType="clickEffect">
-                                  <p:stCondLst>
-                                    <p:cond delay="0"/>
-                                  </p:stCondLst>
-                                  <p:childTnLst>
-                                    <p:set>
-                                      <p:cBhvr>
-                                        <p:cTn id="11" dur="1" fill="hold">
-                                          <p:stCondLst>
-                                            <p:cond delay="0"/>
-                                          </p:stCondLst>
-                                        </p:cTn>
-                                        <p:tgtEl>
-                                          <p:spTgt spid="6">
-                                            <p:txEl>
-                                              <p:pRg st="1" end="1"/>
-                                            </p:txEl>
-                                          </p:spTgt>
-                                        </p:tgtEl>
-                                        <p:attrNameLst>
-                                          <p:attrName>style.visibility</p:attrName>
-                                        </p:attrNameLst>
-                                      </p:cBhvr>
-                                      <p:to>
-                                        <p:strVal val="visible"/>
-                                      </p:to>
-                                    </p:set>
-                                    <p:animEffect transition="in" filter="box(in)">
-                                      <p:cBhvr>
-                                        <p:cTn id="12" dur="500"/>
-                                        <p:tgtEl>
-                                          <p:spTgt spid="6">
-                                            <p:txEl>
-                                              <p:pRg st="1" end="1"/>
-                                            </p:txEl>
-                                          </p:spTgt>
-                                        </p:tgtEl>
-                                      </p:cBhvr>
-                                    </p:animEffect>
-                                  </p:childTnLst>
-                                </p:cTn>
-                              </p:par>
-                            </p:childTnLst>
-                          </p:cTn>
-                        </p:par>
-                      </p:childTnLst>
-                    </p:cTn>
-                  </p:par>
-                  <p:par>
-                    <p:cTn id="13" fill="hold">
-                      <p:stCondLst>
-                        <p:cond delay="indefinite"/>
-                      </p:stCondLst>
-                      <p:childTnLst>
-                        <p:par>
-                          <p:cTn id="14" fill="hold">
-                            <p:stCondLst>
-                              <p:cond delay="0"/>
-                            </p:stCondLst>
-                            <p:childTnLst>
-                              <p:par>
-                                <p:cTn id="15" presetID="4" presetClass="entr" presetSubtype="16" fill="hold" grpId="0" nodeType="clickEffect">
-                                  <p:stCondLst>
-                                    <p:cond delay="0"/>
-                                  </p:stCondLst>
-                                  <p:childTnLst>
-                                    <p:set>
-                                      <p:cBhvr>
-                                        <p:cTn id="16" dur="1" fill="hold">
-                                          <p:stCondLst>
-                                            <p:cond delay="0"/>
-                                          </p:stCondLst>
-                                        </p:cTn>
-                                        <p:tgtEl>
-                                          <p:spTgt spid="6">
-                                            <p:txEl>
-                                              <p:pRg st="2" end="2"/>
-                                            </p:txEl>
-                                          </p:spTgt>
-                                        </p:tgtEl>
-                                        <p:attrNameLst>
-                                          <p:attrName>style.visibility</p:attrName>
-                                        </p:attrNameLst>
-                                      </p:cBhvr>
-                                      <p:to>
-                                        <p:strVal val="visible"/>
-                                      </p:to>
-                                    </p:set>
-                                    <p:animEffect transition="in" filter="box(in)">
-                                      <p:cBhvr>
-                                        <p:cTn id="17" dur="500"/>
-                                        <p:tgtEl>
-                                          <p:spTgt spid="6">
-                                            <p:txEl>
-                                              <p:pRg st="2" end="2"/>
-                                            </p:txEl>
-                                          </p:spTgt>
-                                        </p:tgtEl>
-                                      </p:cBhvr>
-                                    </p:animEffect>
-                                  </p:childTnLst>
-                                </p:cTn>
-                              </p:par>
-                            </p:childTnLst>
-                          </p:cTn>
-                        </p:par>
-                      </p:childTnLst>
-                    </p:cTn>
-                  </p:par>
-                  <p:par>
-                    <p:cTn id="18" fill="hold">
-                      <p:stCondLst>
-                        <p:cond delay="indefinite"/>
-                      </p:stCondLst>
-                      <p:childTnLst>
-                        <p:par>
-                          <p:cTn id="19" fill="hold">
-                            <p:stCondLst>
-                              <p:cond delay="0"/>
-                            </p:stCondLst>
-                            <p:childTnLst>
-                              <p:par>
-                                <p:cTn id="20" presetID="4" presetClass="entr" presetSubtype="16" fill="hold" grpId="0" nodeType="clickEffect">
-                                  <p:stCondLst>
-                                    <p:cond delay="0"/>
-                                  </p:stCondLst>
-                                  <p:childTnLst>
-                                    <p:set>
-                                      <p:cBhvr>
-                                        <p:cTn id="21" dur="1" fill="hold">
-                                          <p:stCondLst>
-                                            <p:cond delay="0"/>
-                                          </p:stCondLst>
-                                        </p:cTn>
-                                        <p:tgtEl>
-                                          <p:spTgt spid="6">
-                                            <p:txEl>
-                                              <p:pRg st="3" end="3"/>
-                                            </p:txEl>
-                                          </p:spTgt>
-                                        </p:tgtEl>
-                                        <p:attrNameLst>
-                                          <p:attrName>style.visibility</p:attrName>
-                                        </p:attrNameLst>
-                                      </p:cBhvr>
-                                      <p:to>
-                                        <p:strVal val="visible"/>
-                                      </p:to>
-                                    </p:set>
-                                    <p:animEffect transition="in" filter="box(in)">
-                                      <p:cBhvr>
-                                        <p:cTn id="22" dur="500"/>
-                                        <p:tgtEl>
-                                          <p:spTgt spid="6">
-                                            <p:txEl>
-                                              <p:pRg st="3" end="3"/>
-                                            </p:txEl>
-                                          </p:spTgt>
-                                        </p:tgtEl>
-                                      </p:cBhvr>
-                                    </p:animEffect>
-                                  </p:childTnLst>
-                                </p:cTn>
-                              </p:par>
-                            </p:childTnLst>
-                          </p:cTn>
-                        </p:par>
-                      </p:childTnLst>
-                    </p:cTn>
-                  </p:par>
-                </p:childTnLst>
-              </p:cTn>
-              <p:prevCondLst>
-                <p:cond evt="onPrev" delay="0">
-                  <p:tgtEl>
-                    <p:sldTgt/>
-                  </p:tgtEl>
-                </p:cond>
-              </p:prevCondLst>
-              <p:nextCondLst>
-                <p:cond evt="onNext" delay="0">
-                  <p:tgtEl>
-                    <p:sldTgt/>
-                  </p:tgtEl>
-                </p:cond>
-              </p:nextCondLst>
-            </p:seq>
-          </p:childTnLst>
-        </p:cTn>
-      </p:par>
-    </p:tnLst>
-    <p:bldLst>
-      <p:bldP spid="6" grpId="0" build="p"/>
-    </p:bldLst>
   </p:timing>
 </p:sld>
 </file>
@@ -43312,11 +40307,7 @@
             </a:r>
             <a:r>
               <a:rPr lang="en-US" sz="2800" dirty="0" smtClean="0"/>
-              <a:t> </a:t>
-            </a:r>
-            <a:r>
-              <a:rPr lang="en-US" sz="2800" dirty="0" smtClean="0"/>
-              <a:t> and Hughes </a:t>
+              <a:t>  and Hughes </a:t>
             </a:r>
             <a:r>
               <a:rPr lang="de-DE" sz="2800" dirty="0" smtClean="0"/>
@@ -43341,19 +40332,7 @@
             </a:r>
             <a:r>
               <a:rPr lang="en-US" sz="2600" dirty="0" smtClean="0"/>
-              <a:t> </a:t>
-            </a:r>
-            <a:r>
-              <a:rPr lang="en-US" sz="2600" dirty="0" smtClean="0"/>
-              <a:t>for Haskell </a:t>
-            </a:r>
-            <a:r>
-              <a:rPr lang="en-US" sz="2600" dirty="0" smtClean="0"/>
-              <a:t>[1] </a:t>
-            </a:r>
-            <a:r>
-              <a:rPr lang="en-US" sz="2600" dirty="0" smtClean="0"/>
-              <a:t>…</a:t>
+              <a:t> for Haskell [1] …</a:t>
             </a:r>
             <a:br>
               <a:rPr lang="en-US" sz="2600" dirty="0" smtClean="0"/>
